--- a/Presentation.pptx
+++ b/Presentation.pptx
@@ -5,23 +5,29 @@
     <p:sldMasterId id="2147483648" r:id="rId4"/>
   </p:sldMasterIdLst>
   <p:notesMasterIdLst>
-    <p:notesMasterId r:id="rId16"/>
+    <p:notesMasterId r:id="rId22"/>
   </p:notesMasterIdLst>
   <p:handoutMasterIdLst>
-    <p:handoutMasterId r:id="rId17"/>
+    <p:handoutMasterId r:id="rId23"/>
   </p:handoutMasterIdLst>
   <p:sldIdLst>
     <p:sldId id="256" r:id="rId5"/>
-    <p:sldId id="267" r:id="rId6"/>
-    <p:sldId id="268" r:id="rId7"/>
-    <p:sldId id="261" r:id="rId8"/>
-    <p:sldId id="266" r:id="rId9"/>
-    <p:sldId id="258" r:id="rId10"/>
-    <p:sldId id="259" r:id="rId11"/>
-    <p:sldId id="263" r:id="rId12"/>
-    <p:sldId id="262" r:id="rId13"/>
-    <p:sldId id="264" r:id="rId14"/>
-    <p:sldId id="265" r:id="rId15"/>
+    <p:sldId id="266" r:id="rId6"/>
+    <p:sldId id="271" r:id="rId7"/>
+    <p:sldId id="272" r:id="rId8"/>
+    <p:sldId id="267" r:id="rId9"/>
+    <p:sldId id="273" r:id="rId10"/>
+    <p:sldId id="268" r:id="rId11"/>
+    <p:sldId id="274" r:id="rId12"/>
+    <p:sldId id="261" r:id="rId13"/>
+    <p:sldId id="258" r:id="rId14"/>
+    <p:sldId id="259" r:id="rId15"/>
+    <p:sldId id="263" r:id="rId16"/>
+    <p:sldId id="262" r:id="rId17"/>
+    <p:sldId id="264" r:id="rId18"/>
+    <p:sldId id="265" r:id="rId19"/>
+    <p:sldId id="270" r:id="rId20"/>
+    <p:sldId id="269" r:id="rId21"/>
   </p:sldIdLst>
   <p:sldSz cx="9144000" cy="6858000" type="screen4x3"/>
   <p:notesSz cx="6669088" cy="9928225"/>
@@ -236,7 +242,7 @@
             <a:fld id="{AB929E34-DEA3-4895-846A-C2BBEF4A5080}" type="datetimeFigureOut">
               <a:rPr lang="en-US" smtClean="0"/>
               <a:pPr/>
-              <a:t>5/4/2019</a:t>
+              <a:t>5/6/2019</a:t>
             </a:fld>
             <a:endParaRPr lang="en-US"/>
           </a:p>
@@ -403,7 +409,7 @@
             <a:fld id="{D757427D-1431-4F41-9EB2-74C3A27350CA}" type="datetimeFigureOut">
               <a:rPr lang="en-US" smtClean="0"/>
               <a:pPr/>
-              <a:t>5/4/2019</a:t>
+              <a:t>5/6/2019</a:t>
             </a:fld>
             <a:endParaRPr lang="en-US"/>
           </a:p>
@@ -826,7 +832,7 @@
             <a:fld id="{41D89EAC-7ACA-4BE3-B5E1-4490AC0DEEC2}" type="datetime1">
               <a:rPr lang="en-US" smtClean="0"/>
               <a:pPr/>
-              <a:t>5/4/2019</a:t>
+              <a:t>5/6/2019</a:t>
             </a:fld>
             <a:endParaRPr lang="en-US"/>
           </a:p>
@@ -1001,7 +1007,7 @@
             <a:fld id="{F8078618-4CAE-48E8-A205-9D92A68D094A}" type="datetime1">
               <a:rPr lang="en-US" smtClean="0"/>
               <a:pPr/>
-              <a:t>5/4/2019</a:t>
+              <a:t>5/6/2019</a:t>
             </a:fld>
             <a:endParaRPr lang="en-US"/>
           </a:p>
@@ -1300,7 +1306,7 @@
             <a:fld id="{F8078618-4CAE-48E8-A205-9D92A68D094A}" type="datetime1">
               <a:rPr lang="en-US" smtClean="0"/>
               <a:pPr/>
-              <a:t>5/4/2019</a:t>
+              <a:t>5/6/2019</a:t>
             </a:fld>
             <a:endParaRPr lang="en-US"/>
           </a:p>
@@ -1582,7 +1588,7 @@
             <a:fld id="{6B00E453-848C-4CB7-9F7F-96588418CD05}" type="datetime1">
               <a:rPr lang="en-US" smtClean="0"/>
               <a:pPr/>
-              <a:t>5/4/2019</a:t>
+              <a:t>5/6/2019</a:t>
             </a:fld>
             <a:endParaRPr lang="en-US"/>
           </a:p>
@@ -2002,7 +2008,7 @@
             <a:fld id="{6205F48F-7385-4145-8996-92AF39DE194F}" type="datetime1">
               <a:rPr lang="en-US" smtClean="0"/>
               <a:pPr/>
-              <a:t>5/4/2019</a:t>
+              <a:t>5/6/2019</a:t>
             </a:fld>
             <a:endParaRPr lang="en-US"/>
           </a:p>
@@ -2110,7 +2116,7 @@
             <a:fld id="{117843E3-9C32-491F-AC75-91C8E4F20BD2}" type="datetime1">
               <a:rPr lang="en-US" smtClean="0"/>
               <a:pPr/>
-              <a:t>5/4/2019</a:t>
+              <a:t>5/6/2019</a:t>
             </a:fld>
             <a:endParaRPr lang="en-US"/>
           </a:p>
@@ -2449,7 +2455,7 @@
         </p:nvSpPr>
         <p:spPr>
           <a:xfrm>
-            <a:off x="457200" y="1143000"/>
+            <a:off x="430625" y="429026"/>
             <a:ext cx="6934200" cy="808038"/>
           </a:xfrm>
           <a:prstGeom prst="rect">
@@ -2482,8 +2488,8 @@
         </p:nvSpPr>
         <p:spPr>
           <a:xfrm>
-            <a:off x="457200" y="2209801"/>
-            <a:ext cx="8229600" cy="3276600"/>
+            <a:off x="430625" y="1437490"/>
+            <a:ext cx="8256175" cy="4048911"/>
           </a:xfrm>
           <a:prstGeom prst="rect">
             <a:avLst/>
@@ -2566,7 +2572,7 @@
             <a:fld id="{967291D2-A40C-4E5C-A267-C4BBED92FF0C}" type="datetime1">
               <a:rPr lang="en-US" smtClean="0"/>
               <a:pPr/>
-              <a:t>5/4/2019</a:t>
+              <a:t>5/6/2019</a:t>
             </a:fld>
             <a:endParaRPr lang="en-US" dirty="0"/>
           </a:p>
@@ -2962,171 +2968,6 @@
           </a:prstGeom>
         </p:spPr>
       </p:pic>
-      <p:pic>
-        <p:nvPicPr>
-          <p:cNvPr id="1026" name="Picture 2"/>
-          <p:cNvPicPr>
-            <a:picLocks noChangeAspect="1" noChangeArrowheads="1"/>
-          </p:cNvPicPr>
-          <p:nvPr/>
-        </p:nvPicPr>
-        <p:blipFill>
-          <a:blip r:embed="rId9" cstate="print"/>
-          <a:srcRect/>
-          <a:stretch>
-            <a:fillRect/>
-          </a:stretch>
-        </p:blipFill>
-        <p:spPr bwMode="auto">
-          <a:xfrm>
-            <a:off x="7848600" y="5486400"/>
-            <a:ext cx="1143000" cy="704850"/>
-          </a:xfrm>
-          <a:prstGeom prst="rect">
-            <a:avLst/>
-          </a:prstGeom>
-          <a:noFill/>
-          <a:ln w="9525">
-            <a:noFill/>
-            <a:miter lim="800000"/>
-            <a:headEnd/>
-            <a:tailEnd/>
-          </a:ln>
-        </p:spPr>
-      </p:pic>
-      <p:sp>
-        <p:nvSpPr>
-          <p:cNvPr id="20" name="Segnaposto testo 14"/>
-          <p:cNvSpPr txBox="1">
-            <a:spLocks/>
-          </p:cNvSpPr>
-          <p:nvPr/>
-        </p:nvSpPr>
-        <p:spPr>
-          <a:xfrm>
-            <a:off x="304800" y="304800"/>
-            <a:ext cx="6629400" cy="381000"/>
-          </a:xfrm>
-          <a:prstGeom prst="rect">
-            <a:avLst/>
-          </a:prstGeom>
-          <a:ln>
-            <a:noFill/>
-          </a:ln>
-        </p:spPr>
-        <p:txBody>
-          <a:bodyPr/>
-          <a:lstStyle>
-            <a:lvl1pPr>
-              <a:buNone/>
-              <a:defRPr baseline="0"/>
-            </a:lvl1pPr>
-            <a:lvl2pPr>
-              <a:buNone/>
-              <a:defRPr/>
-            </a:lvl2pPr>
-            <a:lvl3pPr>
-              <a:buNone/>
-              <a:defRPr/>
-            </a:lvl3pPr>
-            <a:lvl4pPr>
-              <a:buNone/>
-              <a:defRPr/>
-            </a:lvl4pPr>
-            <a:lvl5pPr>
-              <a:buNone/>
-              <a:defRPr/>
-            </a:lvl5pPr>
-          </a:lstStyle>
-          <a:p>
-            <a:pPr marL="342900" marR="0" lvl="0" indent="-342900" algn="l" defTabSz="914400" rtl="0" eaLnBrk="1" fontAlgn="auto" latinLnBrk="0" hangingPunct="1">
-              <a:lnSpc>
-                <a:spcPct val="100000"/>
-              </a:lnSpc>
-              <a:spcBef>
-                <a:spcPct val="20000"/>
-              </a:spcBef>
-              <a:spcAft>
-                <a:spcPts val="0"/>
-              </a:spcAft>
-              <a:buClrTx/>
-              <a:buSzTx/>
-              <a:buFont typeface="Arial" pitchFamily="34" charset="0"/>
-              <a:buNone/>
-              <a:tabLst/>
-              <a:defRPr/>
-            </a:pPr>
-            <a:r>
-              <a:rPr kumimoji="0" lang="it-IT" sz="1600" b="0" i="0" u="none" strike="noStrike" kern="1200" cap="none" spc="0" normalizeH="0" baseline="0" noProof="0" dirty="0" err="1" smtClean="0">
-                <a:ln>
-                  <a:noFill/>
-                </a:ln>
-                <a:solidFill>
-                  <a:schemeClr val="tx1"/>
-                </a:solidFill>
-                <a:effectLst/>
-                <a:uLnTx/>
-                <a:uFillTx/>
-                <a:latin typeface="+mn-lt"/>
-                <a:ea typeface="+mn-ea"/>
-                <a:cs typeface="+mn-cs"/>
-              </a:rPr>
-              <a:t>Research</a:t>
-            </a:r>
-            <a:r>
-              <a:rPr kumimoji="0" lang="it-IT" sz="1600" b="0" i="0" u="none" strike="noStrike" kern="1200" cap="none" spc="0" normalizeH="0" baseline="0" noProof="0" dirty="0" smtClean="0">
-                <a:ln>
-                  <a:noFill/>
-                </a:ln>
-                <a:solidFill>
-                  <a:schemeClr val="tx1"/>
-                </a:solidFill>
-                <a:effectLst/>
-                <a:uLnTx/>
-                <a:uFillTx/>
-                <a:latin typeface="+mn-lt"/>
-                <a:ea typeface="+mn-ea"/>
-                <a:cs typeface="+mn-cs"/>
-              </a:rPr>
-              <a:t> </a:t>
-            </a:r>
-            <a:r>
-              <a:rPr kumimoji="0" lang="it-IT" sz="1600" b="0" i="0" u="none" strike="noStrike" kern="1200" cap="none" spc="0" normalizeH="0" baseline="0" noProof="0" dirty="0" err="1" smtClean="0">
-                <a:ln>
-                  <a:noFill/>
-                </a:ln>
-                <a:solidFill>
-                  <a:schemeClr val="tx1"/>
-                </a:solidFill>
-                <a:effectLst/>
-                <a:uLnTx/>
-                <a:uFillTx/>
-                <a:latin typeface="+mn-lt"/>
-                <a:ea typeface="+mn-ea"/>
-                <a:cs typeface="+mn-cs"/>
-              </a:rPr>
-              <a:t>Activities</a:t>
-            </a:r>
-            <a:r>
-              <a:rPr kumimoji="0" lang="it-IT" sz="1600" b="0" i="0" u="none" strike="noStrike" kern="1200" cap="none" spc="0" normalizeH="0" baseline="0" noProof="0" dirty="0" smtClean="0">
-                <a:ln>
-                  <a:noFill/>
-                </a:ln>
-                <a:solidFill>
-                  <a:schemeClr val="tx1"/>
-                </a:solidFill>
-                <a:effectLst/>
-                <a:uLnTx/>
-                <a:uFillTx/>
-                <a:latin typeface="+mn-lt"/>
-                <a:ea typeface="+mn-ea"/>
-                <a:cs typeface="+mn-cs"/>
-              </a:rPr>
-              <a:t> 2013</a:t>
-            </a:r>
-          </a:p>
-        </p:txBody>
-      </p:sp>
     </p:spTree>
     <p:extLst>
       <p:ext uri="{BB962C8B-B14F-4D97-AF65-F5344CB8AC3E}">
@@ -3456,10 +3297,8 @@
                   </a:schemeClr>
                 </a:solidFill>
               </a:rPr>
-              <a:t>Sub Title</a:t>
-            </a:r>
-          </a:p>
-          <a:p>
+              <a:t>Securing Data</a:t>
+            </a:r>
             <a:endParaRPr lang="en-US" dirty="0" smtClean="0">
               <a:solidFill>
                 <a:schemeClr val="accent1">
@@ -3469,6 +3308,15 @@
             </a:endParaRPr>
           </a:p>
           <a:p>
+            <a:endParaRPr lang="en-US" dirty="0" smtClean="0">
+              <a:solidFill>
+                <a:schemeClr val="accent1">
+                  <a:lumMod val="25000"/>
+                </a:schemeClr>
+              </a:solidFill>
+            </a:endParaRPr>
+          </a:p>
+          <a:p>
             <a:r>
               <a:rPr lang="en-US" sz="1700" dirty="0" smtClean="0">
                 <a:solidFill>
@@ -3477,8 +3325,15 @@
                   </a:schemeClr>
                 </a:solidFill>
               </a:rPr>
-              <a:t>Author</a:t>
-            </a:r>
+              <a:t>Davide Spano</a:t>
+            </a:r>
+            <a:endParaRPr lang="en-US" sz="1700" dirty="0" smtClean="0">
+              <a:solidFill>
+                <a:schemeClr val="accent1">
+                  <a:lumMod val="25000"/>
+                </a:schemeClr>
+              </a:solidFill>
+            </a:endParaRPr>
           </a:p>
         </p:txBody>
       </p:sp>
@@ -3500,7 +3355,7 @@
             <a:fld id="{DD590542-A0EB-48D5-9722-C0A8052BF4A2}" type="datetime1">
               <a:rPr lang="en-US" smtClean="0"/>
               <a:pPr/>
-              <a:t>5/4/2019</a:t>
+              <a:t>5/6/2019</a:t>
             </a:fld>
             <a:endParaRPr lang="en-US" dirty="0"/>
           </a:p>
@@ -3553,7 +3408,11 @@
             <a:pPr algn="ctr"/>
             <a:r>
               <a:rPr lang="en-US" dirty="0" smtClean="0"/>
-              <a:t>Title</a:t>
+              <a:t>Security in Azure</a:t>
+            </a:r>
+            <a:r>
+              <a:rPr lang="en-US" dirty="0" smtClean="0"/>
+              <a:t/>
             </a:r>
             <a:br>
               <a:rPr lang="en-US" dirty="0" smtClean="0"/>
@@ -3614,14 +3473,24 @@
           <a:bodyPr/>
           <a:lstStyle/>
           <a:p>
-            <a:pPr>
+            <a:pPr marL="285750" indent="0">
               <a:buNone/>
             </a:pPr>
             <a:r>
+              <a:rPr lang="en-US" sz="1600" i="1" dirty="0" smtClean="0"/>
+              <a:t>which is the business process involved, for example: Purchase order or invoicing, etc</a:t>
+            </a:r>
+            <a:r>
               <a:rPr lang="en-US" i="1" dirty="0" smtClean="0"/>
-              <a:t>Demo steps</a:t>
-            </a:r>
-            <a:endParaRPr lang="en-US" i="1" dirty="0"/>
+              <a:t>. </a:t>
+            </a:r>
+            <a:r>
+              <a:rPr lang="en-US" sz="1600" i="1" dirty="0" smtClean="0"/>
+              <a:t>and main process actors</a:t>
+            </a:r>
+          </a:p>
+          <a:p>
+            <a:endParaRPr lang="en-US" dirty="0"/>
           </a:p>
         </p:txBody>
       </p:sp>
@@ -3643,7 +3512,7 @@
             <a:fld id="{F8078618-4CAE-48E8-A205-9D92A68D094A}" type="datetime1">
               <a:rPr lang="en-US" smtClean="0"/>
               <a:pPr/>
-              <a:t>5/4/2019</a:t>
+              <a:t>5/6/2019</a:t>
             </a:fld>
             <a:endParaRPr lang="en-US"/>
           </a:p>
@@ -3688,19 +3557,15 @@
           <a:bodyPr/>
           <a:lstStyle/>
           <a:p>
+            <a:pPr marL="285750"/>
             <a:r>
               <a:rPr lang="en-US" b="1" dirty="0" smtClean="0">
                 <a:solidFill>
                   <a:schemeClr val="tx1"/>
                 </a:solidFill>
               </a:rPr>
-              <a:t>Demo</a:t>
-            </a:r>
-            <a:endParaRPr lang="en-US" b="1" dirty="0">
-              <a:solidFill>
-                <a:schemeClr val="tx1"/>
-              </a:solidFill>
-            </a:endParaRPr>
+              <a:t>Business Scope</a:t>
+            </a:r>
           </a:p>
         </p:txBody>
       </p:sp>
@@ -3738,7 +3603,7 @@
       </p:grpSpPr>
       <p:sp>
         <p:nvSpPr>
-          <p:cNvPr id="8" name="Segnaposto contenuto 7"/>
+          <p:cNvPr id="3" name="Segnaposto contenuto 2"/>
           <p:cNvSpPr>
             <a:spLocks noGrp="1"/>
           </p:cNvSpPr>
@@ -3748,10 +3613,100 @@
         </p:nvSpPr>
         <p:spPr/>
         <p:txBody>
-          <a:bodyPr/>
-          <a:lstStyle/>
-          <a:p>
-            <a:endParaRPr lang="en-US" dirty="0"/>
+          <a:bodyPr>
+            <a:normAutofit fontScale="92500" lnSpcReduction="10000"/>
+          </a:bodyPr>
+          <a:lstStyle/>
+          <a:p>
+            <a:r>
+              <a:rPr lang="en-US" sz="1900" i="1" dirty="0" smtClean="0"/>
+              <a:t>Description of the new function </a:t>
+            </a:r>
+          </a:p>
+          <a:p>
+            <a:r>
+              <a:rPr lang="en-US" sz="1900" i="1" dirty="0" smtClean="0"/>
+              <a:t>Cases where the function is useful</a:t>
+            </a:r>
+          </a:p>
+          <a:p>
+            <a:r>
+              <a:rPr lang="en-US" sz="1900" i="1" dirty="0" smtClean="0"/>
+              <a:t>Business limitations</a:t>
+            </a:r>
+          </a:p>
+          <a:p>
+            <a:endParaRPr lang="en-US" sz="1900" i="1" dirty="0" smtClean="0"/>
+          </a:p>
+          <a:p>
+            <a:pPr>
+              <a:buNone/>
+            </a:pPr>
+            <a:r>
+              <a:rPr lang="en-US" sz="1900" i="1" dirty="0" smtClean="0"/>
+              <a:t>For example:</a:t>
+            </a:r>
+          </a:p>
+          <a:p>
+            <a:pPr>
+              <a:buNone/>
+            </a:pPr>
+            <a:r>
+              <a:rPr lang="en-US" sz="1900" i="1" dirty="0" smtClean="0"/>
+              <a:t> Additional cost management on purchase order. By this functionality AX can track all additional cost on purchase order such as:</a:t>
+            </a:r>
+          </a:p>
+          <a:p>
+            <a:pPr lvl="1"/>
+            <a:r>
+              <a:rPr lang="en-US" sz="1900" i="1" dirty="0" smtClean="0"/>
+              <a:t>packing cost</a:t>
+            </a:r>
+          </a:p>
+          <a:p>
+            <a:pPr lvl="1"/>
+            <a:r>
+              <a:rPr lang="en-US" sz="1900" i="1" dirty="0" smtClean="0"/>
+              <a:t>Transportation</a:t>
+            </a:r>
+          </a:p>
+          <a:p>
+            <a:pPr lvl="1"/>
+            <a:r>
+              <a:rPr lang="en-US" sz="1900" i="1" dirty="0" smtClean="0"/>
+              <a:t>Insurance</a:t>
+            </a:r>
+          </a:p>
+          <a:p>
+            <a:pPr lvl="1"/>
+            <a:r>
+              <a:rPr lang="en-US" sz="1900" i="1" dirty="0" smtClean="0"/>
+              <a:t>Etc.</a:t>
+            </a:r>
+          </a:p>
+          <a:p>
+            <a:pPr>
+              <a:buNone/>
+            </a:pPr>
+            <a:endParaRPr lang="en-US" i="1" dirty="0" smtClean="0"/>
+          </a:p>
+          <a:p>
+            <a:pPr>
+              <a:buNone/>
+            </a:pPr>
+            <a:endParaRPr lang="en-US" i="1" dirty="0" smtClean="0"/>
+          </a:p>
+          <a:p>
+            <a:pPr>
+              <a:buNone/>
+            </a:pPr>
+            <a:endParaRPr lang="en-US" i="1" dirty="0" smtClean="0"/>
+          </a:p>
+          <a:p>
+            <a:pPr>
+              <a:buNone/>
+            </a:pPr>
+            <a:endParaRPr lang="en-US" i="1" dirty="0"/>
           </a:p>
         </p:txBody>
       </p:sp>
@@ -3773,7 +3728,7 @@
             <a:fld id="{F8078618-4CAE-48E8-A205-9D92A68D094A}" type="datetime1">
               <a:rPr lang="en-US" smtClean="0"/>
               <a:pPr/>
-              <a:t>5/4/2019</a:t>
+              <a:t>5/6/2019</a:t>
             </a:fld>
             <a:endParaRPr lang="en-US"/>
           </a:p>
@@ -3798,6 +3753,816 @@
               <a:rPr lang="en-US" smtClean="0"/>
               <a:pPr/>
               <a:t>11</a:t>
+            </a:fld>
+            <a:endParaRPr lang="en-US"/>
+          </a:p>
+        </p:txBody>
+      </p:sp>
+      <p:sp>
+        <p:nvSpPr>
+          <p:cNvPr id="7" name="Sottotitolo 6"/>
+          <p:cNvSpPr>
+            <a:spLocks noGrp="1"/>
+          </p:cNvSpPr>
+          <p:nvPr>
+            <p:ph type="subTitle" idx="14"/>
+          </p:nvPr>
+        </p:nvSpPr>
+        <p:spPr/>
+        <p:txBody>
+          <a:bodyPr/>
+          <a:lstStyle/>
+          <a:p>
+            <a:r>
+              <a:rPr lang="en-US" b="1" dirty="0" smtClean="0">
+                <a:solidFill>
+                  <a:schemeClr val="tx1"/>
+                </a:solidFill>
+              </a:rPr>
+              <a:t>Functionality</a:t>
+            </a:r>
+            <a:r>
+              <a:rPr lang="en-US" dirty="0" smtClean="0">
+                <a:solidFill>
+                  <a:schemeClr val="tx1"/>
+                </a:solidFill>
+              </a:rPr>
+              <a:t> </a:t>
+            </a:r>
+            <a:r>
+              <a:rPr lang="en-US" b="1" dirty="0" smtClean="0">
+                <a:solidFill>
+                  <a:schemeClr val="tx1"/>
+                </a:solidFill>
+              </a:rPr>
+              <a:t>description</a:t>
+            </a:r>
+          </a:p>
+        </p:txBody>
+      </p:sp>
+    </p:spTree>
+  </p:cSld>
+  <p:clrMapOvr>
+    <a:masterClrMapping/>
+  </p:clrMapOvr>
+  <p:timing>
+    <p:tnLst>
+      <p:par>
+        <p:cTn id="1" dur="indefinite" restart="never" nodeType="tmRoot"/>
+      </p:par>
+    </p:tnLst>
+  </p:timing>
+</p:sld>
+</file>
+
+<file path=ppt/slides/slide12.xml><?xml version="1.0" encoding="utf-8"?>
+<p:sld xmlns:a="http://schemas.openxmlformats.org/drawingml/2006/main" xmlns:r="http://schemas.openxmlformats.org/officeDocument/2006/relationships" xmlns:p="http://schemas.openxmlformats.org/presentationml/2006/main">
+  <p:cSld>
+    <p:spTree>
+      <p:nvGrpSpPr>
+        <p:cNvPr id="1" name=""/>
+        <p:cNvGrpSpPr/>
+        <p:nvPr/>
+      </p:nvGrpSpPr>
+      <p:grpSpPr>
+        <a:xfrm>
+          <a:off x="0" y="0"/>
+          <a:ext cx="0" cy="0"/>
+          <a:chOff x="0" y="0"/>
+          <a:chExt cx="0" cy="0"/>
+        </a:xfrm>
+      </p:grpSpPr>
+      <p:sp>
+        <p:nvSpPr>
+          <p:cNvPr id="3" name="Segnaposto contenuto 2"/>
+          <p:cNvSpPr>
+            <a:spLocks noGrp="1"/>
+          </p:cNvSpPr>
+          <p:nvPr>
+            <p:ph idx="1"/>
+          </p:nvPr>
+        </p:nvSpPr>
+        <p:spPr/>
+        <p:txBody>
+          <a:bodyPr>
+            <a:normAutofit/>
+          </a:bodyPr>
+          <a:lstStyle/>
+          <a:p>
+            <a:endParaRPr lang="en-US" dirty="0" smtClean="0"/>
+          </a:p>
+          <a:p>
+            <a:pPr indent="0">
+              <a:buNone/>
+            </a:pPr>
+            <a:r>
+              <a:rPr lang="en-US" sz="1600" i="1" dirty="0" smtClean="0"/>
+              <a:t>Business Limitations </a:t>
+            </a:r>
+          </a:p>
+          <a:p>
+            <a:pPr indent="0">
+              <a:buNone/>
+            </a:pPr>
+            <a:r>
+              <a:rPr lang="en-US" sz="1600" i="1" dirty="0" smtClean="0"/>
+              <a:t>Example: If the additional cost has to be invoiced to a third party vendor, the functionality doesn't apply </a:t>
+            </a:r>
+          </a:p>
+        </p:txBody>
+      </p:sp>
+      <p:sp>
+        <p:nvSpPr>
+          <p:cNvPr id="4" name="Segnaposto data 3"/>
+          <p:cNvSpPr>
+            <a:spLocks noGrp="1"/>
+          </p:cNvSpPr>
+          <p:nvPr>
+            <p:ph type="dt" sz="half" idx="10"/>
+          </p:nvPr>
+        </p:nvSpPr>
+        <p:spPr/>
+        <p:txBody>
+          <a:bodyPr/>
+          <a:lstStyle/>
+          <a:p>
+            <a:fld id="{F8078618-4CAE-48E8-A205-9D92A68D094A}" type="datetime1">
+              <a:rPr lang="en-US" smtClean="0"/>
+              <a:pPr/>
+              <a:t>5/6/2019</a:t>
+            </a:fld>
+            <a:endParaRPr lang="en-US"/>
+          </a:p>
+        </p:txBody>
+      </p:sp>
+      <p:sp>
+        <p:nvSpPr>
+          <p:cNvPr id="5" name="Segnaposto numero diapositiva 4"/>
+          <p:cNvSpPr>
+            <a:spLocks noGrp="1"/>
+          </p:cNvSpPr>
+          <p:nvPr>
+            <p:ph type="sldNum" sz="quarter" idx="12"/>
+          </p:nvPr>
+        </p:nvSpPr>
+        <p:spPr/>
+        <p:txBody>
+          <a:bodyPr/>
+          <a:lstStyle/>
+          <a:p>
+            <a:fld id="{02623B3A-910D-43F4-BBA9-9429D5B0014D}" type="slidenum">
+              <a:rPr lang="en-US" smtClean="0"/>
+              <a:pPr/>
+              <a:t>12</a:t>
+            </a:fld>
+            <a:endParaRPr lang="en-US"/>
+          </a:p>
+        </p:txBody>
+      </p:sp>
+      <p:sp>
+        <p:nvSpPr>
+          <p:cNvPr id="8" name="Sottotitolo 7"/>
+          <p:cNvSpPr>
+            <a:spLocks noGrp="1"/>
+          </p:cNvSpPr>
+          <p:nvPr>
+            <p:ph type="subTitle" idx="14"/>
+          </p:nvPr>
+        </p:nvSpPr>
+        <p:spPr/>
+        <p:txBody>
+          <a:bodyPr/>
+          <a:lstStyle/>
+          <a:p>
+            <a:r>
+              <a:rPr lang="en-US" b="1" dirty="0" smtClean="0">
+                <a:solidFill>
+                  <a:schemeClr val="tx1"/>
+                </a:solidFill>
+              </a:rPr>
+              <a:t>Functionality</a:t>
+            </a:r>
+            <a:r>
+              <a:rPr lang="en-US" dirty="0" smtClean="0">
+                <a:solidFill>
+                  <a:schemeClr val="tx1"/>
+                </a:solidFill>
+              </a:rPr>
+              <a:t> </a:t>
+            </a:r>
+            <a:r>
+              <a:rPr lang="en-US" b="1" dirty="0" smtClean="0">
+                <a:solidFill>
+                  <a:schemeClr val="tx1"/>
+                </a:solidFill>
+              </a:rPr>
+              <a:t>description</a:t>
+            </a:r>
+          </a:p>
+        </p:txBody>
+      </p:sp>
+    </p:spTree>
+  </p:cSld>
+  <p:clrMapOvr>
+    <a:masterClrMapping/>
+  </p:clrMapOvr>
+  <p:timing>
+    <p:tnLst>
+      <p:par>
+        <p:cTn id="1" dur="indefinite" restart="never" nodeType="tmRoot"/>
+      </p:par>
+    </p:tnLst>
+  </p:timing>
+</p:sld>
+</file>
+
+<file path=ppt/slides/slide13.xml><?xml version="1.0" encoding="utf-8"?>
+<p:sld xmlns:a="http://schemas.openxmlformats.org/drawingml/2006/main" xmlns:r="http://schemas.openxmlformats.org/officeDocument/2006/relationships" xmlns:p="http://schemas.openxmlformats.org/presentationml/2006/main">
+  <p:cSld>
+    <p:spTree>
+      <p:nvGrpSpPr>
+        <p:cNvPr id="1" name=""/>
+        <p:cNvGrpSpPr/>
+        <p:nvPr/>
+      </p:nvGrpSpPr>
+      <p:grpSpPr>
+        <a:xfrm>
+          <a:off x="0" y="0"/>
+          <a:ext cx="0" cy="0"/>
+          <a:chOff x="0" y="0"/>
+          <a:chExt cx="0" cy="0"/>
+        </a:xfrm>
+      </p:grpSpPr>
+      <p:sp>
+        <p:nvSpPr>
+          <p:cNvPr id="3" name="Segnaposto contenuto 2"/>
+          <p:cNvSpPr>
+            <a:spLocks noGrp="1"/>
+          </p:cNvSpPr>
+          <p:nvPr>
+            <p:ph idx="1"/>
+          </p:nvPr>
+        </p:nvSpPr>
+        <p:spPr/>
+        <p:txBody>
+          <a:bodyPr/>
+          <a:lstStyle/>
+          <a:p>
+            <a:pPr algn="ctr">
+              <a:buNone/>
+            </a:pPr>
+            <a:endParaRPr lang="en-US" b="1" dirty="0" smtClean="0"/>
+          </a:p>
+          <a:p>
+            <a:pPr indent="0">
+              <a:buNone/>
+            </a:pPr>
+            <a:r>
+              <a:rPr lang="en-US" sz="1800" i="1" dirty="0" smtClean="0"/>
+              <a:t>Main forms and parameters  involved, in order to setup the functionality </a:t>
+            </a:r>
+          </a:p>
+          <a:p>
+            <a:pPr indent="0">
+              <a:buNone/>
+            </a:pPr>
+            <a:endParaRPr lang="en-US" i="1" dirty="0" smtClean="0"/>
+          </a:p>
+          <a:p>
+            <a:pPr indent="0">
+              <a:buNone/>
+            </a:pPr>
+            <a:endParaRPr lang="en-US" i="1" dirty="0"/>
+          </a:p>
+        </p:txBody>
+      </p:sp>
+      <p:sp>
+        <p:nvSpPr>
+          <p:cNvPr id="4" name="Segnaposto data 3"/>
+          <p:cNvSpPr>
+            <a:spLocks noGrp="1"/>
+          </p:cNvSpPr>
+          <p:nvPr>
+            <p:ph type="dt" sz="half" idx="10"/>
+          </p:nvPr>
+        </p:nvSpPr>
+        <p:spPr/>
+        <p:txBody>
+          <a:bodyPr/>
+          <a:lstStyle/>
+          <a:p>
+            <a:fld id="{F8078618-4CAE-48E8-A205-9D92A68D094A}" type="datetime1">
+              <a:rPr lang="en-US" smtClean="0"/>
+              <a:pPr/>
+              <a:t>5/6/2019</a:t>
+            </a:fld>
+            <a:endParaRPr lang="en-US"/>
+          </a:p>
+        </p:txBody>
+      </p:sp>
+      <p:sp>
+        <p:nvSpPr>
+          <p:cNvPr id="5" name="Segnaposto numero diapositiva 4"/>
+          <p:cNvSpPr>
+            <a:spLocks noGrp="1"/>
+          </p:cNvSpPr>
+          <p:nvPr>
+            <p:ph type="sldNum" sz="quarter" idx="12"/>
+          </p:nvPr>
+        </p:nvSpPr>
+        <p:spPr/>
+        <p:txBody>
+          <a:bodyPr/>
+          <a:lstStyle/>
+          <a:p>
+            <a:fld id="{02623B3A-910D-43F4-BBA9-9429D5B0014D}" type="slidenum">
+              <a:rPr lang="en-US" smtClean="0"/>
+              <a:pPr/>
+              <a:t>13</a:t>
+            </a:fld>
+            <a:endParaRPr lang="en-US"/>
+          </a:p>
+        </p:txBody>
+      </p:sp>
+      <p:sp>
+        <p:nvSpPr>
+          <p:cNvPr id="8" name="Sottotitolo 7"/>
+          <p:cNvSpPr>
+            <a:spLocks noGrp="1"/>
+          </p:cNvSpPr>
+          <p:nvPr>
+            <p:ph type="subTitle" idx="14"/>
+          </p:nvPr>
+        </p:nvSpPr>
+        <p:spPr/>
+        <p:txBody>
+          <a:bodyPr/>
+          <a:lstStyle/>
+          <a:p>
+            <a:r>
+              <a:rPr lang="en-US" b="1" dirty="0" smtClean="0"/>
+              <a:t>AX modules involved and setup</a:t>
+            </a:r>
+          </a:p>
+          <a:p>
+            <a:endParaRPr lang="en-US" dirty="0"/>
+          </a:p>
+        </p:txBody>
+      </p:sp>
+    </p:spTree>
+  </p:cSld>
+  <p:clrMapOvr>
+    <a:masterClrMapping/>
+  </p:clrMapOvr>
+  <p:timing>
+    <p:tnLst>
+      <p:par>
+        <p:cTn id="1" dur="indefinite" restart="never" nodeType="tmRoot"/>
+      </p:par>
+    </p:tnLst>
+  </p:timing>
+</p:sld>
+</file>
+
+<file path=ppt/slides/slide14.xml><?xml version="1.0" encoding="utf-8"?>
+<p:sld xmlns:a="http://schemas.openxmlformats.org/drawingml/2006/main" xmlns:r="http://schemas.openxmlformats.org/officeDocument/2006/relationships" xmlns:p="http://schemas.openxmlformats.org/presentationml/2006/main">
+  <p:cSld>
+    <p:spTree>
+      <p:nvGrpSpPr>
+        <p:cNvPr id="1" name=""/>
+        <p:cNvGrpSpPr/>
+        <p:nvPr/>
+      </p:nvGrpSpPr>
+      <p:grpSpPr>
+        <a:xfrm>
+          <a:off x="0" y="0"/>
+          <a:ext cx="0" cy="0"/>
+          <a:chOff x="0" y="0"/>
+          <a:chExt cx="0" cy="0"/>
+        </a:xfrm>
+      </p:grpSpPr>
+      <p:sp>
+        <p:nvSpPr>
+          <p:cNvPr id="3" name="Segnaposto contenuto 2"/>
+          <p:cNvSpPr>
+            <a:spLocks noGrp="1"/>
+          </p:cNvSpPr>
+          <p:nvPr>
+            <p:ph idx="1"/>
+          </p:nvPr>
+        </p:nvSpPr>
+        <p:spPr/>
+        <p:txBody>
+          <a:bodyPr/>
+          <a:lstStyle/>
+          <a:p>
+            <a:pPr>
+              <a:buNone/>
+            </a:pPr>
+            <a:r>
+              <a:rPr lang="en-US" i="1" dirty="0" smtClean="0"/>
+              <a:t>Demo steps</a:t>
+            </a:r>
+            <a:endParaRPr lang="en-US" i="1" dirty="0"/>
+          </a:p>
+        </p:txBody>
+      </p:sp>
+      <p:sp>
+        <p:nvSpPr>
+          <p:cNvPr id="4" name="Segnaposto data 3"/>
+          <p:cNvSpPr>
+            <a:spLocks noGrp="1"/>
+          </p:cNvSpPr>
+          <p:nvPr>
+            <p:ph type="dt" sz="half" idx="10"/>
+          </p:nvPr>
+        </p:nvSpPr>
+        <p:spPr/>
+        <p:txBody>
+          <a:bodyPr/>
+          <a:lstStyle/>
+          <a:p>
+            <a:fld id="{F8078618-4CAE-48E8-A205-9D92A68D094A}" type="datetime1">
+              <a:rPr lang="en-US" smtClean="0"/>
+              <a:pPr/>
+              <a:t>5/6/2019</a:t>
+            </a:fld>
+            <a:endParaRPr lang="en-US"/>
+          </a:p>
+        </p:txBody>
+      </p:sp>
+      <p:sp>
+        <p:nvSpPr>
+          <p:cNvPr id="5" name="Segnaposto numero diapositiva 4"/>
+          <p:cNvSpPr>
+            <a:spLocks noGrp="1"/>
+          </p:cNvSpPr>
+          <p:nvPr>
+            <p:ph type="sldNum" sz="quarter" idx="12"/>
+          </p:nvPr>
+        </p:nvSpPr>
+        <p:spPr/>
+        <p:txBody>
+          <a:bodyPr/>
+          <a:lstStyle/>
+          <a:p>
+            <a:fld id="{02623B3A-910D-43F4-BBA9-9429D5B0014D}" type="slidenum">
+              <a:rPr lang="en-US" smtClean="0"/>
+              <a:pPr/>
+              <a:t>14</a:t>
+            </a:fld>
+            <a:endParaRPr lang="en-US"/>
+          </a:p>
+        </p:txBody>
+      </p:sp>
+      <p:sp>
+        <p:nvSpPr>
+          <p:cNvPr id="8" name="Sottotitolo 7"/>
+          <p:cNvSpPr>
+            <a:spLocks noGrp="1"/>
+          </p:cNvSpPr>
+          <p:nvPr>
+            <p:ph type="subTitle" idx="14"/>
+          </p:nvPr>
+        </p:nvSpPr>
+        <p:spPr/>
+        <p:txBody>
+          <a:bodyPr/>
+          <a:lstStyle/>
+          <a:p>
+            <a:r>
+              <a:rPr lang="en-US" b="1" dirty="0" smtClean="0">
+                <a:solidFill>
+                  <a:schemeClr val="tx1"/>
+                </a:solidFill>
+              </a:rPr>
+              <a:t>Demo</a:t>
+            </a:r>
+            <a:endParaRPr lang="en-US" b="1" dirty="0">
+              <a:solidFill>
+                <a:schemeClr val="tx1"/>
+              </a:solidFill>
+            </a:endParaRPr>
+          </a:p>
+        </p:txBody>
+      </p:sp>
+    </p:spTree>
+  </p:cSld>
+  <p:clrMapOvr>
+    <a:masterClrMapping/>
+  </p:clrMapOvr>
+  <p:timing>
+    <p:tnLst>
+      <p:par>
+        <p:cTn id="1" dur="indefinite" restart="never" nodeType="tmRoot"/>
+      </p:par>
+    </p:tnLst>
+  </p:timing>
+</p:sld>
+</file>
+
+<file path=ppt/slides/slide15.xml><?xml version="1.0" encoding="utf-8"?>
+<p:sld xmlns:a="http://schemas.openxmlformats.org/drawingml/2006/main" xmlns:r="http://schemas.openxmlformats.org/officeDocument/2006/relationships" xmlns:p="http://schemas.openxmlformats.org/presentationml/2006/main">
+  <p:cSld>
+    <p:spTree>
+      <p:nvGrpSpPr>
+        <p:cNvPr id="1" name=""/>
+        <p:cNvGrpSpPr/>
+        <p:nvPr/>
+      </p:nvGrpSpPr>
+      <p:grpSpPr>
+        <a:xfrm>
+          <a:off x="0" y="0"/>
+          <a:ext cx="0" cy="0"/>
+          <a:chOff x="0" y="0"/>
+          <a:chExt cx="0" cy="0"/>
+        </a:xfrm>
+      </p:grpSpPr>
+      <p:sp>
+        <p:nvSpPr>
+          <p:cNvPr id="4" name="Segnaposto data 3"/>
+          <p:cNvSpPr>
+            <a:spLocks noGrp="1"/>
+          </p:cNvSpPr>
+          <p:nvPr>
+            <p:ph type="dt" sz="half" idx="10"/>
+          </p:nvPr>
+        </p:nvSpPr>
+        <p:spPr/>
+        <p:txBody>
+          <a:bodyPr/>
+          <a:lstStyle/>
+          <a:p>
+            <a:fld id="{F8078618-4CAE-48E8-A205-9D92A68D094A}" type="datetime1">
+              <a:rPr lang="en-US" smtClean="0"/>
+              <a:pPr/>
+              <a:t>5/6/2019</a:t>
+            </a:fld>
+            <a:endParaRPr lang="en-US"/>
+          </a:p>
+        </p:txBody>
+      </p:sp>
+      <p:sp>
+        <p:nvSpPr>
+          <p:cNvPr id="5" name="Segnaposto numero diapositiva 4"/>
+          <p:cNvSpPr>
+            <a:spLocks noGrp="1"/>
+          </p:cNvSpPr>
+          <p:nvPr>
+            <p:ph type="sldNum" sz="quarter" idx="12"/>
+          </p:nvPr>
+        </p:nvSpPr>
+        <p:spPr/>
+        <p:txBody>
+          <a:bodyPr/>
+          <a:lstStyle/>
+          <a:p>
+            <a:fld id="{02623B3A-910D-43F4-BBA9-9429D5B0014D}" type="slidenum">
+              <a:rPr lang="en-US" smtClean="0"/>
+              <a:pPr/>
+              <a:t>15</a:t>
+            </a:fld>
+            <a:endParaRPr lang="en-US"/>
+          </a:p>
+        </p:txBody>
+      </p:sp>
+      <p:pic>
+        <p:nvPicPr>
+          <p:cNvPr id="10" name="Content Placeholder 9"/>
+          <p:cNvPicPr>
+            <a:picLocks noGrp="1" noChangeAspect="1"/>
+          </p:cNvPicPr>
+          <p:nvPr>
+            <p:ph idx="1"/>
+          </p:nvPr>
+        </p:nvPicPr>
+        <p:blipFill>
+          <a:blip r:embed="rId2">
+            <a:extLst>
+              <a:ext uri="{28A0092B-C50C-407E-A947-70E740481C1C}">
+                <a14:useLocalDpi xmlns:a14="http://schemas.microsoft.com/office/drawing/2010/main" val="0"/>
+              </a:ext>
+            </a:extLst>
+          </a:blip>
+          <a:stretch>
+            <a:fillRect/>
+          </a:stretch>
+        </p:blipFill>
+        <p:spPr>
+          <a:xfrm>
+            <a:off x="667558" y="1143000"/>
+            <a:ext cx="7967326" cy="4114800"/>
+          </a:xfrm>
+        </p:spPr>
+      </p:pic>
+    </p:spTree>
+  </p:cSld>
+  <p:clrMapOvr>
+    <a:masterClrMapping/>
+  </p:clrMapOvr>
+  <p:timing>
+    <p:tnLst>
+      <p:par>
+        <p:cTn id="1" dur="indefinite" restart="never" nodeType="tmRoot"/>
+      </p:par>
+    </p:tnLst>
+  </p:timing>
+</p:sld>
+</file>
+
+<file path=ppt/slides/slide16.xml><?xml version="1.0" encoding="utf-8"?>
+<p:sld xmlns:a="http://schemas.openxmlformats.org/drawingml/2006/main" xmlns:r="http://schemas.openxmlformats.org/officeDocument/2006/relationships" xmlns:p="http://schemas.openxmlformats.org/presentationml/2006/main">
+  <p:cSld>
+    <p:spTree>
+      <p:nvGrpSpPr>
+        <p:cNvPr id="1" name=""/>
+        <p:cNvGrpSpPr/>
+        <p:nvPr/>
+      </p:nvGrpSpPr>
+      <p:grpSpPr>
+        <a:xfrm>
+          <a:off x="0" y="0"/>
+          <a:ext cx="0" cy="0"/>
+          <a:chOff x="0" y="0"/>
+          <a:chExt cx="0" cy="0"/>
+        </a:xfrm>
+      </p:grpSpPr>
+      <p:pic>
+        <p:nvPicPr>
+          <p:cNvPr id="3" name="Content Placeholder 2"/>
+          <p:cNvPicPr>
+            <a:picLocks noGrp="1" noChangeAspect="1"/>
+          </p:cNvPicPr>
+          <p:nvPr>
+            <p:ph idx="1"/>
+          </p:nvPr>
+        </p:nvPicPr>
+        <p:blipFill>
+          <a:blip r:embed="rId2">
+            <a:extLst>
+              <a:ext uri="{28A0092B-C50C-407E-A947-70E740481C1C}">
+                <a14:useLocalDpi xmlns:a14="http://schemas.microsoft.com/office/drawing/2010/main" val="0"/>
+              </a:ext>
+            </a:extLst>
+          </a:blip>
+          <a:stretch>
+            <a:fillRect/>
+          </a:stretch>
+        </p:blipFill>
+        <p:spPr>
+          <a:xfrm>
+            <a:off x="457200" y="1143000"/>
+            <a:ext cx="8055342" cy="4343400"/>
+          </a:xfrm>
+        </p:spPr>
+      </p:pic>
+      <p:sp>
+        <p:nvSpPr>
+          <p:cNvPr id="4" name="Segnaposto data 3"/>
+          <p:cNvSpPr>
+            <a:spLocks noGrp="1"/>
+          </p:cNvSpPr>
+          <p:nvPr>
+            <p:ph type="dt" sz="half" idx="10"/>
+          </p:nvPr>
+        </p:nvSpPr>
+        <p:spPr/>
+        <p:txBody>
+          <a:bodyPr/>
+          <a:lstStyle/>
+          <a:p>
+            <a:fld id="{F8078618-4CAE-48E8-A205-9D92A68D094A}" type="datetime1">
+              <a:rPr lang="en-US" smtClean="0"/>
+              <a:pPr/>
+              <a:t>5/6/2019</a:t>
+            </a:fld>
+            <a:endParaRPr lang="en-US"/>
+          </a:p>
+        </p:txBody>
+      </p:sp>
+      <p:sp>
+        <p:nvSpPr>
+          <p:cNvPr id="5" name="Segnaposto numero diapositiva 4"/>
+          <p:cNvSpPr>
+            <a:spLocks noGrp="1"/>
+          </p:cNvSpPr>
+          <p:nvPr>
+            <p:ph type="sldNum" sz="quarter" idx="12"/>
+          </p:nvPr>
+        </p:nvSpPr>
+        <p:spPr/>
+        <p:txBody>
+          <a:bodyPr/>
+          <a:lstStyle/>
+          <a:p>
+            <a:fld id="{02623B3A-910D-43F4-BBA9-9429D5B0014D}" type="slidenum">
+              <a:rPr lang="en-US" smtClean="0"/>
+              <a:pPr/>
+              <a:t>16</a:t>
+            </a:fld>
+            <a:endParaRPr lang="en-US"/>
+          </a:p>
+        </p:txBody>
+      </p:sp>
+    </p:spTree>
+    <p:extLst>
+      <p:ext uri="{BB962C8B-B14F-4D97-AF65-F5344CB8AC3E}">
+        <p14:creationId xmlns:p14="http://schemas.microsoft.com/office/powerpoint/2010/main" val="2434566992"/>
+      </p:ext>
+    </p:extLst>
+  </p:cSld>
+  <p:clrMapOvr>
+    <a:masterClrMapping/>
+  </p:clrMapOvr>
+  <p:timing>
+    <p:tnLst>
+      <p:par>
+        <p:cTn id="1" dur="indefinite" restart="never" nodeType="tmRoot"/>
+      </p:par>
+    </p:tnLst>
+  </p:timing>
+</p:sld>
+</file>
+
+<file path=ppt/slides/slide17.xml><?xml version="1.0" encoding="utf-8"?>
+<p:sld xmlns:a="http://schemas.openxmlformats.org/drawingml/2006/main" xmlns:r="http://schemas.openxmlformats.org/officeDocument/2006/relationships" xmlns:p="http://schemas.openxmlformats.org/presentationml/2006/main">
+  <p:cSld>
+    <p:spTree>
+      <p:nvGrpSpPr>
+        <p:cNvPr id="1" name=""/>
+        <p:cNvGrpSpPr/>
+        <p:nvPr/>
+      </p:nvGrpSpPr>
+      <p:grpSpPr>
+        <a:xfrm>
+          <a:off x="0" y="0"/>
+          <a:ext cx="0" cy="0"/>
+          <a:chOff x="0" y="0"/>
+          <a:chExt cx="0" cy="0"/>
+        </a:xfrm>
+      </p:grpSpPr>
+      <p:sp>
+        <p:nvSpPr>
+          <p:cNvPr id="8" name="Segnaposto contenuto 7"/>
+          <p:cNvSpPr>
+            <a:spLocks noGrp="1"/>
+          </p:cNvSpPr>
+          <p:nvPr>
+            <p:ph idx="1"/>
+          </p:nvPr>
+        </p:nvSpPr>
+        <p:spPr/>
+        <p:txBody>
+          <a:bodyPr/>
+          <a:lstStyle/>
+          <a:p>
+            <a:endParaRPr lang="en-US" dirty="0"/>
+          </a:p>
+        </p:txBody>
+      </p:sp>
+      <p:sp>
+        <p:nvSpPr>
+          <p:cNvPr id="4" name="Segnaposto data 3"/>
+          <p:cNvSpPr>
+            <a:spLocks noGrp="1"/>
+          </p:cNvSpPr>
+          <p:nvPr>
+            <p:ph type="dt" sz="half" idx="10"/>
+          </p:nvPr>
+        </p:nvSpPr>
+        <p:spPr/>
+        <p:txBody>
+          <a:bodyPr/>
+          <a:lstStyle/>
+          <a:p>
+            <a:fld id="{F8078618-4CAE-48E8-A205-9D92A68D094A}" type="datetime1">
+              <a:rPr lang="en-US" smtClean="0"/>
+              <a:pPr/>
+              <a:t>5/6/2019</a:t>
+            </a:fld>
+            <a:endParaRPr lang="en-US"/>
+          </a:p>
+        </p:txBody>
+      </p:sp>
+      <p:sp>
+        <p:nvSpPr>
+          <p:cNvPr id="5" name="Segnaposto numero diapositiva 4"/>
+          <p:cNvSpPr>
+            <a:spLocks noGrp="1"/>
+          </p:cNvSpPr>
+          <p:nvPr>
+            <p:ph type="sldNum" sz="quarter" idx="12"/>
+          </p:nvPr>
+        </p:nvSpPr>
+        <p:spPr/>
+        <p:txBody>
+          <a:bodyPr/>
+          <a:lstStyle/>
+          <a:p>
+            <a:fld id="{02623B3A-910D-43F4-BBA9-9429D5B0014D}" type="slidenum">
+              <a:rPr lang="en-US" smtClean="0"/>
+              <a:pPr/>
+              <a:t>17</a:t>
             </a:fld>
             <a:endParaRPr lang="en-US"/>
           </a:p>
@@ -3835,6 +4600,11 @@
         </p:txBody>
       </p:sp>
     </p:spTree>
+    <p:extLst>
+      <p:ext uri="{BB962C8B-B14F-4D97-AF65-F5344CB8AC3E}">
+        <p14:creationId xmlns:p14="http://schemas.microsoft.com/office/powerpoint/2010/main" val="3949542716"/>
+      </p:ext>
+    </p:extLst>
   </p:cSld>
   <p:clrMapOvr>
     <a:masterClrMapping/>
@@ -3868,7 +4638,7 @@
       </p:grpSpPr>
       <p:sp>
         <p:nvSpPr>
-          <p:cNvPr id="2" name="Content Placeholder 1"/>
+          <p:cNvPr id="3" name="Segnaposto contenuto 2"/>
           <p:cNvSpPr>
             <a:spLocks noGrp="1"/>
           </p:cNvSpPr>
@@ -3876,111 +4646,21 @@
             <p:ph idx="1"/>
           </p:nvPr>
         </p:nvSpPr>
-        <p:spPr>
-          <a:xfrm>
-            <a:off x="458972" y="2133600"/>
-            <a:ext cx="8229600" cy="3429000"/>
-          </a:xfrm>
-        </p:spPr>
-        <p:txBody>
-          <a:bodyPr/>
-          <a:lstStyle/>
-          <a:p>
-            <a:pPr marL="457200" indent="-457200">
-              <a:buFont typeface="+mj-lt"/>
-              <a:buAutoNum type="arabicPeriod"/>
-            </a:pPr>
-            <a:r>
-              <a:rPr lang="en-US" dirty="0" smtClean="0"/>
-              <a:t>Secrets</a:t>
-            </a:r>
-          </a:p>
-          <a:p>
-            <a:pPr marL="457200" indent="-457200">
-              <a:buFont typeface="+mj-lt"/>
-              <a:buAutoNum type="arabicPeriod"/>
-            </a:pPr>
-            <a:r>
-              <a:rPr lang="en-US" dirty="0" smtClean="0"/>
-              <a:t>Keys</a:t>
-            </a:r>
-          </a:p>
-          <a:p>
-            <a:pPr marL="457200" indent="-457200">
-              <a:buFont typeface="+mj-lt"/>
-              <a:buAutoNum type="arabicPeriod"/>
-            </a:pPr>
-            <a:r>
-              <a:rPr lang="en-US" dirty="0" smtClean="0"/>
-              <a:t>Certificates</a:t>
-            </a:r>
-            <a:endParaRPr lang="en-US" dirty="0"/>
-          </a:p>
-          <a:p>
-            <a:pPr marL="457200" indent="-457200">
-              <a:buFont typeface="+mj-lt"/>
-              <a:buAutoNum type="arabicPeriod"/>
-            </a:pPr>
-            <a:endParaRPr lang="en-US" dirty="0" smtClean="0"/>
-          </a:p>
+        <p:spPr/>
+        <p:txBody>
+          <a:bodyPr/>
+          <a:lstStyle/>
           <a:p>
             <a:pPr marL="0" indent="0">
               <a:buNone/>
             </a:pPr>
-            <a:r>
-              <a:rPr lang="en-US" dirty="0" smtClean="0"/>
-              <a:t>Secrets </a:t>
-            </a:r>
-          </a:p>
-          <a:p>
-            <a:pPr marL="0" indent="0">
-              <a:buNone/>
-            </a:pPr>
-            <a:r>
-              <a:rPr lang="en-US" dirty="0"/>
-              <a:t>B</a:t>
-            </a:r>
-            <a:r>
-              <a:rPr lang="en-US" dirty="0" smtClean="0"/>
-              <a:t>inary sequences, no semantic i.e. passwords, connection strings, etc.</a:t>
-            </a:r>
-          </a:p>
-          <a:p>
-            <a:pPr marL="0" indent="0">
-              <a:buNone/>
-            </a:pPr>
-            <a:r>
-              <a:rPr lang="en-US" dirty="0" smtClean="0"/>
-              <a:t>Any sensitive information that must be protected and access controlled.</a:t>
-            </a:r>
-          </a:p>
-          <a:p>
-            <a:pPr marL="0" indent="0">
-              <a:buNone/>
-            </a:pPr>
-            <a:r>
-              <a:rPr lang="en-US" dirty="0" smtClean="0"/>
-              <a:t>Any piece of information that may be versioned and needs to be centrally managed and protected.</a:t>
-            </a:r>
-            <a:endParaRPr lang="en-US" dirty="0"/>
-          </a:p>
-          <a:p>
-            <a:pPr marL="0" indent="0">
-              <a:buNone/>
-            </a:pPr>
-            <a:endParaRPr lang="en-US" dirty="0" smtClean="0"/>
-          </a:p>
-          <a:p>
-            <a:pPr marL="0" indent="0">
-              <a:buNone/>
-            </a:pPr>
-            <a:endParaRPr lang="en-US" dirty="0" smtClean="0"/>
-          </a:p>
-        </p:txBody>
-      </p:sp>
-      <p:sp>
-        <p:nvSpPr>
-          <p:cNvPr id="3" name="Date Placeholder 2"/>
+            <a:endParaRPr lang="en-US" i="1" dirty="0"/>
+          </a:p>
+        </p:txBody>
+      </p:sp>
+      <p:sp>
+        <p:nvSpPr>
+          <p:cNvPr id="4" name="Segnaposto data 3"/>
           <p:cNvSpPr>
             <a:spLocks noGrp="1"/>
           </p:cNvSpPr>
@@ -3996,7 +4676,7 @@
             <a:fld id="{F8078618-4CAE-48E8-A205-9D92A68D094A}" type="datetime1">
               <a:rPr lang="en-US" smtClean="0"/>
               <a:pPr/>
-              <a:t>5/4/2019</a:t>
+              <a:t>5/6/2019</a:t>
             </a:fld>
             <a:endParaRPr lang="en-US"/>
           </a:p>
@@ -4004,7 +4684,7 @@
       </p:sp>
       <p:sp>
         <p:nvSpPr>
-          <p:cNvPr id="4" name="Slide Number Placeholder 3"/>
+          <p:cNvPr id="5" name="Segnaposto numero diapositiva 4"/>
           <p:cNvSpPr>
             <a:spLocks noGrp="1"/>
           </p:cNvSpPr>
@@ -4028,7 +4708,7 @@
       </p:sp>
       <p:sp>
         <p:nvSpPr>
-          <p:cNvPr id="5" name="Subtitle 4"/>
+          <p:cNvPr id="7" name="Sottotitolo 6"/>
           <p:cNvSpPr>
             <a:spLocks noGrp="1"/>
           </p:cNvSpPr>
@@ -4042,23 +4722,33 @@
           <a:lstStyle/>
           <a:p>
             <a:r>
-              <a:rPr lang="en-US" dirty="0" smtClean="0"/>
-              <a:t>Resource Types in Azure Key Vault</a:t>
-            </a:r>
-            <a:endParaRPr lang="en-US" dirty="0"/>
+              <a:rPr lang="en-US" b="1" dirty="0" smtClean="0">
+                <a:solidFill>
+                  <a:schemeClr val="tx1"/>
+                </a:solidFill>
+              </a:rPr>
+              <a:t>Introduction</a:t>
+            </a:r>
+            <a:endParaRPr lang="en-US" b="1" dirty="0">
+              <a:solidFill>
+                <a:schemeClr val="tx1"/>
+              </a:solidFill>
+            </a:endParaRPr>
           </a:p>
         </p:txBody>
       </p:sp>
     </p:spTree>
-    <p:extLst>
-      <p:ext uri="{BB962C8B-B14F-4D97-AF65-F5344CB8AC3E}">
-        <p14:creationId xmlns:p14="http://schemas.microsoft.com/office/powerpoint/2010/main" val="1550044430"/>
-      </p:ext>
-    </p:extLst>
   </p:cSld>
   <p:clrMapOvr>
     <a:masterClrMapping/>
   </p:clrMapOvr>
+  <p:timing>
+    <p:tnLst>
+      <p:par>
+        <p:cTn id="1" dur="indefinite" restart="never" nodeType="tmRoot"/>
+      </p:par>
+    </p:tnLst>
+  </p:timing>
 </p:sld>
 </file>
 
@@ -4081,7 +4771,7 @@
       </p:grpSpPr>
       <p:sp>
         <p:nvSpPr>
-          <p:cNvPr id="2" name="Content Placeholder 1"/>
+          <p:cNvPr id="3" name="Segnaposto contenuto 2"/>
           <p:cNvSpPr>
             <a:spLocks noGrp="1"/>
           </p:cNvSpPr>
@@ -4089,79 +4779,52 @@
             <p:ph idx="1"/>
           </p:nvPr>
         </p:nvSpPr>
-        <p:spPr>
-          <a:xfrm>
-            <a:off x="458972" y="2133600"/>
-            <a:ext cx="8229600" cy="3429000"/>
-          </a:xfrm>
-        </p:spPr>
-        <p:txBody>
-          <a:bodyPr/>
-          <a:lstStyle/>
-          <a:p>
-            <a:pPr marL="457200" indent="-457200">
-              <a:buFont typeface="+mj-lt"/>
-              <a:buAutoNum type="arabicPeriod"/>
-            </a:pPr>
+        <p:spPr/>
+        <p:txBody>
+          <a:bodyPr/>
+          <a:lstStyle/>
+          <a:p>
             <a:r>
               <a:rPr lang="en-US" dirty="0" smtClean="0"/>
-              <a:t>Secrets</a:t>
-            </a:r>
-          </a:p>
-          <a:p>
-            <a:pPr marL="457200" indent="-457200">
-              <a:buFont typeface="+mj-lt"/>
-              <a:buAutoNum type="arabicPeriod"/>
-            </a:pPr>
+              <a:t>It must be kept safe somewhere</a:t>
+            </a:r>
+          </a:p>
+          <a:p>
             <a:r>
               <a:rPr lang="en-US" dirty="0" smtClean="0"/>
-              <a:t>Keys</a:t>
-            </a:r>
-          </a:p>
-          <a:p>
-            <a:pPr marL="457200" indent="-457200">
-              <a:buFont typeface="+mj-lt"/>
-              <a:buAutoNum type="arabicPeriod"/>
-            </a:pPr>
+              <a:t>It cannot be shared with anyone who should not know</a:t>
+            </a:r>
+          </a:p>
+          <a:p>
             <a:r>
               <a:rPr lang="en-US" dirty="0" smtClean="0"/>
-              <a:t>Certificates</a:t>
+              <a:t>It can be forgotten or lost</a:t>
+            </a:r>
+          </a:p>
+          <a:p>
+            <a:r>
+              <a:rPr lang="en-US" dirty="0" smtClean="0"/>
+              <a:t>If stolen it becomes worthless</a:t>
+            </a:r>
+          </a:p>
+          <a:p>
+            <a:r>
+              <a:rPr lang="en-US" dirty="0" smtClean="0"/>
+              <a:t>Just the suspicion of loss or of a leak makes it worthless</a:t>
+            </a:r>
+          </a:p>
+          <a:p>
+            <a:r>
+              <a:rPr lang="en-US" dirty="0" smtClean="0"/>
+              <a:t>More than one secret and life gets very complicated!</a:t>
             </a:r>
             <a:endParaRPr lang="en-US" dirty="0"/>
           </a:p>
-          <a:p>
-            <a:pPr marL="457200" indent="-457200">
-              <a:buFont typeface="+mj-lt"/>
-              <a:buAutoNum type="arabicPeriod"/>
-            </a:pPr>
-            <a:endParaRPr lang="en-US" dirty="0" smtClean="0"/>
-          </a:p>
-          <a:p>
-            <a:pPr marL="0" indent="0">
-              <a:buNone/>
-            </a:pPr>
-            <a:r>
-              <a:rPr lang="en-US" dirty="0" smtClean="0"/>
-              <a:t>Keys</a:t>
-            </a:r>
-          </a:p>
-          <a:p>
-            <a:pPr marL="0" indent="0">
-              <a:buNone/>
-            </a:pPr>
-            <a:endParaRPr lang="en-US" dirty="0" smtClean="0"/>
-          </a:p>
-          <a:p>
-            <a:pPr marL="0" indent="0">
-              <a:buNone/>
-            </a:pPr>
-            <a:endParaRPr lang="en-US" dirty="0" smtClean="0"/>
-          </a:p>
-        </p:txBody>
-      </p:sp>
-      <p:sp>
-        <p:nvSpPr>
-          <p:cNvPr id="3" name="Date Placeholder 2"/>
+        </p:txBody>
+      </p:sp>
+      <p:sp>
+        <p:nvSpPr>
+          <p:cNvPr id="4" name="Segnaposto data 3"/>
           <p:cNvSpPr>
             <a:spLocks noGrp="1"/>
           </p:cNvSpPr>
@@ -4177,7 +4840,7 @@
             <a:fld id="{F8078618-4CAE-48E8-A205-9D92A68D094A}" type="datetime1">
               <a:rPr lang="en-US" smtClean="0"/>
               <a:pPr/>
-              <a:t>5/4/2019</a:t>
+              <a:t>5/6/2019</a:t>
             </a:fld>
             <a:endParaRPr lang="en-US"/>
           </a:p>
@@ -4185,7 +4848,7 @@
       </p:sp>
       <p:sp>
         <p:nvSpPr>
-          <p:cNvPr id="4" name="Slide Number Placeholder 3"/>
+          <p:cNvPr id="5" name="Segnaposto numero diapositiva 4"/>
           <p:cNvSpPr>
             <a:spLocks noGrp="1"/>
           </p:cNvSpPr>
@@ -4209,7 +4872,7 @@
       </p:sp>
       <p:sp>
         <p:nvSpPr>
-          <p:cNvPr id="5" name="Subtitle 4"/>
+          <p:cNvPr id="7" name="Sottotitolo 6"/>
           <p:cNvSpPr>
             <a:spLocks noGrp="1"/>
           </p:cNvSpPr>
@@ -4217,29 +4880,49 @@
             <p:ph type="subTitle" idx="14"/>
           </p:nvPr>
         </p:nvSpPr>
-        <p:spPr/>
-        <p:txBody>
-          <a:bodyPr/>
-          <a:lstStyle/>
-          <a:p>
-            <a:r>
-              <a:rPr lang="en-US" dirty="0" smtClean="0"/>
-              <a:t>Resource Types in Azure Key Vault</a:t>
-            </a:r>
-            <a:endParaRPr lang="en-US" dirty="0"/>
+        <p:spPr>
+          <a:xfrm>
+            <a:off x="1143000" y="1066800"/>
+            <a:ext cx="6400800" cy="457200"/>
+          </a:xfrm>
+        </p:spPr>
+        <p:txBody>
+          <a:bodyPr/>
+          <a:lstStyle/>
+          <a:p>
+            <a:r>
+              <a:rPr lang="en-US" b="1" dirty="0" smtClean="0">
+                <a:solidFill>
+                  <a:schemeClr val="tx1"/>
+                </a:solidFill>
+              </a:rPr>
+              <a:t>The Problems with Secrets</a:t>
+            </a:r>
+            <a:endParaRPr lang="en-US" b="1" dirty="0">
+              <a:solidFill>
+                <a:schemeClr val="tx1"/>
+              </a:solidFill>
+            </a:endParaRPr>
           </a:p>
         </p:txBody>
       </p:sp>
     </p:spTree>
     <p:extLst>
       <p:ext uri="{BB962C8B-B14F-4D97-AF65-F5344CB8AC3E}">
-        <p14:creationId xmlns:p14="http://schemas.microsoft.com/office/powerpoint/2010/main" val="2033253701"/>
+        <p14:creationId xmlns:p14="http://schemas.microsoft.com/office/powerpoint/2010/main" val="148647950"/>
       </p:ext>
     </p:extLst>
   </p:cSld>
   <p:clrMapOvr>
     <a:masterClrMapping/>
   </p:clrMapOvr>
+  <p:timing>
+    <p:tnLst>
+      <p:par>
+        <p:cTn id="1" dur="indefinite" restart="never" nodeType="tmRoot"/>
+      </p:par>
+    </p:tnLst>
+  </p:timing>
 </p:sld>
 </file>
 
@@ -4270,70 +4953,127 @@
             <p:ph idx="1"/>
           </p:nvPr>
         </p:nvSpPr>
-        <p:spPr/>
-        <p:txBody>
-          <a:bodyPr/>
-          <a:lstStyle/>
-          <a:p>
-            <a:pPr algn="ctr">
+        <p:spPr>
+          <a:xfrm>
+            <a:off x="457200" y="1905000"/>
+            <a:ext cx="8229600" cy="3429000"/>
+          </a:xfrm>
+        </p:spPr>
+        <p:txBody>
+          <a:bodyPr>
+            <a:normAutofit/>
+          </a:bodyPr>
+          <a:lstStyle/>
+          <a:p>
+            <a:pPr marL="0" indent="0" algn="just">
               <a:buNone/>
             </a:pPr>
-            <a:endParaRPr lang="en-US" dirty="0" smtClean="0"/>
-          </a:p>
-          <a:p>
             <a:r>
               <a:rPr lang="en-US" dirty="0" smtClean="0"/>
-              <a:t>Introduction</a:t>
-            </a:r>
-          </a:p>
-          <a:p>
+              <a:t>A storage service used to store </a:t>
+            </a:r>
+            <a:r>
+              <a:rPr lang="en-US" dirty="0"/>
+              <a:t>cryptographic keys and secrets </a:t>
+            </a:r>
             <a:r>
               <a:rPr lang="en-US" dirty="0" smtClean="0"/>
-              <a:t>Business scope </a:t>
-            </a:r>
-          </a:p>
-          <a:p>
+              <a:t>and keep this </a:t>
+            </a:r>
+            <a:r>
+              <a:rPr lang="en-US" dirty="0"/>
+              <a:t>information secure.</a:t>
+            </a:r>
             <a:r>
               <a:rPr lang="en-US" dirty="0" smtClean="0"/>
-              <a:t>Functionality description</a:t>
-            </a:r>
-          </a:p>
-          <a:p>
+              <a:t> The service offers a software abstraction to solve </a:t>
+            </a:r>
+            <a:r>
+              <a:rPr lang="en-US" dirty="0"/>
+              <a:t>the following </a:t>
+            </a:r>
             <a:r>
               <a:rPr lang="en-US" dirty="0" smtClean="0"/>
-              <a:t>AX modules involved and setup</a:t>
-            </a:r>
-          </a:p>
-          <a:p>
+              <a:t>problems. </a:t>
+            </a:r>
+          </a:p>
+          <a:p>
+            <a:pPr marL="0" indent="0" algn="just">
+              <a:buNone/>
+            </a:pPr>
+            <a:endParaRPr lang="en-US" dirty="0"/>
+          </a:p>
+          <a:p>
+            <a:r>
+              <a:rPr lang="en-US" b="1" dirty="0"/>
+              <a:t>Secret </a:t>
+            </a:r>
+            <a:r>
+              <a:rPr lang="en-US" b="1" dirty="0" smtClean="0"/>
+              <a:t>and Keys management</a:t>
+            </a:r>
             <a:r>
               <a:rPr lang="en-US" dirty="0" smtClean="0"/>
-              <a:t>Demo with AX/Slides</a:t>
-            </a:r>
-          </a:p>
-          <a:p>
+              <a:t> such as access control.</a:t>
+            </a:r>
+            <a:endParaRPr lang="en-US" dirty="0"/>
+          </a:p>
+          <a:p>
+            <a:r>
+              <a:rPr lang="en-US" b="1" dirty="0" smtClean="0"/>
+              <a:t>Certificate management</a:t>
+            </a:r>
+            <a:r>
+              <a:rPr lang="en-US" dirty="0"/>
+              <a:t> </a:t>
+            </a:r>
             <a:r>
               <a:rPr lang="en-US" dirty="0" smtClean="0"/>
-              <a:t>Q&amp;A</a:t>
-            </a:r>
-          </a:p>
-          <a:p>
-            <a:endParaRPr lang="en-US" dirty="0" smtClean="0"/>
-          </a:p>
-          <a:p>
-            <a:endParaRPr lang="en-US" dirty="0" smtClean="0"/>
-          </a:p>
-          <a:p>
-            <a:endParaRPr lang="en-US" dirty="0" smtClean="0"/>
-          </a:p>
-          <a:p>
-            <a:endParaRPr lang="en-US" dirty="0" smtClean="0"/>
-          </a:p>
-          <a:p>
-            <a:endParaRPr lang="en-US" dirty="0" smtClean="0"/>
-          </a:p>
-          <a:p>
+              <a:t>including provision</a:t>
+            </a:r>
+            <a:r>
+              <a:rPr lang="en-US" dirty="0"/>
+              <a:t> </a:t>
+            </a:r>
+            <a:r>
+              <a:rPr lang="en-US" dirty="0" smtClean="0"/>
+              <a:t>and deployment i.e. (SSL/TLS</a:t>
+            </a:r>
+            <a:r>
+              <a:rPr lang="en-US" dirty="0"/>
+              <a:t>) certificates </a:t>
+            </a:r>
+            <a:r>
+              <a:rPr lang="en-US" dirty="0" smtClean="0"/>
+              <a:t>used within </a:t>
+            </a:r>
+            <a:r>
+              <a:rPr lang="en-US" dirty="0"/>
+              <a:t>Azure </a:t>
+            </a:r>
+            <a:r>
+              <a:rPr lang="en-US" dirty="0" smtClean="0"/>
+              <a:t>internally connected artifacts.</a:t>
+            </a:r>
             <a:endParaRPr lang="en-US" dirty="0"/>
           </a:p>
+          <a:p>
+            <a:r>
+              <a:rPr lang="en-US" b="1" dirty="0"/>
+              <a:t>Store secrets </a:t>
+            </a:r>
+            <a:r>
+              <a:rPr lang="en-US" b="1" dirty="0" smtClean="0"/>
+              <a:t>and Keys on HSMs</a:t>
+            </a:r>
+            <a:endParaRPr lang="en-US" dirty="0"/>
+          </a:p>
+          <a:p>
+            <a:pPr marL="0" indent="0" algn="just">
+              <a:buNone/>
+            </a:pPr>
+            <a:endParaRPr lang="en-US" dirty="0"/>
+          </a:p>
         </p:txBody>
       </p:sp>
       <p:sp>
@@ -4354,7 +5094,7 @@
             <a:fld id="{F8078618-4CAE-48E8-A205-9D92A68D094A}" type="datetime1">
               <a:rPr lang="en-US" smtClean="0"/>
               <a:pPr/>
-              <a:t>5/4/2019</a:t>
+              <a:t>5/6/2019</a:t>
             </a:fld>
             <a:endParaRPr lang="en-US"/>
           </a:p>
@@ -4386,7 +5126,7 @@
       </p:sp>
       <p:sp>
         <p:nvSpPr>
-          <p:cNvPr id="8" name="Sottotitolo 7"/>
+          <p:cNvPr id="7" name="Sottotitolo 6"/>
           <p:cNvSpPr>
             <a:spLocks noGrp="1"/>
           </p:cNvSpPr>
@@ -4394,7 +5134,12 @@
             <p:ph type="subTitle" idx="14"/>
           </p:nvPr>
         </p:nvSpPr>
-        <p:spPr/>
+        <p:spPr>
+          <a:xfrm>
+            <a:off x="1143000" y="1066800"/>
+            <a:ext cx="6400800" cy="457200"/>
+          </a:xfrm>
+        </p:spPr>
         <p:txBody>
           <a:bodyPr/>
           <a:lstStyle/>
@@ -4405,9 +5150,9 @@
                   <a:schemeClr val="tx1"/>
                 </a:solidFill>
               </a:rPr>
-              <a:t>Summary</a:t>
-            </a:r>
-            <a:endParaRPr lang="en-US" dirty="0">
+              <a:t>What is Azure Key Vault</a:t>
+            </a:r>
+            <a:endParaRPr lang="en-US" b="1" dirty="0">
               <a:solidFill>
                 <a:schemeClr val="tx1"/>
               </a:solidFill>
@@ -4416,6 +5161,11 @@
         </p:txBody>
       </p:sp>
     </p:spTree>
+    <p:extLst>
+      <p:ext uri="{BB962C8B-B14F-4D97-AF65-F5344CB8AC3E}">
+        <p14:creationId xmlns:p14="http://schemas.microsoft.com/office/powerpoint/2010/main" val="2012090214"/>
+      </p:ext>
+    </p:extLst>
   </p:cSld>
   <p:clrMapOvr>
     <a:masterClrMapping/>
@@ -4449,7 +5199,7 @@
       </p:grpSpPr>
       <p:sp>
         <p:nvSpPr>
-          <p:cNvPr id="3" name="Segnaposto contenuto 2"/>
+          <p:cNvPr id="2" name="Content Placeholder 1"/>
           <p:cNvSpPr>
             <a:spLocks noGrp="1"/>
           </p:cNvSpPr>
@@ -4457,25 +5207,126 @@
             <p:ph idx="1"/>
           </p:nvPr>
         </p:nvSpPr>
-        <p:spPr/>
-        <p:txBody>
-          <a:bodyPr/>
-          <a:lstStyle/>
-          <a:p>
-            <a:pPr>
+        <p:spPr>
+          <a:xfrm>
+            <a:off x="458972" y="1905000"/>
+            <a:ext cx="8229600" cy="3657600"/>
+          </a:xfrm>
+        </p:spPr>
+        <p:txBody>
+          <a:bodyPr>
+            <a:normAutofit/>
+          </a:bodyPr>
+          <a:lstStyle/>
+          <a:p>
+            <a:pPr marL="457200" indent="-457200">
+              <a:buFont typeface="+mj-lt"/>
+              <a:buAutoNum type="arabicPeriod"/>
+            </a:pPr>
+            <a:r>
+              <a:rPr lang="en-US" dirty="0" smtClean="0"/>
+              <a:t>Secrets</a:t>
+            </a:r>
+          </a:p>
+          <a:p>
+            <a:pPr marL="457200" indent="-457200">
+              <a:buFont typeface="+mj-lt"/>
+              <a:buAutoNum type="arabicPeriod"/>
+            </a:pPr>
+            <a:r>
+              <a:rPr lang="en-US" dirty="0" smtClean="0"/>
+              <a:t>Keys</a:t>
+            </a:r>
+          </a:p>
+          <a:p>
+            <a:pPr marL="457200" indent="-457200">
+              <a:buFont typeface="+mj-lt"/>
+              <a:buAutoNum type="arabicPeriod"/>
+            </a:pPr>
+            <a:r>
+              <a:rPr lang="en-US" dirty="0" smtClean="0"/>
+              <a:t>Certificates</a:t>
+            </a:r>
+            <a:endParaRPr lang="en-US" dirty="0"/>
+          </a:p>
+          <a:p>
+            <a:pPr marL="457200" indent="-457200">
+              <a:buFont typeface="+mj-lt"/>
+              <a:buAutoNum type="arabicPeriod"/>
+            </a:pPr>
+            <a:endParaRPr lang="en-US" dirty="0" smtClean="0"/>
+          </a:p>
+          <a:p>
+            <a:pPr marL="0" indent="0">
               <a:buNone/>
             </a:pPr>
             <a:r>
-              <a:rPr lang="en-US" i="1" dirty="0" smtClean="0"/>
-              <a:t>describe here topics and who are the auditors for the presentation</a:t>
-            </a:r>
-            <a:endParaRPr lang="en-US" i="1" dirty="0"/>
-          </a:p>
-        </p:txBody>
-      </p:sp>
-      <p:sp>
-        <p:nvSpPr>
-          <p:cNvPr id="4" name="Segnaposto data 3"/>
+              <a:rPr lang="en-US" dirty="0" smtClean="0"/>
+              <a:t>Secrets </a:t>
+            </a:r>
+            <a:endParaRPr lang="en-US" dirty="0" smtClean="0"/>
+          </a:p>
+          <a:p>
+            <a:pPr marL="0" indent="0">
+              <a:buNone/>
+            </a:pPr>
+            <a:endParaRPr lang="en-US" dirty="0" smtClean="0"/>
+          </a:p>
+          <a:p>
+            <a:pPr marL="0" indent="0" algn="just">
+              <a:buNone/>
+            </a:pPr>
+            <a:r>
+              <a:rPr lang="en-US" dirty="0"/>
+              <a:t>B</a:t>
+            </a:r>
+            <a:r>
+              <a:rPr lang="en-US" dirty="0" smtClean="0"/>
+              <a:t>inary </a:t>
+            </a:r>
+            <a:r>
+              <a:rPr lang="en-US" dirty="0" smtClean="0"/>
+              <a:t>sequences with </a:t>
+            </a:r>
+            <a:r>
+              <a:rPr lang="en-US" dirty="0" smtClean="0"/>
+              <a:t>no semantic i.e. passwords, connection strings, </a:t>
+            </a:r>
+            <a:r>
+              <a:rPr lang="en-US" dirty="0" smtClean="0"/>
+              <a:t>bank details, thumbprints, hashes, etc. Any </a:t>
+            </a:r>
+            <a:r>
+              <a:rPr lang="en-US" dirty="0" smtClean="0"/>
+              <a:t>sensitive information that must be protected and access </a:t>
+            </a:r>
+            <a:r>
+              <a:rPr lang="en-US" dirty="0" smtClean="0"/>
+              <a:t>controlled. Any </a:t>
+            </a:r>
+            <a:r>
+              <a:rPr lang="en-US" dirty="0" smtClean="0"/>
+              <a:t>piece of information that may be versioned and needs to be centrally managed and protected.</a:t>
+            </a:r>
+            <a:endParaRPr lang="en-US" dirty="0"/>
+          </a:p>
+          <a:p>
+            <a:pPr marL="0" indent="0">
+              <a:buNone/>
+            </a:pPr>
+            <a:endParaRPr lang="en-US" dirty="0" smtClean="0"/>
+          </a:p>
+          <a:p>
+            <a:pPr marL="0" indent="0">
+              <a:buNone/>
+            </a:pPr>
+            <a:endParaRPr lang="en-US" dirty="0" smtClean="0"/>
+          </a:p>
+        </p:txBody>
+      </p:sp>
+      <p:sp>
+        <p:nvSpPr>
+          <p:cNvPr id="3" name="Date Placeholder 2"/>
           <p:cNvSpPr>
             <a:spLocks noGrp="1"/>
           </p:cNvSpPr>
@@ -4491,7 +5342,7 @@
             <a:fld id="{F8078618-4CAE-48E8-A205-9D92A68D094A}" type="datetime1">
               <a:rPr lang="en-US" smtClean="0"/>
               <a:pPr/>
-              <a:t>5/4/2019</a:t>
+              <a:t>5/6/2019</a:t>
             </a:fld>
             <a:endParaRPr lang="en-US"/>
           </a:p>
@@ -4499,7 +5350,7 @@
       </p:sp>
       <p:sp>
         <p:nvSpPr>
-          <p:cNvPr id="5" name="Segnaposto numero diapositiva 4"/>
+          <p:cNvPr id="4" name="Slide Number Placeholder 3"/>
           <p:cNvSpPr>
             <a:spLocks noGrp="1"/>
           </p:cNvSpPr>
@@ -4523,7 +5374,7 @@
       </p:sp>
       <p:sp>
         <p:nvSpPr>
-          <p:cNvPr id="7" name="Sottotitolo 6"/>
+          <p:cNvPr id="5" name="Subtitle 4"/>
           <p:cNvSpPr>
             <a:spLocks noGrp="1"/>
           </p:cNvSpPr>
@@ -4531,28 +5382,30 @@
             <p:ph type="subTitle" idx="14"/>
           </p:nvPr>
         </p:nvSpPr>
-        <p:spPr/>
-        <p:txBody>
-          <a:bodyPr/>
-          <a:lstStyle/>
-          <a:p>
-            <a:r>
-              <a:rPr lang="en-US" b="1" dirty="0" smtClean="0">
-                <a:solidFill>
-                  <a:schemeClr val="tx1"/>
-                </a:solidFill>
-              </a:rPr>
-              <a:t>Introduction</a:t>
-            </a:r>
-            <a:endParaRPr lang="en-US" b="1" dirty="0">
-              <a:solidFill>
-                <a:schemeClr val="tx1"/>
-              </a:solidFill>
-            </a:endParaRPr>
+        <p:spPr>
+          <a:xfrm>
+            <a:off x="1219200" y="1050925"/>
+            <a:ext cx="6400800" cy="457200"/>
+          </a:xfrm>
+        </p:spPr>
+        <p:txBody>
+          <a:bodyPr/>
+          <a:lstStyle/>
+          <a:p>
+            <a:r>
+              <a:rPr lang="en-US" dirty="0" smtClean="0"/>
+              <a:t>Resource Types in Azure Key Vault</a:t>
+            </a:r>
+            <a:endParaRPr lang="en-US" dirty="0"/>
           </a:p>
         </p:txBody>
       </p:sp>
     </p:spTree>
+    <p:extLst>
+      <p:ext uri="{BB962C8B-B14F-4D97-AF65-F5344CB8AC3E}">
+        <p14:creationId xmlns:p14="http://schemas.microsoft.com/office/powerpoint/2010/main" val="1550044430"/>
+      </p:ext>
+    </p:extLst>
   </p:cSld>
   <p:clrMapOvr>
     <a:masterClrMapping/>
@@ -4586,7 +5439,7 @@
       </p:grpSpPr>
       <p:sp>
         <p:nvSpPr>
-          <p:cNvPr id="3" name="Segnaposto contenuto 2"/>
+          <p:cNvPr id="2" name="Content Placeholder 1"/>
           <p:cNvSpPr>
             <a:spLocks noGrp="1"/>
           </p:cNvSpPr>
@@ -4594,35 +5447,113 @@
             <p:ph idx="1"/>
           </p:nvPr>
         </p:nvSpPr>
-        <p:spPr/>
-        <p:txBody>
-          <a:bodyPr/>
-          <a:lstStyle/>
-          <a:p>
-            <a:pPr marL="285750" indent="0">
+        <p:spPr>
+          <a:xfrm>
+            <a:off x="458972" y="1828800"/>
+            <a:ext cx="8229600" cy="3733800"/>
+          </a:xfrm>
+        </p:spPr>
+        <p:txBody>
+          <a:bodyPr>
+            <a:normAutofit lnSpcReduction="10000"/>
+          </a:bodyPr>
+          <a:lstStyle/>
+          <a:p>
+            <a:pPr marL="457200" indent="-457200">
+              <a:buFont typeface="+mj-lt"/>
+              <a:buAutoNum type="arabicPeriod"/>
+            </a:pPr>
+            <a:r>
+              <a:rPr lang="en-US" dirty="0" smtClean="0"/>
+              <a:t>Secrets</a:t>
+            </a:r>
+          </a:p>
+          <a:p>
+            <a:pPr marL="457200" indent="-457200">
+              <a:buFont typeface="+mj-lt"/>
+              <a:buAutoNum type="arabicPeriod"/>
+            </a:pPr>
+            <a:r>
+              <a:rPr lang="en-US" dirty="0" smtClean="0"/>
+              <a:t>Keys</a:t>
+            </a:r>
+          </a:p>
+          <a:p>
+            <a:pPr marL="457200" indent="-457200">
+              <a:buFont typeface="+mj-lt"/>
+              <a:buAutoNum type="arabicPeriod"/>
+            </a:pPr>
+            <a:r>
+              <a:rPr lang="en-US" dirty="0" smtClean="0"/>
+              <a:t>Certificates</a:t>
+            </a:r>
+            <a:endParaRPr lang="en-US" dirty="0"/>
+          </a:p>
+          <a:p>
+            <a:pPr marL="457200" indent="-457200">
+              <a:buFont typeface="+mj-lt"/>
+              <a:buAutoNum type="arabicPeriod"/>
+            </a:pPr>
+            <a:endParaRPr lang="en-US" dirty="0" smtClean="0"/>
+          </a:p>
+          <a:p>
+            <a:pPr marL="0" indent="0">
               <a:buNone/>
             </a:pPr>
             <a:r>
-              <a:rPr lang="en-US" sz="1600" i="1" dirty="0" smtClean="0"/>
-              <a:t>which is the business process involved, for example: Purchase order or invoicing, etc</a:t>
-            </a:r>
-            <a:r>
-              <a:rPr lang="en-US" i="1" dirty="0" smtClean="0"/>
-              <a:t>. </a:t>
-            </a:r>
-            <a:r>
-              <a:rPr lang="en-US" sz="1600" i="1" dirty="0" smtClean="0"/>
-              <a:t>and main process actors</a:t>
-            </a:r>
-          </a:p>
-          <a:p>
+              <a:rPr lang="en-US" dirty="0" smtClean="0"/>
+              <a:t>Cryptographic Keys </a:t>
+            </a:r>
+          </a:p>
+          <a:p>
+            <a:pPr marL="0" indent="0">
+              <a:buNone/>
+            </a:pPr>
+            <a:endParaRPr lang="en-US" dirty="0" smtClean="0"/>
+          </a:p>
+          <a:p>
+            <a:pPr marL="0" indent="0" algn="just">
+              <a:buNone/>
+            </a:pPr>
+            <a:r>
+              <a:rPr lang="en-US" dirty="0" smtClean="0"/>
+              <a:t>Existing RSA or EC Keys. These can either be imported into Azure Key Vault or be directly generated and stored by it. </a:t>
+            </a:r>
+            <a:r>
+              <a:rPr lang="en-US" dirty="0"/>
+              <a:t>A cryptographic key is a string of bits used by a cryptographic algorithm to transform plain text into cipher text or vice versa</a:t>
+            </a:r>
+            <a:r>
+              <a:rPr lang="en-US" dirty="0" smtClean="0"/>
+              <a:t>. Their format is an </a:t>
+            </a:r>
+            <a:r>
+              <a:rPr lang="en-US" dirty="0"/>
+              <a:t>a</a:t>
+            </a:r>
+            <a:r>
+              <a:rPr lang="en-US" dirty="0" smtClean="0"/>
+              <a:t>greed industry standard. </a:t>
+            </a:r>
             <a:endParaRPr lang="en-US" dirty="0"/>
           </a:p>
-        </p:txBody>
-      </p:sp>
-      <p:sp>
-        <p:nvSpPr>
-          <p:cNvPr id="4" name="Segnaposto data 3"/>
+          <a:p>
+            <a:pPr marL="0" indent="0">
+              <a:buNone/>
+            </a:pPr>
+            <a:endParaRPr lang="en-US" dirty="0" smtClean="0"/>
+          </a:p>
+          <a:p>
+            <a:pPr marL="0" indent="0">
+              <a:buNone/>
+            </a:pPr>
+            <a:endParaRPr lang="en-US" dirty="0" smtClean="0"/>
+          </a:p>
+        </p:txBody>
+      </p:sp>
+      <p:sp>
+        <p:nvSpPr>
+          <p:cNvPr id="3" name="Date Placeholder 2"/>
           <p:cNvSpPr>
             <a:spLocks noGrp="1"/>
           </p:cNvSpPr>
@@ -4638,7 +5569,7 @@
             <a:fld id="{F8078618-4CAE-48E8-A205-9D92A68D094A}" type="datetime1">
               <a:rPr lang="en-US" smtClean="0"/>
               <a:pPr/>
-              <a:t>5/4/2019</a:t>
+              <a:t>5/6/2019</a:t>
             </a:fld>
             <a:endParaRPr lang="en-US"/>
           </a:p>
@@ -4646,7 +5577,7 @@
       </p:sp>
       <p:sp>
         <p:nvSpPr>
-          <p:cNvPr id="5" name="Segnaposto numero diapositiva 4"/>
+          <p:cNvPr id="4" name="Slide Number Placeholder 3"/>
           <p:cNvSpPr>
             <a:spLocks noGrp="1"/>
           </p:cNvSpPr>
@@ -4670,7 +5601,7 @@
       </p:sp>
       <p:sp>
         <p:nvSpPr>
-          <p:cNvPr id="8" name="Sottotitolo 7"/>
+          <p:cNvPr id="5" name="Subtitle 4"/>
           <p:cNvSpPr>
             <a:spLocks noGrp="1"/>
           </p:cNvSpPr>
@@ -4678,24 +5609,30 @@
             <p:ph type="subTitle" idx="14"/>
           </p:nvPr>
         </p:nvSpPr>
-        <p:spPr/>
-        <p:txBody>
-          <a:bodyPr/>
-          <a:lstStyle/>
-          <a:p>
-            <a:pPr marL="285750"/>
-            <a:r>
-              <a:rPr lang="en-US" b="1" dirty="0" smtClean="0">
-                <a:solidFill>
-                  <a:schemeClr val="tx1"/>
-                </a:solidFill>
-              </a:rPr>
-              <a:t>Business Scope</a:t>
-            </a:r>
+        <p:spPr>
+          <a:xfrm>
+            <a:off x="1373372" y="990600"/>
+            <a:ext cx="6400800" cy="457200"/>
+          </a:xfrm>
+        </p:spPr>
+        <p:txBody>
+          <a:bodyPr/>
+          <a:lstStyle/>
+          <a:p>
+            <a:r>
+              <a:rPr lang="en-US" dirty="0" smtClean="0"/>
+              <a:t>Resource Types in Azure Key Vault</a:t>
+            </a:r>
+            <a:endParaRPr lang="en-US" dirty="0"/>
           </a:p>
         </p:txBody>
       </p:sp>
     </p:spTree>
+    <p:extLst>
+      <p:ext uri="{BB962C8B-B14F-4D97-AF65-F5344CB8AC3E}">
+        <p14:creationId xmlns:p14="http://schemas.microsoft.com/office/powerpoint/2010/main" val="2131702540"/>
+      </p:ext>
+    </p:extLst>
   </p:cSld>
   <p:clrMapOvr>
     <a:masterClrMapping/>
@@ -4729,7 +5666,7 @@
       </p:grpSpPr>
       <p:sp>
         <p:nvSpPr>
-          <p:cNvPr id="3" name="Segnaposto contenuto 2"/>
+          <p:cNvPr id="2" name="Content Placeholder 1"/>
           <p:cNvSpPr>
             <a:spLocks noGrp="1"/>
           </p:cNvSpPr>
@@ -4737,108 +5674,86 @@
             <p:ph idx="1"/>
           </p:nvPr>
         </p:nvSpPr>
-        <p:spPr/>
+        <p:spPr>
+          <a:xfrm>
+            <a:off x="458972" y="1752600"/>
+            <a:ext cx="8229600" cy="3810000"/>
+          </a:xfrm>
+        </p:spPr>
         <p:txBody>
           <a:bodyPr>
-            <a:normAutofit fontScale="92500" lnSpcReduction="10000"/>
+            <a:normAutofit lnSpcReduction="10000"/>
           </a:bodyPr>
           <a:lstStyle/>
           <a:p>
-            <a:r>
-              <a:rPr lang="en-US" sz="1900" i="1" dirty="0" smtClean="0"/>
-              <a:t>Description of the new function </a:t>
-            </a:r>
-          </a:p>
-          <a:p>
-            <a:r>
-              <a:rPr lang="en-US" sz="1900" i="1" dirty="0" smtClean="0"/>
-              <a:t>Cases where the function is useful</a:t>
-            </a:r>
-          </a:p>
-          <a:p>
-            <a:r>
-              <a:rPr lang="en-US" sz="1900" i="1" dirty="0" smtClean="0"/>
-              <a:t>Business limitations</a:t>
-            </a:r>
-          </a:p>
-          <a:p>
-            <a:endParaRPr lang="en-US" sz="1900" i="1" dirty="0" smtClean="0"/>
-          </a:p>
-          <a:p>
-            <a:pPr>
+            <a:pPr marL="457200" indent="-457200">
+              <a:buFont typeface="+mj-lt"/>
+              <a:buAutoNum type="arabicPeriod"/>
+            </a:pPr>
+            <a:r>
+              <a:rPr lang="en-US" dirty="0" smtClean="0"/>
+              <a:t>Secrets</a:t>
+            </a:r>
+          </a:p>
+          <a:p>
+            <a:pPr marL="457200" indent="-457200">
+              <a:buFont typeface="+mj-lt"/>
+              <a:buAutoNum type="arabicPeriod"/>
+            </a:pPr>
+            <a:r>
+              <a:rPr lang="en-US" dirty="0" smtClean="0"/>
+              <a:t>Keys</a:t>
+            </a:r>
+          </a:p>
+          <a:p>
+            <a:pPr marL="457200" indent="-457200">
+              <a:buFont typeface="+mj-lt"/>
+              <a:buAutoNum type="arabicPeriod"/>
+            </a:pPr>
+            <a:r>
+              <a:rPr lang="en-US" dirty="0" smtClean="0"/>
+              <a:t>Certificates</a:t>
+            </a:r>
+            <a:endParaRPr lang="en-US" dirty="0"/>
+          </a:p>
+          <a:p>
+            <a:pPr marL="457200" indent="-457200">
+              <a:buFont typeface="+mj-lt"/>
+              <a:buAutoNum type="arabicPeriod"/>
+            </a:pPr>
+            <a:endParaRPr lang="en-US" dirty="0" smtClean="0"/>
+          </a:p>
+          <a:p>
+            <a:pPr marL="0" indent="0">
               <a:buNone/>
             </a:pPr>
             <a:r>
-              <a:rPr lang="en-US" sz="1900" i="1" dirty="0" smtClean="0"/>
-              <a:t>For example:</a:t>
-            </a:r>
-          </a:p>
-          <a:p>
-            <a:pPr>
+              <a:rPr lang="en-US" dirty="0" smtClean="0"/>
+              <a:t>Certificates</a:t>
+            </a:r>
+            <a:endParaRPr lang="en-US" dirty="0" smtClean="0"/>
+          </a:p>
+          <a:p>
+            <a:pPr marL="0" indent="0">
               <a:buNone/>
             </a:pPr>
-            <a:r>
-              <a:rPr lang="en-US" sz="1900" i="1" dirty="0" smtClean="0"/>
-              <a:t> Additional cost management on purchase order. By this functionality AX can track all additional cost on purchase order such as:</a:t>
-            </a:r>
-          </a:p>
-          <a:p>
-            <a:pPr lvl="1"/>
-            <a:r>
-              <a:rPr lang="en-US" sz="1900" i="1" dirty="0" smtClean="0"/>
-              <a:t>packing cost</a:t>
-            </a:r>
-          </a:p>
-          <a:p>
-            <a:pPr lvl="1"/>
-            <a:r>
-              <a:rPr lang="en-US" sz="1900" i="1" dirty="0" smtClean="0"/>
-              <a:t>Transportation</a:t>
-            </a:r>
-          </a:p>
-          <a:p>
-            <a:pPr lvl="1"/>
-            <a:r>
-              <a:rPr lang="en-US" sz="1900" i="1" dirty="0" smtClean="0"/>
-              <a:t>Insurance</a:t>
-            </a:r>
-          </a:p>
-          <a:p>
-            <a:pPr lvl="1"/>
-            <a:r>
-              <a:rPr lang="en-US" sz="1900" i="1" dirty="0" smtClean="0"/>
-              <a:t>Etc.</a:t>
-            </a:r>
-          </a:p>
-          <a:p>
-            <a:pPr>
+            <a:endParaRPr lang="en-US" dirty="0" smtClean="0"/>
+          </a:p>
+          <a:p>
+            <a:pPr marL="0" indent="0" algn="just">
               <a:buNone/>
             </a:pPr>
-            <a:endParaRPr lang="en-US" i="1" dirty="0" smtClean="0"/>
-          </a:p>
-          <a:p>
-            <a:pPr>
-              <a:buNone/>
-            </a:pPr>
-            <a:endParaRPr lang="en-US" i="1" dirty="0" smtClean="0"/>
-          </a:p>
-          <a:p>
-            <a:pPr>
-              <a:buNone/>
-            </a:pPr>
-            <a:endParaRPr lang="en-US" i="1" dirty="0" smtClean="0"/>
-          </a:p>
-          <a:p>
-            <a:pPr>
-              <a:buNone/>
-            </a:pPr>
-            <a:endParaRPr lang="en-US" i="1" dirty="0"/>
-          </a:p>
-        </p:txBody>
-      </p:sp>
-      <p:sp>
-        <p:nvSpPr>
-          <p:cNvPr id="4" name="Segnaposto data 3"/>
+            <a:r>
+              <a:rPr lang="en-US" dirty="0" smtClean="0"/>
+              <a:t>Data files which that digitally bind a cryptographic key(s) to an organization and prove ownership. The majority of certificates are Public Key Certificates (PKC) which holds information about the key(s) and their owner(s). The PKC is digitally signed by the Authority that has verified the certificate’s content. The most common format for PKC is X.509.</a:t>
+            </a:r>
+            <a:endParaRPr lang="en-US" dirty="0" smtClean="0"/>
+          </a:p>
+        </p:txBody>
+      </p:sp>
+      <p:sp>
+        <p:nvSpPr>
+          <p:cNvPr id="3" name="Date Placeholder 2"/>
           <p:cNvSpPr>
             <a:spLocks noGrp="1"/>
           </p:cNvSpPr>
@@ -4854,7 +5769,7 @@
             <a:fld id="{F8078618-4CAE-48E8-A205-9D92A68D094A}" type="datetime1">
               <a:rPr lang="en-US" smtClean="0"/>
               <a:pPr/>
-              <a:t>5/4/2019</a:t>
+              <a:t>5/6/2019</a:t>
             </a:fld>
             <a:endParaRPr lang="en-US"/>
           </a:p>
@@ -4862,7 +5777,7 @@
       </p:sp>
       <p:sp>
         <p:nvSpPr>
-          <p:cNvPr id="5" name="Segnaposto numero diapositiva 4"/>
+          <p:cNvPr id="4" name="Slide Number Placeholder 3"/>
           <p:cNvSpPr>
             <a:spLocks noGrp="1"/>
           </p:cNvSpPr>
@@ -4886,7 +5801,7 @@
       </p:sp>
       <p:sp>
         <p:nvSpPr>
-          <p:cNvPr id="7" name="Sottotitolo 6"/>
+          <p:cNvPr id="5" name="Subtitle 4"/>
           <p:cNvSpPr>
             <a:spLocks noGrp="1"/>
           </p:cNvSpPr>
@@ -4894,39 +5809,30 @@
             <p:ph type="subTitle" idx="14"/>
           </p:nvPr>
         </p:nvSpPr>
-        <p:spPr/>
-        <p:txBody>
-          <a:bodyPr/>
-          <a:lstStyle/>
-          <a:p>
-            <a:r>
-              <a:rPr lang="en-US" b="1" dirty="0" smtClean="0">
-                <a:solidFill>
-                  <a:schemeClr val="tx1"/>
-                </a:solidFill>
-              </a:rPr>
-              <a:t>Functionality</a:t>
-            </a:r>
-            <a:r>
-              <a:rPr lang="en-US" dirty="0" smtClean="0">
-                <a:solidFill>
-                  <a:schemeClr val="tx1"/>
-                </a:solidFill>
-              </a:rPr>
-              <a:t> </a:t>
-            </a:r>
-            <a:r>
-              <a:rPr lang="en-US" b="1" dirty="0" smtClean="0">
-                <a:solidFill>
-                  <a:schemeClr val="tx1"/>
-                </a:solidFill>
-              </a:rPr>
-              <a:t>description</a:t>
-            </a:r>
+        <p:spPr>
+          <a:xfrm>
+            <a:off x="1447800" y="958850"/>
+            <a:ext cx="6400800" cy="457200"/>
+          </a:xfrm>
+        </p:spPr>
+        <p:txBody>
+          <a:bodyPr/>
+          <a:lstStyle/>
+          <a:p>
+            <a:r>
+              <a:rPr lang="en-US" dirty="0" smtClean="0"/>
+              <a:t>Resource Types in Azure Key Vault</a:t>
+            </a:r>
+            <a:endParaRPr lang="en-US" dirty="0"/>
           </a:p>
         </p:txBody>
       </p:sp>
     </p:spTree>
+    <p:extLst>
+      <p:ext uri="{BB962C8B-B14F-4D97-AF65-F5344CB8AC3E}">
+        <p14:creationId xmlns:p14="http://schemas.microsoft.com/office/powerpoint/2010/main" val="2033253701"/>
+      </p:ext>
+    </p:extLst>
   </p:cSld>
   <p:clrMapOvr>
     <a:masterClrMapping/>
@@ -4960,62 +5866,23 @@
       </p:grpSpPr>
       <p:sp>
         <p:nvSpPr>
-          <p:cNvPr id="3" name="Segnaposto contenuto 2"/>
-          <p:cNvSpPr>
-            <a:spLocks noGrp="1"/>
-          </p:cNvSpPr>
-          <p:nvPr>
-            <p:ph idx="1"/>
+          <p:cNvPr id="4" name="Segnaposto data 3"/>
+          <p:cNvSpPr>
+            <a:spLocks noGrp="1"/>
+          </p:cNvSpPr>
+          <p:nvPr>
+            <p:ph type="dt" sz="half" idx="10"/>
           </p:nvPr>
         </p:nvSpPr>
         <p:spPr/>
         <p:txBody>
-          <a:bodyPr>
-            <a:normAutofit/>
-          </a:bodyPr>
-          <a:lstStyle/>
-          <a:p>
-            <a:endParaRPr lang="en-US" dirty="0" smtClean="0"/>
-          </a:p>
-          <a:p>
-            <a:pPr indent="0">
-              <a:buNone/>
-            </a:pPr>
-            <a:r>
-              <a:rPr lang="en-US" sz="1600" i="1" dirty="0" smtClean="0"/>
-              <a:t>Business Limitations </a:t>
-            </a:r>
-          </a:p>
-          <a:p>
-            <a:pPr indent="0">
-              <a:buNone/>
-            </a:pPr>
-            <a:r>
-              <a:rPr lang="en-US" sz="1600" i="1" dirty="0" smtClean="0"/>
-              <a:t>Example: If the additional cost has to be invoiced to a third party vendor, the functionality doesn't apply </a:t>
-            </a:r>
-          </a:p>
-        </p:txBody>
-      </p:sp>
-      <p:sp>
-        <p:nvSpPr>
-          <p:cNvPr id="4" name="Segnaposto data 3"/>
-          <p:cNvSpPr>
-            <a:spLocks noGrp="1"/>
-          </p:cNvSpPr>
-          <p:nvPr>
-            <p:ph type="dt" sz="half" idx="10"/>
-          </p:nvPr>
-        </p:nvSpPr>
-        <p:spPr/>
-        <p:txBody>
           <a:bodyPr/>
           <a:lstStyle/>
           <a:p>
             <a:fld id="{F8078618-4CAE-48E8-A205-9D92A68D094A}" type="datetime1">
               <a:rPr lang="en-US" smtClean="0"/>
               <a:pPr/>
-              <a:t>5/4/2019</a:t>
+              <a:t>5/6/2019</a:t>
             </a:fld>
             <a:endParaRPr lang="en-US"/>
           </a:p>
@@ -5045,9 +5912,38 @@
           </a:p>
         </p:txBody>
       </p:sp>
-      <p:sp>
-        <p:nvSpPr>
-          <p:cNvPr id="8" name="Sottotitolo 7"/>
+      <p:pic>
+        <p:nvPicPr>
+          <p:cNvPr id="6" name="Content Placeholder 5"/>
+          <p:cNvPicPr>
+            <a:picLocks noGrp="1" noChangeAspect="1"/>
+          </p:cNvPicPr>
+          <p:nvPr>
+            <p:ph idx="1"/>
+          </p:nvPr>
+        </p:nvPicPr>
+        <p:blipFill>
+          <a:blip r:embed="rId2" cstate="print">
+            <a:extLst>
+              <a:ext uri="{28A0092B-C50C-407E-A947-70E740481C1C}">
+                <a14:useLocalDpi xmlns:a14="http://schemas.microsoft.com/office/drawing/2010/main" val="0"/>
+              </a:ext>
+            </a:extLst>
+          </a:blip>
+          <a:stretch>
+            <a:fillRect/>
+          </a:stretch>
+        </p:blipFill>
+        <p:spPr>
+          <a:xfrm>
+            <a:off x="381000" y="1447800"/>
+            <a:ext cx="8476906" cy="4648200"/>
+          </a:xfrm>
+        </p:spPr>
+      </p:pic>
+      <p:sp>
+        <p:nvSpPr>
+          <p:cNvPr id="7" name="Subtitle 4"/>
           <p:cNvSpPr>
             <a:spLocks noGrp="1"/>
           </p:cNvSpPr>
@@ -5055,39 +5951,30 @@
             <p:ph type="subTitle" idx="14"/>
           </p:nvPr>
         </p:nvSpPr>
-        <p:spPr/>
-        <p:txBody>
-          <a:bodyPr/>
-          <a:lstStyle/>
-          <a:p>
-            <a:r>
-              <a:rPr lang="en-US" b="1" dirty="0" smtClean="0">
-                <a:solidFill>
-                  <a:schemeClr val="tx1"/>
-                </a:solidFill>
-              </a:rPr>
-              <a:t>Functionality</a:t>
-            </a:r>
-            <a:r>
-              <a:rPr lang="en-US" dirty="0" smtClean="0">
-                <a:solidFill>
-                  <a:schemeClr val="tx1"/>
-                </a:solidFill>
-              </a:rPr>
-              <a:t> </a:t>
-            </a:r>
-            <a:r>
-              <a:rPr lang="en-US" b="1" dirty="0" smtClean="0">
-                <a:solidFill>
-                  <a:schemeClr val="tx1"/>
-                </a:solidFill>
-              </a:rPr>
-              <a:t>description</a:t>
-            </a:r>
+        <p:spPr>
+          <a:xfrm>
+            <a:off x="1419053" y="990600"/>
+            <a:ext cx="6400800" cy="457200"/>
+          </a:xfrm>
+        </p:spPr>
+        <p:txBody>
+          <a:bodyPr/>
+          <a:lstStyle/>
+          <a:p>
+            <a:r>
+              <a:rPr lang="en-US" dirty="0" smtClean="0"/>
+              <a:t>Symmetric and Asymmetric Encryption</a:t>
+            </a:r>
+            <a:endParaRPr lang="en-US" dirty="0"/>
           </a:p>
         </p:txBody>
       </p:sp>
     </p:spTree>
+    <p:extLst>
+      <p:ext uri="{BB962C8B-B14F-4D97-AF65-F5344CB8AC3E}">
+        <p14:creationId xmlns:p14="http://schemas.microsoft.com/office/powerpoint/2010/main" val="4058001532"/>
+      </p:ext>
+    </p:extLst>
   </p:cSld>
   <p:clrMapOvr>
     <a:masterClrMapping/>
@@ -5137,28 +6024,61 @@
             <a:pPr algn="ctr">
               <a:buNone/>
             </a:pPr>
-            <a:endParaRPr lang="en-US" b="1" dirty="0" smtClean="0"/>
-          </a:p>
-          <a:p>
-            <a:pPr indent="0">
-              <a:buNone/>
-            </a:pPr>
-            <a:r>
-              <a:rPr lang="en-US" sz="1800" i="1" dirty="0" smtClean="0"/>
-              <a:t>Main forms and parameters  involved, in order to setup the functionality </a:t>
-            </a:r>
-          </a:p>
-          <a:p>
-            <a:pPr indent="0">
-              <a:buNone/>
-            </a:pPr>
-            <a:endParaRPr lang="en-US" i="1" dirty="0" smtClean="0"/>
-          </a:p>
-          <a:p>
-            <a:pPr indent="0">
-              <a:buNone/>
-            </a:pPr>
-            <a:endParaRPr lang="en-US" i="1" dirty="0"/>
+            <a:endParaRPr lang="en-US" dirty="0" smtClean="0"/>
+          </a:p>
+          <a:p>
+            <a:r>
+              <a:rPr lang="en-US" dirty="0" smtClean="0"/>
+              <a:t>Introduction</a:t>
+            </a:r>
+          </a:p>
+          <a:p>
+            <a:r>
+              <a:rPr lang="en-US" dirty="0" smtClean="0"/>
+              <a:t>Business scope </a:t>
+            </a:r>
+          </a:p>
+          <a:p>
+            <a:r>
+              <a:rPr lang="en-US" dirty="0" smtClean="0"/>
+              <a:t>Functionality description</a:t>
+            </a:r>
+          </a:p>
+          <a:p>
+            <a:r>
+              <a:rPr lang="en-US" dirty="0" smtClean="0"/>
+              <a:t>AX modules involved and setup</a:t>
+            </a:r>
+          </a:p>
+          <a:p>
+            <a:r>
+              <a:rPr lang="en-US" dirty="0" smtClean="0"/>
+              <a:t>Demo with AX/Slides</a:t>
+            </a:r>
+          </a:p>
+          <a:p>
+            <a:r>
+              <a:rPr lang="en-US" dirty="0" smtClean="0"/>
+              <a:t>Q&amp;A</a:t>
+            </a:r>
+          </a:p>
+          <a:p>
+            <a:endParaRPr lang="en-US" dirty="0" smtClean="0"/>
+          </a:p>
+          <a:p>
+            <a:endParaRPr lang="en-US" dirty="0" smtClean="0"/>
+          </a:p>
+          <a:p>
+            <a:endParaRPr lang="en-US" dirty="0" smtClean="0"/>
+          </a:p>
+          <a:p>
+            <a:endParaRPr lang="en-US" dirty="0" smtClean="0"/>
+          </a:p>
+          <a:p>
+            <a:endParaRPr lang="en-US" dirty="0" smtClean="0"/>
+          </a:p>
+          <a:p>
+            <a:endParaRPr lang="en-US" dirty="0"/>
           </a:p>
         </p:txBody>
       </p:sp>
@@ -5180,7 +6100,7 @@
             <a:fld id="{F8078618-4CAE-48E8-A205-9D92A68D094A}" type="datetime1">
               <a:rPr lang="en-US" smtClean="0"/>
               <a:pPr/>
-              <a:t>5/4/2019</a:t>
+              <a:t>5/6/2019</a:t>
             </a:fld>
             <a:endParaRPr lang="en-US"/>
           </a:p>
@@ -5226,12 +6146,18 @@
           <a:lstStyle/>
           <a:p>
             <a:r>
-              <a:rPr lang="en-US" b="1" dirty="0" smtClean="0"/>
-              <a:t>AX modules involved and setup</a:t>
-            </a:r>
-          </a:p>
-          <a:p>
-            <a:endParaRPr lang="en-US" dirty="0"/>
+              <a:rPr lang="en-US" b="1" dirty="0" smtClean="0">
+                <a:solidFill>
+                  <a:schemeClr val="tx1"/>
+                </a:solidFill>
+              </a:rPr>
+              <a:t>Summary</a:t>
+            </a:r>
+            <a:endParaRPr lang="en-US" dirty="0">
+              <a:solidFill>
+                <a:schemeClr val="tx1"/>
+              </a:solidFill>
+            </a:endParaRPr>
           </a:p>
         </p:txBody>
       </p:sp>
@@ -6129,15 +7055,6 @@
 </file>
 
 <file path=customXml/item2.xml><?xml version="1.0" encoding="utf-8"?>
-<?mso-contentType ?>
-<FormTemplates xmlns="http://schemas.microsoft.com/sharepoint/v3/contenttype/forms">
-  <Display>DocumentLibraryForm</Display>
-  <Edit>DocumentLibraryForm</Edit>
-  <New>DocumentLibraryForm</New>
-</FormTemplates>
-</file>
-
-<file path=customXml/item3.xml><?xml version="1.0" encoding="utf-8"?>
 <ct:contentTypeSchema xmlns:ct="http://schemas.microsoft.com/office/2006/metadata/contentType" xmlns:ma="http://schemas.microsoft.com/office/2006/metadata/properties/metaAttributes" ct:_="" ma:_="" ma:contentTypeName="Document" ma:contentTypeID="0x01010047BE36A7D7E3284AAF54A9304029004A" ma:contentTypeVersion="5" ma:contentTypeDescription="Create a new document." ma:contentTypeScope="" ma:versionID="c41cecac77d1fce3cca08e421bb73e78">
   <xsd:schema xmlns:xsd="http://www.w3.org/2001/XMLSchema" xmlns:xs="http://www.w3.org/2001/XMLSchema" xmlns:p="http://schemas.microsoft.com/office/2006/metadata/properties" xmlns:ns2="00f996c0-c54d-4e74-bd1f-4dc98d288dc1" targetNamespace="http://schemas.microsoft.com/office/2006/metadata/properties" ma:root="true" ma:fieldsID="8170742d2341719c31d0929a5c17f8bb" ns2:_="">
     <xsd:import namespace="00f996c0-c54d-4e74-bd1f-4dc98d288dc1"/>
@@ -6306,25 +7223,32 @@
 </ct:contentTypeSchema>
 </file>
 
+<file path=customXml/item3.xml><?xml version="1.0" encoding="utf-8"?>
+<?mso-contentType ?>
+<FormTemplates xmlns="http://schemas.microsoft.com/sharepoint/v3/contenttype/forms">
+  <Display>DocumentLibraryForm</Display>
+  <Edit>DocumentLibraryForm</Edit>
+  <New>DocumentLibraryForm</New>
+</FormTemplates>
+</file>
+
 <file path=customXml/itemProps1.xml><?xml version="1.0" encoding="utf-8"?>
 <ds:datastoreItem xmlns:ds="http://schemas.openxmlformats.org/officeDocument/2006/customXml" ds:itemID="{00BE2236-5581-4DC9-88C8-7D3CDFC20C7F}">
   <ds:schemaRefs>
     <ds:schemaRef ds:uri="http://schemas.microsoft.com/office/2006/metadata/properties"/>
+    <ds:schemaRef ds:uri="http://purl.org/dc/terms/"/>
+    <ds:schemaRef ds:uri="http://schemas.openxmlformats.org/package/2006/metadata/core-properties"/>
+    <ds:schemaRef ds:uri="http://schemas.microsoft.com/office/2006/documentManagement/types"/>
     <ds:schemaRef ds:uri="http://schemas.microsoft.com/office/infopath/2007/PartnerControls"/>
     <ds:schemaRef ds:uri="00f996c0-c54d-4e74-bd1f-4dc98d288dc1"/>
+    <ds:schemaRef ds:uri="http://purl.org/dc/elements/1.1/"/>
+    <ds:schemaRef ds:uri="http://www.w3.org/XML/1998/namespace"/>
+    <ds:schemaRef ds:uri="http://purl.org/dc/dcmitype/"/>
   </ds:schemaRefs>
 </ds:datastoreItem>
 </file>
 
 <file path=customXml/itemProps2.xml><?xml version="1.0" encoding="utf-8"?>
-<ds:datastoreItem xmlns:ds="http://schemas.openxmlformats.org/officeDocument/2006/customXml" ds:itemID="{AD1EB6FD-9432-44B6-B1BD-B86A98CDAAFE}">
-  <ds:schemaRefs>
-    <ds:schemaRef ds:uri="http://schemas.microsoft.com/sharepoint/v3/contenttype/forms"/>
-  </ds:schemaRefs>
-</ds:datastoreItem>
-</file>
-
-<file path=customXml/itemProps3.xml><?xml version="1.0" encoding="utf-8"?>
 <ds:datastoreItem xmlns:ds="http://schemas.openxmlformats.org/officeDocument/2006/customXml" ds:itemID="{742DA801-DDF4-459E-9485-7A79D9BBB6B7}">
   <ds:schemaRefs>
     <ds:schemaRef ds:uri="http://schemas.microsoft.com/office/2006/metadata/contentType"/>
@@ -6340,4 +7264,12 @@
     <ds:schemaRef ds:uri="http://schemas.microsoft.com/internal/obd"/>
   </ds:schemaRefs>
 </ds:datastoreItem>
+</file>
+
+<file path=customXml/itemProps3.xml><?xml version="1.0" encoding="utf-8"?>
+<ds:datastoreItem xmlns:ds="http://schemas.openxmlformats.org/officeDocument/2006/customXml" ds:itemID="{AD1EB6FD-9432-44B6-B1BD-B86A98CDAAFE}">
+  <ds:schemaRefs>
+    <ds:schemaRef ds:uri="http://schemas.microsoft.com/sharepoint/v3/contenttype/forms"/>
+  </ds:schemaRefs>
+</ds:datastoreItem>
 </file>
--- a/Presentation.pptx
+++ b/Presentation.pptx
@@ -5,29 +5,31 @@
     <p:sldMasterId id="2147483648" r:id="rId4"/>
   </p:sldMasterIdLst>
   <p:notesMasterIdLst>
-    <p:notesMasterId r:id="rId22"/>
+    <p:notesMasterId r:id="rId24"/>
   </p:notesMasterIdLst>
   <p:handoutMasterIdLst>
-    <p:handoutMasterId r:id="rId23"/>
+    <p:handoutMasterId r:id="rId25"/>
   </p:handoutMasterIdLst>
   <p:sldIdLst>
     <p:sldId id="256" r:id="rId5"/>
     <p:sldId id="266" r:id="rId6"/>
     <p:sldId id="271" r:id="rId7"/>
-    <p:sldId id="272" r:id="rId8"/>
-    <p:sldId id="267" r:id="rId9"/>
-    <p:sldId id="273" r:id="rId10"/>
-    <p:sldId id="268" r:id="rId11"/>
-    <p:sldId id="274" r:id="rId12"/>
-    <p:sldId id="261" r:id="rId13"/>
-    <p:sldId id="258" r:id="rId14"/>
-    <p:sldId id="259" r:id="rId15"/>
-    <p:sldId id="263" r:id="rId16"/>
-    <p:sldId id="262" r:id="rId17"/>
-    <p:sldId id="264" r:id="rId18"/>
-    <p:sldId id="265" r:id="rId19"/>
-    <p:sldId id="270" r:id="rId20"/>
-    <p:sldId id="269" r:id="rId21"/>
+    <p:sldId id="276" r:id="rId8"/>
+    <p:sldId id="272" r:id="rId9"/>
+    <p:sldId id="267" r:id="rId10"/>
+    <p:sldId id="273" r:id="rId11"/>
+    <p:sldId id="268" r:id="rId12"/>
+    <p:sldId id="275" r:id="rId13"/>
+    <p:sldId id="274" r:id="rId14"/>
+    <p:sldId id="261" r:id="rId15"/>
+    <p:sldId id="258" r:id="rId16"/>
+    <p:sldId id="259" r:id="rId17"/>
+    <p:sldId id="263" r:id="rId18"/>
+    <p:sldId id="262" r:id="rId19"/>
+    <p:sldId id="264" r:id="rId20"/>
+    <p:sldId id="265" r:id="rId21"/>
+    <p:sldId id="270" r:id="rId22"/>
+    <p:sldId id="269" r:id="rId23"/>
   </p:sldIdLst>
   <p:sldSz cx="9144000" cy="6858000" type="screen4x3"/>
   <p:notesSz cx="6669088" cy="9928225"/>
@@ -3460,42 +3462,6 @@
       </p:grpSpPr>
       <p:sp>
         <p:nvSpPr>
-          <p:cNvPr id="3" name="Segnaposto contenuto 2"/>
-          <p:cNvSpPr>
-            <a:spLocks noGrp="1"/>
-          </p:cNvSpPr>
-          <p:nvPr>
-            <p:ph idx="1"/>
-          </p:nvPr>
-        </p:nvSpPr>
-        <p:spPr/>
-        <p:txBody>
-          <a:bodyPr/>
-          <a:lstStyle/>
-          <a:p>
-            <a:pPr marL="285750" indent="0">
-              <a:buNone/>
-            </a:pPr>
-            <a:r>
-              <a:rPr lang="en-US" sz="1600" i="1" dirty="0" smtClean="0"/>
-              <a:t>which is the business process involved, for example: Purchase order or invoicing, etc</a:t>
-            </a:r>
-            <a:r>
-              <a:rPr lang="en-US" i="1" dirty="0" smtClean="0"/>
-              <a:t>. </a:t>
-            </a:r>
-            <a:r>
-              <a:rPr lang="en-US" sz="1600" i="1" dirty="0" smtClean="0"/>
-              <a:t>and main process actors</a:t>
-            </a:r>
-          </a:p>
-          <a:p>
-            <a:endParaRPr lang="en-US" dirty="0"/>
-          </a:p>
-        </p:txBody>
-      </p:sp>
-      <p:sp>
-        <p:nvSpPr>
           <p:cNvPr id="4" name="Segnaposto data 3"/>
           <p:cNvSpPr>
             <a:spLocks noGrp="1"/>
@@ -3542,9 +3508,38 @@
           </a:p>
         </p:txBody>
       </p:sp>
-      <p:sp>
-        <p:nvSpPr>
-          <p:cNvPr id="8" name="Sottotitolo 7"/>
+      <p:pic>
+        <p:nvPicPr>
+          <p:cNvPr id="6" name="Content Placeholder 5"/>
+          <p:cNvPicPr>
+            <a:picLocks noGrp="1" noChangeAspect="1"/>
+          </p:cNvPicPr>
+          <p:nvPr>
+            <p:ph idx="1"/>
+          </p:nvPr>
+        </p:nvPicPr>
+        <p:blipFill>
+          <a:blip r:embed="rId2" cstate="print">
+            <a:extLst>
+              <a:ext uri="{28A0092B-C50C-407E-A947-70E740481C1C}">
+                <a14:useLocalDpi xmlns:a14="http://schemas.microsoft.com/office/drawing/2010/main" val="0"/>
+              </a:ext>
+            </a:extLst>
+          </a:blip>
+          <a:stretch>
+            <a:fillRect/>
+          </a:stretch>
+        </p:blipFill>
+        <p:spPr>
+          <a:xfrm>
+            <a:off x="381000" y="1447800"/>
+            <a:ext cx="8476906" cy="4648200"/>
+          </a:xfrm>
+        </p:spPr>
+      </p:pic>
+      <p:sp>
+        <p:nvSpPr>
+          <p:cNvPr id="7" name="Subtitle 4"/>
           <p:cNvSpPr>
             <a:spLocks noGrp="1"/>
           </p:cNvSpPr>
@@ -3552,24 +3547,30 @@
             <p:ph type="subTitle" idx="14"/>
           </p:nvPr>
         </p:nvSpPr>
-        <p:spPr/>
-        <p:txBody>
-          <a:bodyPr/>
-          <a:lstStyle/>
-          <a:p>
-            <a:pPr marL="285750"/>
-            <a:r>
-              <a:rPr lang="en-US" b="1" dirty="0" smtClean="0">
-                <a:solidFill>
-                  <a:schemeClr val="tx1"/>
-                </a:solidFill>
-              </a:rPr>
-              <a:t>Business Scope</a:t>
-            </a:r>
+        <p:spPr>
+          <a:xfrm>
+            <a:off x="1419053" y="990600"/>
+            <a:ext cx="6400800" cy="457200"/>
+          </a:xfrm>
+        </p:spPr>
+        <p:txBody>
+          <a:bodyPr/>
+          <a:lstStyle/>
+          <a:p>
+            <a:r>
+              <a:rPr lang="en-US" dirty="0" smtClean="0"/>
+              <a:t>Symmetric and Asymmetric Encryption</a:t>
+            </a:r>
+            <a:endParaRPr lang="en-US" dirty="0"/>
           </a:p>
         </p:txBody>
       </p:sp>
     </p:spTree>
+    <p:extLst>
+      <p:ext uri="{BB962C8B-B14F-4D97-AF65-F5344CB8AC3E}">
+        <p14:creationId xmlns:p14="http://schemas.microsoft.com/office/powerpoint/2010/main" val="4058001532"/>
+      </p:ext>
+    </p:extLst>
   </p:cSld>
   <p:clrMapOvr>
     <a:masterClrMapping/>
@@ -3613,100 +3614,67 @@
         </p:nvSpPr>
         <p:spPr/>
         <p:txBody>
-          <a:bodyPr>
-            <a:normAutofit fontScale="92500" lnSpcReduction="10000"/>
-          </a:bodyPr>
-          <a:lstStyle/>
-          <a:p>
-            <a:r>
-              <a:rPr lang="en-US" sz="1900" i="1" dirty="0" smtClean="0"/>
-              <a:t>Description of the new function </a:t>
-            </a:r>
-          </a:p>
-          <a:p>
-            <a:r>
-              <a:rPr lang="en-US" sz="1900" i="1" dirty="0" smtClean="0"/>
-              <a:t>Cases where the function is useful</a:t>
-            </a:r>
-          </a:p>
-          <a:p>
-            <a:r>
-              <a:rPr lang="en-US" sz="1900" i="1" dirty="0" smtClean="0"/>
-              <a:t>Business limitations</a:t>
-            </a:r>
-          </a:p>
-          <a:p>
-            <a:endParaRPr lang="en-US" sz="1900" i="1" dirty="0" smtClean="0"/>
-          </a:p>
-          <a:p>
-            <a:pPr>
+          <a:bodyPr/>
+          <a:lstStyle/>
+          <a:p>
+            <a:pPr algn="ctr">
               <a:buNone/>
             </a:pPr>
-            <a:r>
-              <a:rPr lang="en-US" sz="1900" i="1" dirty="0" smtClean="0"/>
-              <a:t>For example:</a:t>
-            </a:r>
-          </a:p>
-          <a:p>
-            <a:pPr>
-              <a:buNone/>
-            </a:pPr>
-            <a:r>
-              <a:rPr lang="en-US" sz="1900" i="1" dirty="0" smtClean="0"/>
-              <a:t> Additional cost management on purchase order. By this functionality AX can track all additional cost on purchase order such as:</a:t>
-            </a:r>
-          </a:p>
-          <a:p>
-            <a:pPr lvl="1"/>
-            <a:r>
-              <a:rPr lang="en-US" sz="1900" i="1" dirty="0" smtClean="0"/>
-              <a:t>packing cost</a:t>
-            </a:r>
-          </a:p>
-          <a:p>
-            <a:pPr lvl="1"/>
-            <a:r>
-              <a:rPr lang="en-US" sz="1900" i="1" dirty="0" smtClean="0"/>
-              <a:t>Transportation</a:t>
-            </a:r>
-          </a:p>
-          <a:p>
-            <a:pPr lvl="1"/>
-            <a:r>
-              <a:rPr lang="en-US" sz="1900" i="1" dirty="0" smtClean="0"/>
-              <a:t>Insurance</a:t>
-            </a:r>
-          </a:p>
-          <a:p>
-            <a:pPr lvl="1"/>
-            <a:r>
-              <a:rPr lang="en-US" sz="1900" i="1" dirty="0" smtClean="0"/>
-              <a:t>Etc.</a:t>
-            </a:r>
-          </a:p>
-          <a:p>
-            <a:pPr>
-              <a:buNone/>
-            </a:pPr>
-            <a:endParaRPr lang="en-US" i="1" dirty="0" smtClean="0"/>
-          </a:p>
-          <a:p>
-            <a:pPr>
-              <a:buNone/>
-            </a:pPr>
-            <a:endParaRPr lang="en-US" i="1" dirty="0" smtClean="0"/>
-          </a:p>
-          <a:p>
-            <a:pPr>
-              <a:buNone/>
-            </a:pPr>
-            <a:endParaRPr lang="en-US" i="1" dirty="0" smtClean="0"/>
-          </a:p>
-          <a:p>
-            <a:pPr>
-              <a:buNone/>
-            </a:pPr>
-            <a:endParaRPr lang="en-US" i="1" dirty="0"/>
+            <a:endParaRPr lang="en-US" dirty="0" smtClean="0"/>
+          </a:p>
+          <a:p>
+            <a:r>
+              <a:rPr lang="en-US" dirty="0" smtClean="0"/>
+              <a:t>Introduction</a:t>
+            </a:r>
+          </a:p>
+          <a:p>
+            <a:r>
+              <a:rPr lang="en-US" dirty="0" smtClean="0"/>
+              <a:t>Business scope </a:t>
+            </a:r>
+          </a:p>
+          <a:p>
+            <a:r>
+              <a:rPr lang="en-US" dirty="0" smtClean="0"/>
+              <a:t>Functionality description</a:t>
+            </a:r>
+          </a:p>
+          <a:p>
+            <a:r>
+              <a:rPr lang="en-US" dirty="0" smtClean="0"/>
+              <a:t>AX modules involved and setup</a:t>
+            </a:r>
+          </a:p>
+          <a:p>
+            <a:r>
+              <a:rPr lang="en-US" dirty="0" smtClean="0"/>
+              <a:t>Demo with AX/Slides</a:t>
+            </a:r>
+          </a:p>
+          <a:p>
+            <a:r>
+              <a:rPr lang="en-US" dirty="0" smtClean="0"/>
+              <a:t>Q&amp;A</a:t>
+            </a:r>
+          </a:p>
+          <a:p>
+            <a:endParaRPr lang="en-US" dirty="0" smtClean="0"/>
+          </a:p>
+          <a:p>
+            <a:endParaRPr lang="en-US" dirty="0" smtClean="0"/>
+          </a:p>
+          <a:p>
+            <a:endParaRPr lang="en-US" dirty="0" smtClean="0"/>
+          </a:p>
+          <a:p>
+            <a:endParaRPr lang="en-US" dirty="0" smtClean="0"/>
+          </a:p>
+          <a:p>
+            <a:endParaRPr lang="en-US" dirty="0" smtClean="0"/>
+          </a:p>
+          <a:p>
+            <a:endParaRPr lang="en-US" dirty="0"/>
           </a:p>
         </p:txBody>
       </p:sp>
@@ -3760,7 +3728,7 @@
       </p:sp>
       <p:sp>
         <p:nvSpPr>
-          <p:cNvPr id="7" name="Sottotitolo 6"/>
+          <p:cNvPr id="8" name="Sottotitolo 7"/>
           <p:cNvSpPr>
             <a:spLocks noGrp="1"/>
           </p:cNvSpPr>
@@ -3779,24 +3747,13 @@
                   <a:schemeClr val="tx1"/>
                 </a:solidFill>
               </a:rPr>
-              <a:t>Functionality</a:t>
-            </a:r>
-            <a:r>
-              <a:rPr lang="en-US" dirty="0" smtClean="0">
-                <a:solidFill>
-                  <a:schemeClr val="tx1"/>
-                </a:solidFill>
-              </a:rPr>
-              <a:t> </a:t>
-            </a:r>
-            <a:r>
-              <a:rPr lang="en-US" b="1" dirty="0" smtClean="0">
-                <a:solidFill>
-                  <a:schemeClr val="tx1"/>
-                </a:solidFill>
-              </a:rPr>
-              <a:t>description</a:t>
-            </a:r>
+              <a:t>Summary</a:t>
+            </a:r>
+            <a:endParaRPr lang="en-US" dirty="0">
+              <a:solidFill>
+                <a:schemeClr val="tx1"/>
+              </a:solidFill>
+            </a:endParaRPr>
           </a:p>
         </p:txBody>
       </p:sp>
@@ -3844,30 +3801,27 @@
         </p:nvSpPr>
         <p:spPr/>
         <p:txBody>
-          <a:bodyPr>
-            <a:normAutofit/>
-          </a:bodyPr>
-          <a:lstStyle/>
-          <a:p>
-            <a:endParaRPr lang="en-US" dirty="0" smtClean="0"/>
-          </a:p>
-          <a:p>
-            <a:pPr indent="0">
+          <a:bodyPr/>
+          <a:lstStyle/>
+          <a:p>
+            <a:pPr marL="285750" indent="0">
               <a:buNone/>
             </a:pPr>
             <a:r>
               <a:rPr lang="en-US" sz="1600" i="1" dirty="0" smtClean="0"/>
-              <a:t>Business Limitations </a:t>
-            </a:r>
-          </a:p>
-          <a:p>
-            <a:pPr indent="0">
-              <a:buNone/>
-            </a:pPr>
+              <a:t>which is the business process involved, for example: Purchase order or invoicing, etc</a:t>
+            </a:r>
+            <a:r>
+              <a:rPr lang="en-US" i="1" dirty="0" smtClean="0"/>
+              <a:t>. </a:t>
+            </a:r>
             <a:r>
               <a:rPr lang="en-US" sz="1600" i="1" dirty="0" smtClean="0"/>
-              <a:t>Example: If the additional cost has to be invoiced to a third party vendor, the functionality doesn't apply </a:t>
-            </a:r>
+              <a:t>and main process actors</a:t>
+            </a:r>
+          </a:p>
+          <a:p>
+            <a:endParaRPr lang="en-US" dirty="0"/>
           </a:p>
         </p:txBody>
       </p:sp>
@@ -3934,29 +3888,14 @@
           <a:bodyPr/>
           <a:lstStyle/>
           <a:p>
+            <a:pPr marL="285750"/>
             <a:r>
               <a:rPr lang="en-US" b="1" dirty="0" smtClean="0">
                 <a:solidFill>
                   <a:schemeClr val="tx1"/>
                 </a:solidFill>
               </a:rPr>
-              <a:t>Functionality</a:t>
-            </a:r>
-            <a:r>
-              <a:rPr lang="en-US" dirty="0" smtClean="0">
-                <a:solidFill>
-                  <a:schemeClr val="tx1"/>
-                </a:solidFill>
-              </a:rPr>
-              <a:t> </a:t>
-            </a:r>
-            <a:r>
-              <a:rPr lang="en-US" b="1" dirty="0" smtClean="0">
-                <a:solidFill>
-                  <a:schemeClr val="tx1"/>
-                </a:solidFill>
-              </a:rPr>
-              <a:t>description</a:t>
+              <a:t>Business Scope</a:t>
             </a:r>
           </a:p>
         </p:txBody>
@@ -4005,31 +3944,97 @@
         </p:nvSpPr>
         <p:spPr/>
         <p:txBody>
-          <a:bodyPr/>
-          <a:lstStyle/>
-          <a:p>
-            <a:pPr algn="ctr">
+          <a:bodyPr>
+            <a:normAutofit fontScale="92500" lnSpcReduction="10000"/>
+          </a:bodyPr>
+          <a:lstStyle/>
+          <a:p>
+            <a:r>
+              <a:rPr lang="en-US" sz="1900" i="1" dirty="0" smtClean="0"/>
+              <a:t>Description of the new function </a:t>
+            </a:r>
+          </a:p>
+          <a:p>
+            <a:r>
+              <a:rPr lang="en-US" sz="1900" i="1" dirty="0" smtClean="0"/>
+              <a:t>Cases where the function is useful</a:t>
+            </a:r>
+          </a:p>
+          <a:p>
+            <a:r>
+              <a:rPr lang="en-US" sz="1900" i="1" dirty="0" smtClean="0"/>
+              <a:t>Business limitations</a:t>
+            </a:r>
+          </a:p>
+          <a:p>
+            <a:endParaRPr lang="en-US" sz="1900" i="1" dirty="0" smtClean="0"/>
+          </a:p>
+          <a:p>
+            <a:pPr>
               <a:buNone/>
             </a:pPr>
-            <a:endParaRPr lang="en-US" b="1" dirty="0" smtClean="0"/>
-          </a:p>
-          <a:p>
-            <a:pPr indent="0">
+            <a:r>
+              <a:rPr lang="en-US" sz="1900" i="1" dirty="0" smtClean="0"/>
+              <a:t>For example:</a:t>
+            </a:r>
+          </a:p>
+          <a:p>
+            <a:pPr>
               <a:buNone/>
             </a:pPr>
             <a:r>
-              <a:rPr lang="en-US" sz="1800" i="1" dirty="0" smtClean="0"/>
-              <a:t>Main forms and parameters  involved, in order to setup the functionality </a:t>
-            </a:r>
-          </a:p>
-          <a:p>
-            <a:pPr indent="0">
+              <a:rPr lang="en-US" sz="1900" i="1" dirty="0" smtClean="0"/>
+              <a:t> Additional cost management on purchase order. By this functionality AX can track all additional cost on purchase order such as:</a:t>
+            </a:r>
+          </a:p>
+          <a:p>
+            <a:pPr lvl="1"/>
+            <a:r>
+              <a:rPr lang="en-US" sz="1900" i="1" dirty="0" smtClean="0"/>
+              <a:t>packing cost</a:t>
+            </a:r>
+          </a:p>
+          <a:p>
+            <a:pPr lvl="1"/>
+            <a:r>
+              <a:rPr lang="en-US" sz="1900" i="1" dirty="0" smtClean="0"/>
+              <a:t>Transportation</a:t>
+            </a:r>
+          </a:p>
+          <a:p>
+            <a:pPr lvl="1"/>
+            <a:r>
+              <a:rPr lang="en-US" sz="1900" i="1" dirty="0" smtClean="0"/>
+              <a:t>Insurance</a:t>
+            </a:r>
+          </a:p>
+          <a:p>
+            <a:pPr lvl="1"/>
+            <a:r>
+              <a:rPr lang="en-US" sz="1900" i="1" dirty="0" smtClean="0"/>
+              <a:t>Etc.</a:t>
+            </a:r>
+          </a:p>
+          <a:p>
+            <a:pPr>
               <a:buNone/>
             </a:pPr>
             <a:endParaRPr lang="en-US" i="1" dirty="0" smtClean="0"/>
           </a:p>
           <a:p>
-            <a:pPr indent="0">
+            <a:pPr>
+              <a:buNone/>
+            </a:pPr>
+            <a:endParaRPr lang="en-US" i="1" dirty="0" smtClean="0"/>
+          </a:p>
+          <a:p>
+            <a:pPr>
+              <a:buNone/>
+            </a:pPr>
+            <a:endParaRPr lang="en-US" i="1" dirty="0" smtClean="0"/>
+          </a:p>
+          <a:p>
+            <a:pPr>
               <a:buNone/>
             </a:pPr>
             <a:endParaRPr lang="en-US" i="1" dirty="0"/>
@@ -4086,7 +4091,7 @@
       </p:sp>
       <p:sp>
         <p:nvSpPr>
-          <p:cNvPr id="8" name="Sottotitolo 7"/>
+          <p:cNvPr id="7" name="Sottotitolo 6"/>
           <p:cNvSpPr>
             <a:spLocks noGrp="1"/>
           </p:cNvSpPr>
@@ -4100,12 +4105,29 @@
           <a:lstStyle/>
           <a:p>
             <a:r>
-              <a:rPr lang="en-US" b="1" dirty="0" smtClean="0"/>
-              <a:t>AX modules involved and setup</a:t>
-            </a:r>
-          </a:p>
-          <a:p>
-            <a:endParaRPr lang="en-US" dirty="0"/>
+              <a:rPr lang="en-US" b="1" dirty="0" smtClean="0">
+                <a:solidFill>
+                  <a:schemeClr val="tx1"/>
+                </a:solidFill>
+              </a:rPr>
+              <a:t>Functionality</a:t>
+            </a:r>
+            <a:r>
+              <a:rPr lang="en-US" dirty="0" smtClean="0">
+                <a:solidFill>
+                  <a:schemeClr val="tx1"/>
+                </a:solidFill>
+              </a:rPr>
+              <a:t> </a:t>
+            </a:r>
+            <a:r>
+              <a:rPr lang="en-US" b="1" dirty="0" smtClean="0">
+                <a:solidFill>
+                  <a:schemeClr val="tx1"/>
+                </a:solidFill>
+              </a:rPr>
+              <a:t>description</a:t>
+            </a:r>
           </a:p>
         </p:txBody>
       </p:sp>
@@ -4153,17 +4175,30 @@
         </p:nvSpPr>
         <p:spPr/>
         <p:txBody>
-          <a:bodyPr/>
-          <a:lstStyle/>
-          <a:p>
-            <a:pPr>
+          <a:bodyPr>
+            <a:normAutofit/>
+          </a:bodyPr>
+          <a:lstStyle/>
+          <a:p>
+            <a:endParaRPr lang="en-US" dirty="0" smtClean="0"/>
+          </a:p>
+          <a:p>
+            <a:pPr indent="0">
               <a:buNone/>
             </a:pPr>
             <a:r>
-              <a:rPr lang="en-US" i="1" dirty="0" smtClean="0"/>
-              <a:t>Demo steps</a:t>
-            </a:r>
-            <a:endParaRPr lang="en-US" i="1" dirty="0"/>
+              <a:rPr lang="en-US" sz="1600" i="1" dirty="0" smtClean="0"/>
+              <a:t>Business Limitations </a:t>
+            </a:r>
+          </a:p>
+          <a:p>
+            <a:pPr indent="0">
+              <a:buNone/>
+            </a:pPr>
+            <a:r>
+              <a:rPr lang="en-US" sz="1600" i="1" dirty="0" smtClean="0"/>
+              <a:t>Example: If the additional cost has to be invoiced to a third party vendor, the functionality doesn't apply </a:t>
+            </a:r>
           </a:p>
         </p:txBody>
       </p:sp>
@@ -4236,13 +4271,24 @@
                   <a:schemeClr val="tx1"/>
                 </a:solidFill>
               </a:rPr>
-              <a:t>Demo</a:t>
-            </a:r>
-            <a:endParaRPr lang="en-US" b="1" dirty="0">
-              <a:solidFill>
-                <a:schemeClr val="tx1"/>
-              </a:solidFill>
-            </a:endParaRPr>
+              <a:t>Functionality</a:t>
+            </a:r>
+            <a:r>
+              <a:rPr lang="en-US" dirty="0" smtClean="0">
+                <a:solidFill>
+                  <a:schemeClr val="tx1"/>
+                </a:solidFill>
+              </a:rPr>
+              <a:t> </a:t>
+            </a:r>
+            <a:r>
+              <a:rPr lang="en-US" b="1" dirty="0" smtClean="0">
+                <a:solidFill>
+                  <a:schemeClr val="tx1"/>
+                </a:solidFill>
+              </a:rPr>
+              <a:t>description</a:t>
+            </a:r>
           </a:p>
         </p:txBody>
       </p:sp>
@@ -4280,6 +4326,49 @@
       </p:grpSpPr>
       <p:sp>
         <p:nvSpPr>
+          <p:cNvPr id="3" name="Segnaposto contenuto 2"/>
+          <p:cNvSpPr>
+            <a:spLocks noGrp="1"/>
+          </p:cNvSpPr>
+          <p:nvPr>
+            <p:ph idx="1"/>
+          </p:nvPr>
+        </p:nvSpPr>
+        <p:spPr/>
+        <p:txBody>
+          <a:bodyPr/>
+          <a:lstStyle/>
+          <a:p>
+            <a:pPr algn="ctr">
+              <a:buNone/>
+            </a:pPr>
+            <a:endParaRPr lang="en-US" b="1" dirty="0" smtClean="0"/>
+          </a:p>
+          <a:p>
+            <a:pPr indent="0">
+              <a:buNone/>
+            </a:pPr>
+            <a:r>
+              <a:rPr lang="en-US" sz="1800" i="1" dirty="0" smtClean="0"/>
+              <a:t>Main forms and parameters  involved, in order to setup the functionality </a:t>
+            </a:r>
+          </a:p>
+          <a:p>
+            <a:pPr indent="0">
+              <a:buNone/>
+            </a:pPr>
+            <a:endParaRPr lang="en-US" i="1" dirty="0" smtClean="0"/>
+          </a:p>
+          <a:p>
+            <a:pPr indent="0">
+              <a:buNone/>
+            </a:pPr>
+            <a:endParaRPr lang="en-US" i="1" dirty="0"/>
+          </a:p>
+        </p:txBody>
+      </p:sp>
+      <p:sp>
+        <p:nvSpPr>
           <p:cNvPr id="4" name="Segnaposto data 3"/>
           <p:cNvSpPr>
             <a:spLocks noGrp="1"/>
@@ -4321,6 +4410,248 @@
               <a:rPr lang="en-US" smtClean="0"/>
               <a:pPr/>
               <a:t>15</a:t>
+            </a:fld>
+            <a:endParaRPr lang="en-US"/>
+          </a:p>
+        </p:txBody>
+      </p:sp>
+      <p:sp>
+        <p:nvSpPr>
+          <p:cNvPr id="8" name="Sottotitolo 7"/>
+          <p:cNvSpPr>
+            <a:spLocks noGrp="1"/>
+          </p:cNvSpPr>
+          <p:nvPr>
+            <p:ph type="subTitle" idx="14"/>
+          </p:nvPr>
+        </p:nvSpPr>
+        <p:spPr/>
+        <p:txBody>
+          <a:bodyPr/>
+          <a:lstStyle/>
+          <a:p>
+            <a:r>
+              <a:rPr lang="en-US" b="1" dirty="0" smtClean="0"/>
+              <a:t>AX modules involved and setup</a:t>
+            </a:r>
+          </a:p>
+          <a:p>
+            <a:endParaRPr lang="en-US" dirty="0"/>
+          </a:p>
+        </p:txBody>
+      </p:sp>
+    </p:spTree>
+  </p:cSld>
+  <p:clrMapOvr>
+    <a:masterClrMapping/>
+  </p:clrMapOvr>
+  <p:timing>
+    <p:tnLst>
+      <p:par>
+        <p:cTn id="1" dur="indefinite" restart="never" nodeType="tmRoot"/>
+      </p:par>
+    </p:tnLst>
+  </p:timing>
+</p:sld>
+</file>
+
+<file path=ppt/slides/slide16.xml><?xml version="1.0" encoding="utf-8"?>
+<p:sld xmlns:a="http://schemas.openxmlformats.org/drawingml/2006/main" xmlns:r="http://schemas.openxmlformats.org/officeDocument/2006/relationships" xmlns:p="http://schemas.openxmlformats.org/presentationml/2006/main">
+  <p:cSld>
+    <p:spTree>
+      <p:nvGrpSpPr>
+        <p:cNvPr id="1" name=""/>
+        <p:cNvGrpSpPr/>
+        <p:nvPr/>
+      </p:nvGrpSpPr>
+      <p:grpSpPr>
+        <a:xfrm>
+          <a:off x="0" y="0"/>
+          <a:ext cx="0" cy="0"/>
+          <a:chOff x="0" y="0"/>
+          <a:chExt cx="0" cy="0"/>
+        </a:xfrm>
+      </p:grpSpPr>
+      <p:sp>
+        <p:nvSpPr>
+          <p:cNvPr id="3" name="Segnaposto contenuto 2"/>
+          <p:cNvSpPr>
+            <a:spLocks noGrp="1"/>
+          </p:cNvSpPr>
+          <p:nvPr>
+            <p:ph idx="1"/>
+          </p:nvPr>
+        </p:nvSpPr>
+        <p:spPr/>
+        <p:txBody>
+          <a:bodyPr/>
+          <a:lstStyle/>
+          <a:p>
+            <a:pPr>
+              <a:buNone/>
+            </a:pPr>
+            <a:r>
+              <a:rPr lang="en-US" i="1" dirty="0" smtClean="0"/>
+              <a:t>Demo steps</a:t>
+            </a:r>
+            <a:endParaRPr lang="en-US" i="1" dirty="0"/>
+          </a:p>
+        </p:txBody>
+      </p:sp>
+      <p:sp>
+        <p:nvSpPr>
+          <p:cNvPr id="4" name="Segnaposto data 3"/>
+          <p:cNvSpPr>
+            <a:spLocks noGrp="1"/>
+          </p:cNvSpPr>
+          <p:nvPr>
+            <p:ph type="dt" sz="half" idx="10"/>
+          </p:nvPr>
+        </p:nvSpPr>
+        <p:spPr/>
+        <p:txBody>
+          <a:bodyPr/>
+          <a:lstStyle/>
+          <a:p>
+            <a:fld id="{F8078618-4CAE-48E8-A205-9D92A68D094A}" type="datetime1">
+              <a:rPr lang="en-US" smtClean="0"/>
+              <a:pPr/>
+              <a:t>5/6/2019</a:t>
+            </a:fld>
+            <a:endParaRPr lang="en-US"/>
+          </a:p>
+        </p:txBody>
+      </p:sp>
+      <p:sp>
+        <p:nvSpPr>
+          <p:cNvPr id="5" name="Segnaposto numero diapositiva 4"/>
+          <p:cNvSpPr>
+            <a:spLocks noGrp="1"/>
+          </p:cNvSpPr>
+          <p:nvPr>
+            <p:ph type="sldNum" sz="quarter" idx="12"/>
+          </p:nvPr>
+        </p:nvSpPr>
+        <p:spPr/>
+        <p:txBody>
+          <a:bodyPr/>
+          <a:lstStyle/>
+          <a:p>
+            <a:fld id="{02623B3A-910D-43F4-BBA9-9429D5B0014D}" type="slidenum">
+              <a:rPr lang="en-US" smtClean="0"/>
+              <a:pPr/>
+              <a:t>16</a:t>
+            </a:fld>
+            <a:endParaRPr lang="en-US"/>
+          </a:p>
+        </p:txBody>
+      </p:sp>
+      <p:sp>
+        <p:nvSpPr>
+          <p:cNvPr id="8" name="Sottotitolo 7"/>
+          <p:cNvSpPr>
+            <a:spLocks noGrp="1"/>
+          </p:cNvSpPr>
+          <p:nvPr>
+            <p:ph type="subTitle" idx="14"/>
+          </p:nvPr>
+        </p:nvSpPr>
+        <p:spPr/>
+        <p:txBody>
+          <a:bodyPr/>
+          <a:lstStyle/>
+          <a:p>
+            <a:r>
+              <a:rPr lang="en-US" b="1" dirty="0" smtClean="0">
+                <a:solidFill>
+                  <a:schemeClr val="tx1"/>
+                </a:solidFill>
+              </a:rPr>
+              <a:t>Demo</a:t>
+            </a:r>
+            <a:endParaRPr lang="en-US" b="1" dirty="0">
+              <a:solidFill>
+                <a:schemeClr val="tx1"/>
+              </a:solidFill>
+            </a:endParaRPr>
+          </a:p>
+        </p:txBody>
+      </p:sp>
+    </p:spTree>
+  </p:cSld>
+  <p:clrMapOvr>
+    <a:masterClrMapping/>
+  </p:clrMapOvr>
+  <p:timing>
+    <p:tnLst>
+      <p:par>
+        <p:cTn id="1" dur="indefinite" restart="never" nodeType="tmRoot"/>
+      </p:par>
+    </p:tnLst>
+  </p:timing>
+</p:sld>
+</file>
+
+<file path=ppt/slides/slide17.xml><?xml version="1.0" encoding="utf-8"?>
+<p:sld xmlns:a="http://schemas.openxmlformats.org/drawingml/2006/main" xmlns:r="http://schemas.openxmlformats.org/officeDocument/2006/relationships" xmlns:p="http://schemas.openxmlformats.org/presentationml/2006/main">
+  <p:cSld>
+    <p:spTree>
+      <p:nvGrpSpPr>
+        <p:cNvPr id="1" name=""/>
+        <p:cNvGrpSpPr/>
+        <p:nvPr/>
+      </p:nvGrpSpPr>
+      <p:grpSpPr>
+        <a:xfrm>
+          <a:off x="0" y="0"/>
+          <a:ext cx="0" cy="0"/>
+          <a:chOff x="0" y="0"/>
+          <a:chExt cx="0" cy="0"/>
+        </a:xfrm>
+      </p:grpSpPr>
+      <p:sp>
+        <p:nvSpPr>
+          <p:cNvPr id="4" name="Segnaposto data 3"/>
+          <p:cNvSpPr>
+            <a:spLocks noGrp="1"/>
+          </p:cNvSpPr>
+          <p:nvPr>
+            <p:ph type="dt" sz="half" idx="10"/>
+          </p:nvPr>
+        </p:nvSpPr>
+        <p:spPr/>
+        <p:txBody>
+          <a:bodyPr/>
+          <a:lstStyle/>
+          <a:p>
+            <a:fld id="{F8078618-4CAE-48E8-A205-9D92A68D094A}" type="datetime1">
+              <a:rPr lang="en-US" smtClean="0"/>
+              <a:pPr/>
+              <a:t>5/6/2019</a:t>
+            </a:fld>
+            <a:endParaRPr lang="en-US"/>
+          </a:p>
+        </p:txBody>
+      </p:sp>
+      <p:sp>
+        <p:nvSpPr>
+          <p:cNvPr id="5" name="Segnaposto numero diapositiva 4"/>
+          <p:cNvSpPr>
+            <a:spLocks noGrp="1"/>
+          </p:cNvSpPr>
+          <p:nvPr>
+            <p:ph type="sldNum" sz="quarter" idx="12"/>
+          </p:nvPr>
+        </p:nvSpPr>
+        <p:spPr/>
+        <p:txBody>
+          <a:bodyPr/>
+          <a:lstStyle/>
+          <a:p>
+            <a:fld id="{02623B3A-910D-43F4-BBA9-9429D5B0014D}" type="slidenum">
+              <a:rPr lang="en-US" smtClean="0"/>
+              <a:pPr/>
+              <a:t>17</a:t>
             </a:fld>
             <a:endParaRPr lang="en-US"/>
           </a:p>
@@ -4370,7 +4701,7 @@
 </p:sld>
 </file>
 
-<file path=ppt/slides/slide16.xml><?xml version="1.0" encoding="utf-8"?>
+<file path=ppt/slides/slide18.xml><?xml version="1.0" encoding="utf-8"?>
 <p:sld xmlns:a="http://schemas.openxmlformats.org/drawingml/2006/main" xmlns:r="http://schemas.openxmlformats.org/officeDocument/2006/relationships" xmlns:p="http://schemas.openxmlformats.org/presentationml/2006/main">
   <p:cSld>
     <p:spTree>
@@ -4458,7 +4789,7 @@
             <a:fld id="{02623B3A-910D-43F4-BBA9-9429D5B0014D}" type="slidenum">
               <a:rPr lang="en-US" smtClean="0"/>
               <a:pPr/>
-              <a:t>16</a:t>
+              <a:t>18</a:t>
             </a:fld>
             <a:endParaRPr lang="en-US"/>
           </a:p>
@@ -4484,7 +4815,7 @@
 </p:sld>
 </file>
 
-<file path=ppt/slides/slide17.xml><?xml version="1.0" encoding="utf-8"?>
+<file path=ppt/slides/slide19.xml><?xml version="1.0" encoding="utf-8"?>
 <p:sld xmlns:a="http://schemas.openxmlformats.org/drawingml/2006/main" xmlns:r="http://schemas.openxmlformats.org/officeDocument/2006/relationships" xmlns:p="http://schemas.openxmlformats.org/presentationml/2006/main">
   <p:cSld>
     <p:spTree>
@@ -4562,7 +4893,7 @@
             <a:fld id="{02623B3A-910D-43F4-BBA9-9429D5B0014D}" type="slidenum">
               <a:rPr lang="en-US" smtClean="0"/>
               <a:pPr/>
-              <a:t>17</a:t>
+              <a:t>19</a:t>
             </a:fld>
             <a:endParaRPr lang="en-US"/>
           </a:p>
@@ -4792,25 +5123,19 @@
           <a:p>
             <a:r>
               <a:rPr lang="en-US" dirty="0" smtClean="0"/>
-              <a:t>It cannot be shared with anyone who should not know</a:t>
-            </a:r>
-          </a:p>
-          <a:p>
-            <a:r>
-              <a:rPr lang="en-US" dirty="0" smtClean="0"/>
-              <a:t>It can be forgotten or lost</a:t>
-            </a:r>
-          </a:p>
-          <a:p>
-            <a:r>
-              <a:rPr lang="en-US" dirty="0" smtClean="0"/>
-              <a:t>If stolen it becomes worthless</a:t>
-            </a:r>
-          </a:p>
-          <a:p>
-            <a:r>
-              <a:rPr lang="en-US" dirty="0" smtClean="0"/>
-              <a:t>Just the suspicion of loss or of a leak makes it worthless</a:t>
+              <a:t>It cannot (even accidentally) be shared with anyone who should not know</a:t>
+            </a:r>
+          </a:p>
+          <a:p>
+            <a:r>
+              <a:rPr lang="en-US" dirty="0" smtClean="0"/>
+              <a:t>It can be forgotten, lost, stolen or corrupted in which case becomes worthless and can cause loss of assets</a:t>
+            </a:r>
+          </a:p>
+          <a:p>
+            <a:r>
+              <a:rPr lang="en-US" dirty="0" smtClean="0"/>
+              <a:t>Just the suspicion of loss or of accidental leak makes it worthless and a liability</a:t>
             </a:r>
           </a:p>
           <a:p>
@@ -4955,123 +5280,99 @@
         </p:nvSpPr>
         <p:spPr>
           <a:xfrm>
-            <a:off x="457200" y="1905000"/>
-            <a:ext cx="8229600" cy="3429000"/>
+            <a:off x="460513" y="1752600"/>
+            <a:ext cx="8229600" cy="3962400"/>
           </a:xfrm>
         </p:spPr>
         <p:txBody>
-          <a:bodyPr>
-            <a:normAutofit/>
-          </a:bodyPr>
-          <a:lstStyle/>
-          <a:p>
-            <a:pPr marL="0" indent="0" algn="just">
+          <a:bodyPr/>
+          <a:lstStyle/>
+          <a:p>
+            <a:r>
+              <a:rPr lang="en-US" dirty="0" smtClean="0">
+                <a:hlinkClick r:id="rId2"/>
+              </a:rPr>
+              <a:t>Where to store a server side encryption key?</a:t>
+            </a:r>
+            <a:endParaRPr lang="en-US" dirty="0" smtClean="0"/>
+          </a:p>
+          <a:p>
+            <a:endParaRPr lang="en-US" dirty="0"/>
+          </a:p>
+          <a:p>
+            <a:pPr marL="0" indent="0">
               <a:buNone/>
             </a:pPr>
             <a:r>
               <a:rPr lang="en-US" dirty="0" smtClean="0"/>
-              <a:t>A storage service used to store </a:t>
-            </a:r>
-            <a:r>
-              <a:rPr lang="en-US" dirty="0"/>
-              <a:t>cryptographic keys and secrets </a:t>
-            </a:r>
-            <a:r>
-              <a:rPr lang="en-US" dirty="0" smtClean="0"/>
-              <a:t>and keep this </a:t>
-            </a:r>
-            <a:r>
-              <a:rPr lang="en-US" dirty="0"/>
-              <a:t>information secure.</a:t>
-            </a:r>
-            <a:r>
-              <a:rPr lang="en-US" dirty="0" smtClean="0"/>
-              <a:t> The service offers a software abstraction to solve </a:t>
-            </a:r>
-            <a:r>
-              <a:rPr lang="en-US" dirty="0"/>
-              <a:t>the following </a:t>
-            </a:r>
-            <a:r>
-              <a:rPr lang="en-US" dirty="0" smtClean="0"/>
-              <a:t>problems. </a:t>
-            </a:r>
-          </a:p>
-          <a:p>
-            <a:pPr marL="0" indent="0" algn="just">
+              <a:t>This is a good question posed on Stack Exchange Information Security.</a:t>
+            </a:r>
+          </a:p>
+          <a:p>
+            <a:pPr marL="0" indent="0">
               <a:buNone/>
             </a:pPr>
-            <a:endParaRPr lang="en-US" dirty="0"/>
-          </a:p>
-          <a:p>
-            <a:r>
-              <a:rPr lang="en-US" b="1" dirty="0"/>
-              <a:t>Secret </a:t>
-            </a:r>
-            <a:r>
-              <a:rPr lang="en-US" b="1" dirty="0" smtClean="0"/>
-              <a:t>and Keys management</a:t>
-            </a:r>
-            <a:r>
-              <a:rPr lang="en-US" dirty="0" smtClean="0"/>
-              <a:t> such as access control.</a:t>
-            </a:r>
-            <a:endParaRPr lang="en-US" dirty="0"/>
-          </a:p>
-          <a:p>
-            <a:r>
-              <a:rPr lang="en-US" b="1" dirty="0" smtClean="0"/>
-              <a:t>Certificate management</a:t>
-            </a:r>
+            <a:endParaRPr lang="en-US" dirty="0" smtClean="0"/>
+          </a:p>
+          <a:p>
+            <a:pPr marL="457200" indent="-457200">
+              <a:buFont typeface="+mj-lt"/>
+              <a:buAutoNum type="arabicPeriod"/>
+            </a:pPr>
             <a:r>
               <a:rPr lang="en-US" dirty="0"/>
-              <a:t> </a:t>
-            </a:r>
-            <a:r>
-              <a:rPr lang="en-US" dirty="0" smtClean="0"/>
-              <a:t>including provision</a:t>
-            </a:r>
+              <a:t>Use an external Hardware Security Module. </a:t>
+            </a:r>
+            <a:endParaRPr lang="en-US" dirty="0" smtClean="0"/>
+          </a:p>
+          <a:p>
+            <a:pPr marL="457200" indent="-457200">
+              <a:buFont typeface="+mj-lt"/>
+              <a:buAutoNum type="arabicPeriod"/>
+            </a:pPr>
             <a:r>
               <a:rPr lang="en-US" dirty="0"/>
-              <a:t> </a:t>
-            </a:r>
-            <a:r>
-              <a:rPr lang="en-US" dirty="0" smtClean="0"/>
-              <a:t>and deployment i.e. (SSL/TLS</a:t>
-            </a:r>
+              <a:t>Tie the encryption key to your hardware</a:t>
+            </a:r>
+            <a:r>
+              <a:rPr lang="en-US" dirty="0" smtClean="0"/>
+              <a:t>.</a:t>
+            </a:r>
+          </a:p>
+          <a:p>
+            <a:pPr marL="457200" indent="-457200">
+              <a:buFont typeface="+mj-lt"/>
+              <a:buAutoNum type="arabicPeriod"/>
+            </a:pPr>
             <a:r>
               <a:rPr lang="en-US" dirty="0"/>
-              <a:t>) certificates </a:t>
-            </a:r>
-            <a:r>
-              <a:rPr lang="en-US" dirty="0" smtClean="0"/>
-              <a:t>used within </a:t>
-            </a:r>
+              <a:t>Tie the encryption key to your admin login </a:t>
+            </a:r>
+            <a:endParaRPr lang="en-US" dirty="0" smtClean="0"/>
+          </a:p>
+          <a:p>
+            <a:pPr marL="457200" indent="-457200">
+              <a:buFont typeface="+mj-lt"/>
+              <a:buAutoNum type="arabicPeriod"/>
+            </a:pPr>
             <a:r>
               <a:rPr lang="en-US" dirty="0"/>
-              <a:t>Azure </a:t>
-            </a:r>
-            <a:r>
-              <a:rPr lang="en-US" dirty="0" smtClean="0"/>
-              <a:t>internally connected artifacts.</a:t>
-            </a:r>
-            <a:endParaRPr lang="en-US" dirty="0"/>
-          </a:p>
-          <a:p>
-            <a:r>
-              <a:rPr lang="en-US" b="1" dirty="0"/>
-              <a:t>Store secrets </a:t>
-            </a:r>
-            <a:r>
-              <a:rPr lang="en-US" b="1" dirty="0" smtClean="0"/>
-              <a:t>and Keys on HSMs</a:t>
-            </a:r>
-            <a:endParaRPr lang="en-US" dirty="0"/>
-          </a:p>
-          <a:p>
-            <a:pPr marL="0" indent="0" algn="just">
-              <a:buNone/>
+              <a:t>Type in the encryption key when you start up, store it in memory</a:t>
+            </a:r>
+            <a:r>
+              <a:rPr lang="en-US" dirty="0" smtClean="0"/>
+              <a:t>.</a:t>
+            </a:r>
+          </a:p>
+          <a:p>
+            <a:pPr marL="457200" indent="-457200">
+              <a:buFont typeface="+mj-lt"/>
+              <a:buAutoNum type="arabicPeriod"/>
             </a:pPr>
+            <a:r>
+              <a:rPr lang="en-US" dirty="0"/>
+              <a:t>Store the key on a different server. </a:t>
+            </a:r>
             <a:endParaRPr lang="en-US" dirty="0"/>
           </a:p>
         </p:txBody>
@@ -5150,7 +5451,7 @@
                   <a:schemeClr val="tx1"/>
                 </a:solidFill>
               </a:rPr>
-              <a:t>What is Azure Key Vault</a:t>
+              <a:t>Where to store a secret?</a:t>
             </a:r>
             <a:endParaRPr lang="en-US" b="1" dirty="0">
               <a:solidFill>
@@ -5163,7 +5464,7 @@
     </p:spTree>
     <p:extLst>
       <p:ext uri="{BB962C8B-B14F-4D97-AF65-F5344CB8AC3E}">
-        <p14:creationId xmlns:p14="http://schemas.microsoft.com/office/powerpoint/2010/main" val="2012090214"/>
+        <p14:creationId xmlns:p14="http://schemas.microsoft.com/office/powerpoint/2010/main" val="4093124646"/>
       </p:ext>
     </p:extLst>
   </p:cSld>
@@ -5199,7 +5500,7 @@
       </p:grpSpPr>
       <p:sp>
         <p:nvSpPr>
-          <p:cNvPr id="2" name="Content Placeholder 1"/>
+          <p:cNvPr id="3" name="Segnaposto contenuto 2"/>
           <p:cNvSpPr>
             <a:spLocks noGrp="1"/>
           </p:cNvSpPr>
@@ -5209,8 +5510,8 @@
         </p:nvSpPr>
         <p:spPr>
           <a:xfrm>
-            <a:off x="458972" y="1905000"/>
-            <a:ext cx="8229600" cy="3657600"/>
+            <a:off x="457200" y="1905000"/>
+            <a:ext cx="8229600" cy="3429000"/>
           </a:xfrm>
         </p:spPr>
         <p:txBody>
@@ -5219,114 +5520,120 @@
           </a:bodyPr>
           <a:lstStyle/>
           <a:p>
-            <a:pPr marL="457200" indent="-457200">
-              <a:buFont typeface="+mj-lt"/>
-              <a:buAutoNum type="arabicPeriod"/>
-            </a:pPr>
-            <a:r>
-              <a:rPr lang="en-US" dirty="0" smtClean="0"/>
-              <a:t>Secrets</a:t>
-            </a:r>
-          </a:p>
-          <a:p>
-            <a:pPr marL="457200" indent="-457200">
-              <a:buFont typeface="+mj-lt"/>
-              <a:buAutoNum type="arabicPeriod"/>
-            </a:pPr>
-            <a:r>
-              <a:rPr lang="en-US" dirty="0" smtClean="0"/>
-              <a:t>Keys</a:t>
-            </a:r>
-          </a:p>
-          <a:p>
-            <a:pPr marL="457200" indent="-457200">
-              <a:buFont typeface="+mj-lt"/>
-              <a:buAutoNum type="arabicPeriod"/>
-            </a:pPr>
-            <a:r>
-              <a:rPr lang="en-US" dirty="0" smtClean="0"/>
-              <a:t>Certificates</a:t>
-            </a:r>
-            <a:endParaRPr lang="en-US" dirty="0"/>
-          </a:p>
-          <a:p>
-            <a:pPr marL="457200" indent="-457200">
-              <a:buFont typeface="+mj-lt"/>
-              <a:buAutoNum type="arabicPeriod"/>
-            </a:pPr>
-            <a:endParaRPr lang="en-US" dirty="0" smtClean="0"/>
-          </a:p>
-          <a:p>
-            <a:pPr marL="0" indent="0">
-              <a:buNone/>
-            </a:pPr>
-            <a:r>
-              <a:rPr lang="en-US" dirty="0" smtClean="0"/>
-              <a:t>Secrets </a:t>
-            </a:r>
-            <a:endParaRPr lang="en-US" dirty="0" smtClean="0"/>
-          </a:p>
-          <a:p>
-            <a:pPr marL="0" indent="0">
-              <a:buNone/>
-            </a:pPr>
-            <a:endParaRPr lang="en-US" dirty="0" smtClean="0"/>
-          </a:p>
-          <a:p>
             <a:pPr marL="0" indent="0" algn="just">
               <a:buNone/>
             </a:pPr>
             <a:r>
+              <a:rPr lang="en-US" dirty="0" smtClean="0"/>
+              <a:t>A storage service used to store </a:t>
+            </a:r>
+            <a:r>
               <a:rPr lang="en-US" dirty="0"/>
-              <a:t>B</a:t>
-            </a:r>
-            <a:r>
-              <a:rPr lang="en-US" dirty="0" smtClean="0"/>
-              <a:t>inary </a:t>
-            </a:r>
-            <a:r>
-              <a:rPr lang="en-US" dirty="0" smtClean="0"/>
-              <a:t>sequences with </a:t>
-            </a:r>
-            <a:r>
-              <a:rPr lang="en-US" dirty="0" smtClean="0"/>
-              <a:t>no semantic i.e. passwords, connection strings, </a:t>
-            </a:r>
-            <a:r>
-              <a:rPr lang="en-US" dirty="0" smtClean="0"/>
-              <a:t>bank details, thumbprints, hashes, etc. Any </a:t>
-            </a:r>
-            <a:r>
-              <a:rPr lang="en-US" dirty="0" smtClean="0"/>
-              <a:t>sensitive information that must be protected and access </a:t>
-            </a:r>
-            <a:r>
-              <a:rPr lang="en-US" dirty="0" smtClean="0"/>
-              <a:t>controlled. Any </a:t>
-            </a:r>
-            <a:r>
-              <a:rPr lang="en-US" dirty="0" smtClean="0"/>
-              <a:t>piece of information that may be versioned and needs to be centrally managed and protected.</a:t>
-            </a:r>
-            <a:endParaRPr lang="en-US" dirty="0"/>
-          </a:p>
-          <a:p>
-            <a:pPr marL="0" indent="0">
+              <a:t>cryptographic keys and secrets </a:t>
+            </a:r>
+            <a:r>
+              <a:rPr lang="en-US" dirty="0" smtClean="0"/>
+              <a:t>and keep this </a:t>
+            </a:r>
+            <a:r>
+              <a:rPr lang="en-US" dirty="0"/>
+              <a:t>information secure.</a:t>
+            </a:r>
+            <a:r>
+              <a:rPr lang="en-US" dirty="0" smtClean="0"/>
+              <a:t> The service offers a software abstraction to solve </a:t>
+            </a:r>
+            <a:r>
+              <a:rPr lang="en-US" dirty="0"/>
+              <a:t>the following </a:t>
+            </a:r>
+            <a:r>
+              <a:rPr lang="en-US" dirty="0" smtClean="0"/>
+              <a:t>problems. </a:t>
+            </a:r>
+          </a:p>
+          <a:p>
+            <a:pPr marL="0" indent="0" algn="just">
               <a:buNone/>
             </a:pPr>
-            <a:endParaRPr lang="en-US" dirty="0" smtClean="0"/>
-          </a:p>
-          <a:p>
-            <a:pPr marL="0" indent="0">
+            <a:endParaRPr lang="en-US" dirty="0"/>
+          </a:p>
+          <a:p>
+            <a:r>
+              <a:rPr lang="en-US" b="1" dirty="0"/>
+              <a:t>Secret </a:t>
+            </a:r>
+            <a:r>
+              <a:rPr lang="en-US" b="1" dirty="0" smtClean="0"/>
+              <a:t>and Keys management</a:t>
+            </a:r>
+            <a:r>
+              <a:rPr lang="en-US" dirty="0" smtClean="0"/>
+              <a:t> such as access control.</a:t>
+            </a:r>
+            <a:endParaRPr lang="en-US" dirty="0"/>
+          </a:p>
+          <a:p>
+            <a:r>
+              <a:rPr lang="en-US" b="1" dirty="0" smtClean="0"/>
+              <a:t>Certificate management</a:t>
+            </a:r>
+            <a:r>
+              <a:rPr lang="en-US" dirty="0"/>
+              <a:t> </a:t>
+            </a:r>
+            <a:r>
+              <a:rPr lang="en-US" dirty="0" smtClean="0"/>
+              <a:t>including provision</a:t>
+            </a:r>
+            <a:r>
+              <a:rPr lang="en-US" dirty="0"/>
+              <a:t> </a:t>
+            </a:r>
+            <a:r>
+              <a:rPr lang="en-US" dirty="0" smtClean="0"/>
+              <a:t>and deployment i.e. (SSL/TLS</a:t>
+            </a:r>
+            <a:r>
+              <a:rPr lang="en-US" dirty="0"/>
+              <a:t>) certificates </a:t>
+            </a:r>
+            <a:r>
+              <a:rPr lang="en-US" dirty="0" smtClean="0"/>
+              <a:t>used within </a:t>
+            </a:r>
+            <a:r>
+              <a:rPr lang="en-US" dirty="0"/>
+              <a:t>Azure </a:t>
+            </a:r>
+            <a:r>
+              <a:rPr lang="en-US" dirty="0" smtClean="0"/>
+              <a:t>internally connected artifacts.</a:t>
+            </a:r>
+            <a:endParaRPr lang="en-US" dirty="0"/>
+          </a:p>
+          <a:p>
+            <a:r>
+              <a:rPr lang="en-US" b="1" dirty="0"/>
+              <a:t>Store secrets </a:t>
+            </a:r>
+            <a:r>
+              <a:rPr lang="en-US" b="1" dirty="0" smtClean="0"/>
+              <a:t>and Keys on HSMs</a:t>
+            </a:r>
+            <a:endParaRPr lang="en-US" dirty="0"/>
+          </a:p>
+          <a:p>
+            <a:pPr marL="0" indent="0" algn="just">
               <a:buNone/>
             </a:pPr>
-            <a:endParaRPr lang="en-US" dirty="0" smtClean="0"/>
-          </a:p>
-        </p:txBody>
-      </p:sp>
-      <p:sp>
-        <p:nvSpPr>
-          <p:cNvPr id="3" name="Date Placeholder 2"/>
+            <a:endParaRPr lang="en-US" dirty="0"/>
+          </a:p>
+        </p:txBody>
+      </p:sp>
+      <p:sp>
+        <p:nvSpPr>
+          <p:cNvPr id="4" name="Segnaposto data 3"/>
           <p:cNvSpPr>
             <a:spLocks noGrp="1"/>
           </p:cNvSpPr>
@@ -5350,7 +5657,7 @@
       </p:sp>
       <p:sp>
         <p:nvSpPr>
-          <p:cNvPr id="4" name="Slide Number Placeholder 3"/>
+          <p:cNvPr id="5" name="Segnaposto numero diapositiva 4"/>
           <p:cNvSpPr>
             <a:spLocks noGrp="1"/>
           </p:cNvSpPr>
@@ -5374,7 +5681,7 @@
       </p:sp>
       <p:sp>
         <p:nvSpPr>
-          <p:cNvPr id="5" name="Subtitle 4"/>
+          <p:cNvPr id="7" name="Sottotitolo 6"/>
           <p:cNvSpPr>
             <a:spLocks noGrp="1"/>
           </p:cNvSpPr>
@@ -5384,7 +5691,7 @@
         </p:nvSpPr>
         <p:spPr>
           <a:xfrm>
-            <a:off x="1219200" y="1050925"/>
+            <a:off x="1143000" y="1066800"/>
             <a:ext cx="6400800" cy="457200"/>
           </a:xfrm>
         </p:spPr>
@@ -5393,17 +5700,25 @@
           <a:lstStyle/>
           <a:p>
             <a:r>
-              <a:rPr lang="en-US" dirty="0" smtClean="0"/>
-              <a:t>Resource Types in Azure Key Vault</a:t>
-            </a:r>
-            <a:endParaRPr lang="en-US" dirty="0"/>
+              <a:rPr lang="en-US" b="1" dirty="0" smtClean="0">
+                <a:solidFill>
+                  <a:schemeClr val="tx1"/>
+                </a:solidFill>
+              </a:rPr>
+              <a:t>What is Azure Key Vault</a:t>
+            </a:r>
+            <a:endParaRPr lang="en-US" b="1" dirty="0">
+              <a:solidFill>
+                <a:schemeClr val="tx1"/>
+              </a:solidFill>
+            </a:endParaRPr>
           </a:p>
         </p:txBody>
       </p:sp>
     </p:spTree>
     <p:extLst>
       <p:ext uri="{BB962C8B-B14F-4D97-AF65-F5344CB8AC3E}">
-        <p14:creationId xmlns:p14="http://schemas.microsoft.com/office/powerpoint/2010/main" val="1550044430"/>
+        <p14:creationId xmlns:p14="http://schemas.microsoft.com/office/powerpoint/2010/main" val="2012090214"/>
       </p:ext>
     </p:extLst>
   </p:cSld>
@@ -5449,13 +5764,13 @@
         </p:nvSpPr>
         <p:spPr>
           <a:xfrm>
-            <a:off x="458972" y="1828800"/>
-            <a:ext cx="8229600" cy="3733800"/>
+            <a:off x="458972" y="1905000"/>
+            <a:ext cx="8229600" cy="3657600"/>
           </a:xfrm>
         </p:spPr>
         <p:txBody>
           <a:bodyPr>
-            <a:normAutofit lnSpcReduction="10000"/>
+            <a:normAutofit/>
           </a:bodyPr>
           <a:lstStyle/>
           <a:p>
@@ -5502,8 +5817,9 @@
             </a:pPr>
             <a:r>
               <a:rPr lang="en-US" dirty="0" smtClean="0"/>
-              <a:t>Cryptographic Keys </a:t>
-            </a:r>
+              <a:t>Secrets </a:t>
+            </a:r>
+            <a:endParaRPr lang="en-US" dirty="0" smtClean="0"/>
           </a:p>
           <a:p>
             <a:pPr marL="0" indent="0">
@@ -5516,24 +5832,36 @@
               <a:buNone/>
             </a:pPr>
             <a:r>
-              <a:rPr lang="en-US" dirty="0" smtClean="0"/>
-              <a:t>Existing RSA or EC Keys. These can either be imported into Azure Key Vault or be directly generated and stored by it. </a:t>
-            </a:r>
-            <a:r>
               <a:rPr lang="en-US" dirty="0"/>
-              <a:t>A cryptographic key is a string of bits used by a cryptographic algorithm to transform plain text into cipher text or vice versa</a:t>
-            </a:r>
-            <a:r>
-              <a:rPr lang="en-US" dirty="0" smtClean="0"/>
-              <a:t>. Their format is an </a:t>
-            </a:r>
-            <a:r>
-              <a:rPr lang="en-US" dirty="0"/>
-              <a:t>a</a:t>
-            </a:r>
-            <a:r>
-              <a:rPr lang="en-US" dirty="0" smtClean="0"/>
-              <a:t>greed industry standard. </a:t>
+              <a:t>B</a:t>
+            </a:r>
+            <a:r>
+              <a:rPr lang="en-US" dirty="0" smtClean="0"/>
+              <a:t>inary </a:t>
+            </a:r>
+            <a:r>
+              <a:rPr lang="en-US" dirty="0" smtClean="0"/>
+              <a:t>sequences with </a:t>
+            </a:r>
+            <a:r>
+              <a:rPr lang="en-US" dirty="0" smtClean="0"/>
+              <a:t>no semantic i.e. passwords, connection strings, </a:t>
+            </a:r>
+            <a:r>
+              <a:rPr lang="en-US" dirty="0" smtClean="0"/>
+              <a:t>bank details, thumbprints, hashes, etc. Any </a:t>
+            </a:r>
+            <a:r>
+              <a:rPr lang="en-US" dirty="0" smtClean="0"/>
+              <a:t>sensitive information that must be protected and access </a:t>
+            </a:r>
+            <a:r>
+              <a:rPr lang="en-US" dirty="0" smtClean="0"/>
+              <a:t>controlled. Any </a:t>
+            </a:r>
+            <a:r>
+              <a:rPr lang="en-US" dirty="0" smtClean="0"/>
+              <a:t>piece of information that may be versioned and needs to be centrally managed and protected.</a:t>
             </a:r>
             <a:endParaRPr lang="en-US" dirty="0"/>
           </a:p>
@@ -5611,7 +5939,7 @@
         </p:nvSpPr>
         <p:spPr>
           <a:xfrm>
-            <a:off x="1373372" y="990600"/>
+            <a:off x="1219200" y="1050925"/>
             <a:ext cx="6400800" cy="457200"/>
           </a:xfrm>
         </p:spPr>
@@ -5630,7 +5958,7 @@
     </p:spTree>
     <p:extLst>
       <p:ext uri="{BB962C8B-B14F-4D97-AF65-F5344CB8AC3E}">
-        <p14:creationId xmlns:p14="http://schemas.microsoft.com/office/powerpoint/2010/main" val="2131702540"/>
+        <p14:creationId xmlns:p14="http://schemas.microsoft.com/office/powerpoint/2010/main" val="1550044430"/>
       </p:ext>
     </p:extLst>
   </p:cSld>
@@ -5676,8 +6004,8 @@
         </p:nvSpPr>
         <p:spPr>
           <a:xfrm>
-            <a:off x="458972" y="1752600"/>
-            <a:ext cx="8229600" cy="3810000"/>
+            <a:off x="458972" y="1828800"/>
+            <a:ext cx="8229600" cy="3733800"/>
           </a:xfrm>
         </p:spPr>
         <p:txBody>
@@ -5729,9 +6057,8 @@
             </a:pPr>
             <a:r>
               <a:rPr lang="en-US" dirty="0" smtClean="0"/>
-              <a:t>Certificates</a:t>
-            </a:r>
-            <a:endParaRPr lang="en-US" dirty="0" smtClean="0"/>
+              <a:t>Cryptographic Keys </a:t>
+            </a:r>
           </a:p>
           <a:p>
             <a:pPr marL="0" indent="0">
@@ -5745,8 +6072,36 @@
             </a:pPr>
             <a:r>
               <a:rPr lang="en-US" dirty="0" smtClean="0"/>
-              <a:t>Data files which that digitally bind a cryptographic key(s) to an organization and prove ownership. The majority of certificates are Public Key Certificates (PKC) which holds information about the key(s) and their owner(s). The PKC is digitally signed by the Authority that has verified the certificate’s content. The most common format for PKC is X.509.</a:t>
-            </a:r>
+              <a:t>Existing RSA or EC Keys. These can either be imported into Azure Key Vault or be directly generated and stored by it. </a:t>
+            </a:r>
+            <a:r>
+              <a:rPr lang="en-US" dirty="0"/>
+              <a:t>A cryptographic key is a string of bits used by a cryptographic algorithm to transform plain text into cipher text or vice versa</a:t>
+            </a:r>
+            <a:r>
+              <a:rPr lang="en-US" dirty="0" smtClean="0"/>
+              <a:t>. Their format is an </a:t>
+            </a:r>
+            <a:r>
+              <a:rPr lang="en-US" dirty="0"/>
+              <a:t>a</a:t>
+            </a:r>
+            <a:r>
+              <a:rPr lang="en-US" dirty="0" smtClean="0"/>
+              <a:t>greed industry standard. </a:t>
+            </a:r>
+            <a:endParaRPr lang="en-US" dirty="0"/>
+          </a:p>
+          <a:p>
+            <a:pPr marL="0" indent="0">
+              <a:buNone/>
+            </a:pPr>
+            <a:endParaRPr lang="en-US" dirty="0" smtClean="0"/>
+          </a:p>
+          <a:p>
+            <a:pPr marL="0" indent="0">
+              <a:buNone/>
+            </a:pPr>
             <a:endParaRPr lang="en-US" dirty="0" smtClean="0"/>
           </a:p>
         </p:txBody>
@@ -5811,7 +6166,7 @@
         </p:nvSpPr>
         <p:spPr>
           <a:xfrm>
-            <a:off x="1447800" y="958850"/>
+            <a:off x="1373372" y="990600"/>
             <a:ext cx="6400800" cy="457200"/>
           </a:xfrm>
         </p:spPr>
@@ -5830,7 +6185,7 @@
     </p:spTree>
     <p:extLst>
       <p:ext uri="{BB962C8B-B14F-4D97-AF65-F5344CB8AC3E}">
-        <p14:creationId xmlns:p14="http://schemas.microsoft.com/office/powerpoint/2010/main" val="2033253701"/>
+        <p14:creationId xmlns:p14="http://schemas.microsoft.com/office/powerpoint/2010/main" val="2131702540"/>
       </p:ext>
     </p:extLst>
   </p:cSld>
@@ -5866,7 +6221,94 @@
       </p:grpSpPr>
       <p:sp>
         <p:nvSpPr>
-          <p:cNvPr id="4" name="Segnaposto data 3"/>
+          <p:cNvPr id="2" name="Content Placeholder 1"/>
+          <p:cNvSpPr>
+            <a:spLocks noGrp="1"/>
+          </p:cNvSpPr>
+          <p:nvPr>
+            <p:ph idx="1"/>
+          </p:nvPr>
+        </p:nvSpPr>
+        <p:spPr>
+          <a:xfrm>
+            <a:off x="458972" y="1752600"/>
+            <a:ext cx="8229600" cy="3810000"/>
+          </a:xfrm>
+        </p:spPr>
+        <p:txBody>
+          <a:bodyPr>
+            <a:normAutofit lnSpcReduction="10000"/>
+          </a:bodyPr>
+          <a:lstStyle/>
+          <a:p>
+            <a:pPr marL="457200" indent="-457200">
+              <a:buFont typeface="+mj-lt"/>
+              <a:buAutoNum type="arabicPeriod"/>
+            </a:pPr>
+            <a:r>
+              <a:rPr lang="en-US" dirty="0" smtClean="0"/>
+              <a:t>Secrets</a:t>
+            </a:r>
+          </a:p>
+          <a:p>
+            <a:pPr marL="457200" indent="-457200">
+              <a:buFont typeface="+mj-lt"/>
+              <a:buAutoNum type="arabicPeriod"/>
+            </a:pPr>
+            <a:r>
+              <a:rPr lang="en-US" dirty="0" smtClean="0"/>
+              <a:t>Keys</a:t>
+            </a:r>
+          </a:p>
+          <a:p>
+            <a:pPr marL="457200" indent="-457200">
+              <a:buFont typeface="+mj-lt"/>
+              <a:buAutoNum type="arabicPeriod"/>
+            </a:pPr>
+            <a:r>
+              <a:rPr lang="en-US" dirty="0" smtClean="0"/>
+              <a:t>Certificates</a:t>
+            </a:r>
+            <a:endParaRPr lang="en-US" dirty="0"/>
+          </a:p>
+          <a:p>
+            <a:pPr marL="457200" indent="-457200">
+              <a:buFont typeface="+mj-lt"/>
+              <a:buAutoNum type="arabicPeriod"/>
+            </a:pPr>
+            <a:endParaRPr lang="en-US" dirty="0" smtClean="0"/>
+          </a:p>
+          <a:p>
+            <a:pPr marL="0" indent="0">
+              <a:buNone/>
+            </a:pPr>
+            <a:r>
+              <a:rPr lang="en-US" dirty="0" smtClean="0"/>
+              <a:t>Certificates</a:t>
+            </a:r>
+            <a:endParaRPr lang="en-US" dirty="0" smtClean="0"/>
+          </a:p>
+          <a:p>
+            <a:pPr marL="0" indent="0">
+              <a:buNone/>
+            </a:pPr>
+            <a:endParaRPr lang="en-US" dirty="0" smtClean="0"/>
+          </a:p>
+          <a:p>
+            <a:pPr marL="0" indent="0" algn="just">
+              <a:buNone/>
+            </a:pPr>
+            <a:r>
+              <a:rPr lang="en-US" dirty="0" smtClean="0"/>
+              <a:t>Data files which that digitally bind a cryptographic key(s) to an organization and prove ownership. The majority of certificates are Public Key Certificates (PKC) which holds information about the key(s) and their owner(s). The PKC is digitally signed by the Authority that has verified the certificate’s content. The most common format for PKC is X.509.</a:t>
+            </a:r>
+            <a:endParaRPr lang="en-US" dirty="0" smtClean="0"/>
+          </a:p>
+        </p:txBody>
+      </p:sp>
+      <p:sp>
+        <p:nvSpPr>
+          <p:cNvPr id="3" name="Date Placeholder 2"/>
           <p:cNvSpPr>
             <a:spLocks noGrp="1"/>
           </p:cNvSpPr>
@@ -5890,7 +6332,7 @@
       </p:sp>
       <p:sp>
         <p:nvSpPr>
-          <p:cNvPr id="5" name="Segnaposto numero diapositiva 4"/>
+          <p:cNvPr id="4" name="Slide Number Placeholder 3"/>
           <p:cNvSpPr>
             <a:spLocks noGrp="1"/>
           </p:cNvSpPr>
@@ -5912,48 +6354,19 @@
           </a:p>
         </p:txBody>
       </p:sp>
-      <p:pic>
-        <p:nvPicPr>
-          <p:cNvPr id="6" name="Content Placeholder 5"/>
-          <p:cNvPicPr>
-            <a:picLocks noGrp="1" noChangeAspect="1"/>
-          </p:cNvPicPr>
-          <p:nvPr>
-            <p:ph idx="1"/>
-          </p:nvPr>
-        </p:nvPicPr>
-        <p:blipFill>
-          <a:blip r:embed="rId2" cstate="print">
-            <a:extLst>
-              <a:ext uri="{28A0092B-C50C-407E-A947-70E740481C1C}">
-                <a14:useLocalDpi xmlns:a14="http://schemas.microsoft.com/office/drawing/2010/main" val="0"/>
-              </a:ext>
-            </a:extLst>
-          </a:blip>
-          <a:stretch>
-            <a:fillRect/>
-          </a:stretch>
-        </p:blipFill>
+      <p:sp>
+        <p:nvSpPr>
+          <p:cNvPr id="5" name="Subtitle 4"/>
+          <p:cNvSpPr>
+            <a:spLocks noGrp="1"/>
+          </p:cNvSpPr>
+          <p:nvPr>
+            <p:ph type="subTitle" idx="14"/>
+          </p:nvPr>
+        </p:nvSpPr>
         <p:spPr>
           <a:xfrm>
-            <a:off x="381000" y="1447800"/>
-            <a:ext cx="8476906" cy="4648200"/>
-          </a:xfrm>
-        </p:spPr>
-      </p:pic>
-      <p:sp>
-        <p:nvSpPr>
-          <p:cNvPr id="7" name="Subtitle 4"/>
-          <p:cNvSpPr>
-            <a:spLocks noGrp="1"/>
-          </p:cNvSpPr>
-          <p:nvPr>
-            <p:ph type="subTitle" idx="14"/>
-          </p:nvPr>
-        </p:nvSpPr>
-        <p:spPr>
-          <a:xfrm>
-            <a:off x="1419053" y="990600"/>
+            <a:off x="1447800" y="958850"/>
             <a:ext cx="6400800" cy="457200"/>
           </a:xfrm>
         </p:spPr>
@@ -5963,7 +6376,7 @@
           <a:p>
             <a:r>
               <a:rPr lang="en-US" dirty="0" smtClean="0"/>
-              <a:t>Symmetric and Asymmetric Encryption</a:t>
+              <a:t>Resource Types in Azure Key Vault</a:t>
             </a:r>
             <a:endParaRPr lang="en-US" dirty="0"/>
           </a:p>
@@ -5972,7 +6385,7 @@
     </p:spTree>
     <p:extLst>
       <p:ext uri="{BB962C8B-B14F-4D97-AF65-F5344CB8AC3E}">
-        <p14:creationId xmlns:p14="http://schemas.microsoft.com/office/powerpoint/2010/main" val="4058001532"/>
+        <p14:creationId xmlns:p14="http://schemas.microsoft.com/office/powerpoint/2010/main" val="2033253701"/>
       </p:ext>
     </p:extLst>
   </p:cSld>
@@ -6021,63 +6434,40 @@
           <a:bodyPr/>
           <a:lstStyle/>
           <a:p>
-            <a:pPr algn="ctr">
-              <a:buNone/>
-            </a:pPr>
-            <a:endParaRPr lang="en-US" dirty="0" smtClean="0"/>
-          </a:p>
-          <a:p>
-            <a:r>
-              <a:rPr lang="en-US" dirty="0" smtClean="0"/>
-              <a:t>Introduction</a:t>
-            </a:r>
-          </a:p>
-          <a:p>
-            <a:r>
-              <a:rPr lang="en-US" dirty="0" smtClean="0"/>
-              <a:t>Business scope </a:t>
-            </a:r>
-          </a:p>
-          <a:p>
-            <a:r>
-              <a:rPr lang="en-US" dirty="0" smtClean="0"/>
-              <a:t>Functionality description</a:t>
-            </a:r>
-          </a:p>
-          <a:p>
-            <a:r>
-              <a:rPr lang="en-US" dirty="0" smtClean="0"/>
-              <a:t>AX modules involved and setup</a:t>
-            </a:r>
-          </a:p>
-          <a:p>
-            <a:r>
-              <a:rPr lang="en-US" dirty="0" smtClean="0"/>
-              <a:t>Demo with AX/Slides</a:t>
-            </a:r>
-          </a:p>
-          <a:p>
-            <a:r>
-              <a:rPr lang="en-US" dirty="0" smtClean="0"/>
-              <a:t>Q&amp;A</a:t>
-            </a:r>
-          </a:p>
-          <a:p>
-            <a:endParaRPr lang="en-US" dirty="0" smtClean="0"/>
-          </a:p>
-          <a:p>
-            <a:endParaRPr lang="en-US" dirty="0" smtClean="0"/>
-          </a:p>
-          <a:p>
-            <a:endParaRPr lang="en-US" dirty="0" smtClean="0"/>
-          </a:p>
-          <a:p>
-            <a:endParaRPr lang="en-US" dirty="0" smtClean="0"/>
-          </a:p>
-          <a:p>
-            <a:endParaRPr lang="en-US" dirty="0" smtClean="0"/>
-          </a:p>
-          <a:p>
+            <a:r>
+              <a:rPr lang="en-US" dirty="0" smtClean="0"/>
+              <a:t>It must be kept safe somewhere</a:t>
+            </a:r>
+          </a:p>
+          <a:p>
+            <a:r>
+              <a:rPr lang="en-US" dirty="0" smtClean="0"/>
+              <a:t>It cannot be shared with anyone who should not know</a:t>
+            </a:r>
+          </a:p>
+          <a:p>
+            <a:r>
+              <a:rPr lang="en-US" dirty="0" smtClean="0"/>
+              <a:t>It can be forgotten or lost</a:t>
+            </a:r>
+          </a:p>
+          <a:p>
+            <a:r>
+              <a:rPr lang="en-US" dirty="0" smtClean="0"/>
+              <a:t>If stolen it becomes worthless</a:t>
+            </a:r>
+          </a:p>
+          <a:p>
+            <a:r>
+              <a:rPr lang="en-US" dirty="0" smtClean="0"/>
+              <a:t>Just the suspicion of loss or of a leak makes it worthless</a:t>
+            </a:r>
+          </a:p>
+          <a:p>
+            <a:r>
+              <a:rPr lang="en-US" dirty="0" smtClean="0"/>
+              <a:t>More than one secret and life gets very complicated!</a:t>
+            </a:r>
             <a:endParaRPr lang="en-US" dirty="0"/>
           </a:p>
         </p:txBody>
@@ -6132,7 +6522,7 @@
       </p:sp>
       <p:sp>
         <p:nvSpPr>
-          <p:cNvPr id="8" name="Sottotitolo 7"/>
+          <p:cNvPr id="7" name="Sottotitolo 6"/>
           <p:cNvSpPr>
             <a:spLocks noGrp="1"/>
           </p:cNvSpPr>
@@ -6140,7 +6530,12 @@
             <p:ph type="subTitle" idx="14"/>
           </p:nvPr>
         </p:nvSpPr>
-        <p:spPr/>
+        <p:spPr>
+          <a:xfrm>
+            <a:off x="1143000" y="1066800"/>
+            <a:ext cx="6400800" cy="457200"/>
+          </a:xfrm>
+        </p:spPr>
         <p:txBody>
           <a:bodyPr/>
           <a:lstStyle/>
@@ -6151,9 +6546,9 @@
                   <a:schemeClr val="tx1"/>
                 </a:solidFill>
               </a:rPr>
-              <a:t>Summary</a:t>
-            </a:r>
-            <a:endParaRPr lang="en-US" dirty="0">
+              <a:t>The Problems with Secrets</a:t>
+            </a:r>
+            <a:endParaRPr lang="en-US" b="1" dirty="0">
               <a:solidFill>
                 <a:schemeClr val="tx1"/>
               </a:solidFill>
@@ -6162,6 +6557,11 @@
         </p:txBody>
       </p:sp>
     </p:spTree>
+    <p:extLst>
+      <p:ext uri="{BB962C8B-B14F-4D97-AF65-F5344CB8AC3E}">
+        <p14:creationId xmlns:p14="http://schemas.microsoft.com/office/powerpoint/2010/main" val="2203314043"/>
+      </p:ext>
+    </p:extLst>
   </p:cSld>
   <p:clrMapOvr>
     <a:masterClrMapping/>

--- a/Presentation.pptx
+++ b/Presentation.pptx
@@ -13,22 +13,22 @@
   <p:sldIdLst>
     <p:sldId id="256" r:id="rId5"/>
     <p:sldId id="266" r:id="rId6"/>
-    <p:sldId id="271" r:id="rId7"/>
-    <p:sldId id="276" r:id="rId8"/>
-    <p:sldId id="272" r:id="rId9"/>
-    <p:sldId id="267" r:id="rId10"/>
-    <p:sldId id="273" r:id="rId11"/>
-    <p:sldId id="268" r:id="rId12"/>
-    <p:sldId id="275" r:id="rId13"/>
-    <p:sldId id="274" r:id="rId14"/>
-    <p:sldId id="261" r:id="rId15"/>
-    <p:sldId id="258" r:id="rId16"/>
-    <p:sldId id="259" r:id="rId17"/>
-    <p:sldId id="263" r:id="rId18"/>
-    <p:sldId id="262" r:id="rId19"/>
-    <p:sldId id="264" r:id="rId20"/>
-    <p:sldId id="265" r:id="rId21"/>
-    <p:sldId id="270" r:id="rId22"/>
+    <p:sldId id="258" r:id="rId7"/>
+    <p:sldId id="271" r:id="rId8"/>
+    <p:sldId id="276" r:id="rId9"/>
+    <p:sldId id="272" r:id="rId10"/>
+    <p:sldId id="267" r:id="rId11"/>
+    <p:sldId id="273" r:id="rId12"/>
+    <p:sldId id="268" r:id="rId13"/>
+    <p:sldId id="275" r:id="rId14"/>
+    <p:sldId id="274" r:id="rId15"/>
+    <p:sldId id="265" r:id="rId16"/>
+    <p:sldId id="270" r:id="rId17"/>
+    <p:sldId id="261" r:id="rId18"/>
+    <p:sldId id="259" r:id="rId19"/>
+    <p:sldId id="263" r:id="rId20"/>
+    <p:sldId id="262" r:id="rId21"/>
+    <p:sldId id="264" r:id="rId22"/>
     <p:sldId id="269" r:id="rId23"/>
   </p:sldIdLst>
   <p:sldSz cx="9144000" cy="6858000" type="screen4x3"/>
@@ -244,7 +244,7 @@
             <a:fld id="{AB929E34-DEA3-4895-846A-C2BBEF4A5080}" type="datetimeFigureOut">
               <a:rPr lang="en-US" smtClean="0"/>
               <a:pPr/>
-              <a:t>5/6/2019</a:t>
+              <a:t>5/7/2019</a:t>
             </a:fld>
             <a:endParaRPr lang="en-US"/>
           </a:p>
@@ -411,7 +411,7 @@
             <a:fld id="{D757427D-1431-4F41-9EB2-74C3A27350CA}" type="datetimeFigureOut">
               <a:rPr lang="en-US" smtClean="0"/>
               <a:pPr/>
-              <a:t>5/6/2019</a:t>
+              <a:t>5/7/2019</a:t>
             </a:fld>
             <a:endParaRPr lang="en-US"/>
           </a:p>
@@ -834,7 +834,7 @@
             <a:fld id="{41D89EAC-7ACA-4BE3-B5E1-4490AC0DEEC2}" type="datetime1">
               <a:rPr lang="en-US" smtClean="0"/>
               <a:pPr/>
-              <a:t>5/6/2019</a:t>
+              <a:t>5/7/2019</a:t>
             </a:fld>
             <a:endParaRPr lang="en-US"/>
           </a:p>
@@ -1009,7 +1009,7 @@
             <a:fld id="{F8078618-4CAE-48E8-A205-9D92A68D094A}" type="datetime1">
               <a:rPr lang="en-US" smtClean="0"/>
               <a:pPr/>
-              <a:t>5/6/2019</a:t>
+              <a:t>5/7/2019</a:t>
             </a:fld>
             <a:endParaRPr lang="en-US"/>
           </a:p>
@@ -1308,7 +1308,7 @@
             <a:fld id="{F8078618-4CAE-48E8-A205-9D92A68D094A}" type="datetime1">
               <a:rPr lang="en-US" smtClean="0"/>
               <a:pPr/>
-              <a:t>5/6/2019</a:t>
+              <a:t>5/7/2019</a:t>
             </a:fld>
             <a:endParaRPr lang="en-US"/>
           </a:p>
@@ -1590,7 +1590,7 @@
             <a:fld id="{6B00E453-848C-4CB7-9F7F-96588418CD05}" type="datetime1">
               <a:rPr lang="en-US" smtClean="0"/>
               <a:pPr/>
-              <a:t>5/6/2019</a:t>
+              <a:t>5/7/2019</a:t>
             </a:fld>
             <a:endParaRPr lang="en-US"/>
           </a:p>
@@ -2010,7 +2010,7 @@
             <a:fld id="{6205F48F-7385-4145-8996-92AF39DE194F}" type="datetime1">
               <a:rPr lang="en-US" smtClean="0"/>
               <a:pPr/>
-              <a:t>5/6/2019</a:t>
+              <a:t>5/7/2019</a:t>
             </a:fld>
             <a:endParaRPr lang="en-US"/>
           </a:p>
@@ -2118,7 +2118,7 @@
             <a:fld id="{117843E3-9C32-491F-AC75-91C8E4F20BD2}" type="datetime1">
               <a:rPr lang="en-US" smtClean="0"/>
               <a:pPr/>
-              <a:t>5/6/2019</a:t>
+              <a:t>5/7/2019</a:t>
             </a:fld>
             <a:endParaRPr lang="en-US"/>
           </a:p>
@@ -2574,7 +2574,7 @@
             <a:fld id="{967291D2-A40C-4E5C-A267-C4BBED92FF0C}" type="datetime1">
               <a:rPr lang="en-US" smtClean="0"/>
               <a:pPr/>
-              <a:t>5/6/2019</a:t>
+              <a:t>5/7/2019</a:t>
             </a:fld>
             <a:endParaRPr lang="en-US" dirty="0"/>
           </a:p>
@@ -3301,13 +3301,6 @@
               </a:rPr>
               <a:t>Securing Data</a:t>
             </a:r>
-            <a:endParaRPr lang="en-US" dirty="0" smtClean="0">
-              <a:solidFill>
-                <a:schemeClr val="accent1">
-                  <a:lumMod val="25000"/>
-                </a:schemeClr>
-              </a:solidFill>
-            </a:endParaRPr>
           </a:p>
           <a:p>
             <a:endParaRPr lang="en-US" dirty="0" smtClean="0">
@@ -3329,13 +3322,6 @@
               </a:rPr>
               <a:t>Davide Spano</a:t>
             </a:r>
-            <a:endParaRPr lang="en-US" sz="1700" dirty="0" smtClean="0">
-              <a:solidFill>
-                <a:schemeClr val="accent1">
-                  <a:lumMod val="25000"/>
-                </a:schemeClr>
-              </a:solidFill>
-            </a:endParaRPr>
           </a:p>
         </p:txBody>
       </p:sp>
@@ -3357,7 +3343,7 @@
             <a:fld id="{DD590542-A0EB-48D5-9722-C0A8052BF4A2}" type="datetime1">
               <a:rPr lang="en-US" smtClean="0"/>
               <a:pPr/>
-              <a:t>5/6/2019</a:t>
+              <a:t>5/7/2019</a:t>
             </a:fld>
             <a:endParaRPr lang="en-US" dirty="0"/>
           </a:p>
@@ -3411,10 +3397,6 @@
             <a:r>
               <a:rPr lang="en-US" dirty="0" smtClean="0"/>
               <a:t>Security in Azure</a:t>
-            </a:r>
-            <a:r>
-              <a:rPr lang="en-US" dirty="0" smtClean="0"/>
-              <a:t/>
             </a:r>
             <a:br>
               <a:rPr lang="en-US" dirty="0" smtClean="0"/>
@@ -3462,6 +3444,59 @@
       </p:grpSpPr>
       <p:sp>
         <p:nvSpPr>
+          <p:cNvPr id="3" name="Segnaposto contenuto 2"/>
+          <p:cNvSpPr>
+            <a:spLocks noGrp="1"/>
+          </p:cNvSpPr>
+          <p:nvPr>
+            <p:ph idx="1"/>
+          </p:nvPr>
+        </p:nvSpPr>
+        <p:spPr/>
+        <p:txBody>
+          <a:bodyPr/>
+          <a:lstStyle/>
+          <a:p>
+            <a:r>
+              <a:rPr lang="en-US" dirty="0" smtClean="0"/>
+              <a:t>It must be kept safe somewhere</a:t>
+            </a:r>
+          </a:p>
+          <a:p>
+            <a:r>
+              <a:rPr lang="en-US" dirty="0" smtClean="0"/>
+              <a:t>It cannot be shared with anyone who should not know</a:t>
+            </a:r>
+          </a:p>
+          <a:p>
+            <a:r>
+              <a:rPr lang="en-US" dirty="0" smtClean="0"/>
+              <a:t>It can be forgotten or lost</a:t>
+            </a:r>
+          </a:p>
+          <a:p>
+            <a:r>
+              <a:rPr lang="en-US" dirty="0" smtClean="0"/>
+              <a:t>If stolen it becomes worthless</a:t>
+            </a:r>
+          </a:p>
+          <a:p>
+            <a:r>
+              <a:rPr lang="en-US" dirty="0" smtClean="0"/>
+              <a:t>Just the suspicion of loss or of a leak makes it worthless</a:t>
+            </a:r>
+          </a:p>
+          <a:p>
+            <a:r>
+              <a:rPr lang="en-US" dirty="0" smtClean="0"/>
+              <a:t>More than one secret and life gets very complicated!</a:t>
+            </a:r>
+            <a:endParaRPr lang="en-US" dirty="0"/>
+          </a:p>
+        </p:txBody>
+      </p:sp>
+      <p:sp>
+        <p:nvSpPr>
           <p:cNvPr id="4" name="Segnaposto data 3"/>
           <p:cNvSpPr>
             <a:spLocks noGrp="1"/>
@@ -3478,7 +3513,7 @@
             <a:fld id="{F8078618-4CAE-48E8-A205-9D92A68D094A}" type="datetime1">
               <a:rPr lang="en-US" smtClean="0"/>
               <a:pPr/>
-              <a:t>5/6/2019</a:t>
+              <a:t>5/7/2019</a:t>
             </a:fld>
             <a:endParaRPr lang="en-US"/>
           </a:p>
@@ -3508,48 +3543,19 @@
           </a:p>
         </p:txBody>
       </p:sp>
-      <p:pic>
-        <p:nvPicPr>
-          <p:cNvPr id="6" name="Content Placeholder 5"/>
-          <p:cNvPicPr>
-            <a:picLocks noGrp="1" noChangeAspect="1"/>
-          </p:cNvPicPr>
-          <p:nvPr>
-            <p:ph idx="1"/>
-          </p:nvPr>
-        </p:nvPicPr>
-        <p:blipFill>
-          <a:blip r:embed="rId2" cstate="print">
-            <a:extLst>
-              <a:ext uri="{28A0092B-C50C-407E-A947-70E740481C1C}">
-                <a14:useLocalDpi xmlns:a14="http://schemas.microsoft.com/office/drawing/2010/main" val="0"/>
-              </a:ext>
-            </a:extLst>
-          </a:blip>
-          <a:stretch>
-            <a:fillRect/>
-          </a:stretch>
-        </p:blipFill>
+      <p:sp>
+        <p:nvSpPr>
+          <p:cNvPr id="7" name="Sottotitolo 6"/>
+          <p:cNvSpPr>
+            <a:spLocks noGrp="1"/>
+          </p:cNvSpPr>
+          <p:nvPr>
+            <p:ph type="subTitle" idx="14"/>
+          </p:nvPr>
+        </p:nvSpPr>
         <p:spPr>
           <a:xfrm>
-            <a:off x="381000" y="1447800"/>
-            <a:ext cx="8476906" cy="4648200"/>
-          </a:xfrm>
-        </p:spPr>
-      </p:pic>
-      <p:sp>
-        <p:nvSpPr>
-          <p:cNvPr id="7" name="Subtitle 4"/>
-          <p:cNvSpPr>
-            <a:spLocks noGrp="1"/>
-          </p:cNvSpPr>
-          <p:nvPr>
-            <p:ph type="subTitle" idx="14"/>
-          </p:nvPr>
-        </p:nvSpPr>
-        <p:spPr>
-          <a:xfrm>
-            <a:off x="1419053" y="990600"/>
+            <a:off x="1143000" y="1066800"/>
             <a:ext cx="6400800" cy="457200"/>
           </a:xfrm>
         </p:spPr>
@@ -3558,17 +3564,25 @@
           <a:lstStyle/>
           <a:p>
             <a:r>
-              <a:rPr lang="en-US" dirty="0" smtClean="0"/>
-              <a:t>Symmetric and Asymmetric Encryption</a:t>
-            </a:r>
-            <a:endParaRPr lang="en-US" dirty="0"/>
+              <a:rPr lang="en-US" b="1" dirty="0" smtClean="0">
+                <a:solidFill>
+                  <a:schemeClr val="tx1"/>
+                </a:solidFill>
+              </a:rPr>
+              <a:t>The Problems with Secrets</a:t>
+            </a:r>
+            <a:endParaRPr lang="en-US" b="1" dirty="0">
+              <a:solidFill>
+                <a:schemeClr val="tx1"/>
+              </a:solidFill>
+            </a:endParaRPr>
           </a:p>
         </p:txBody>
       </p:sp>
     </p:spTree>
     <p:extLst>
       <p:ext uri="{BB962C8B-B14F-4D97-AF65-F5344CB8AC3E}">
-        <p14:creationId xmlns:p14="http://schemas.microsoft.com/office/powerpoint/2010/main" val="4058001532"/>
+        <p14:creationId xmlns:p14="http://schemas.microsoft.com/office/powerpoint/2010/main" val="2203314043"/>
       </p:ext>
     </p:extLst>
   </p:cSld>
@@ -3604,12 +3618,12 @@
       </p:grpSpPr>
       <p:sp>
         <p:nvSpPr>
-          <p:cNvPr id="3" name="Segnaposto contenuto 2"/>
-          <p:cNvSpPr>
-            <a:spLocks noGrp="1"/>
-          </p:cNvSpPr>
-          <p:nvPr>
-            <p:ph idx="1"/>
+          <p:cNvPr id="4" name="Segnaposto data 3"/>
+          <p:cNvSpPr>
+            <a:spLocks noGrp="1"/>
+          </p:cNvSpPr>
+          <p:nvPr>
+            <p:ph type="dt" sz="half" idx="10"/>
           </p:nvPr>
         </p:nvSpPr>
         <p:spPr/>
@@ -3617,86 +3631,10 @@
           <a:bodyPr/>
           <a:lstStyle/>
           <a:p>
-            <a:pPr algn="ctr">
-              <a:buNone/>
-            </a:pPr>
-            <a:endParaRPr lang="en-US" dirty="0" smtClean="0"/>
-          </a:p>
-          <a:p>
-            <a:r>
-              <a:rPr lang="en-US" dirty="0" smtClean="0"/>
-              <a:t>Introduction</a:t>
-            </a:r>
-          </a:p>
-          <a:p>
-            <a:r>
-              <a:rPr lang="en-US" dirty="0" smtClean="0"/>
-              <a:t>Business scope </a:t>
-            </a:r>
-          </a:p>
-          <a:p>
-            <a:r>
-              <a:rPr lang="en-US" dirty="0" smtClean="0"/>
-              <a:t>Functionality description</a:t>
-            </a:r>
-          </a:p>
-          <a:p>
-            <a:r>
-              <a:rPr lang="en-US" dirty="0" smtClean="0"/>
-              <a:t>AX modules involved and setup</a:t>
-            </a:r>
-          </a:p>
-          <a:p>
-            <a:r>
-              <a:rPr lang="en-US" dirty="0" smtClean="0"/>
-              <a:t>Demo with AX/Slides</a:t>
-            </a:r>
-          </a:p>
-          <a:p>
-            <a:r>
-              <a:rPr lang="en-US" dirty="0" smtClean="0"/>
-              <a:t>Q&amp;A</a:t>
-            </a:r>
-          </a:p>
-          <a:p>
-            <a:endParaRPr lang="en-US" dirty="0" smtClean="0"/>
-          </a:p>
-          <a:p>
-            <a:endParaRPr lang="en-US" dirty="0" smtClean="0"/>
-          </a:p>
-          <a:p>
-            <a:endParaRPr lang="en-US" dirty="0" smtClean="0"/>
-          </a:p>
-          <a:p>
-            <a:endParaRPr lang="en-US" dirty="0" smtClean="0"/>
-          </a:p>
-          <a:p>
-            <a:endParaRPr lang="en-US" dirty="0" smtClean="0"/>
-          </a:p>
-          <a:p>
-            <a:endParaRPr lang="en-US" dirty="0"/>
-          </a:p>
-        </p:txBody>
-      </p:sp>
-      <p:sp>
-        <p:nvSpPr>
-          <p:cNvPr id="4" name="Segnaposto data 3"/>
-          <p:cNvSpPr>
-            <a:spLocks noGrp="1"/>
-          </p:cNvSpPr>
-          <p:nvPr>
-            <p:ph type="dt" sz="half" idx="10"/>
-          </p:nvPr>
-        </p:nvSpPr>
-        <p:spPr/>
-        <p:txBody>
-          <a:bodyPr/>
-          <a:lstStyle/>
-          <a:p>
             <a:fld id="{F8078618-4CAE-48E8-A205-9D92A68D094A}" type="datetime1">
               <a:rPr lang="en-US" smtClean="0"/>
               <a:pPr/>
-              <a:t>5/6/2019</a:t>
+              <a:t>5/7/2019</a:t>
             </a:fld>
             <a:endParaRPr lang="en-US"/>
           </a:p>
@@ -3726,9 +3664,38 @@
           </a:p>
         </p:txBody>
       </p:sp>
-      <p:sp>
-        <p:nvSpPr>
-          <p:cNvPr id="8" name="Sottotitolo 7"/>
+      <p:pic>
+        <p:nvPicPr>
+          <p:cNvPr id="6" name="Content Placeholder 5"/>
+          <p:cNvPicPr>
+            <a:picLocks noGrp="1" noChangeAspect="1"/>
+          </p:cNvPicPr>
+          <p:nvPr>
+            <p:ph idx="1"/>
+          </p:nvPr>
+        </p:nvPicPr>
+        <p:blipFill>
+          <a:blip r:embed="rId2" cstate="print">
+            <a:extLst>
+              <a:ext uri="{28A0092B-C50C-407E-A947-70E740481C1C}">
+                <a14:useLocalDpi xmlns:a14="http://schemas.microsoft.com/office/drawing/2010/main" val="0"/>
+              </a:ext>
+            </a:extLst>
+          </a:blip>
+          <a:stretch>
+            <a:fillRect/>
+          </a:stretch>
+        </p:blipFill>
+        <p:spPr>
+          <a:xfrm>
+            <a:off x="381000" y="1447800"/>
+            <a:ext cx="8476906" cy="4648200"/>
+          </a:xfrm>
+        </p:spPr>
+      </p:pic>
+      <p:sp>
+        <p:nvSpPr>
+          <p:cNvPr id="7" name="Subtitle 4"/>
           <p:cNvSpPr>
             <a:spLocks noGrp="1"/>
           </p:cNvSpPr>
@@ -3736,28 +3703,30 @@
             <p:ph type="subTitle" idx="14"/>
           </p:nvPr>
         </p:nvSpPr>
-        <p:spPr/>
-        <p:txBody>
-          <a:bodyPr/>
-          <a:lstStyle/>
-          <a:p>
-            <a:r>
-              <a:rPr lang="en-US" b="1" dirty="0" smtClean="0">
-                <a:solidFill>
-                  <a:schemeClr val="tx1"/>
-                </a:solidFill>
-              </a:rPr>
-              <a:t>Summary</a:t>
-            </a:r>
-            <a:endParaRPr lang="en-US" dirty="0">
-              <a:solidFill>
-                <a:schemeClr val="tx1"/>
-              </a:solidFill>
-            </a:endParaRPr>
+        <p:spPr>
+          <a:xfrm>
+            <a:off x="1419053" y="990600"/>
+            <a:ext cx="6400800" cy="457200"/>
+          </a:xfrm>
+        </p:spPr>
+        <p:txBody>
+          <a:bodyPr/>
+          <a:lstStyle/>
+          <a:p>
+            <a:r>
+              <a:rPr lang="en-US" dirty="0" smtClean="0"/>
+              <a:t>Symmetric and Asymmetric Encryption</a:t>
+            </a:r>
+            <a:endParaRPr lang="en-US" dirty="0"/>
           </a:p>
         </p:txBody>
       </p:sp>
     </p:spTree>
+    <p:extLst>
+      <p:ext uri="{BB962C8B-B14F-4D97-AF65-F5344CB8AC3E}">
+        <p14:creationId xmlns:p14="http://schemas.microsoft.com/office/powerpoint/2010/main" val="4058001532"/>
+      </p:ext>
+    </p:extLst>
   </p:cSld>
   <p:clrMapOvr>
     <a:masterClrMapping/>
@@ -3791,12 +3760,12 @@
       </p:grpSpPr>
       <p:sp>
         <p:nvSpPr>
-          <p:cNvPr id="3" name="Segnaposto contenuto 2"/>
-          <p:cNvSpPr>
-            <a:spLocks noGrp="1"/>
-          </p:cNvSpPr>
-          <p:nvPr>
-            <p:ph idx="1"/>
+          <p:cNvPr id="4" name="Segnaposto data 3"/>
+          <p:cNvSpPr>
+            <a:spLocks noGrp="1"/>
+          </p:cNvSpPr>
+          <p:nvPr>
+            <p:ph type="dt" sz="half" idx="10"/>
           </p:nvPr>
         </p:nvSpPr>
         <p:spPr/>
@@ -3804,46 +3773,10 @@
           <a:bodyPr/>
           <a:lstStyle/>
           <a:p>
-            <a:pPr marL="285750" indent="0">
-              <a:buNone/>
-            </a:pPr>
-            <a:r>
-              <a:rPr lang="en-US" sz="1600" i="1" dirty="0" smtClean="0"/>
-              <a:t>which is the business process involved, for example: Purchase order or invoicing, etc</a:t>
-            </a:r>
-            <a:r>
-              <a:rPr lang="en-US" i="1" dirty="0" smtClean="0"/>
-              <a:t>. </a:t>
-            </a:r>
-            <a:r>
-              <a:rPr lang="en-US" sz="1600" i="1" dirty="0" smtClean="0"/>
-              <a:t>and main process actors</a:t>
-            </a:r>
-          </a:p>
-          <a:p>
-            <a:endParaRPr lang="en-US" dirty="0"/>
-          </a:p>
-        </p:txBody>
-      </p:sp>
-      <p:sp>
-        <p:nvSpPr>
-          <p:cNvPr id="4" name="Segnaposto data 3"/>
-          <p:cNvSpPr>
-            <a:spLocks noGrp="1"/>
-          </p:cNvSpPr>
-          <p:nvPr>
-            <p:ph type="dt" sz="half" idx="10"/>
-          </p:nvPr>
-        </p:nvSpPr>
-        <p:spPr/>
-        <p:txBody>
-          <a:bodyPr/>
-          <a:lstStyle/>
-          <a:p>
             <a:fld id="{F8078618-4CAE-48E8-A205-9D92A68D094A}" type="datetime1">
               <a:rPr lang="en-US" smtClean="0"/>
               <a:pPr/>
-              <a:t>5/6/2019</a:t>
+              <a:t>5/7/2019</a:t>
             </a:fld>
             <a:endParaRPr lang="en-US"/>
           </a:p>
@@ -3868,790 +3801,6 @@
               <a:rPr lang="en-US" smtClean="0"/>
               <a:pPr/>
               <a:t>12</a:t>
-            </a:fld>
-            <a:endParaRPr lang="en-US"/>
-          </a:p>
-        </p:txBody>
-      </p:sp>
-      <p:sp>
-        <p:nvSpPr>
-          <p:cNvPr id="8" name="Sottotitolo 7"/>
-          <p:cNvSpPr>
-            <a:spLocks noGrp="1"/>
-          </p:cNvSpPr>
-          <p:nvPr>
-            <p:ph type="subTitle" idx="14"/>
-          </p:nvPr>
-        </p:nvSpPr>
-        <p:spPr/>
-        <p:txBody>
-          <a:bodyPr/>
-          <a:lstStyle/>
-          <a:p>
-            <a:pPr marL="285750"/>
-            <a:r>
-              <a:rPr lang="en-US" b="1" dirty="0" smtClean="0">
-                <a:solidFill>
-                  <a:schemeClr val="tx1"/>
-                </a:solidFill>
-              </a:rPr>
-              <a:t>Business Scope</a:t>
-            </a:r>
-          </a:p>
-        </p:txBody>
-      </p:sp>
-    </p:spTree>
-  </p:cSld>
-  <p:clrMapOvr>
-    <a:masterClrMapping/>
-  </p:clrMapOvr>
-  <p:timing>
-    <p:tnLst>
-      <p:par>
-        <p:cTn id="1" dur="indefinite" restart="never" nodeType="tmRoot"/>
-      </p:par>
-    </p:tnLst>
-  </p:timing>
-</p:sld>
-</file>
-
-<file path=ppt/slides/slide13.xml><?xml version="1.0" encoding="utf-8"?>
-<p:sld xmlns:a="http://schemas.openxmlformats.org/drawingml/2006/main" xmlns:r="http://schemas.openxmlformats.org/officeDocument/2006/relationships" xmlns:p="http://schemas.openxmlformats.org/presentationml/2006/main">
-  <p:cSld>
-    <p:spTree>
-      <p:nvGrpSpPr>
-        <p:cNvPr id="1" name=""/>
-        <p:cNvGrpSpPr/>
-        <p:nvPr/>
-      </p:nvGrpSpPr>
-      <p:grpSpPr>
-        <a:xfrm>
-          <a:off x="0" y="0"/>
-          <a:ext cx="0" cy="0"/>
-          <a:chOff x="0" y="0"/>
-          <a:chExt cx="0" cy="0"/>
-        </a:xfrm>
-      </p:grpSpPr>
-      <p:sp>
-        <p:nvSpPr>
-          <p:cNvPr id="3" name="Segnaposto contenuto 2"/>
-          <p:cNvSpPr>
-            <a:spLocks noGrp="1"/>
-          </p:cNvSpPr>
-          <p:nvPr>
-            <p:ph idx="1"/>
-          </p:nvPr>
-        </p:nvSpPr>
-        <p:spPr/>
-        <p:txBody>
-          <a:bodyPr>
-            <a:normAutofit fontScale="92500" lnSpcReduction="10000"/>
-          </a:bodyPr>
-          <a:lstStyle/>
-          <a:p>
-            <a:r>
-              <a:rPr lang="en-US" sz="1900" i="1" dirty="0" smtClean="0"/>
-              <a:t>Description of the new function </a:t>
-            </a:r>
-          </a:p>
-          <a:p>
-            <a:r>
-              <a:rPr lang="en-US" sz="1900" i="1" dirty="0" smtClean="0"/>
-              <a:t>Cases where the function is useful</a:t>
-            </a:r>
-          </a:p>
-          <a:p>
-            <a:r>
-              <a:rPr lang="en-US" sz="1900" i="1" dirty="0" smtClean="0"/>
-              <a:t>Business limitations</a:t>
-            </a:r>
-          </a:p>
-          <a:p>
-            <a:endParaRPr lang="en-US" sz="1900" i="1" dirty="0" smtClean="0"/>
-          </a:p>
-          <a:p>
-            <a:pPr>
-              <a:buNone/>
-            </a:pPr>
-            <a:r>
-              <a:rPr lang="en-US" sz="1900" i="1" dirty="0" smtClean="0"/>
-              <a:t>For example:</a:t>
-            </a:r>
-          </a:p>
-          <a:p>
-            <a:pPr>
-              <a:buNone/>
-            </a:pPr>
-            <a:r>
-              <a:rPr lang="en-US" sz="1900" i="1" dirty="0" smtClean="0"/>
-              <a:t> Additional cost management on purchase order. By this functionality AX can track all additional cost on purchase order such as:</a:t>
-            </a:r>
-          </a:p>
-          <a:p>
-            <a:pPr lvl="1"/>
-            <a:r>
-              <a:rPr lang="en-US" sz="1900" i="1" dirty="0" smtClean="0"/>
-              <a:t>packing cost</a:t>
-            </a:r>
-          </a:p>
-          <a:p>
-            <a:pPr lvl="1"/>
-            <a:r>
-              <a:rPr lang="en-US" sz="1900" i="1" dirty="0" smtClean="0"/>
-              <a:t>Transportation</a:t>
-            </a:r>
-          </a:p>
-          <a:p>
-            <a:pPr lvl="1"/>
-            <a:r>
-              <a:rPr lang="en-US" sz="1900" i="1" dirty="0" smtClean="0"/>
-              <a:t>Insurance</a:t>
-            </a:r>
-          </a:p>
-          <a:p>
-            <a:pPr lvl="1"/>
-            <a:r>
-              <a:rPr lang="en-US" sz="1900" i="1" dirty="0" smtClean="0"/>
-              <a:t>Etc.</a:t>
-            </a:r>
-          </a:p>
-          <a:p>
-            <a:pPr>
-              <a:buNone/>
-            </a:pPr>
-            <a:endParaRPr lang="en-US" i="1" dirty="0" smtClean="0"/>
-          </a:p>
-          <a:p>
-            <a:pPr>
-              <a:buNone/>
-            </a:pPr>
-            <a:endParaRPr lang="en-US" i="1" dirty="0" smtClean="0"/>
-          </a:p>
-          <a:p>
-            <a:pPr>
-              <a:buNone/>
-            </a:pPr>
-            <a:endParaRPr lang="en-US" i="1" dirty="0" smtClean="0"/>
-          </a:p>
-          <a:p>
-            <a:pPr>
-              <a:buNone/>
-            </a:pPr>
-            <a:endParaRPr lang="en-US" i="1" dirty="0"/>
-          </a:p>
-        </p:txBody>
-      </p:sp>
-      <p:sp>
-        <p:nvSpPr>
-          <p:cNvPr id="4" name="Segnaposto data 3"/>
-          <p:cNvSpPr>
-            <a:spLocks noGrp="1"/>
-          </p:cNvSpPr>
-          <p:nvPr>
-            <p:ph type="dt" sz="half" idx="10"/>
-          </p:nvPr>
-        </p:nvSpPr>
-        <p:spPr/>
-        <p:txBody>
-          <a:bodyPr/>
-          <a:lstStyle/>
-          <a:p>
-            <a:fld id="{F8078618-4CAE-48E8-A205-9D92A68D094A}" type="datetime1">
-              <a:rPr lang="en-US" smtClean="0"/>
-              <a:pPr/>
-              <a:t>5/6/2019</a:t>
-            </a:fld>
-            <a:endParaRPr lang="en-US"/>
-          </a:p>
-        </p:txBody>
-      </p:sp>
-      <p:sp>
-        <p:nvSpPr>
-          <p:cNvPr id="5" name="Segnaposto numero diapositiva 4"/>
-          <p:cNvSpPr>
-            <a:spLocks noGrp="1"/>
-          </p:cNvSpPr>
-          <p:nvPr>
-            <p:ph type="sldNum" sz="quarter" idx="12"/>
-          </p:nvPr>
-        </p:nvSpPr>
-        <p:spPr/>
-        <p:txBody>
-          <a:bodyPr/>
-          <a:lstStyle/>
-          <a:p>
-            <a:fld id="{02623B3A-910D-43F4-BBA9-9429D5B0014D}" type="slidenum">
-              <a:rPr lang="en-US" smtClean="0"/>
-              <a:pPr/>
-              <a:t>13</a:t>
-            </a:fld>
-            <a:endParaRPr lang="en-US"/>
-          </a:p>
-        </p:txBody>
-      </p:sp>
-      <p:sp>
-        <p:nvSpPr>
-          <p:cNvPr id="7" name="Sottotitolo 6"/>
-          <p:cNvSpPr>
-            <a:spLocks noGrp="1"/>
-          </p:cNvSpPr>
-          <p:nvPr>
-            <p:ph type="subTitle" idx="14"/>
-          </p:nvPr>
-        </p:nvSpPr>
-        <p:spPr/>
-        <p:txBody>
-          <a:bodyPr/>
-          <a:lstStyle/>
-          <a:p>
-            <a:r>
-              <a:rPr lang="en-US" b="1" dirty="0" smtClean="0">
-                <a:solidFill>
-                  <a:schemeClr val="tx1"/>
-                </a:solidFill>
-              </a:rPr>
-              <a:t>Functionality</a:t>
-            </a:r>
-            <a:r>
-              <a:rPr lang="en-US" dirty="0" smtClean="0">
-                <a:solidFill>
-                  <a:schemeClr val="tx1"/>
-                </a:solidFill>
-              </a:rPr>
-              <a:t> </a:t>
-            </a:r>
-            <a:r>
-              <a:rPr lang="en-US" b="1" dirty="0" smtClean="0">
-                <a:solidFill>
-                  <a:schemeClr val="tx1"/>
-                </a:solidFill>
-              </a:rPr>
-              <a:t>description</a:t>
-            </a:r>
-          </a:p>
-        </p:txBody>
-      </p:sp>
-    </p:spTree>
-  </p:cSld>
-  <p:clrMapOvr>
-    <a:masterClrMapping/>
-  </p:clrMapOvr>
-  <p:timing>
-    <p:tnLst>
-      <p:par>
-        <p:cTn id="1" dur="indefinite" restart="never" nodeType="tmRoot"/>
-      </p:par>
-    </p:tnLst>
-  </p:timing>
-</p:sld>
-</file>
-
-<file path=ppt/slides/slide14.xml><?xml version="1.0" encoding="utf-8"?>
-<p:sld xmlns:a="http://schemas.openxmlformats.org/drawingml/2006/main" xmlns:r="http://schemas.openxmlformats.org/officeDocument/2006/relationships" xmlns:p="http://schemas.openxmlformats.org/presentationml/2006/main">
-  <p:cSld>
-    <p:spTree>
-      <p:nvGrpSpPr>
-        <p:cNvPr id="1" name=""/>
-        <p:cNvGrpSpPr/>
-        <p:nvPr/>
-      </p:nvGrpSpPr>
-      <p:grpSpPr>
-        <a:xfrm>
-          <a:off x="0" y="0"/>
-          <a:ext cx="0" cy="0"/>
-          <a:chOff x="0" y="0"/>
-          <a:chExt cx="0" cy="0"/>
-        </a:xfrm>
-      </p:grpSpPr>
-      <p:sp>
-        <p:nvSpPr>
-          <p:cNvPr id="3" name="Segnaposto contenuto 2"/>
-          <p:cNvSpPr>
-            <a:spLocks noGrp="1"/>
-          </p:cNvSpPr>
-          <p:nvPr>
-            <p:ph idx="1"/>
-          </p:nvPr>
-        </p:nvSpPr>
-        <p:spPr/>
-        <p:txBody>
-          <a:bodyPr>
-            <a:normAutofit/>
-          </a:bodyPr>
-          <a:lstStyle/>
-          <a:p>
-            <a:endParaRPr lang="en-US" dirty="0" smtClean="0"/>
-          </a:p>
-          <a:p>
-            <a:pPr indent="0">
-              <a:buNone/>
-            </a:pPr>
-            <a:r>
-              <a:rPr lang="en-US" sz="1600" i="1" dirty="0" smtClean="0"/>
-              <a:t>Business Limitations </a:t>
-            </a:r>
-          </a:p>
-          <a:p>
-            <a:pPr indent="0">
-              <a:buNone/>
-            </a:pPr>
-            <a:r>
-              <a:rPr lang="en-US" sz="1600" i="1" dirty="0" smtClean="0"/>
-              <a:t>Example: If the additional cost has to be invoiced to a third party vendor, the functionality doesn't apply </a:t>
-            </a:r>
-          </a:p>
-        </p:txBody>
-      </p:sp>
-      <p:sp>
-        <p:nvSpPr>
-          <p:cNvPr id="4" name="Segnaposto data 3"/>
-          <p:cNvSpPr>
-            <a:spLocks noGrp="1"/>
-          </p:cNvSpPr>
-          <p:nvPr>
-            <p:ph type="dt" sz="half" idx="10"/>
-          </p:nvPr>
-        </p:nvSpPr>
-        <p:spPr/>
-        <p:txBody>
-          <a:bodyPr/>
-          <a:lstStyle/>
-          <a:p>
-            <a:fld id="{F8078618-4CAE-48E8-A205-9D92A68D094A}" type="datetime1">
-              <a:rPr lang="en-US" smtClean="0"/>
-              <a:pPr/>
-              <a:t>5/6/2019</a:t>
-            </a:fld>
-            <a:endParaRPr lang="en-US"/>
-          </a:p>
-        </p:txBody>
-      </p:sp>
-      <p:sp>
-        <p:nvSpPr>
-          <p:cNvPr id="5" name="Segnaposto numero diapositiva 4"/>
-          <p:cNvSpPr>
-            <a:spLocks noGrp="1"/>
-          </p:cNvSpPr>
-          <p:nvPr>
-            <p:ph type="sldNum" sz="quarter" idx="12"/>
-          </p:nvPr>
-        </p:nvSpPr>
-        <p:spPr/>
-        <p:txBody>
-          <a:bodyPr/>
-          <a:lstStyle/>
-          <a:p>
-            <a:fld id="{02623B3A-910D-43F4-BBA9-9429D5B0014D}" type="slidenum">
-              <a:rPr lang="en-US" smtClean="0"/>
-              <a:pPr/>
-              <a:t>14</a:t>
-            </a:fld>
-            <a:endParaRPr lang="en-US"/>
-          </a:p>
-        </p:txBody>
-      </p:sp>
-      <p:sp>
-        <p:nvSpPr>
-          <p:cNvPr id="8" name="Sottotitolo 7"/>
-          <p:cNvSpPr>
-            <a:spLocks noGrp="1"/>
-          </p:cNvSpPr>
-          <p:nvPr>
-            <p:ph type="subTitle" idx="14"/>
-          </p:nvPr>
-        </p:nvSpPr>
-        <p:spPr/>
-        <p:txBody>
-          <a:bodyPr/>
-          <a:lstStyle/>
-          <a:p>
-            <a:r>
-              <a:rPr lang="en-US" b="1" dirty="0" smtClean="0">
-                <a:solidFill>
-                  <a:schemeClr val="tx1"/>
-                </a:solidFill>
-              </a:rPr>
-              <a:t>Functionality</a:t>
-            </a:r>
-            <a:r>
-              <a:rPr lang="en-US" dirty="0" smtClean="0">
-                <a:solidFill>
-                  <a:schemeClr val="tx1"/>
-                </a:solidFill>
-              </a:rPr>
-              <a:t> </a:t>
-            </a:r>
-            <a:r>
-              <a:rPr lang="en-US" b="1" dirty="0" smtClean="0">
-                <a:solidFill>
-                  <a:schemeClr val="tx1"/>
-                </a:solidFill>
-              </a:rPr>
-              <a:t>description</a:t>
-            </a:r>
-          </a:p>
-        </p:txBody>
-      </p:sp>
-    </p:spTree>
-  </p:cSld>
-  <p:clrMapOvr>
-    <a:masterClrMapping/>
-  </p:clrMapOvr>
-  <p:timing>
-    <p:tnLst>
-      <p:par>
-        <p:cTn id="1" dur="indefinite" restart="never" nodeType="tmRoot"/>
-      </p:par>
-    </p:tnLst>
-  </p:timing>
-</p:sld>
-</file>
-
-<file path=ppt/slides/slide15.xml><?xml version="1.0" encoding="utf-8"?>
-<p:sld xmlns:a="http://schemas.openxmlformats.org/drawingml/2006/main" xmlns:r="http://schemas.openxmlformats.org/officeDocument/2006/relationships" xmlns:p="http://schemas.openxmlformats.org/presentationml/2006/main">
-  <p:cSld>
-    <p:spTree>
-      <p:nvGrpSpPr>
-        <p:cNvPr id="1" name=""/>
-        <p:cNvGrpSpPr/>
-        <p:nvPr/>
-      </p:nvGrpSpPr>
-      <p:grpSpPr>
-        <a:xfrm>
-          <a:off x="0" y="0"/>
-          <a:ext cx="0" cy="0"/>
-          <a:chOff x="0" y="0"/>
-          <a:chExt cx="0" cy="0"/>
-        </a:xfrm>
-      </p:grpSpPr>
-      <p:sp>
-        <p:nvSpPr>
-          <p:cNvPr id="3" name="Segnaposto contenuto 2"/>
-          <p:cNvSpPr>
-            <a:spLocks noGrp="1"/>
-          </p:cNvSpPr>
-          <p:nvPr>
-            <p:ph idx="1"/>
-          </p:nvPr>
-        </p:nvSpPr>
-        <p:spPr/>
-        <p:txBody>
-          <a:bodyPr/>
-          <a:lstStyle/>
-          <a:p>
-            <a:pPr algn="ctr">
-              <a:buNone/>
-            </a:pPr>
-            <a:endParaRPr lang="en-US" b="1" dirty="0" smtClean="0"/>
-          </a:p>
-          <a:p>
-            <a:pPr indent="0">
-              <a:buNone/>
-            </a:pPr>
-            <a:r>
-              <a:rPr lang="en-US" sz="1800" i="1" dirty="0" smtClean="0"/>
-              <a:t>Main forms and parameters  involved, in order to setup the functionality </a:t>
-            </a:r>
-          </a:p>
-          <a:p>
-            <a:pPr indent="0">
-              <a:buNone/>
-            </a:pPr>
-            <a:endParaRPr lang="en-US" i="1" dirty="0" smtClean="0"/>
-          </a:p>
-          <a:p>
-            <a:pPr indent="0">
-              <a:buNone/>
-            </a:pPr>
-            <a:endParaRPr lang="en-US" i="1" dirty="0"/>
-          </a:p>
-        </p:txBody>
-      </p:sp>
-      <p:sp>
-        <p:nvSpPr>
-          <p:cNvPr id="4" name="Segnaposto data 3"/>
-          <p:cNvSpPr>
-            <a:spLocks noGrp="1"/>
-          </p:cNvSpPr>
-          <p:nvPr>
-            <p:ph type="dt" sz="half" idx="10"/>
-          </p:nvPr>
-        </p:nvSpPr>
-        <p:spPr/>
-        <p:txBody>
-          <a:bodyPr/>
-          <a:lstStyle/>
-          <a:p>
-            <a:fld id="{F8078618-4CAE-48E8-A205-9D92A68D094A}" type="datetime1">
-              <a:rPr lang="en-US" smtClean="0"/>
-              <a:pPr/>
-              <a:t>5/6/2019</a:t>
-            </a:fld>
-            <a:endParaRPr lang="en-US"/>
-          </a:p>
-        </p:txBody>
-      </p:sp>
-      <p:sp>
-        <p:nvSpPr>
-          <p:cNvPr id="5" name="Segnaposto numero diapositiva 4"/>
-          <p:cNvSpPr>
-            <a:spLocks noGrp="1"/>
-          </p:cNvSpPr>
-          <p:nvPr>
-            <p:ph type="sldNum" sz="quarter" idx="12"/>
-          </p:nvPr>
-        </p:nvSpPr>
-        <p:spPr/>
-        <p:txBody>
-          <a:bodyPr/>
-          <a:lstStyle/>
-          <a:p>
-            <a:fld id="{02623B3A-910D-43F4-BBA9-9429D5B0014D}" type="slidenum">
-              <a:rPr lang="en-US" smtClean="0"/>
-              <a:pPr/>
-              <a:t>15</a:t>
-            </a:fld>
-            <a:endParaRPr lang="en-US"/>
-          </a:p>
-        </p:txBody>
-      </p:sp>
-      <p:sp>
-        <p:nvSpPr>
-          <p:cNvPr id="8" name="Sottotitolo 7"/>
-          <p:cNvSpPr>
-            <a:spLocks noGrp="1"/>
-          </p:cNvSpPr>
-          <p:nvPr>
-            <p:ph type="subTitle" idx="14"/>
-          </p:nvPr>
-        </p:nvSpPr>
-        <p:spPr/>
-        <p:txBody>
-          <a:bodyPr/>
-          <a:lstStyle/>
-          <a:p>
-            <a:r>
-              <a:rPr lang="en-US" b="1" dirty="0" smtClean="0"/>
-              <a:t>AX modules involved and setup</a:t>
-            </a:r>
-          </a:p>
-          <a:p>
-            <a:endParaRPr lang="en-US" dirty="0"/>
-          </a:p>
-        </p:txBody>
-      </p:sp>
-    </p:spTree>
-  </p:cSld>
-  <p:clrMapOvr>
-    <a:masterClrMapping/>
-  </p:clrMapOvr>
-  <p:timing>
-    <p:tnLst>
-      <p:par>
-        <p:cTn id="1" dur="indefinite" restart="never" nodeType="tmRoot"/>
-      </p:par>
-    </p:tnLst>
-  </p:timing>
-</p:sld>
-</file>
-
-<file path=ppt/slides/slide16.xml><?xml version="1.0" encoding="utf-8"?>
-<p:sld xmlns:a="http://schemas.openxmlformats.org/drawingml/2006/main" xmlns:r="http://schemas.openxmlformats.org/officeDocument/2006/relationships" xmlns:p="http://schemas.openxmlformats.org/presentationml/2006/main">
-  <p:cSld>
-    <p:spTree>
-      <p:nvGrpSpPr>
-        <p:cNvPr id="1" name=""/>
-        <p:cNvGrpSpPr/>
-        <p:nvPr/>
-      </p:nvGrpSpPr>
-      <p:grpSpPr>
-        <a:xfrm>
-          <a:off x="0" y="0"/>
-          <a:ext cx="0" cy="0"/>
-          <a:chOff x="0" y="0"/>
-          <a:chExt cx="0" cy="0"/>
-        </a:xfrm>
-      </p:grpSpPr>
-      <p:sp>
-        <p:nvSpPr>
-          <p:cNvPr id="3" name="Segnaposto contenuto 2"/>
-          <p:cNvSpPr>
-            <a:spLocks noGrp="1"/>
-          </p:cNvSpPr>
-          <p:nvPr>
-            <p:ph idx="1"/>
-          </p:nvPr>
-        </p:nvSpPr>
-        <p:spPr/>
-        <p:txBody>
-          <a:bodyPr/>
-          <a:lstStyle/>
-          <a:p>
-            <a:pPr>
-              <a:buNone/>
-            </a:pPr>
-            <a:r>
-              <a:rPr lang="en-US" i="1" dirty="0" smtClean="0"/>
-              <a:t>Demo steps</a:t>
-            </a:r>
-            <a:endParaRPr lang="en-US" i="1" dirty="0"/>
-          </a:p>
-        </p:txBody>
-      </p:sp>
-      <p:sp>
-        <p:nvSpPr>
-          <p:cNvPr id="4" name="Segnaposto data 3"/>
-          <p:cNvSpPr>
-            <a:spLocks noGrp="1"/>
-          </p:cNvSpPr>
-          <p:nvPr>
-            <p:ph type="dt" sz="half" idx="10"/>
-          </p:nvPr>
-        </p:nvSpPr>
-        <p:spPr/>
-        <p:txBody>
-          <a:bodyPr/>
-          <a:lstStyle/>
-          <a:p>
-            <a:fld id="{F8078618-4CAE-48E8-A205-9D92A68D094A}" type="datetime1">
-              <a:rPr lang="en-US" smtClean="0"/>
-              <a:pPr/>
-              <a:t>5/6/2019</a:t>
-            </a:fld>
-            <a:endParaRPr lang="en-US"/>
-          </a:p>
-        </p:txBody>
-      </p:sp>
-      <p:sp>
-        <p:nvSpPr>
-          <p:cNvPr id="5" name="Segnaposto numero diapositiva 4"/>
-          <p:cNvSpPr>
-            <a:spLocks noGrp="1"/>
-          </p:cNvSpPr>
-          <p:nvPr>
-            <p:ph type="sldNum" sz="quarter" idx="12"/>
-          </p:nvPr>
-        </p:nvSpPr>
-        <p:spPr/>
-        <p:txBody>
-          <a:bodyPr/>
-          <a:lstStyle/>
-          <a:p>
-            <a:fld id="{02623B3A-910D-43F4-BBA9-9429D5B0014D}" type="slidenum">
-              <a:rPr lang="en-US" smtClean="0"/>
-              <a:pPr/>
-              <a:t>16</a:t>
-            </a:fld>
-            <a:endParaRPr lang="en-US"/>
-          </a:p>
-        </p:txBody>
-      </p:sp>
-      <p:sp>
-        <p:nvSpPr>
-          <p:cNvPr id="8" name="Sottotitolo 7"/>
-          <p:cNvSpPr>
-            <a:spLocks noGrp="1"/>
-          </p:cNvSpPr>
-          <p:nvPr>
-            <p:ph type="subTitle" idx="14"/>
-          </p:nvPr>
-        </p:nvSpPr>
-        <p:spPr/>
-        <p:txBody>
-          <a:bodyPr/>
-          <a:lstStyle/>
-          <a:p>
-            <a:r>
-              <a:rPr lang="en-US" b="1" dirty="0" smtClean="0">
-                <a:solidFill>
-                  <a:schemeClr val="tx1"/>
-                </a:solidFill>
-              </a:rPr>
-              <a:t>Demo</a:t>
-            </a:r>
-            <a:endParaRPr lang="en-US" b="1" dirty="0">
-              <a:solidFill>
-                <a:schemeClr val="tx1"/>
-              </a:solidFill>
-            </a:endParaRPr>
-          </a:p>
-        </p:txBody>
-      </p:sp>
-    </p:spTree>
-  </p:cSld>
-  <p:clrMapOvr>
-    <a:masterClrMapping/>
-  </p:clrMapOvr>
-  <p:timing>
-    <p:tnLst>
-      <p:par>
-        <p:cTn id="1" dur="indefinite" restart="never" nodeType="tmRoot"/>
-      </p:par>
-    </p:tnLst>
-  </p:timing>
-</p:sld>
-</file>
-
-<file path=ppt/slides/slide17.xml><?xml version="1.0" encoding="utf-8"?>
-<p:sld xmlns:a="http://schemas.openxmlformats.org/drawingml/2006/main" xmlns:r="http://schemas.openxmlformats.org/officeDocument/2006/relationships" xmlns:p="http://schemas.openxmlformats.org/presentationml/2006/main">
-  <p:cSld>
-    <p:spTree>
-      <p:nvGrpSpPr>
-        <p:cNvPr id="1" name=""/>
-        <p:cNvGrpSpPr/>
-        <p:nvPr/>
-      </p:nvGrpSpPr>
-      <p:grpSpPr>
-        <a:xfrm>
-          <a:off x="0" y="0"/>
-          <a:ext cx="0" cy="0"/>
-          <a:chOff x="0" y="0"/>
-          <a:chExt cx="0" cy="0"/>
-        </a:xfrm>
-      </p:grpSpPr>
-      <p:sp>
-        <p:nvSpPr>
-          <p:cNvPr id="4" name="Segnaposto data 3"/>
-          <p:cNvSpPr>
-            <a:spLocks noGrp="1"/>
-          </p:cNvSpPr>
-          <p:nvPr>
-            <p:ph type="dt" sz="half" idx="10"/>
-          </p:nvPr>
-        </p:nvSpPr>
-        <p:spPr/>
-        <p:txBody>
-          <a:bodyPr/>
-          <a:lstStyle/>
-          <a:p>
-            <a:fld id="{F8078618-4CAE-48E8-A205-9D92A68D094A}" type="datetime1">
-              <a:rPr lang="en-US" smtClean="0"/>
-              <a:pPr/>
-              <a:t>5/6/2019</a:t>
-            </a:fld>
-            <a:endParaRPr lang="en-US"/>
-          </a:p>
-        </p:txBody>
-      </p:sp>
-      <p:sp>
-        <p:nvSpPr>
-          <p:cNvPr id="5" name="Segnaposto numero diapositiva 4"/>
-          <p:cNvSpPr>
-            <a:spLocks noGrp="1"/>
-          </p:cNvSpPr>
-          <p:nvPr>
-            <p:ph type="sldNum" sz="quarter" idx="12"/>
-          </p:nvPr>
-        </p:nvSpPr>
-        <p:spPr/>
-        <p:txBody>
-          <a:bodyPr/>
-          <a:lstStyle/>
-          <a:p>
-            <a:fld id="{02623B3A-910D-43F4-BBA9-9429D5B0014D}" type="slidenum">
-              <a:rPr lang="en-US" smtClean="0"/>
-              <a:pPr/>
-              <a:t>17</a:t>
             </a:fld>
             <a:endParaRPr lang="en-US"/>
           </a:p>
@@ -4701,7 +3850,7 @@
 </p:sld>
 </file>
 
-<file path=ppt/slides/slide18.xml><?xml version="1.0" encoding="utf-8"?>
+<file path=ppt/slides/slide13.xml><?xml version="1.0" encoding="utf-8"?>
 <p:sld xmlns:a="http://schemas.openxmlformats.org/drawingml/2006/main" xmlns:r="http://schemas.openxmlformats.org/officeDocument/2006/relationships" xmlns:p="http://schemas.openxmlformats.org/presentationml/2006/main">
   <p:cSld>
     <p:spTree>
@@ -4765,7 +3914,7 @@
             <a:fld id="{F8078618-4CAE-48E8-A205-9D92A68D094A}" type="datetime1">
               <a:rPr lang="en-US" smtClean="0"/>
               <a:pPr/>
-              <a:t>5/6/2019</a:t>
+              <a:t>5/7/2019</a:t>
             </a:fld>
             <a:endParaRPr lang="en-US"/>
           </a:p>
@@ -4789,7 +3938,7 @@
             <a:fld id="{02623B3A-910D-43F4-BBA9-9429D5B0014D}" type="slidenum">
               <a:rPr lang="en-US" smtClean="0"/>
               <a:pPr/>
-              <a:t>18</a:t>
+              <a:t>13</a:t>
             </a:fld>
             <a:endParaRPr lang="en-US"/>
           </a:p>
@@ -4801,6 +3950,870 @@
         <p14:creationId xmlns:p14="http://schemas.microsoft.com/office/powerpoint/2010/main" val="2434566992"/>
       </p:ext>
     </p:extLst>
+  </p:cSld>
+  <p:clrMapOvr>
+    <a:masterClrMapping/>
+  </p:clrMapOvr>
+  <p:timing>
+    <p:tnLst>
+      <p:par>
+        <p:cTn id="1" dur="indefinite" restart="never" nodeType="tmRoot"/>
+      </p:par>
+    </p:tnLst>
+  </p:timing>
+</p:sld>
+</file>
+
+<file path=ppt/slides/slide14.xml><?xml version="1.0" encoding="utf-8"?>
+<p:sld xmlns:a="http://schemas.openxmlformats.org/drawingml/2006/main" xmlns:r="http://schemas.openxmlformats.org/officeDocument/2006/relationships" xmlns:p="http://schemas.openxmlformats.org/presentationml/2006/main">
+  <p:cSld>
+    <p:spTree>
+      <p:nvGrpSpPr>
+        <p:cNvPr id="1" name=""/>
+        <p:cNvGrpSpPr/>
+        <p:nvPr/>
+      </p:nvGrpSpPr>
+      <p:grpSpPr>
+        <a:xfrm>
+          <a:off x="0" y="0"/>
+          <a:ext cx="0" cy="0"/>
+          <a:chOff x="0" y="0"/>
+          <a:chExt cx="0" cy="0"/>
+        </a:xfrm>
+      </p:grpSpPr>
+      <p:sp>
+        <p:nvSpPr>
+          <p:cNvPr id="3" name="Segnaposto contenuto 2"/>
+          <p:cNvSpPr>
+            <a:spLocks noGrp="1"/>
+          </p:cNvSpPr>
+          <p:nvPr>
+            <p:ph idx="1"/>
+          </p:nvPr>
+        </p:nvSpPr>
+        <p:spPr/>
+        <p:txBody>
+          <a:bodyPr/>
+          <a:lstStyle/>
+          <a:p>
+            <a:pPr algn="ctr">
+              <a:buNone/>
+            </a:pPr>
+            <a:endParaRPr lang="en-US" dirty="0" smtClean="0"/>
+          </a:p>
+          <a:p>
+            <a:r>
+              <a:rPr lang="en-US" dirty="0" smtClean="0"/>
+              <a:t>Introduction</a:t>
+            </a:r>
+          </a:p>
+          <a:p>
+            <a:r>
+              <a:rPr lang="en-US" dirty="0" smtClean="0"/>
+              <a:t>Business scope </a:t>
+            </a:r>
+          </a:p>
+          <a:p>
+            <a:r>
+              <a:rPr lang="en-US" dirty="0" smtClean="0"/>
+              <a:t>Functionality description</a:t>
+            </a:r>
+          </a:p>
+          <a:p>
+            <a:r>
+              <a:rPr lang="en-US" dirty="0" smtClean="0"/>
+              <a:t>AX modules involved and setup</a:t>
+            </a:r>
+          </a:p>
+          <a:p>
+            <a:r>
+              <a:rPr lang="en-US" dirty="0" smtClean="0"/>
+              <a:t>Demo with AX/Slides</a:t>
+            </a:r>
+          </a:p>
+          <a:p>
+            <a:r>
+              <a:rPr lang="en-US" dirty="0" smtClean="0"/>
+              <a:t>Q&amp;A</a:t>
+            </a:r>
+          </a:p>
+          <a:p>
+            <a:endParaRPr lang="en-US" dirty="0" smtClean="0"/>
+          </a:p>
+          <a:p>
+            <a:endParaRPr lang="en-US" dirty="0" smtClean="0"/>
+          </a:p>
+          <a:p>
+            <a:endParaRPr lang="en-US" dirty="0" smtClean="0"/>
+          </a:p>
+          <a:p>
+            <a:endParaRPr lang="en-US" dirty="0" smtClean="0"/>
+          </a:p>
+          <a:p>
+            <a:endParaRPr lang="en-US" dirty="0" smtClean="0"/>
+          </a:p>
+          <a:p>
+            <a:endParaRPr lang="en-US" dirty="0"/>
+          </a:p>
+        </p:txBody>
+      </p:sp>
+      <p:sp>
+        <p:nvSpPr>
+          <p:cNvPr id="4" name="Segnaposto data 3"/>
+          <p:cNvSpPr>
+            <a:spLocks noGrp="1"/>
+          </p:cNvSpPr>
+          <p:nvPr>
+            <p:ph type="dt" sz="half" idx="10"/>
+          </p:nvPr>
+        </p:nvSpPr>
+        <p:spPr/>
+        <p:txBody>
+          <a:bodyPr/>
+          <a:lstStyle/>
+          <a:p>
+            <a:fld id="{F8078618-4CAE-48E8-A205-9D92A68D094A}" type="datetime1">
+              <a:rPr lang="en-US" smtClean="0"/>
+              <a:pPr/>
+              <a:t>5/7/2019</a:t>
+            </a:fld>
+            <a:endParaRPr lang="en-US"/>
+          </a:p>
+        </p:txBody>
+      </p:sp>
+      <p:sp>
+        <p:nvSpPr>
+          <p:cNvPr id="5" name="Segnaposto numero diapositiva 4"/>
+          <p:cNvSpPr>
+            <a:spLocks noGrp="1"/>
+          </p:cNvSpPr>
+          <p:nvPr>
+            <p:ph type="sldNum" sz="quarter" idx="12"/>
+          </p:nvPr>
+        </p:nvSpPr>
+        <p:spPr/>
+        <p:txBody>
+          <a:bodyPr/>
+          <a:lstStyle/>
+          <a:p>
+            <a:fld id="{02623B3A-910D-43F4-BBA9-9429D5B0014D}" type="slidenum">
+              <a:rPr lang="en-US" smtClean="0"/>
+              <a:pPr/>
+              <a:t>14</a:t>
+            </a:fld>
+            <a:endParaRPr lang="en-US"/>
+          </a:p>
+        </p:txBody>
+      </p:sp>
+      <p:sp>
+        <p:nvSpPr>
+          <p:cNvPr id="8" name="Sottotitolo 7"/>
+          <p:cNvSpPr>
+            <a:spLocks noGrp="1"/>
+          </p:cNvSpPr>
+          <p:nvPr>
+            <p:ph type="subTitle" idx="14"/>
+          </p:nvPr>
+        </p:nvSpPr>
+        <p:spPr/>
+        <p:txBody>
+          <a:bodyPr/>
+          <a:lstStyle/>
+          <a:p>
+            <a:r>
+              <a:rPr lang="en-US" b="1" dirty="0" smtClean="0">
+                <a:solidFill>
+                  <a:schemeClr val="tx1"/>
+                </a:solidFill>
+              </a:rPr>
+              <a:t>Summary</a:t>
+            </a:r>
+            <a:endParaRPr lang="en-US" dirty="0">
+              <a:solidFill>
+                <a:schemeClr val="tx1"/>
+              </a:solidFill>
+            </a:endParaRPr>
+          </a:p>
+        </p:txBody>
+      </p:sp>
+    </p:spTree>
+  </p:cSld>
+  <p:clrMapOvr>
+    <a:masterClrMapping/>
+  </p:clrMapOvr>
+  <p:timing>
+    <p:tnLst>
+      <p:par>
+        <p:cTn id="1" dur="indefinite" restart="never" nodeType="tmRoot"/>
+      </p:par>
+    </p:tnLst>
+  </p:timing>
+</p:sld>
+</file>
+
+<file path=ppt/slides/slide15.xml><?xml version="1.0" encoding="utf-8"?>
+<p:sld xmlns:a="http://schemas.openxmlformats.org/drawingml/2006/main" xmlns:r="http://schemas.openxmlformats.org/officeDocument/2006/relationships" xmlns:p="http://schemas.openxmlformats.org/presentationml/2006/main">
+  <p:cSld>
+    <p:spTree>
+      <p:nvGrpSpPr>
+        <p:cNvPr id="1" name=""/>
+        <p:cNvGrpSpPr/>
+        <p:nvPr/>
+      </p:nvGrpSpPr>
+      <p:grpSpPr>
+        <a:xfrm>
+          <a:off x="0" y="0"/>
+          <a:ext cx="0" cy="0"/>
+          <a:chOff x="0" y="0"/>
+          <a:chExt cx="0" cy="0"/>
+        </a:xfrm>
+      </p:grpSpPr>
+      <p:sp>
+        <p:nvSpPr>
+          <p:cNvPr id="3" name="Segnaposto contenuto 2"/>
+          <p:cNvSpPr>
+            <a:spLocks noGrp="1"/>
+          </p:cNvSpPr>
+          <p:nvPr>
+            <p:ph idx="1"/>
+          </p:nvPr>
+        </p:nvSpPr>
+        <p:spPr/>
+        <p:txBody>
+          <a:bodyPr>
+            <a:normAutofit fontScale="92500" lnSpcReduction="10000"/>
+          </a:bodyPr>
+          <a:lstStyle/>
+          <a:p>
+            <a:r>
+              <a:rPr lang="en-US" sz="1900" i="1" dirty="0" smtClean="0"/>
+              <a:t>Description of the new function </a:t>
+            </a:r>
+          </a:p>
+          <a:p>
+            <a:r>
+              <a:rPr lang="en-US" sz="1900" i="1" dirty="0" smtClean="0"/>
+              <a:t>Cases where the function is useful</a:t>
+            </a:r>
+          </a:p>
+          <a:p>
+            <a:r>
+              <a:rPr lang="en-US" sz="1900" i="1" dirty="0" smtClean="0"/>
+              <a:t>Business limitations</a:t>
+            </a:r>
+          </a:p>
+          <a:p>
+            <a:endParaRPr lang="en-US" sz="1900" i="1" dirty="0" smtClean="0"/>
+          </a:p>
+          <a:p>
+            <a:pPr>
+              <a:buNone/>
+            </a:pPr>
+            <a:r>
+              <a:rPr lang="en-US" sz="1900" i="1" dirty="0" smtClean="0"/>
+              <a:t>For example:</a:t>
+            </a:r>
+          </a:p>
+          <a:p>
+            <a:pPr>
+              <a:buNone/>
+            </a:pPr>
+            <a:r>
+              <a:rPr lang="en-US" sz="1900" i="1" dirty="0" smtClean="0"/>
+              <a:t> Additional cost management on purchase order. By this functionality AX can track all additional cost on purchase order such as:</a:t>
+            </a:r>
+          </a:p>
+          <a:p>
+            <a:pPr lvl="1"/>
+            <a:r>
+              <a:rPr lang="en-US" sz="1900" i="1" dirty="0" smtClean="0"/>
+              <a:t>packing cost</a:t>
+            </a:r>
+          </a:p>
+          <a:p>
+            <a:pPr lvl="1"/>
+            <a:r>
+              <a:rPr lang="en-US" sz="1900" i="1" dirty="0" smtClean="0"/>
+              <a:t>Transportation</a:t>
+            </a:r>
+          </a:p>
+          <a:p>
+            <a:pPr lvl="1"/>
+            <a:r>
+              <a:rPr lang="en-US" sz="1900" i="1" dirty="0" smtClean="0"/>
+              <a:t>Insurance</a:t>
+            </a:r>
+          </a:p>
+          <a:p>
+            <a:pPr lvl="1"/>
+            <a:r>
+              <a:rPr lang="en-US" sz="1900" i="1" dirty="0" smtClean="0"/>
+              <a:t>Etc.</a:t>
+            </a:r>
+          </a:p>
+          <a:p>
+            <a:pPr>
+              <a:buNone/>
+            </a:pPr>
+            <a:endParaRPr lang="en-US" i="1" dirty="0" smtClean="0"/>
+          </a:p>
+          <a:p>
+            <a:pPr>
+              <a:buNone/>
+            </a:pPr>
+            <a:endParaRPr lang="en-US" i="1" dirty="0" smtClean="0"/>
+          </a:p>
+          <a:p>
+            <a:pPr>
+              <a:buNone/>
+            </a:pPr>
+            <a:endParaRPr lang="en-US" i="1" dirty="0" smtClean="0"/>
+          </a:p>
+          <a:p>
+            <a:pPr>
+              <a:buNone/>
+            </a:pPr>
+            <a:endParaRPr lang="en-US" i="1" dirty="0"/>
+          </a:p>
+        </p:txBody>
+      </p:sp>
+      <p:sp>
+        <p:nvSpPr>
+          <p:cNvPr id="4" name="Segnaposto data 3"/>
+          <p:cNvSpPr>
+            <a:spLocks noGrp="1"/>
+          </p:cNvSpPr>
+          <p:nvPr>
+            <p:ph type="dt" sz="half" idx="10"/>
+          </p:nvPr>
+        </p:nvSpPr>
+        <p:spPr/>
+        <p:txBody>
+          <a:bodyPr/>
+          <a:lstStyle/>
+          <a:p>
+            <a:fld id="{F8078618-4CAE-48E8-A205-9D92A68D094A}" type="datetime1">
+              <a:rPr lang="en-US" smtClean="0"/>
+              <a:pPr/>
+              <a:t>5/7/2019</a:t>
+            </a:fld>
+            <a:endParaRPr lang="en-US"/>
+          </a:p>
+        </p:txBody>
+      </p:sp>
+      <p:sp>
+        <p:nvSpPr>
+          <p:cNvPr id="5" name="Segnaposto numero diapositiva 4"/>
+          <p:cNvSpPr>
+            <a:spLocks noGrp="1"/>
+          </p:cNvSpPr>
+          <p:nvPr>
+            <p:ph type="sldNum" sz="quarter" idx="12"/>
+          </p:nvPr>
+        </p:nvSpPr>
+        <p:spPr/>
+        <p:txBody>
+          <a:bodyPr/>
+          <a:lstStyle/>
+          <a:p>
+            <a:fld id="{02623B3A-910D-43F4-BBA9-9429D5B0014D}" type="slidenum">
+              <a:rPr lang="en-US" smtClean="0"/>
+              <a:pPr/>
+              <a:t>15</a:t>
+            </a:fld>
+            <a:endParaRPr lang="en-US"/>
+          </a:p>
+        </p:txBody>
+      </p:sp>
+      <p:sp>
+        <p:nvSpPr>
+          <p:cNvPr id="7" name="Sottotitolo 6"/>
+          <p:cNvSpPr>
+            <a:spLocks noGrp="1"/>
+          </p:cNvSpPr>
+          <p:nvPr>
+            <p:ph type="subTitle" idx="14"/>
+          </p:nvPr>
+        </p:nvSpPr>
+        <p:spPr/>
+        <p:txBody>
+          <a:bodyPr/>
+          <a:lstStyle/>
+          <a:p>
+            <a:r>
+              <a:rPr lang="en-US" b="1" dirty="0" smtClean="0">
+                <a:solidFill>
+                  <a:schemeClr val="tx1"/>
+                </a:solidFill>
+              </a:rPr>
+              <a:t>Functionality</a:t>
+            </a:r>
+            <a:r>
+              <a:rPr lang="en-US" dirty="0" smtClean="0">
+                <a:solidFill>
+                  <a:schemeClr val="tx1"/>
+                </a:solidFill>
+              </a:rPr>
+              <a:t> </a:t>
+            </a:r>
+            <a:r>
+              <a:rPr lang="en-US" b="1" dirty="0" smtClean="0">
+                <a:solidFill>
+                  <a:schemeClr val="tx1"/>
+                </a:solidFill>
+              </a:rPr>
+              <a:t>description</a:t>
+            </a:r>
+          </a:p>
+        </p:txBody>
+      </p:sp>
+    </p:spTree>
+  </p:cSld>
+  <p:clrMapOvr>
+    <a:masterClrMapping/>
+  </p:clrMapOvr>
+  <p:timing>
+    <p:tnLst>
+      <p:par>
+        <p:cTn id="1" dur="indefinite" restart="never" nodeType="tmRoot"/>
+      </p:par>
+    </p:tnLst>
+  </p:timing>
+</p:sld>
+</file>
+
+<file path=ppt/slides/slide16.xml><?xml version="1.0" encoding="utf-8"?>
+<p:sld xmlns:a="http://schemas.openxmlformats.org/drawingml/2006/main" xmlns:r="http://schemas.openxmlformats.org/officeDocument/2006/relationships" xmlns:p="http://schemas.openxmlformats.org/presentationml/2006/main">
+  <p:cSld>
+    <p:spTree>
+      <p:nvGrpSpPr>
+        <p:cNvPr id="1" name=""/>
+        <p:cNvGrpSpPr/>
+        <p:nvPr/>
+      </p:nvGrpSpPr>
+      <p:grpSpPr>
+        <a:xfrm>
+          <a:off x="0" y="0"/>
+          <a:ext cx="0" cy="0"/>
+          <a:chOff x="0" y="0"/>
+          <a:chExt cx="0" cy="0"/>
+        </a:xfrm>
+      </p:grpSpPr>
+      <p:sp>
+        <p:nvSpPr>
+          <p:cNvPr id="3" name="Segnaposto contenuto 2"/>
+          <p:cNvSpPr>
+            <a:spLocks noGrp="1"/>
+          </p:cNvSpPr>
+          <p:nvPr>
+            <p:ph idx="1"/>
+          </p:nvPr>
+        </p:nvSpPr>
+        <p:spPr/>
+        <p:txBody>
+          <a:bodyPr>
+            <a:normAutofit/>
+          </a:bodyPr>
+          <a:lstStyle/>
+          <a:p>
+            <a:endParaRPr lang="en-US" dirty="0" smtClean="0"/>
+          </a:p>
+          <a:p>
+            <a:pPr indent="0">
+              <a:buNone/>
+            </a:pPr>
+            <a:r>
+              <a:rPr lang="en-US" sz="1600" i="1" dirty="0" smtClean="0"/>
+              <a:t>Business Limitations </a:t>
+            </a:r>
+          </a:p>
+          <a:p>
+            <a:pPr indent="0">
+              <a:buNone/>
+            </a:pPr>
+            <a:r>
+              <a:rPr lang="en-US" sz="1600" i="1" dirty="0" smtClean="0"/>
+              <a:t>Example: If the additional cost has to be invoiced to a third party vendor, the functionality doesn't apply </a:t>
+            </a:r>
+          </a:p>
+        </p:txBody>
+      </p:sp>
+      <p:sp>
+        <p:nvSpPr>
+          <p:cNvPr id="4" name="Segnaposto data 3"/>
+          <p:cNvSpPr>
+            <a:spLocks noGrp="1"/>
+          </p:cNvSpPr>
+          <p:nvPr>
+            <p:ph type="dt" sz="half" idx="10"/>
+          </p:nvPr>
+        </p:nvSpPr>
+        <p:spPr/>
+        <p:txBody>
+          <a:bodyPr/>
+          <a:lstStyle/>
+          <a:p>
+            <a:fld id="{F8078618-4CAE-48E8-A205-9D92A68D094A}" type="datetime1">
+              <a:rPr lang="en-US" smtClean="0"/>
+              <a:pPr/>
+              <a:t>5/7/2019</a:t>
+            </a:fld>
+            <a:endParaRPr lang="en-US"/>
+          </a:p>
+        </p:txBody>
+      </p:sp>
+      <p:sp>
+        <p:nvSpPr>
+          <p:cNvPr id="5" name="Segnaposto numero diapositiva 4"/>
+          <p:cNvSpPr>
+            <a:spLocks noGrp="1"/>
+          </p:cNvSpPr>
+          <p:nvPr>
+            <p:ph type="sldNum" sz="quarter" idx="12"/>
+          </p:nvPr>
+        </p:nvSpPr>
+        <p:spPr/>
+        <p:txBody>
+          <a:bodyPr/>
+          <a:lstStyle/>
+          <a:p>
+            <a:fld id="{02623B3A-910D-43F4-BBA9-9429D5B0014D}" type="slidenum">
+              <a:rPr lang="en-US" smtClean="0"/>
+              <a:pPr/>
+              <a:t>16</a:t>
+            </a:fld>
+            <a:endParaRPr lang="en-US"/>
+          </a:p>
+        </p:txBody>
+      </p:sp>
+      <p:sp>
+        <p:nvSpPr>
+          <p:cNvPr id="8" name="Sottotitolo 7"/>
+          <p:cNvSpPr>
+            <a:spLocks noGrp="1"/>
+          </p:cNvSpPr>
+          <p:nvPr>
+            <p:ph type="subTitle" idx="14"/>
+          </p:nvPr>
+        </p:nvSpPr>
+        <p:spPr/>
+        <p:txBody>
+          <a:bodyPr/>
+          <a:lstStyle/>
+          <a:p>
+            <a:r>
+              <a:rPr lang="en-US" b="1" dirty="0" smtClean="0">
+                <a:solidFill>
+                  <a:schemeClr val="tx1"/>
+                </a:solidFill>
+              </a:rPr>
+              <a:t>Functionality</a:t>
+            </a:r>
+            <a:r>
+              <a:rPr lang="en-US" dirty="0" smtClean="0">
+                <a:solidFill>
+                  <a:schemeClr val="tx1"/>
+                </a:solidFill>
+              </a:rPr>
+              <a:t> </a:t>
+            </a:r>
+            <a:r>
+              <a:rPr lang="en-US" b="1" dirty="0" smtClean="0">
+                <a:solidFill>
+                  <a:schemeClr val="tx1"/>
+                </a:solidFill>
+              </a:rPr>
+              <a:t>description</a:t>
+            </a:r>
+          </a:p>
+        </p:txBody>
+      </p:sp>
+    </p:spTree>
+  </p:cSld>
+  <p:clrMapOvr>
+    <a:masterClrMapping/>
+  </p:clrMapOvr>
+  <p:timing>
+    <p:tnLst>
+      <p:par>
+        <p:cTn id="1" dur="indefinite" restart="never" nodeType="tmRoot"/>
+      </p:par>
+    </p:tnLst>
+  </p:timing>
+</p:sld>
+</file>
+
+<file path=ppt/slides/slide17.xml><?xml version="1.0" encoding="utf-8"?>
+<p:sld xmlns:a="http://schemas.openxmlformats.org/drawingml/2006/main" xmlns:r="http://schemas.openxmlformats.org/officeDocument/2006/relationships" xmlns:p="http://schemas.openxmlformats.org/presentationml/2006/main">
+  <p:cSld>
+    <p:spTree>
+      <p:nvGrpSpPr>
+        <p:cNvPr id="1" name=""/>
+        <p:cNvGrpSpPr/>
+        <p:nvPr/>
+      </p:nvGrpSpPr>
+      <p:grpSpPr>
+        <a:xfrm>
+          <a:off x="0" y="0"/>
+          <a:ext cx="0" cy="0"/>
+          <a:chOff x="0" y="0"/>
+          <a:chExt cx="0" cy="0"/>
+        </a:xfrm>
+      </p:grpSpPr>
+      <p:sp>
+        <p:nvSpPr>
+          <p:cNvPr id="3" name="Segnaposto contenuto 2"/>
+          <p:cNvSpPr>
+            <a:spLocks noGrp="1"/>
+          </p:cNvSpPr>
+          <p:nvPr>
+            <p:ph idx="1"/>
+          </p:nvPr>
+        </p:nvSpPr>
+        <p:spPr/>
+        <p:txBody>
+          <a:bodyPr/>
+          <a:lstStyle/>
+          <a:p>
+            <a:pPr algn="ctr">
+              <a:buNone/>
+            </a:pPr>
+            <a:endParaRPr lang="en-US" b="1" dirty="0" smtClean="0"/>
+          </a:p>
+          <a:p>
+            <a:pPr indent="0">
+              <a:buNone/>
+            </a:pPr>
+            <a:r>
+              <a:rPr lang="en-US" sz="1800" i="1" dirty="0" smtClean="0"/>
+              <a:t>Main forms and parameters  involved, in order to setup the functionality </a:t>
+            </a:r>
+          </a:p>
+          <a:p>
+            <a:pPr indent="0">
+              <a:buNone/>
+            </a:pPr>
+            <a:endParaRPr lang="en-US" i="1" dirty="0" smtClean="0"/>
+          </a:p>
+          <a:p>
+            <a:pPr indent="0">
+              <a:buNone/>
+            </a:pPr>
+            <a:endParaRPr lang="en-US" i="1" dirty="0"/>
+          </a:p>
+        </p:txBody>
+      </p:sp>
+      <p:sp>
+        <p:nvSpPr>
+          <p:cNvPr id="4" name="Segnaposto data 3"/>
+          <p:cNvSpPr>
+            <a:spLocks noGrp="1"/>
+          </p:cNvSpPr>
+          <p:nvPr>
+            <p:ph type="dt" sz="half" idx="10"/>
+          </p:nvPr>
+        </p:nvSpPr>
+        <p:spPr/>
+        <p:txBody>
+          <a:bodyPr/>
+          <a:lstStyle/>
+          <a:p>
+            <a:fld id="{F8078618-4CAE-48E8-A205-9D92A68D094A}" type="datetime1">
+              <a:rPr lang="en-US" smtClean="0"/>
+              <a:pPr/>
+              <a:t>5/7/2019</a:t>
+            </a:fld>
+            <a:endParaRPr lang="en-US"/>
+          </a:p>
+        </p:txBody>
+      </p:sp>
+      <p:sp>
+        <p:nvSpPr>
+          <p:cNvPr id="5" name="Segnaposto numero diapositiva 4"/>
+          <p:cNvSpPr>
+            <a:spLocks noGrp="1"/>
+          </p:cNvSpPr>
+          <p:nvPr>
+            <p:ph type="sldNum" sz="quarter" idx="12"/>
+          </p:nvPr>
+        </p:nvSpPr>
+        <p:spPr/>
+        <p:txBody>
+          <a:bodyPr/>
+          <a:lstStyle/>
+          <a:p>
+            <a:fld id="{02623B3A-910D-43F4-BBA9-9429D5B0014D}" type="slidenum">
+              <a:rPr lang="en-US" smtClean="0"/>
+              <a:pPr/>
+              <a:t>17</a:t>
+            </a:fld>
+            <a:endParaRPr lang="en-US"/>
+          </a:p>
+        </p:txBody>
+      </p:sp>
+      <p:sp>
+        <p:nvSpPr>
+          <p:cNvPr id="8" name="Sottotitolo 7"/>
+          <p:cNvSpPr>
+            <a:spLocks noGrp="1"/>
+          </p:cNvSpPr>
+          <p:nvPr>
+            <p:ph type="subTitle" idx="14"/>
+          </p:nvPr>
+        </p:nvSpPr>
+        <p:spPr/>
+        <p:txBody>
+          <a:bodyPr/>
+          <a:lstStyle/>
+          <a:p>
+            <a:r>
+              <a:rPr lang="en-US" b="1" dirty="0" smtClean="0"/>
+              <a:t>AX modules involved and setup</a:t>
+            </a:r>
+          </a:p>
+          <a:p>
+            <a:endParaRPr lang="en-US" dirty="0"/>
+          </a:p>
+        </p:txBody>
+      </p:sp>
+    </p:spTree>
+  </p:cSld>
+  <p:clrMapOvr>
+    <a:masterClrMapping/>
+  </p:clrMapOvr>
+  <p:timing>
+    <p:tnLst>
+      <p:par>
+        <p:cTn id="1" dur="indefinite" restart="never" nodeType="tmRoot"/>
+      </p:par>
+    </p:tnLst>
+  </p:timing>
+</p:sld>
+</file>
+
+<file path=ppt/slides/slide18.xml><?xml version="1.0" encoding="utf-8"?>
+<p:sld xmlns:a="http://schemas.openxmlformats.org/drawingml/2006/main" xmlns:r="http://schemas.openxmlformats.org/officeDocument/2006/relationships" xmlns:p="http://schemas.openxmlformats.org/presentationml/2006/main">
+  <p:cSld>
+    <p:spTree>
+      <p:nvGrpSpPr>
+        <p:cNvPr id="1" name=""/>
+        <p:cNvGrpSpPr/>
+        <p:nvPr/>
+      </p:nvGrpSpPr>
+      <p:grpSpPr>
+        <a:xfrm>
+          <a:off x="0" y="0"/>
+          <a:ext cx="0" cy="0"/>
+          <a:chOff x="0" y="0"/>
+          <a:chExt cx="0" cy="0"/>
+        </a:xfrm>
+      </p:grpSpPr>
+      <p:sp>
+        <p:nvSpPr>
+          <p:cNvPr id="3" name="Segnaposto contenuto 2"/>
+          <p:cNvSpPr>
+            <a:spLocks noGrp="1"/>
+          </p:cNvSpPr>
+          <p:nvPr>
+            <p:ph idx="1"/>
+          </p:nvPr>
+        </p:nvSpPr>
+        <p:spPr/>
+        <p:txBody>
+          <a:bodyPr/>
+          <a:lstStyle/>
+          <a:p>
+            <a:pPr>
+              <a:buNone/>
+            </a:pPr>
+            <a:r>
+              <a:rPr lang="en-US" i="1" dirty="0" smtClean="0"/>
+              <a:t>Demo steps</a:t>
+            </a:r>
+            <a:endParaRPr lang="en-US" i="1" dirty="0"/>
+          </a:p>
+        </p:txBody>
+      </p:sp>
+      <p:sp>
+        <p:nvSpPr>
+          <p:cNvPr id="4" name="Segnaposto data 3"/>
+          <p:cNvSpPr>
+            <a:spLocks noGrp="1"/>
+          </p:cNvSpPr>
+          <p:nvPr>
+            <p:ph type="dt" sz="half" idx="10"/>
+          </p:nvPr>
+        </p:nvSpPr>
+        <p:spPr/>
+        <p:txBody>
+          <a:bodyPr/>
+          <a:lstStyle/>
+          <a:p>
+            <a:fld id="{F8078618-4CAE-48E8-A205-9D92A68D094A}" type="datetime1">
+              <a:rPr lang="en-US" smtClean="0"/>
+              <a:pPr/>
+              <a:t>5/7/2019</a:t>
+            </a:fld>
+            <a:endParaRPr lang="en-US"/>
+          </a:p>
+        </p:txBody>
+      </p:sp>
+      <p:sp>
+        <p:nvSpPr>
+          <p:cNvPr id="5" name="Segnaposto numero diapositiva 4"/>
+          <p:cNvSpPr>
+            <a:spLocks noGrp="1"/>
+          </p:cNvSpPr>
+          <p:nvPr>
+            <p:ph type="sldNum" sz="quarter" idx="12"/>
+          </p:nvPr>
+        </p:nvSpPr>
+        <p:spPr/>
+        <p:txBody>
+          <a:bodyPr/>
+          <a:lstStyle/>
+          <a:p>
+            <a:fld id="{02623B3A-910D-43F4-BBA9-9429D5B0014D}" type="slidenum">
+              <a:rPr lang="en-US" smtClean="0"/>
+              <a:pPr/>
+              <a:t>18</a:t>
+            </a:fld>
+            <a:endParaRPr lang="en-US"/>
+          </a:p>
+        </p:txBody>
+      </p:sp>
+      <p:sp>
+        <p:nvSpPr>
+          <p:cNvPr id="8" name="Sottotitolo 7"/>
+          <p:cNvSpPr>
+            <a:spLocks noGrp="1"/>
+          </p:cNvSpPr>
+          <p:nvPr>
+            <p:ph type="subTitle" idx="14"/>
+          </p:nvPr>
+        </p:nvSpPr>
+        <p:spPr/>
+        <p:txBody>
+          <a:bodyPr/>
+          <a:lstStyle/>
+          <a:p>
+            <a:r>
+              <a:rPr lang="en-US" b="1" dirty="0" smtClean="0">
+                <a:solidFill>
+                  <a:schemeClr val="tx1"/>
+                </a:solidFill>
+              </a:rPr>
+              <a:t>Demo</a:t>
+            </a:r>
+            <a:endParaRPr lang="en-US" b="1" dirty="0">
+              <a:solidFill>
+                <a:schemeClr val="tx1"/>
+              </a:solidFill>
+            </a:endParaRPr>
+          </a:p>
+        </p:txBody>
+      </p:sp>
+    </p:spTree>
   </p:cSld>
   <p:clrMapOvr>
     <a:masterClrMapping/>
@@ -4869,7 +4882,7 @@
             <a:fld id="{F8078618-4CAE-48E8-A205-9D92A68D094A}" type="datetime1">
               <a:rPr lang="en-US" smtClean="0"/>
               <a:pPr/>
-              <a:t>5/6/2019</a:t>
+              <a:t>5/7/2019</a:t>
             </a:fld>
             <a:endParaRPr lang="en-US"/>
           </a:p>
@@ -4982,10 +4995,35 @@
           <a:bodyPr/>
           <a:lstStyle/>
           <a:p>
-            <a:pPr marL="0" indent="0">
-              <a:buNone/>
-            </a:pPr>
-            <a:endParaRPr lang="en-US" i="1" dirty="0"/>
+            <a:r>
+              <a:rPr lang="en-US" dirty="0" smtClean="0"/>
+              <a:t>Secure storage and delivery of secrets and operational data</a:t>
+            </a:r>
+          </a:p>
+          <a:p>
+            <a:r>
+              <a:rPr lang="en-US" dirty="0" smtClean="0"/>
+              <a:t>Encryption of data</a:t>
+            </a:r>
+          </a:p>
+          <a:p>
+            <a:r>
+              <a:rPr lang="en-US" dirty="0" smtClean="0"/>
+              <a:t>Authorization</a:t>
+            </a:r>
+          </a:p>
+          <a:p>
+            <a:r>
+              <a:rPr lang="en-US" dirty="0" smtClean="0"/>
+              <a:t>Bad Practices</a:t>
+            </a:r>
+          </a:p>
+          <a:p>
+            <a:r>
+              <a:rPr lang="en-US" dirty="0" smtClean="0"/>
+              <a:t>OWASP</a:t>
+            </a:r>
+            <a:endParaRPr lang="en-US" dirty="0"/>
           </a:p>
         </p:txBody>
       </p:sp>
@@ -5007,7 +5045,7 @@
             <a:fld id="{F8078618-4CAE-48E8-A205-9D92A68D094A}" type="datetime1">
               <a:rPr lang="en-US" smtClean="0"/>
               <a:pPr/>
-              <a:t>5/6/2019</a:t>
+              <a:t>5/7/2019</a:t>
             </a:fld>
             <a:endParaRPr lang="en-US"/>
           </a:p>
@@ -5058,7 +5096,7 @@
                   <a:schemeClr val="tx1"/>
                 </a:solidFill>
               </a:rPr>
-              <a:t>Introduction</a:t>
+              <a:t>Overview</a:t>
             </a:r>
             <a:endParaRPr lang="en-US" b="1" dirty="0">
               <a:solidFill>
@@ -5110,62 +5148,98 @@
             <p:ph idx="1"/>
           </p:nvPr>
         </p:nvSpPr>
+        <p:spPr>
+          <a:xfrm>
+            <a:off x="457200" y="2362200"/>
+            <a:ext cx="8229600" cy="2514600"/>
+          </a:xfrm>
+        </p:spPr>
+        <p:txBody>
+          <a:bodyPr/>
+          <a:lstStyle/>
+          <a:p>
+            <a:pPr marL="571500" indent="-285750"/>
+            <a:r>
+              <a:rPr lang="en-US" sz="1600" dirty="0" smtClean="0"/>
+              <a:t>Businesses need to manage a large variety of (sensitive) information</a:t>
+            </a:r>
+          </a:p>
+          <a:p>
+            <a:pPr marL="571500" indent="-285750"/>
+            <a:r>
+              <a:rPr lang="en-US" sz="1600" dirty="0" smtClean="0"/>
+              <a:t>The nature of the information is heterogeneous</a:t>
+            </a:r>
+          </a:p>
+          <a:p>
+            <a:pPr marL="571500" indent="-285750"/>
+            <a:r>
+              <a:rPr lang="en-US" sz="1600" dirty="0" smtClean="0"/>
+              <a:t>The information might or might not be direct property of the business </a:t>
+            </a:r>
+          </a:p>
+          <a:p>
+            <a:pPr marL="571500" indent="-285750"/>
+            <a:r>
+              <a:rPr lang="en-US" sz="1600" dirty="0" smtClean="0"/>
+              <a:t>The responsibility for the handling of the info might be delegated to the business</a:t>
+            </a:r>
+          </a:p>
+          <a:p>
+            <a:pPr marL="571500" indent="-285750"/>
+            <a:r>
+              <a:rPr lang="en-US" sz="1600" dirty="0" smtClean="0"/>
+              <a:t>Some info is operational and is used as key to access larger repositories of data</a:t>
+            </a:r>
+          </a:p>
+          <a:p>
+            <a:pPr marL="571500" indent="-285750"/>
+            <a:r>
+              <a:rPr lang="en-US" sz="1600" dirty="0"/>
+              <a:t>H</a:t>
+            </a:r>
+            <a:r>
+              <a:rPr lang="en-US" sz="1600" dirty="0" smtClean="0"/>
+              <a:t>andling of the information may be regulated by policies and law</a:t>
+            </a:r>
+          </a:p>
+          <a:p>
+            <a:pPr marL="571500" indent="-285750"/>
+            <a:r>
+              <a:rPr lang="en-US" sz="1600" dirty="0" smtClean="0"/>
+              <a:t>Some information may be classified as secret </a:t>
+            </a:r>
+          </a:p>
+          <a:p>
+            <a:pPr marL="285750" indent="0">
+              <a:buNone/>
+            </a:pPr>
+            <a:endParaRPr lang="en-US" sz="1600" dirty="0" smtClean="0"/>
+          </a:p>
+          <a:p>
+            <a:endParaRPr lang="en-US" dirty="0"/>
+          </a:p>
+        </p:txBody>
+      </p:sp>
+      <p:sp>
+        <p:nvSpPr>
+          <p:cNvPr id="4" name="Segnaposto data 3"/>
+          <p:cNvSpPr>
+            <a:spLocks noGrp="1"/>
+          </p:cNvSpPr>
+          <p:nvPr>
+            <p:ph type="dt" sz="half" idx="10"/>
+          </p:nvPr>
+        </p:nvSpPr>
         <p:spPr/>
         <p:txBody>
           <a:bodyPr/>
           <a:lstStyle/>
           <a:p>
-            <a:r>
-              <a:rPr lang="en-US" dirty="0" smtClean="0"/>
-              <a:t>It must be kept safe somewhere</a:t>
-            </a:r>
-          </a:p>
-          <a:p>
-            <a:r>
-              <a:rPr lang="en-US" dirty="0" smtClean="0"/>
-              <a:t>It cannot (even accidentally) be shared with anyone who should not know</a:t>
-            </a:r>
-          </a:p>
-          <a:p>
-            <a:r>
-              <a:rPr lang="en-US" dirty="0" smtClean="0"/>
-              <a:t>It can be forgotten, lost, stolen or corrupted in which case becomes worthless and can cause loss of assets</a:t>
-            </a:r>
-          </a:p>
-          <a:p>
-            <a:r>
-              <a:rPr lang="en-US" dirty="0" smtClean="0"/>
-              <a:t>Just the suspicion of loss or of accidental leak makes it worthless and a liability</a:t>
-            </a:r>
-          </a:p>
-          <a:p>
-            <a:r>
-              <a:rPr lang="en-US" dirty="0" smtClean="0"/>
-              <a:t>More than one secret and life gets very complicated!</a:t>
-            </a:r>
-            <a:endParaRPr lang="en-US" dirty="0"/>
-          </a:p>
-        </p:txBody>
-      </p:sp>
-      <p:sp>
-        <p:nvSpPr>
-          <p:cNvPr id="4" name="Segnaposto data 3"/>
-          <p:cNvSpPr>
-            <a:spLocks noGrp="1"/>
-          </p:cNvSpPr>
-          <p:nvPr>
-            <p:ph type="dt" sz="half" idx="10"/>
-          </p:nvPr>
-        </p:nvSpPr>
-        <p:spPr/>
-        <p:txBody>
-          <a:bodyPr/>
-          <a:lstStyle/>
-          <a:p>
             <a:fld id="{F8078618-4CAE-48E8-A205-9D92A68D094A}" type="datetime1">
               <a:rPr lang="en-US" smtClean="0"/>
               <a:pPr/>
-              <a:t>5/6/2019</a:t>
+              <a:t>5/7/2019</a:t>
             </a:fld>
             <a:endParaRPr lang="en-US"/>
           </a:p>
@@ -5197,7 +5271,7 @@
       </p:sp>
       <p:sp>
         <p:nvSpPr>
-          <p:cNvPr id="7" name="Sottotitolo 6"/>
+          <p:cNvPr id="8" name="Sottotitolo 7"/>
           <p:cNvSpPr>
             <a:spLocks noGrp="1"/>
           </p:cNvSpPr>
@@ -5205,25 +5279,26 @@
             <p:ph type="subTitle" idx="14"/>
           </p:nvPr>
         </p:nvSpPr>
-        <p:spPr>
-          <a:xfrm>
-            <a:off x="1143000" y="1066800"/>
-            <a:ext cx="6400800" cy="457200"/>
-          </a:xfrm>
-        </p:spPr>
-        <p:txBody>
-          <a:bodyPr/>
-          <a:lstStyle/>
-          <a:p>
+        <p:spPr/>
+        <p:txBody>
+          <a:bodyPr>
+            <a:normAutofit/>
+          </a:bodyPr>
+          <a:lstStyle/>
+          <a:p>
+            <a:pPr marL="285750"/>
             <a:r>
               <a:rPr lang="en-US" b="1" dirty="0" smtClean="0">
                 <a:solidFill>
                   <a:schemeClr val="tx1"/>
                 </a:solidFill>
               </a:rPr>
-              <a:t>The Problems with Secrets</a:t>
-            </a:r>
-            <a:endParaRPr lang="en-US" b="1" dirty="0">
+              <a:t>Information in a business</a:t>
+            </a:r>
+          </a:p>
+          <a:p>
+            <a:pPr marL="285750"/>
+            <a:endParaRPr lang="en-US" b="1" dirty="0" smtClean="0">
               <a:solidFill>
                 <a:schemeClr val="tx1"/>
               </a:solidFill>
@@ -5232,11 +5307,6 @@
         </p:txBody>
       </p:sp>
     </p:spTree>
-    <p:extLst>
-      <p:ext uri="{BB962C8B-B14F-4D97-AF65-F5344CB8AC3E}">
-        <p14:creationId xmlns:p14="http://schemas.microsoft.com/office/powerpoint/2010/main" val="148647950"/>
-      </p:ext>
-    </p:extLst>
   </p:cSld>
   <p:clrMapOvr>
     <a:masterClrMapping/>
@@ -5278,103 +5348,49 @@
             <p:ph idx="1"/>
           </p:nvPr>
         </p:nvSpPr>
-        <p:spPr>
-          <a:xfrm>
-            <a:off x="460513" y="1752600"/>
-            <a:ext cx="8229600" cy="3962400"/>
-          </a:xfrm>
-        </p:spPr>
-        <p:txBody>
-          <a:bodyPr/>
-          <a:lstStyle/>
-          <a:p>
-            <a:r>
-              <a:rPr lang="en-US" dirty="0" smtClean="0">
-                <a:hlinkClick r:id="rId2"/>
-              </a:rPr>
-              <a:t>Where to store a server side encryption key?</a:t>
-            </a:r>
-            <a:endParaRPr lang="en-US" dirty="0" smtClean="0"/>
-          </a:p>
-          <a:p>
+        <p:spPr/>
+        <p:txBody>
+          <a:bodyPr/>
+          <a:lstStyle/>
+          <a:p>
+            <a:r>
+              <a:rPr lang="en-US" dirty="0" smtClean="0"/>
+              <a:t>It must be kept safe somewhere</a:t>
+            </a:r>
+          </a:p>
+          <a:p>
+            <a:r>
+              <a:rPr lang="en-US" dirty="0" smtClean="0"/>
+              <a:t>It cannot (even accidentally) be shared with anyone who should not know</a:t>
+            </a:r>
+          </a:p>
+          <a:p>
+            <a:r>
+              <a:rPr lang="en-US" dirty="0" smtClean="0"/>
+              <a:t>It can be forgotten, lost, stolen or corrupted in which case becomes worthless </a:t>
+            </a:r>
+            <a:r>
+              <a:rPr lang="en-US" dirty="0" smtClean="0"/>
+              <a:t>and/or </a:t>
+            </a:r>
+            <a:r>
+              <a:rPr lang="en-US" dirty="0" smtClean="0"/>
+              <a:t>can cause loss of assets</a:t>
+            </a:r>
+          </a:p>
+          <a:p>
+            <a:r>
+              <a:rPr lang="en-US" dirty="0" smtClean="0"/>
+              <a:t>Just the suspicion of loss or of accidental leak makes it worthless and a liability</a:t>
+            </a:r>
+          </a:p>
+          <a:p>
+            <a:r>
+              <a:rPr lang="en-US" dirty="0" smtClean="0"/>
+              <a:t>More than one secret and life gets very complicated!</a:t>
+            </a:r>
             <a:endParaRPr lang="en-US" dirty="0"/>
           </a:p>
-          <a:p>
-            <a:pPr marL="0" indent="0">
-              <a:buNone/>
-            </a:pPr>
-            <a:r>
-              <a:rPr lang="en-US" dirty="0" smtClean="0"/>
-              <a:t>This is a good question posed on Stack Exchange Information Security.</a:t>
-            </a:r>
-          </a:p>
-          <a:p>
-            <a:pPr marL="0" indent="0">
-              <a:buNone/>
-            </a:pPr>
-            <a:endParaRPr lang="en-US" dirty="0" smtClean="0"/>
-          </a:p>
-          <a:p>
-            <a:pPr marL="457200" indent="-457200">
-              <a:buFont typeface="+mj-lt"/>
-              <a:buAutoNum type="arabicPeriod"/>
-            </a:pPr>
-            <a:r>
-              <a:rPr lang="en-US" dirty="0"/>
-              <a:t>Use an external Hardware Security Module. </a:t>
-            </a:r>
-            <a:endParaRPr lang="en-US" dirty="0" smtClean="0"/>
-          </a:p>
-          <a:p>
-            <a:pPr marL="457200" indent="-457200">
-              <a:buFont typeface="+mj-lt"/>
-              <a:buAutoNum type="arabicPeriod"/>
-            </a:pPr>
-            <a:r>
-              <a:rPr lang="en-US" dirty="0"/>
-              <a:t>Tie the encryption key to your hardware</a:t>
-            </a:r>
-            <a:r>
-              <a:rPr lang="en-US" dirty="0" smtClean="0"/>
-              <a:t>.</a:t>
-            </a:r>
-          </a:p>
-          <a:p>
-            <a:pPr marL="457200" indent="-457200">
-              <a:buFont typeface="+mj-lt"/>
-              <a:buAutoNum type="arabicPeriod"/>
-            </a:pPr>
-            <a:r>
-              <a:rPr lang="en-US" dirty="0"/>
-              <a:t>Tie the encryption key to your admin login </a:t>
-            </a:r>
-            <a:endParaRPr lang="en-US" dirty="0" smtClean="0"/>
-          </a:p>
-          <a:p>
-            <a:pPr marL="457200" indent="-457200">
-              <a:buFont typeface="+mj-lt"/>
-              <a:buAutoNum type="arabicPeriod"/>
-            </a:pPr>
-            <a:r>
-              <a:rPr lang="en-US" dirty="0"/>
-              <a:t>Type in the encryption key when you start up, store it in memory</a:t>
-            </a:r>
-            <a:r>
-              <a:rPr lang="en-US" dirty="0" smtClean="0"/>
-              <a:t>.</a:t>
-            </a:r>
-          </a:p>
-          <a:p>
-            <a:pPr marL="457200" indent="-457200">
-              <a:buFont typeface="+mj-lt"/>
-              <a:buAutoNum type="arabicPeriod"/>
-            </a:pPr>
-            <a:r>
-              <a:rPr lang="en-US" dirty="0"/>
-              <a:t>Store the key on a different server. </a:t>
-            </a:r>
-            <a:endParaRPr lang="en-US" dirty="0"/>
-          </a:p>
         </p:txBody>
       </p:sp>
       <p:sp>
@@ -5395,7 +5411,7 @@
             <a:fld id="{F8078618-4CAE-48E8-A205-9D92A68D094A}" type="datetime1">
               <a:rPr lang="en-US" smtClean="0"/>
               <a:pPr/>
-              <a:t>5/6/2019</a:t>
+              <a:t>5/7/2019</a:t>
             </a:fld>
             <a:endParaRPr lang="en-US"/>
           </a:p>
@@ -5451,7 +5467,7 @@
                   <a:schemeClr val="tx1"/>
                 </a:solidFill>
               </a:rPr>
-              <a:t>Where to store a secret?</a:t>
+              <a:t>Secrets</a:t>
             </a:r>
             <a:endParaRPr lang="en-US" b="1" dirty="0">
               <a:solidFill>
@@ -5464,7 +5480,7 @@
     </p:spTree>
     <p:extLst>
       <p:ext uri="{BB962C8B-B14F-4D97-AF65-F5344CB8AC3E}">
-        <p14:creationId xmlns:p14="http://schemas.microsoft.com/office/powerpoint/2010/main" val="4093124646"/>
+        <p14:creationId xmlns:p14="http://schemas.microsoft.com/office/powerpoint/2010/main" val="148647950"/>
       </p:ext>
     </p:extLst>
   </p:cSld>
@@ -5510,124 +5526,116 @@
         </p:nvSpPr>
         <p:spPr>
           <a:xfrm>
-            <a:off x="457200" y="1905000"/>
-            <a:ext cx="8229600" cy="3429000"/>
+            <a:off x="460513" y="1752600"/>
+            <a:ext cx="8229600" cy="3962400"/>
           </a:xfrm>
         </p:spPr>
         <p:txBody>
-          <a:bodyPr>
-            <a:normAutofit/>
-          </a:bodyPr>
-          <a:lstStyle/>
-          <a:p>
-            <a:pPr marL="0" indent="0" algn="just">
+          <a:bodyPr/>
+          <a:lstStyle/>
+          <a:p>
+            <a:r>
+              <a:rPr lang="en-US" dirty="0" smtClean="0">
+                <a:hlinkClick r:id="rId2"/>
+              </a:rPr>
+              <a:t>Where to store a server side encryption key?</a:t>
+            </a:r>
+            <a:endParaRPr lang="en-US" dirty="0" smtClean="0"/>
+          </a:p>
+          <a:p>
+            <a:endParaRPr lang="en-US" dirty="0"/>
+          </a:p>
+          <a:p>
+            <a:pPr marL="0" indent="0">
               <a:buNone/>
             </a:pPr>
             <a:r>
               <a:rPr lang="en-US" dirty="0" smtClean="0"/>
-              <a:t>A storage service used to store </a:t>
-            </a:r>
-            <a:r>
-              <a:rPr lang="en-US" dirty="0"/>
-              <a:t>cryptographic keys and secrets </a:t>
-            </a:r>
-            <a:r>
-              <a:rPr lang="en-US" dirty="0" smtClean="0"/>
-              <a:t>and keep this </a:t>
-            </a:r>
-            <a:r>
-              <a:rPr lang="en-US" dirty="0"/>
-              <a:t>information secure.</a:t>
-            </a:r>
-            <a:r>
-              <a:rPr lang="en-US" dirty="0" smtClean="0"/>
-              <a:t> The service offers a software abstraction to solve </a:t>
-            </a:r>
-            <a:r>
-              <a:rPr lang="en-US" dirty="0"/>
-              <a:t>the following </a:t>
-            </a:r>
-            <a:r>
-              <a:rPr lang="en-US" dirty="0" smtClean="0"/>
-              <a:t>problems. </a:t>
-            </a:r>
-          </a:p>
-          <a:p>
-            <a:pPr marL="0" indent="0" algn="just">
+              <a:t>This is a good question posed on Stack Exchange Information Security.</a:t>
+            </a:r>
+          </a:p>
+          <a:p>
+            <a:pPr marL="0" indent="0">
               <a:buNone/>
             </a:pPr>
-            <a:endParaRPr lang="en-US" dirty="0"/>
-          </a:p>
-          <a:p>
-            <a:r>
-              <a:rPr lang="en-US" b="1" dirty="0"/>
-              <a:t>Secret </a:t>
-            </a:r>
-            <a:r>
-              <a:rPr lang="en-US" b="1" dirty="0" smtClean="0"/>
-              <a:t>and Keys management</a:t>
-            </a:r>
-            <a:r>
-              <a:rPr lang="en-US" dirty="0" smtClean="0"/>
-              <a:t> such as access control.</a:t>
-            </a:r>
-            <a:endParaRPr lang="en-US" dirty="0"/>
-          </a:p>
-          <a:p>
-            <a:r>
-              <a:rPr lang="en-US" b="1" dirty="0" smtClean="0"/>
-              <a:t>Certificate management</a:t>
-            </a:r>
+            <a:endParaRPr lang="en-US" dirty="0" smtClean="0"/>
+          </a:p>
+          <a:p>
+            <a:pPr marL="457200" indent="-457200">
+              <a:buFont typeface="+mj-lt"/>
+              <a:buAutoNum type="arabicPeriod"/>
+            </a:pPr>
             <a:r>
               <a:rPr lang="en-US" dirty="0"/>
-              <a:t> </a:t>
-            </a:r>
-            <a:r>
-              <a:rPr lang="en-US" dirty="0" smtClean="0"/>
-              <a:t>including provision</a:t>
+              <a:t>Use an external Hardware Security </a:t>
+            </a:r>
+            <a:r>
+              <a:rPr lang="en-US" dirty="0" smtClean="0"/>
+              <a:t>Module.</a:t>
             </a:r>
             <a:r>
               <a:rPr lang="en-US" dirty="0"/>
-              <a:t> </a:t>
-            </a:r>
-            <a:r>
-              <a:rPr lang="en-US" dirty="0" smtClean="0"/>
-              <a:t>and deployment i.e. (SSL/TLS</a:t>
-            </a:r>
+              <a:t> </a:t>
+            </a:r>
+            <a:endParaRPr lang="en-US" dirty="0" smtClean="0"/>
+          </a:p>
+          <a:p>
+            <a:pPr marL="457200" indent="-457200">
+              <a:buFont typeface="+mj-lt"/>
+              <a:buAutoNum type="arabicPeriod"/>
+            </a:pPr>
             <a:r>
               <a:rPr lang="en-US" dirty="0"/>
-              <a:t>) certificates </a:t>
-            </a:r>
-            <a:r>
-              <a:rPr lang="en-US" dirty="0" smtClean="0"/>
-              <a:t>used within </a:t>
+              <a:t>Tie the encryption key to your </a:t>
+            </a:r>
+            <a:r>
+              <a:rPr lang="en-US" dirty="0" smtClean="0"/>
+              <a:t>hardware i.e. </a:t>
             </a:r>
             <a:r>
               <a:rPr lang="en-US" dirty="0"/>
-              <a:t>Azure </a:t>
-            </a:r>
-            <a:r>
-              <a:rPr lang="en-US" dirty="0" smtClean="0"/>
-              <a:t>internally connected artifacts.</a:t>
-            </a:r>
-            <a:endParaRPr lang="en-US" dirty="0"/>
-          </a:p>
-          <a:p>
-            <a:r>
-              <a:rPr lang="en-US" b="1" dirty="0"/>
-              <a:t>Store secrets </a:t>
-            </a:r>
-            <a:r>
-              <a:rPr lang="en-US" b="1" dirty="0" smtClean="0"/>
-              <a:t>and Keys on HSMs</a:t>
-            </a:r>
-            <a:endParaRPr lang="en-US" dirty="0"/>
-          </a:p>
-          <a:p>
-            <a:pPr marL="0" indent="0" algn="just">
-              <a:buNone/>
+              <a:t>TPM chips </a:t>
+            </a:r>
+            <a:r>
+              <a:rPr lang="en-US" dirty="0" smtClean="0"/>
+              <a:t>.</a:t>
+            </a:r>
+            <a:endParaRPr lang="en-US" dirty="0" smtClean="0"/>
+          </a:p>
+          <a:p>
+            <a:pPr marL="457200" indent="-457200">
+              <a:buFont typeface="+mj-lt"/>
+              <a:buAutoNum type="arabicPeriod"/>
             </a:pPr>
-            <a:endParaRPr lang="en-US" dirty="0"/>
+            <a:r>
+              <a:rPr lang="en-US" dirty="0"/>
+              <a:t>Tie the encryption key to your admin login </a:t>
+            </a:r>
+            <a:endParaRPr lang="en-US" dirty="0" smtClean="0"/>
+          </a:p>
+          <a:p>
+            <a:pPr marL="457200" indent="-457200">
+              <a:buFont typeface="+mj-lt"/>
+              <a:buAutoNum type="arabicPeriod"/>
+            </a:pPr>
+            <a:r>
+              <a:rPr lang="en-US" dirty="0"/>
+              <a:t>Type in the encryption key when you start up, store it in memory</a:t>
+            </a:r>
+            <a:r>
+              <a:rPr lang="en-US" dirty="0" smtClean="0"/>
+              <a:t>.</a:t>
+            </a:r>
+          </a:p>
+          <a:p>
+            <a:pPr marL="457200" indent="-457200">
+              <a:buFont typeface="+mj-lt"/>
+              <a:buAutoNum type="arabicPeriod"/>
+            </a:pPr>
+            <a:r>
+              <a:rPr lang="en-US" dirty="0"/>
+              <a:t>Store the key on a different server. </a:t>
+            </a:r>
           </a:p>
         </p:txBody>
       </p:sp>
@@ -5649,7 +5657,7 @@
             <a:fld id="{F8078618-4CAE-48E8-A205-9D92A68D094A}" type="datetime1">
               <a:rPr lang="en-US" smtClean="0"/>
               <a:pPr/>
-              <a:t>5/6/2019</a:t>
+              <a:t>5/7/2019</a:t>
             </a:fld>
             <a:endParaRPr lang="en-US"/>
           </a:p>
@@ -5705,7 +5713,7 @@
                   <a:schemeClr val="tx1"/>
                 </a:solidFill>
               </a:rPr>
-              <a:t>What is Azure Key Vault</a:t>
+              <a:t>Where to store a secret?</a:t>
             </a:r>
             <a:endParaRPr lang="en-US" b="1" dirty="0">
               <a:solidFill>
@@ -5718,7 +5726,7 @@
     </p:spTree>
     <p:extLst>
       <p:ext uri="{BB962C8B-B14F-4D97-AF65-F5344CB8AC3E}">
-        <p14:creationId xmlns:p14="http://schemas.microsoft.com/office/powerpoint/2010/main" val="2012090214"/>
+        <p14:creationId xmlns:p14="http://schemas.microsoft.com/office/powerpoint/2010/main" val="4093124646"/>
       </p:ext>
     </p:extLst>
   </p:cSld>
@@ -5754,7 +5762,7 @@
       </p:grpSpPr>
       <p:sp>
         <p:nvSpPr>
-          <p:cNvPr id="2" name="Content Placeholder 1"/>
+          <p:cNvPr id="3" name="Segnaposto contenuto 2"/>
           <p:cNvSpPr>
             <a:spLocks noGrp="1"/>
           </p:cNvSpPr>
@@ -5764,8 +5772,8 @@
         </p:nvSpPr>
         <p:spPr>
           <a:xfrm>
-            <a:off x="458972" y="1905000"/>
-            <a:ext cx="8229600" cy="3657600"/>
+            <a:off x="457200" y="1905000"/>
+            <a:ext cx="8229600" cy="3429000"/>
           </a:xfrm>
         </p:spPr>
         <p:txBody>
@@ -5774,114 +5782,120 @@
           </a:bodyPr>
           <a:lstStyle/>
           <a:p>
-            <a:pPr marL="457200" indent="-457200">
-              <a:buFont typeface="+mj-lt"/>
-              <a:buAutoNum type="arabicPeriod"/>
-            </a:pPr>
-            <a:r>
-              <a:rPr lang="en-US" dirty="0" smtClean="0"/>
-              <a:t>Secrets</a:t>
-            </a:r>
-          </a:p>
-          <a:p>
-            <a:pPr marL="457200" indent="-457200">
-              <a:buFont typeface="+mj-lt"/>
-              <a:buAutoNum type="arabicPeriod"/>
-            </a:pPr>
-            <a:r>
-              <a:rPr lang="en-US" dirty="0" smtClean="0"/>
-              <a:t>Keys</a:t>
-            </a:r>
-          </a:p>
-          <a:p>
-            <a:pPr marL="457200" indent="-457200">
-              <a:buFont typeface="+mj-lt"/>
-              <a:buAutoNum type="arabicPeriod"/>
-            </a:pPr>
-            <a:r>
-              <a:rPr lang="en-US" dirty="0" smtClean="0"/>
-              <a:t>Certificates</a:t>
-            </a:r>
-            <a:endParaRPr lang="en-US" dirty="0"/>
-          </a:p>
-          <a:p>
-            <a:pPr marL="457200" indent="-457200">
-              <a:buFont typeface="+mj-lt"/>
-              <a:buAutoNum type="arabicPeriod"/>
-            </a:pPr>
-            <a:endParaRPr lang="en-US" dirty="0" smtClean="0"/>
-          </a:p>
-          <a:p>
-            <a:pPr marL="0" indent="0">
-              <a:buNone/>
-            </a:pPr>
-            <a:r>
-              <a:rPr lang="en-US" dirty="0" smtClean="0"/>
-              <a:t>Secrets </a:t>
-            </a:r>
-            <a:endParaRPr lang="en-US" dirty="0" smtClean="0"/>
-          </a:p>
-          <a:p>
-            <a:pPr marL="0" indent="0">
-              <a:buNone/>
-            </a:pPr>
-            <a:endParaRPr lang="en-US" dirty="0" smtClean="0"/>
-          </a:p>
-          <a:p>
             <a:pPr marL="0" indent="0" algn="just">
               <a:buNone/>
             </a:pPr>
             <a:r>
+              <a:rPr lang="en-US" dirty="0" smtClean="0"/>
+              <a:t>A storage service used to store </a:t>
+            </a:r>
+            <a:r>
               <a:rPr lang="en-US" dirty="0"/>
-              <a:t>B</a:t>
-            </a:r>
-            <a:r>
-              <a:rPr lang="en-US" dirty="0" smtClean="0"/>
-              <a:t>inary </a:t>
-            </a:r>
-            <a:r>
-              <a:rPr lang="en-US" dirty="0" smtClean="0"/>
-              <a:t>sequences with </a:t>
-            </a:r>
-            <a:r>
-              <a:rPr lang="en-US" dirty="0" smtClean="0"/>
-              <a:t>no semantic i.e. passwords, connection strings, </a:t>
-            </a:r>
-            <a:r>
-              <a:rPr lang="en-US" dirty="0" smtClean="0"/>
-              <a:t>bank details, thumbprints, hashes, etc. Any </a:t>
-            </a:r>
-            <a:r>
-              <a:rPr lang="en-US" dirty="0" smtClean="0"/>
-              <a:t>sensitive information that must be protected and access </a:t>
-            </a:r>
-            <a:r>
-              <a:rPr lang="en-US" dirty="0" smtClean="0"/>
-              <a:t>controlled. Any </a:t>
-            </a:r>
-            <a:r>
-              <a:rPr lang="en-US" dirty="0" smtClean="0"/>
-              <a:t>piece of information that may be versioned and needs to be centrally managed and protected.</a:t>
-            </a:r>
-            <a:endParaRPr lang="en-US" dirty="0"/>
-          </a:p>
-          <a:p>
-            <a:pPr marL="0" indent="0">
+              <a:t>cryptographic keys and secrets </a:t>
+            </a:r>
+            <a:r>
+              <a:rPr lang="en-US" dirty="0" smtClean="0"/>
+              <a:t>and keep this </a:t>
+            </a:r>
+            <a:r>
+              <a:rPr lang="en-US" dirty="0"/>
+              <a:t>information secure.</a:t>
+            </a:r>
+            <a:r>
+              <a:rPr lang="en-US" dirty="0" smtClean="0"/>
+              <a:t> The service offers a software abstraction to solve </a:t>
+            </a:r>
+            <a:r>
+              <a:rPr lang="en-US" dirty="0"/>
+              <a:t>the following </a:t>
+            </a:r>
+            <a:r>
+              <a:rPr lang="en-US" dirty="0" smtClean="0"/>
+              <a:t>problems. </a:t>
+            </a:r>
+          </a:p>
+          <a:p>
+            <a:pPr marL="0" indent="0" algn="just">
               <a:buNone/>
             </a:pPr>
-            <a:endParaRPr lang="en-US" dirty="0" smtClean="0"/>
-          </a:p>
-          <a:p>
-            <a:pPr marL="0" indent="0">
+            <a:endParaRPr lang="en-US" dirty="0"/>
+          </a:p>
+          <a:p>
+            <a:r>
+              <a:rPr lang="en-US" b="1" dirty="0"/>
+              <a:t>Secret </a:t>
+            </a:r>
+            <a:r>
+              <a:rPr lang="en-US" b="1" dirty="0" smtClean="0"/>
+              <a:t>and Keys management</a:t>
+            </a:r>
+            <a:r>
+              <a:rPr lang="en-US" dirty="0" smtClean="0"/>
+              <a:t> such as access control.</a:t>
+            </a:r>
+            <a:endParaRPr lang="en-US" dirty="0"/>
+          </a:p>
+          <a:p>
+            <a:r>
+              <a:rPr lang="en-US" b="1" dirty="0" smtClean="0"/>
+              <a:t>Certificate management</a:t>
+            </a:r>
+            <a:r>
+              <a:rPr lang="en-US" dirty="0"/>
+              <a:t> </a:t>
+            </a:r>
+            <a:r>
+              <a:rPr lang="en-US" dirty="0" smtClean="0"/>
+              <a:t>including provision</a:t>
+            </a:r>
+            <a:r>
+              <a:rPr lang="en-US" dirty="0"/>
+              <a:t> </a:t>
+            </a:r>
+            <a:r>
+              <a:rPr lang="en-US" dirty="0" smtClean="0"/>
+              <a:t>and deployment i.e. (SSL/TLS</a:t>
+            </a:r>
+            <a:r>
+              <a:rPr lang="en-US" dirty="0"/>
+              <a:t>) certificates </a:t>
+            </a:r>
+            <a:r>
+              <a:rPr lang="en-US" dirty="0" smtClean="0"/>
+              <a:t>used within </a:t>
+            </a:r>
+            <a:r>
+              <a:rPr lang="en-US" dirty="0"/>
+              <a:t>Azure </a:t>
+            </a:r>
+            <a:r>
+              <a:rPr lang="en-US" dirty="0" smtClean="0"/>
+              <a:t>internally connected artifacts.</a:t>
+            </a:r>
+            <a:endParaRPr lang="en-US" dirty="0"/>
+          </a:p>
+          <a:p>
+            <a:r>
+              <a:rPr lang="en-US" b="1" dirty="0"/>
+              <a:t>Store secrets </a:t>
+            </a:r>
+            <a:r>
+              <a:rPr lang="en-US" b="1" dirty="0" smtClean="0"/>
+              <a:t>and Keys on HSMs</a:t>
+            </a:r>
+            <a:endParaRPr lang="en-US" dirty="0"/>
+          </a:p>
+          <a:p>
+            <a:pPr marL="0" indent="0" algn="just">
               <a:buNone/>
             </a:pPr>
-            <a:endParaRPr lang="en-US" dirty="0" smtClean="0"/>
-          </a:p>
-        </p:txBody>
-      </p:sp>
-      <p:sp>
-        <p:nvSpPr>
-          <p:cNvPr id="3" name="Date Placeholder 2"/>
+            <a:endParaRPr lang="en-US" dirty="0"/>
+          </a:p>
+        </p:txBody>
+      </p:sp>
+      <p:sp>
+        <p:nvSpPr>
+          <p:cNvPr id="4" name="Segnaposto data 3"/>
           <p:cNvSpPr>
             <a:spLocks noGrp="1"/>
           </p:cNvSpPr>
@@ -5897,7 +5911,7 @@
             <a:fld id="{F8078618-4CAE-48E8-A205-9D92A68D094A}" type="datetime1">
               <a:rPr lang="en-US" smtClean="0"/>
               <a:pPr/>
-              <a:t>5/6/2019</a:t>
+              <a:t>5/7/2019</a:t>
             </a:fld>
             <a:endParaRPr lang="en-US"/>
           </a:p>
@@ -5905,7 +5919,7 @@
       </p:sp>
       <p:sp>
         <p:nvSpPr>
-          <p:cNvPr id="4" name="Slide Number Placeholder 3"/>
+          <p:cNvPr id="5" name="Segnaposto numero diapositiva 4"/>
           <p:cNvSpPr>
             <a:spLocks noGrp="1"/>
           </p:cNvSpPr>
@@ -5929,7 +5943,7 @@
       </p:sp>
       <p:sp>
         <p:nvSpPr>
-          <p:cNvPr id="5" name="Subtitle 4"/>
+          <p:cNvPr id="7" name="Sottotitolo 6"/>
           <p:cNvSpPr>
             <a:spLocks noGrp="1"/>
           </p:cNvSpPr>
@@ -5939,7 +5953,7 @@
         </p:nvSpPr>
         <p:spPr>
           <a:xfrm>
-            <a:off x="1219200" y="1050925"/>
+            <a:off x="1143000" y="1066800"/>
             <a:ext cx="6400800" cy="457200"/>
           </a:xfrm>
         </p:spPr>
@@ -5948,17 +5962,25 @@
           <a:lstStyle/>
           <a:p>
             <a:r>
-              <a:rPr lang="en-US" dirty="0" smtClean="0"/>
-              <a:t>Resource Types in Azure Key Vault</a:t>
-            </a:r>
-            <a:endParaRPr lang="en-US" dirty="0"/>
+              <a:rPr lang="en-US" b="1" dirty="0" smtClean="0">
+                <a:solidFill>
+                  <a:schemeClr val="tx1"/>
+                </a:solidFill>
+              </a:rPr>
+              <a:t>What is Azure Key Vault</a:t>
+            </a:r>
+            <a:endParaRPr lang="en-US" b="1" dirty="0">
+              <a:solidFill>
+                <a:schemeClr val="tx1"/>
+              </a:solidFill>
+            </a:endParaRPr>
           </a:p>
         </p:txBody>
       </p:sp>
     </p:spTree>
     <p:extLst>
       <p:ext uri="{BB962C8B-B14F-4D97-AF65-F5344CB8AC3E}">
-        <p14:creationId xmlns:p14="http://schemas.microsoft.com/office/powerpoint/2010/main" val="1550044430"/>
+        <p14:creationId xmlns:p14="http://schemas.microsoft.com/office/powerpoint/2010/main" val="2012090214"/>
       </p:ext>
     </p:extLst>
   </p:cSld>
@@ -6004,13 +6026,13 @@
         </p:nvSpPr>
         <p:spPr>
           <a:xfrm>
-            <a:off x="458972" y="1828800"/>
-            <a:ext cx="8229600" cy="3733800"/>
+            <a:off x="458972" y="1905000"/>
+            <a:ext cx="8229600" cy="3657600"/>
           </a:xfrm>
         </p:spPr>
         <p:txBody>
           <a:bodyPr>
-            <a:normAutofit lnSpcReduction="10000"/>
+            <a:normAutofit/>
           </a:bodyPr>
           <a:lstStyle/>
           <a:p>
@@ -6057,7 +6079,7 @@
             </a:pPr>
             <a:r>
               <a:rPr lang="en-US" dirty="0" smtClean="0"/>
-              <a:t>Cryptographic Keys </a:t>
+              <a:t>Secrets </a:t>
             </a:r>
           </a:p>
           <a:p>
@@ -6071,24 +6093,12 @@
               <a:buNone/>
             </a:pPr>
             <a:r>
-              <a:rPr lang="en-US" dirty="0" smtClean="0"/>
-              <a:t>Existing RSA or EC Keys. These can either be imported into Azure Key Vault or be directly generated and stored by it. </a:t>
-            </a:r>
-            <a:r>
               <a:rPr lang="en-US" dirty="0"/>
-              <a:t>A cryptographic key is a string of bits used by a cryptographic algorithm to transform plain text into cipher text or vice versa</a:t>
-            </a:r>
-            <a:r>
-              <a:rPr lang="en-US" dirty="0" smtClean="0"/>
-              <a:t>. Their format is an </a:t>
-            </a:r>
-            <a:r>
-              <a:rPr lang="en-US" dirty="0"/>
-              <a:t>a</a:t>
-            </a:r>
-            <a:r>
-              <a:rPr lang="en-US" dirty="0" smtClean="0"/>
-              <a:t>greed industry standard. </a:t>
+              <a:t>B</a:t>
+            </a:r>
+            <a:r>
+              <a:rPr lang="en-US" dirty="0" smtClean="0"/>
+              <a:t>inary sequences with no semantic i.e. passwords, connection strings, bank details, thumbprints, hashes, etc. Any sensitive information that must be protected and access controlled. Any piece of information that may be versioned and needs to be centrally managed and protected.</a:t>
             </a:r>
             <a:endParaRPr lang="en-US" dirty="0"/>
           </a:p>
@@ -6124,7 +6134,7 @@
             <a:fld id="{F8078618-4CAE-48E8-A205-9D92A68D094A}" type="datetime1">
               <a:rPr lang="en-US" smtClean="0"/>
               <a:pPr/>
-              <a:t>5/6/2019</a:t>
+              <a:t>5/7/2019</a:t>
             </a:fld>
             <a:endParaRPr lang="en-US"/>
           </a:p>
@@ -6166,7 +6176,7 @@
         </p:nvSpPr>
         <p:spPr>
           <a:xfrm>
-            <a:off x="1373372" y="990600"/>
+            <a:off x="1219200" y="1050925"/>
             <a:ext cx="6400800" cy="457200"/>
           </a:xfrm>
         </p:spPr>
@@ -6185,7 +6195,7 @@
     </p:spTree>
     <p:extLst>
       <p:ext uri="{BB962C8B-B14F-4D97-AF65-F5344CB8AC3E}">
-        <p14:creationId xmlns:p14="http://schemas.microsoft.com/office/powerpoint/2010/main" val="2131702540"/>
+        <p14:creationId xmlns:p14="http://schemas.microsoft.com/office/powerpoint/2010/main" val="1550044430"/>
       </p:ext>
     </p:extLst>
   </p:cSld>
@@ -6231,8 +6241,8 @@
         </p:nvSpPr>
         <p:spPr>
           <a:xfrm>
-            <a:off x="458972" y="1752600"/>
-            <a:ext cx="8229600" cy="3810000"/>
+            <a:off x="458972" y="1828800"/>
+            <a:ext cx="8229600" cy="3733800"/>
           </a:xfrm>
         </p:spPr>
         <p:txBody>
@@ -6284,9 +6294,8 @@
             </a:pPr>
             <a:r>
               <a:rPr lang="en-US" dirty="0" smtClean="0"/>
-              <a:t>Certificates</a:t>
-            </a:r>
-            <a:endParaRPr lang="en-US" dirty="0" smtClean="0"/>
+              <a:t>Cryptographic Keys </a:t>
+            </a:r>
           </a:p>
           <a:p>
             <a:pPr marL="0" indent="0">
@@ -6300,10 +6309,38 @@
             </a:pPr>
             <a:r>
               <a:rPr lang="en-US" dirty="0" smtClean="0"/>
-              <a:t>Data files which that digitally bind a cryptographic key(s) to an organization and prove ownership. The majority of certificates are Public Key Certificates (PKC) which holds information about the key(s) and their owner(s). The PKC is digitally signed by the Authority that has verified the certificate’s content. The most common format for PKC is X.509.</a:t>
-            </a:r>
+              <a:t>Existing RSA or EC Keys. These can either be imported into Azure Key Vault or be directly generated and stored by it. </a:t>
+            </a:r>
+            <a:r>
+              <a:rPr lang="en-US" dirty="0"/>
+              <a:t>A cryptographic key is a string of bits used by a cryptographic algorithm to transform plain text into cipher text or vice versa</a:t>
+            </a:r>
+            <a:r>
+              <a:rPr lang="en-US" dirty="0" smtClean="0"/>
+              <a:t>. Their format is an </a:t>
+            </a:r>
+            <a:r>
+              <a:rPr lang="en-US" dirty="0"/>
+              <a:t>a</a:t>
+            </a:r>
+            <a:r>
+              <a:rPr lang="en-US" dirty="0" smtClean="0"/>
+              <a:t>greed industry standard. </a:t>
+            </a:r>
+            <a:endParaRPr lang="en-US" dirty="0"/>
+          </a:p>
+          <a:p>
+            <a:pPr marL="0" indent="0">
+              <a:buNone/>
+            </a:pPr>
             <a:endParaRPr lang="en-US" dirty="0" smtClean="0"/>
           </a:p>
+          <a:p>
+            <a:pPr marL="0" indent="0">
+              <a:buNone/>
+            </a:pPr>
+            <a:endParaRPr lang="en-US" dirty="0" smtClean="0"/>
+          </a:p>
         </p:txBody>
       </p:sp>
       <p:sp>
@@ -6324,7 +6361,7 @@
             <a:fld id="{F8078618-4CAE-48E8-A205-9D92A68D094A}" type="datetime1">
               <a:rPr lang="en-US" smtClean="0"/>
               <a:pPr/>
-              <a:t>5/6/2019</a:t>
+              <a:t>5/7/2019</a:t>
             </a:fld>
             <a:endParaRPr lang="en-US"/>
           </a:p>
@@ -6366,7 +6403,7 @@
         </p:nvSpPr>
         <p:spPr>
           <a:xfrm>
-            <a:off x="1447800" y="958850"/>
+            <a:off x="1373372" y="990600"/>
             <a:ext cx="6400800" cy="457200"/>
           </a:xfrm>
         </p:spPr>
@@ -6385,7 +6422,7 @@
     </p:spTree>
     <p:extLst>
       <p:ext uri="{BB962C8B-B14F-4D97-AF65-F5344CB8AC3E}">
-        <p14:creationId xmlns:p14="http://schemas.microsoft.com/office/powerpoint/2010/main" val="2033253701"/>
+        <p14:creationId xmlns:p14="http://schemas.microsoft.com/office/powerpoint/2010/main" val="2131702540"/>
       </p:ext>
     </p:extLst>
   </p:cSld>
@@ -6421,7 +6458,7 @@
       </p:grpSpPr>
       <p:sp>
         <p:nvSpPr>
-          <p:cNvPr id="3" name="Segnaposto contenuto 2"/>
+          <p:cNvPr id="2" name="Content Placeholder 1"/>
           <p:cNvSpPr>
             <a:spLocks noGrp="1"/>
           </p:cNvSpPr>
@@ -6429,68 +6466,100 @@
             <p:ph idx="1"/>
           </p:nvPr>
         </p:nvSpPr>
+        <p:spPr>
+          <a:xfrm>
+            <a:off x="458972" y="1752600"/>
+            <a:ext cx="8229600" cy="3810000"/>
+          </a:xfrm>
+        </p:spPr>
+        <p:txBody>
+          <a:bodyPr>
+            <a:normAutofit lnSpcReduction="10000"/>
+          </a:bodyPr>
+          <a:lstStyle/>
+          <a:p>
+            <a:pPr marL="457200" indent="-457200">
+              <a:buFont typeface="+mj-lt"/>
+              <a:buAutoNum type="arabicPeriod"/>
+            </a:pPr>
+            <a:r>
+              <a:rPr lang="en-US" dirty="0" smtClean="0"/>
+              <a:t>Secrets</a:t>
+            </a:r>
+          </a:p>
+          <a:p>
+            <a:pPr marL="457200" indent="-457200">
+              <a:buFont typeface="+mj-lt"/>
+              <a:buAutoNum type="arabicPeriod"/>
+            </a:pPr>
+            <a:r>
+              <a:rPr lang="en-US" dirty="0" smtClean="0"/>
+              <a:t>Keys</a:t>
+            </a:r>
+          </a:p>
+          <a:p>
+            <a:pPr marL="457200" indent="-457200">
+              <a:buFont typeface="+mj-lt"/>
+              <a:buAutoNum type="arabicPeriod"/>
+            </a:pPr>
+            <a:r>
+              <a:rPr lang="en-US" dirty="0" smtClean="0"/>
+              <a:t>Certificates</a:t>
+            </a:r>
+            <a:endParaRPr lang="en-US" dirty="0"/>
+          </a:p>
+          <a:p>
+            <a:pPr marL="457200" indent="-457200">
+              <a:buFont typeface="+mj-lt"/>
+              <a:buAutoNum type="arabicPeriod"/>
+            </a:pPr>
+            <a:endParaRPr lang="en-US" dirty="0" smtClean="0"/>
+          </a:p>
+          <a:p>
+            <a:pPr marL="0" indent="0">
+              <a:buNone/>
+            </a:pPr>
+            <a:r>
+              <a:rPr lang="en-US" dirty="0" smtClean="0"/>
+              <a:t>Certificates</a:t>
+            </a:r>
+          </a:p>
+          <a:p>
+            <a:pPr marL="0" indent="0">
+              <a:buNone/>
+            </a:pPr>
+            <a:endParaRPr lang="en-US" dirty="0" smtClean="0"/>
+          </a:p>
+          <a:p>
+            <a:pPr marL="0" indent="0" algn="just">
+              <a:buNone/>
+            </a:pPr>
+            <a:r>
+              <a:rPr lang="en-US" dirty="0" smtClean="0"/>
+              <a:t>Data files which that digitally bind a cryptographic key(s) to an organization and prove ownership. The majority of certificates are Public Key Certificates (PKC) which holds information about the key(s) and their owner(s). The PKC is digitally signed by the Authority that has verified the certificate’s content. The most common format for PKC is X.509.</a:t>
+            </a:r>
+          </a:p>
+        </p:txBody>
+      </p:sp>
+      <p:sp>
+        <p:nvSpPr>
+          <p:cNvPr id="3" name="Date Placeholder 2"/>
+          <p:cNvSpPr>
+            <a:spLocks noGrp="1"/>
+          </p:cNvSpPr>
+          <p:nvPr>
+            <p:ph type="dt" sz="half" idx="10"/>
+          </p:nvPr>
+        </p:nvSpPr>
         <p:spPr/>
         <p:txBody>
           <a:bodyPr/>
           <a:lstStyle/>
           <a:p>
-            <a:r>
-              <a:rPr lang="en-US" dirty="0" smtClean="0"/>
-              <a:t>It must be kept safe somewhere</a:t>
-            </a:r>
-          </a:p>
-          <a:p>
-            <a:r>
-              <a:rPr lang="en-US" dirty="0" smtClean="0"/>
-              <a:t>It cannot be shared with anyone who should not know</a:t>
-            </a:r>
-          </a:p>
-          <a:p>
-            <a:r>
-              <a:rPr lang="en-US" dirty="0" smtClean="0"/>
-              <a:t>It can be forgotten or lost</a:t>
-            </a:r>
-          </a:p>
-          <a:p>
-            <a:r>
-              <a:rPr lang="en-US" dirty="0" smtClean="0"/>
-              <a:t>If stolen it becomes worthless</a:t>
-            </a:r>
-          </a:p>
-          <a:p>
-            <a:r>
-              <a:rPr lang="en-US" dirty="0" smtClean="0"/>
-              <a:t>Just the suspicion of loss or of a leak makes it worthless</a:t>
-            </a:r>
-          </a:p>
-          <a:p>
-            <a:r>
-              <a:rPr lang="en-US" dirty="0" smtClean="0"/>
-              <a:t>More than one secret and life gets very complicated!</a:t>
-            </a:r>
-            <a:endParaRPr lang="en-US" dirty="0"/>
-          </a:p>
-        </p:txBody>
-      </p:sp>
-      <p:sp>
-        <p:nvSpPr>
-          <p:cNvPr id="4" name="Segnaposto data 3"/>
-          <p:cNvSpPr>
-            <a:spLocks noGrp="1"/>
-          </p:cNvSpPr>
-          <p:nvPr>
-            <p:ph type="dt" sz="half" idx="10"/>
-          </p:nvPr>
-        </p:nvSpPr>
-        <p:spPr/>
-        <p:txBody>
-          <a:bodyPr/>
-          <a:lstStyle/>
-          <a:p>
             <a:fld id="{F8078618-4CAE-48E8-A205-9D92A68D094A}" type="datetime1">
               <a:rPr lang="en-US" smtClean="0"/>
               <a:pPr/>
-              <a:t>5/6/2019</a:t>
+              <a:t>5/7/2019</a:t>
             </a:fld>
             <a:endParaRPr lang="en-US"/>
           </a:p>
@@ -6498,7 +6567,7 @@
       </p:sp>
       <p:sp>
         <p:nvSpPr>
-          <p:cNvPr id="5" name="Segnaposto numero diapositiva 4"/>
+          <p:cNvPr id="4" name="Slide Number Placeholder 3"/>
           <p:cNvSpPr>
             <a:spLocks noGrp="1"/>
           </p:cNvSpPr>
@@ -6522,7 +6591,7 @@
       </p:sp>
       <p:sp>
         <p:nvSpPr>
-          <p:cNvPr id="7" name="Sottotitolo 6"/>
+          <p:cNvPr id="5" name="Subtitle 4"/>
           <p:cNvSpPr>
             <a:spLocks noGrp="1"/>
           </p:cNvSpPr>
@@ -6532,7 +6601,7 @@
         </p:nvSpPr>
         <p:spPr>
           <a:xfrm>
-            <a:off x="1143000" y="1066800"/>
+            <a:off x="1447800" y="958850"/>
             <a:ext cx="6400800" cy="457200"/>
           </a:xfrm>
         </p:spPr>
@@ -6541,25 +6610,17 @@
           <a:lstStyle/>
           <a:p>
             <a:r>
-              <a:rPr lang="en-US" b="1" dirty="0" smtClean="0">
-                <a:solidFill>
-                  <a:schemeClr val="tx1"/>
-                </a:solidFill>
-              </a:rPr>
-              <a:t>The Problems with Secrets</a:t>
-            </a:r>
-            <a:endParaRPr lang="en-US" b="1" dirty="0">
-              <a:solidFill>
-                <a:schemeClr val="tx1"/>
-              </a:solidFill>
-            </a:endParaRPr>
+              <a:rPr lang="en-US" dirty="0" smtClean="0"/>
+              <a:t>Resource Types in Azure Key Vault</a:t>
+            </a:r>
+            <a:endParaRPr lang="en-US" dirty="0"/>
           </a:p>
         </p:txBody>
       </p:sp>
     </p:spTree>
     <p:extLst>
       <p:ext uri="{BB962C8B-B14F-4D97-AF65-F5344CB8AC3E}">
-        <p14:creationId xmlns:p14="http://schemas.microsoft.com/office/powerpoint/2010/main" val="2203314043"/>
+        <p14:creationId xmlns:p14="http://schemas.microsoft.com/office/powerpoint/2010/main" val="2033253701"/>
       </p:ext>
     </p:extLst>
   </p:cSld>
@@ -7443,18 +7504,6 @@
 </file>
 
 <file path=customXml/item1.xml><?xml version="1.0" encoding="utf-8"?>
-<p:properties xmlns:p="http://schemas.microsoft.com/office/2006/metadata/properties" xmlns:xsi="http://www.w3.org/2001/XMLSchema-instance" xmlns:pc="http://schemas.microsoft.com/office/infopath/2007/PartnerControls">
-  <documentManagement>
-    <Module xmlns="00f996c0-c54d-4e74-bd1f-4dc98d288dc1">Other</Module>
-    <Comment xmlns="00f996c0-c54d-4e74-bd1f-4dc98d288dc1" xsi:nil="true"/>
-    <Manual xmlns="00f996c0-c54d-4e74-bd1f-4dc98d288dc1">Research Activities</Manual>
-    <Language xmlns="00f996c0-c54d-4e74-bd1f-4dc98d288dc1">EN</Language>
-    <Application xmlns="00f996c0-c54d-4e74-bd1f-4dc98d288dc1">DAX2012</Application>
-  </documentManagement>
-</p:properties>
-</file>
-
-<file path=customXml/item2.xml><?xml version="1.0" encoding="utf-8"?>
 <ct:contentTypeSchema xmlns:ct="http://schemas.microsoft.com/office/2006/metadata/contentType" xmlns:ma="http://schemas.microsoft.com/office/2006/metadata/properties/metaAttributes" ct:_="" ma:_="" ma:contentTypeName="Document" ma:contentTypeID="0x01010047BE36A7D7E3284AAF54A9304029004A" ma:contentTypeVersion="5" ma:contentTypeDescription="Create a new document." ma:contentTypeScope="" ma:versionID="c41cecac77d1fce3cca08e421bb73e78">
   <xsd:schema xmlns:xsd="http://www.w3.org/2001/XMLSchema" xmlns:xs="http://www.w3.org/2001/XMLSchema" xmlns:p="http://schemas.microsoft.com/office/2006/metadata/properties" xmlns:ns2="00f996c0-c54d-4e74-bd1f-4dc98d288dc1" targetNamespace="http://schemas.microsoft.com/office/2006/metadata/properties" ma:root="true" ma:fieldsID="8170742d2341719c31d0929a5c17f8bb" ns2:_="">
     <xsd:import namespace="00f996c0-c54d-4e74-bd1f-4dc98d288dc1"/>
@@ -7623,6 +7672,18 @@
 </ct:contentTypeSchema>
 </file>
 
+<file path=customXml/item2.xml><?xml version="1.0" encoding="utf-8"?>
+<p:properties xmlns:p="http://schemas.microsoft.com/office/2006/metadata/properties" xmlns:xsi="http://www.w3.org/2001/XMLSchema-instance" xmlns:pc="http://schemas.microsoft.com/office/infopath/2007/PartnerControls">
+  <documentManagement>
+    <Module xmlns="00f996c0-c54d-4e74-bd1f-4dc98d288dc1">Other</Module>
+    <Comment xmlns="00f996c0-c54d-4e74-bd1f-4dc98d288dc1" xsi:nil="true"/>
+    <Manual xmlns="00f996c0-c54d-4e74-bd1f-4dc98d288dc1">Research Activities</Manual>
+    <Language xmlns="00f996c0-c54d-4e74-bd1f-4dc98d288dc1">EN</Language>
+    <Application xmlns="00f996c0-c54d-4e74-bd1f-4dc98d288dc1">DAX2012</Application>
+  </documentManagement>
+</p:properties>
+</file>
+
 <file path=customXml/item3.xml><?xml version="1.0" encoding="utf-8"?>
 <?mso-contentType ?>
 <FormTemplates xmlns="http://schemas.microsoft.com/sharepoint/v3/contenttype/forms">
@@ -7633,22 +7694,6 @@
 </file>
 
 <file path=customXml/itemProps1.xml><?xml version="1.0" encoding="utf-8"?>
-<ds:datastoreItem xmlns:ds="http://schemas.openxmlformats.org/officeDocument/2006/customXml" ds:itemID="{00BE2236-5581-4DC9-88C8-7D3CDFC20C7F}">
-  <ds:schemaRefs>
-    <ds:schemaRef ds:uri="http://schemas.microsoft.com/office/2006/metadata/properties"/>
-    <ds:schemaRef ds:uri="http://purl.org/dc/terms/"/>
-    <ds:schemaRef ds:uri="http://schemas.openxmlformats.org/package/2006/metadata/core-properties"/>
-    <ds:schemaRef ds:uri="http://schemas.microsoft.com/office/2006/documentManagement/types"/>
-    <ds:schemaRef ds:uri="http://schemas.microsoft.com/office/infopath/2007/PartnerControls"/>
-    <ds:schemaRef ds:uri="00f996c0-c54d-4e74-bd1f-4dc98d288dc1"/>
-    <ds:schemaRef ds:uri="http://purl.org/dc/elements/1.1/"/>
-    <ds:schemaRef ds:uri="http://www.w3.org/XML/1998/namespace"/>
-    <ds:schemaRef ds:uri="http://purl.org/dc/dcmitype/"/>
-  </ds:schemaRefs>
-</ds:datastoreItem>
-</file>
-
-<file path=customXml/itemProps2.xml><?xml version="1.0" encoding="utf-8"?>
 <ds:datastoreItem xmlns:ds="http://schemas.openxmlformats.org/officeDocument/2006/customXml" ds:itemID="{742DA801-DDF4-459E-9485-7A79D9BBB6B7}">
   <ds:schemaRefs>
     <ds:schemaRef ds:uri="http://schemas.microsoft.com/office/2006/metadata/contentType"/>
@@ -7666,6 +7711,22 @@
 </ds:datastoreItem>
 </file>
 
+<file path=customXml/itemProps2.xml><?xml version="1.0" encoding="utf-8"?>
+<ds:datastoreItem xmlns:ds="http://schemas.openxmlformats.org/officeDocument/2006/customXml" ds:itemID="{00BE2236-5581-4DC9-88C8-7D3CDFC20C7F}">
+  <ds:schemaRefs>
+    <ds:schemaRef ds:uri="http://schemas.microsoft.com/office/2006/metadata/properties"/>
+    <ds:schemaRef ds:uri="http://purl.org/dc/terms/"/>
+    <ds:schemaRef ds:uri="http://schemas.openxmlformats.org/package/2006/metadata/core-properties"/>
+    <ds:schemaRef ds:uri="http://schemas.microsoft.com/office/2006/documentManagement/types"/>
+    <ds:schemaRef ds:uri="http://schemas.microsoft.com/office/infopath/2007/PartnerControls"/>
+    <ds:schemaRef ds:uri="00f996c0-c54d-4e74-bd1f-4dc98d288dc1"/>
+    <ds:schemaRef ds:uri="http://purl.org/dc/elements/1.1/"/>
+    <ds:schemaRef ds:uri="http://www.w3.org/XML/1998/namespace"/>
+    <ds:schemaRef ds:uri="http://purl.org/dc/dcmitype/"/>
+  </ds:schemaRefs>
+</ds:datastoreItem>
+</file>
+
 <file path=customXml/itemProps3.xml><?xml version="1.0" encoding="utf-8"?>
 <ds:datastoreItem xmlns:ds="http://schemas.openxmlformats.org/officeDocument/2006/customXml" ds:itemID="{AD1EB6FD-9432-44B6-B1BD-B86A98CDAAFE}">
   <ds:schemaRefs>

--- a/Presentation.pptx
+++ b/Presentation.pptx
@@ -5,31 +5,36 @@
     <p:sldMasterId id="2147483648" r:id="rId4"/>
   </p:sldMasterIdLst>
   <p:notesMasterIdLst>
-    <p:notesMasterId r:id="rId24"/>
+    <p:notesMasterId r:id="rId29"/>
   </p:notesMasterIdLst>
   <p:handoutMasterIdLst>
-    <p:handoutMasterId r:id="rId25"/>
+    <p:handoutMasterId r:id="rId30"/>
   </p:handoutMasterIdLst>
   <p:sldIdLst>
     <p:sldId id="256" r:id="rId5"/>
     <p:sldId id="266" r:id="rId6"/>
-    <p:sldId id="258" r:id="rId7"/>
-    <p:sldId id="271" r:id="rId8"/>
-    <p:sldId id="276" r:id="rId9"/>
-    <p:sldId id="272" r:id="rId10"/>
-    <p:sldId id="267" r:id="rId11"/>
-    <p:sldId id="273" r:id="rId12"/>
-    <p:sldId id="268" r:id="rId13"/>
-    <p:sldId id="275" r:id="rId14"/>
-    <p:sldId id="274" r:id="rId15"/>
-    <p:sldId id="265" r:id="rId16"/>
-    <p:sldId id="270" r:id="rId17"/>
-    <p:sldId id="261" r:id="rId18"/>
-    <p:sldId id="259" r:id="rId19"/>
-    <p:sldId id="263" r:id="rId20"/>
-    <p:sldId id="262" r:id="rId21"/>
-    <p:sldId id="264" r:id="rId22"/>
-    <p:sldId id="269" r:id="rId23"/>
+    <p:sldId id="280" r:id="rId7"/>
+    <p:sldId id="281" r:id="rId8"/>
+    <p:sldId id="258" r:id="rId9"/>
+    <p:sldId id="271" r:id="rId10"/>
+    <p:sldId id="276" r:id="rId11"/>
+    <p:sldId id="272" r:id="rId12"/>
+    <p:sldId id="267" r:id="rId13"/>
+    <p:sldId id="273" r:id="rId14"/>
+    <p:sldId id="268" r:id="rId15"/>
+    <p:sldId id="275" r:id="rId16"/>
+    <p:sldId id="274" r:id="rId17"/>
+    <p:sldId id="277" r:id="rId18"/>
+    <p:sldId id="269" r:id="rId19"/>
+    <p:sldId id="279" r:id="rId20"/>
+    <p:sldId id="265" r:id="rId21"/>
+    <p:sldId id="270" r:id="rId22"/>
+    <p:sldId id="261" r:id="rId23"/>
+    <p:sldId id="259" r:id="rId24"/>
+    <p:sldId id="263" r:id="rId25"/>
+    <p:sldId id="262" r:id="rId26"/>
+    <p:sldId id="264" r:id="rId27"/>
+    <p:sldId id="278" r:id="rId28"/>
   </p:sldIdLst>
   <p:sldSz cx="9144000" cy="6858000" type="screen4x3"/>
   <p:notesSz cx="6669088" cy="9928225"/>
@@ -244,7 +249,7 @@
             <a:fld id="{AB929E34-DEA3-4895-846A-C2BBEF4A5080}" type="datetimeFigureOut">
               <a:rPr lang="en-US" smtClean="0"/>
               <a:pPr/>
-              <a:t>5/7/2019</a:t>
+              <a:t>5/8/2019</a:t>
             </a:fld>
             <a:endParaRPr lang="en-US"/>
           </a:p>
@@ -411,7 +416,7 @@
             <a:fld id="{D757427D-1431-4F41-9EB2-74C3A27350CA}" type="datetimeFigureOut">
               <a:rPr lang="en-US" smtClean="0"/>
               <a:pPr/>
-              <a:t>5/7/2019</a:t>
+              <a:t>5/8/2019</a:t>
             </a:fld>
             <a:endParaRPr lang="en-US"/>
           </a:p>
@@ -834,7 +839,7 @@
             <a:fld id="{41D89EAC-7ACA-4BE3-B5E1-4490AC0DEEC2}" type="datetime1">
               <a:rPr lang="en-US" smtClean="0"/>
               <a:pPr/>
-              <a:t>5/7/2019</a:t>
+              <a:t>5/8/2019</a:t>
             </a:fld>
             <a:endParaRPr lang="en-US"/>
           </a:p>
@@ -1009,7 +1014,7 @@
             <a:fld id="{F8078618-4CAE-48E8-A205-9D92A68D094A}" type="datetime1">
               <a:rPr lang="en-US" smtClean="0"/>
               <a:pPr/>
-              <a:t>5/7/2019</a:t>
+              <a:t>5/8/2019</a:t>
             </a:fld>
             <a:endParaRPr lang="en-US"/>
           </a:p>
@@ -1308,7 +1313,7 @@
             <a:fld id="{F8078618-4CAE-48E8-A205-9D92A68D094A}" type="datetime1">
               <a:rPr lang="en-US" smtClean="0"/>
               <a:pPr/>
-              <a:t>5/7/2019</a:t>
+              <a:t>5/8/2019</a:t>
             </a:fld>
             <a:endParaRPr lang="en-US"/>
           </a:p>
@@ -1590,7 +1595,7 @@
             <a:fld id="{6B00E453-848C-4CB7-9F7F-96588418CD05}" type="datetime1">
               <a:rPr lang="en-US" smtClean="0"/>
               <a:pPr/>
-              <a:t>5/7/2019</a:t>
+              <a:t>5/8/2019</a:t>
             </a:fld>
             <a:endParaRPr lang="en-US"/>
           </a:p>
@@ -2010,7 +2015,7 @@
             <a:fld id="{6205F48F-7385-4145-8996-92AF39DE194F}" type="datetime1">
               <a:rPr lang="en-US" smtClean="0"/>
               <a:pPr/>
-              <a:t>5/7/2019</a:t>
+              <a:t>5/8/2019</a:t>
             </a:fld>
             <a:endParaRPr lang="en-US"/>
           </a:p>
@@ -2118,7 +2123,7 @@
             <a:fld id="{117843E3-9C32-491F-AC75-91C8E4F20BD2}" type="datetime1">
               <a:rPr lang="en-US" smtClean="0"/>
               <a:pPr/>
-              <a:t>5/7/2019</a:t>
+              <a:t>5/8/2019</a:t>
             </a:fld>
             <a:endParaRPr lang="en-US"/>
           </a:p>
@@ -2574,7 +2579,7 @@
             <a:fld id="{967291D2-A40C-4E5C-A267-C4BBED92FF0C}" type="datetime1">
               <a:rPr lang="en-US" smtClean="0"/>
               <a:pPr/>
-              <a:t>5/7/2019</a:t>
+              <a:t>5/8/2019</a:t>
             </a:fld>
             <a:endParaRPr lang="en-US" dirty="0"/>
           </a:p>
@@ -3343,7 +3348,7 @@
             <a:fld id="{DD590542-A0EB-48D5-9722-C0A8052BF4A2}" type="datetime1">
               <a:rPr lang="en-US" smtClean="0"/>
               <a:pPr/>
-              <a:t>5/7/2019</a:t>
+              <a:t>5/8/2019</a:t>
             </a:fld>
             <a:endParaRPr lang="en-US" dirty="0"/>
           </a:p>
@@ -3444,7 +3449,7 @@
       </p:grpSpPr>
       <p:sp>
         <p:nvSpPr>
-          <p:cNvPr id="3" name="Segnaposto contenuto 2"/>
+          <p:cNvPr id="2" name="Content Placeholder 1"/>
           <p:cNvSpPr>
             <a:spLocks noGrp="1"/>
           </p:cNvSpPr>
@@ -3452,68 +3457,129 @@
             <p:ph idx="1"/>
           </p:nvPr>
         </p:nvSpPr>
+        <p:spPr>
+          <a:xfrm>
+            <a:off x="458972" y="1828800"/>
+            <a:ext cx="8229600" cy="3733800"/>
+          </a:xfrm>
+        </p:spPr>
+        <p:txBody>
+          <a:bodyPr>
+            <a:normAutofit lnSpcReduction="10000"/>
+          </a:bodyPr>
+          <a:lstStyle/>
+          <a:p>
+            <a:pPr marL="457200" indent="-457200">
+              <a:buFont typeface="+mj-lt"/>
+              <a:buAutoNum type="arabicPeriod"/>
+            </a:pPr>
+            <a:r>
+              <a:rPr lang="en-US" dirty="0" smtClean="0"/>
+              <a:t>Secrets</a:t>
+            </a:r>
+          </a:p>
+          <a:p>
+            <a:pPr marL="457200" indent="-457200">
+              <a:buFont typeface="+mj-lt"/>
+              <a:buAutoNum type="arabicPeriod"/>
+            </a:pPr>
+            <a:r>
+              <a:rPr lang="en-US" dirty="0" smtClean="0"/>
+              <a:t>Keys</a:t>
+            </a:r>
+          </a:p>
+          <a:p>
+            <a:pPr marL="457200" indent="-457200">
+              <a:buFont typeface="+mj-lt"/>
+              <a:buAutoNum type="arabicPeriod"/>
+            </a:pPr>
+            <a:r>
+              <a:rPr lang="en-US" dirty="0" smtClean="0"/>
+              <a:t>Certificates</a:t>
+            </a:r>
+            <a:endParaRPr lang="en-US" dirty="0"/>
+          </a:p>
+          <a:p>
+            <a:pPr marL="457200" indent="-457200">
+              <a:buFont typeface="+mj-lt"/>
+              <a:buAutoNum type="arabicPeriod"/>
+            </a:pPr>
+            <a:endParaRPr lang="en-US" dirty="0" smtClean="0"/>
+          </a:p>
+          <a:p>
+            <a:pPr marL="0" indent="0">
+              <a:buNone/>
+            </a:pPr>
+            <a:r>
+              <a:rPr lang="en-US" dirty="0" smtClean="0"/>
+              <a:t>Cryptographic Keys </a:t>
+            </a:r>
+          </a:p>
+          <a:p>
+            <a:pPr marL="0" indent="0">
+              <a:buNone/>
+            </a:pPr>
+            <a:endParaRPr lang="en-US" dirty="0" smtClean="0"/>
+          </a:p>
+          <a:p>
+            <a:pPr marL="0" indent="0" algn="just">
+              <a:buNone/>
+            </a:pPr>
+            <a:r>
+              <a:rPr lang="en-US" dirty="0" smtClean="0"/>
+              <a:t>Existing RSA or EC Keys. These can either be imported into Azure Key Vault or be directly generated and stored by it. </a:t>
+            </a:r>
+            <a:r>
+              <a:rPr lang="en-US" dirty="0"/>
+              <a:t>A cryptographic key is a string of bits used by a cryptographic algorithm to transform plain text into cipher text or vice versa</a:t>
+            </a:r>
+            <a:r>
+              <a:rPr lang="en-US" dirty="0" smtClean="0"/>
+              <a:t>. Their format is an </a:t>
+            </a:r>
+            <a:r>
+              <a:rPr lang="en-US" dirty="0"/>
+              <a:t>a</a:t>
+            </a:r>
+            <a:r>
+              <a:rPr lang="en-US" dirty="0" smtClean="0"/>
+              <a:t>greed industry standard. </a:t>
+            </a:r>
+            <a:endParaRPr lang="en-US" dirty="0"/>
+          </a:p>
+          <a:p>
+            <a:pPr marL="0" indent="0">
+              <a:buNone/>
+            </a:pPr>
+            <a:endParaRPr lang="en-US" dirty="0" smtClean="0"/>
+          </a:p>
+          <a:p>
+            <a:pPr marL="0" indent="0">
+              <a:buNone/>
+            </a:pPr>
+            <a:endParaRPr lang="en-US" dirty="0" smtClean="0"/>
+          </a:p>
+        </p:txBody>
+      </p:sp>
+      <p:sp>
+        <p:nvSpPr>
+          <p:cNvPr id="3" name="Date Placeholder 2"/>
+          <p:cNvSpPr>
+            <a:spLocks noGrp="1"/>
+          </p:cNvSpPr>
+          <p:nvPr>
+            <p:ph type="dt" sz="half" idx="10"/>
+          </p:nvPr>
+        </p:nvSpPr>
         <p:spPr/>
         <p:txBody>
           <a:bodyPr/>
           <a:lstStyle/>
           <a:p>
-            <a:r>
-              <a:rPr lang="en-US" dirty="0" smtClean="0"/>
-              <a:t>It must be kept safe somewhere</a:t>
-            </a:r>
-          </a:p>
-          <a:p>
-            <a:r>
-              <a:rPr lang="en-US" dirty="0" smtClean="0"/>
-              <a:t>It cannot be shared with anyone who should not know</a:t>
-            </a:r>
-          </a:p>
-          <a:p>
-            <a:r>
-              <a:rPr lang="en-US" dirty="0" smtClean="0"/>
-              <a:t>It can be forgotten or lost</a:t>
-            </a:r>
-          </a:p>
-          <a:p>
-            <a:r>
-              <a:rPr lang="en-US" dirty="0" smtClean="0"/>
-              <a:t>If stolen it becomes worthless</a:t>
-            </a:r>
-          </a:p>
-          <a:p>
-            <a:r>
-              <a:rPr lang="en-US" dirty="0" smtClean="0"/>
-              <a:t>Just the suspicion of loss or of a leak makes it worthless</a:t>
-            </a:r>
-          </a:p>
-          <a:p>
-            <a:r>
-              <a:rPr lang="en-US" dirty="0" smtClean="0"/>
-              <a:t>More than one secret and life gets very complicated!</a:t>
-            </a:r>
-            <a:endParaRPr lang="en-US" dirty="0"/>
-          </a:p>
-        </p:txBody>
-      </p:sp>
-      <p:sp>
-        <p:nvSpPr>
-          <p:cNvPr id="4" name="Segnaposto data 3"/>
-          <p:cNvSpPr>
-            <a:spLocks noGrp="1"/>
-          </p:cNvSpPr>
-          <p:nvPr>
-            <p:ph type="dt" sz="half" idx="10"/>
-          </p:nvPr>
-        </p:nvSpPr>
-        <p:spPr/>
-        <p:txBody>
-          <a:bodyPr/>
-          <a:lstStyle/>
-          <a:p>
             <a:fld id="{F8078618-4CAE-48E8-A205-9D92A68D094A}" type="datetime1">
               <a:rPr lang="en-US" smtClean="0"/>
               <a:pPr/>
-              <a:t>5/7/2019</a:t>
+              <a:t>5/8/2019</a:t>
             </a:fld>
             <a:endParaRPr lang="en-US"/>
           </a:p>
@@ -3521,7 +3587,7 @@
       </p:sp>
       <p:sp>
         <p:nvSpPr>
-          <p:cNvPr id="5" name="Segnaposto numero diapositiva 4"/>
+          <p:cNvPr id="4" name="Slide Number Placeholder 3"/>
           <p:cNvSpPr>
             <a:spLocks noGrp="1"/>
           </p:cNvSpPr>
@@ -3545,7 +3611,7 @@
       </p:sp>
       <p:sp>
         <p:nvSpPr>
-          <p:cNvPr id="7" name="Sottotitolo 6"/>
+          <p:cNvPr id="5" name="Subtitle 4"/>
           <p:cNvSpPr>
             <a:spLocks noGrp="1"/>
           </p:cNvSpPr>
@@ -3555,7 +3621,7 @@
         </p:nvSpPr>
         <p:spPr>
           <a:xfrm>
-            <a:off x="1143000" y="1066800"/>
+            <a:off x="1373372" y="990600"/>
             <a:ext cx="6400800" cy="457200"/>
           </a:xfrm>
         </p:spPr>
@@ -3564,25 +3630,17 @@
           <a:lstStyle/>
           <a:p>
             <a:r>
-              <a:rPr lang="en-US" b="1" dirty="0" smtClean="0">
-                <a:solidFill>
-                  <a:schemeClr val="tx1"/>
-                </a:solidFill>
-              </a:rPr>
-              <a:t>The Problems with Secrets</a:t>
-            </a:r>
-            <a:endParaRPr lang="en-US" b="1" dirty="0">
-              <a:solidFill>
-                <a:schemeClr val="tx1"/>
-              </a:solidFill>
-            </a:endParaRPr>
+              <a:rPr lang="en-US" dirty="0" smtClean="0"/>
+              <a:t>Resource Types in Azure Key Vault</a:t>
+            </a:r>
+            <a:endParaRPr lang="en-US" dirty="0"/>
           </a:p>
         </p:txBody>
       </p:sp>
     </p:spTree>
     <p:extLst>
       <p:ext uri="{BB962C8B-B14F-4D97-AF65-F5344CB8AC3E}">
-        <p14:creationId xmlns:p14="http://schemas.microsoft.com/office/powerpoint/2010/main" val="2203314043"/>
+        <p14:creationId xmlns:p14="http://schemas.microsoft.com/office/powerpoint/2010/main" val="2131702540"/>
       </p:ext>
     </p:extLst>
   </p:cSld>
@@ -3618,7 +3676,92 @@
       </p:grpSpPr>
       <p:sp>
         <p:nvSpPr>
-          <p:cNvPr id="4" name="Segnaposto data 3"/>
+          <p:cNvPr id="2" name="Content Placeholder 1"/>
+          <p:cNvSpPr>
+            <a:spLocks noGrp="1"/>
+          </p:cNvSpPr>
+          <p:nvPr>
+            <p:ph idx="1"/>
+          </p:nvPr>
+        </p:nvSpPr>
+        <p:spPr>
+          <a:xfrm>
+            <a:off x="458972" y="1752600"/>
+            <a:ext cx="8229600" cy="3810000"/>
+          </a:xfrm>
+        </p:spPr>
+        <p:txBody>
+          <a:bodyPr>
+            <a:normAutofit lnSpcReduction="10000"/>
+          </a:bodyPr>
+          <a:lstStyle/>
+          <a:p>
+            <a:pPr marL="457200" indent="-457200">
+              <a:buFont typeface="+mj-lt"/>
+              <a:buAutoNum type="arabicPeriod"/>
+            </a:pPr>
+            <a:r>
+              <a:rPr lang="en-US" dirty="0" smtClean="0"/>
+              <a:t>Secrets</a:t>
+            </a:r>
+          </a:p>
+          <a:p>
+            <a:pPr marL="457200" indent="-457200">
+              <a:buFont typeface="+mj-lt"/>
+              <a:buAutoNum type="arabicPeriod"/>
+            </a:pPr>
+            <a:r>
+              <a:rPr lang="en-US" dirty="0" smtClean="0"/>
+              <a:t>Keys</a:t>
+            </a:r>
+          </a:p>
+          <a:p>
+            <a:pPr marL="457200" indent="-457200">
+              <a:buFont typeface="+mj-lt"/>
+              <a:buAutoNum type="arabicPeriod"/>
+            </a:pPr>
+            <a:r>
+              <a:rPr lang="en-US" dirty="0" smtClean="0"/>
+              <a:t>Certificates</a:t>
+            </a:r>
+            <a:endParaRPr lang="en-US" dirty="0"/>
+          </a:p>
+          <a:p>
+            <a:pPr marL="457200" indent="-457200">
+              <a:buFont typeface="+mj-lt"/>
+              <a:buAutoNum type="arabicPeriod"/>
+            </a:pPr>
+            <a:endParaRPr lang="en-US" dirty="0" smtClean="0"/>
+          </a:p>
+          <a:p>
+            <a:pPr marL="0" indent="0">
+              <a:buNone/>
+            </a:pPr>
+            <a:r>
+              <a:rPr lang="en-US" dirty="0" smtClean="0"/>
+              <a:t>Certificates</a:t>
+            </a:r>
+          </a:p>
+          <a:p>
+            <a:pPr marL="0" indent="0">
+              <a:buNone/>
+            </a:pPr>
+            <a:endParaRPr lang="en-US" dirty="0" smtClean="0"/>
+          </a:p>
+          <a:p>
+            <a:pPr marL="0" indent="0" algn="just">
+              <a:buNone/>
+            </a:pPr>
+            <a:r>
+              <a:rPr lang="en-US" dirty="0" smtClean="0"/>
+              <a:t>Data files which that digitally bind a cryptographic key(s) to an organization and prove ownership. The majority of certificates are Public Key Certificates (PKC) which holds information about the key(s) and their owner(s). The PKC is digitally signed by the Authority that has verified the certificate’s content. The most common format for PKC is X.509.</a:t>
+            </a:r>
+          </a:p>
+        </p:txBody>
+      </p:sp>
+      <p:sp>
+        <p:nvSpPr>
+          <p:cNvPr id="3" name="Date Placeholder 2"/>
           <p:cNvSpPr>
             <a:spLocks noGrp="1"/>
           </p:cNvSpPr>
@@ -3634,7 +3777,7 @@
             <a:fld id="{F8078618-4CAE-48E8-A205-9D92A68D094A}" type="datetime1">
               <a:rPr lang="en-US" smtClean="0"/>
               <a:pPr/>
-              <a:t>5/7/2019</a:t>
+              <a:t>5/8/2019</a:t>
             </a:fld>
             <a:endParaRPr lang="en-US"/>
           </a:p>
@@ -3642,7 +3785,7 @@
       </p:sp>
       <p:sp>
         <p:nvSpPr>
-          <p:cNvPr id="5" name="Segnaposto numero diapositiva 4"/>
+          <p:cNvPr id="4" name="Slide Number Placeholder 3"/>
           <p:cNvSpPr>
             <a:spLocks noGrp="1"/>
           </p:cNvSpPr>
@@ -3664,48 +3807,19 @@
           </a:p>
         </p:txBody>
       </p:sp>
-      <p:pic>
-        <p:nvPicPr>
-          <p:cNvPr id="6" name="Content Placeholder 5"/>
-          <p:cNvPicPr>
-            <a:picLocks noGrp="1" noChangeAspect="1"/>
-          </p:cNvPicPr>
-          <p:nvPr>
-            <p:ph idx="1"/>
-          </p:nvPr>
-        </p:nvPicPr>
-        <p:blipFill>
-          <a:blip r:embed="rId2" cstate="print">
-            <a:extLst>
-              <a:ext uri="{28A0092B-C50C-407E-A947-70E740481C1C}">
-                <a14:useLocalDpi xmlns:a14="http://schemas.microsoft.com/office/drawing/2010/main" val="0"/>
-              </a:ext>
-            </a:extLst>
-          </a:blip>
-          <a:stretch>
-            <a:fillRect/>
-          </a:stretch>
-        </p:blipFill>
+      <p:sp>
+        <p:nvSpPr>
+          <p:cNvPr id="5" name="Subtitle 4"/>
+          <p:cNvSpPr>
+            <a:spLocks noGrp="1"/>
+          </p:cNvSpPr>
+          <p:nvPr>
+            <p:ph type="subTitle" idx="14"/>
+          </p:nvPr>
+        </p:nvSpPr>
         <p:spPr>
           <a:xfrm>
-            <a:off x="381000" y="1447800"/>
-            <a:ext cx="8476906" cy="4648200"/>
-          </a:xfrm>
-        </p:spPr>
-      </p:pic>
-      <p:sp>
-        <p:nvSpPr>
-          <p:cNvPr id="7" name="Subtitle 4"/>
-          <p:cNvSpPr>
-            <a:spLocks noGrp="1"/>
-          </p:cNvSpPr>
-          <p:nvPr>
-            <p:ph type="subTitle" idx="14"/>
-          </p:nvPr>
-        </p:nvSpPr>
-        <p:spPr>
-          <a:xfrm>
-            <a:off x="1419053" y="990600"/>
+            <a:off x="1447800" y="958850"/>
             <a:ext cx="6400800" cy="457200"/>
           </a:xfrm>
         </p:spPr>
@@ -3715,7 +3829,7 @@
           <a:p>
             <a:r>
               <a:rPr lang="en-US" dirty="0" smtClean="0"/>
-              <a:t>Symmetric and Asymmetric Encryption</a:t>
+              <a:t>Resource Types in Azure Key Vault</a:t>
             </a:r>
             <a:endParaRPr lang="en-US" dirty="0"/>
           </a:p>
@@ -3724,7 +3838,7 @@
     </p:spTree>
     <p:extLst>
       <p:ext uri="{BB962C8B-B14F-4D97-AF65-F5344CB8AC3E}">
-        <p14:creationId xmlns:p14="http://schemas.microsoft.com/office/powerpoint/2010/main" val="4058001532"/>
+        <p14:creationId xmlns:p14="http://schemas.microsoft.com/office/powerpoint/2010/main" val="2033253701"/>
       </p:ext>
     </p:extLst>
   </p:cSld>
@@ -3760,6 +3874,59 @@
       </p:grpSpPr>
       <p:sp>
         <p:nvSpPr>
+          <p:cNvPr id="3" name="Segnaposto contenuto 2"/>
+          <p:cNvSpPr>
+            <a:spLocks noGrp="1"/>
+          </p:cNvSpPr>
+          <p:nvPr>
+            <p:ph idx="1"/>
+          </p:nvPr>
+        </p:nvSpPr>
+        <p:spPr/>
+        <p:txBody>
+          <a:bodyPr/>
+          <a:lstStyle/>
+          <a:p>
+            <a:r>
+              <a:rPr lang="en-US" dirty="0" smtClean="0"/>
+              <a:t>It must be kept safe somewhere</a:t>
+            </a:r>
+          </a:p>
+          <a:p>
+            <a:r>
+              <a:rPr lang="en-US" dirty="0" smtClean="0"/>
+              <a:t>It cannot be shared with anyone who should not know</a:t>
+            </a:r>
+          </a:p>
+          <a:p>
+            <a:r>
+              <a:rPr lang="en-US" dirty="0" smtClean="0"/>
+              <a:t>It can be forgotten or lost</a:t>
+            </a:r>
+          </a:p>
+          <a:p>
+            <a:r>
+              <a:rPr lang="en-US" dirty="0" smtClean="0"/>
+              <a:t>If stolen it becomes worthless</a:t>
+            </a:r>
+          </a:p>
+          <a:p>
+            <a:r>
+              <a:rPr lang="en-US" dirty="0" smtClean="0"/>
+              <a:t>Just the suspicion of loss or of a leak makes it worthless</a:t>
+            </a:r>
+          </a:p>
+          <a:p>
+            <a:r>
+              <a:rPr lang="en-US" dirty="0" smtClean="0"/>
+              <a:t>More than one secret and life gets very complicated!</a:t>
+            </a:r>
+            <a:endParaRPr lang="en-US" dirty="0"/>
+          </a:p>
+        </p:txBody>
+      </p:sp>
+      <p:sp>
+        <p:nvSpPr>
           <p:cNvPr id="4" name="Segnaposto data 3"/>
           <p:cNvSpPr>
             <a:spLocks noGrp="1"/>
@@ -3776,7 +3943,7 @@
             <a:fld id="{F8078618-4CAE-48E8-A205-9D92A68D094A}" type="datetime1">
               <a:rPr lang="en-US" smtClean="0"/>
               <a:pPr/>
-              <a:t>5/7/2019</a:t>
+              <a:t>5/8/2019</a:t>
             </a:fld>
             <a:endParaRPr lang="en-US"/>
           </a:p>
@@ -3801,6 +3968,761 @@
               <a:rPr lang="en-US" smtClean="0"/>
               <a:pPr/>
               <a:t>12</a:t>
+            </a:fld>
+            <a:endParaRPr lang="en-US"/>
+          </a:p>
+        </p:txBody>
+      </p:sp>
+      <p:sp>
+        <p:nvSpPr>
+          <p:cNvPr id="7" name="Sottotitolo 6"/>
+          <p:cNvSpPr>
+            <a:spLocks noGrp="1"/>
+          </p:cNvSpPr>
+          <p:nvPr>
+            <p:ph type="subTitle" idx="14"/>
+          </p:nvPr>
+        </p:nvSpPr>
+        <p:spPr>
+          <a:xfrm>
+            <a:off x="1143000" y="1066800"/>
+            <a:ext cx="6400800" cy="457200"/>
+          </a:xfrm>
+        </p:spPr>
+        <p:txBody>
+          <a:bodyPr/>
+          <a:lstStyle/>
+          <a:p>
+            <a:r>
+              <a:rPr lang="en-US" b="1" dirty="0" smtClean="0">
+                <a:solidFill>
+                  <a:schemeClr val="tx1"/>
+                </a:solidFill>
+              </a:rPr>
+              <a:t>The Problems with Secrets</a:t>
+            </a:r>
+            <a:endParaRPr lang="en-US" b="1" dirty="0">
+              <a:solidFill>
+                <a:schemeClr val="tx1"/>
+              </a:solidFill>
+            </a:endParaRPr>
+          </a:p>
+        </p:txBody>
+      </p:sp>
+    </p:spTree>
+    <p:extLst>
+      <p:ext uri="{BB962C8B-B14F-4D97-AF65-F5344CB8AC3E}">
+        <p14:creationId xmlns:p14="http://schemas.microsoft.com/office/powerpoint/2010/main" val="2203314043"/>
+      </p:ext>
+    </p:extLst>
+  </p:cSld>
+  <p:clrMapOvr>
+    <a:masterClrMapping/>
+  </p:clrMapOvr>
+  <p:timing>
+    <p:tnLst>
+      <p:par>
+        <p:cTn id="1" dur="indefinite" restart="never" nodeType="tmRoot"/>
+      </p:par>
+    </p:tnLst>
+  </p:timing>
+</p:sld>
+</file>
+
+<file path=ppt/slides/slide13.xml><?xml version="1.0" encoding="utf-8"?>
+<p:sld xmlns:a="http://schemas.openxmlformats.org/drawingml/2006/main" xmlns:r="http://schemas.openxmlformats.org/officeDocument/2006/relationships" xmlns:p="http://schemas.openxmlformats.org/presentationml/2006/main">
+  <p:cSld>
+    <p:spTree>
+      <p:nvGrpSpPr>
+        <p:cNvPr id="1" name=""/>
+        <p:cNvGrpSpPr/>
+        <p:nvPr/>
+      </p:nvGrpSpPr>
+      <p:grpSpPr>
+        <a:xfrm>
+          <a:off x="0" y="0"/>
+          <a:ext cx="0" cy="0"/>
+          <a:chOff x="0" y="0"/>
+          <a:chExt cx="0" cy="0"/>
+        </a:xfrm>
+      </p:grpSpPr>
+      <p:sp>
+        <p:nvSpPr>
+          <p:cNvPr id="4" name="Segnaposto data 3"/>
+          <p:cNvSpPr>
+            <a:spLocks noGrp="1"/>
+          </p:cNvSpPr>
+          <p:nvPr>
+            <p:ph type="dt" sz="half" idx="10"/>
+          </p:nvPr>
+        </p:nvSpPr>
+        <p:spPr/>
+        <p:txBody>
+          <a:bodyPr/>
+          <a:lstStyle/>
+          <a:p>
+            <a:fld id="{F8078618-4CAE-48E8-A205-9D92A68D094A}" type="datetime1">
+              <a:rPr lang="en-US" smtClean="0"/>
+              <a:pPr/>
+              <a:t>5/8/2019</a:t>
+            </a:fld>
+            <a:endParaRPr lang="en-US"/>
+          </a:p>
+        </p:txBody>
+      </p:sp>
+      <p:sp>
+        <p:nvSpPr>
+          <p:cNvPr id="5" name="Segnaposto numero diapositiva 4"/>
+          <p:cNvSpPr>
+            <a:spLocks noGrp="1"/>
+          </p:cNvSpPr>
+          <p:nvPr>
+            <p:ph type="sldNum" sz="quarter" idx="12"/>
+          </p:nvPr>
+        </p:nvSpPr>
+        <p:spPr/>
+        <p:txBody>
+          <a:bodyPr/>
+          <a:lstStyle/>
+          <a:p>
+            <a:fld id="{02623B3A-910D-43F4-BBA9-9429D5B0014D}" type="slidenum">
+              <a:rPr lang="en-US" smtClean="0"/>
+              <a:pPr/>
+              <a:t>13</a:t>
+            </a:fld>
+            <a:endParaRPr lang="en-US"/>
+          </a:p>
+        </p:txBody>
+      </p:sp>
+      <p:pic>
+        <p:nvPicPr>
+          <p:cNvPr id="6" name="Content Placeholder 5"/>
+          <p:cNvPicPr>
+            <a:picLocks noGrp="1" noChangeAspect="1"/>
+          </p:cNvPicPr>
+          <p:nvPr>
+            <p:ph idx="1"/>
+          </p:nvPr>
+        </p:nvPicPr>
+        <p:blipFill>
+          <a:blip r:embed="rId2" cstate="print">
+            <a:extLst>
+              <a:ext uri="{28A0092B-C50C-407E-A947-70E740481C1C}">
+                <a14:useLocalDpi xmlns:a14="http://schemas.microsoft.com/office/drawing/2010/main" val="0"/>
+              </a:ext>
+            </a:extLst>
+          </a:blip>
+          <a:stretch>
+            <a:fillRect/>
+          </a:stretch>
+        </p:blipFill>
+        <p:spPr>
+          <a:xfrm>
+            <a:off x="381000" y="1447800"/>
+            <a:ext cx="8476906" cy="4648200"/>
+          </a:xfrm>
+        </p:spPr>
+      </p:pic>
+      <p:sp>
+        <p:nvSpPr>
+          <p:cNvPr id="7" name="Subtitle 4"/>
+          <p:cNvSpPr>
+            <a:spLocks noGrp="1"/>
+          </p:cNvSpPr>
+          <p:nvPr>
+            <p:ph type="subTitle" idx="14"/>
+          </p:nvPr>
+        </p:nvSpPr>
+        <p:spPr>
+          <a:xfrm>
+            <a:off x="1419053" y="990600"/>
+            <a:ext cx="6400800" cy="457200"/>
+          </a:xfrm>
+        </p:spPr>
+        <p:txBody>
+          <a:bodyPr/>
+          <a:lstStyle/>
+          <a:p>
+            <a:r>
+              <a:rPr lang="en-US" dirty="0" smtClean="0"/>
+              <a:t>Symmetric and Asymmetric Encryption</a:t>
+            </a:r>
+            <a:endParaRPr lang="en-US" dirty="0"/>
+          </a:p>
+        </p:txBody>
+      </p:sp>
+    </p:spTree>
+    <p:extLst>
+      <p:ext uri="{BB962C8B-B14F-4D97-AF65-F5344CB8AC3E}">
+        <p14:creationId xmlns:p14="http://schemas.microsoft.com/office/powerpoint/2010/main" val="4058001532"/>
+      </p:ext>
+    </p:extLst>
+  </p:cSld>
+  <p:clrMapOvr>
+    <a:masterClrMapping/>
+  </p:clrMapOvr>
+  <p:timing>
+    <p:tnLst>
+      <p:par>
+        <p:cTn id="1" dur="indefinite" restart="never" nodeType="tmRoot"/>
+      </p:par>
+    </p:tnLst>
+  </p:timing>
+</p:sld>
+</file>
+
+<file path=ppt/slides/slide14.xml><?xml version="1.0" encoding="utf-8"?>
+<p:sld xmlns:a="http://schemas.openxmlformats.org/drawingml/2006/main" xmlns:r="http://schemas.openxmlformats.org/officeDocument/2006/relationships" xmlns:p="http://schemas.openxmlformats.org/presentationml/2006/main">
+  <p:cSld>
+    <p:spTree>
+      <p:nvGrpSpPr>
+        <p:cNvPr id="1" name=""/>
+        <p:cNvGrpSpPr/>
+        <p:nvPr/>
+      </p:nvGrpSpPr>
+      <p:grpSpPr>
+        <a:xfrm>
+          <a:off x="0" y="0"/>
+          <a:ext cx="0" cy="0"/>
+          <a:chOff x="0" y="0"/>
+          <a:chExt cx="0" cy="0"/>
+        </a:xfrm>
+      </p:grpSpPr>
+      <p:sp>
+        <p:nvSpPr>
+          <p:cNvPr id="3" name="Segnaposto contenuto 2"/>
+          <p:cNvSpPr>
+            <a:spLocks noGrp="1"/>
+          </p:cNvSpPr>
+          <p:nvPr>
+            <p:ph idx="1"/>
+          </p:nvPr>
+        </p:nvSpPr>
+        <p:spPr>
+          <a:xfrm>
+            <a:off x="457200" y="1905000"/>
+            <a:ext cx="8229600" cy="3429000"/>
+          </a:xfrm>
+        </p:spPr>
+        <p:txBody>
+          <a:bodyPr>
+            <a:normAutofit/>
+          </a:bodyPr>
+          <a:lstStyle/>
+          <a:p>
+            <a:pPr marL="0" indent="0" algn="just">
+              <a:buNone/>
+            </a:pPr>
+            <a:r>
+              <a:rPr lang="en-US" dirty="0"/>
+              <a:t>A certificate contains a public </a:t>
+            </a:r>
+            <a:r>
+              <a:rPr lang="en-US" dirty="0" smtClean="0"/>
+              <a:t>key and additional </a:t>
+            </a:r>
+            <a:r>
+              <a:rPr lang="en-US" dirty="0"/>
+              <a:t>information such as issuer, what the certificate is supposed to be used for, and other types of metadata</a:t>
+            </a:r>
+            <a:r>
+              <a:rPr lang="en-US" dirty="0" smtClean="0"/>
+              <a:t>. It is signed </a:t>
+            </a:r>
+            <a:r>
+              <a:rPr lang="en-US" dirty="0"/>
+              <a:t>by a certificate authority (CA) using CA's private key</a:t>
+            </a:r>
+            <a:r>
+              <a:rPr lang="en-US" dirty="0" smtClean="0"/>
+              <a:t>. This allows the recipient of the certificate to verify the authenticity of the certificate itself.</a:t>
+            </a:r>
+            <a:endParaRPr lang="en-US" dirty="0"/>
+          </a:p>
+        </p:txBody>
+      </p:sp>
+      <p:sp>
+        <p:nvSpPr>
+          <p:cNvPr id="4" name="Segnaposto data 3"/>
+          <p:cNvSpPr>
+            <a:spLocks noGrp="1"/>
+          </p:cNvSpPr>
+          <p:nvPr>
+            <p:ph type="dt" sz="half" idx="10"/>
+          </p:nvPr>
+        </p:nvSpPr>
+        <p:spPr/>
+        <p:txBody>
+          <a:bodyPr/>
+          <a:lstStyle/>
+          <a:p>
+            <a:fld id="{F8078618-4CAE-48E8-A205-9D92A68D094A}" type="datetime1">
+              <a:rPr lang="en-US" smtClean="0"/>
+              <a:pPr/>
+              <a:t>5/8/2019</a:t>
+            </a:fld>
+            <a:endParaRPr lang="en-US"/>
+          </a:p>
+        </p:txBody>
+      </p:sp>
+      <p:sp>
+        <p:nvSpPr>
+          <p:cNvPr id="5" name="Segnaposto numero diapositiva 4"/>
+          <p:cNvSpPr>
+            <a:spLocks noGrp="1"/>
+          </p:cNvSpPr>
+          <p:nvPr>
+            <p:ph type="sldNum" sz="quarter" idx="12"/>
+          </p:nvPr>
+        </p:nvSpPr>
+        <p:spPr/>
+        <p:txBody>
+          <a:bodyPr/>
+          <a:lstStyle/>
+          <a:p>
+            <a:fld id="{02623B3A-910D-43F4-BBA9-9429D5B0014D}" type="slidenum">
+              <a:rPr lang="en-US" smtClean="0"/>
+              <a:pPr/>
+              <a:t>14</a:t>
+            </a:fld>
+            <a:endParaRPr lang="en-US"/>
+          </a:p>
+        </p:txBody>
+      </p:sp>
+      <p:sp>
+        <p:nvSpPr>
+          <p:cNvPr id="7" name="Sottotitolo 6"/>
+          <p:cNvSpPr>
+            <a:spLocks noGrp="1"/>
+          </p:cNvSpPr>
+          <p:nvPr>
+            <p:ph type="subTitle" idx="14"/>
+          </p:nvPr>
+        </p:nvSpPr>
+        <p:spPr>
+          <a:xfrm>
+            <a:off x="1143000" y="1066800"/>
+            <a:ext cx="6400800" cy="457200"/>
+          </a:xfrm>
+        </p:spPr>
+        <p:txBody>
+          <a:bodyPr/>
+          <a:lstStyle/>
+          <a:p>
+            <a:r>
+              <a:rPr lang="en-US" b="1" dirty="0" smtClean="0">
+                <a:solidFill>
+                  <a:schemeClr val="tx1"/>
+                </a:solidFill>
+                <a:hlinkClick r:id="rId2"/>
+              </a:rPr>
+              <a:t>What is </a:t>
+            </a:r>
+            <a:r>
+              <a:rPr lang="en-US" b="1" dirty="0" smtClean="0">
+                <a:solidFill>
+                  <a:schemeClr val="tx1"/>
+                </a:solidFill>
+                <a:hlinkClick r:id="rId2"/>
+              </a:rPr>
+              <a:t>Certificate</a:t>
+            </a:r>
+            <a:endParaRPr lang="en-US" b="1" dirty="0">
+              <a:solidFill>
+                <a:schemeClr val="tx1"/>
+              </a:solidFill>
+            </a:endParaRPr>
+          </a:p>
+        </p:txBody>
+      </p:sp>
+    </p:spTree>
+    <p:extLst>
+      <p:ext uri="{BB962C8B-B14F-4D97-AF65-F5344CB8AC3E}">
+        <p14:creationId xmlns:p14="http://schemas.microsoft.com/office/powerpoint/2010/main" val="368257049"/>
+      </p:ext>
+    </p:extLst>
+  </p:cSld>
+  <p:clrMapOvr>
+    <a:masterClrMapping/>
+  </p:clrMapOvr>
+  <p:timing>
+    <p:tnLst>
+      <p:par>
+        <p:cTn id="1" dur="indefinite" restart="never" nodeType="tmRoot"/>
+      </p:par>
+    </p:tnLst>
+  </p:timing>
+</p:sld>
+</file>
+
+<file path=ppt/slides/slide15.xml><?xml version="1.0" encoding="utf-8"?>
+<p:sld xmlns:a="http://schemas.openxmlformats.org/drawingml/2006/main" xmlns:r="http://schemas.openxmlformats.org/officeDocument/2006/relationships" xmlns:p="http://schemas.openxmlformats.org/presentationml/2006/main">
+  <p:cSld>
+    <p:spTree>
+      <p:nvGrpSpPr>
+        <p:cNvPr id="1" name=""/>
+        <p:cNvGrpSpPr/>
+        <p:nvPr/>
+      </p:nvGrpSpPr>
+      <p:grpSpPr>
+        <a:xfrm>
+          <a:off x="0" y="0"/>
+          <a:ext cx="0" cy="0"/>
+          <a:chOff x="0" y="0"/>
+          <a:chExt cx="0" cy="0"/>
+        </a:xfrm>
+      </p:grpSpPr>
+      <p:pic>
+        <p:nvPicPr>
+          <p:cNvPr id="2" name="Content Placeholder 1"/>
+          <p:cNvPicPr>
+            <a:picLocks noGrp="1" noChangeAspect="1"/>
+          </p:cNvPicPr>
+          <p:nvPr>
+            <p:ph idx="1"/>
+          </p:nvPr>
+        </p:nvPicPr>
+        <p:blipFill>
+          <a:blip r:embed="rId2">
+            <a:extLst>
+              <a:ext uri="{28A0092B-C50C-407E-A947-70E740481C1C}">
+                <a14:useLocalDpi xmlns:a14="http://schemas.microsoft.com/office/drawing/2010/main" val="0"/>
+              </a:ext>
+            </a:extLst>
+          </a:blip>
+          <a:stretch>
+            <a:fillRect/>
+          </a:stretch>
+        </p:blipFill>
+        <p:spPr>
+          <a:xfrm>
+            <a:off x="2741590" y="2057400"/>
+            <a:ext cx="3660819" cy="3429000"/>
+          </a:xfrm>
+        </p:spPr>
+      </p:pic>
+      <p:sp>
+        <p:nvSpPr>
+          <p:cNvPr id="4" name="Segnaposto data 3"/>
+          <p:cNvSpPr>
+            <a:spLocks noGrp="1"/>
+          </p:cNvSpPr>
+          <p:nvPr>
+            <p:ph type="dt" sz="half" idx="10"/>
+          </p:nvPr>
+        </p:nvSpPr>
+        <p:spPr/>
+        <p:txBody>
+          <a:bodyPr/>
+          <a:lstStyle/>
+          <a:p>
+            <a:fld id="{F8078618-4CAE-48E8-A205-9D92A68D094A}" type="datetime1">
+              <a:rPr lang="en-US" smtClean="0"/>
+              <a:pPr/>
+              <a:t>5/8/2019</a:t>
+            </a:fld>
+            <a:endParaRPr lang="en-US"/>
+          </a:p>
+        </p:txBody>
+      </p:sp>
+      <p:sp>
+        <p:nvSpPr>
+          <p:cNvPr id="5" name="Segnaposto numero diapositiva 4"/>
+          <p:cNvSpPr>
+            <a:spLocks noGrp="1"/>
+          </p:cNvSpPr>
+          <p:nvPr>
+            <p:ph type="sldNum" sz="quarter" idx="12"/>
+          </p:nvPr>
+        </p:nvSpPr>
+        <p:spPr/>
+        <p:txBody>
+          <a:bodyPr/>
+          <a:lstStyle/>
+          <a:p>
+            <a:fld id="{02623B3A-910D-43F4-BBA9-9429D5B0014D}" type="slidenum">
+              <a:rPr lang="en-US" smtClean="0"/>
+              <a:pPr/>
+              <a:t>15</a:t>
+            </a:fld>
+            <a:endParaRPr lang="en-US"/>
+          </a:p>
+        </p:txBody>
+      </p:sp>
+      <p:sp>
+        <p:nvSpPr>
+          <p:cNvPr id="7" name="Sottotitolo 6"/>
+          <p:cNvSpPr>
+            <a:spLocks noGrp="1"/>
+          </p:cNvSpPr>
+          <p:nvPr>
+            <p:ph type="subTitle" idx="14"/>
+          </p:nvPr>
+        </p:nvSpPr>
+        <p:spPr>
+          <a:xfrm>
+            <a:off x="1371599" y="1066800"/>
+            <a:ext cx="6400800" cy="457200"/>
+          </a:xfrm>
+        </p:spPr>
+        <p:txBody>
+          <a:bodyPr/>
+          <a:lstStyle/>
+          <a:p>
+            <a:r>
+              <a:rPr lang="en-US" b="1" dirty="0" smtClean="0">
+                <a:solidFill>
+                  <a:schemeClr val="tx1"/>
+                </a:solidFill>
+              </a:rPr>
+              <a:t>How a Certificat</a:t>
+            </a:r>
+            <a:r>
+              <a:rPr lang="en-US" b="1" dirty="0" smtClean="0"/>
+              <a:t>e is Used</a:t>
+            </a:r>
+            <a:endParaRPr lang="en-US" b="1" dirty="0">
+              <a:solidFill>
+                <a:schemeClr val="tx1"/>
+              </a:solidFill>
+            </a:endParaRPr>
+          </a:p>
+        </p:txBody>
+      </p:sp>
+    </p:spTree>
+    <p:extLst>
+      <p:ext uri="{BB962C8B-B14F-4D97-AF65-F5344CB8AC3E}">
+        <p14:creationId xmlns:p14="http://schemas.microsoft.com/office/powerpoint/2010/main" val="3949542716"/>
+      </p:ext>
+    </p:extLst>
+  </p:cSld>
+  <p:clrMapOvr>
+    <a:masterClrMapping/>
+  </p:clrMapOvr>
+  <p:timing>
+    <p:tnLst>
+      <p:par>
+        <p:cTn id="1" dur="indefinite" restart="never" nodeType="tmRoot"/>
+      </p:par>
+    </p:tnLst>
+  </p:timing>
+</p:sld>
+</file>
+
+<file path=ppt/slides/slide16.xml><?xml version="1.0" encoding="utf-8"?>
+<p:sld xmlns:a="http://schemas.openxmlformats.org/drawingml/2006/main" xmlns:r="http://schemas.openxmlformats.org/officeDocument/2006/relationships" xmlns:p="http://schemas.openxmlformats.org/presentationml/2006/main">
+  <p:cSld>
+    <p:spTree>
+      <p:nvGrpSpPr>
+        <p:cNvPr id="1" name=""/>
+        <p:cNvGrpSpPr/>
+        <p:nvPr/>
+      </p:nvGrpSpPr>
+      <p:grpSpPr>
+        <a:xfrm>
+          <a:off x="0" y="0"/>
+          <a:ext cx="0" cy="0"/>
+          <a:chOff x="0" y="0"/>
+          <a:chExt cx="0" cy="0"/>
+        </a:xfrm>
+      </p:grpSpPr>
+      <p:sp>
+        <p:nvSpPr>
+          <p:cNvPr id="4" name="Segnaposto data 3"/>
+          <p:cNvSpPr>
+            <a:spLocks noGrp="1"/>
+          </p:cNvSpPr>
+          <p:nvPr>
+            <p:ph type="dt" sz="half" idx="10"/>
+          </p:nvPr>
+        </p:nvSpPr>
+        <p:spPr/>
+        <p:txBody>
+          <a:bodyPr/>
+          <a:lstStyle/>
+          <a:p>
+            <a:fld id="{F8078618-4CAE-48E8-A205-9D92A68D094A}" type="datetime1">
+              <a:rPr lang="en-US" smtClean="0"/>
+              <a:pPr/>
+              <a:t>5/8/2019</a:t>
+            </a:fld>
+            <a:endParaRPr lang="en-US"/>
+          </a:p>
+        </p:txBody>
+      </p:sp>
+      <p:sp>
+        <p:nvSpPr>
+          <p:cNvPr id="5" name="Segnaposto numero diapositiva 4"/>
+          <p:cNvSpPr>
+            <a:spLocks noGrp="1"/>
+          </p:cNvSpPr>
+          <p:nvPr>
+            <p:ph type="sldNum" sz="quarter" idx="12"/>
+          </p:nvPr>
+        </p:nvSpPr>
+        <p:spPr/>
+        <p:txBody>
+          <a:bodyPr/>
+          <a:lstStyle/>
+          <a:p>
+            <a:fld id="{02623B3A-910D-43F4-BBA9-9429D5B0014D}" type="slidenum">
+              <a:rPr lang="en-US" smtClean="0"/>
+              <a:pPr/>
+              <a:t>16</a:t>
+            </a:fld>
+            <a:endParaRPr lang="en-US"/>
+          </a:p>
+        </p:txBody>
+      </p:sp>
+      <p:sp>
+        <p:nvSpPr>
+          <p:cNvPr id="7" name="Sottotitolo 6"/>
+          <p:cNvSpPr>
+            <a:spLocks noGrp="1"/>
+          </p:cNvSpPr>
+          <p:nvPr>
+            <p:ph type="subTitle" idx="14"/>
+          </p:nvPr>
+        </p:nvSpPr>
+        <p:spPr>
+          <a:xfrm>
+            <a:off x="1371599" y="1066800"/>
+            <a:ext cx="6400800" cy="457200"/>
+          </a:xfrm>
+        </p:spPr>
+        <p:txBody>
+          <a:bodyPr/>
+          <a:lstStyle/>
+          <a:p>
+            <a:r>
+              <a:rPr lang="en-US" b="1" dirty="0" smtClean="0">
+                <a:solidFill>
+                  <a:schemeClr val="tx1"/>
+                </a:solidFill>
+              </a:rPr>
+              <a:t>How a Certificat</a:t>
+            </a:r>
+            <a:r>
+              <a:rPr lang="en-US" b="1" dirty="0" smtClean="0"/>
+              <a:t>e is Used</a:t>
+            </a:r>
+            <a:endParaRPr lang="en-US" b="1" dirty="0">
+              <a:solidFill>
+                <a:schemeClr val="tx1"/>
+              </a:solidFill>
+            </a:endParaRPr>
+          </a:p>
+        </p:txBody>
+      </p:sp>
+      <p:pic>
+        <p:nvPicPr>
+          <p:cNvPr id="6" name="Content Placeholder 5"/>
+          <p:cNvPicPr>
+            <a:picLocks noGrp="1" noChangeAspect="1"/>
+          </p:cNvPicPr>
+          <p:nvPr>
+            <p:ph idx="1"/>
+          </p:nvPr>
+        </p:nvPicPr>
+        <p:blipFill>
+          <a:blip r:embed="rId2">
+            <a:extLst>
+              <a:ext uri="{28A0092B-C50C-407E-A947-70E740481C1C}">
+                <a14:useLocalDpi xmlns:a14="http://schemas.microsoft.com/office/drawing/2010/main" val="0"/>
+              </a:ext>
+            </a:extLst>
+          </a:blip>
+          <a:stretch>
+            <a:fillRect/>
+          </a:stretch>
+        </p:blipFill>
+        <p:spPr>
+          <a:xfrm>
+            <a:off x="1933277" y="2057400"/>
+            <a:ext cx="5277445" cy="3429000"/>
+          </a:xfrm>
+        </p:spPr>
+      </p:pic>
+    </p:spTree>
+    <p:extLst>
+      <p:ext uri="{BB962C8B-B14F-4D97-AF65-F5344CB8AC3E}">
+        <p14:creationId xmlns:p14="http://schemas.microsoft.com/office/powerpoint/2010/main" val="2483861807"/>
+      </p:ext>
+    </p:extLst>
+  </p:cSld>
+  <p:clrMapOvr>
+    <a:masterClrMapping/>
+  </p:clrMapOvr>
+  <p:timing>
+    <p:tnLst>
+      <p:par>
+        <p:cTn id="1" dur="indefinite" restart="never" nodeType="tmRoot"/>
+      </p:par>
+    </p:tnLst>
+  </p:timing>
+</p:sld>
+</file>
+
+<file path=ppt/slides/slide17.xml><?xml version="1.0" encoding="utf-8"?>
+<p:sld xmlns:a="http://schemas.openxmlformats.org/drawingml/2006/main" xmlns:r="http://schemas.openxmlformats.org/officeDocument/2006/relationships" xmlns:p="http://schemas.openxmlformats.org/presentationml/2006/main">
+  <p:cSld>
+    <p:spTree>
+      <p:nvGrpSpPr>
+        <p:cNvPr id="1" name=""/>
+        <p:cNvGrpSpPr/>
+        <p:nvPr/>
+      </p:nvGrpSpPr>
+      <p:grpSpPr>
+        <a:xfrm>
+          <a:off x="0" y="0"/>
+          <a:ext cx="0" cy="0"/>
+          <a:chOff x="0" y="0"/>
+          <a:chExt cx="0" cy="0"/>
+        </a:xfrm>
+      </p:grpSpPr>
+      <p:sp>
+        <p:nvSpPr>
+          <p:cNvPr id="4" name="Segnaposto data 3"/>
+          <p:cNvSpPr>
+            <a:spLocks noGrp="1"/>
+          </p:cNvSpPr>
+          <p:nvPr>
+            <p:ph type="dt" sz="half" idx="10"/>
+          </p:nvPr>
+        </p:nvSpPr>
+        <p:spPr/>
+        <p:txBody>
+          <a:bodyPr/>
+          <a:lstStyle/>
+          <a:p>
+            <a:fld id="{F8078618-4CAE-48E8-A205-9D92A68D094A}" type="datetime1">
+              <a:rPr lang="en-US" smtClean="0"/>
+              <a:pPr/>
+              <a:t>5/8/2019</a:t>
+            </a:fld>
+            <a:endParaRPr lang="en-US"/>
+          </a:p>
+        </p:txBody>
+      </p:sp>
+      <p:sp>
+        <p:nvSpPr>
+          <p:cNvPr id="5" name="Segnaposto numero diapositiva 4"/>
+          <p:cNvSpPr>
+            <a:spLocks noGrp="1"/>
+          </p:cNvSpPr>
+          <p:nvPr>
+            <p:ph type="sldNum" sz="quarter" idx="12"/>
+          </p:nvPr>
+        </p:nvSpPr>
+        <p:spPr/>
+        <p:txBody>
+          <a:bodyPr/>
+          <a:lstStyle/>
+          <a:p>
+            <a:fld id="{02623B3A-910D-43F4-BBA9-9429D5B0014D}" type="slidenum">
+              <a:rPr lang="en-US" smtClean="0"/>
+              <a:pPr/>
+              <a:t>17</a:t>
             </a:fld>
             <a:endParaRPr lang="en-US"/>
           </a:p>
@@ -3850,7 +4772,7 @@
 </p:sld>
 </file>
 
-<file path=ppt/slides/slide13.xml><?xml version="1.0" encoding="utf-8"?>
+<file path=ppt/slides/slide18.xml><?xml version="1.0" encoding="utf-8"?>
 <p:sld xmlns:a="http://schemas.openxmlformats.org/drawingml/2006/main" xmlns:r="http://schemas.openxmlformats.org/officeDocument/2006/relationships" xmlns:p="http://schemas.openxmlformats.org/presentationml/2006/main">
   <p:cSld>
     <p:spTree>
@@ -3914,7 +4836,7 @@
             <a:fld id="{F8078618-4CAE-48E8-A205-9D92A68D094A}" type="datetime1">
               <a:rPr lang="en-US" smtClean="0"/>
               <a:pPr/>
-              <a:t>5/7/2019</a:t>
+              <a:t>5/8/2019</a:t>
             </a:fld>
             <a:endParaRPr lang="en-US"/>
           </a:p>
@@ -3938,7 +4860,7 @@
             <a:fld id="{02623B3A-910D-43F4-BBA9-9429D5B0014D}" type="slidenum">
               <a:rPr lang="en-US" smtClean="0"/>
               <a:pPr/>
-              <a:t>13</a:t>
+              <a:t>18</a:t>
             </a:fld>
             <a:endParaRPr lang="en-US"/>
           </a:p>
@@ -3950,870 +4872,6 @@
         <p14:creationId xmlns:p14="http://schemas.microsoft.com/office/powerpoint/2010/main" val="2434566992"/>
       </p:ext>
     </p:extLst>
-  </p:cSld>
-  <p:clrMapOvr>
-    <a:masterClrMapping/>
-  </p:clrMapOvr>
-  <p:timing>
-    <p:tnLst>
-      <p:par>
-        <p:cTn id="1" dur="indefinite" restart="never" nodeType="tmRoot"/>
-      </p:par>
-    </p:tnLst>
-  </p:timing>
-</p:sld>
-</file>
-
-<file path=ppt/slides/slide14.xml><?xml version="1.0" encoding="utf-8"?>
-<p:sld xmlns:a="http://schemas.openxmlformats.org/drawingml/2006/main" xmlns:r="http://schemas.openxmlformats.org/officeDocument/2006/relationships" xmlns:p="http://schemas.openxmlformats.org/presentationml/2006/main">
-  <p:cSld>
-    <p:spTree>
-      <p:nvGrpSpPr>
-        <p:cNvPr id="1" name=""/>
-        <p:cNvGrpSpPr/>
-        <p:nvPr/>
-      </p:nvGrpSpPr>
-      <p:grpSpPr>
-        <a:xfrm>
-          <a:off x="0" y="0"/>
-          <a:ext cx="0" cy="0"/>
-          <a:chOff x="0" y="0"/>
-          <a:chExt cx="0" cy="0"/>
-        </a:xfrm>
-      </p:grpSpPr>
-      <p:sp>
-        <p:nvSpPr>
-          <p:cNvPr id="3" name="Segnaposto contenuto 2"/>
-          <p:cNvSpPr>
-            <a:spLocks noGrp="1"/>
-          </p:cNvSpPr>
-          <p:nvPr>
-            <p:ph idx="1"/>
-          </p:nvPr>
-        </p:nvSpPr>
-        <p:spPr/>
-        <p:txBody>
-          <a:bodyPr/>
-          <a:lstStyle/>
-          <a:p>
-            <a:pPr algn="ctr">
-              <a:buNone/>
-            </a:pPr>
-            <a:endParaRPr lang="en-US" dirty="0" smtClean="0"/>
-          </a:p>
-          <a:p>
-            <a:r>
-              <a:rPr lang="en-US" dirty="0" smtClean="0"/>
-              <a:t>Introduction</a:t>
-            </a:r>
-          </a:p>
-          <a:p>
-            <a:r>
-              <a:rPr lang="en-US" dirty="0" smtClean="0"/>
-              <a:t>Business scope </a:t>
-            </a:r>
-          </a:p>
-          <a:p>
-            <a:r>
-              <a:rPr lang="en-US" dirty="0" smtClean="0"/>
-              <a:t>Functionality description</a:t>
-            </a:r>
-          </a:p>
-          <a:p>
-            <a:r>
-              <a:rPr lang="en-US" dirty="0" smtClean="0"/>
-              <a:t>AX modules involved and setup</a:t>
-            </a:r>
-          </a:p>
-          <a:p>
-            <a:r>
-              <a:rPr lang="en-US" dirty="0" smtClean="0"/>
-              <a:t>Demo with AX/Slides</a:t>
-            </a:r>
-          </a:p>
-          <a:p>
-            <a:r>
-              <a:rPr lang="en-US" dirty="0" smtClean="0"/>
-              <a:t>Q&amp;A</a:t>
-            </a:r>
-          </a:p>
-          <a:p>
-            <a:endParaRPr lang="en-US" dirty="0" smtClean="0"/>
-          </a:p>
-          <a:p>
-            <a:endParaRPr lang="en-US" dirty="0" smtClean="0"/>
-          </a:p>
-          <a:p>
-            <a:endParaRPr lang="en-US" dirty="0" smtClean="0"/>
-          </a:p>
-          <a:p>
-            <a:endParaRPr lang="en-US" dirty="0" smtClean="0"/>
-          </a:p>
-          <a:p>
-            <a:endParaRPr lang="en-US" dirty="0" smtClean="0"/>
-          </a:p>
-          <a:p>
-            <a:endParaRPr lang="en-US" dirty="0"/>
-          </a:p>
-        </p:txBody>
-      </p:sp>
-      <p:sp>
-        <p:nvSpPr>
-          <p:cNvPr id="4" name="Segnaposto data 3"/>
-          <p:cNvSpPr>
-            <a:spLocks noGrp="1"/>
-          </p:cNvSpPr>
-          <p:nvPr>
-            <p:ph type="dt" sz="half" idx="10"/>
-          </p:nvPr>
-        </p:nvSpPr>
-        <p:spPr/>
-        <p:txBody>
-          <a:bodyPr/>
-          <a:lstStyle/>
-          <a:p>
-            <a:fld id="{F8078618-4CAE-48E8-A205-9D92A68D094A}" type="datetime1">
-              <a:rPr lang="en-US" smtClean="0"/>
-              <a:pPr/>
-              <a:t>5/7/2019</a:t>
-            </a:fld>
-            <a:endParaRPr lang="en-US"/>
-          </a:p>
-        </p:txBody>
-      </p:sp>
-      <p:sp>
-        <p:nvSpPr>
-          <p:cNvPr id="5" name="Segnaposto numero diapositiva 4"/>
-          <p:cNvSpPr>
-            <a:spLocks noGrp="1"/>
-          </p:cNvSpPr>
-          <p:nvPr>
-            <p:ph type="sldNum" sz="quarter" idx="12"/>
-          </p:nvPr>
-        </p:nvSpPr>
-        <p:spPr/>
-        <p:txBody>
-          <a:bodyPr/>
-          <a:lstStyle/>
-          <a:p>
-            <a:fld id="{02623B3A-910D-43F4-BBA9-9429D5B0014D}" type="slidenum">
-              <a:rPr lang="en-US" smtClean="0"/>
-              <a:pPr/>
-              <a:t>14</a:t>
-            </a:fld>
-            <a:endParaRPr lang="en-US"/>
-          </a:p>
-        </p:txBody>
-      </p:sp>
-      <p:sp>
-        <p:nvSpPr>
-          <p:cNvPr id="8" name="Sottotitolo 7"/>
-          <p:cNvSpPr>
-            <a:spLocks noGrp="1"/>
-          </p:cNvSpPr>
-          <p:nvPr>
-            <p:ph type="subTitle" idx="14"/>
-          </p:nvPr>
-        </p:nvSpPr>
-        <p:spPr/>
-        <p:txBody>
-          <a:bodyPr/>
-          <a:lstStyle/>
-          <a:p>
-            <a:r>
-              <a:rPr lang="en-US" b="1" dirty="0" smtClean="0">
-                <a:solidFill>
-                  <a:schemeClr val="tx1"/>
-                </a:solidFill>
-              </a:rPr>
-              <a:t>Summary</a:t>
-            </a:r>
-            <a:endParaRPr lang="en-US" dirty="0">
-              <a:solidFill>
-                <a:schemeClr val="tx1"/>
-              </a:solidFill>
-            </a:endParaRPr>
-          </a:p>
-        </p:txBody>
-      </p:sp>
-    </p:spTree>
-  </p:cSld>
-  <p:clrMapOvr>
-    <a:masterClrMapping/>
-  </p:clrMapOvr>
-  <p:timing>
-    <p:tnLst>
-      <p:par>
-        <p:cTn id="1" dur="indefinite" restart="never" nodeType="tmRoot"/>
-      </p:par>
-    </p:tnLst>
-  </p:timing>
-</p:sld>
-</file>
-
-<file path=ppt/slides/slide15.xml><?xml version="1.0" encoding="utf-8"?>
-<p:sld xmlns:a="http://schemas.openxmlformats.org/drawingml/2006/main" xmlns:r="http://schemas.openxmlformats.org/officeDocument/2006/relationships" xmlns:p="http://schemas.openxmlformats.org/presentationml/2006/main">
-  <p:cSld>
-    <p:spTree>
-      <p:nvGrpSpPr>
-        <p:cNvPr id="1" name=""/>
-        <p:cNvGrpSpPr/>
-        <p:nvPr/>
-      </p:nvGrpSpPr>
-      <p:grpSpPr>
-        <a:xfrm>
-          <a:off x="0" y="0"/>
-          <a:ext cx="0" cy="0"/>
-          <a:chOff x="0" y="0"/>
-          <a:chExt cx="0" cy="0"/>
-        </a:xfrm>
-      </p:grpSpPr>
-      <p:sp>
-        <p:nvSpPr>
-          <p:cNvPr id="3" name="Segnaposto contenuto 2"/>
-          <p:cNvSpPr>
-            <a:spLocks noGrp="1"/>
-          </p:cNvSpPr>
-          <p:nvPr>
-            <p:ph idx="1"/>
-          </p:nvPr>
-        </p:nvSpPr>
-        <p:spPr/>
-        <p:txBody>
-          <a:bodyPr>
-            <a:normAutofit fontScale="92500" lnSpcReduction="10000"/>
-          </a:bodyPr>
-          <a:lstStyle/>
-          <a:p>
-            <a:r>
-              <a:rPr lang="en-US" sz="1900" i="1" dirty="0" smtClean="0"/>
-              <a:t>Description of the new function </a:t>
-            </a:r>
-          </a:p>
-          <a:p>
-            <a:r>
-              <a:rPr lang="en-US" sz="1900" i="1" dirty="0" smtClean="0"/>
-              <a:t>Cases where the function is useful</a:t>
-            </a:r>
-          </a:p>
-          <a:p>
-            <a:r>
-              <a:rPr lang="en-US" sz="1900" i="1" dirty="0" smtClean="0"/>
-              <a:t>Business limitations</a:t>
-            </a:r>
-          </a:p>
-          <a:p>
-            <a:endParaRPr lang="en-US" sz="1900" i="1" dirty="0" smtClean="0"/>
-          </a:p>
-          <a:p>
-            <a:pPr>
-              <a:buNone/>
-            </a:pPr>
-            <a:r>
-              <a:rPr lang="en-US" sz="1900" i="1" dirty="0" smtClean="0"/>
-              <a:t>For example:</a:t>
-            </a:r>
-          </a:p>
-          <a:p>
-            <a:pPr>
-              <a:buNone/>
-            </a:pPr>
-            <a:r>
-              <a:rPr lang="en-US" sz="1900" i="1" dirty="0" smtClean="0"/>
-              <a:t> Additional cost management on purchase order. By this functionality AX can track all additional cost on purchase order such as:</a:t>
-            </a:r>
-          </a:p>
-          <a:p>
-            <a:pPr lvl="1"/>
-            <a:r>
-              <a:rPr lang="en-US" sz="1900" i="1" dirty="0" smtClean="0"/>
-              <a:t>packing cost</a:t>
-            </a:r>
-          </a:p>
-          <a:p>
-            <a:pPr lvl="1"/>
-            <a:r>
-              <a:rPr lang="en-US" sz="1900" i="1" dirty="0" smtClean="0"/>
-              <a:t>Transportation</a:t>
-            </a:r>
-          </a:p>
-          <a:p>
-            <a:pPr lvl="1"/>
-            <a:r>
-              <a:rPr lang="en-US" sz="1900" i="1" dirty="0" smtClean="0"/>
-              <a:t>Insurance</a:t>
-            </a:r>
-          </a:p>
-          <a:p>
-            <a:pPr lvl="1"/>
-            <a:r>
-              <a:rPr lang="en-US" sz="1900" i="1" dirty="0" smtClean="0"/>
-              <a:t>Etc.</a:t>
-            </a:r>
-          </a:p>
-          <a:p>
-            <a:pPr>
-              <a:buNone/>
-            </a:pPr>
-            <a:endParaRPr lang="en-US" i="1" dirty="0" smtClean="0"/>
-          </a:p>
-          <a:p>
-            <a:pPr>
-              <a:buNone/>
-            </a:pPr>
-            <a:endParaRPr lang="en-US" i="1" dirty="0" smtClean="0"/>
-          </a:p>
-          <a:p>
-            <a:pPr>
-              <a:buNone/>
-            </a:pPr>
-            <a:endParaRPr lang="en-US" i="1" dirty="0" smtClean="0"/>
-          </a:p>
-          <a:p>
-            <a:pPr>
-              <a:buNone/>
-            </a:pPr>
-            <a:endParaRPr lang="en-US" i="1" dirty="0"/>
-          </a:p>
-        </p:txBody>
-      </p:sp>
-      <p:sp>
-        <p:nvSpPr>
-          <p:cNvPr id="4" name="Segnaposto data 3"/>
-          <p:cNvSpPr>
-            <a:spLocks noGrp="1"/>
-          </p:cNvSpPr>
-          <p:nvPr>
-            <p:ph type="dt" sz="half" idx="10"/>
-          </p:nvPr>
-        </p:nvSpPr>
-        <p:spPr/>
-        <p:txBody>
-          <a:bodyPr/>
-          <a:lstStyle/>
-          <a:p>
-            <a:fld id="{F8078618-4CAE-48E8-A205-9D92A68D094A}" type="datetime1">
-              <a:rPr lang="en-US" smtClean="0"/>
-              <a:pPr/>
-              <a:t>5/7/2019</a:t>
-            </a:fld>
-            <a:endParaRPr lang="en-US"/>
-          </a:p>
-        </p:txBody>
-      </p:sp>
-      <p:sp>
-        <p:nvSpPr>
-          <p:cNvPr id="5" name="Segnaposto numero diapositiva 4"/>
-          <p:cNvSpPr>
-            <a:spLocks noGrp="1"/>
-          </p:cNvSpPr>
-          <p:nvPr>
-            <p:ph type="sldNum" sz="quarter" idx="12"/>
-          </p:nvPr>
-        </p:nvSpPr>
-        <p:spPr/>
-        <p:txBody>
-          <a:bodyPr/>
-          <a:lstStyle/>
-          <a:p>
-            <a:fld id="{02623B3A-910D-43F4-BBA9-9429D5B0014D}" type="slidenum">
-              <a:rPr lang="en-US" smtClean="0"/>
-              <a:pPr/>
-              <a:t>15</a:t>
-            </a:fld>
-            <a:endParaRPr lang="en-US"/>
-          </a:p>
-        </p:txBody>
-      </p:sp>
-      <p:sp>
-        <p:nvSpPr>
-          <p:cNvPr id="7" name="Sottotitolo 6"/>
-          <p:cNvSpPr>
-            <a:spLocks noGrp="1"/>
-          </p:cNvSpPr>
-          <p:nvPr>
-            <p:ph type="subTitle" idx="14"/>
-          </p:nvPr>
-        </p:nvSpPr>
-        <p:spPr/>
-        <p:txBody>
-          <a:bodyPr/>
-          <a:lstStyle/>
-          <a:p>
-            <a:r>
-              <a:rPr lang="en-US" b="1" dirty="0" smtClean="0">
-                <a:solidFill>
-                  <a:schemeClr val="tx1"/>
-                </a:solidFill>
-              </a:rPr>
-              <a:t>Functionality</a:t>
-            </a:r>
-            <a:r>
-              <a:rPr lang="en-US" dirty="0" smtClean="0">
-                <a:solidFill>
-                  <a:schemeClr val="tx1"/>
-                </a:solidFill>
-              </a:rPr>
-              <a:t> </a:t>
-            </a:r>
-            <a:r>
-              <a:rPr lang="en-US" b="1" dirty="0" smtClean="0">
-                <a:solidFill>
-                  <a:schemeClr val="tx1"/>
-                </a:solidFill>
-              </a:rPr>
-              <a:t>description</a:t>
-            </a:r>
-          </a:p>
-        </p:txBody>
-      </p:sp>
-    </p:spTree>
-  </p:cSld>
-  <p:clrMapOvr>
-    <a:masterClrMapping/>
-  </p:clrMapOvr>
-  <p:timing>
-    <p:tnLst>
-      <p:par>
-        <p:cTn id="1" dur="indefinite" restart="never" nodeType="tmRoot"/>
-      </p:par>
-    </p:tnLst>
-  </p:timing>
-</p:sld>
-</file>
-
-<file path=ppt/slides/slide16.xml><?xml version="1.0" encoding="utf-8"?>
-<p:sld xmlns:a="http://schemas.openxmlformats.org/drawingml/2006/main" xmlns:r="http://schemas.openxmlformats.org/officeDocument/2006/relationships" xmlns:p="http://schemas.openxmlformats.org/presentationml/2006/main">
-  <p:cSld>
-    <p:spTree>
-      <p:nvGrpSpPr>
-        <p:cNvPr id="1" name=""/>
-        <p:cNvGrpSpPr/>
-        <p:nvPr/>
-      </p:nvGrpSpPr>
-      <p:grpSpPr>
-        <a:xfrm>
-          <a:off x="0" y="0"/>
-          <a:ext cx="0" cy="0"/>
-          <a:chOff x="0" y="0"/>
-          <a:chExt cx="0" cy="0"/>
-        </a:xfrm>
-      </p:grpSpPr>
-      <p:sp>
-        <p:nvSpPr>
-          <p:cNvPr id="3" name="Segnaposto contenuto 2"/>
-          <p:cNvSpPr>
-            <a:spLocks noGrp="1"/>
-          </p:cNvSpPr>
-          <p:nvPr>
-            <p:ph idx="1"/>
-          </p:nvPr>
-        </p:nvSpPr>
-        <p:spPr/>
-        <p:txBody>
-          <a:bodyPr>
-            <a:normAutofit/>
-          </a:bodyPr>
-          <a:lstStyle/>
-          <a:p>
-            <a:endParaRPr lang="en-US" dirty="0" smtClean="0"/>
-          </a:p>
-          <a:p>
-            <a:pPr indent="0">
-              <a:buNone/>
-            </a:pPr>
-            <a:r>
-              <a:rPr lang="en-US" sz="1600" i="1" dirty="0" smtClean="0"/>
-              <a:t>Business Limitations </a:t>
-            </a:r>
-          </a:p>
-          <a:p>
-            <a:pPr indent="0">
-              <a:buNone/>
-            </a:pPr>
-            <a:r>
-              <a:rPr lang="en-US" sz="1600" i="1" dirty="0" smtClean="0"/>
-              <a:t>Example: If the additional cost has to be invoiced to a third party vendor, the functionality doesn't apply </a:t>
-            </a:r>
-          </a:p>
-        </p:txBody>
-      </p:sp>
-      <p:sp>
-        <p:nvSpPr>
-          <p:cNvPr id="4" name="Segnaposto data 3"/>
-          <p:cNvSpPr>
-            <a:spLocks noGrp="1"/>
-          </p:cNvSpPr>
-          <p:nvPr>
-            <p:ph type="dt" sz="half" idx="10"/>
-          </p:nvPr>
-        </p:nvSpPr>
-        <p:spPr/>
-        <p:txBody>
-          <a:bodyPr/>
-          <a:lstStyle/>
-          <a:p>
-            <a:fld id="{F8078618-4CAE-48E8-A205-9D92A68D094A}" type="datetime1">
-              <a:rPr lang="en-US" smtClean="0"/>
-              <a:pPr/>
-              <a:t>5/7/2019</a:t>
-            </a:fld>
-            <a:endParaRPr lang="en-US"/>
-          </a:p>
-        </p:txBody>
-      </p:sp>
-      <p:sp>
-        <p:nvSpPr>
-          <p:cNvPr id="5" name="Segnaposto numero diapositiva 4"/>
-          <p:cNvSpPr>
-            <a:spLocks noGrp="1"/>
-          </p:cNvSpPr>
-          <p:nvPr>
-            <p:ph type="sldNum" sz="quarter" idx="12"/>
-          </p:nvPr>
-        </p:nvSpPr>
-        <p:spPr/>
-        <p:txBody>
-          <a:bodyPr/>
-          <a:lstStyle/>
-          <a:p>
-            <a:fld id="{02623B3A-910D-43F4-BBA9-9429D5B0014D}" type="slidenum">
-              <a:rPr lang="en-US" smtClean="0"/>
-              <a:pPr/>
-              <a:t>16</a:t>
-            </a:fld>
-            <a:endParaRPr lang="en-US"/>
-          </a:p>
-        </p:txBody>
-      </p:sp>
-      <p:sp>
-        <p:nvSpPr>
-          <p:cNvPr id="8" name="Sottotitolo 7"/>
-          <p:cNvSpPr>
-            <a:spLocks noGrp="1"/>
-          </p:cNvSpPr>
-          <p:nvPr>
-            <p:ph type="subTitle" idx="14"/>
-          </p:nvPr>
-        </p:nvSpPr>
-        <p:spPr/>
-        <p:txBody>
-          <a:bodyPr/>
-          <a:lstStyle/>
-          <a:p>
-            <a:r>
-              <a:rPr lang="en-US" b="1" dirty="0" smtClean="0">
-                <a:solidFill>
-                  <a:schemeClr val="tx1"/>
-                </a:solidFill>
-              </a:rPr>
-              <a:t>Functionality</a:t>
-            </a:r>
-            <a:r>
-              <a:rPr lang="en-US" dirty="0" smtClean="0">
-                <a:solidFill>
-                  <a:schemeClr val="tx1"/>
-                </a:solidFill>
-              </a:rPr>
-              <a:t> </a:t>
-            </a:r>
-            <a:r>
-              <a:rPr lang="en-US" b="1" dirty="0" smtClean="0">
-                <a:solidFill>
-                  <a:schemeClr val="tx1"/>
-                </a:solidFill>
-              </a:rPr>
-              <a:t>description</a:t>
-            </a:r>
-          </a:p>
-        </p:txBody>
-      </p:sp>
-    </p:spTree>
-  </p:cSld>
-  <p:clrMapOvr>
-    <a:masterClrMapping/>
-  </p:clrMapOvr>
-  <p:timing>
-    <p:tnLst>
-      <p:par>
-        <p:cTn id="1" dur="indefinite" restart="never" nodeType="tmRoot"/>
-      </p:par>
-    </p:tnLst>
-  </p:timing>
-</p:sld>
-</file>
-
-<file path=ppt/slides/slide17.xml><?xml version="1.0" encoding="utf-8"?>
-<p:sld xmlns:a="http://schemas.openxmlformats.org/drawingml/2006/main" xmlns:r="http://schemas.openxmlformats.org/officeDocument/2006/relationships" xmlns:p="http://schemas.openxmlformats.org/presentationml/2006/main">
-  <p:cSld>
-    <p:spTree>
-      <p:nvGrpSpPr>
-        <p:cNvPr id="1" name=""/>
-        <p:cNvGrpSpPr/>
-        <p:nvPr/>
-      </p:nvGrpSpPr>
-      <p:grpSpPr>
-        <a:xfrm>
-          <a:off x="0" y="0"/>
-          <a:ext cx="0" cy="0"/>
-          <a:chOff x="0" y="0"/>
-          <a:chExt cx="0" cy="0"/>
-        </a:xfrm>
-      </p:grpSpPr>
-      <p:sp>
-        <p:nvSpPr>
-          <p:cNvPr id="3" name="Segnaposto contenuto 2"/>
-          <p:cNvSpPr>
-            <a:spLocks noGrp="1"/>
-          </p:cNvSpPr>
-          <p:nvPr>
-            <p:ph idx="1"/>
-          </p:nvPr>
-        </p:nvSpPr>
-        <p:spPr/>
-        <p:txBody>
-          <a:bodyPr/>
-          <a:lstStyle/>
-          <a:p>
-            <a:pPr algn="ctr">
-              <a:buNone/>
-            </a:pPr>
-            <a:endParaRPr lang="en-US" b="1" dirty="0" smtClean="0"/>
-          </a:p>
-          <a:p>
-            <a:pPr indent="0">
-              <a:buNone/>
-            </a:pPr>
-            <a:r>
-              <a:rPr lang="en-US" sz="1800" i="1" dirty="0" smtClean="0"/>
-              <a:t>Main forms and parameters  involved, in order to setup the functionality </a:t>
-            </a:r>
-          </a:p>
-          <a:p>
-            <a:pPr indent="0">
-              <a:buNone/>
-            </a:pPr>
-            <a:endParaRPr lang="en-US" i="1" dirty="0" smtClean="0"/>
-          </a:p>
-          <a:p>
-            <a:pPr indent="0">
-              <a:buNone/>
-            </a:pPr>
-            <a:endParaRPr lang="en-US" i="1" dirty="0"/>
-          </a:p>
-        </p:txBody>
-      </p:sp>
-      <p:sp>
-        <p:nvSpPr>
-          <p:cNvPr id="4" name="Segnaposto data 3"/>
-          <p:cNvSpPr>
-            <a:spLocks noGrp="1"/>
-          </p:cNvSpPr>
-          <p:nvPr>
-            <p:ph type="dt" sz="half" idx="10"/>
-          </p:nvPr>
-        </p:nvSpPr>
-        <p:spPr/>
-        <p:txBody>
-          <a:bodyPr/>
-          <a:lstStyle/>
-          <a:p>
-            <a:fld id="{F8078618-4CAE-48E8-A205-9D92A68D094A}" type="datetime1">
-              <a:rPr lang="en-US" smtClean="0"/>
-              <a:pPr/>
-              <a:t>5/7/2019</a:t>
-            </a:fld>
-            <a:endParaRPr lang="en-US"/>
-          </a:p>
-        </p:txBody>
-      </p:sp>
-      <p:sp>
-        <p:nvSpPr>
-          <p:cNvPr id="5" name="Segnaposto numero diapositiva 4"/>
-          <p:cNvSpPr>
-            <a:spLocks noGrp="1"/>
-          </p:cNvSpPr>
-          <p:nvPr>
-            <p:ph type="sldNum" sz="quarter" idx="12"/>
-          </p:nvPr>
-        </p:nvSpPr>
-        <p:spPr/>
-        <p:txBody>
-          <a:bodyPr/>
-          <a:lstStyle/>
-          <a:p>
-            <a:fld id="{02623B3A-910D-43F4-BBA9-9429D5B0014D}" type="slidenum">
-              <a:rPr lang="en-US" smtClean="0"/>
-              <a:pPr/>
-              <a:t>17</a:t>
-            </a:fld>
-            <a:endParaRPr lang="en-US"/>
-          </a:p>
-        </p:txBody>
-      </p:sp>
-      <p:sp>
-        <p:nvSpPr>
-          <p:cNvPr id="8" name="Sottotitolo 7"/>
-          <p:cNvSpPr>
-            <a:spLocks noGrp="1"/>
-          </p:cNvSpPr>
-          <p:nvPr>
-            <p:ph type="subTitle" idx="14"/>
-          </p:nvPr>
-        </p:nvSpPr>
-        <p:spPr/>
-        <p:txBody>
-          <a:bodyPr/>
-          <a:lstStyle/>
-          <a:p>
-            <a:r>
-              <a:rPr lang="en-US" b="1" dirty="0" smtClean="0"/>
-              <a:t>AX modules involved and setup</a:t>
-            </a:r>
-          </a:p>
-          <a:p>
-            <a:endParaRPr lang="en-US" dirty="0"/>
-          </a:p>
-        </p:txBody>
-      </p:sp>
-    </p:spTree>
-  </p:cSld>
-  <p:clrMapOvr>
-    <a:masterClrMapping/>
-  </p:clrMapOvr>
-  <p:timing>
-    <p:tnLst>
-      <p:par>
-        <p:cTn id="1" dur="indefinite" restart="never" nodeType="tmRoot"/>
-      </p:par>
-    </p:tnLst>
-  </p:timing>
-</p:sld>
-</file>
-
-<file path=ppt/slides/slide18.xml><?xml version="1.0" encoding="utf-8"?>
-<p:sld xmlns:a="http://schemas.openxmlformats.org/drawingml/2006/main" xmlns:r="http://schemas.openxmlformats.org/officeDocument/2006/relationships" xmlns:p="http://schemas.openxmlformats.org/presentationml/2006/main">
-  <p:cSld>
-    <p:spTree>
-      <p:nvGrpSpPr>
-        <p:cNvPr id="1" name=""/>
-        <p:cNvGrpSpPr/>
-        <p:nvPr/>
-      </p:nvGrpSpPr>
-      <p:grpSpPr>
-        <a:xfrm>
-          <a:off x="0" y="0"/>
-          <a:ext cx="0" cy="0"/>
-          <a:chOff x="0" y="0"/>
-          <a:chExt cx="0" cy="0"/>
-        </a:xfrm>
-      </p:grpSpPr>
-      <p:sp>
-        <p:nvSpPr>
-          <p:cNvPr id="3" name="Segnaposto contenuto 2"/>
-          <p:cNvSpPr>
-            <a:spLocks noGrp="1"/>
-          </p:cNvSpPr>
-          <p:nvPr>
-            <p:ph idx="1"/>
-          </p:nvPr>
-        </p:nvSpPr>
-        <p:spPr/>
-        <p:txBody>
-          <a:bodyPr/>
-          <a:lstStyle/>
-          <a:p>
-            <a:pPr>
-              <a:buNone/>
-            </a:pPr>
-            <a:r>
-              <a:rPr lang="en-US" i="1" dirty="0" smtClean="0"/>
-              <a:t>Demo steps</a:t>
-            </a:r>
-            <a:endParaRPr lang="en-US" i="1" dirty="0"/>
-          </a:p>
-        </p:txBody>
-      </p:sp>
-      <p:sp>
-        <p:nvSpPr>
-          <p:cNvPr id="4" name="Segnaposto data 3"/>
-          <p:cNvSpPr>
-            <a:spLocks noGrp="1"/>
-          </p:cNvSpPr>
-          <p:nvPr>
-            <p:ph type="dt" sz="half" idx="10"/>
-          </p:nvPr>
-        </p:nvSpPr>
-        <p:spPr/>
-        <p:txBody>
-          <a:bodyPr/>
-          <a:lstStyle/>
-          <a:p>
-            <a:fld id="{F8078618-4CAE-48E8-A205-9D92A68D094A}" type="datetime1">
-              <a:rPr lang="en-US" smtClean="0"/>
-              <a:pPr/>
-              <a:t>5/7/2019</a:t>
-            </a:fld>
-            <a:endParaRPr lang="en-US"/>
-          </a:p>
-        </p:txBody>
-      </p:sp>
-      <p:sp>
-        <p:nvSpPr>
-          <p:cNvPr id="5" name="Segnaposto numero diapositiva 4"/>
-          <p:cNvSpPr>
-            <a:spLocks noGrp="1"/>
-          </p:cNvSpPr>
-          <p:nvPr>
-            <p:ph type="sldNum" sz="quarter" idx="12"/>
-          </p:nvPr>
-        </p:nvSpPr>
-        <p:spPr/>
-        <p:txBody>
-          <a:bodyPr/>
-          <a:lstStyle/>
-          <a:p>
-            <a:fld id="{02623B3A-910D-43F4-BBA9-9429D5B0014D}" type="slidenum">
-              <a:rPr lang="en-US" smtClean="0"/>
-              <a:pPr/>
-              <a:t>18</a:t>
-            </a:fld>
-            <a:endParaRPr lang="en-US"/>
-          </a:p>
-        </p:txBody>
-      </p:sp>
-      <p:sp>
-        <p:nvSpPr>
-          <p:cNvPr id="8" name="Sottotitolo 7"/>
-          <p:cNvSpPr>
-            <a:spLocks noGrp="1"/>
-          </p:cNvSpPr>
-          <p:nvPr>
-            <p:ph type="subTitle" idx="14"/>
-          </p:nvPr>
-        </p:nvSpPr>
-        <p:spPr/>
-        <p:txBody>
-          <a:bodyPr/>
-          <a:lstStyle/>
-          <a:p>
-            <a:r>
-              <a:rPr lang="en-US" b="1" dirty="0" smtClean="0">
-                <a:solidFill>
-                  <a:schemeClr val="tx1"/>
-                </a:solidFill>
-              </a:rPr>
-              <a:t>Demo</a:t>
-            </a:r>
-            <a:endParaRPr lang="en-US" b="1" dirty="0">
-              <a:solidFill>
-                <a:schemeClr val="tx1"/>
-              </a:solidFill>
-            </a:endParaRPr>
-          </a:p>
-        </p:txBody>
-      </p:sp>
-    </p:spTree>
   </p:cSld>
   <p:clrMapOvr>
     <a:masterClrMapping/>
@@ -4847,7 +4905,7 @@
       </p:grpSpPr>
       <p:sp>
         <p:nvSpPr>
-          <p:cNvPr id="8" name="Segnaposto contenuto 7"/>
+          <p:cNvPr id="3" name="Segnaposto contenuto 2"/>
           <p:cNvSpPr>
             <a:spLocks noGrp="1"/>
           </p:cNvSpPr>
@@ -4860,6 +4918,63 @@
           <a:bodyPr/>
           <a:lstStyle/>
           <a:p>
+            <a:pPr algn="ctr">
+              <a:buNone/>
+            </a:pPr>
+            <a:endParaRPr lang="en-US" dirty="0" smtClean="0"/>
+          </a:p>
+          <a:p>
+            <a:r>
+              <a:rPr lang="en-US" dirty="0" smtClean="0"/>
+              <a:t>Introduction</a:t>
+            </a:r>
+          </a:p>
+          <a:p>
+            <a:r>
+              <a:rPr lang="en-US" dirty="0" smtClean="0"/>
+              <a:t>Business scope </a:t>
+            </a:r>
+          </a:p>
+          <a:p>
+            <a:r>
+              <a:rPr lang="en-US" dirty="0" smtClean="0"/>
+              <a:t>Functionality description</a:t>
+            </a:r>
+          </a:p>
+          <a:p>
+            <a:r>
+              <a:rPr lang="en-US" dirty="0" smtClean="0"/>
+              <a:t>AX modules involved and setup</a:t>
+            </a:r>
+          </a:p>
+          <a:p>
+            <a:r>
+              <a:rPr lang="en-US" dirty="0" smtClean="0"/>
+              <a:t>Demo with AX/Slides</a:t>
+            </a:r>
+          </a:p>
+          <a:p>
+            <a:r>
+              <a:rPr lang="en-US" dirty="0" smtClean="0"/>
+              <a:t>Q&amp;A</a:t>
+            </a:r>
+          </a:p>
+          <a:p>
+            <a:endParaRPr lang="en-US" dirty="0" smtClean="0"/>
+          </a:p>
+          <a:p>
+            <a:endParaRPr lang="en-US" dirty="0" smtClean="0"/>
+          </a:p>
+          <a:p>
+            <a:endParaRPr lang="en-US" dirty="0" smtClean="0"/>
+          </a:p>
+          <a:p>
+            <a:endParaRPr lang="en-US" dirty="0" smtClean="0"/>
+          </a:p>
+          <a:p>
+            <a:endParaRPr lang="en-US" dirty="0" smtClean="0"/>
+          </a:p>
+          <a:p>
             <a:endParaRPr lang="en-US" dirty="0"/>
           </a:p>
         </p:txBody>
@@ -4882,7 +4997,7 @@
             <a:fld id="{F8078618-4CAE-48E8-A205-9D92A68D094A}" type="datetime1">
               <a:rPr lang="en-US" smtClean="0"/>
               <a:pPr/>
-              <a:t>5/7/2019</a:t>
+              <a:t>5/8/2019</a:t>
             </a:fld>
             <a:endParaRPr lang="en-US"/>
           </a:p>
@@ -4914,7 +5029,7 @@
       </p:sp>
       <p:sp>
         <p:nvSpPr>
-          <p:cNvPr id="7" name="Sottotitolo 6"/>
+          <p:cNvPr id="8" name="Sottotitolo 7"/>
           <p:cNvSpPr>
             <a:spLocks noGrp="1"/>
           </p:cNvSpPr>
@@ -4933,9 +5048,9 @@
                   <a:schemeClr val="tx1"/>
                 </a:solidFill>
               </a:rPr>
-              <a:t>Q&amp;A</a:t>
-            </a:r>
-            <a:endParaRPr lang="en-US" b="1" dirty="0">
+              <a:t>Summary</a:t>
+            </a:r>
+            <a:endParaRPr lang="en-US" dirty="0">
               <a:solidFill>
                 <a:schemeClr val="tx1"/>
               </a:solidFill>
@@ -4944,11 +5059,6 @@
         </p:txBody>
       </p:sp>
     </p:spTree>
-    <p:extLst>
-      <p:ext uri="{BB962C8B-B14F-4D97-AF65-F5344CB8AC3E}">
-        <p14:creationId xmlns:p14="http://schemas.microsoft.com/office/powerpoint/2010/main" val="3949542716"/>
-      </p:ext>
-    </p:extLst>
   </p:cSld>
   <p:clrMapOvr>
     <a:masterClrMapping/>
@@ -5045,7 +5155,7 @@
             <a:fld id="{F8078618-4CAE-48E8-A205-9D92A68D094A}" type="datetime1">
               <a:rPr lang="en-US" smtClean="0"/>
               <a:pPr/>
-              <a:t>5/7/2019</a:t>
+              <a:t>5/8/2019</a:t>
             </a:fld>
             <a:endParaRPr lang="en-US"/>
           </a:p>
@@ -5107,6 +5217,818 @@
         </p:txBody>
       </p:sp>
     </p:spTree>
+  </p:cSld>
+  <p:clrMapOvr>
+    <a:masterClrMapping/>
+  </p:clrMapOvr>
+  <p:timing>
+    <p:tnLst>
+      <p:par>
+        <p:cTn id="1" dur="indefinite" restart="never" nodeType="tmRoot"/>
+      </p:par>
+    </p:tnLst>
+  </p:timing>
+</p:sld>
+</file>
+
+<file path=ppt/slides/slide20.xml><?xml version="1.0" encoding="utf-8"?>
+<p:sld xmlns:a="http://schemas.openxmlformats.org/drawingml/2006/main" xmlns:r="http://schemas.openxmlformats.org/officeDocument/2006/relationships" xmlns:p="http://schemas.openxmlformats.org/presentationml/2006/main">
+  <p:cSld>
+    <p:spTree>
+      <p:nvGrpSpPr>
+        <p:cNvPr id="1" name=""/>
+        <p:cNvGrpSpPr/>
+        <p:nvPr/>
+      </p:nvGrpSpPr>
+      <p:grpSpPr>
+        <a:xfrm>
+          <a:off x="0" y="0"/>
+          <a:ext cx="0" cy="0"/>
+          <a:chOff x="0" y="0"/>
+          <a:chExt cx="0" cy="0"/>
+        </a:xfrm>
+      </p:grpSpPr>
+      <p:sp>
+        <p:nvSpPr>
+          <p:cNvPr id="3" name="Segnaposto contenuto 2"/>
+          <p:cNvSpPr>
+            <a:spLocks noGrp="1"/>
+          </p:cNvSpPr>
+          <p:nvPr>
+            <p:ph idx="1"/>
+          </p:nvPr>
+        </p:nvSpPr>
+        <p:spPr/>
+        <p:txBody>
+          <a:bodyPr>
+            <a:normAutofit fontScale="92500" lnSpcReduction="10000"/>
+          </a:bodyPr>
+          <a:lstStyle/>
+          <a:p>
+            <a:r>
+              <a:rPr lang="en-US" sz="1900" i="1" dirty="0" smtClean="0"/>
+              <a:t>Description of the new function </a:t>
+            </a:r>
+          </a:p>
+          <a:p>
+            <a:r>
+              <a:rPr lang="en-US" sz="1900" i="1" dirty="0" smtClean="0"/>
+              <a:t>Cases where the function is useful</a:t>
+            </a:r>
+          </a:p>
+          <a:p>
+            <a:r>
+              <a:rPr lang="en-US" sz="1900" i="1" dirty="0" smtClean="0"/>
+              <a:t>Business limitations</a:t>
+            </a:r>
+          </a:p>
+          <a:p>
+            <a:endParaRPr lang="en-US" sz="1900" i="1" dirty="0" smtClean="0"/>
+          </a:p>
+          <a:p>
+            <a:pPr>
+              <a:buNone/>
+            </a:pPr>
+            <a:r>
+              <a:rPr lang="en-US" sz="1900" i="1" dirty="0" smtClean="0"/>
+              <a:t>For example:</a:t>
+            </a:r>
+          </a:p>
+          <a:p>
+            <a:pPr>
+              <a:buNone/>
+            </a:pPr>
+            <a:r>
+              <a:rPr lang="en-US" sz="1900" i="1" dirty="0" smtClean="0"/>
+              <a:t> Additional cost management on purchase order. By this functionality AX can track all additional cost on purchase order such as:</a:t>
+            </a:r>
+          </a:p>
+          <a:p>
+            <a:pPr lvl="1"/>
+            <a:r>
+              <a:rPr lang="en-US" sz="1900" i="1" dirty="0" smtClean="0"/>
+              <a:t>packing cost</a:t>
+            </a:r>
+          </a:p>
+          <a:p>
+            <a:pPr lvl="1"/>
+            <a:r>
+              <a:rPr lang="en-US" sz="1900" i="1" dirty="0" smtClean="0"/>
+              <a:t>Transportation</a:t>
+            </a:r>
+          </a:p>
+          <a:p>
+            <a:pPr lvl="1"/>
+            <a:r>
+              <a:rPr lang="en-US" sz="1900" i="1" dirty="0" smtClean="0"/>
+              <a:t>Insurance</a:t>
+            </a:r>
+          </a:p>
+          <a:p>
+            <a:pPr lvl="1"/>
+            <a:r>
+              <a:rPr lang="en-US" sz="1900" i="1" dirty="0" smtClean="0"/>
+              <a:t>Etc.</a:t>
+            </a:r>
+          </a:p>
+          <a:p>
+            <a:pPr>
+              <a:buNone/>
+            </a:pPr>
+            <a:endParaRPr lang="en-US" i="1" dirty="0" smtClean="0"/>
+          </a:p>
+          <a:p>
+            <a:pPr>
+              <a:buNone/>
+            </a:pPr>
+            <a:endParaRPr lang="en-US" i="1" dirty="0" smtClean="0"/>
+          </a:p>
+          <a:p>
+            <a:pPr>
+              <a:buNone/>
+            </a:pPr>
+            <a:endParaRPr lang="en-US" i="1" dirty="0" smtClean="0"/>
+          </a:p>
+          <a:p>
+            <a:pPr>
+              <a:buNone/>
+            </a:pPr>
+            <a:endParaRPr lang="en-US" i="1" dirty="0"/>
+          </a:p>
+        </p:txBody>
+      </p:sp>
+      <p:sp>
+        <p:nvSpPr>
+          <p:cNvPr id="4" name="Segnaposto data 3"/>
+          <p:cNvSpPr>
+            <a:spLocks noGrp="1"/>
+          </p:cNvSpPr>
+          <p:nvPr>
+            <p:ph type="dt" sz="half" idx="10"/>
+          </p:nvPr>
+        </p:nvSpPr>
+        <p:spPr/>
+        <p:txBody>
+          <a:bodyPr/>
+          <a:lstStyle/>
+          <a:p>
+            <a:fld id="{F8078618-4CAE-48E8-A205-9D92A68D094A}" type="datetime1">
+              <a:rPr lang="en-US" smtClean="0"/>
+              <a:pPr/>
+              <a:t>5/8/2019</a:t>
+            </a:fld>
+            <a:endParaRPr lang="en-US"/>
+          </a:p>
+        </p:txBody>
+      </p:sp>
+      <p:sp>
+        <p:nvSpPr>
+          <p:cNvPr id="5" name="Segnaposto numero diapositiva 4"/>
+          <p:cNvSpPr>
+            <a:spLocks noGrp="1"/>
+          </p:cNvSpPr>
+          <p:nvPr>
+            <p:ph type="sldNum" sz="quarter" idx="12"/>
+          </p:nvPr>
+        </p:nvSpPr>
+        <p:spPr/>
+        <p:txBody>
+          <a:bodyPr/>
+          <a:lstStyle/>
+          <a:p>
+            <a:fld id="{02623B3A-910D-43F4-BBA9-9429D5B0014D}" type="slidenum">
+              <a:rPr lang="en-US" smtClean="0"/>
+              <a:pPr/>
+              <a:t>20</a:t>
+            </a:fld>
+            <a:endParaRPr lang="en-US"/>
+          </a:p>
+        </p:txBody>
+      </p:sp>
+      <p:sp>
+        <p:nvSpPr>
+          <p:cNvPr id="7" name="Sottotitolo 6"/>
+          <p:cNvSpPr>
+            <a:spLocks noGrp="1"/>
+          </p:cNvSpPr>
+          <p:nvPr>
+            <p:ph type="subTitle" idx="14"/>
+          </p:nvPr>
+        </p:nvSpPr>
+        <p:spPr/>
+        <p:txBody>
+          <a:bodyPr/>
+          <a:lstStyle/>
+          <a:p>
+            <a:r>
+              <a:rPr lang="en-US" b="1" dirty="0" smtClean="0">
+                <a:solidFill>
+                  <a:schemeClr val="tx1"/>
+                </a:solidFill>
+              </a:rPr>
+              <a:t>Functionality</a:t>
+            </a:r>
+            <a:r>
+              <a:rPr lang="en-US" dirty="0" smtClean="0">
+                <a:solidFill>
+                  <a:schemeClr val="tx1"/>
+                </a:solidFill>
+              </a:rPr>
+              <a:t> </a:t>
+            </a:r>
+            <a:r>
+              <a:rPr lang="en-US" b="1" dirty="0" smtClean="0">
+                <a:solidFill>
+                  <a:schemeClr val="tx1"/>
+                </a:solidFill>
+              </a:rPr>
+              <a:t>description</a:t>
+            </a:r>
+          </a:p>
+        </p:txBody>
+      </p:sp>
+    </p:spTree>
+  </p:cSld>
+  <p:clrMapOvr>
+    <a:masterClrMapping/>
+  </p:clrMapOvr>
+  <p:timing>
+    <p:tnLst>
+      <p:par>
+        <p:cTn id="1" dur="indefinite" restart="never" nodeType="tmRoot"/>
+      </p:par>
+    </p:tnLst>
+  </p:timing>
+</p:sld>
+</file>
+
+<file path=ppt/slides/slide21.xml><?xml version="1.0" encoding="utf-8"?>
+<p:sld xmlns:a="http://schemas.openxmlformats.org/drawingml/2006/main" xmlns:r="http://schemas.openxmlformats.org/officeDocument/2006/relationships" xmlns:p="http://schemas.openxmlformats.org/presentationml/2006/main">
+  <p:cSld>
+    <p:spTree>
+      <p:nvGrpSpPr>
+        <p:cNvPr id="1" name=""/>
+        <p:cNvGrpSpPr/>
+        <p:nvPr/>
+      </p:nvGrpSpPr>
+      <p:grpSpPr>
+        <a:xfrm>
+          <a:off x="0" y="0"/>
+          <a:ext cx="0" cy="0"/>
+          <a:chOff x="0" y="0"/>
+          <a:chExt cx="0" cy="0"/>
+        </a:xfrm>
+      </p:grpSpPr>
+      <p:sp>
+        <p:nvSpPr>
+          <p:cNvPr id="3" name="Segnaposto contenuto 2"/>
+          <p:cNvSpPr>
+            <a:spLocks noGrp="1"/>
+          </p:cNvSpPr>
+          <p:nvPr>
+            <p:ph idx="1"/>
+          </p:nvPr>
+        </p:nvSpPr>
+        <p:spPr/>
+        <p:txBody>
+          <a:bodyPr>
+            <a:normAutofit/>
+          </a:bodyPr>
+          <a:lstStyle/>
+          <a:p>
+            <a:endParaRPr lang="en-US" dirty="0" smtClean="0"/>
+          </a:p>
+          <a:p>
+            <a:pPr indent="0">
+              <a:buNone/>
+            </a:pPr>
+            <a:r>
+              <a:rPr lang="en-US" sz="1600" i="1" dirty="0" smtClean="0"/>
+              <a:t>Business Limitations </a:t>
+            </a:r>
+          </a:p>
+          <a:p>
+            <a:pPr indent="0">
+              <a:buNone/>
+            </a:pPr>
+            <a:r>
+              <a:rPr lang="en-US" sz="1600" i="1" dirty="0" smtClean="0"/>
+              <a:t>Example: If the additional cost has to be invoiced to a third party vendor, the functionality doesn't apply </a:t>
+            </a:r>
+          </a:p>
+        </p:txBody>
+      </p:sp>
+      <p:sp>
+        <p:nvSpPr>
+          <p:cNvPr id="4" name="Segnaposto data 3"/>
+          <p:cNvSpPr>
+            <a:spLocks noGrp="1"/>
+          </p:cNvSpPr>
+          <p:nvPr>
+            <p:ph type="dt" sz="half" idx="10"/>
+          </p:nvPr>
+        </p:nvSpPr>
+        <p:spPr/>
+        <p:txBody>
+          <a:bodyPr/>
+          <a:lstStyle/>
+          <a:p>
+            <a:fld id="{F8078618-4CAE-48E8-A205-9D92A68D094A}" type="datetime1">
+              <a:rPr lang="en-US" smtClean="0"/>
+              <a:pPr/>
+              <a:t>5/8/2019</a:t>
+            </a:fld>
+            <a:endParaRPr lang="en-US"/>
+          </a:p>
+        </p:txBody>
+      </p:sp>
+      <p:sp>
+        <p:nvSpPr>
+          <p:cNvPr id="5" name="Segnaposto numero diapositiva 4"/>
+          <p:cNvSpPr>
+            <a:spLocks noGrp="1"/>
+          </p:cNvSpPr>
+          <p:nvPr>
+            <p:ph type="sldNum" sz="quarter" idx="12"/>
+          </p:nvPr>
+        </p:nvSpPr>
+        <p:spPr/>
+        <p:txBody>
+          <a:bodyPr/>
+          <a:lstStyle/>
+          <a:p>
+            <a:fld id="{02623B3A-910D-43F4-BBA9-9429D5B0014D}" type="slidenum">
+              <a:rPr lang="en-US" smtClean="0"/>
+              <a:pPr/>
+              <a:t>21</a:t>
+            </a:fld>
+            <a:endParaRPr lang="en-US"/>
+          </a:p>
+        </p:txBody>
+      </p:sp>
+      <p:sp>
+        <p:nvSpPr>
+          <p:cNvPr id="8" name="Sottotitolo 7"/>
+          <p:cNvSpPr>
+            <a:spLocks noGrp="1"/>
+          </p:cNvSpPr>
+          <p:nvPr>
+            <p:ph type="subTitle" idx="14"/>
+          </p:nvPr>
+        </p:nvSpPr>
+        <p:spPr/>
+        <p:txBody>
+          <a:bodyPr/>
+          <a:lstStyle/>
+          <a:p>
+            <a:r>
+              <a:rPr lang="en-US" b="1" dirty="0" smtClean="0">
+                <a:solidFill>
+                  <a:schemeClr val="tx1"/>
+                </a:solidFill>
+              </a:rPr>
+              <a:t>Functionality</a:t>
+            </a:r>
+            <a:r>
+              <a:rPr lang="en-US" dirty="0" smtClean="0">
+                <a:solidFill>
+                  <a:schemeClr val="tx1"/>
+                </a:solidFill>
+              </a:rPr>
+              <a:t> </a:t>
+            </a:r>
+            <a:r>
+              <a:rPr lang="en-US" b="1" dirty="0" smtClean="0">
+                <a:solidFill>
+                  <a:schemeClr val="tx1"/>
+                </a:solidFill>
+              </a:rPr>
+              <a:t>description</a:t>
+            </a:r>
+          </a:p>
+        </p:txBody>
+      </p:sp>
+    </p:spTree>
+  </p:cSld>
+  <p:clrMapOvr>
+    <a:masterClrMapping/>
+  </p:clrMapOvr>
+  <p:timing>
+    <p:tnLst>
+      <p:par>
+        <p:cTn id="1" dur="indefinite" restart="never" nodeType="tmRoot"/>
+      </p:par>
+    </p:tnLst>
+  </p:timing>
+</p:sld>
+</file>
+
+<file path=ppt/slides/slide22.xml><?xml version="1.0" encoding="utf-8"?>
+<p:sld xmlns:a="http://schemas.openxmlformats.org/drawingml/2006/main" xmlns:r="http://schemas.openxmlformats.org/officeDocument/2006/relationships" xmlns:p="http://schemas.openxmlformats.org/presentationml/2006/main">
+  <p:cSld>
+    <p:spTree>
+      <p:nvGrpSpPr>
+        <p:cNvPr id="1" name=""/>
+        <p:cNvGrpSpPr/>
+        <p:nvPr/>
+      </p:nvGrpSpPr>
+      <p:grpSpPr>
+        <a:xfrm>
+          <a:off x="0" y="0"/>
+          <a:ext cx="0" cy="0"/>
+          <a:chOff x="0" y="0"/>
+          <a:chExt cx="0" cy="0"/>
+        </a:xfrm>
+      </p:grpSpPr>
+      <p:sp>
+        <p:nvSpPr>
+          <p:cNvPr id="3" name="Segnaposto contenuto 2"/>
+          <p:cNvSpPr>
+            <a:spLocks noGrp="1"/>
+          </p:cNvSpPr>
+          <p:nvPr>
+            <p:ph idx="1"/>
+          </p:nvPr>
+        </p:nvSpPr>
+        <p:spPr/>
+        <p:txBody>
+          <a:bodyPr/>
+          <a:lstStyle/>
+          <a:p>
+            <a:pPr algn="ctr">
+              <a:buNone/>
+            </a:pPr>
+            <a:endParaRPr lang="en-US" b="1" dirty="0" smtClean="0"/>
+          </a:p>
+          <a:p>
+            <a:pPr indent="0">
+              <a:buNone/>
+            </a:pPr>
+            <a:r>
+              <a:rPr lang="en-US" sz="1800" i="1" dirty="0" smtClean="0"/>
+              <a:t>Main forms and parameters  involved, in order to setup the functionality </a:t>
+            </a:r>
+          </a:p>
+          <a:p>
+            <a:pPr indent="0">
+              <a:buNone/>
+            </a:pPr>
+            <a:endParaRPr lang="en-US" i="1" dirty="0" smtClean="0"/>
+          </a:p>
+          <a:p>
+            <a:pPr indent="0">
+              <a:buNone/>
+            </a:pPr>
+            <a:endParaRPr lang="en-US" i="1" dirty="0"/>
+          </a:p>
+        </p:txBody>
+      </p:sp>
+      <p:sp>
+        <p:nvSpPr>
+          <p:cNvPr id="4" name="Segnaposto data 3"/>
+          <p:cNvSpPr>
+            <a:spLocks noGrp="1"/>
+          </p:cNvSpPr>
+          <p:nvPr>
+            <p:ph type="dt" sz="half" idx="10"/>
+          </p:nvPr>
+        </p:nvSpPr>
+        <p:spPr/>
+        <p:txBody>
+          <a:bodyPr/>
+          <a:lstStyle/>
+          <a:p>
+            <a:fld id="{F8078618-4CAE-48E8-A205-9D92A68D094A}" type="datetime1">
+              <a:rPr lang="en-US" smtClean="0"/>
+              <a:pPr/>
+              <a:t>5/8/2019</a:t>
+            </a:fld>
+            <a:endParaRPr lang="en-US"/>
+          </a:p>
+        </p:txBody>
+      </p:sp>
+      <p:sp>
+        <p:nvSpPr>
+          <p:cNvPr id="5" name="Segnaposto numero diapositiva 4"/>
+          <p:cNvSpPr>
+            <a:spLocks noGrp="1"/>
+          </p:cNvSpPr>
+          <p:nvPr>
+            <p:ph type="sldNum" sz="quarter" idx="12"/>
+          </p:nvPr>
+        </p:nvSpPr>
+        <p:spPr/>
+        <p:txBody>
+          <a:bodyPr/>
+          <a:lstStyle/>
+          <a:p>
+            <a:fld id="{02623B3A-910D-43F4-BBA9-9429D5B0014D}" type="slidenum">
+              <a:rPr lang="en-US" smtClean="0"/>
+              <a:pPr/>
+              <a:t>22</a:t>
+            </a:fld>
+            <a:endParaRPr lang="en-US"/>
+          </a:p>
+        </p:txBody>
+      </p:sp>
+      <p:sp>
+        <p:nvSpPr>
+          <p:cNvPr id="8" name="Sottotitolo 7"/>
+          <p:cNvSpPr>
+            <a:spLocks noGrp="1"/>
+          </p:cNvSpPr>
+          <p:nvPr>
+            <p:ph type="subTitle" idx="14"/>
+          </p:nvPr>
+        </p:nvSpPr>
+        <p:spPr/>
+        <p:txBody>
+          <a:bodyPr/>
+          <a:lstStyle/>
+          <a:p>
+            <a:r>
+              <a:rPr lang="en-US" b="1" dirty="0" smtClean="0"/>
+              <a:t>AX modules involved and setup</a:t>
+            </a:r>
+          </a:p>
+          <a:p>
+            <a:endParaRPr lang="en-US" dirty="0"/>
+          </a:p>
+        </p:txBody>
+      </p:sp>
+    </p:spTree>
+  </p:cSld>
+  <p:clrMapOvr>
+    <a:masterClrMapping/>
+  </p:clrMapOvr>
+  <p:timing>
+    <p:tnLst>
+      <p:par>
+        <p:cTn id="1" dur="indefinite" restart="never" nodeType="tmRoot"/>
+      </p:par>
+    </p:tnLst>
+  </p:timing>
+</p:sld>
+</file>
+
+<file path=ppt/slides/slide23.xml><?xml version="1.0" encoding="utf-8"?>
+<p:sld xmlns:a="http://schemas.openxmlformats.org/drawingml/2006/main" xmlns:r="http://schemas.openxmlformats.org/officeDocument/2006/relationships" xmlns:p="http://schemas.openxmlformats.org/presentationml/2006/main">
+  <p:cSld>
+    <p:spTree>
+      <p:nvGrpSpPr>
+        <p:cNvPr id="1" name=""/>
+        <p:cNvGrpSpPr/>
+        <p:nvPr/>
+      </p:nvGrpSpPr>
+      <p:grpSpPr>
+        <a:xfrm>
+          <a:off x="0" y="0"/>
+          <a:ext cx="0" cy="0"/>
+          <a:chOff x="0" y="0"/>
+          <a:chExt cx="0" cy="0"/>
+        </a:xfrm>
+      </p:grpSpPr>
+      <p:sp>
+        <p:nvSpPr>
+          <p:cNvPr id="3" name="Segnaposto contenuto 2"/>
+          <p:cNvSpPr>
+            <a:spLocks noGrp="1"/>
+          </p:cNvSpPr>
+          <p:nvPr>
+            <p:ph idx="1"/>
+          </p:nvPr>
+        </p:nvSpPr>
+        <p:spPr/>
+        <p:txBody>
+          <a:bodyPr/>
+          <a:lstStyle/>
+          <a:p>
+            <a:pPr>
+              <a:buNone/>
+            </a:pPr>
+            <a:r>
+              <a:rPr lang="en-US" i="1" dirty="0" smtClean="0"/>
+              <a:t>Demo steps</a:t>
+            </a:r>
+            <a:endParaRPr lang="en-US" i="1" dirty="0"/>
+          </a:p>
+        </p:txBody>
+      </p:sp>
+      <p:sp>
+        <p:nvSpPr>
+          <p:cNvPr id="4" name="Segnaposto data 3"/>
+          <p:cNvSpPr>
+            <a:spLocks noGrp="1"/>
+          </p:cNvSpPr>
+          <p:nvPr>
+            <p:ph type="dt" sz="half" idx="10"/>
+          </p:nvPr>
+        </p:nvSpPr>
+        <p:spPr/>
+        <p:txBody>
+          <a:bodyPr/>
+          <a:lstStyle/>
+          <a:p>
+            <a:fld id="{F8078618-4CAE-48E8-A205-9D92A68D094A}" type="datetime1">
+              <a:rPr lang="en-US" smtClean="0"/>
+              <a:pPr/>
+              <a:t>5/8/2019</a:t>
+            </a:fld>
+            <a:endParaRPr lang="en-US"/>
+          </a:p>
+        </p:txBody>
+      </p:sp>
+      <p:sp>
+        <p:nvSpPr>
+          <p:cNvPr id="5" name="Segnaposto numero diapositiva 4"/>
+          <p:cNvSpPr>
+            <a:spLocks noGrp="1"/>
+          </p:cNvSpPr>
+          <p:nvPr>
+            <p:ph type="sldNum" sz="quarter" idx="12"/>
+          </p:nvPr>
+        </p:nvSpPr>
+        <p:spPr/>
+        <p:txBody>
+          <a:bodyPr/>
+          <a:lstStyle/>
+          <a:p>
+            <a:fld id="{02623B3A-910D-43F4-BBA9-9429D5B0014D}" type="slidenum">
+              <a:rPr lang="en-US" smtClean="0"/>
+              <a:pPr/>
+              <a:t>23</a:t>
+            </a:fld>
+            <a:endParaRPr lang="en-US"/>
+          </a:p>
+        </p:txBody>
+      </p:sp>
+      <p:sp>
+        <p:nvSpPr>
+          <p:cNvPr id="8" name="Sottotitolo 7"/>
+          <p:cNvSpPr>
+            <a:spLocks noGrp="1"/>
+          </p:cNvSpPr>
+          <p:nvPr>
+            <p:ph type="subTitle" idx="14"/>
+          </p:nvPr>
+        </p:nvSpPr>
+        <p:spPr/>
+        <p:txBody>
+          <a:bodyPr/>
+          <a:lstStyle/>
+          <a:p>
+            <a:r>
+              <a:rPr lang="en-US" b="1" dirty="0" smtClean="0">
+                <a:solidFill>
+                  <a:schemeClr val="tx1"/>
+                </a:solidFill>
+              </a:rPr>
+              <a:t>Demo</a:t>
+            </a:r>
+            <a:endParaRPr lang="en-US" b="1" dirty="0">
+              <a:solidFill>
+                <a:schemeClr val="tx1"/>
+              </a:solidFill>
+            </a:endParaRPr>
+          </a:p>
+        </p:txBody>
+      </p:sp>
+    </p:spTree>
+  </p:cSld>
+  <p:clrMapOvr>
+    <a:masterClrMapping/>
+  </p:clrMapOvr>
+  <p:timing>
+    <p:tnLst>
+      <p:par>
+        <p:cTn id="1" dur="indefinite" restart="never" nodeType="tmRoot"/>
+      </p:par>
+    </p:tnLst>
+  </p:timing>
+</p:sld>
+</file>
+
+<file path=ppt/slides/slide24.xml><?xml version="1.0" encoding="utf-8"?>
+<p:sld xmlns:a="http://schemas.openxmlformats.org/drawingml/2006/main" xmlns:r="http://schemas.openxmlformats.org/officeDocument/2006/relationships" xmlns:p="http://schemas.openxmlformats.org/presentationml/2006/main">
+  <p:cSld>
+    <p:spTree>
+      <p:nvGrpSpPr>
+        <p:cNvPr id="1" name=""/>
+        <p:cNvGrpSpPr/>
+        <p:nvPr/>
+      </p:nvGrpSpPr>
+      <p:grpSpPr>
+        <a:xfrm>
+          <a:off x="0" y="0"/>
+          <a:ext cx="0" cy="0"/>
+          <a:chOff x="0" y="0"/>
+          <a:chExt cx="0" cy="0"/>
+        </a:xfrm>
+      </p:grpSpPr>
+      <p:sp>
+        <p:nvSpPr>
+          <p:cNvPr id="8" name="Segnaposto contenuto 7"/>
+          <p:cNvSpPr>
+            <a:spLocks noGrp="1"/>
+          </p:cNvSpPr>
+          <p:nvPr>
+            <p:ph idx="1"/>
+          </p:nvPr>
+        </p:nvSpPr>
+        <p:spPr/>
+        <p:txBody>
+          <a:bodyPr/>
+          <a:lstStyle/>
+          <a:p>
+            <a:endParaRPr lang="en-US" dirty="0"/>
+          </a:p>
+        </p:txBody>
+      </p:sp>
+      <p:sp>
+        <p:nvSpPr>
+          <p:cNvPr id="4" name="Segnaposto data 3"/>
+          <p:cNvSpPr>
+            <a:spLocks noGrp="1"/>
+          </p:cNvSpPr>
+          <p:nvPr>
+            <p:ph type="dt" sz="half" idx="10"/>
+          </p:nvPr>
+        </p:nvSpPr>
+        <p:spPr/>
+        <p:txBody>
+          <a:bodyPr/>
+          <a:lstStyle/>
+          <a:p>
+            <a:fld id="{F8078618-4CAE-48E8-A205-9D92A68D094A}" type="datetime1">
+              <a:rPr lang="en-US" smtClean="0"/>
+              <a:pPr/>
+              <a:t>5/8/2019</a:t>
+            </a:fld>
+            <a:endParaRPr lang="en-US"/>
+          </a:p>
+        </p:txBody>
+      </p:sp>
+      <p:sp>
+        <p:nvSpPr>
+          <p:cNvPr id="5" name="Segnaposto numero diapositiva 4"/>
+          <p:cNvSpPr>
+            <a:spLocks noGrp="1"/>
+          </p:cNvSpPr>
+          <p:nvPr>
+            <p:ph type="sldNum" sz="quarter" idx="12"/>
+          </p:nvPr>
+        </p:nvSpPr>
+        <p:spPr/>
+        <p:txBody>
+          <a:bodyPr/>
+          <a:lstStyle/>
+          <a:p>
+            <a:fld id="{02623B3A-910D-43F4-BBA9-9429D5B0014D}" type="slidenum">
+              <a:rPr lang="en-US" smtClean="0"/>
+              <a:pPr/>
+              <a:t>24</a:t>
+            </a:fld>
+            <a:endParaRPr lang="en-US"/>
+          </a:p>
+        </p:txBody>
+      </p:sp>
+      <p:sp>
+        <p:nvSpPr>
+          <p:cNvPr id="7" name="Sottotitolo 6"/>
+          <p:cNvSpPr>
+            <a:spLocks noGrp="1"/>
+          </p:cNvSpPr>
+          <p:nvPr>
+            <p:ph type="subTitle" idx="14"/>
+          </p:nvPr>
+        </p:nvSpPr>
+        <p:spPr/>
+        <p:txBody>
+          <a:bodyPr/>
+          <a:lstStyle/>
+          <a:p>
+            <a:r>
+              <a:rPr lang="en-US" b="1" dirty="0" smtClean="0">
+                <a:solidFill>
+                  <a:schemeClr val="tx1"/>
+                </a:solidFill>
+              </a:rPr>
+              <a:t>Q&amp;A</a:t>
+            </a:r>
+            <a:endParaRPr lang="en-US" b="1" dirty="0">
+              <a:solidFill>
+                <a:schemeClr val="tx1"/>
+              </a:solidFill>
+            </a:endParaRPr>
+          </a:p>
+        </p:txBody>
+      </p:sp>
+    </p:spTree>
+    <p:extLst>
+      <p:ext uri="{BB962C8B-B14F-4D97-AF65-F5344CB8AC3E}">
+        <p14:creationId xmlns:p14="http://schemas.microsoft.com/office/powerpoint/2010/main" val="2068919090"/>
+      </p:ext>
+    </p:extLst>
   </p:cSld>
   <p:clrMapOvr>
     <a:masterClrMapping/>
@@ -5138,89 +6060,35 @@
           <a:chExt cx="0" cy="0"/>
         </a:xfrm>
       </p:grpSpPr>
-      <p:sp>
-        <p:nvSpPr>
-          <p:cNvPr id="3" name="Segnaposto contenuto 2"/>
-          <p:cNvSpPr>
-            <a:spLocks noGrp="1"/>
-          </p:cNvSpPr>
+      <p:pic>
+        <p:nvPicPr>
+          <p:cNvPr id="2" name="Content Placeholder 1"/>
+          <p:cNvPicPr>
+            <a:picLocks noGrp="1" noChangeAspect="1"/>
+          </p:cNvPicPr>
           <p:nvPr>
             <p:ph idx="1"/>
           </p:nvPr>
-        </p:nvSpPr>
+        </p:nvPicPr>
+        <p:blipFill>
+          <a:blip r:embed="rId2">
+            <a:extLst>
+              <a:ext uri="{28A0092B-C50C-407E-A947-70E740481C1C}">
+                <a14:useLocalDpi xmlns:a14="http://schemas.microsoft.com/office/drawing/2010/main" val="0"/>
+              </a:ext>
+            </a:extLst>
+          </a:blip>
+          <a:stretch>
+            <a:fillRect/>
+          </a:stretch>
+        </p:blipFill>
         <p:spPr>
           <a:xfrm>
-            <a:off x="457200" y="2362200"/>
-            <a:ext cx="8229600" cy="2514600"/>
+            <a:off x="1676400" y="1600200"/>
+            <a:ext cx="5702381" cy="4539096"/>
           </a:xfrm>
         </p:spPr>
-        <p:txBody>
-          <a:bodyPr/>
-          <a:lstStyle/>
-          <a:p>
-            <a:pPr marL="571500" indent="-285750"/>
-            <a:r>
-              <a:rPr lang="en-US" sz="1600" dirty="0" smtClean="0"/>
-              <a:t>Businesses need to manage a large variety of (sensitive) information</a:t>
-            </a:r>
-          </a:p>
-          <a:p>
-            <a:pPr marL="571500" indent="-285750"/>
-            <a:r>
-              <a:rPr lang="en-US" sz="1600" dirty="0" smtClean="0"/>
-              <a:t>The nature of the information is heterogeneous</a:t>
-            </a:r>
-          </a:p>
-          <a:p>
-            <a:pPr marL="571500" indent="-285750"/>
-            <a:r>
-              <a:rPr lang="en-US" sz="1600" dirty="0" smtClean="0"/>
-              <a:t>The information might or might not be direct property of the business </a:t>
-            </a:r>
-          </a:p>
-          <a:p>
-            <a:pPr marL="571500" indent="-285750"/>
-            <a:r>
-              <a:rPr lang="en-US" sz="1600" dirty="0" smtClean="0"/>
-              <a:t>The responsibility for the handling of the info might be delegated to the business</a:t>
-            </a:r>
-          </a:p>
-          <a:p>
-            <a:pPr marL="571500" indent="-285750"/>
-            <a:r>
-              <a:rPr lang="en-US" sz="1600" dirty="0" smtClean="0"/>
-              <a:t>Some info is operational and is used as key to access larger repositories of data</a:t>
-            </a:r>
-          </a:p>
-          <a:p>
-            <a:pPr marL="571500" indent="-285750"/>
-            <a:r>
-              <a:rPr lang="en-US" sz="1600" dirty="0"/>
-              <a:t>H</a:t>
-            </a:r>
-            <a:r>
-              <a:rPr lang="en-US" sz="1600" dirty="0" smtClean="0"/>
-              <a:t>andling of the information may be regulated by policies and law</a:t>
-            </a:r>
-          </a:p>
-          <a:p>
-            <a:pPr marL="571500" indent="-285750"/>
-            <a:r>
-              <a:rPr lang="en-US" sz="1600" dirty="0" smtClean="0"/>
-              <a:t>Some information may be classified as secret </a:t>
-            </a:r>
-          </a:p>
-          <a:p>
-            <a:pPr marL="285750" indent="0">
-              <a:buNone/>
-            </a:pPr>
-            <a:endParaRPr lang="en-US" sz="1600" dirty="0" smtClean="0"/>
-          </a:p>
-          <a:p>
-            <a:endParaRPr lang="en-US" dirty="0"/>
-          </a:p>
-        </p:txBody>
-      </p:sp>
+      </p:pic>
       <p:sp>
         <p:nvSpPr>
           <p:cNvPr id="4" name="Segnaposto data 3"/>
@@ -5239,7 +6107,7 @@
             <a:fld id="{F8078618-4CAE-48E8-A205-9D92A68D094A}" type="datetime1">
               <a:rPr lang="en-US" smtClean="0"/>
               <a:pPr/>
-              <a:t>5/7/2019</a:t>
+              <a:t>5/8/2019</a:t>
             </a:fld>
             <a:endParaRPr lang="en-US"/>
           </a:p>
@@ -5271,7 +6139,7 @@
       </p:sp>
       <p:sp>
         <p:nvSpPr>
-          <p:cNvPr id="8" name="Sottotitolo 7"/>
+          <p:cNvPr id="7" name="Sottotitolo 6"/>
           <p:cNvSpPr>
             <a:spLocks noGrp="1"/>
           </p:cNvSpPr>
@@ -5279,26 +6147,25 @@
             <p:ph type="subTitle" idx="14"/>
           </p:nvPr>
         </p:nvSpPr>
-        <p:spPr/>
-        <p:txBody>
-          <a:bodyPr>
-            <a:normAutofit/>
-          </a:bodyPr>
-          <a:lstStyle/>
-          <a:p>
-            <a:pPr marL="285750"/>
+        <p:spPr>
+          <a:xfrm>
+            <a:off x="1219200" y="1050304"/>
+            <a:ext cx="6400800" cy="457200"/>
+          </a:xfrm>
+        </p:spPr>
+        <p:txBody>
+          <a:bodyPr/>
+          <a:lstStyle/>
+          <a:p>
             <a:r>
               <a:rPr lang="en-US" b="1" dirty="0" smtClean="0">
                 <a:solidFill>
                   <a:schemeClr val="tx1"/>
                 </a:solidFill>
               </a:rPr>
-              <a:t>Information in a business</a:t>
-            </a:r>
-          </a:p>
-          <a:p>
-            <a:pPr marL="285750"/>
-            <a:endParaRPr lang="en-US" b="1" dirty="0" smtClean="0">
+              <a:t>Threats</a:t>
+            </a:r>
+            <a:endParaRPr lang="en-US" b="1" dirty="0">
               <a:solidFill>
                 <a:schemeClr val="tx1"/>
               </a:solidFill>
@@ -5307,6 +6174,11 @@
         </p:txBody>
       </p:sp>
     </p:spTree>
+    <p:extLst>
+      <p:ext uri="{BB962C8B-B14F-4D97-AF65-F5344CB8AC3E}">
+        <p14:creationId xmlns:p14="http://schemas.microsoft.com/office/powerpoint/2010/main" val="3822237958"/>
+      </p:ext>
+    </p:extLst>
   </p:cSld>
   <p:clrMapOvr>
     <a:masterClrMapping/>
@@ -5340,12 +6212,12 @@
       </p:grpSpPr>
       <p:sp>
         <p:nvSpPr>
-          <p:cNvPr id="3" name="Segnaposto contenuto 2"/>
-          <p:cNvSpPr>
-            <a:spLocks noGrp="1"/>
-          </p:cNvSpPr>
-          <p:nvPr>
-            <p:ph idx="1"/>
+          <p:cNvPr id="4" name="Segnaposto data 3"/>
+          <p:cNvSpPr>
+            <a:spLocks noGrp="1"/>
+          </p:cNvSpPr>
+          <p:nvPr>
+            <p:ph type="dt" sz="half" idx="10"/>
           </p:nvPr>
         </p:nvSpPr>
         <p:spPr/>
@@ -5353,65 +6225,10 @@
           <a:bodyPr/>
           <a:lstStyle/>
           <a:p>
-            <a:r>
-              <a:rPr lang="en-US" dirty="0" smtClean="0"/>
-              <a:t>It must be kept safe somewhere</a:t>
-            </a:r>
-          </a:p>
-          <a:p>
-            <a:r>
-              <a:rPr lang="en-US" dirty="0" smtClean="0"/>
-              <a:t>It cannot (even accidentally) be shared with anyone who should not know</a:t>
-            </a:r>
-          </a:p>
-          <a:p>
-            <a:r>
-              <a:rPr lang="en-US" dirty="0" smtClean="0"/>
-              <a:t>It can be forgotten, lost, stolen or corrupted in which case becomes worthless </a:t>
-            </a:r>
-            <a:r>
-              <a:rPr lang="en-US" dirty="0" smtClean="0"/>
-              <a:t>and/or </a:t>
-            </a:r>
-            <a:r>
-              <a:rPr lang="en-US" dirty="0" smtClean="0"/>
-              <a:t>can cause loss of assets</a:t>
-            </a:r>
-          </a:p>
-          <a:p>
-            <a:r>
-              <a:rPr lang="en-US" dirty="0" smtClean="0"/>
-              <a:t>Just the suspicion of loss or of accidental leak makes it worthless and a liability</a:t>
-            </a:r>
-          </a:p>
-          <a:p>
-            <a:r>
-              <a:rPr lang="en-US" dirty="0" smtClean="0"/>
-              <a:t>More than one secret and life gets very complicated!</a:t>
-            </a:r>
-            <a:endParaRPr lang="en-US" dirty="0"/>
-          </a:p>
-        </p:txBody>
-      </p:sp>
-      <p:sp>
-        <p:nvSpPr>
-          <p:cNvPr id="4" name="Segnaposto data 3"/>
-          <p:cNvSpPr>
-            <a:spLocks noGrp="1"/>
-          </p:cNvSpPr>
-          <p:nvPr>
-            <p:ph type="dt" sz="half" idx="10"/>
-          </p:nvPr>
-        </p:nvSpPr>
-        <p:spPr/>
-        <p:txBody>
-          <a:bodyPr/>
-          <a:lstStyle/>
-          <a:p>
             <a:fld id="{F8078618-4CAE-48E8-A205-9D92A68D094A}" type="datetime1">
               <a:rPr lang="en-US" smtClean="0"/>
               <a:pPr/>
-              <a:t>5/7/2019</a:t>
+              <a:t>5/8/2019</a:t>
             </a:fld>
             <a:endParaRPr lang="en-US"/>
           </a:p>
@@ -5453,7 +6270,7 @@
         </p:nvSpPr>
         <p:spPr>
           <a:xfrm>
-            <a:off x="1143000" y="1066800"/>
+            <a:off x="1600200" y="990600"/>
             <a:ext cx="6400800" cy="457200"/>
           </a:xfrm>
         </p:spPr>
@@ -5467,7 +6284,7 @@
                   <a:schemeClr val="tx1"/>
                 </a:solidFill>
               </a:rPr>
-              <a:t>Secrets</a:t>
+              <a:t>OWASP Table</a:t>
             </a:r>
             <a:endParaRPr lang="en-US" b="1" dirty="0">
               <a:solidFill>
@@ -5477,10 +6294,39 @@
           </a:p>
         </p:txBody>
       </p:sp>
+      <p:pic>
+        <p:nvPicPr>
+          <p:cNvPr id="6" name="Content Placeholder 5"/>
+          <p:cNvPicPr>
+            <a:picLocks noGrp="1" noChangeAspect="1"/>
+          </p:cNvPicPr>
+          <p:nvPr>
+            <p:ph idx="1"/>
+          </p:nvPr>
+        </p:nvPicPr>
+        <p:blipFill>
+          <a:blip r:embed="rId2" cstate="print">
+            <a:extLst>
+              <a:ext uri="{28A0092B-C50C-407E-A947-70E740481C1C}">
+                <a14:useLocalDpi xmlns:a14="http://schemas.microsoft.com/office/drawing/2010/main" val="0"/>
+              </a:ext>
+            </a:extLst>
+          </a:blip>
+          <a:stretch>
+            <a:fillRect/>
+          </a:stretch>
+        </p:blipFill>
+        <p:spPr>
+          <a:xfrm>
+            <a:off x="914400" y="1592730"/>
+            <a:ext cx="7467600" cy="4639009"/>
+          </a:xfrm>
+        </p:spPr>
+      </p:pic>
     </p:spTree>
     <p:extLst>
       <p:ext uri="{BB962C8B-B14F-4D97-AF65-F5344CB8AC3E}">
-        <p14:creationId xmlns:p14="http://schemas.microsoft.com/office/powerpoint/2010/main" val="148647950"/>
+        <p14:creationId xmlns:p14="http://schemas.microsoft.com/office/powerpoint/2010/main" val="2675536929"/>
       </p:ext>
     </p:extLst>
   </p:cSld>
@@ -5526,116 +6372,74 @@
         </p:nvSpPr>
         <p:spPr>
           <a:xfrm>
-            <a:off x="460513" y="1752600"/>
-            <a:ext cx="8229600" cy="3962400"/>
+            <a:off x="457200" y="2362200"/>
+            <a:ext cx="8229600" cy="2514600"/>
           </a:xfrm>
         </p:spPr>
         <p:txBody>
           <a:bodyPr/>
           <a:lstStyle/>
           <a:p>
-            <a:r>
-              <a:rPr lang="en-US" dirty="0" smtClean="0">
-                <a:hlinkClick r:id="rId2"/>
-              </a:rPr>
-              <a:t>Where to store a server side encryption key?</a:t>
-            </a:r>
-            <a:endParaRPr lang="en-US" dirty="0" smtClean="0"/>
-          </a:p>
-          <a:p>
-            <a:endParaRPr lang="en-US" dirty="0"/>
-          </a:p>
-          <a:p>
-            <a:pPr marL="0" indent="0">
+            <a:pPr marL="571500" indent="-285750"/>
+            <a:r>
+              <a:rPr lang="en-US" sz="1600" dirty="0" smtClean="0"/>
+              <a:t>Businesses need to manage a large variety of (sensitive) information</a:t>
+            </a:r>
+          </a:p>
+          <a:p>
+            <a:pPr marL="571500" indent="-285750"/>
+            <a:r>
+              <a:rPr lang="en-US" sz="1600" dirty="0" smtClean="0"/>
+              <a:t>The nature of the information is heterogeneous</a:t>
+            </a:r>
+          </a:p>
+          <a:p>
+            <a:pPr marL="571500" indent="-285750"/>
+            <a:r>
+              <a:rPr lang="en-US" sz="1600" dirty="0" smtClean="0"/>
+              <a:t>The information might or might not be direct property of the business </a:t>
+            </a:r>
+          </a:p>
+          <a:p>
+            <a:pPr marL="571500" indent="-285750"/>
+            <a:r>
+              <a:rPr lang="en-US" sz="1600" dirty="0" smtClean="0"/>
+              <a:t>The responsibility for the handling of the info might be delegated to the business</a:t>
+            </a:r>
+          </a:p>
+          <a:p>
+            <a:pPr marL="571500" indent="-285750"/>
+            <a:r>
+              <a:rPr lang="en-US" sz="1600" dirty="0" smtClean="0"/>
+              <a:t>Some info is operational and is used as key to access larger repositories of data</a:t>
+            </a:r>
+          </a:p>
+          <a:p>
+            <a:pPr marL="571500" indent="-285750"/>
+            <a:r>
+              <a:rPr lang="en-US" sz="1600" dirty="0"/>
+              <a:t>H</a:t>
+            </a:r>
+            <a:r>
+              <a:rPr lang="en-US" sz="1600" dirty="0" smtClean="0"/>
+              <a:t>andling of the information may be regulated by policies and law</a:t>
+            </a:r>
+          </a:p>
+          <a:p>
+            <a:pPr marL="571500" indent="-285750"/>
+            <a:r>
+              <a:rPr lang="en-US" sz="1600" dirty="0" smtClean="0"/>
+              <a:t>Some information may be classified as secret </a:t>
+            </a:r>
+          </a:p>
+          <a:p>
+            <a:pPr marL="285750" indent="0">
               <a:buNone/>
             </a:pPr>
-            <a:r>
-              <a:rPr lang="en-US" dirty="0" smtClean="0"/>
-              <a:t>This is a good question posed on Stack Exchange Information Security.</a:t>
-            </a:r>
-          </a:p>
-          <a:p>
-            <a:pPr marL="0" indent="0">
-              <a:buNone/>
-            </a:pPr>
-            <a:endParaRPr lang="en-US" dirty="0" smtClean="0"/>
-          </a:p>
-          <a:p>
-            <a:pPr marL="457200" indent="-457200">
-              <a:buFont typeface="+mj-lt"/>
-              <a:buAutoNum type="arabicPeriod"/>
-            </a:pPr>
-            <a:r>
-              <a:rPr lang="en-US" dirty="0"/>
-              <a:t>Use an external Hardware Security </a:t>
-            </a:r>
-            <a:r>
-              <a:rPr lang="en-US" dirty="0" smtClean="0"/>
-              <a:t>Module.</a:t>
-            </a:r>
-            <a:r>
-              <a:rPr lang="en-US" dirty="0"/>
-              <a:t> </a:t>
-            </a:r>
-            <a:endParaRPr lang="en-US" dirty="0" smtClean="0"/>
-          </a:p>
-          <a:p>
-            <a:pPr marL="457200" indent="-457200">
-              <a:buFont typeface="+mj-lt"/>
-              <a:buAutoNum type="arabicPeriod"/>
-            </a:pPr>
-            <a:r>
-              <a:rPr lang="en-US" dirty="0"/>
-              <a:t>Tie the encryption key to your </a:t>
-            </a:r>
-            <a:r>
-              <a:rPr lang="en-US" dirty="0" smtClean="0"/>
-              <a:t>hardware i.e. </a:t>
-            </a:r>
-            <a:r>
-              <a:rPr lang="en-US" dirty="0"/>
-              <a:t>TPM chips </a:t>
-            </a:r>
-            <a:r>
-              <a:rPr lang="en-US" dirty="0" smtClean="0"/>
-              <a:t>.</a:t>
-            </a:r>
-            <a:endParaRPr lang="en-US" dirty="0" smtClean="0"/>
-          </a:p>
-          <a:p>
-            <a:pPr marL="457200" indent="-457200">
-              <a:buFont typeface="+mj-lt"/>
-              <a:buAutoNum type="arabicPeriod"/>
-            </a:pPr>
-            <a:r>
-              <a:rPr lang="en-US" dirty="0"/>
-              <a:t>Tie the encryption key to your admin login </a:t>
-            </a:r>
-            <a:endParaRPr lang="en-US" dirty="0" smtClean="0"/>
-          </a:p>
-          <a:p>
-            <a:pPr marL="457200" indent="-457200">
-              <a:buFont typeface="+mj-lt"/>
-              <a:buAutoNum type="arabicPeriod"/>
-            </a:pPr>
-            <a:r>
-              <a:rPr lang="en-US" dirty="0"/>
-              <a:t>Type in the encryption key when you start up, store it in memory</a:t>
-            </a:r>
-            <a:r>
-              <a:rPr lang="en-US" dirty="0" smtClean="0"/>
-              <a:t>.</a:t>
-            </a:r>
-          </a:p>
-          <a:p>
-            <a:pPr marL="457200" indent="-457200">
-              <a:buFont typeface="+mj-lt"/>
-              <a:buAutoNum type="arabicPeriod"/>
-            </a:pPr>
-            <a:r>
-              <a:rPr lang="en-US" dirty="0"/>
-              <a:t>Store the key on a different server. </a:t>
-            </a:r>
+            <a:endParaRPr lang="en-US" sz="1600" dirty="0" smtClean="0"/>
+          </a:p>
+          <a:p>
+            <a:endParaRPr lang="en-US" dirty="0"/>
           </a:p>
         </p:txBody>
       </p:sp>
@@ -5657,7 +6461,7 @@
             <a:fld id="{F8078618-4CAE-48E8-A205-9D92A68D094A}" type="datetime1">
               <a:rPr lang="en-US" smtClean="0"/>
               <a:pPr/>
-              <a:t>5/7/2019</a:t>
+              <a:t>5/8/2019</a:t>
             </a:fld>
             <a:endParaRPr lang="en-US"/>
           </a:p>
@@ -5689,7 +6493,7 @@
       </p:sp>
       <p:sp>
         <p:nvSpPr>
-          <p:cNvPr id="7" name="Sottotitolo 6"/>
+          <p:cNvPr id="8" name="Sottotitolo 7"/>
           <p:cNvSpPr>
             <a:spLocks noGrp="1"/>
           </p:cNvSpPr>
@@ -5697,25 +6501,26 @@
             <p:ph type="subTitle" idx="14"/>
           </p:nvPr>
         </p:nvSpPr>
-        <p:spPr>
-          <a:xfrm>
-            <a:off x="1143000" y="1066800"/>
-            <a:ext cx="6400800" cy="457200"/>
-          </a:xfrm>
-        </p:spPr>
-        <p:txBody>
-          <a:bodyPr/>
-          <a:lstStyle/>
-          <a:p>
+        <p:spPr/>
+        <p:txBody>
+          <a:bodyPr>
+            <a:normAutofit/>
+          </a:bodyPr>
+          <a:lstStyle/>
+          <a:p>
+            <a:pPr marL="285750"/>
             <a:r>
               <a:rPr lang="en-US" b="1" dirty="0" smtClean="0">
                 <a:solidFill>
                   <a:schemeClr val="tx1"/>
                 </a:solidFill>
               </a:rPr>
-              <a:t>Where to store a secret?</a:t>
-            </a:r>
-            <a:endParaRPr lang="en-US" b="1" dirty="0">
+              <a:t>Information in a business</a:t>
+            </a:r>
+          </a:p>
+          <a:p>
+            <a:pPr marL="285750"/>
+            <a:endParaRPr lang="en-US" b="1" dirty="0" smtClean="0">
               <a:solidFill>
                 <a:schemeClr val="tx1"/>
               </a:solidFill>
@@ -5724,11 +6529,6 @@
         </p:txBody>
       </p:sp>
     </p:spTree>
-    <p:extLst>
-      <p:ext uri="{BB962C8B-B14F-4D97-AF65-F5344CB8AC3E}">
-        <p14:creationId xmlns:p14="http://schemas.microsoft.com/office/powerpoint/2010/main" val="4093124646"/>
-      </p:ext>
-    </p:extLst>
   </p:cSld>
   <p:clrMapOvr>
     <a:masterClrMapping/>
@@ -5770,127 +6570,41 @@
             <p:ph idx="1"/>
           </p:nvPr>
         </p:nvSpPr>
-        <p:spPr>
-          <a:xfrm>
-            <a:off x="457200" y="1905000"/>
-            <a:ext cx="8229600" cy="3429000"/>
-          </a:xfrm>
-        </p:spPr>
-        <p:txBody>
-          <a:bodyPr>
-            <a:normAutofit/>
-          </a:bodyPr>
-          <a:lstStyle/>
-          <a:p>
-            <a:pPr marL="0" indent="0" algn="just">
-              <a:buNone/>
-            </a:pPr>
+        <p:spPr/>
+        <p:txBody>
+          <a:bodyPr/>
+          <a:lstStyle/>
+          <a:p>
             <a:r>
               <a:rPr lang="en-US" dirty="0" smtClean="0"/>
-              <a:t>A storage service used to store </a:t>
-            </a:r>
-            <a:r>
-              <a:rPr lang="en-US" dirty="0"/>
-              <a:t>cryptographic keys and secrets </a:t>
-            </a:r>
+              <a:t>It must be kept safe somewhere</a:t>
+            </a:r>
+          </a:p>
+          <a:p>
             <a:r>
               <a:rPr lang="en-US" dirty="0" smtClean="0"/>
-              <a:t>and keep this </a:t>
-            </a:r>
-            <a:r>
-              <a:rPr lang="en-US" dirty="0"/>
-              <a:t>information secure.</a:t>
-            </a:r>
+              <a:t>It cannot (even accidentally) be shared with anyone who should not know</a:t>
+            </a:r>
+          </a:p>
+          <a:p>
             <a:r>
               <a:rPr lang="en-US" dirty="0" smtClean="0"/>
-              <a:t> The service offers a software abstraction to solve </a:t>
-            </a:r>
-            <a:r>
-              <a:rPr lang="en-US" dirty="0"/>
-              <a:t>the following </a:t>
-            </a:r>
+              <a:t>It can be forgotten, lost, stolen or corrupted in which case becomes worthless and/or can cause loss of assets</a:t>
+            </a:r>
+          </a:p>
+          <a:p>
             <a:r>
               <a:rPr lang="en-US" dirty="0" smtClean="0"/>
-              <a:t>problems. </a:t>
-            </a:r>
-          </a:p>
-          <a:p>
-            <a:pPr marL="0" indent="0" algn="just">
-              <a:buNone/>
-            </a:pPr>
+              <a:t>Just the suspicion of loss or of accidental leak makes it worthless and a liability</a:t>
+            </a:r>
+          </a:p>
+          <a:p>
+            <a:r>
+              <a:rPr lang="en-US" dirty="0" smtClean="0"/>
+              <a:t>More than one secret and life gets very complicated!</a:t>
+            </a:r>
             <a:endParaRPr lang="en-US" dirty="0"/>
           </a:p>
-          <a:p>
-            <a:r>
-              <a:rPr lang="en-US" b="1" dirty="0"/>
-              <a:t>Secret </a:t>
-            </a:r>
-            <a:r>
-              <a:rPr lang="en-US" b="1" dirty="0" smtClean="0"/>
-              <a:t>and Keys management</a:t>
-            </a:r>
-            <a:r>
-              <a:rPr lang="en-US" dirty="0" smtClean="0"/>
-              <a:t> such as access control.</a:t>
-            </a:r>
-            <a:endParaRPr lang="en-US" dirty="0"/>
-          </a:p>
-          <a:p>
-            <a:r>
-              <a:rPr lang="en-US" b="1" dirty="0" smtClean="0"/>
-              <a:t>Certificate management</a:t>
-            </a:r>
-            <a:r>
-              <a:rPr lang="en-US" dirty="0"/>
-              <a:t> </a:t>
-            </a:r>
-            <a:r>
-              <a:rPr lang="en-US" dirty="0" smtClean="0"/>
-              <a:t>including provision</a:t>
-            </a:r>
-            <a:r>
-              <a:rPr lang="en-US" dirty="0"/>
-              <a:t> </a:t>
-            </a:r>
-            <a:r>
-              <a:rPr lang="en-US" dirty="0" smtClean="0"/>
-              <a:t>and deployment i.e. (SSL/TLS</a:t>
-            </a:r>
-            <a:r>
-              <a:rPr lang="en-US" dirty="0"/>
-              <a:t>) certificates </a:t>
-            </a:r>
-            <a:r>
-              <a:rPr lang="en-US" dirty="0" smtClean="0"/>
-              <a:t>used within </a:t>
-            </a:r>
-            <a:r>
-              <a:rPr lang="en-US" dirty="0"/>
-              <a:t>Azure </a:t>
-            </a:r>
-            <a:r>
-              <a:rPr lang="en-US" dirty="0" smtClean="0"/>
-              <a:t>internally connected artifacts.</a:t>
-            </a:r>
-            <a:endParaRPr lang="en-US" dirty="0"/>
-          </a:p>
-          <a:p>
-            <a:r>
-              <a:rPr lang="en-US" b="1" dirty="0"/>
-              <a:t>Store secrets </a:t>
-            </a:r>
-            <a:r>
-              <a:rPr lang="en-US" b="1" dirty="0" smtClean="0"/>
-              <a:t>and Keys on HSMs</a:t>
-            </a:r>
-            <a:endParaRPr lang="en-US" dirty="0"/>
-          </a:p>
-          <a:p>
-            <a:pPr marL="0" indent="0" algn="just">
-              <a:buNone/>
-            </a:pPr>
-            <a:endParaRPr lang="en-US" dirty="0"/>
-          </a:p>
         </p:txBody>
       </p:sp>
       <p:sp>
@@ -5911,7 +6625,7 @@
             <a:fld id="{F8078618-4CAE-48E8-A205-9D92A68D094A}" type="datetime1">
               <a:rPr lang="en-US" smtClean="0"/>
               <a:pPr/>
-              <a:t>5/7/2019</a:t>
+              <a:t>5/8/2019</a:t>
             </a:fld>
             <a:endParaRPr lang="en-US"/>
           </a:p>
@@ -5967,7 +6681,7 @@
                   <a:schemeClr val="tx1"/>
                 </a:solidFill>
               </a:rPr>
-              <a:t>What is Azure Key Vault</a:t>
+              <a:t>Secrets</a:t>
             </a:r>
             <a:endParaRPr lang="en-US" b="1" dirty="0">
               <a:solidFill>
@@ -5980,7 +6694,7 @@
     </p:spTree>
     <p:extLst>
       <p:ext uri="{BB962C8B-B14F-4D97-AF65-F5344CB8AC3E}">
-        <p14:creationId xmlns:p14="http://schemas.microsoft.com/office/powerpoint/2010/main" val="2012090214"/>
+        <p14:creationId xmlns:p14="http://schemas.microsoft.com/office/powerpoint/2010/main" val="148647950"/>
       </p:ext>
     </p:extLst>
   </p:cSld>
@@ -6016,7 +6730,7 @@
       </p:grpSpPr>
       <p:sp>
         <p:nvSpPr>
-          <p:cNvPr id="2" name="Content Placeholder 1"/>
+          <p:cNvPr id="3" name="Segnaposto contenuto 2"/>
           <p:cNvSpPr>
             <a:spLocks noGrp="1"/>
           </p:cNvSpPr>
@@ -6026,24 +6740,58 @@
         </p:nvSpPr>
         <p:spPr>
           <a:xfrm>
-            <a:off x="458972" y="1905000"/>
-            <a:ext cx="8229600" cy="3657600"/>
+            <a:off x="460513" y="1752600"/>
+            <a:ext cx="8229600" cy="3962400"/>
           </a:xfrm>
         </p:spPr>
         <p:txBody>
-          <a:bodyPr>
-            <a:normAutofit/>
-          </a:bodyPr>
-          <a:lstStyle/>
+          <a:bodyPr/>
+          <a:lstStyle/>
+          <a:p>
+            <a:r>
+              <a:rPr lang="en-US" dirty="0" smtClean="0">
+                <a:hlinkClick r:id="rId2"/>
+              </a:rPr>
+              <a:t>Where to store a server side encryption key?</a:t>
+            </a:r>
+            <a:endParaRPr lang="en-US" dirty="0" smtClean="0"/>
+          </a:p>
+          <a:p>
+            <a:endParaRPr lang="en-US" dirty="0"/>
+          </a:p>
+          <a:p>
+            <a:pPr marL="0" indent="0">
+              <a:buNone/>
+            </a:pPr>
+            <a:r>
+              <a:rPr lang="en-US" dirty="0" smtClean="0"/>
+              <a:t>This is a good question posed on Stack Exchange Information Security.</a:t>
+            </a:r>
+          </a:p>
+          <a:p>
+            <a:pPr marL="0" indent="0">
+              <a:buNone/>
+            </a:pPr>
+            <a:endParaRPr lang="en-US" dirty="0" smtClean="0"/>
+          </a:p>
           <a:p>
             <a:pPr marL="457200" indent="-457200">
               <a:buFont typeface="+mj-lt"/>
               <a:buAutoNum type="arabicPeriod"/>
             </a:pPr>
             <a:r>
+              <a:rPr lang="en-US" dirty="0"/>
+              <a:t>Use an external Hardware Security </a:t>
+            </a:r>
+            <a:r>
               <a:rPr lang="en-US" dirty="0" smtClean="0"/>
-              <a:t>Secrets</a:t>
-            </a:r>
+              <a:t>Module.</a:t>
+            </a:r>
+            <a:r>
+              <a:rPr lang="en-US" dirty="0"/>
+              <a:t> </a:t>
+            </a:r>
+            <a:endParaRPr lang="en-US" dirty="0" smtClean="0"/>
           </a:p>
           <a:p>
             <a:pPr marL="457200" indent="-457200">
@@ -6051,8 +6799,20 @@
               <a:buAutoNum type="arabicPeriod"/>
             </a:pPr>
             <a:r>
+              <a:rPr lang="en-US" dirty="0"/>
+              <a:t>Tie the encryption key to your </a:t>
+            </a:r>
+            <a:r>
               <a:rPr lang="en-US" dirty="0" smtClean="0"/>
-              <a:t>Keys</a:t>
+              <a:t>hardware i.e. </a:t>
+            </a:r>
+            <a:r>
+              <a:rPr lang="en-US" dirty="0"/>
+              <a:t>TPM chips </a:t>
+            </a:r>
+            <a:r>
+              <a:rPr lang="en-US" dirty="0" smtClean="0"/>
+              <a:t>.</a:t>
             </a:r>
           </a:p>
           <a:p>
@@ -6061,64 +6821,40 @@
               <a:buAutoNum type="arabicPeriod"/>
             </a:pPr>
             <a:r>
-              <a:rPr lang="en-US" dirty="0" smtClean="0"/>
-              <a:t>Certificates</a:t>
-            </a:r>
-            <a:endParaRPr lang="en-US" dirty="0"/>
+              <a:rPr lang="en-US" dirty="0"/>
+              <a:t>Tie the encryption key to your admin login </a:t>
+            </a:r>
+            <a:endParaRPr lang="en-US" dirty="0" smtClean="0"/>
           </a:p>
           <a:p>
             <a:pPr marL="457200" indent="-457200">
               <a:buFont typeface="+mj-lt"/>
               <a:buAutoNum type="arabicPeriod"/>
             </a:pPr>
-            <a:endParaRPr lang="en-US" dirty="0" smtClean="0"/>
-          </a:p>
-          <a:p>
-            <a:pPr marL="0" indent="0">
-              <a:buNone/>
+            <a:r>
+              <a:rPr lang="en-US" dirty="0"/>
+              <a:t>Type in the encryption key when you start up, store it in memory</a:t>
+            </a:r>
+            <a:r>
+              <a:rPr lang="en-US" dirty="0" smtClean="0"/>
+              <a:t>.</a:t>
+            </a:r>
+          </a:p>
+          <a:p>
+            <a:pPr marL="457200" indent="-457200">
+              <a:buFont typeface="+mj-lt"/>
+              <a:buAutoNum type="arabicPeriod"/>
             </a:pPr>
             <a:r>
-              <a:rPr lang="en-US" dirty="0" smtClean="0"/>
-              <a:t>Secrets </a:t>
-            </a:r>
-          </a:p>
-          <a:p>
-            <a:pPr marL="0" indent="0">
-              <a:buNone/>
-            </a:pPr>
-            <a:endParaRPr lang="en-US" dirty="0" smtClean="0"/>
-          </a:p>
-          <a:p>
-            <a:pPr marL="0" indent="0" algn="just">
-              <a:buNone/>
-            </a:pPr>
-            <a:r>
               <a:rPr lang="en-US" dirty="0"/>
-              <a:t>B</a:t>
-            </a:r>
-            <a:r>
-              <a:rPr lang="en-US" dirty="0" smtClean="0"/>
-              <a:t>inary sequences with no semantic i.e. passwords, connection strings, bank details, thumbprints, hashes, etc. Any sensitive information that must be protected and access controlled. Any piece of information that may be versioned and needs to be centrally managed and protected.</a:t>
-            </a:r>
-            <a:endParaRPr lang="en-US" dirty="0"/>
-          </a:p>
-          <a:p>
-            <a:pPr marL="0" indent="0">
-              <a:buNone/>
-            </a:pPr>
-            <a:endParaRPr lang="en-US" dirty="0" smtClean="0"/>
-          </a:p>
-          <a:p>
-            <a:pPr marL="0" indent="0">
-              <a:buNone/>
-            </a:pPr>
-            <a:endParaRPr lang="en-US" dirty="0" smtClean="0"/>
-          </a:p>
-        </p:txBody>
-      </p:sp>
-      <p:sp>
-        <p:nvSpPr>
-          <p:cNvPr id="3" name="Date Placeholder 2"/>
+              <a:t>Store the key on a different server. </a:t>
+            </a:r>
+          </a:p>
+        </p:txBody>
+      </p:sp>
+      <p:sp>
+        <p:nvSpPr>
+          <p:cNvPr id="4" name="Segnaposto data 3"/>
           <p:cNvSpPr>
             <a:spLocks noGrp="1"/>
           </p:cNvSpPr>
@@ -6134,7 +6870,7 @@
             <a:fld id="{F8078618-4CAE-48E8-A205-9D92A68D094A}" type="datetime1">
               <a:rPr lang="en-US" smtClean="0"/>
               <a:pPr/>
-              <a:t>5/7/2019</a:t>
+              <a:t>5/8/2019</a:t>
             </a:fld>
             <a:endParaRPr lang="en-US"/>
           </a:p>
@@ -6142,7 +6878,7 @@
       </p:sp>
       <p:sp>
         <p:nvSpPr>
-          <p:cNvPr id="4" name="Slide Number Placeholder 3"/>
+          <p:cNvPr id="5" name="Segnaposto numero diapositiva 4"/>
           <p:cNvSpPr>
             <a:spLocks noGrp="1"/>
           </p:cNvSpPr>
@@ -6166,7 +6902,7 @@
       </p:sp>
       <p:sp>
         <p:nvSpPr>
-          <p:cNvPr id="5" name="Subtitle 4"/>
+          <p:cNvPr id="7" name="Sottotitolo 6"/>
           <p:cNvSpPr>
             <a:spLocks noGrp="1"/>
           </p:cNvSpPr>
@@ -6176,7 +6912,7 @@
         </p:nvSpPr>
         <p:spPr>
           <a:xfrm>
-            <a:off x="1219200" y="1050925"/>
+            <a:off x="1143000" y="1066800"/>
             <a:ext cx="6400800" cy="457200"/>
           </a:xfrm>
         </p:spPr>
@@ -6185,17 +6921,25 @@
           <a:lstStyle/>
           <a:p>
             <a:r>
-              <a:rPr lang="en-US" dirty="0" smtClean="0"/>
-              <a:t>Resource Types in Azure Key Vault</a:t>
-            </a:r>
-            <a:endParaRPr lang="en-US" dirty="0"/>
+              <a:rPr lang="en-US" b="1" dirty="0" smtClean="0">
+                <a:solidFill>
+                  <a:schemeClr val="tx1"/>
+                </a:solidFill>
+              </a:rPr>
+              <a:t>Where to store a secret?</a:t>
+            </a:r>
+            <a:endParaRPr lang="en-US" b="1" dirty="0">
+              <a:solidFill>
+                <a:schemeClr val="tx1"/>
+              </a:solidFill>
+            </a:endParaRPr>
           </a:p>
         </p:txBody>
       </p:sp>
     </p:spTree>
     <p:extLst>
       <p:ext uri="{BB962C8B-B14F-4D97-AF65-F5344CB8AC3E}">
-        <p14:creationId xmlns:p14="http://schemas.microsoft.com/office/powerpoint/2010/main" val="1550044430"/>
+        <p14:creationId xmlns:p14="http://schemas.microsoft.com/office/powerpoint/2010/main" val="4093124646"/>
       </p:ext>
     </p:extLst>
   </p:cSld>
@@ -6231,7 +6975,7 @@
       </p:grpSpPr>
       <p:sp>
         <p:nvSpPr>
-          <p:cNvPr id="2" name="Content Placeholder 1"/>
+          <p:cNvPr id="3" name="Segnaposto contenuto 2"/>
           <p:cNvSpPr>
             <a:spLocks noGrp="1"/>
           </p:cNvSpPr>
@@ -6241,111 +6985,130 @@
         </p:nvSpPr>
         <p:spPr>
           <a:xfrm>
-            <a:off x="458972" y="1828800"/>
-            <a:ext cx="8229600" cy="3733800"/>
+            <a:off x="457200" y="1905000"/>
+            <a:ext cx="8229600" cy="3429000"/>
           </a:xfrm>
         </p:spPr>
         <p:txBody>
           <a:bodyPr>
-            <a:normAutofit lnSpcReduction="10000"/>
+            <a:normAutofit/>
           </a:bodyPr>
           <a:lstStyle/>
-          <a:p>
-            <a:pPr marL="457200" indent="-457200">
-              <a:buFont typeface="+mj-lt"/>
-              <a:buAutoNum type="arabicPeriod"/>
-            </a:pPr>
-            <a:r>
-              <a:rPr lang="en-US" dirty="0" smtClean="0"/>
-              <a:t>Secrets</a:t>
-            </a:r>
-          </a:p>
-          <a:p>
-            <a:pPr marL="457200" indent="-457200">
-              <a:buFont typeface="+mj-lt"/>
-              <a:buAutoNum type="arabicPeriod"/>
-            </a:pPr>
-            <a:r>
-              <a:rPr lang="en-US" dirty="0" smtClean="0"/>
-              <a:t>Keys</a:t>
-            </a:r>
-          </a:p>
-          <a:p>
-            <a:pPr marL="457200" indent="-457200">
-              <a:buFont typeface="+mj-lt"/>
-              <a:buAutoNum type="arabicPeriod"/>
-            </a:pPr>
-            <a:r>
-              <a:rPr lang="en-US" dirty="0" smtClean="0"/>
-              <a:t>Certificates</a:t>
-            </a:r>
-            <a:endParaRPr lang="en-US" dirty="0"/>
-          </a:p>
-          <a:p>
-            <a:pPr marL="457200" indent="-457200">
-              <a:buFont typeface="+mj-lt"/>
-              <a:buAutoNum type="arabicPeriod"/>
-            </a:pPr>
-            <a:endParaRPr lang="en-US" dirty="0" smtClean="0"/>
-          </a:p>
-          <a:p>
-            <a:pPr marL="0" indent="0">
-              <a:buNone/>
-            </a:pPr>
-            <a:r>
-              <a:rPr lang="en-US" dirty="0" smtClean="0"/>
-              <a:t>Cryptographic Keys </a:t>
-            </a:r>
-          </a:p>
-          <a:p>
-            <a:pPr marL="0" indent="0">
-              <a:buNone/>
-            </a:pPr>
-            <a:endParaRPr lang="en-US" dirty="0" smtClean="0"/>
-          </a:p>
           <a:p>
             <a:pPr marL="0" indent="0" algn="just">
               <a:buNone/>
             </a:pPr>
             <a:r>
               <a:rPr lang="en-US" dirty="0" smtClean="0"/>
-              <a:t>Existing RSA or EC Keys. These can either be imported into Azure Key Vault or be directly generated and stored by it. </a:t>
+              <a:t>A storage service used to store </a:t>
             </a:r>
             <a:r>
               <a:rPr lang="en-US" dirty="0"/>
-              <a:t>A cryptographic key is a string of bits used by a cryptographic algorithm to transform plain text into cipher text or vice versa</a:t>
+              <a:t>cryptographic keys and secrets </a:t>
             </a:r>
             <a:r>
               <a:rPr lang="en-US" dirty="0" smtClean="0"/>
-              <a:t>. Their format is an </a:t>
+              <a:t>and keep this </a:t>
             </a:r>
             <a:r>
               <a:rPr lang="en-US" dirty="0"/>
-              <a:t>a</a:t>
+              <a:t>information secure.</a:t>
             </a:r>
             <a:r>
               <a:rPr lang="en-US" dirty="0" smtClean="0"/>
-              <a:t>greed industry standard. </a:t>
-            </a:r>
-            <a:endParaRPr lang="en-US" dirty="0"/>
-          </a:p>
-          <a:p>
-            <a:pPr marL="0" indent="0">
+              <a:t> The service offers a software abstraction to solve </a:t>
+            </a:r>
+            <a:r>
+              <a:rPr lang="en-US" dirty="0"/>
+              <a:t>the following </a:t>
+            </a:r>
+            <a:r>
+              <a:rPr lang="en-US" dirty="0" smtClean="0"/>
+              <a:t>problems. </a:t>
+            </a:r>
+          </a:p>
+          <a:p>
+            <a:pPr marL="0" indent="0" algn="just">
               <a:buNone/>
             </a:pPr>
-            <a:endParaRPr lang="en-US" dirty="0" smtClean="0"/>
-          </a:p>
-          <a:p>
-            <a:pPr marL="0" indent="0">
+            <a:endParaRPr lang="en-US" dirty="0"/>
+          </a:p>
+          <a:p>
+            <a:r>
+              <a:rPr lang="en-US" b="1" dirty="0"/>
+              <a:t>Secret </a:t>
+            </a:r>
+            <a:r>
+              <a:rPr lang="en-US" b="1" dirty="0" smtClean="0"/>
+              <a:t>and Keys management</a:t>
+            </a:r>
+            <a:r>
+              <a:rPr lang="en-US" dirty="0" smtClean="0"/>
+              <a:t> such as access control.</a:t>
+            </a:r>
+            <a:endParaRPr lang="en-US" dirty="0"/>
+          </a:p>
+          <a:p>
+            <a:r>
+              <a:rPr lang="en-US" b="1" dirty="0" smtClean="0"/>
+              <a:t>Certificate management</a:t>
+            </a:r>
+            <a:r>
+              <a:rPr lang="en-US" dirty="0"/>
+              <a:t> </a:t>
+            </a:r>
+            <a:r>
+              <a:rPr lang="en-US" dirty="0" smtClean="0"/>
+              <a:t>including provision</a:t>
+            </a:r>
+            <a:r>
+              <a:rPr lang="en-US" dirty="0"/>
+              <a:t> </a:t>
+            </a:r>
+            <a:r>
+              <a:rPr lang="en-US" dirty="0" smtClean="0"/>
+              <a:t>and deployment i.e. (SSL/TLS</a:t>
+            </a:r>
+            <a:r>
+              <a:rPr lang="en-US" dirty="0"/>
+              <a:t>) certificates </a:t>
+            </a:r>
+            <a:r>
+              <a:rPr lang="en-US" dirty="0" smtClean="0"/>
+              <a:t>used within </a:t>
+            </a:r>
+            <a:r>
+              <a:rPr lang="en-US" dirty="0"/>
+              <a:t>Azure </a:t>
+            </a:r>
+            <a:r>
+              <a:rPr lang="en-US" dirty="0" smtClean="0"/>
+              <a:t>internally connected artifacts.</a:t>
+            </a:r>
+            <a:endParaRPr lang="en-US" dirty="0"/>
+          </a:p>
+          <a:p>
+            <a:r>
+              <a:rPr lang="en-US" b="1" dirty="0"/>
+              <a:t>Store secrets </a:t>
+            </a:r>
+            <a:r>
+              <a:rPr lang="en-US" b="1" dirty="0" smtClean="0"/>
+              <a:t>and Keys on HSMs</a:t>
+            </a:r>
+            <a:endParaRPr lang="en-US" dirty="0"/>
+          </a:p>
+          <a:p>
+            <a:pPr marL="0" indent="0" algn="just">
               <a:buNone/>
             </a:pPr>
-            <a:endParaRPr lang="en-US" dirty="0" smtClean="0"/>
-          </a:p>
-        </p:txBody>
-      </p:sp>
-      <p:sp>
-        <p:nvSpPr>
-          <p:cNvPr id="3" name="Date Placeholder 2"/>
+            <a:endParaRPr lang="en-US" dirty="0"/>
+          </a:p>
+        </p:txBody>
+      </p:sp>
+      <p:sp>
+        <p:nvSpPr>
+          <p:cNvPr id="4" name="Segnaposto data 3"/>
           <p:cNvSpPr>
             <a:spLocks noGrp="1"/>
           </p:cNvSpPr>
@@ -6361,7 +7124,7 @@
             <a:fld id="{F8078618-4CAE-48E8-A205-9D92A68D094A}" type="datetime1">
               <a:rPr lang="en-US" smtClean="0"/>
               <a:pPr/>
-              <a:t>5/7/2019</a:t>
+              <a:t>5/8/2019</a:t>
             </a:fld>
             <a:endParaRPr lang="en-US"/>
           </a:p>
@@ -6369,7 +7132,7 @@
       </p:sp>
       <p:sp>
         <p:nvSpPr>
-          <p:cNvPr id="4" name="Slide Number Placeholder 3"/>
+          <p:cNvPr id="5" name="Segnaposto numero diapositiva 4"/>
           <p:cNvSpPr>
             <a:spLocks noGrp="1"/>
           </p:cNvSpPr>
@@ -6393,7 +7156,7 @@
       </p:sp>
       <p:sp>
         <p:nvSpPr>
-          <p:cNvPr id="5" name="Subtitle 4"/>
+          <p:cNvPr id="7" name="Sottotitolo 6"/>
           <p:cNvSpPr>
             <a:spLocks noGrp="1"/>
           </p:cNvSpPr>
@@ -6403,7 +7166,7 @@
         </p:nvSpPr>
         <p:spPr>
           <a:xfrm>
-            <a:off x="1373372" y="990600"/>
+            <a:off x="1143000" y="1066800"/>
             <a:ext cx="6400800" cy="457200"/>
           </a:xfrm>
         </p:spPr>
@@ -6412,17 +7175,25 @@
           <a:lstStyle/>
           <a:p>
             <a:r>
-              <a:rPr lang="en-US" dirty="0" smtClean="0"/>
-              <a:t>Resource Types in Azure Key Vault</a:t>
-            </a:r>
-            <a:endParaRPr lang="en-US" dirty="0"/>
+              <a:rPr lang="en-US" b="1" dirty="0" smtClean="0">
+                <a:solidFill>
+                  <a:schemeClr val="tx1"/>
+                </a:solidFill>
+              </a:rPr>
+              <a:t>What is Azure Key Vault</a:t>
+            </a:r>
+            <a:endParaRPr lang="en-US" b="1" dirty="0">
+              <a:solidFill>
+                <a:schemeClr val="tx1"/>
+              </a:solidFill>
+            </a:endParaRPr>
           </a:p>
         </p:txBody>
       </p:sp>
     </p:spTree>
     <p:extLst>
       <p:ext uri="{BB962C8B-B14F-4D97-AF65-F5344CB8AC3E}">
-        <p14:creationId xmlns:p14="http://schemas.microsoft.com/office/powerpoint/2010/main" val="2131702540"/>
+        <p14:creationId xmlns:p14="http://schemas.microsoft.com/office/powerpoint/2010/main" val="2012090214"/>
       </p:ext>
     </p:extLst>
   </p:cSld>
@@ -6468,13 +7239,13 @@
         </p:nvSpPr>
         <p:spPr>
           <a:xfrm>
-            <a:off x="458972" y="1752600"/>
-            <a:ext cx="8229600" cy="3810000"/>
+            <a:off x="458972" y="1905000"/>
+            <a:ext cx="8229600" cy="3657600"/>
           </a:xfrm>
         </p:spPr>
         <p:txBody>
           <a:bodyPr>
-            <a:normAutofit lnSpcReduction="10000"/>
+            <a:normAutofit/>
           </a:bodyPr>
           <a:lstStyle/>
           <a:p>
@@ -6521,7 +7292,7 @@
             </a:pPr>
             <a:r>
               <a:rPr lang="en-US" dirty="0" smtClean="0"/>
-              <a:t>Certificates</a:t>
+              <a:t>Secrets </a:t>
             </a:r>
           </a:p>
           <a:p>
@@ -6535,9 +7306,26 @@
               <a:buNone/>
             </a:pPr>
             <a:r>
+              <a:rPr lang="en-US" dirty="0"/>
+              <a:t>B</a:t>
+            </a:r>
+            <a:r>
               <a:rPr lang="en-US" dirty="0" smtClean="0"/>
-              <a:t>Data files which that digitally bind a cryptographic key(s) to an organization and prove ownership. The majority of certificates are Public Key Certificates (PKC) which holds information about the key(s) and their owner(s). The PKC is digitally signed by the Authority that has verified the certificate’s content. The most common format for PKC is X.509.</a:t>
-            </a:r>
+              <a:t>inary sequences with no semantic i.e. passwords, connection strings, bank details, thumbprints, hashes, etc. Any sensitive information that must be protected and access controlled. Any piece of information that may be versioned and needs to be centrally managed and protected.</a:t>
+            </a:r>
+            <a:endParaRPr lang="en-US" dirty="0"/>
+          </a:p>
+          <a:p>
+            <a:pPr marL="0" indent="0">
+              <a:buNone/>
+            </a:pPr>
+            <a:endParaRPr lang="en-US" dirty="0" smtClean="0"/>
+          </a:p>
+          <a:p>
+            <a:pPr marL="0" indent="0">
+              <a:buNone/>
+            </a:pPr>
+            <a:endParaRPr lang="en-US" dirty="0" smtClean="0"/>
           </a:p>
         </p:txBody>
       </p:sp>
@@ -6559,7 +7347,7 @@
             <a:fld id="{F8078618-4CAE-48E8-A205-9D92A68D094A}" type="datetime1">
               <a:rPr lang="en-US" smtClean="0"/>
               <a:pPr/>
-              <a:t>5/7/2019</a:t>
+              <a:t>5/8/2019</a:t>
             </a:fld>
             <a:endParaRPr lang="en-US"/>
           </a:p>
@@ -6601,7 +7389,7 @@
         </p:nvSpPr>
         <p:spPr>
           <a:xfrm>
-            <a:off x="1447800" y="958850"/>
+            <a:off x="1219200" y="1050925"/>
             <a:ext cx="6400800" cy="457200"/>
           </a:xfrm>
         </p:spPr>
@@ -6620,7 +7408,7 @@
     </p:spTree>
     <p:extLst>
       <p:ext uri="{BB962C8B-B14F-4D97-AF65-F5344CB8AC3E}">
-        <p14:creationId xmlns:p14="http://schemas.microsoft.com/office/powerpoint/2010/main" val="2033253701"/>
+        <p14:creationId xmlns:p14="http://schemas.microsoft.com/office/powerpoint/2010/main" val="1550044430"/>
       </p:ext>
     </p:extLst>
   </p:cSld>
@@ -7504,6 +8292,18 @@
 </file>
 
 <file path=customXml/item1.xml><?xml version="1.0" encoding="utf-8"?>
+<p:properties xmlns:p="http://schemas.microsoft.com/office/2006/metadata/properties" xmlns:xsi="http://www.w3.org/2001/XMLSchema-instance" xmlns:pc="http://schemas.microsoft.com/office/infopath/2007/PartnerControls">
+  <documentManagement>
+    <Module xmlns="00f996c0-c54d-4e74-bd1f-4dc98d288dc1">Other</Module>
+    <Comment xmlns="00f996c0-c54d-4e74-bd1f-4dc98d288dc1" xsi:nil="true"/>
+    <Manual xmlns="00f996c0-c54d-4e74-bd1f-4dc98d288dc1">Research Activities</Manual>
+    <Language xmlns="00f996c0-c54d-4e74-bd1f-4dc98d288dc1">EN</Language>
+    <Application xmlns="00f996c0-c54d-4e74-bd1f-4dc98d288dc1">DAX2012</Application>
+  </documentManagement>
+</p:properties>
+</file>
+
+<file path=customXml/item2.xml><?xml version="1.0" encoding="utf-8"?>
 <ct:contentTypeSchema xmlns:ct="http://schemas.microsoft.com/office/2006/metadata/contentType" xmlns:ma="http://schemas.microsoft.com/office/2006/metadata/properties/metaAttributes" ct:_="" ma:_="" ma:contentTypeName="Document" ma:contentTypeID="0x01010047BE36A7D7E3284AAF54A9304029004A" ma:contentTypeVersion="5" ma:contentTypeDescription="Create a new document." ma:contentTypeScope="" ma:versionID="c41cecac77d1fce3cca08e421bb73e78">
   <xsd:schema xmlns:xsd="http://www.w3.org/2001/XMLSchema" xmlns:xs="http://www.w3.org/2001/XMLSchema" xmlns:p="http://schemas.microsoft.com/office/2006/metadata/properties" xmlns:ns2="00f996c0-c54d-4e74-bd1f-4dc98d288dc1" targetNamespace="http://schemas.microsoft.com/office/2006/metadata/properties" ma:root="true" ma:fieldsID="8170742d2341719c31d0929a5c17f8bb" ns2:_="">
     <xsd:import namespace="00f996c0-c54d-4e74-bd1f-4dc98d288dc1"/>
@@ -7672,18 +8472,6 @@
 </ct:contentTypeSchema>
 </file>
 
-<file path=customXml/item2.xml><?xml version="1.0" encoding="utf-8"?>
-<p:properties xmlns:p="http://schemas.microsoft.com/office/2006/metadata/properties" xmlns:xsi="http://www.w3.org/2001/XMLSchema-instance" xmlns:pc="http://schemas.microsoft.com/office/infopath/2007/PartnerControls">
-  <documentManagement>
-    <Module xmlns="00f996c0-c54d-4e74-bd1f-4dc98d288dc1">Other</Module>
-    <Comment xmlns="00f996c0-c54d-4e74-bd1f-4dc98d288dc1" xsi:nil="true"/>
-    <Manual xmlns="00f996c0-c54d-4e74-bd1f-4dc98d288dc1">Research Activities</Manual>
-    <Language xmlns="00f996c0-c54d-4e74-bd1f-4dc98d288dc1">EN</Language>
-    <Application xmlns="00f996c0-c54d-4e74-bd1f-4dc98d288dc1">DAX2012</Application>
-  </documentManagement>
-</p:properties>
-</file>
-
 <file path=customXml/item3.xml><?xml version="1.0" encoding="utf-8"?>
 <?mso-contentType ?>
 <FormTemplates xmlns="http://schemas.microsoft.com/sharepoint/v3/contenttype/forms">
@@ -7694,6 +8482,22 @@
 </file>
 
 <file path=customXml/itemProps1.xml><?xml version="1.0" encoding="utf-8"?>
+<ds:datastoreItem xmlns:ds="http://schemas.openxmlformats.org/officeDocument/2006/customXml" ds:itemID="{00BE2236-5581-4DC9-88C8-7D3CDFC20C7F}">
+  <ds:schemaRefs>
+    <ds:schemaRef ds:uri="http://schemas.microsoft.com/office/2006/metadata/properties"/>
+    <ds:schemaRef ds:uri="http://purl.org/dc/terms/"/>
+    <ds:schemaRef ds:uri="http://schemas.openxmlformats.org/package/2006/metadata/core-properties"/>
+    <ds:schemaRef ds:uri="http://schemas.microsoft.com/office/2006/documentManagement/types"/>
+    <ds:schemaRef ds:uri="http://schemas.microsoft.com/office/infopath/2007/PartnerControls"/>
+    <ds:schemaRef ds:uri="00f996c0-c54d-4e74-bd1f-4dc98d288dc1"/>
+    <ds:schemaRef ds:uri="http://purl.org/dc/elements/1.1/"/>
+    <ds:schemaRef ds:uri="http://www.w3.org/XML/1998/namespace"/>
+    <ds:schemaRef ds:uri="http://purl.org/dc/dcmitype/"/>
+  </ds:schemaRefs>
+</ds:datastoreItem>
+</file>
+
+<file path=customXml/itemProps2.xml><?xml version="1.0" encoding="utf-8"?>
 <ds:datastoreItem xmlns:ds="http://schemas.openxmlformats.org/officeDocument/2006/customXml" ds:itemID="{742DA801-DDF4-459E-9485-7A79D9BBB6B7}">
   <ds:schemaRefs>
     <ds:schemaRef ds:uri="http://schemas.microsoft.com/office/2006/metadata/contentType"/>
@@ -7711,22 +8515,6 @@
 </ds:datastoreItem>
 </file>
 
-<file path=customXml/itemProps2.xml><?xml version="1.0" encoding="utf-8"?>
-<ds:datastoreItem xmlns:ds="http://schemas.openxmlformats.org/officeDocument/2006/customXml" ds:itemID="{00BE2236-5581-4DC9-88C8-7D3CDFC20C7F}">
-  <ds:schemaRefs>
-    <ds:schemaRef ds:uri="http://schemas.microsoft.com/office/2006/metadata/properties"/>
-    <ds:schemaRef ds:uri="http://purl.org/dc/terms/"/>
-    <ds:schemaRef ds:uri="http://schemas.openxmlformats.org/package/2006/metadata/core-properties"/>
-    <ds:schemaRef ds:uri="http://schemas.microsoft.com/office/2006/documentManagement/types"/>
-    <ds:schemaRef ds:uri="http://schemas.microsoft.com/office/infopath/2007/PartnerControls"/>
-    <ds:schemaRef ds:uri="00f996c0-c54d-4e74-bd1f-4dc98d288dc1"/>
-    <ds:schemaRef ds:uri="http://purl.org/dc/elements/1.1/"/>
-    <ds:schemaRef ds:uri="http://www.w3.org/XML/1998/namespace"/>
-    <ds:schemaRef ds:uri="http://purl.org/dc/dcmitype/"/>
-  </ds:schemaRefs>
-</ds:datastoreItem>
-</file>
-
 <file path=customXml/itemProps3.xml><?xml version="1.0" encoding="utf-8"?>
 <ds:datastoreItem xmlns:ds="http://schemas.openxmlformats.org/officeDocument/2006/customXml" ds:itemID="{AD1EB6FD-9432-44B6-B1BD-B86A98CDAAFE}">
   <ds:schemaRefs>

--- a/Presentation.pptx
+++ b/Presentation.pptx
@@ -5,10 +5,10 @@
     <p:sldMasterId id="2147483648" r:id="rId4"/>
   </p:sldMasterIdLst>
   <p:notesMasterIdLst>
-    <p:notesMasterId r:id="rId29"/>
+    <p:notesMasterId r:id="rId31"/>
   </p:notesMasterIdLst>
   <p:handoutMasterIdLst>
-    <p:handoutMasterId r:id="rId30"/>
+    <p:handoutMasterId r:id="rId32"/>
   </p:handoutMasterIdLst>
   <p:sldIdLst>
     <p:sldId id="256" r:id="rId5"/>
@@ -16,25 +16,27 @@
     <p:sldId id="280" r:id="rId7"/>
     <p:sldId id="281" r:id="rId8"/>
     <p:sldId id="258" r:id="rId9"/>
-    <p:sldId id="271" r:id="rId10"/>
-    <p:sldId id="276" r:id="rId11"/>
-    <p:sldId id="272" r:id="rId12"/>
-    <p:sldId id="267" r:id="rId13"/>
-    <p:sldId id="273" r:id="rId14"/>
-    <p:sldId id="268" r:id="rId15"/>
-    <p:sldId id="275" r:id="rId16"/>
-    <p:sldId id="274" r:id="rId17"/>
-    <p:sldId id="277" r:id="rId18"/>
-    <p:sldId id="269" r:id="rId19"/>
-    <p:sldId id="279" r:id="rId20"/>
-    <p:sldId id="265" r:id="rId21"/>
-    <p:sldId id="270" r:id="rId22"/>
-    <p:sldId id="261" r:id="rId23"/>
-    <p:sldId id="259" r:id="rId24"/>
-    <p:sldId id="263" r:id="rId25"/>
-    <p:sldId id="262" r:id="rId26"/>
-    <p:sldId id="264" r:id="rId27"/>
-    <p:sldId id="278" r:id="rId28"/>
+    <p:sldId id="282" r:id="rId10"/>
+    <p:sldId id="271" r:id="rId11"/>
+    <p:sldId id="276" r:id="rId12"/>
+    <p:sldId id="275" r:id="rId13"/>
+    <p:sldId id="272" r:id="rId14"/>
+    <p:sldId id="267" r:id="rId15"/>
+    <p:sldId id="273" r:id="rId16"/>
+    <p:sldId id="268" r:id="rId17"/>
+    <p:sldId id="274" r:id="rId18"/>
+    <p:sldId id="277" r:id="rId19"/>
+    <p:sldId id="269" r:id="rId20"/>
+    <p:sldId id="279" r:id="rId21"/>
+    <p:sldId id="261" r:id="rId22"/>
+    <p:sldId id="265" r:id="rId23"/>
+    <p:sldId id="270" r:id="rId24"/>
+    <p:sldId id="283" r:id="rId25"/>
+    <p:sldId id="259" r:id="rId26"/>
+    <p:sldId id="263" r:id="rId27"/>
+    <p:sldId id="262" r:id="rId28"/>
+    <p:sldId id="264" r:id="rId29"/>
+    <p:sldId id="278" r:id="rId30"/>
   </p:sldIdLst>
   <p:sldSz cx="9144000" cy="6858000" type="screen4x3"/>
   <p:notesSz cx="6669088" cy="9928225"/>
@@ -249,7 +251,7 @@
             <a:fld id="{AB929E34-DEA3-4895-846A-C2BBEF4A5080}" type="datetimeFigureOut">
               <a:rPr lang="en-US" smtClean="0"/>
               <a:pPr/>
-              <a:t>5/8/2019</a:t>
+              <a:t>5/9/2019</a:t>
             </a:fld>
             <a:endParaRPr lang="en-US"/>
           </a:p>
@@ -416,7 +418,7 @@
             <a:fld id="{D757427D-1431-4F41-9EB2-74C3A27350CA}" type="datetimeFigureOut">
               <a:rPr lang="en-US" smtClean="0"/>
               <a:pPr/>
-              <a:t>5/8/2019</a:t>
+              <a:t>5/9/2019</a:t>
             </a:fld>
             <a:endParaRPr lang="en-US"/>
           </a:p>
@@ -839,7 +841,7 @@
             <a:fld id="{41D89EAC-7ACA-4BE3-B5E1-4490AC0DEEC2}" type="datetime1">
               <a:rPr lang="en-US" smtClean="0"/>
               <a:pPr/>
-              <a:t>5/8/2019</a:t>
+              <a:t>5/9/2019</a:t>
             </a:fld>
             <a:endParaRPr lang="en-US"/>
           </a:p>
@@ -1014,7 +1016,7 @@
             <a:fld id="{F8078618-4CAE-48E8-A205-9D92A68D094A}" type="datetime1">
               <a:rPr lang="en-US" smtClean="0"/>
               <a:pPr/>
-              <a:t>5/8/2019</a:t>
+              <a:t>5/9/2019</a:t>
             </a:fld>
             <a:endParaRPr lang="en-US"/>
           </a:p>
@@ -1313,7 +1315,7 @@
             <a:fld id="{F8078618-4CAE-48E8-A205-9D92A68D094A}" type="datetime1">
               <a:rPr lang="en-US" smtClean="0"/>
               <a:pPr/>
-              <a:t>5/8/2019</a:t>
+              <a:t>5/9/2019</a:t>
             </a:fld>
             <a:endParaRPr lang="en-US"/>
           </a:p>
@@ -1595,7 +1597,7 @@
             <a:fld id="{6B00E453-848C-4CB7-9F7F-96588418CD05}" type="datetime1">
               <a:rPr lang="en-US" smtClean="0"/>
               <a:pPr/>
-              <a:t>5/8/2019</a:t>
+              <a:t>5/9/2019</a:t>
             </a:fld>
             <a:endParaRPr lang="en-US"/>
           </a:p>
@@ -2015,7 +2017,7 @@
             <a:fld id="{6205F48F-7385-4145-8996-92AF39DE194F}" type="datetime1">
               <a:rPr lang="en-US" smtClean="0"/>
               <a:pPr/>
-              <a:t>5/8/2019</a:t>
+              <a:t>5/9/2019</a:t>
             </a:fld>
             <a:endParaRPr lang="en-US"/>
           </a:p>
@@ -2123,7 +2125,7 @@
             <a:fld id="{117843E3-9C32-491F-AC75-91C8E4F20BD2}" type="datetime1">
               <a:rPr lang="en-US" smtClean="0"/>
               <a:pPr/>
-              <a:t>5/8/2019</a:t>
+              <a:t>5/9/2019</a:t>
             </a:fld>
             <a:endParaRPr lang="en-US"/>
           </a:p>
@@ -2579,7 +2581,7 @@
             <a:fld id="{967291D2-A40C-4E5C-A267-C4BBED92FF0C}" type="datetime1">
               <a:rPr lang="en-US" smtClean="0"/>
               <a:pPr/>
-              <a:t>5/8/2019</a:t>
+              <a:t>5/9/2019</a:t>
             </a:fld>
             <a:endParaRPr lang="en-US" dirty="0"/>
           </a:p>
@@ -3348,7 +3350,7 @@
             <a:fld id="{DD590542-A0EB-48D5-9722-C0A8052BF4A2}" type="datetime1">
               <a:rPr lang="en-US" smtClean="0"/>
               <a:pPr/>
-              <a:t>5/8/2019</a:t>
+              <a:t>5/9/2019</a:t>
             </a:fld>
             <a:endParaRPr lang="en-US" dirty="0"/>
           </a:p>
@@ -3449,7 +3451,7 @@
       </p:grpSpPr>
       <p:sp>
         <p:nvSpPr>
-          <p:cNvPr id="2" name="Content Placeholder 1"/>
+          <p:cNvPr id="3" name="Segnaposto contenuto 2"/>
           <p:cNvSpPr>
             <a:spLocks noGrp="1"/>
           </p:cNvSpPr>
@@ -3459,111 +3461,130 @@
         </p:nvSpPr>
         <p:spPr>
           <a:xfrm>
-            <a:off x="458972" y="1828800"/>
-            <a:ext cx="8229600" cy="3733800"/>
+            <a:off x="457200" y="1905000"/>
+            <a:ext cx="8229600" cy="3429000"/>
           </a:xfrm>
         </p:spPr>
         <p:txBody>
           <a:bodyPr>
-            <a:normAutofit lnSpcReduction="10000"/>
+            <a:normAutofit/>
           </a:bodyPr>
           <a:lstStyle/>
-          <a:p>
-            <a:pPr marL="457200" indent="-457200">
-              <a:buFont typeface="+mj-lt"/>
-              <a:buAutoNum type="arabicPeriod"/>
-            </a:pPr>
-            <a:r>
-              <a:rPr lang="en-US" dirty="0" smtClean="0"/>
-              <a:t>Secrets</a:t>
-            </a:r>
-          </a:p>
-          <a:p>
-            <a:pPr marL="457200" indent="-457200">
-              <a:buFont typeface="+mj-lt"/>
-              <a:buAutoNum type="arabicPeriod"/>
-            </a:pPr>
-            <a:r>
-              <a:rPr lang="en-US" dirty="0" smtClean="0"/>
-              <a:t>Keys</a:t>
-            </a:r>
-          </a:p>
-          <a:p>
-            <a:pPr marL="457200" indent="-457200">
-              <a:buFont typeface="+mj-lt"/>
-              <a:buAutoNum type="arabicPeriod"/>
-            </a:pPr>
-            <a:r>
-              <a:rPr lang="en-US" dirty="0" smtClean="0"/>
-              <a:t>Certificates</a:t>
-            </a:r>
-            <a:endParaRPr lang="en-US" dirty="0"/>
-          </a:p>
-          <a:p>
-            <a:pPr marL="457200" indent="-457200">
-              <a:buFont typeface="+mj-lt"/>
-              <a:buAutoNum type="arabicPeriod"/>
-            </a:pPr>
-            <a:endParaRPr lang="en-US" dirty="0" smtClean="0"/>
-          </a:p>
-          <a:p>
-            <a:pPr marL="0" indent="0">
-              <a:buNone/>
-            </a:pPr>
-            <a:r>
-              <a:rPr lang="en-US" dirty="0" smtClean="0"/>
-              <a:t>Cryptographic Keys </a:t>
-            </a:r>
-          </a:p>
-          <a:p>
-            <a:pPr marL="0" indent="0">
-              <a:buNone/>
-            </a:pPr>
-            <a:endParaRPr lang="en-US" dirty="0" smtClean="0"/>
-          </a:p>
           <a:p>
             <a:pPr marL="0" indent="0" algn="just">
               <a:buNone/>
             </a:pPr>
             <a:r>
               <a:rPr lang="en-US" dirty="0" smtClean="0"/>
-              <a:t>Existing RSA or EC Keys. These can either be imported into Azure Key Vault or be directly generated and stored by it. </a:t>
+              <a:t>A storage service used to store </a:t>
             </a:r>
             <a:r>
               <a:rPr lang="en-US" dirty="0"/>
-              <a:t>A cryptographic key is a string of bits used by a cryptographic algorithm to transform plain text into cipher text or vice versa</a:t>
+              <a:t>cryptographic keys and secrets </a:t>
             </a:r>
             <a:r>
               <a:rPr lang="en-US" dirty="0" smtClean="0"/>
-              <a:t>. Their format is an </a:t>
+              <a:t>and keep this </a:t>
             </a:r>
             <a:r>
               <a:rPr lang="en-US" dirty="0"/>
-              <a:t>a</a:t>
+              <a:t>information secure.</a:t>
             </a:r>
             <a:r>
               <a:rPr lang="en-US" dirty="0" smtClean="0"/>
-              <a:t>greed industry standard. </a:t>
-            </a:r>
-            <a:endParaRPr lang="en-US" dirty="0"/>
-          </a:p>
-          <a:p>
-            <a:pPr marL="0" indent="0">
+              <a:t> The service offers a software abstraction to solve </a:t>
+            </a:r>
+            <a:r>
+              <a:rPr lang="en-US" dirty="0"/>
+              <a:t>the following </a:t>
+            </a:r>
+            <a:r>
+              <a:rPr lang="en-US" dirty="0" smtClean="0"/>
+              <a:t>problems. </a:t>
+            </a:r>
+          </a:p>
+          <a:p>
+            <a:pPr marL="0" indent="0" algn="just">
               <a:buNone/>
             </a:pPr>
-            <a:endParaRPr lang="en-US" dirty="0" smtClean="0"/>
-          </a:p>
-          <a:p>
-            <a:pPr marL="0" indent="0">
+            <a:endParaRPr lang="en-US" dirty="0"/>
+          </a:p>
+          <a:p>
+            <a:r>
+              <a:rPr lang="en-US" b="1" dirty="0"/>
+              <a:t>Secret </a:t>
+            </a:r>
+            <a:r>
+              <a:rPr lang="en-US" b="1" dirty="0" smtClean="0"/>
+              <a:t>and Keys management</a:t>
+            </a:r>
+            <a:r>
+              <a:rPr lang="en-US" dirty="0" smtClean="0"/>
+              <a:t> such as access control.</a:t>
+            </a:r>
+            <a:endParaRPr lang="en-US" dirty="0"/>
+          </a:p>
+          <a:p>
+            <a:r>
+              <a:rPr lang="en-US" b="1" dirty="0" smtClean="0"/>
+              <a:t>Certificate management</a:t>
+            </a:r>
+            <a:r>
+              <a:rPr lang="en-US" dirty="0"/>
+              <a:t> </a:t>
+            </a:r>
+            <a:r>
+              <a:rPr lang="en-US" dirty="0" smtClean="0"/>
+              <a:t>including provision</a:t>
+            </a:r>
+            <a:r>
+              <a:rPr lang="en-US" dirty="0"/>
+              <a:t> </a:t>
+            </a:r>
+            <a:r>
+              <a:rPr lang="en-US" dirty="0" smtClean="0"/>
+              <a:t>and deployment i.e. (SSL/TLS</a:t>
+            </a:r>
+            <a:r>
+              <a:rPr lang="en-US" dirty="0"/>
+              <a:t>) certificates </a:t>
+            </a:r>
+            <a:r>
+              <a:rPr lang="en-US" dirty="0" smtClean="0"/>
+              <a:t>used within </a:t>
+            </a:r>
+            <a:r>
+              <a:rPr lang="en-US" dirty="0"/>
+              <a:t>Azure </a:t>
+            </a:r>
+            <a:r>
+              <a:rPr lang="en-US" dirty="0" smtClean="0"/>
+              <a:t>internally connected artifacts.</a:t>
+            </a:r>
+            <a:endParaRPr lang="en-US" dirty="0"/>
+          </a:p>
+          <a:p>
+            <a:r>
+              <a:rPr lang="en-US" b="1" dirty="0"/>
+              <a:t>Store secrets </a:t>
+            </a:r>
+            <a:r>
+              <a:rPr lang="en-US" b="1" dirty="0" smtClean="0"/>
+              <a:t>and Keys on HSMs</a:t>
+            </a:r>
+            <a:endParaRPr lang="en-US" dirty="0"/>
+          </a:p>
+          <a:p>
+            <a:pPr marL="0" indent="0" algn="just">
               <a:buNone/>
             </a:pPr>
-            <a:endParaRPr lang="en-US" dirty="0" smtClean="0"/>
-          </a:p>
-        </p:txBody>
-      </p:sp>
-      <p:sp>
-        <p:nvSpPr>
-          <p:cNvPr id="3" name="Date Placeholder 2"/>
+            <a:endParaRPr lang="en-US" dirty="0"/>
+          </a:p>
+        </p:txBody>
+      </p:sp>
+      <p:sp>
+        <p:nvSpPr>
+          <p:cNvPr id="4" name="Segnaposto data 3"/>
           <p:cNvSpPr>
             <a:spLocks noGrp="1"/>
           </p:cNvSpPr>
@@ -3579,7 +3600,7 @@
             <a:fld id="{F8078618-4CAE-48E8-A205-9D92A68D094A}" type="datetime1">
               <a:rPr lang="en-US" smtClean="0"/>
               <a:pPr/>
-              <a:t>5/8/2019</a:t>
+              <a:t>5/9/2019</a:t>
             </a:fld>
             <a:endParaRPr lang="en-US"/>
           </a:p>
@@ -3587,7 +3608,7 @@
       </p:sp>
       <p:sp>
         <p:nvSpPr>
-          <p:cNvPr id="4" name="Slide Number Placeholder 3"/>
+          <p:cNvPr id="5" name="Segnaposto numero diapositiva 4"/>
           <p:cNvSpPr>
             <a:spLocks noGrp="1"/>
           </p:cNvSpPr>
@@ -3611,7 +3632,7 @@
       </p:sp>
       <p:sp>
         <p:nvSpPr>
-          <p:cNvPr id="5" name="Subtitle 4"/>
+          <p:cNvPr id="7" name="Sottotitolo 6"/>
           <p:cNvSpPr>
             <a:spLocks noGrp="1"/>
           </p:cNvSpPr>
@@ -3621,7 +3642,7 @@
         </p:nvSpPr>
         <p:spPr>
           <a:xfrm>
-            <a:off x="1373372" y="990600"/>
+            <a:off x="1143000" y="1066800"/>
             <a:ext cx="6400800" cy="457200"/>
           </a:xfrm>
         </p:spPr>
@@ -3630,17 +3651,25 @@
           <a:lstStyle/>
           <a:p>
             <a:r>
-              <a:rPr lang="en-US" dirty="0" smtClean="0"/>
-              <a:t>Resource Types in Azure Key Vault</a:t>
-            </a:r>
-            <a:endParaRPr lang="en-US" dirty="0"/>
+              <a:rPr lang="en-US" b="1" dirty="0" smtClean="0">
+                <a:solidFill>
+                  <a:schemeClr val="tx1"/>
+                </a:solidFill>
+              </a:rPr>
+              <a:t>What is Azure Key Vault</a:t>
+            </a:r>
+            <a:endParaRPr lang="en-US" b="1" dirty="0">
+              <a:solidFill>
+                <a:schemeClr val="tx1"/>
+              </a:solidFill>
+            </a:endParaRPr>
           </a:p>
         </p:txBody>
       </p:sp>
     </p:spTree>
     <p:extLst>
       <p:ext uri="{BB962C8B-B14F-4D97-AF65-F5344CB8AC3E}">
-        <p14:creationId xmlns:p14="http://schemas.microsoft.com/office/powerpoint/2010/main" val="2131702540"/>
+        <p14:creationId xmlns:p14="http://schemas.microsoft.com/office/powerpoint/2010/main" val="2012090214"/>
       </p:ext>
     </p:extLst>
   </p:cSld>
@@ -3686,13 +3715,13 @@
         </p:nvSpPr>
         <p:spPr>
           <a:xfrm>
-            <a:off x="458972" y="1752600"/>
-            <a:ext cx="8229600" cy="3810000"/>
+            <a:off x="458972" y="1905000"/>
+            <a:ext cx="8229600" cy="3657600"/>
           </a:xfrm>
         </p:spPr>
         <p:txBody>
           <a:bodyPr>
-            <a:normAutofit lnSpcReduction="10000"/>
+            <a:normAutofit/>
           </a:bodyPr>
           <a:lstStyle/>
           <a:p>
@@ -3739,7 +3768,7 @@
             </a:pPr>
             <a:r>
               <a:rPr lang="en-US" dirty="0" smtClean="0"/>
-              <a:t>Certificates</a:t>
+              <a:t>Secrets </a:t>
             </a:r>
           </a:p>
           <a:p>
@@ -3753,9 +3782,26 @@
               <a:buNone/>
             </a:pPr>
             <a:r>
+              <a:rPr lang="en-US" dirty="0"/>
+              <a:t>B</a:t>
+            </a:r>
+            <a:r>
               <a:rPr lang="en-US" dirty="0" smtClean="0"/>
-              <a:t>Data files which that digitally bind a cryptographic key(s) to an organization and prove ownership. The majority of certificates are Public Key Certificates (PKC) which holds information about the key(s) and their owner(s). The PKC is digitally signed by the Authority that has verified the certificate’s content. The most common format for PKC is X.509.</a:t>
-            </a:r>
+              <a:t>inary sequences with no semantic i.e. passwords, connection strings, bank details, thumbprints, hashes, etc. Any sensitive information that must be protected and access controlled. Any piece of information that may be versioned and needs to be centrally managed and protected.</a:t>
+            </a:r>
+            <a:endParaRPr lang="en-US" dirty="0"/>
+          </a:p>
+          <a:p>
+            <a:pPr marL="0" indent="0">
+              <a:buNone/>
+            </a:pPr>
+            <a:endParaRPr lang="en-US" dirty="0" smtClean="0"/>
+          </a:p>
+          <a:p>
+            <a:pPr marL="0" indent="0">
+              <a:buNone/>
+            </a:pPr>
+            <a:endParaRPr lang="en-US" dirty="0" smtClean="0"/>
           </a:p>
         </p:txBody>
       </p:sp>
@@ -3777,7 +3823,7 @@
             <a:fld id="{F8078618-4CAE-48E8-A205-9D92A68D094A}" type="datetime1">
               <a:rPr lang="en-US" smtClean="0"/>
               <a:pPr/>
-              <a:t>5/8/2019</a:t>
+              <a:t>5/9/2019</a:t>
             </a:fld>
             <a:endParaRPr lang="en-US"/>
           </a:p>
@@ -3819,7 +3865,7 @@
         </p:nvSpPr>
         <p:spPr>
           <a:xfrm>
-            <a:off x="1447800" y="958850"/>
+            <a:off x="1219200" y="1050925"/>
             <a:ext cx="6400800" cy="457200"/>
           </a:xfrm>
         </p:spPr>
@@ -3838,7 +3884,7 @@
     </p:spTree>
     <p:extLst>
       <p:ext uri="{BB962C8B-B14F-4D97-AF65-F5344CB8AC3E}">
-        <p14:creationId xmlns:p14="http://schemas.microsoft.com/office/powerpoint/2010/main" val="2033253701"/>
+        <p14:creationId xmlns:p14="http://schemas.microsoft.com/office/powerpoint/2010/main" val="1550044430"/>
       </p:ext>
     </p:extLst>
   </p:cSld>
@@ -3874,7 +3920,7 @@
       </p:grpSpPr>
       <p:sp>
         <p:nvSpPr>
-          <p:cNvPr id="3" name="Segnaposto contenuto 2"/>
+          <p:cNvPr id="2" name="Content Placeholder 1"/>
           <p:cNvSpPr>
             <a:spLocks noGrp="1"/>
           </p:cNvSpPr>
@@ -3882,68 +3928,129 @@
             <p:ph idx="1"/>
           </p:nvPr>
         </p:nvSpPr>
+        <p:spPr>
+          <a:xfrm>
+            <a:off x="458972" y="1828800"/>
+            <a:ext cx="8229600" cy="3733800"/>
+          </a:xfrm>
+        </p:spPr>
+        <p:txBody>
+          <a:bodyPr>
+            <a:normAutofit lnSpcReduction="10000"/>
+          </a:bodyPr>
+          <a:lstStyle/>
+          <a:p>
+            <a:pPr marL="457200" indent="-457200">
+              <a:buFont typeface="+mj-lt"/>
+              <a:buAutoNum type="arabicPeriod"/>
+            </a:pPr>
+            <a:r>
+              <a:rPr lang="en-US" dirty="0" smtClean="0"/>
+              <a:t>Secrets</a:t>
+            </a:r>
+          </a:p>
+          <a:p>
+            <a:pPr marL="457200" indent="-457200">
+              <a:buFont typeface="+mj-lt"/>
+              <a:buAutoNum type="arabicPeriod"/>
+            </a:pPr>
+            <a:r>
+              <a:rPr lang="en-US" dirty="0" smtClean="0"/>
+              <a:t>Keys</a:t>
+            </a:r>
+          </a:p>
+          <a:p>
+            <a:pPr marL="457200" indent="-457200">
+              <a:buFont typeface="+mj-lt"/>
+              <a:buAutoNum type="arabicPeriod"/>
+            </a:pPr>
+            <a:r>
+              <a:rPr lang="en-US" dirty="0" smtClean="0"/>
+              <a:t>Certificates</a:t>
+            </a:r>
+            <a:endParaRPr lang="en-US" dirty="0"/>
+          </a:p>
+          <a:p>
+            <a:pPr marL="457200" indent="-457200">
+              <a:buFont typeface="+mj-lt"/>
+              <a:buAutoNum type="arabicPeriod"/>
+            </a:pPr>
+            <a:endParaRPr lang="en-US" dirty="0" smtClean="0"/>
+          </a:p>
+          <a:p>
+            <a:pPr marL="0" indent="0">
+              <a:buNone/>
+            </a:pPr>
+            <a:r>
+              <a:rPr lang="en-US" dirty="0" smtClean="0"/>
+              <a:t>Cryptographic Keys </a:t>
+            </a:r>
+          </a:p>
+          <a:p>
+            <a:pPr marL="0" indent="0">
+              <a:buNone/>
+            </a:pPr>
+            <a:endParaRPr lang="en-US" dirty="0" smtClean="0"/>
+          </a:p>
+          <a:p>
+            <a:pPr marL="0" indent="0" algn="just">
+              <a:buNone/>
+            </a:pPr>
+            <a:r>
+              <a:rPr lang="en-US" dirty="0" smtClean="0"/>
+              <a:t>Existing RSA or EC Keys. These can either be imported into Azure Key Vault or be directly generated and stored by it. </a:t>
+            </a:r>
+            <a:r>
+              <a:rPr lang="en-US" dirty="0"/>
+              <a:t>A cryptographic key is a string of bits used by a cryptographic algorithm to transform plain text into cipher text or vice versa</a:t>
+            </a:r>
+            <a:r>
+              <a:rPr lang="en-US" dirty="0" smtClean="0"/>
+              <a:t>. Their format is an </a:t>
+            </a:r>
+            <a:r>
+              <a:rPr lang="en-US" dirty="0"/>
+              <a:t>a</a:t>
+            </a:r>
+            <a:r>
+              <a:rPr lang="en-US" dirty="0" smtClean="0"/>
+              <a:t>greed industry standard. </a:t>
+            </a:r>
+            <a:endParaRPr lang="en-US" dirty="0"/>
+          </a:p>
+          <a:p>
+            <a:pPr marL="0" indent="0">
+              <a:buNone/>
+            </a:pPr>
+            <a:endParaRPr lang="en-US" dirty="0" smtClean="0"/>
+          </a:p>
+          <a:p>
+            <a:pPr marL="0" indent="0">
+              <a:buNone/>
+            </a:pPr>
+            <a:endParaRPr lang="en-US" dirty="0" smtClean="0"/>
+          </a:p>
+        </p:txBody>
+      </p:sp>
+      <p:sp>
+        <p:nvSpPr>
+          <p:cNvPr id="3" name="Date Placeholder 2"/>
+          <p:cNvSpPr>
+            <a:spLocks noGrp="1"/>
+          </p:cNvSpPr>
+          <p:nvPr>
+            <p:ph type="dt" sz="half" idx="10"/>
+          </p:nvPr>
+        </p:nvSpPr>
         <p:spPr/>
         <p:txBody>
           <a:bodyPr/>
           <a:lstStyle/>
           <a:p>
-            <a:r>
-              <a:rPr lang="en-US" dirty="0" smtClean="0"/>
-              <a:t>It must be kept safe somewhere</a:t>
-            </a:r>
-          </a:p>
-          <a:p>
-            <a:r>
-              <a:rPr lang="en-US" dirty="0" smtClean="0"/>
-              <a:t>It cannot be shared with anyone who should not know</a:t>
-            </a:r>
-          </a:p>
-          <a:p>
-            <a:r>
-              <a:rPr lang="en-US" dirty="0" smtClean="0"/>
-              <a:t>It can be forgotten or lost</a:t>
-            </a:r>
-          </a:p>
-          <a:p>
-            <a:r>
-              <a:rPr lang="en-US" dirty="0" smtClean="0"/>
-              <a:t>If stolen it becomes worthless</a:t>
-            </a:r>
-          </a:p>
-          <a:p>
-            <a:r>
-              <a:rPr lang="en-US" dirty="0" smtClean="0"/>
-              <a:t>Just the suspicion of loss or of a leak makes it worthless</a:t>
-            </a:r>
-          </a:p>
-          <a:p>
-            <a:r>
-              <a:rPr lang="en-US" dirty="0" smtClean="0"/>
-              <a:t>More than one secret and life gets very complicated!</a:t>
-            </a:r>
-            <a:endParaRPr lang="en-US" dirty="0"/>
-          </a:p>
-        </p:txBody>
-      </p:sp>
-      <p:sp>
-        <p:nvSpPr>
-          <p:cNvPr id="4" name="Segnaposto data 3"/>
-          <p:cNvSpPr>
-            <a:spLocks noGrp="1"/>
-          </p:cNvSpPr>
-          <p:nvPr>
-            <p:ph type="dt" sz="half" idx="10"/>
-          </p:nvPr>
-        </p:nvSpPr>
-        <p:spPr/>
-        <p:txBody>
-          <a:bodyPr/>
-          <a:lstStyle/>
-          <a:p>
             <a:fld id="{F8078618-4CAE-48E8-A205-9D92A68D094A}" type="datetime1">
               <a:rPr lang="en-US" smtClean="0"/>
               <a:pPr/>
-              <a:t>5/8/2019</a:t>
+              <a:t>5/9/2019</a:t>
             </a:fld>
             <a:endParaRPr lang="en-US"/>
           </a:p>
@@ -3951,7 +4058,7 @@
       </p:sp>
       <p:sp>
         <p:nvSpPr>
-          <p:cNvPr id="5" name="Segnaposto numero diapositiva 4"/>
+          <p:cNvPr id="4" name="Slide Number Placeholder 3"/>
           <p:cNvSpPr>
             <a:spLocks noGrp="1"/>
           </p:cNvSpPr>
@@ -3975,7 +4082,7 @@
       </p:sp>
       <p:sp>
         <p:nvSpPr>
-          <p:cNvPr id="7" name="Sottotitolo 6"/>
+          <p:cNvPr id="5" name="Subtitle 4"/>
           <p:cNvSpPr>
             <a:spLocks noGrp="1"/>
           </p:cNvSpPr>
@@ -3985,7 +4092,7 @@
         </p:nvSpPr>
         <p:spPr>
           <a:xfrm>
-            <a:off x="1143000" y="1066800"/>
+            <a:off x="1373372" y="990600"/>
             <a:ext cx="6400800" cy="457200"/>
           </a:xfrm>
         </p:spPr>
@@ -3994,25 +4101,17 @@
           <a:lstStyle/>
           <a:p>
             <a:r>
-              <a:rPr lang="en-US" b="1" dirty="0" smtClean="0">
-                <a:solidFill>
-                  <a:schemeClr val="tx1"/>
-                </a:solidFill>
-              </a:rPr>
-              <a:t>The Problems with Secrets</a:t>
-            </a:r>
-            <a:endParaRPr lang="en-US" b="1" dirty="0">
-              <a:solidFill>
-                <a:schemeClr val="tx1"/>
-              </a:solidFill>
-            </a:endParaRPr>
+              <a:rPr lang="en-US" dirty="0" smtClean="0"/>
+              <a:t>Resource Types in Azure Key Vault</a:t>
+            </a:r>
+            <a:endParaRPr lang="en-US" dirty="0"/>
           </a:p>
         </p:txBody>
       </p:sp>
     </p:spTree>
     <p:extLst>
       <p:ext uri="{BB962C8B-B14F-4D97-AF65-F5344CB8AC3E}">
-        <p14:creationId xmlns:p14="http://schemas.microsoft.com/office/powerpoint/2010/main" val="2203314043"/>
+        <p14:creationId xmlns:p14="http://schemas.microsoft.com/office/powerpoint/2010/main" val="2131702540"/>
       </p:ext>
     </p:extLst>
   </p:cSld>
@@ -4048,7 +4147,92 @@
       </p:grpSpPr>
       <p:sp>
         <p:nvSpPr>
-          <p:cNvPr id="4" name="Segnaposto data 3"/>
+          <p:cNvPr id="2" name="Content Placeholder 1"/>
+          <p:cNvSpPr>
+            <a:spLocks noGrp="1"/>
+          </p:cNvSpPr>
+          <p:nvPr>
+            <p:ph idx="1"/>
+          </p:nvPr>
+        </p:nvSpPr>
+        <p:spPr>
+          <a:xfrm>
+            <a:off x="458972" y="1752600"/>
+            <a:ext cx="8229600" cy="3810000"/>
+          </a:xfrm>
+        </p:spPr>
+        <p:txBody>
+          <a:bodyPr>
+            <a:normAutofit lnSpcReduction="10000"/>
+          </a:bodyPr>
+          <a:lstStyle/>
+          <a:p>
+            <a:pPr marL="457200" indent="-457200">
+              <a:buFont typeface="+mj-lt"/>
+              <a:buAutoNum type="arabicPeriod"/>
+            </a:pPr>
+            <a:r>
+              <a:rPr lang="en-US" dirty="0" smtClean="0"/>
+              <a:t>Secrets</a:t>
+            </a:r>
+          </a:p>
+          <a:p>
+            <a:pPr marL="457200" indent="-457200">
+              <a:buFont typeface="+mj-lt"/>
+              <a:buAutoNum type="arabicPeriod"/>
+            </a:pPr>
+            <a:r>
+              <a:rPr lang="en-US" dirty="0" smtClean="0"/>
+              <a:t>Keys</a:t>
+            </a:r>
+          </a:p>
+          <a:p>
+            <a:pPr marL="457200" indent="-457200">
+              <a:buFont typeface="+mj-lt"/>
+              <a:buAutoNum type="arabicPeriod"/>
+            </a:pPr>
+            <a:r>
+              <a:rPr lang="en-US" dirty="0" smtClean="0"/>
+              <a:t>Certificates</a:t>
+            </a:r>
+            <a:endParaRPr lang="en-US" dirty="0"/>
+          </a:p>
+          <a:p>
+            <a:pPr marL="457200" indent="-457200">
+              <a:buFont typeface="+mj-lt"/>
+              <a:buAutoNum type="arabicPeriod"/>
+            </a:pPr>
+            <a:endParaRPr lang="en-US" dirty="0" smtClean="0"/>
+          </a:p>
+          <a:p>
+            <a:pPr marL="0" indent="0">
+              <a:buNone/>
+            </a:pPr>
+            <a:r>
+              <a:rPr lang="en-US" dirty="0" smtClean="0"/>
+              <a:t>Certificates</a:t>
+            </a:r>
+          </a:p>
+          <a:p>
+            <a:pPr marL="0" indent="0">
+              <a:buNone/>
+            </a:pPr>
+            <a:endParaRPr lang="en-US" dirty="0" smtClean="0"/>
+          </a:p>
+          <a:p>
+            <a:pPr marL="0" indent="0" algn="just">
+              <a:buNone/>
+            </a:pPr>
+            <a:r>
+              <a:rPr lang="en-US" dirty="0" smtClean="0"/>
+              <a:t>Data files which that digitally bind a cryptographic key(s) to an organization and prove ownership. The majority of certificates are Public Key Certificates (PKC) which holds information about the key(s) and their owner(s). The PKC is digitally signed by the Authority that has verified the certificate’s content. The most common format for PKC is X.509.</a:t>
+            </a:r>
+          </a:p>
+        </p:txBody>
+      </p:sp>
+      <p:sp>
+        <p:nvSpPr>
+          <p:cNvPr id="3" name="Date Placeholder 2"/>
           <p:cNvSpPr>
             <a:spLocks noGrp="1"/>
           </p:cNvSpPr>
@@ -4064,7 +4248,7 @@
             <a:fld id="{F8078618-4CAE-48E8-A205-9D92A68D094A}" type="datetime1">
               <a:rPr lang="en-US" smtClean="0"/>
               <a:pPr/>
-              <a:t>5/8/2019</a:t>
+              <a:t>5/9/2019</a:t>
             </a:fld>
             <a:endParaRPr lang="en-US"/>
           </a:p>
@@ -4072,7 +4256,7 @@
       </p:sp>
       <p:sp>
         <p:nvSpPr>
-          <p:cNvPr id="5" name="Segnaposto numero diapositiva 4"/>
+          <p:cNvPr id="4" name="Slide Number Placeholder 3"/>
           <p:cNvSpPr>
             <a:spLocks noGrp="1"/>
           </p:cNvSpPr>
@@ -4094,48 +4278,19 @@
           </a:p>
         </p:txBody>
       </p:sp>
-      <p:pic>
-        <p:nvPicPr>
-          <p:cNvPr id="6" name="Content Placeholder 5"/>
-          <p:cNvPicPr>
-            <a:picLocks noGrp="1" noChangeAspect="1"/>
-          </p:cNvPicPr>
-          <p:nvPr>
-            <p:ph idx="1"/>
-          </p:nvPr>
-        </p:nvPicPr>
-        <p:blipFill>
-          <a:blip r:embed="rId2" cstate="print">
-            <a:extLst>
-              <a:ext uri="{28A0092B-C50C-407E-A947-70E740481C1C}">
-                <a14:useLocalDpi xmlns:a14="http://schemas.microsoft.com/office/drawing/2010/main" val="0"/>
-              </a:ext>
-            </a:extLst>
-          </a:blip>
-          <a:stretch>
-            <a:fillRect/>
-          </a:stretch>
-        </p:blipFill>
+      <p:sp>
+        <p:nvSpPr>
+          <p:cNvPr id="5" name="Subtitle 4"/>
+          <p:cNvSpPr>
+            <a:spLocks noGrp="1"/>
+          </p:cNvSpPr>
+          <p:nvPr>
+            <p:ph type="subTitle" idx="14"/>
+          </p:nvPr>
+        </p:nvSpPr>
         <p:spPr>
           <a:xfrm>
-            <a:off x="381000" y="1447800"/>
-            <a:ext cx="8476906" cy="4648200"/>
-          </a:xfrm>
-        </p:spPr>
-      </p:pic>
-      <p:sp>
-        <p:nvSpPr>
-          <p:cNvPr id="7" name="Subtitle 4"/>
-          <p:cNvSpPr>
-            <a:spLocks noGrp="1"/>
-          </p:cNvSpPr>
-          <p:nvPr>
-            <p:ph type="subTitle" idx="14"/>
-          </p:nvPr>
-        </p:nvSpPr>
-        <p:spPr>
-          <a:xfrm>
-            <a:off x="1419053" y="990600"/>
+            <a:off x="1447800" y="958850"/>
             <a:ext cx="6400800" cy="457200"/>
           </a:xfrm>
         </p:spPr>
@@ -4145,7 +4300,7 @@
           <a:p>
             <a:r>
               <a:rPr lang="en-US" dirty="0" smtClean="0"/>
-              <a:t>Symmetric and Asymmetric Encryption</a:t>
+              <a:t>Resource Types in Azure Key Vault</a:t>
             </a:r>
             <a:endParaRPr lang="en-US" dirty="0"/>
           </a:p>
@@ -4154,7 +4309,7 @@
     </p:spTree>
     <p:extLst>
       <p:ext uri="{BB962C8B-B14F-4D97-AF65-F5344CB8AC3E}">
-        <p14:creationId xmlns:p14="http://schemas.microsoft.com/office/powerpoint/2010/main" val="4058001532"/>
+        <p14:creationId xmlns:p14="http://schemas.microsoft.com/office/powerpoint/2010/main" val="2033253701"/>
       </p:ext>
     </p:extLst>
   </p:cSld>
@@ -4190,59 +4345,6 @@
       </p:grpSpPr>
       <p:sp>
         <p:nvSpPr>
-          <p:cNvPr id="3" name="Segnaposto contenuto 2"/>
-          <p:cNvSpPr>
-            <a:spLocks noGrp="1"/>
-          </p:cNvSpPr>
-          <p:nvPr>
-            <p:ph idx="1"/>
-          </p:nvPr>
-        </p:nvSpPr>
-        <p:spPr>
-          <a:xfrm>
-            <a:off x="457200" y="1905000"/>
-            <a:ext cx="8229600" cy="3429000"/>
-          </a:xfrm>
-        </p:spPr>
-        <p:txBody>
-          <a:bodyPr>
-            <a:normAutofit/>
-          </a:bodyPr>
-          <a:lstStyle/>
-          <a:p>
-            <a:pPr marL="0" indent="0" algn="just">
-              <a:buNone/>
-            </a:pPr>
-            <a:r>
-              <a:rPr lang="en-US" dirty="0"/>
-              <a:t>A certificate contains a public </a:t>
-            </a:r>
-            <a:r>
-              <a:rPr lang="en-US" dirty="0" smtClean="0"/>
-              <a:t>key and additional </a:t>
-            </a:r>
-            <a:r>
-              <a:rPr lang="en-US" dirty="0"/>
-              <a:t>information such as issuer, what the certificate is supposed to be used for, and other types of metadata</a:t>
-            </a:r>
-            <a:r>
-              <a:rPr lang="en-US" dirty="0" smtClean="0"/>
-              <a:t>. It is signed </a:t>
-            </a:r>
-            <a:r>
-              <a:rPr lang="en-US" dirty="0"/>
-              <a:t>by a certificate authority (CA) using CA's private key</a:t>
-            </a:r>
-            <a:r>
-              <a:rPr lang="en-US" dirty="0" smtClean="0"/>
-              <a:t>. This allows the recipient of the certificate to verify the authenticity of the certificate itself.</a:t>
-            </a:r>
-            <a:endParaRPr lang="en-US" dirty="0"/>
-          </a:p>
-        </p:txBody>
-      </p:sp>
-      <p:sp>
-        <p:nvSpPr>
           <p:cNvPr id="4" name="Segnaposto data 3"/>
           <p:cNvSpPr>
             <a:spLocks noGrp="1"/>
@@ -4259,7 +4361,7 @@
             <a:fld id="{F8078618-4CAE-48E8-A205-9D92A68D094A}" type="datetime1">
               <a:rPr lang="en-US" smtClean="0"/>
               <a:pPr/>
-              <a:t>5/8/2019</a:t>
+              <a:t>5/9/2019</a:t>
             </a:fld>
             <a:endParaRPr lang="en-US"/>
           </a:p>
@@ -4289,19 +4391,48 @@
           </a:p>
         </p:txBody>
       </p:sp>
-      <p:sp>
-        <p:nvSpPr>
-          <p:cNvPr id="7" name="Sottotitolo 6"/>
-          <p:cNvSpPr>
-            <a:spLocks noGrp="1"/>
-          </p:cNvSpPr>
-          <p:nvPr>
-            <p:ph type="subTitle" idx="14"/>
-          </p:nvPr>
-        </p:nvSpPr>
+      <p:pic>
+        <p:nvPicPr>
+          <p:cNvPr id="6" name="Content Placeholder 5"/>
+          <p:cNvPicPr>
+            <a:picLocks noGrp="1" noChangeAspect="1"/>
+          </p:cNvPicPr>
+          <p:nvPr>
+            <p:ph idx="1"/>
+          </p:nvPr>
+        </p:nvPicPr>
+        <p:blipFill>
+          <a:blip r:embed="rId2" cstate="print">
+            <a:extLst>
+              <a:ext uri="{28A0092B-C50C-407E-A947-70E740481C1C}">
+                <a14:useLocalDpi xmlns:a14="http://schemas.microsoft.com/office/drawing/2010/main" val="0"/>
+              </a:ext>
+            </a:extLst>
+          </a:blip>
+          <a:stretch>
+            <a:fillRect/>
+          </a:stretch>
+        </p:blipFill>
         <p:spPr>
           <a:xfrm>
-            <a:off x="1143000" y="1066800"/>
+            <a:off x="381000" y="1447800"/>
+            <a:ext cx="8476906" cy="4648200"/>
+          </a:xfrm>
+        </p:spPr>
+      </p:pic>
+      <p:sp>
+        <p:nvSpPr>
+          <p:cNvPr id="7" name="Subtitle 4"/>
+          <p:cNvSpPr>
+            <a:spLocks noGrp="1"/>
+          </p:cNvSpPr>
+          <p:nvPr>
+            <p:ph type="subTitle" idx="14"/>
+          </p:nvPr>
+        </p:nvSpPr>
+        <p:spPr>
+          <a:xfrm>
+            <a:off x="1419053" y="990600"/>
             <a:ext cx="6400800" cy="457200"/>
           </a:xfrm>
         </p:spPr>
@@ -4310,35 +4441,17 @@
           <a:lstStyle/>
           <a:p>
             <a:r>
-              <a:rPr lang="en-US" b="1" dirty="0" smtClean="0">
-                <a:solidFill>
-                  <a:schemeClr val="tx1"/>
-                </a:solidFill>
-                <a:hlinkClick r:id="rId2"/>
-              </a:rPr>
-              <a:t>What is </a:t>
-            </a:r>
-            <a:r>
-              <a:rPr lang="en-US" b="1" dirty="0" smtClean="0">
-                <a:solidFill>
-                  <a:schemeClr val="tx1"/>
-                </a:solidFill>
-                <a:hlinkClick r:id="rId2"/>
-              </a:rPr>
-              <a:t>Certificate</a:t>
-            </a:r>
-            <a:endParaRPr lang="en-US" b="1" dirty="0">
-              <a:solidFill>
-                <a:schemeClr val="tx1"/>
-              </a:solidFill>
-            </a:endParaRPr>
+              <a:rPr lang="en-US" dirty="0" smtClean="0"/>
+              <a:t>Symmetric and Asymmetric Encryption</a:t>
+            </a:r>
+            <a:endParaRPr lang="en-US" dirty="0"/>
           </a:p>
         </p:txBody>
       </p:sp>
     </p:spTree>
     <p:extLst>
       <p:ext uri="{BB962C8B-B14F-4D97-AF65-F5344CB8AC3E}">
-        <p14:creationId xmlns:p14="http://schemas.microsoft.com/office/powerpoint/2010/main" val="368257049"/>
+        <p14:creationId xmlns:p14="http://schemas.microsoft.com/office/powerpoint/2010/main" val="4058001532"/>
       </p:ext>
     </p:extLst>
   </p:cSld>
@@ -4372,35 +4485,59 @@
           <a:chExt cx="0" cy="0"/>
         </a:xfrm>
       </p:grpSpPr>
-      <p:pic>
-        <p:nvPicPr>
-          <p:cNvPr id="2" name="Content Placeholder 1"/>
-          <p:cNvPicPr>
-            <a:picLocks noGrp="1" noChangeAspect="1"/>
-          </p:cNvPicPr>
+      <p:sp>
+        <p:nvSpPr>
+          <p:cNvPr id="3" name="Segnaposto contenuto 2"/>
+          <p:cNvSpPr>
+            <a:spLocks noGrp="1"/>
+          </p:cNvSpPr>
           <p:nvPr>
             <p:ph idx="1"/>
           </p:nvPr>
-        </p:nvPicPr>
-        <p:blipFill>
-          <a:blip r:embed="rId2">
-            <a:extLst>
-              <a:ext uri="{28A0092B-C50C-407E-A947-70E740481C1C}">
-                <a14:useLocalDpi xmlns:a14="http://schemas.microsoft.com/office/drawing/2010/main" val="0"/>
-              </a:ext>
-            </a:extLst>
-          </a:blip>
-          <a:stretch>
-            <a:fillRect/>
-          </a:stretch>
-        </p:blipFill>
+        </p:nvSpPr>
         <p:spPr>
           <a:xfrm>
-            <a:off x="2741590" y="2057400"/>
-            <a:ext cx="3660819" cy="3429000"/>
+            <a:off x="457200" y="1905000"/>
+            <a:ext cx="8229600" cy="3429000"/>
           </a:xfrm>
         </p:spPr>
-      </p:pic>
+        <p:txBody>
+          <a:bodyPr>
+            <a:normAutofit/>
+          </a:bodyPr>
+          <a:lstStyle/>
+          <a:p>
+            <a:pPr marL="0" indent="0" algn="just">
+              <a:buNone/>
+            </a:pPr>
+            <a:r>
+              <a:rPr lang="en-US" dirty="0"/>
+              <a:t>A certificate contains a public </a:t>
+            </a:r>
+            <a:r>
+              <a:rPr lang="en-US" dirty="0" smtClean="0"/>
+              <a:t>key and additional </a:t>
+            </a:r>
+            <a:r>
+              <a:rPr lang="en-US" dirty="0"/>
+              <a:t>information such as issuer, what the certificate is supposed to be used for, and other types of metadata</a:t>
+            </a:r>
+            <a:r>
+              <a:rPr lang="en-US" dirty="0" smtClean="0"/>
+              <a:t>. It is signed </a:t>
+            </a:r>
+            <a:r>
+              <a:rPr lang="en-US" dirty="0"/>
+              <a:t>by a certificate authority (CA) using CA's private key</a:t>
+            </a:r>
+            <a:r>
+              <a:rPr lang="en-US" dirty="0" smtClean="0"/>
+              <a:t>. This allows the recipient of the certificate to verify the authenticity of the certificate itself.</a:t>
+            </a:r>
+            <a:endParaRPr lang="en-US" dirty="0"/>
+          </a:p>
+        </p:txBody>
+      </p:sp>
       <p:sp>
         <p:nvSpPr>
           <p:cNvPr id="4" name="Segnaposto data 3"/>
@@ -4419,7 +4556,7 @@
             <a:fld id="{F8078618-4CAE-48E8-A205-9D92A68D094A}" type="datetime1">
               <a:rPr lang="en-US" smtClean="0"/>
               <a:pPr/>
-              <a:t>5/8/2019</a:t>
+              <a:t>5/9/2019</a:t>
             </a:fld>
             <a:endParaRPr lang="en-US"/>
           </a:p>
@@ -4461,7 +4598,7 @@
         </p:nvSpPr>
         <p:spPr>
           <a:xfrm>
-            <a:off x="1371599" y="1066800"/>
+            <a:off x="1143000" y="1066800"/>
             <a:ext cx="6400800" cy="457200"/>
           </a:xfrm>
         </p:spPr>
@@ -4474,12 +4611,9 @@
                 <a:solidFill>
                   <a:schemeClr val="tx1"/>
                 </a:solidFill>
+                <a:hlinkClick r:id="rId2"/>
               </a:rPr>
-              <a:t>How a Certificat</a:t>
-            </a:r>
-            <a:r>
-              <a:rPr lang="en-US" b="1" dirty="0" smtClean="0"/>
-              <a:t>e is Used</a:t>
+              <a:t>What is Certificate</a:t>
             </a:r>
             <a:endParaRPr lang="en-US" b="1" dirty="0">
               <a:solidFill>
@@ -4492,7 +4626,7 @@
     </p:spTree>
     <p:extLst>
       <p:ext uri="{BB962C8B-B14F-4D97-AF65-F5344CB8AC3E}">
-        <p14:creationId xmlns:p14="http://schemas.microsoft.com/office/powerpoint/2010/main" val="3949542716"/>
+        <p14:creationId xmlns:p14="http://schemas.microsoft.com/office/powerpoint/2010/main" val="368257049"/>
       </p:ext>
     </p:extLst>
   </p:cSld>
@@ -4526,6 +4660,35 @@
           <a:chExt cx="0" cy="0"/>
         </a:xfrm>
       </p:grpSpPr>
+      <p:pic>
+        <p:nvPicPr>
+          <p:cNvPr id="2" name="Content Placeholder 1"/>
+          <p:cNvPicPr>
+            <a:picLocks noGrp="1" noChangeAspect="1"/>
+          </p:cNvPicPr>
+          <p:nvPr>
+            <p:ph idx="1"/>
+          </p:nvPr>
+        </p:nvPicPr>
+        <p:blipFill>
+          <a:blip r:embed="rId2">
+            <a:extLst>
+              <a:ext uri="{28A0092B-C50C-407E-A947-70E740481C1C}">
+                <a14:useLocalDpi xmlns:a14="http://schemas.microsoft.com/office/drawing/2010/main" val="0"/>
+              </a:ext>
+            </a:extLst>
+          </a:blip>
+          <a:stretch>
+            <a:fillRect/>
+          </a:stretch>
+        </p:blipFill>
+        <p:spPr>
+          <a:xfrm>
+            <a:off x="2741590" y="2057400"/>
+            <a:ext cx="3660819" cy="3429000"/>
+          </a:xfrm>
+        </p:spPr>
+      </p:pic>
       <p:sp>
         <p:nvSpPr>
           <p:cNvPr id="4" name="Segnaposto data 3"/>
@@ -4544,7 +4707,7 @@
             <a:fld id="{F8078618-4CAE-48E8-A205-9D92A68D094A}" type="datetime1">
               <a:rPr lang="en-US" smtClean="0"/>
               <a:pPr/>
-              <a:t>5/8/2019</a:t>
+              <a:t>5/9/2019</a:t>
             </a:fld>
             <a:endParaRPr lang="en-US"/>
           </a:p>
@@ -4569,6 +4732,131 @@
               <a:rPr lang="en-US" smtClean="0"/>
               <a:pPr/>
               <a:t>16</a:t>
+            </a:fld>
+            <a:endParaRPr lang="en-US"/>
+          </a:p>
+        </p:txBody>
+      </p:sp>
+      <p:sp>
+        <p:nvSpPr>
+          <p:cNvPr id="7" name="Sottotitolo 6"/>
+          <p:cNvSpPr>
+            <a:spLocks noGrp="1"/>
+          </p:cNvSpPr>
+          <p:nvPr>
+            <p:ph type="subTitle" idx="14"/>
+          </p:nvPr>
+        </p:nvSpPr>
+        <p:spPr>
+          <a:xfrm>
+            <a:off x="1371599" y="1066800"/>
+            <a:ext cx="6400800" cy="457200"/>
+          </a:xfrm>
+        </p:spPr>
+        <p:txBody>
+          <a:bodyPr/>
+          <a:lstStyle/>
+          <a:p>
+            <a:r>
+              <a:rPr lang="en-US" b="1" dirty="0" smtClean="0">
+                <a:solidFill>
+                  <a:schemeClr val="tx1"/>
+                </a:solidFill>
+              </a:rPr>
+              <a:t>How a Certificat</a:t>
+            </a:r>
+            <a:r>
+              <a:rPr lang="en-US" b="1" dirty="0" smtClean="0"/>
+              <a:t>e is Used</a:t>
+            </a:r>
+            <a:endParaRPr lang="en-US" b="1" dirty="0">
+              <a:solidFill>
+                <a:schemeClr val="tx1"/>
+              </a:solidFill>
+            </a:endParaRPr>
+          </a:p>
+        </p:txBody>
+      </p:sp>
+    </p:spTree>
+    <p:extLst>
+      <p:ext uri="{BB962C8B-B14F-4D97-AF65-F5344CB8AC3E}">
+        <p14:creationId xmlns:p14="http://schemas.microsoft.com/office/powerpoint/2010/main" val="3949542716"/>
+      </p:ext>
+    </p:extLst>
+  </p:cSld>
+  <p:clrMapOvr>
+    <a:masterClrMapping/>
+  </p:clrMapOvr>
+  <p:timing>
+    <p:tnLst>
+      <p:par>
+        <p:cTn id="1" dur="indefinite" restart="never" nodeType="tmRoot"/>
+      </p:par>
+    </p:tnLst>
+  </p:timing>
+</p:sld>
+</file>
+
+<file path=ppt/slides/slide17.xml><?xml version="1.0" encoding="utf-8"?>
+<p:sld xmlns:a="http://schemas.openxmlformats.org/drawingml/2006/main" xmlns:r="http://schemas.openxmlformats.org/officeDocument/2006/relationships" xmlns:p="http://schemas.openxmlformats.org/presentationml/2006/main">
+  <p:cSld>
+    <p:spTree>
+      <p:nvGrpSpPr>
+        <p:cNvPr id="1" name=""/>
+        <p:cNvGrpSpPr/>
+        <p:nvPr/>
+      </p:nvGrpSpPr>
+      <p:grpSpPr>
+        <a:xfrm>
+          <a:off x="0" y="0"/>
+          <a:ext cx="0" cy="0"/>
+          <a:chOff x="0" y="0"/>
+          <a:chExt cx="0" cy="0"/>
+        </a:xfrm>
+      </p:grpSpPr>
+      <p:sp>
+        <p:nvSpPr>
+          <p:cNvPr id="4" name="Segnaposto data 3"/>
+          <p:cNvSpPr>
+            <a:spLocks noGrp="1"/>
+          </p:cNvSpPr>
+          <p:nvPr>
+            <p:ph type="dt" sz="half" idx="10"/>
+          </p:nvPr>
+        </p:nvSpPr>
+        <p:spPr/>
+        <p:txBody>
+          <a:bodyPr/>
+          <a:lstStyle/>
+          <a:p>
+            <a:fld id="{F8078618-4CAE-48E8-A205-9D92A68D094A}" type="datetime1">
+              <a:rPr lang="en-US" smtClean="0"/>
+              <a:pPr/>
+              <a:t>5/9/2019</a:t>
+            </a:fld>
+            <a:endParaRPr lang="en-US"/>
+          </a:p>
+        </p:txBody>
+      </p:sp>
+      <p:sp>
+        <p:nvSpPr>
+          <p:cNvPr id="5" name="Segnaposto numero diapositiva 4"/>
+          <p:cNvSpPr>
+            <a:spLocks noGrp="1"/>
+          </p:cNvSpPr>
+          <p:nvPr>
+            <p:ph type="sldNum" sz="quarter" idx="12"/>
+          </p:nvPr>
+        </p:nvSpPr>
+        <p:spPr/>
+        <p:txBody>
+          <a:bodyPr/>
+          <a:lstStyle/>
+          <a:p>
+            <a:fld id="{02623B3A-910D-43F4-BBA9-9429D5B0014D}" type="slidenum">
+              <a:rPr lang="en-US" smtClean="0"/>
+              <a:pPr/>
+              <a:t>17</a:t>
             </a:fld>
             <a:endParaRPr lang="en-US"/>
           </a:p>
@@ -4663,7 +4951,7 @@
 </p:sld>
 </file>
 
-<file path=ppt/slides/slide17.xml><?xml version="1.0" encoding="utf-8"?>
+<file path=ppt/slides/slide18.xml><?xml version="1.0" encoding="utf-8"?>
 <p:sld xmlns:a="http://schemas.openxmlformats.org/drawingml/2006/main" xmlns:r="http://schemas.openxmlformats.org/officeDocument/2006/relationships" xmlns:p="http://schemas.openxmlformats.org/presentationml/2006/main">
   <p:cSld>
     <p:spTree>
@@ -4682,6 +4970,93 @@
       </p:grpSpPr>
       <p:sp>
         <p:nvSpPr>
+          <p:cNvPr id="3" name="Segnaposto contenuto 2"/>
+          <p:cNvSpPr>
+            <a:spLocks noGrp="1"/>
+          </p:cNvSpPr>
+          <p:nvPr>
+            <p:ph idx="1"/>
+          </p:nvPr>
+        </p:nvSpPr>
+        <p:spPr>
+          <a:xfrm>
+            <a:off x="457200" y="1676400"/>
+            <a:ext cx="8229600" cy="3429000"/>
+          </a:xfrm>
+        </p:spPr>
+        <p:txBody>
+          <a:bodyPr/>
+          <a:lstStyle/>
+          <a:p>
+            <a:pPr algn="ctr">
+              <a:buNone/>
+            </a:pPr>
+            <a:endParaRPr lang="en-US" dirty="0" smtClean="0"/>
+          </a:p>
+          <a:p>
+            <a:r>
+              <a:rPr lang="en-US" dirty="0" smtClean="0"/>
+              <a:t>Some business information can be qualified as Secrets</a:t>
+            </a:r>
+          </a:p>
+          <a:p>
+            <a:r>
+              <a:rPr lang="en-US" dirty="0" smtClean="0"/>
+              <a:t>Secrets are generally some form of cryptographic key</a:t>
+            </a:r>
+            <a:endParaRPr lang="en-US" dirty="0" smtClean="0"/>
+          </a:p>
+          <a:p>
+            <a:r>
+              <a:rPr lang="en-US" dirty="0" smtClean="0"/>
+              <a:t>Secrets must be stored and accessed securely</a:t>
+            </a:r>
+          </a:p>
+          <a:p>
+            <a:r>
+              <a:rPr lang="en-US" dirty="0" smtClean="0"/>
+              <a:t>Secrets must not be accidentally or intentionally leaked</a:t>
+            </a:r>
+          </a:p>
+          <a:p>
+            <a:r>
+              <a:rPr lang="en-US" dirty="0" smtClean="0"/>
+              <a:t>Secrets</a:t>
+            </a:r>
+            <a:r>
+              <a:rPr lang="en-US" dirty="0" smtClean="0"/>
+              <a:t> should be versioned and rotated</a:t>
+            </a:r>
+          </a:p>
+          <a:p>
+            <a:r>
+              <a:rPr lang="en-US" dirty="0" smtClean="0"/>
+              <a:t>Secrets should not be accidentally lost or deleted</a:t>
+            </a:r>
+          </a:p>
+          <a:p>
+            <a:r>
+              <a:rPr lang="en-US" dirty="0" smtClean="0"/>
+              <a:t>Azure Key Vault provides a solution to all these requirements</a:t>
+            </a:r>
+            <a:endParaRPr lang="en-US" dirty="0" smtClean="0"/>
+          </a:p>
+          <a:p>
+            <a:endParaRPr lang="en-US" dirty="0" smtClean="0"/>
+          </a:p>
+          <a:p>
+            <a:endParaRPr lang="en-US" dirty="0" smtClean="0"/>
+          </a:p>
+          <a:p>
+            <a:endParaRPr lang="en-US" dirty="0" smtClean="0"/>
+          </a:p>
+          <a:p>
+            <a:endParaRPr lang="en-US" dirty="0"/>
+          </a:p>
+        </p:txBody>
+      </p:sp>
+      <p:sp>
+        <p:nvSpPr>
           <p:cNvPr id="4" name="Segnaposto data 3"/>
           <p:cNvSpPr>
             <a:spLocks noGrp="1"/>
@@ -4698,7 +5073,7 @@
             <a:fld id="{F8078618-4CAE-48E8-A205-9D92A68D094A}" type="datetime1">
               <a:rPr lang="en-US" smtClean="0"/>
               <a:pPr/>
-              <a:t>5/8/2019</a:t>
+              <a:t>5/9/2019</a:t>
             </a:fld>
             <a:endParaRPr lang="en-US"/>
           </a:p>
@@ -4722,7 +5097,123 @@
             <a:fld id="{02623B3A-910D-43F4-BBA9-9429D5B0014D}" type="slidenum">
               <a:rPr lang="en-US" smtClean="0"/>
               <a:pPr/>
-              <a:t>17</a:t>
+              <a:t>18</a:t>
+            </a:fld>
+            <a:endParaRPr lang="en-US"/>
+          </a:p>
+        </p:txBody>
+      </p:sp>
+      <p:sp>
+        <p:nvSpPr>
+          <p:cNvPr id="8" name="Sottotitolo 7"/>
+          <p:cNvSpPr>
+            <a:spLocks noGrp="1"/>
+          </p:cNvSpPr>
+          <p:nvPr>
+            <p:ph type="subTitle" idx="14"/>
+          </p:nvPr>
+        </p:nvSpPr>
+        <p:spPr>
+          <a:xfrm>
+            <a:off x="1295400" y="1066800"/>
+            <a:ext cx="6400800" cy="457200"/>
+          </a:xfrm>
+        </p:spPr>
+        <p:txBody>
+          <a:bodyPr/>
+          <a:lstStyle/>
+          <a:p>
+            <a:r>
+              <a:rPr lang="en-US" b="1" dirty="0" smtClean="0">
+                <a:solidFill>
+                  <a:schemeClr val="tx1"/>
+                </a:solidFill>
+              </a:rPr>
+              <a:t>Summary on Secrets</a:t>
+            </a:r>
+            <a:endParaRPr lang="en-US" dirty="0">
+              <a:solidFill>
+                <a:schemeClr val="tx1"/>
+              </a:solidFill>
+            </a:endParaRPr>
+          </a:p>
+        </p:txBody>
+      </p:sp>
+    </p:spTree>
+  </p:cSld>
+  <p:clrMapOvr>
+    <a:masterClrMapping/>
+  </p:clrMapOvr>
+  <p:timing>
+    <p:tnLst>
+      <p:par>
+        <p:cTn id="1" dur="indefinite" restart="never" nodeType="tmRoot"/>
+      </p:par>
+    </p:tnLst>
+  </p:timing>
+</p:sld>
+</file>
+
+<file path=ppt/slides/slide19.xml><?xml version="1.0" encoding="utf-8"?>
+<p:sld xmlns:a="http://schemas.openxmlformats.org/drawingml/2006/main" xmlns:r="http://schemas.openxmlformats.org/officeDocument/2006/relationships" xmlns:p="http://schemas.openxmlformats.org/presentationml/2006/main">
+  <p:cSld>
+    <p:spTree>
+      <p:nvGrpSpPr>
+        <p:cNvPr id="1" name=""/>
+        <p:cNvGrpSpPr/>
+        <p:nvPr/>
+      </p:nvGrpSpPr>
+      <p:grpSpPr>
+        <a:xfrm>
+          <a:off x="0" y="0"/>
+          <a:ext cx="0" cy="0"/>
+          <a:chOff x="0" y="0"/>
+          <a:chExt cx="0" cy="0"/>
+        </a:xfrm>
+      </p:grpSpPr>
+      <p:sp>
+        <p:nvSpPr>
+          <p:cNvPr id="4" name="Segnaposto data 3"/>
+          <p:cNvSpPr>
+            <a:spLocks noGrp="1"/>
+          </p:cNvSpPr>
+          <p:nvPr>
+            <p:ph type="dt" sz="half" idx="10"/>
+          </p:nvPr>
+        </p:nvSpPr>
+        <p:spPr/>
+        <p:txBody>
+          <a:bodyPr/>
+          <a:lstStyle/>
+          <a:p>
+            <a:fld id="{F8078618-4CAE-48E8-A205-9D92A68D094A}" type="datetime1">
+              <a:rPr lang="en-US" smtClean="0"/>
+              <a:pPr/>
+              <a:t>5/9/2019</a:t>
+            </a:fld>
+            <a:endParaRPr lang="en-US"/>
+          </a:p>
+        </p:txBody>
+      </p:sp>
+      <p:sp>
+        <p:nvSpPr>
+          <p:cNvPr id="5" name="Segnaposto numero diapositiva 4"/>
+          <p:cNvSpPr>
+            <a:spLocks noGrp="1"/>
+          </p:cNvSpPr>
+          <p:nvPr>
+            <p:ph type="sldNum" sz="quarter" idx="12"/>
+          </p:nvPr>
+        </p:nvSpPr>
+        <p:spPr/>
+        <p:txBody>
+          <a:bodyPr/>
+          <a:lstStyle/>
+          <a:p>
+            <a:fld id="{02623B3A-910D-43F4-BBA9-9429D5B0014D}" type="slidenum">
+              <a:rPr lang="en-US" smtClean="0"/>
+              <a:pPr/>
+              <a:t>19</a:t>
             </a:fld>
             <a:endParaRPr lang="en-US"/>
           </a:p>
@@ -4772,307 +5263,6 @@
 </p:sld>
 </file>
 
-<file path=ppt/slides/slide18.xml><?xml version="1.0" encoding="utf-8"?>
-<p:sld xmlns:a="http://schemas.openxmlformats.org/drawingml/2006/main" xmlns:r="http://schemas.openxmlformats.org/officeDocument/2006/relationships" xmlns:p="http://schemas.openxmlformats.org/presentationml/2006/main">
-  <p:cSld>
-    <p:spTree>
-      <p:nvGrpSpPr>
-        <p:cNvPr id="1" name=""/>
-        <p:cNvGrpSpPr/>
-        <p:nvPr/>
-      </p:nvGrpSpPr>
-      <p:grpSpPr>
-        <a:xfrm>
-          <a:off x="0" y="0"/>
-          <a:ext cx="0" cy="0"/>
-          <a:chOff x="0" y="0"/>
-          <a:chExt cx="0" cy="0"/>
-        </a:xfrm>
-      </p:grpSpPr>
-      <p:pic>
-        <p:nvPicPr>
-          <p:cNvPr id="3" name="Content Placeholder 2"/>
-          <p:cNvPicPr>
-            <a:picLocks noGrp="1" noChangeAspect="1"/>
-          </p:cNvPicPr>
-          <p:nvPr>
-            <p:ph idx="1"/>
-          </p:nvPr>
-        </p:nvPicPr>
-        <p:blipFill>
-          <a:blip r:embed="rId2">
-            <a:extLst>
-              <a:ext uri="{28A0092B-C50C-407E-A947-70E740481C1C}">
-                <a14:useLocalDpi xmlns:a14="http://schemas.microsoft.com/office/drawing/2010/main" val="0"/>
-              </a:ext>
-            </a:extLst>
-          </a:blip>
-          <a:stretch>
-            <a:fillRect/>
-          </a:stretch>
-        </p:blipFill>
-        <p:spPr>
-          <a:xfrm>
-            <a:off x="457200" y="1143000"/>
-            <a:ext cx="8055342" cy="4343400"/>
-          </a:xfrm>
-        </p:spPr>
-      </p:pic>
-      <p:sp>
-        <p:nvSpPr>
-          <p:cNvPr id="4" name="Segnaposto data 3"/>
-          <p:cNvSpPr>
-            <a:spLocks noGrp="1"/>
-          </p:cNvSpPr>
-          <p:nvPr>
-            <p:ph type="dt" sz="half" idx="10"/>
-          </p:nvPr>
-        </p:nvSpPr>
-        <p:spPr/>
-        <p:txBody>
-          <a:bodyPr/>
-          <a:lstStyle/>
-          <a:p>
-            <a:fld id="{F8078618-4CAE-48E8-A205-9D92A68D094A}" type="datetime1">
-              <a:rPr lang="en-US" smtClean="0"/>
-              <a:pPr/>
-              <a:t>5/8/2019</a:t>
-            </a:fld>
-            <a:endParaRPr lang="en-US"/>
-          </a:p>
-        </p:txBody>
-      </p:sp>
-      <p:sp>
-        <p:nvSpPr>
-          <p:cNvPr id="5" name="Segnaposto numero diapositiva 4"/>
-          <p:cNvSpPr>
-            <a:spLocks noGrp="1"/>
-          </p:cNvSpPr>
-          <p:nvPr>
-            <p:ph type="sldNum" sz="quarter" idx="12"/>
-          </p:nvPr>
-        </p:nvSpPr>
-        <p:spPr/>
-        <p:txBody>
-          <a:bodyPr/>
-          <a:lstStyle/>
-          <a:p>
-            <a:fld id="{02623B3A-910D-43F4-BBA9-9429D5B0014D}" type="slidenum">
-              <a:rPr lang="en-US" smtClean="0"/>
-              <a:pPr/>
-              <a:t>18</a:t>
-            </a:fld>
-            <a:endParaRPr lang="en-US"/>
-          </a:p>
-        </p:txBody>
-      </p:sp>
-    </p:spTree>
-    <p:extLst>
-      <p:ext uri="{BB962C8B-B14F-4D97-AF65-F5344CB8AC3E}">
-        <p14:creationId xmlns:p14="http://schemas.microsoft.com/office/powerpoint/2010/main" val="2434566992"/>
-      </p:ext>
-    </p:extLst>
-  </p:cSld>
-  <p:clrMapOvr>
-    <a:masterClrMapping/>
-  </p:clrMapOvr>
-  <p:timing>
-    <p:tnLst>
-      <p:par>
-        <p:cTn id="1" dur="indefinite" restart="never" nodeType="tmRoot"/>
-      </p:par>
-    </p:tnLst>
-  </p:timing>
-</p:sld>
-</file>
-
-<file path=ppt/slides/slide19.xml><?xml version="1.0" encoding="utf-8"?>
-<p:sld xmlns:a="http://schemas.openxmlformats.org/drawingml/2006/main" xmlns:r="http://schemas.openxmlformats.org/officeDocument/2006/relationships" xmlns:p="http://schemas.openxmlformats.org/presentationml/2006/main">
-  <p:cSld>
-    <p:spTree>
-      <p:nvGrpSpPr>
-        <p:cNvPr id="1" name=""/>
-        <p:cNvGrpSpPr/>
-        <p:nvPr/>
-      </p:nvGrpSpPr>
-      <p:grpSpPr>
-        <a:xfrm>
-          <a:off x="0" y="0"/>
-          <a:ext cx="0" cy="0"/>
-          <a:chOff x="0" y="0"/>
-          <a:chExt cx="0" cy="0"/>
-        </a:xfrm>
-      </p:grpSpPr>
-      <p:sp>
-        <p:nvSpPr>
-          <p:cNvPr id="3" name="Segnaposto contenuto 2"/>
-          <p:cNvSpPr>
-            <a:spLocks noGrp="1"/>
-          </p:cNvSpPr>
-          <p:nvPr>
-            <p:ph idx="1"/>
-          </p:nvPr>
-        </p:nvSpPr>
-        <p:spPr/>
-        <p:txBody>
-          <a:bodyPr/>
-          <a:lstStyle/>
-          <a:p>
-            <a:pPr algn="ctr">
-              <a:buNone/>
-            </a:pPr>
-            <a:endParaRPr lang="en-US" dirty="0" smtClean="0"/>
-          </a:p>
-          <a:p>
-            <a:r>
-              <a:rPr lang="en-US" dirty="0" smtClean="0"/>
-              <a:t>Introduction</a:t>
-            </a:r>
-          </a:p>
-          <a:p>
-            <a:r>
-              <a:rPr lang="en-US" dirty="0" smtClean="0"/>
-              <a:t>Business scope </a:t>
-            </a:r>
-          </a:p>
-          <a:p>
-            <a:r>
-              <a:rPr lang="en-US" dirty="0" smtClean="0"/>
-              <a:t>Functionality description</a:t>
-            </a:r>
-          </a:p>
-          <a:p>
-            <a:r>
-              <a:rPr lang="en-US" dirty="0" smtClean="0"/>
-              <a:t>AX modules involved and setup</a:t>
-            </a:r>
-          </a:p>
-          <a:p>
-            <a:r>
-              <a:rPr lang="en-US" dirty="0" smtClean="0"/>
-              <a:t>Demo with AX/Slides</a:t>
-            </a:r>
-          </a:p>
-          <a:p>
-            <a:r>
-              <a:rPr lang="en-US" dirty="0" smtClean="0"/>
-              <a:t>Q&amp;A</a:t>
-            </a:r>
-          </a:p>
-          <a:p>
-            <a:endParaRPr lang="en-US" dirty="0" smtClean="0"/>
-          </a:p>
-          <a:p>
-            <a:endParaRPr lang="en-US" dirty="0" smtClean="0"/>
-          </a:p>
-          <a:p>
-            <a:endParaRPr lang="en-US" dirty="0" smtClean="0"/>
-          </a:p>
-          <a:p>
-            <a:endParaRPr lang="en-US" dirty="0" smtClean="0"/>
-          </a:p>
-          <a:p>
-            <a:endParaRPr lang="en-US" dirty="0" smtClean="0"/>
-          </a:p>
-          <a:p>
-            <a:endParaRPr lang="en-US" dirty="0"/>
-          </a:p>
-        </p:txBody>
-      </p:sp>
-      <p:sp>
-        <p:nvSpPr>
-          <p:cNvPr id="4" name="Segnaposto data 3"/>
-          <p:cNvSpPr>
-            <a:spLocks noGrp="1"/>
-          </p:cNvSpPr>
-          <p:nvPr>
-            <p:ph type="dt" sz="half" idx="10"/>
-          </p:nvPr>
-        </p:nvSpPr>
-        <p:spPr/>
-        <p:txBody>
-          <a:bodyPr/>
-          <a:lstStyle/>
-          <a:p>
-            <a:fld id="{F8078618-4CAE-48E8-A205-9D92A68D094A}" type="datetime1">
-              <a:rPr lang="en-US" smtClean="0"/>
-              <a:pPr/>
-              <a:t>5/8/2019</a:t>
-            </a:fld>
-            <a:endParaRPr lang="en-US"/>
-          </a:p>
-        </p:txBody>
-      </p:sp>
-      <p:sp>
-        <p:nvSpPr>
-          <p:cNvPr id="5" name="Segnaposto numero diapositiva 4"/>
-          <p:cNvSpPr>
-            <a:spLocks noGrp="1"/>
-          </p:cNvSpPr>
-          <p:nvPr>
-            <p:ph type="sldNum" sz="quarter" idx="12"/>
-          </p:nvPr>
-        </p:nvSpPr>
-        <p:spPr/>
-        <p:txBody>
-          <a:bodyPr/>
-          <a:lstStyle/>
-          <a:p>
-            <a:fld id="{02623B3A-910D-43F4-BBA9-9429D5B0014D}" type="slidenum">
-              <a:rPr lang="en-US" smtClean="0"/>
-              <a:pPr/>
-              <a:t>19</a:t>
-            </a:fld>
-            <a:endParaRPr lang="en-US"/>
-          </a:p>
-        </p:txBody>
-      </p:sp>
-      <p:sp>
-        <p:nvSpPr>
-          <p:cNvPr id="8" name="Sottotitolo 7"/>
-          <p:cNvSpPr>
-            <a:spLocks noGrp="1"/>
-          </p:cNvSpPr>
-          <p:nvPr>
-            <p:ph type="subTitle" idx="14"/>
-          </p:nvPr>
-        </p:nvSpPr>
-        <p:spPr/>
-        <p:txBody>
-          <a:bodyPr/>
-          <a:lstStyle/>
-          <a:p>
-            <a:r>
-              <a:rPr lang="en-US" b="1" dirty="0" smtClean="0">
-                <a:solidFill>
-                  <a:schemeClr val="tx1"/>
-                </a:solidFill>
-              </a:rPr>
-              <a:t>Summary</a:t>
-            </a:r>
-            <a:endParaRPr lang="en-US" dirty="0">
-              <a:solidFill>
-                <a:schemeClr val="tx1"/>
-              </a:solidFill>
-            </a:endParaRPr>
-          </a:p>
-        </p:txBody>
-      </p:sp>
-    </p:spTree>
-  </p:cSld>
-  <p:clrMapOvr>
-    <a:masterClrMapping/>
-  </p:clrMapOvr>
-  <p:timing>
-    <p:tnLst>
-      <p:par>
-        <p:cTn id="1" dur="indefinite" restart="never" nodeType="tmRoot"/>
-      </p:par>
-    </p:tnLst>
-  </p:timing>
-</p:sld>
-</file>
-
 <file path=ppt/slides/slide2.xml><?xml version="1.0" encoding="utf-8"?>
 <p:sld xmlns:a="http://schemas.openxmlformats.org/drawingml/2006/main" xmlns:r="http://schemas.openxmlformats.org/officeDocument/2006/relationships" xmlns:p="http://schemas.openxmlformats.org/presentationml/2006/main">
   <p:cSld>
@@ -5155,7 +5345,7 @@
             <a:fld id="{F8078618-4CAE-48E8-A205-9D92A68D094A}" type="datetime1">
               <a:rPr lang="en-US" smtClean="0"/>
               <a:pPr/>
-              <a:t>5/8/2019</a:t>
+              <a:t>5/9/2019</a:t>
             </a:fld>
             <a:endParaRPr lang="en-US"/>
           </a:p>
@@ -5248,134 +5438,54 @@
           <a:chExt cx="0" cy="0"/>
         </a:xfrm>
       </p:grpSpPr>
-      <p:sp>
-        <p:nvSpPr>
-          <p:cNvPr id="3" name="Segnaposto contenuto 2"/>
-          <p:cNvSpPr>
-            <a:spLocks noGrp="1"/>
-          </p:cNvSpPr>
+      <p:pic>
+        <p:nvPicPr>
+          <p:cNvPr id="3" name="Content Placeholder 2"/>
+          <p:cNvPicPr>
+            <a:picLocks noGrp="1" noChangeAspect="1"/>
+          </p:cNvPicPr>
           <p:nvPr>
             <p:ph idx="1"/>
           </p:nvPr>
+        </p:nvPicPr>
+        <p:blipFill>
+          <a:blip r:embed="rId2">
+            <a:extLst>
+              <a:ext uri="{28A0092B-C50C-407E-A947-70E740481C1C}">
+                <a14:useLocalDpi xmlns:a14="http://schemas.microsoft.com/office/drawing/2010/main" val="0"/>
+              </a:ext>
+            </a:extLst>
+          </a:blip>
+          <a:stretch>
+            <a:fillRect/>
+          </a:stretch>
+        </p:blipFill>
+        <p:spPr>
+          <a:xfrm>
+            <a:off x="457200" y="1143000"/>
+            <a:ext cx="8055342" cy="4343400"/>
+          </a:xfrm>
+        </p:spPr>
+      </p:pic>
+      <p:sp>
+        <p:nvSpPr>
+          <p:cNvPr id="4" name="Segnaposto data 3"/>
+          <p:cNvSpPr>
+            <a:spLocks noGrp="1"/>
+          </p:cNvSpPr>
+          <p:nvPr>
+            <p:ph type="dt" sz="half" idx="10"/>
+          </p:nvPr>
         </p:nvSpPr>
         <p:spPr/>
         <p:txBody>
-          <a:bodyPr>
-            <a:normAutofit fontScale="92500" lnSpcReduction="10000"/>
-          </a:bodyPr>
-          <a:lstStyle/>
-          <a:p>
-            <a:r>
-              <a:rPr lang="en-US" sz="1900" i="1" dirty="0" smtClean="0"/>
-              <a:t>Description of the new function </a:t>
-            </a:r>
-          </a:p>
-          <a:p>
-            <a:r>
-              <a:rPr lang="en-US" sz="1900" i="1" dirty="0" smtClean="0"/>
-              <a:t>Cases where the function is useful</a:t>
-            </a:r>
-          </a:p>
-          <a:p>
-            <a:r>
-              <a:rPr lang="en-US" sz="1900" i="1" dirty="0" smtClean="0"/>
-              <a:t>Business limitations</a:t>
-            </a:r>
-          </a:p>
-          <a:p>
-            <a:endParaRPr lang="en-US" sz="1900" i="1" dirty="0" smtClean="0"/>
-          </a:p>
-          <a:p>
-            <a:pPr>
-              <a:buNone/>
-            </a:pPr>
-            <a:r>
-              <a:rPr lang="en-US" sz="1900" i="1" dirty="0" smtClean="0"/>
-              <a:t>For example:</a:t>
-            </a:r>
-          </a:p>
-          <a:p>
-            <a:pPr>
-              <a:buNone/>
-            </a:pPr>
-            <a:r>
-              <a:rPr lang="en-US" sz="1900" i="1" dirty="0" smtClean="0"/>
-              <a:t> Additional cost management on purchase order. By this functionality AX can track all additional cost on purchase order such as:</a:t>
-            </a:r>
-          </a:p>
-          <a:p>
-            <a:pPr lvl="1"/>
-            <a:r>
-              <a:rPr lang="en-US" sz="1900" i="1" dirty="0" smtClean="0"/>
-              <a:t>packing cost</a:t>
-            </a:r>
-          </a:p>
-          <a:p>
-            <a:pPr lvl="1"/>
-            <a:r>
-              <a:rPr lang="en-US" sz="1900" i="1" dirty="0" smtClean="0"/>
-              <a:t>Transportation</a:t>
-            </a:r>
-          </a:p>
-          <a:p>
-            <a:pPr lvl="1"/>
-            <a:r>
-              <a:rPr lang="en-US" sz="1900" i="1" dirty="0" smtClean="0"/>
-              <a:t>Insurance</a:t>
-            </a:r>
-          </a:p>
-          <a:p>
-            <a:pPr lvl="1"/>
-            <a:r>
-              <a:rPr lang="en-US" sz="1900" i="1" dirty="0" smtClean="0"/>
-              <a:t>Etc.</a:t>
-            </a:r>
-          </a:p>
-          <a:p>
-            <a:pPr>
-              <a:buNone/>
-            </a:pPr>
-            <a:endParaRPr lang="en-US" i="1" dirty="0" smtClean="0"/>
-          </a:p>
-          <a:p>
-            <a:pPr>
-              <a:buNone/>
-            </a:pPr>
-            <a:endParaRPr lang="en-US" i="1" dirty="0" smtClean="0"/>
-          </a:p>
-          <a:p>
-            <a:pPr>
-              <a:buNone/>
-            </a:pPr>
-            <a:endParaRPr lang="en-US" i="1" dirty="0" smtClean="0"/>
-          </a:p>
-          <a:p>
-            <a:pPr>
-              <a:buNone/>
-            </a:pPr>
-            <a:endParaRPr lang="en-US" i="1" dirty="0"/>
-          </a:p>
-        </p:txBody>
-      </p:sp>
-      <p:sp>
-        <p:nvSpPr>
-          <p:cNvPr id="4" name="Segnaposto data 3"/>
-          <p:cNvSpPr>
-            <a:spLocks noGrp="1"/>
-          </p:cNvSpPr>
-          <p:nvPr>
-            <p:ph type="dt" sz="half" idx="10"/>
-          </p:nvPr>
-        </p:nvSpPr>
-        <p:spPr/>
-        <p:txBody>
           <a:bodyPr/>
           <a:lstStyle/>
           <a:p>
             <a:fld id="{F8078618-4CAE-48E8-A205-9D92A68D094A}" type="datetime1">
               <a:rPr lang="en-US" smtClean="0"/>
               <a:pPr/>
-              <a:t>5/8/2019</a:t>
+              <a:t>5/9/2019</a:t>
             </a:fld>
             <a:endParaRPr lang="en-US"/>
           </a:p>
@@ -5405,49 +5515,12 @@
           </a:p>
         </p:txBody>
       </p:sp>
-      <p:sp>
-        <p:nvSpPr>
-          <p:cNvPr id="7" name="Sottotitolo 6"/>
-          <p:cNvSpPr>
-            <a:spLocks noGrp="1"/>
-          </p:cNvSpPr>
-          <p:nvPr>
-            <p:ph type="subTitle" idx="14"/>
-          </p:nvPr>
-        </p:nvSpPr>
-        <p:spPr/>
-        <p:txBody>
-          <a:bodyPr/>
-          <a:lstStyle/>
-          <a:p>
-            <a:r>
-              <a:rPr lang="en-US" b="1" dirty="0" smtClean="0">
-                <a:solidFill>
-                  <a:schemeClr val="tx1"/>
-                </a:solidFill>
-              </a:rPr>
-              <a:t>Functionality</a:t>
-            </a:r>
-            <a:r>
-              <a:rPr lang="en-US" dirty="0" smtClean="0">
-                <a:solidFill>
-                  <a:schemeClr val="tx1"/>
-                </a:solidFill>
-              </a:rPr>
-              <a:t> </a:t>
-            </a:r>
-            <a:r>
-              <a:rPr lang="en-US" b="1" dirty="0" smtClean="0">
-                <a:solidFill>
-                  <a:schemeClr val="tx1"/>
-                </a:solidFill>
-              </a:rPr>
-              <a:t>description</a:t>
-            </a:r>
-          </a:p>
-        </p:txBody>
-      </p:sp>
     </p:spTree>
+    <p:extLst>
+      <p:ext uri="{BB962C8B-B14F-4D97-AF65-F5344CB8AC3E}">
+        <p14:creationId xmlns:p14="http://schemas.microsoft.com/office/powerpoint/2010/main" val="2434566992"/>
+      </p:ext>
+    </p:extLst>
   </p:cSld>
   <p:clrMapOvr>
     <a:masterClrMapping/>
@@ -5481,7 +5554,7 @@
       </p:grpSpPr>
       <p:sp>
         <p:nvSpPr>
-          <p:cNvPr id="3" name="Segnaposto contenuto 2"/>
+          <p:cNvPr id="2" name="Content Placeholder 1"/>
           <p:cNvSpPr>
             <a:spLocks noGrp="1"/>
           </p:cNvSpPr>
@@ -5491,36 +5564,16 @@
         </p:nvSpPr>
         <p:spPr/>
         <p:txBody>
-          <a:bodyPr>
-            <a:normAutofit/>
-          </a:bodyPr>
-          <a:lstStyle/>
-          <a:p>
-            <a:endParaRPr lang="en-US" dirty="0" smtClean="0"/>
-          </a:p>
-          <a:p>
-            <a:pPr indent="0">
-              <a:buNone/>
-            </a:pPr>
-            <a:r>
-              <a:rPr lang="en-US" sz="1600" i="1" dirty="0" smtClean="0"/>
-              <a:t>Business Limitations </a:t>
-            </a:r>
-          </a:p>
-          <a:p>
-            <a:pPr indent="0">
-              <a:buNone/>
-            </a:pPr>
-            <a:r>
-              <a:rPr lang="en-US" sz="1600" i="1" dirty="0" smtClean="0"/>
-              <a:t>Example: If the additional cost has to be invoiced to a third party vendor, the functionality doesn't apply </a:t>
-            </a:r>
-          </a:p>
-        </p:txBody>
-      </p:sp>
-      <p:sp>
-        <p:nvSpPr>
-          <p:cNvPr id="4" name="Segnaposto data 3"/>
+          <a:bodyPr/>
+          <a:lstStyle/>
+          <a:p>
+            <a:endParaRPr lang="en-US"/>
+          </a:p>
+        </p:txBody>
+      </p:sp>
+      <p:sp>
+        <p:nvSpPr>
+          <p:cNvPr id="3" name="Date Placeholder 2"/>
           <p:cNvSpPr>
             <a:spLocks noGrp="1"/>
           </p:cNvSpPr>
@@ -5536,7 +5589,7 @@
             <a:fld id="{F8078618-4CAE-48E8-A205-9D92A68D094A}" type="datetime1">
               <a:rPr lang="en-US" smtClean="0"/>
               <a:pPr/>
-              <a:t>5/8/2019</a:t>
+              <a:t>5/9/2019</a:t>
             </a:fld>
             <a:endParaRPr lang="en-US"/>
           </a:p>
@@ -5544,7 +5597,7 @@
       </p:sp>
       <p:sp>
         <p:nvSpPr>
-          <p:cNvPr id="5" name="Segnaposto numero diapositiva 4"/>
+          <p:cNvPr id="4" name="Slide Number Placeholder 3"/>
           <p:cNvSpPr>
             <a:spLocks noGrp="1"/>
           </p:cNvSpPr>
@@ -5568,7 +5621,7 @@
       </p:sp>
       <p:sp>
         <p:nvSpPr>
-          <p:cNvPr id="8" name="Sottotitolo 7"/>
+          <p:cNvPr id="5" name="Subtitle 4"/>
           <p:cNvSpPr>
             <a:spLocks noGrp="1"/>
           </p:cNvSpPr>
@@ -5581,45 +5634,20 @@
           <a:bodyPr/>
           <a:lstStyle/>
           <a:p>
-            <a:r>
-              <a:rPr lang="en-US" b="1" dirty="0" smtClean="0">
-                <a:solidFill>
-                  <a:schemeClr val="tx1"/>
-                </a:solidFill>
-              </a:rPr>
-              <a:t>Functionality</a:t>
-            </a:r>
-            <a:r>
-              <a:rPr lang="en-US" dirty="0" smtClean="0">
-                <a:solidFill>
-                  <a:schemeClr val="tx1"/>
-                </a:solidFill>
-              </a:rPr>
-              <a:t> </a:t>
-            </a:r>
-            <a:r>
-              <a:rPr lang="en-US" b="1" dirty="0" smtClean="0">
-                <a:solidFill>
-                  <a:schemeClr val="tx1"/>
-                </a:solidFill>
-              </a:rPr>
-              <a:t>description</a:t>
-            </a:r>
+            <a:endParaRPr lang="en-US"/>
           </a:p>
         </p:txBody>
       </p:sp>
     </p:spTree>
+    <p:extLst>
+      <p:ext uri="{BB962C8B-B14F-4D97-AF65-F5344CB8AC3E}">
+        <p14:creationId xmlns:p14="http://schemas.microsoft.com/office/powerpoint/2010/main" val="4275870927"/>
+      </p:ext>
+    </p:extLst>
   </p:cSld>
   <p:clrMapOvr>
     <a:masterClrMapping/>
   </p:clrMapOvr>
-  <p:timing>
-    <p:tnLst>
-      <p:par>
-        <p:cTn id="1" dur="indefinite" restart="never" nodeType="tmRoot"/>
-      </p:par>
-    </p:tnLst>
-  </p:timing>
 </p:sld>
 </file>
 
@@ -5652,31 +5680,97 @@
         </p:nvSpPr>
         <p:spPr/>
         <p:txBody>
-          <a:bodyPr/>
-          <a:lstStyle/>
-          <a:p>
-            <a:pPr algn="ctr">
+          <a:bodyPr>
+            <a:normAutofit fontScale="92500" lnSpcReduction="10000"/>
+          </a:bodyPr>
+          <a:lstStyle/>
+          <a:p>
+            <a:r>
+              <a:rPr lang="en-US" sz="1900" i="1" dirty="0" smtClean="0"/>
+              <a:t>Description of the new function </a:t>
+            </a:r>
+          </a:p>
+          <a:p>
+            <a:r>
+              <a:rPr lang="en-US" sz="1900" i="1" dirty="0" smtClean="0"/>
+              <a:t>Cases where the function is useful</a:t>
+            </a:r>
+          </a:p>
+          <a:p>
+            <a:r>
+              <a:rPr lang="en-US" sz="1900" i="1" dirty="0" smtClean="0"/>
+              <a:t>Business limitations</a:t>
+            </a:r>
+          </a:p>
+          <a:p>
+            <a:endParaRPr lang="en-US" sz="1900" i="1" dirty="0" smtClean="0"/>
+          </a:p>
+          <a:p>
+            <a:pPr>
               <a:buNone/>
             </a:pPr>
-            <a:endParaRPr lang="en-US" b="1" dirty="0" smtClean="0"/>
-          </a:p>
-          <a:p>
-            <a:pPr indent="0">
+            <a:r>
+              <a:rPr lang="en-US" sz="1900" i="1" dirty="0" smtClean="0"/>
+              <a:t>For example:</a:t>
+            </a:r>
+          </a:p>
+          <a:p>
+            <a:pPr>
               <a:buNone/>
             </a:pPr>
             <a:r>
-              <a:rPr lang="en-US" sz="1800" i="1" dirty="0" smtClean="0"/>
-              <a:t>Main forms and parameters  involved, in order to setup the functionality </a:t>
-            </a:r>
-          </a:p>
-          <a:p>
-            <a:pPr indent="0">
+              <a:rPr lang="en-US" sz="1900" i="1" dirty="0" smtClean="0"/>
+              <a:t> Additional cost management on purchase order. By this functionality AX can track all additional cost on purchase order such as:</a:t>
+            </a:r>
+          </a:p>
+          <a:p>
+            <a:pPr lvl="1"/>
+            <a:r>
+              <a:rPr lang="en-US" sz="1900" i="1" dirty="0" smtClean="0"/>
+              <a:t>packing cost</a:t>
+            </a:r>
+          </a:p>
+          <a:p>
+            <a:pPr lvl="1"/>
+            <a:r>
+              <a:rPr lang="en-US" sz="1900" i="1" dirty="0" smtClean="0"/>
+              <a:t>Transportation</a:t>
+            </a:r>
+          </a:p>
+          <a:p>
+            <a:pPr lvl="1"/>
+            <a:r>
+              <a:rPr lang="en-US" sz="1900" i="1" dirty="0" smtClean="0"/>
+              <a:t>Insurance</a:t>
+            </a:r>
+          </a:p>
+          <a:p>
+            <a:pPr lvl="1"/>
+            <a:r>
+              <a:rPr lang="en-US" sz="1900" i="1" dirty="0" smtClean="0"/>
+              <a:t>Etc.</a:t>
+            </a:r>
+          </a:p>
+          <a:p>
+            <a:pPr>
               <a:buNone/>
             </a:pPr>
             <a:endParaRPr lang="en-US" i="1" dirty="0" smtClean="0"/>
           </a:p>
           <a:p>
-            <a:pPr indent="0">
+            <a:pPr>
+              <a:buNone/>
+            </a:pPr>
+            <a:endParaRPr lang="en-US" i="1" dirty="0" smtClean="0"/>
+          </a:p>
+          <a:p>
+            <a:pPr>
+              <a:buNone/>
+            </a:pPr>
+            <a:endParaRPr lang="en-US" i="1" dirty="0" smtClean="0"/>
+          </a:p>
+          <a:p>
+            <a:pPr>
               <a:buNone/>
             </a:pPr>
             <a:endParaRPr lang="en-US" i="1" dirty="0"/>
@@ -5701,7 +5795,7 @@
             <a:fld id="{F8078618-4CAE-48E8-A205-9D92A68D094A}" type="datetime1">
               <a:rPr lang="en-US" smtClean="0"/>
               <a:pPr/>
-              <a:t>5/8/2019</a:t>
+              <a:t>5/9/2019</a:t>
             </a:fld>
             <a:endParaRPr lang="en-US"/>
           </a:p>
@@ -5733,7 +5827,7 @@
       </p:sp>
       <p:sp>
         <p:nvSpPr>
-          <p:cNvPr id="8" name="Sottotitolo 7"/>
+          <p:cNvPr id="7" name="Sottotitolo 6"/>
           <p:cNvSpPr>
             <a:spLocks noGrp="1"/>
           </p:cNvSpPr>
@@ -5747,12 +5841,29 @@
           <a:lstStyle/>
           <a:p>
             <a:r>
-              <a:rPr lang="en-US" b="1" dirty="0" smtClean="0"/>
-              <a:t>AX modules involved and setup</a:t>
-            </a:r>
-          </a:p>
-          <a:p>
-            <a:endParaRPr lang="en-US" dirty="0"/>
+              <a:rPr lang="en-US" b="1" dirty="0" smtClean="0">
+                <a:solidFill>
+                  <a:schemeClr val="tx1"/>
+                </a:solidFill>
+              </a:rPr>
+              <a:t>Functionality</a:t>
+            </a:r>
+            <a:r>
+              <a:rPr lang="en-US" dirty="0" smtClean="0">
+                <a:solidFill>
+                  <a:schemeClr val="tx1"/>
+                </a:solidFill>
+              </a:rPr>
+              <a:t> </a:t>
+            </a:r>
+            <a:r>
+              <a:rPr lang="en-US" b="1" dirty="0" smtClean="0">
+                <a:solidFill>
+                  <a:schemeClr val="tx1"/>
+                </a:solidFill>
+              </a:rPr>
+              <a:t>description</a:t>
+            </a:r>
           </a:p>
         </p:txBody>
       </p:sp>
@@ -5800,17 +5911,30 @@
         </p:nvSpPr>
         <p:spPr/>
         <p:txBody>
-          <a:bodyPr/>
-          <a:lstStyle/>
-          <a:p>
-            <a:pPr>
+          <a:bodyPr>
+            <a:normAutofit/>
+          </a:bodyPr>
+          <a:lstStyle/>
+          <a:p>
+            <a:endParaRPr lang="en-US" dirty="0" smtClean="0"/>
+          </a:p>
+          <a:p>
+            <a:pPr indent="0">
               <a:buNone/>
             </a:pPr>
             <a:r>
-              <a:rPr lang="en-US" i="1" dirty="0" smtClean="0"/>
-              <a:t>Demo steps</a:t>
-            </a:r>
-            <a:endParaRPr lang="en-US" i="1" dirty="0"/>
+              <a:rPr lang="en-US" sz="1600" i="1" dirty="0" smtClean="0"/>
+              <a:t>Business Limitations </a:t>
+            </a:r>
+          </a:p>
+          <a:p>
+            <a:pPr indent="0">
+              <a:buNone/>
+            </a:pPr>
+            <a:r>
+              <a:rPr lang="en-US" sz="1600" i="1" dirty="0" smtClean="0"/>
+              <a:t>Example: If the additional cost has to be invoiced to a third party vendor, the functionality doesn't apply </a:t>
+            </a:r>
           </a:p>
         </p:txBody>
       </p:sp>
@@ -5832,7 +5956,7 @@
             <a:fld id="{F8078618-4CAE-48E8-A205-9D92A68D094A}" type="datetime1">
               <a:rPr lang="en-US" smtClean="0"/>
               <a:pPr/>
-              <a:t>5/8/2019</a:t>
+              <a:t>5/9/2019</a:t>
             </a:fld>
             <a:endParaRPr lang="en-US"/>
           </a:p>
@@ -5883,13 +6007,24 @@
                   <a:schemeClr val="tx1"/>
                 </a:solidFill>
               </a:rPr>
-              <a:t>Demo</a:t>
-            </a:r>
-            <a:endParaRPr lang="en-US" b="1" dirty="0">
-              <a:solidFill>
-                <a:schemeClr val="tx1"/>
-              </a:solidFill>
-            </a:endParaRPr>
+              <a:t>Functionality</a:t>
+            </a:r>
+            <a:r>
+              <a:rPr lang="en-US" dirty="0" smtClean="0">
+                <a:solidFill>
+                  <a:schemeClr val="tx1"/>
+                </a:solidFill>
+              </a:rPr>
+              <a:t> </a:t>
+            </a:r>
+            <a:r>
+              <a:rPr lang="en-US" b="1" dirty="0" smtClean="0">
+                <a:solidFill>
+                  <a:schemeClr val="tx1"/>
+                </a:solidFill>
+              </a:rPr>
+              <a:t>description</a:t>
+            </a:r>
           </a:p>
         </p:txBody>
       </p:sp>
@@ -5927,7 +6062,7 @@
       </p:grpSpPr>
       <p:sp>
         <p:nvSpPr>
-          <p:cNvPr id="8" name="Segnaposto contenuto 7"/>
+          <p:cNvPr id="3" name="Segnaposto contenuto 2"/>
           <p:cNvSpPr>
             <a:spLocks noGrp="1"/>
           </p:cNvSpPr>
@@ -5940,7 +6075,31 @@
           <a:bodyPr/>
           <a:lstStyle/>
           <a:p>
-            <a:endParaRPr lang="en-US" dirty="0"/>
+            <a:pPr algn="ctr">
+              <a:buNone/>
+            </a:pPr>
+            <a:endParaRPr lang="en-US" b="1" dirty="0" smtClean="0"/>
+          </a:p>
+          <a:p>
+            <a:pPr indent="0">
+              <a:buNone/>
+            </a:pPr>
+            <a:r>
+              <a:rPr lang="en-US" sz="1800" i="1" dirty="0" smtClean="0"/>
+              <a:t>Main forms and parameters  involved, in order to setup the functionality </a:t>
+            </a:r>
+          </a:p>
+          <a:p>
+            <a:pPr indent="0">
+              <a:buNone/>
+            </a:pPr>
+            <a:endParaRPr lang="en-US" i="1" dirty="0" smtClean="0"/>
+          </a:p>
+          <a:p>
+            <a:pPr indent="0">
+              <a:buNone/>
+            </a:pPr>
+            <a:endParaRPr lang="en-US" i="1" dirty="0"/>
           </a:p>
         </p:txBody>
       </p:sp>
@@ -5962,7 +6121,7 @@
             <a:fld id="{F8078618-4CAE-48E8-A205-9D92A68D094A}" type="datetime1">
               <a:rPr lang="en-US" smtClean="0"/>
               <a:pPr/>
-              <a:t>5/8/2019</a:t>
+              <a:t>5/9/2019</a:t>
             </a:fld>
             <a:endParaRPr lang="en-US"/>
           </a:p>
@@ -5987,6 +6146,267 @@
               <a:rPr lang="en-US" smtClean="0"/>
               <a:pPr/>
               <a:t>24</a:t>
+            </a:fld>
+            <a:endParaRPr lang="en-US"/>
+          </a:p>
+        </p:txBody>
+      </p:sp>
+      <p:sp>
+        <p:nvSpPr>
+          <p:cNvPr id="8" name="Sottotitolo 7"/>
+          <p:cNvSpPr>
+            <a:spLocks noGrp="1"/>
+          </p:cNvSpPr>
+          <p:nvPr>
+            <p:ph type="subTitle" idx="14"/>
+          </p:nvPr>
+        </p:nvSpPr>
+        <p:spPr/>
+        <p:txBody>
+          <a:bodyPr/>
+          <a:lstStyle/>
+          <a:p>
+            <a:r>
+              <a:rPr lang="en-US" b="1" dirty="0" smtClean="0"/>
+              <a:t>AX modules involved and setup</a:t>
+            </a:r>
+          </a:p>
+          <a:p>
+            <a:endParaRPr lang="en-US" dirty="0"/>
+          </a:p>
+        </p:txBody>
+      </p:sp>
+    </p:spTree>
+  </p:cSld>
+  <p:clrMapOvr>
+    <a:masterClrMapping/>
+  </p:clrMapOvr>
+  <p:timing>
+    <p:tnLst>
+      <p:par>
+        <p:cTn id="1" dur="indefinite" restart="never" nodeType="tmRoot"/>
+      </p:par>
+    </p:tnLst>
+  </p:timing>
+</p:sld>
+</file>
+
+<file path=ppt/slides/slide25.xml><?xml version="1.0" encoding="utf-8"?>
+<p:sld xmlns:a="http://schemas.openxmlformats.org/drawingml/2006/main" xmlns:r="http://schemas.openxmlformats.org/officeDocument/2006/relationships" xmlns:p="http://schemas.openxmlformats.org/presentationml/2006/main">
+  <p:cSld>
+    <p:spTree>
+      <p:nvGrpSpPr>
+        <p:cNvPr id="1" name=""/>
+        <p:cNvGrpSpPr/>
+        <p:nvPr/>
+      </p:nvGrpSpPr>
+      <p:grpSpPr>
+        <a:xfrm>
+          <a:off x="0" y="0"/>
+          <a:ext cx="0" cy="0"/>
+          <a:chOff x="0" y="0"/>
+          <a:chExt cx="0" cy="0"/>
+        </a:xfrm>
+      </p:grpSpPr>
+      <p:sp>
+        <p:nvSpPr>
+          <p:cNvPr id="3" name="Segnaposto contenuto 2"/>
+          <p:cNvSpPr>
+            <a:spLocks noGrp="1"/>
+          </p:cNvSpPr>
+          <p:nvPr>
+            <p:ph idx="1"/>
+          </p:nvPr>
+        </p:nvSpPr>
+        <p:spPr/>
+        <p:txBody>
+          <a:bodyPr/>
+          <a:lstStyle/>
+          <a:p>
+            <a:pPr>
+              <a:buNone/>
+            </a:pPr>
+            <a:r>
+              <a:rPr lang="en-US" i="1" dirty="0" smtClean="0"/>
+              <a:t>Demo steps</a:t>
+            </a:r>
+            <a:endParaRPr lang="en-US" i="1" dirty="0"/>
+          </a:p>
+        </p:txBody>
+      </p:sp>
+      <p:sp>
+        <p:nvSpPr>
+          <p:cNvPr id="4" name="Segnaposto data 3"/>
+          <p:cNvSpPr>
+            <a:spLocks noGrp="1"/>
+          </p:cNvSpPr>
+          <p:nvPr>
+            <p:ph type="dt" sz="half" idx="10"/>
+          </p:nvPr>
+        </p:nvSpPr>
+        <p:spPr/>
+        <p:txBody>
+          <a:bodyPr/>
+          <a:lstStyle/>
+          <a:p>
+            <a:fld id="{F8078618-4CAE-48E8-A205-9D92A68D094A}" type="datetime1">
+              <a:rPr lang="en-US" smtClean="0"/>
+              <a:pPr/>
+              <a:t>5/9/2019</a:t>
+            </a:fld>
+            <a:endParaRPr lang="en-US"/>
+          </a:p>
+        </p:txBody>
+      </p:sp>
+      <p:sp>
+        <p:nvSpPr>
+          <p:cNvPr id="5" name="Segnaposto numero diapositiva 4"/>
+          <p:cNvSpPr>
+            <a:spLocks noGrp="1"/>
+          </p:cNvSpPr>
+          <p:nvPr>
+            <p:ph type="sldNum" sz="quarter" idx="12"/>
+          </p:nvPr>
+        </p:nvSpPr>
+        <p:spPr/>
+        <p:txBody>
+          <a:bodyPr/>
+          <a:lstStyle/>
+          <a:p>
+            <a:fld id="{02623B3A-910D-43F4-BBA9-9429D5B0014D}" type="slidenum">
+              <a:rPr lang="en-US" smtClean="0"/>
+              <a:pPr/>
+              <a:t>25</a:t>
+            </a:fld>
+            <a:endParaRPr lang="en-US"/>
+          </a:p>
+        </p:txBody>
+      </p:sp>
+      <p:sp>
+        <p:nvSpPr>
+          <p:cNvPr id="8" name="Sottotitolo 7"/>
+          <p:cNvSpPr>
+            <a:spLocks noGrp="1"/>
+          </p:cNvSpPr>
+          <p:nvPr>
+            <p:ph type="subTitle" idx="14"/>
+          </p:nvPr>
+        </p:nvSpPr>
+        <p:spPr/>
+        <p:txBody>
+          <a:bodyPr/>
+          <a:lstStyle/>
+          <a:p>
+            <a:r>
+              <a:rPr lang="en-US" b="1" dirty="0" smtClean="0">
+                <a:solidFill>
+                  <a:schemeClr val="tx1"/>
+                </a:solidFill>
+              </a:rPr>
+              <a:t>Demo</a:t>
+            </a:r>
+            <a:endParaRPr lang="en-US" b="1" dirty="0">
+              <a:solidFill>
+                <a:schemeClr val="tx1"/>
+              </a:solidFill>
+            </a:endParaRPr>
+          </a:p>
+        </p:txBody>
+      </p:sp>
+    </p:spTree>
+  </p:cSld>
+  <p:clrMapOvr>
+    <a:masterClrMapping/>
+  </p:clrMapOvr>
+  <p:timing>
+    <p:tnLst>
+      <p:par>
+        <p:cTn id="1" dur="indefinite" restart="never" nodeType="tmRoot"/>
+      </p:par>
+    </p:tnLst>
+  </p:timing>
+</p:sld>
+</file>
+
+<file path=ppt/slides/slide26.xml><?xml version="1.0" encoding="utf-8"?>
+<p:sld xmlns:a="http://schemas.openxmlformats.org/drawingml/2006/main" xmlns:r="http://schemas.openxmlformats.org/officeDocument/2006/relationships" xmlns:p="http://schemas.openxmlformats.org/presentationml/2006/main">
+  <p:cSld>
+    <p:spTree>
+      <p:nvGrpSpPr>
+        <p:cNvPr id="1" name=""/>
+        <p:cNvGrpSpPr/>
+        <p:nvPr/>
+      </p:nvGrpSpPr>
+      <p:grpSpPr>
+        <a:xfrm>
+          <a:off x="0" y="0"/>
+          <a:ext cx="0" cy="0"/>
+          <a:chOff x="0" y="0"/>
+          <a:chExt cx="0" cy="0"/>
+        </a:xfrm>
+      </p:grpSpPr>
+      <p:sp>
+        <p:nvSpPr>
+          <p:cNvPr id="8" name="Segnaposto contenuto 7"/>
+          <p:cNvSpPr>
+            <a:spLocks noGrp="1"/>
+          </p:cNvSpPr>
+          <p:nvPr>
+            <p:ph idx="1"/>
+          </p:nvPr>
+        </p:nvSpPr>
+        <p:spPr/>
+        <p:txBody>
+          <a:bodyPr/>
+          <a:lstStyle/>
+          <a:p>
+            <a:endParaRPr lang="en-US" dirty="0"/>
+          </a:p>
+        </p:txBody>
+      </p:sp>
+      <p:sp>
+        <p:nvSpPr>
+          <p:cNvPr id="4" name="Segnaposto data 3"/>
+          <p:cNvSpPr>
+            <a:spLocks noGrp="1"/>
+          </p:cNvSpPr>
+          <p:nvPr>
+            <p:ph type="dt" sz="half" idx="10"/>
+          </p:nvPr>
+        </p:nvSpPr>
+        <p:spPr/>
+        <p:txBody>
+          <a:bodyPr/>
+          <a:lstStyle/>
+          <a:p>
+            <a:fld id="{F8078618-4CAE-48E8-A205-9D92A68D094A}" type="datetime1">
+              <a:rPr lang="en-US" smtClean="0"/>
+              <a:pPr/>
+              <a:t>5/9/2019</a:t>
+            </a:fld>
+            <a:endParaRPr lang="en-US"/>
+          </a:p>
+        </p:txBody>
+      </p:sp>
+      <p:sp>
+        <p:nvSpPr>
+          <p:cNvPr id="5" name="Segnaposto numero diapositiva 4"/>
+          <p:cNvSpPr>
+            <a:spLocks noGrp="1"/>
+          </p:cNvSpPr>
+          <p:nvPr>
+            <p:ph type="sldNum" sz="quarter" idx="12"/>
+          </p:nvPr>
+        </p:nvSpPr>
+        <p:spPr/>
+        <p:txBody>
+          <a:bodyPr/>
+          <a:lstStyle/>
+          <a:p>
+            <a:fld id="{02623B3A-910D-43F4-BBA9-9429D5B0014D}" type="slidenum">
+              <a:rPr lang="en-US" smtClean="0"/>
+              <a:pPr/>
+              <a:t>26</a:t>
             </a:fld>
             <a:endParaRPr lang="en-US"/>
           </a:p>
@@ -6107,7 +6527,7 @@
             <a:fld id="{F8078618-4CAE-48E8-A205-9D92A68D094A}" type="datetime1">
               <a:rPr lang="en-US" smtClean="0"/>
               <a:pPr/>
-              <a:t>5/8/2019</a:t>
+              <a:t>5/9/2019</a:t>
             </a:fld>
             <a:endParaRPr lang="en-US"/>
           </a:p>
@@ -6228,7 +6648,7 @@
             <a:fld id="{F8078618-4CAE-48E8-A205-9D92A68D094A}" type="datetime1">
               <a:rPr lang="en-US" smtClean="0"/>
               <a:pPr/>
-              <a:t>5/8/2019</a:t>
+              <a:t>5/9/2019</a:t>
             </a:fld>
             <a:endParaRPr lang="en-US"/>
           </a:p>
@@ -6461,7 +6881,7 @@
             <a:fld id="{F8078618-4CAE-48E8-A205-9D92A68D094A}" type="datetime1">
               <a:rPr lang="en-US" smtClean="0"/>
               <a:pPr/>
-              <a:t>5/8/2019</a:t>
+              <a:t>5/9/2019</a:t>
             </a:fld>
             <a:endParaRPr lang="en-US"/>
           </a:p>
@@ -6546,6 +6966,11 @@
 <file path=ppt/slides/slide6.xml><?xml version="1.0" encoding="utf-8"?>
 <p:sld xmlns:a="http://schemas.openxmlformats.org/drawingml/2006/main" xmlns:r="http://schemas.openxmlformats.org/officeDocument/2006/relationships" xmlns:p="http://schemas.openxmlformats.org/presentationml/2006/main">
   <p:cSld>
+    <p:bg>
+      <p:bgRef idx="1001">
+        <a:schemeClr val="bg1"/>
+      </p:bgRef>
+    </p:bg>
     <p:spTree>
       <p:nvGrpSpPr>
         <p:cNvPr id="1" name=""/>
@@ -6562,12 +6987,12 @@
       </p:grpSpPr>
       <p:sp>
         <p:nvSpPr>
-          <p:cNvPr id="3" name="Segnaposto contenuto 2"/>
-          <p:cNvSpPr>
-            <a:spLocks noGrp="1"/>
-          </p:cNvSpPr>
-          <p:nvPr>
-            <p:ph idx="1"/>
+          <p:cNvPr id="6" name="Date Placeholder 5"/>
+          <p:cNvSpPr>
+            <a:spLocks noGrp="1"/>
+          </p:cNvSpPr>
+          <p:nvPr>
+            <p:ph type="dt" sz="half" idx="10"/>
           </p:nvPr>
         </p:nvSpPr>
         <p:spPr/>
@@ -6575,65 +7000,18 @@
           <a:bodyPr/>
           <a:lstStyle/>
           <a:p>
-            <a:r>
-              <a:rPr lang="en-US" dirty="0" smtClean="0"/>
-              <a:t>It must be kept safe somewhere</a:t>
-            </a:r>
-          </a:p>
-          <a:p>
-            <a:r>
-              <a:rPr lang="en-US" dirty="0" smtClean="0"/>
-              <a:t>It cannot (even accidentally) be shared with anyone who should not know</a:t>
-            </a:r>
-          </a:p>
-          <a:p>
-            <a:r>
-              <a:rPr lang="en-US" dirty="0" smtClean="0"/>
-              <a:t>It can be forgotten, lost, stolen or corrupted in which case becomes worthless and/or can cause loss of assets</a:t>
-            </a:r>
-          </a:p>
-          <a:p>
-            <a:r>
-              <a:rPr lang="en-US" dirty="0" smtClean="0"/>
-              <a:t>Just the suspicion of loss or of accidental leak makes it worthless and a liability</a:t>
-            </a:r>
-          </a:p>
-          <a:p>
-            <a:r>
-              <a:rPr lang="en-US" dirty="0" smtClean="0"/>
-              <a:t>More than one secret and life gets very complicated!</a:t>
-            </a:r>
+            <a:fld id="{DD590542-A0EB-48D5-9722-C0A8052BF4A2}" type="datetime1">
+              <a:rPr lang="en-US" smtClean="0"/>
+              <a:pPr/>
+              <a:t>5/9/2019</a:t>
+            </a:fld>
             <a:endParaRPr lang="en-US" dirty="0"/>
           </a:p>
         </p:txBody>
       </p:sp>
       <p:sp>
         <p:nvSpPr>
-          <p:cNvPr id="4" name="Segnaposto data 3"/>
-          <p:cNvSpPr>
-            <a:spLocks noGrp="1"/>
-          </p:cNvSpPr>
-          <p:nvPr>
-            <p:ph type="dt" sz="half" idx="10"/>
-          </p:nvPr>
-        </p:nvSpPr>
-        <p:spPr/>
-        <p:txBody>
-          <a:bodyPr/>
-          <a:lstStyle/>
-          <a:p>
-            <a:fld id="{F8078618-4CAE-48E8-A205-9D92A68D094A}" type="datetime1">
-              <a:rPr lang="en-US" smtClean="0"/>
-              <a:pPr/>
-              <a:t>5/8/2019</a:t>
-            </a:fld>
-            <a:endParaRPr lang="en-US"/>
-          </a:p>
-        </p:txBody>
-      </p:sp>
-      <p:sp>
-        <p:nvSpPr>
-          <p:cNvPr id="5" name="Segnaposto numero diapositiva 4"/>
+          <p:cNvPr id="7" name="Slide Number Placeholder 6"/>
           <p:cNvSpPr>
             <a:spLocks noGrp="1"/>
           </p:cNvSpPr>
@@ -6651,55 +7029,55 @@
               <a:pPr/>
               <a:t>6</a:t>
             </a:fld>
-            <a:endParaRPr lang="en-US"/>
-          </a:p>
-        </p:txBody>
-      </p:sp>
-      <p:sp>
-        <p:nvSpPr>
-          <p:cNvPr id="7" name="Sottotitolo 6"/>
-          <p:cNvSpPr>
-            <a:spLocks noGrp="1"/>
-          </p:cNvSpPr>
-          <p:nvPr>
-            <p:ph type="subTitle" idx="14"/>
+            <a:endParaRPr lang="en-US" dirty="0"/>
+          </a:p>
+        </p:txBody>
+      </p:sp>
+      <p:sp>
+        <p:nvSpPr>
+          <p:cNvPr id="2" name="Title 1"/>
+          <p:cNvSpPr>
+            <a:spLocks noGrp="1"/>
+          </p:cNvSpPr>
+          <p:nvPr>
+            <p:ph type="title"/>
           </p:nvPr>
         </p:nvSpPr>
         <p:spPr>
           <a:xfrm>
-            <a:off x="1143000" y="1066800"/>
-            <a:ext cx="6400800" cy="457200"/>
+            <a:off x="762000" y="2743200"/>
+            <a:ext cx="7772400" cy="990600"/>
           </a:xfrm>
         </p:spPr>
         <p:txBody>
           <a:bodyPr/>
           <a:lstStyle/>
           <a:p>
-            <a:r>
-              <a:rPr lang="en-US" b="1" dirty="0" smtClean="0">
-                <a:solidFill>
-                  <a:schemeClr val="tx1"/>
-                </a:solidFill>
-              </a:rPr>
+            <a:pPr algn="ctr"/>
+            <a:r>
+              <a:rPr lang="en-US" dirty="0" smtClean="0"/>
               <a:t>Secrets</a:t>
             </a:r>
-            <a:endParaRPr lang="en-US" b="1" dirty="0">
-              <a:solidFill>
-                <a:schemeClr val="tx1"/>
-              </a:solidFill>
-            </a:endParaRPr>
+            <a:r>
+              <a:rPr lang="en-US" dirty="0" smtClean="0"/>
+              <a:t/>
+            </a:r>
+            <a:br>
+              <a:rPr lang="en-US" dirty="0" smtClean="0"/>
+            </a:br>
+            <a:endParaRPr lang="en-US" dirty="0"/>
           </a:p>
         </p:txBody>
       </p:sp>
     </p:spTree>
     <p:extLst>
       <p:ext uri="{BB962C8B-B14F-4D97-AF65-F5344CB8AC3E}">
-        <p14:creationId xmlns:p14="http://schemas.microsoft.com/office/powerpoint/2010/main" val="148647950"/>
+        <p14:creationId xmlns:p14="http://schemas.microsoft.com/office/powerpoint/2010/main" val="3398709600"/>
       </p:ext>
     </p:extLst>
   </p:cSld>
   <p:clrMapOvr>
-    <a:masterClrMapping/>
+    <a:overrideClrMapping bg1="lt1" tx1="dk1" bg2="lt2" tx2="dk2" accent1="accent1" accent2="accent2" accent3="accent3" accent4="accent4" accent5="accent5" accent6="accent6" hlink="hlink" folHlink="folHlink"/>
   </p:clrMapOvr>
   <p:timing>
     <p:tnLst>
@@ -6738,118 +7116,41 @@
             <p:ph idx="1"/>
           </p:nvPr>
         </p:nvSpPr>
-        <p:spPr>
-          <a:xfrm>
-            <a:off x="460513" y="1752600"/>
-            <a:ext cx="8229600" cy="3962400"/>
-          </a:xfrm>
-        </p:spPr>
-        <p:txBody>
-          <a:bodyPr/>
-          <a:lstStyle/>
-          <a:p>
-            <a:r>
-              <a:rPr lang="en-US" dirty="0" smtClean="0">
-                <a:hlinkClick r:id="rId2"/>
-              </a:rPr>
-              <a:t>Where to store a server side encryption key?</a:t>
-            </a:r>
-            <a:endParaRPr lang="en-US" dirty="0" smtClean="0"/>
-          </a:p>
-          <a:p>
+        <p:spPr/>
+        <p:txBody>
+          <a:bodyPr/>
+          <a:lstStyle/>
+          <a:p>
+            <a:r>
+              <a:rPr lang="en-US" dirty="0" smtClean="0"/>
+              <a:t>It must be kept safe somewhere</a:t>
+            </a:r>
+          </a:p>
+          <a:p>
+            <a:r>
+              <a:rPr lang="en-US" dirty="0" smtClean="0"/>
+              <a:t>It cannot (even accidentally) be shared with anyone who should not know</a:t>
+            </a:r>
+          </a:p>
+          <a:p>
+            <a:r>
+              <a:rPr lang="en-US" dirty="0" smtClean="0"/>
+              <a:t>It can be forgotten, lost, stolen or corrupted in which case becomes worthless and/or can cause loss of assets</a:t>
+            </a:r>
+          </a:p>
+          <a:p>
+            <a:r>
+              <a:rPr lang="en-US" dirty="0" smtClean="0"/>
+              <a:t>Just the suspicion of loss or of accidental leak makes it worthless and a liability</a:t>
+            </a:r>
+          </a:p>
+          <a:p>
+            <a:r>
+              <a:rPr lang="en-US" dirty="0" smtClean="0"/>
+              <a:t>More than one secret and life gets very complicated!</a:t>
+            </a:r>
             <a:endParaRPr lang="en-US" dirty="0"/>
           </a:p>
-          <a:p>
-            <a:pPr marL="0" indent="0">
-              <a:buNone/>
-            </a:pPr>
-            <a:r>
-              <a:rPr lang="en-US" dirty="0" smtClean="0"/>
-              <a:t>This is a good question posed on Stack Exchange Information Security.</a:t>
-            </a:r>
-          </a:p>
-          <a:p>
-            <a:pPr marL="0" indent="0">
-              <a:buNone/>
-            </a:pPr>
-            <a:endParaRPr lang="en-US" dirty="0" smtClean="0"/>
-          </a:p>
-          <a:p>
-            <a:pPr marL="457200" indent="-457200">
-              <a:buFont typeface="+mj-lt"/>
-              <a:buAutoNum type="arabicPeriod"/>
-            </a:pPr>
-            <a:r>
-              <a:rPr lang="en-US" dirty="0"/>
-              <a:t>Use an external Hardware Security </a:t>
-            </a:r>
-            <a:r>
-              <a:rPr lang="en-US" dirty="0" smtClean="0"/>
-              <a:t>Module.</a:t>
-            </a:r>
-            <a:r>
-              <a:rPr lang="en-US" dirty="0"/>
-              <a:t> </a:t>
-            </a:r>
-            <a:endParaRPr lang="en-US" dirty="0" smtClean="0"/>
-          </a:p>
-          <a:p>
-            <a:pPr marL="457200" indent="-457200">
-              <a:buFont typeface="+mj-lt"/>
-              <a:buAutoNum type="arabicPeriod"/>
-            </a:pPr>
-            <a:r>
-              <a:rPr lang="en-US" dirty="0"/>
-              <a:t>Tie the encryption key to your </a:t>
-            </a:r>
-            <a:r>
-              <a:rPr lang="en-US" dirty="0" smtClean="0"/>
-              <a:t>hardware i.e. </a:t>
-            </a:r>
-            <a:r>
-              <a:rPr lang="en-US" dirty="0"/>
-              <a:t>TPM chips </a:t>
-            </a:r>
-            <a:r>
-              <a:rPr lang="en-US" dirty="0" smtClean="0"/>
-              <a:t>.</a:t>
-            </a:r>
-          </a:p>
-          <a:p>
-            <a:pPr marL="457200" indent="-457200">
-              <a:buFont typeface="+mj-lt"/>
-              <a:buAutoNum type="arabicPeriod"/>
-            </a:pPr>
-            <a:r>
-              <a:rPr lang="en-US" dirty="0"/>
-              <a:t>Tie the encryption key to your admin login </a:t>
-            </a:r>
-            <a:endParaRPr lang="en-US" dirty="0" smtClean="0"/>
-          </a:p>
-          <a:p>
-            <a:pPr marL="457200" indent="-457200">
-              <a:buFont typeface="+mj-lt"/>
-              <a:buAutoNum type="arabicPeriod"/>
-            </a:pPr>
-            <a:r>
-              <a:rPr lang="en-US" dirty="0"/>
-              <a:t>Type in the encryption key when you start up, store it in memory</a:t>
-            </a:r>
-            <a:r>
-              <a:rPr lang="en-US" dirty="0" smtClean="0"/>
-              <a:t>.</a:t>
-            </a:r>
-          </a:p>
-          <a:p>
-            <a:pPr marL="457200" indent="-457200">
-              <a:buFont typeface="+mj-lt"/>
-              <a:buAutoNum type="arabicPeriod"/>
-            </a:pPr>
-            <a:r>
-              <a:rPr lang="en-US" dirty="0"/>
-              <a:t>Store the key on a different server. </a:t>
-            </a:r>
-          </a:p>
         </p:txBody>
       </p:sp>
       <p:sp>
@@ -6870,7 +7171,7 @@
             <a:fld id="{F8078618-4CAE-48E8-A205-9D92A68D094A}" type="datetime1">
               <a:rPr lang="en-US" smtClean="0"/>
               <a:pPr/>
-              <a:t>5/8/2019</a:t>
+              <a:t>5/9/2019</a:t>
             </a:fld>
             <a:endParaRPr lang="en-US"/>
           </a:p>
@@ -6926,7 +7227,7 @@
                   <a:schemeClr val="tx1"/>
                 </a:solidFill>
               </a:rPr>
-              <a:t>Where to store a secret?</a:t>
+              <a:t>Secrets</a:t>
             </a:r>
             <a:endParaRPr lang="en-US" b="1" dirty="0">
               <a:solidFill>
@@ -6939,7 +7240,7 @@
     </p:spTree>
     <p:extLst>
       <p:ext uri="{BB962C8B-B14F-4D97-AF65-F5344CB8AC3E}">
-        <p14:creationId xmlns:p14="http://schemas.microsoft.com/office/powerpoint/2010/main" val="4093124646"/>
+        <p14:creationId xmlns:p14="http://schemas.microsoft.com/office/powerpoint/2010/main" val="148647950"/>
       </p:ext>
     </p:extLst>
   </p:cSld>
@@ -6985,124 +7286,115 @@
         </p:nvSpPr>
         <p:spPr>
           <a:xfrm>
-            <a:off x="457200" y="1905000"/>
-            <a:ext cx="8229600" cy="3429000"/>
+            <a:off x="460513" y="1752600"/>
+            <a:ext cx="8229600" cy="3962400"/>
           </a:xfrm>
         </p:spPr>
         <p:txBody>
-          <a:bodyPr>
-            <a:normAutofit/>
-          </a:bodyPr>
-          <a:lstStyle/>
-          <a:p>
-            <a:pPr marL="0" indent="0" algn="just">
+          <a:bodyPr/>
+          <a:lstStyle/>
+          <a:p>
+            <a:r>
+              <a:rPr lang="en-US" dirty="0" smtClean="0">
+                <a:hlinkClick r:id="rId2"/>
+              </a:rPr>
+              <a:t>Where to store a server side encryption key?</a:t>
+            </a:r>
+            <a:endParaRPr lang="en-US" dirty="0" smtClean="0"/>
+          </a:p>
+          <a:p>
+            <a:endParaRPr lang="en-US" dirty="0"/>
+          </a:p>
+          <a:p>
+            <a:pPr marL="0" indent="0">
               <a:buNone/>
             </a:pPr>
             <a:r>
               <a:rPr lang="en-US" dirty="0" smtClean="0"/>
-              <a:t>A storage service used to store </a:t>
-            </a:r>
-            <a:r>
-              <a:rPr lang="en-US" dirty="0"/>
-              <a:t>cryptographic keys and secrets </a:t>
-            </a:r>
-            <a:r>
-              <a:rPr lang="en-US" dirty="0" smtClean="0"/>
-              <a:t>and keep this </a:t>
-            </a:r>
-            <a:r>
-              <a:rPr lang="en-US" dirty="0"/>
-              <a:t>information secure.</a:t>
-            </a:r>
-            <a:r>
-              <a:rPr lang="en-US" dirty="0" smtClean="0"/>
-              <a:t> The service offers a software abstraction to solve </a:t>
-            </a:r>
-            <a:r>
-              <a:rPr lang="en-US" dirty="0"/>
-              <a:t>the following </a:t>
-            </a:r>
-            <a:r>
-              <a:rPr lang="en-US" dirty="0" smtClean="0"/>
-              <a:t>problems. </a:t>
-            </a:r>
-          </a:p>
-          <a:p>
-            <a:pPr marL="0" indent="0" algn="just">
+              <a:t>This is a good question posed on Stack Exchange Information Security.</a:t>
+            </a:r>
+          </a:p>
+          <a:p>
+            <a:pPr marL="0" indent="0">
               <a:buNone/>
             </a:pPr>
-            <a:endParaRPr lang="en-US" dirty="0"/>
-          </a:p>
-          <a:p>
-            <a:r>
-              <a:rPr lang="en-US" b="1" dirty="0"/>
-              <a:t>Secret </a:t>
-            </a:r>
-            <a:r>
-              <a:rPr lang="en-US" b="1" dirty="0" smtClean="0"/>
-              <a:t>and Keys management</a:t>
+            <a:endParaRPr lang="en-US" dirty="0" smtClean="0"/>
+          </a:p>
+          <a:p>
+            <a:pPr marL="457200" indent="-457200">
+              <a:buFont typeface="+mj-lt"/>
+              <a:buAutoNum type="arabicPeriod"/>
+            </a:pPr>
+            <a:r>
+              <a:rPr lang="en-US" dirty="0"/>
+              <a:t>Use an external Hardware Security </a:t>
             </a:r>
             <a:r>
               <a:rPr lang="en-US" dirty="0" smtClean="0"/>
-              <a:t> such as access control.</a:t>
-            </a:r>
-            <a:endParaRPr lang="en-US" dirty="0"/>
-          </a:p>
-          <a:p>
-            <a:r>
-              <a:rPr lang="en-US" b="1" dirty="0" smtClean="0"/>
-              <a:t>Certificate management</a:t>
+              <a:t>Module.</a:t>
             </a:r>
             <a:r>
               <a:rPr lang="en-US" dirty="0"/>
-              <a:t> </a:t>
+              <a:t> </a:t>
+            </a:r>
+            <a:endParaRPr lang="en-US" dirty="0" smtClean="0"/>
+          </a:p>
+          <a:p>
+            <a:pPr marL="457200" indent="-457200">
+              <a:buFont typeface="+mj-lt"/>
+              <a:buAutoNum type="arabicPeriod"/>
+            </a:pPr>
+            <a:r>
+              <a:rPr lang="en-US" dirty="0"/>
+              <a:t>Tie the encryption key to your </a:t>
             </a:r>
             <a:r>
               <a:rPr lang="en-US" dirty="0" smtClean="0"/>
-              <a:t>including provision</a:t>
+              <a:t>hardware i.e. </a:t>
             </a:r>
             <a:r>
               <a:rPr lang="en-US" dirty="0"/>
-              <a:t> </a:t>
+              <a:t>TPM chips </a:t>
             </a:r>
             <a:r>
               <a:rPr lang="en-US" dirty="0" smtClean="0"/>
-              <a:t>and deployment i.e. (SSL/TLS</a:t>
-            </a:r>
+              <a:t>.</a:t>
+            </a:r>
+          </a:p>
+          <a:p>
+            <a:pPr marL="457200" indent="-457200">
+              <a:buFont typeface="+mj-lt"/>
+              <a:buAutoNum type="arabicPeriod"/>
+            </a:pPr>
             <a:r>
               <a:rPr lang="en-US" dirty="0"/>
-              <a:t>) certificates </a:t>
+              <a:t>Tie the encryption key to your admin login </a:t>
+            </a:r>
+            <a:endParaRPr lang="en-US" dirty="0" smtClean="0"/>
+          </a:p>
+          <a:p>
+            <a:pPr marL="457200" indent="-457200">
+              <a:buFont typeface="+mj-lt"/>
+              <a:buAutoNum type="arabicPeriod"/>
+            </a:pPr>
+            <a:r>
+              <a:rPr lang="en-US" dirty="0"/>
+              <a:t>Type in the encryption key when you start up, store it in memory</a:t>
             </a:r>
             <a:r>
               <a:rPr lang="en-US" dirty="0" smtClean="0"/>
-              <a:t>used within </a:t>
-            </a:r>
+              <a:t>.</a:t>
+            </a:r>
+          </a:p>
+          <a:p>
+            <a:pPr marL="457200" indent="-457200">
+              <a:buFont typeface="+mj-lt"/>
+              <a:buAutoNum type="arabicPeriod"/>
+            </a:pPr>
             <a:r>
               <a:rPr lang="en-US" dirty="0"/>
-              <a:t>Azure </a:t>
-            </a:r>
-            <a:r>
-              <a:rPr lang="en-US" dirty="0" smtClean="0"/>
-              <a:t>internally connected artifacts.</a:t>
-            </a:r>
-            <a:endParaRPr lang="en-US" dirty="0"/>
-          </a:p>
-          <a:p>
-            <a:r>
-              <a:rPr lang="en-US" b="1" dirty="0"/>
-              <a:t>Store secrets </a:t>
-            </a:r>
-            <a:r>
-              <a:rPr lang="en-US" b="1" dirty="0" smtClean="0"/>
-              <a:t>and Keys on HSMs</a:t>
-            </a:r>
-            <a:endParaRPr lang="en-US" dirty="0"/>
-          </a:p>
-          <a:p>
-            <a:pPr marL="0" indent="0" algn="just">
-              <a:buNone/>
-            </a:pPr>
-            <a:endParaRPr lang="en-US" dirty="0"/>
+              <a:t>Store the key on a different server. </a:t>
+            </a:r>
           </a:p>
         </p:txBody>
       </p:sp>
@@ -7124,7 +7416,7 @@
             <a:fld id="{F8078618-4CAE-48E8-A205-9D92A68D094A}" type="datetime1">
               <a:rPr lang="en-US" smtClean="0"/>
               <a:pPr/>
-              <a:t>5/8/2019</a:t>
+              <a:t>5/9/2019</a:t>
             </a:fld>
             <a:endParaRPr lang="en-US"/>
           </a:p>
@@ -7180,7 +7472,7 @@
                   <a:schemeClr val="tx1"/>
                 </a:solidFill>
               </a:rPr>
-              <a:t>What is Azure Key Vault</a:t>
+              <a:t>Where to store a secret?</a:t>
             </a:r>
             <a:endParaRPr lang="en-US" b="1" dirty="0">
               <a:solidFill>
@@ -7193,7 +7485,7 @@
     </p:spTree>
     <p:extLst>
       <p:ext uri="{BB962C8B-B14F-4D97-AF65-F5344CB8AC3E}">
-        <p14:creationId xmlns:p14="http://schemas.microsoft.com/office/powerpoint/2010/main" val="2012090214"/>
+        <p14:creationId xmlns:p14="http://schemas.microsoft.com/office/powerpoint/2010/main" val="4093124646"/>
       </p:ext>
     </p:extLst>
   </p:cSld>
@@ -7229,7 +7521,7 @@
       </p:grpSpPr>
       <p:sp>
         <p:nvSpPr>
-          <p:cNvPr id="2" name="Content Placeholder 1"/>
+          <p:cNvPr id="3" name="Segnaposto contenuto 2"/>
           <p:cNvSpPr>
             <a:spLocks noGrp="1"/>
           </p:cNvSpPr>
@@ -7237,101 +7529,52 @@
             <p:ph idx="1"/>
           </p:nvPr>
         </p:nvSpPr>
-        <p:spPr>
-          <a:xfrm>
-            <a:off x="458972" y="1905000"/>
-            <a:ext cx="8229600" cy="3657600"/>
-          </a:xfrm>
-        </p:spPr>
-        <p:txBody>
-          <a:bodyPr>
-            <a:normAutofit/>
-          </a:bodyPr>
-          <a:lstStyle/>
-          <a:p>
-            <a:pPr marL="457200" indent="-457200">
-              <a:buFont typeface="+mj-lt"/>
-              <a:buAutoNum type="arabicPeriod"/>
-            </a:pPr>
+        <p:spPr/>
+        <p:txBody>
+          <a:bodyPr/>
+          <a:lstStyle/>
+          <a:p>
             <a:r>
               <a:rPr lang="en-US" dirty="0" smtClean="0"/>
-              <a:t>Secrets</a:t>
-            </a:r>
-          </a:p>
-          <a:p>
-            <a:pPr marL="457200" indent="-457200">
-              <a:buFont typeface="+mj-lt"/>
-              <a:buAutoNum type="arabicPeriod"/>
-            </a:pPr>
+              <a:t>It must be kept safe somewhere</a:t>
+            </a:r>
+          </a:p>
+          <a:p>
             <a:r>
               <a:rPr lang="en-US" dirty="0" smtClean="0"/>
-              <a:t>Keys</a:t>
-            </a:r>
-          </a:p>
-          <a:p>
-            <a:pPr marL="457200" indent="-457200">
-              <a:buFont typeface="+mj-lt"/>
-              <a:buAutoNum type="arabicPeriod"/>
-            </a:pPr>
+              <a:t>It cannot be shared with anyone who should not know</a:t>
+            </a:r>
+          </a:p>
+          <a:p>
             <a:r>
               <a:rPr lang="en-US" dirty="0" smtClean="0"/>
-              <a:t>Certificates</a:t>
+              <a:t>It can be forgotten or lost</a:t>
+            </a:r>
+          </a:p>
+          <a:p>
+            <a:r>
+              <a:rPr lang="en-US" dirty="0" smtClean="0"/>
+              <a:t>If stolen it becomes worthless</a:t>
+            </a:r>
+          </a:p>
+          <a:p>
+            <a:r>
+              <a:rPr lang="en-US" dirty="0" smtClean="0"/>
+              <a:t>Just the suspicion of loss or of a leak makes it worthless</a:t>
+            </a:r>
+          </a:p>
+          <a:p>
+            <a:r>
+              <a:rPr lang="en-US" dirty="0" smtClean="0"/>
+              <a:t>More than one secret and life gets very complicated!</a:t>
             </a:r>
             <a:endParaRPr lang="en-US" dirty="0"/>
           </a:p>
-          <a:p>
-            <a:pPr marL="457200" indent="-457200">
-              <a:buFont typeface="+mj-lt"/>
-              <a:buAutoNum type="arabicPeriod"/>
-            </a:pPr>
-            <a:endParaRPr lang="en-US" dirty="0" smtClean="0"/>
-          </a:p>
-          <a:p>
-            <a:pPr marL="0" indent="0">
-              <a:buNone/>
-            </a:pPr>
-            <a:r>
-              <a:rPr lang="en-US" dirty="0" smtClean="0"/>
-              <a:t>Secrets </a:t>
-            </a:r>
-          </a:p>
-          <a:p>
-            <a:pPr marL="0" indent="0">
-              <a:buNone/>
-            </a:pPr>
-            <a:endParaRPr lang="en-US" dirty="0" smtClean="0"/>
-          </a:p>
-          <a:p>
-            <a:pPr marL="0" indent="0" algn="just">
-              <a:buNone/>
-            </a:pPr>
-            <a:r>
-              <a:rPr lang="en-US" dirty="0"/>
-              <a:t>B</a:t>
-            </a:r>
-            <a:r>
-              <a:rPr lang="en-US" dirty="0" smtClean="0"/>
-              <a:t>inary sequences with no semantic i.e. passwords, connection strings, bank details, thumbprints, hashes, etc. Any sensitive information that must be protected and access controlled. Any piece of information that may be versioned and needs to be centrally managed and protected.</a:t>
-            </a:r>
-            <a:endParaRPr lang="en-US" dirty="0"/>
-          </a:p>
-          <a:p>
-            <a:pPr marL="0" indent="0">
-              <a:buNone/>
-            </a:pPr>
-            <a:endParaRPr lang="en-US" dirty="0" smtClean="0"/>
-          </a:p>
-          <a:p>
-            <a:pPr marL="0" indent="0">
-              <a:buNone/>
-            </a:pPr>
-            <a:endParaRPr lang="en-US" dirty="0" smtClean="0"/>
-          </a:p>
-        </p:txBody>
-      </p:sp>
-      <p:sp>
-        <p:nvSpPr>
-          <p:cNvPr id="3" name="Date Placeholder 2"/>
+        </p:txBody>
+      </p:sp>
+      <p:sp>
+        <p:nvSpPr>
+          <p:cNvPr id="4" name="Segnaposto data 3"/>
           <p:cNvSpPr>
             <a:spLocks noGrp="1"/>
           </p:cNvSpPr>
@@ -7347,7 +7590,7 @@
             <a:fld id="{F8078618-4CAE-48E8-A205-9D92A68D094A}" type="datetime1">
               <a:rPr lang="en-US" smtClean="0"/>
               <a:pPr/>
-              <a:t>5/8/2019</a:t>
+              <a:t>5/9/2019</a:t>
             </a:fld>
             <a:endParaRPr lang="en-US"/>
           </a:p>
@@ -7355,7 +7598,7 @@
       </p:sp>
       <p:sp>
         <p:nvSpPr>
-          <p:cNvPr id="4" name="Slide Number Placeholder 3"/>
+          <p:cNvPr id="5" name="Segnaposto numero diapositiva 4"/>
           <p:cNvSpPr>
             <a:spLocks noGrp="1"/>
           </p:cNvSpPr>
@@ -7379,7 +7622,7 @@
       </p:sp>
       <p:sp>
         <p:nvSpPr>
-          <p:cNvPr id="5" name="Subtitle 4"/>
+          <p:cNvPr id="7" name="Sottotitolo 6"/>
           <p:cNvSpPr>
             <a:spLocks noGrp="1"/>
           </p:cNvSpPr>
@@ -7389,7 +7632,7 @@
         </p:nvSpPr>
         <p:spPr>
           <a:xfrm>
-            <a:off x="1219200" y="1050925"/>
+            <a:off x="1143000" y="1066800"/>
             <a:ext cx="6400800" cy="457200"/>
           </a:xfrm>
         </p:spPr>
@@ -7398,17 +7641,25 @@
           <a:lstStyle/>
           <a:p>
             <a:r>
-              <a:rPr lang="en-US" dirty="0" smtClean="0"/>
-              <a:t>Resource Types in Azure Key Vault</a:t>
-            </a:r>
-            <a:endParaRPr lang="en-US" dirty="0"/>
+              <a:rPr lang="en-US" b="1" dirty="0" smtClean="0">
+                <a:solidFill>
+                  <a:schemeClr val="tx1"/>
+                </a:solidFill>
+              </a:rPr>
+              <a:t>The Problems with Secrets</a:t>
+            </a:r>
+            <a:endParaRPr lang="en-US" b="1" dirty="0">
+              <a:solidFill>
+                <a:schemeClr val="tx1"/>
+              </a:solidFill>
+            </a:endParaRPr>
           </a:p>
         </p:txBody>
       </p:sp>
     </p:spTree>
     <p:extLst>
       <p:ext uri="{BB962C8B-B14F-4D97-AF65-F5344CB8AC3E}">
-        <p14:creationId xmlns:p14="http://schemas.microsoft.com/office/powerpoint/2010/main" val="1550044430"/>
+        <p14:creationId xmlns:p14="http://schemas.microsoft.com/office/powerpoint/2010/main" val="2203314043"/>
       </p:ext>
     </p:extLst>
   </p:cSld>
@@ -8291,19 +8542,50 @@
 </a:themeOverride>
 </file>
 
-<file path=customXml/item1.xml><?xml version="1.0" encoding="utf-8"?>
-<p:properties xmlns:p="http://schemas.microsoft.com/office/2006/metadata/properties" xmlns:xsi="http://www.w3.org/2001/XMLSchema-instance" xmlns:pc="http://schemas.microsoft.com/office/infopath/2007/PartnerControls">
-  <documentManagement>
-    <Module xmlns="00f996c0-c54d-4e74-bd1f-4dc98d288dc1">Other</Module>
-    <Comment xmlns="00f996c0-c54d-4e74-bd1f-4dc98d288dc1" xsi:nil="true"/>
-    <Manual xmlns="00f996c0-c54d-4e74-bd1f-4dc98d288dc1">Research Activities</Manual>
-    <Language xmlns="00f996c0-c54d-4e74-bd1f-4dc98d288dc1">EN</Language>
-    <Application xmlns="00f996c0-c54d-4e74-bd1f-4dc98d288dc1">DAX2012</Application>
-  </documentManagement>
-</p:properties>
+<file path=ppt/theme/themeOverride2.xml><?xml version="1.0" encoding="utf-8"?>
+<a:themeOverride xmlns:a="http://schemas.openxmlformats.org/drawingml/2006/main">
+  <a:clrScheme name="WürthPhoenix">
+    <a:dk1>
+      <a:sysClr val="windowText" lastClr="000000"/>
+    </a:dk1>
+    <a:lt1>
+      <a:sysClr val="window" lastClr="FFFFFF"/>
+    </a:lt1>
+    <a:dk2>
+      <a:srgbClr val="7F7F7F"/>
+    </a:dk2>
+    <a:lt2>
+      <a:srgbClr val="EEECE1"/>
+    </a:lt2>
+    <a:accent1>
+      <a:srgbClr val="D8D8D8"/>
+    </a:accent1>
+    <a:accent2>
+      <a:srgbClr val="000000"/>
+    </a:accent2>
+    <a:accent3>
+      <a:srgbClr val="FF0000"/>
+    </a:accent3>
+    <a:accent4>
+      <a:srgbClr val="F2F2F2"/>
+    </a:accent4>
+    <a:accent5>
+      <a:srgbClr val="C00000"/>
+    </a:accent5>
+    <a:accent6>
+      <a:srgbClr val="F2F2F2"/>
+    </a:accent6>
+    <a:hlink>
+      <a:srgbClr val="0000FF"/>
+    </a:hlink>
+    <a:folHlink>
+      <a:srgbClr val="C00000"/>
+    </a:folHlink>
+  </a:clrScheme>
+</a:themeOverride>
 </file>
 
-<file path=customXml/item2.xml><?xml version="1.0" encoding="utf-8"?>
+<file path=customXml/item1.xml><?xml version="1.0" encoding="utf-8"?>
 <ct:contentTypeSchema xmlns:ct="http://schemas.microsoft.com/office/2006/metadata/contentType" xmlns:ma="http://schemas.microsoft.com/office/2006/metadata/properties/metaAttributes" ct:_="" ma:_="" ma:contentTypeName="Document" ma:contentTypeID="0x01010047BE36A7D7E3284AAF54A9304029004A" ma:contentTypeVersion="5" ma:contentTypeDescription="Create a new document." ma:contentTypeScope="" ma:versionID="c41cecac77d1fce3cca08e421bb73e78">
   <xsd:schema xmlns:xsd="http://www.w3.org/2001/XMLSchema" xmlns:xs="http://www.w3.org/2001/XMLSchema" xmlns:p="http://schemas.microsoft.com/office/2006/metadata/properties" xmlns:ns2="00f996c0-c54d-4e74-bd1f-4dc98d288dc1" targetNamespace="http://schemas.microsoft.com/office/2006/metadata/properties" ma:root="true" ma:fieldsID="8170742d2341719c31d0929a5c17f8bb" ns2:_="">
     <xsd:import namespace="00f996c0-c54d-4e74-bd1f-4dc98d288dc1"/>
@@ -8472,6 +8754,18 @@
 </ct:contentTypeSchema>
 </file>
 
+<file path=customXml/item2.xml><?xml version="1.0" encoding="utf-8"?>
+<p:properties xmlns:p="http://schemas.microsoft.com/office/2006/metadata/properties" xmlns:xsi="http://www.w3.org/2001/XMLSchema-instance" xmlns:pc="http://schemas.microsoft.com/office/infopath/2007/PartnerControls">
+  <documentManagement>
+    <Module xmlns="00f996c0-c54d-4e74-bd1f-4dc98d288dc1">Other</Module>
+    <Comment xmlns="00f996c0-c54d-4e74-bd1f-4dc98d288dc1" xsi:nil="true"/>
+    <Manual xmlns="00f996c0-c54d-4e74-bd1f-4dc98d288dc1">Research Activities</Manual>
+    <Language xmlns="00f996c0-c54d-4e74-bd1f-4dc98d288dc1">EN</Language>
+    <Application xmlns="00f996c0-c54d-4e74-bd1f-4dc98d288dc1">DAX2012</Application>
+  </documentManagement>
+</p:properties>
+</file>
+
 <file path=customXml/item3.xml><?xml version="1.0" encoding="utf-8"?>
 <?mso-contentType ?>
 <FormTemplates xmlns="http://schemas.microsoft.com/sharepoint/v3/contenttype/forms">
@@ -8482,22 +8776,6 @@
 </file>
 
 <file path=customXml/itemProps1.xml><?xml version="1.0" encoding="utf-8"?>
-<ds:datastoreItem xmlns:ds="http://schemas.openxmlformats.org/officeDocument/2006/customXml" ds:itemID="{00BE2236-5581-4DC9-88C8-7D3CDFC20C7F}">
-  <ds:schemaRefs>
-    <ds:schemaRef ds:uri="http://schemas.microsoft.com/office/2006/metadata/properties"/>
-    <ds:schemaRef ds:uri="http://purl.org/dc/terms/"/>
-    <ds:schemaRef ds:uri="http://schemas.openxmlformats.org/package/2006/metadata/core-properties"/>
-    <ds:schemaRef ds:uri="http://schemas.microsoft.com/office/2006/documentManagement/types"/>
-    <ds:schemaRef ds:uri="http://schemas.microsoft.com/office/infopath/2007/PartnerControls"/>
-    <ds:schemaRef ds:uri="00f996c0-c54d-4e74-bd1f-4dc98d288dc1"/>
-    <ds:schemaRef ds:uri="http://purl.org/dc/elements/1.1/"/>
-    <ds:schemaRef ds:uri="http://www.w3.org/XML/1998/namespace"/>
-    <ds:schemaRef ds:uri="http://purl.org/dc/dcmitype/"/>
-  </ds:schemaRefs>
-</ds:datastoreItem>
-</file>
-
-<file path=customXml/itemProps2.xml><?xml version="1.0" encoding="utf-8"?>
 <ds:datastoreItem xmlns:ds="http://schemas.openxmlformats.org/officeDocument/2006/customXml" ds:itemID="{742DA801-DDF4-459E-9485-7A79D9BBB6B7}">
   <ds:schemaRefs>
     <ds:schemaRef ds:uri="http://schemas.microsoft.com/office/2006/metadata/contentType"/>
@@ -8515,6 +8793,22 @@
 </ds:datastoreItem>
 </file>
 
+<file path=customXml/itemProps2.xml><?xml version="1.0" encoding="utf-8"?>
+<ds:datastoreItem xmlns:ds="http://schemas.openxmlformats.org/officeDocument/2006/customXml" ds:itemID="{00BE2236-5581-4DC9-88C8-7D3CDFC20C7F}">
+  <ds:schemaRefs>
+    <ds:schemaRef ds:uri="http://schemas.microsoft.com/office/2006/metadata/properties"/>
+    <ds:schemaRef ds:uri="http://purl.org/dc/terms/"/>
+    <ds:schemaRef ds:uri="http://schemas.openxmlformats.org/package/2006/metadata/core-properties"/>
+    <ds:schemaRef ds:uri="http://schemas.microsoft.com/office/2006/documentManagement/types"/>
+    <ds:schemaRef ds:uri="http://schemas.microsoft.com/office/infopath/2007/PartnerControls"/>
+    <ds:schemaRef ds:uri="00f996c0-c54d-4e74-bd1f-4dc98d288dc1"/>
+    <ds:schemaRef ds:uri="http://purl.org/dc/elements/1.1/"/>
+    <ds:schemaRef ds:uri="http://www.w3.org/XML/1998/namespace"/>
+    <ds:schemaRef ds:uri="http://purl.org/dc/dcmitype/"/>
+  </ds:schemaRefs>
+</ds:datastoreItem>
+</file>
+
 <file path=customXml/itemProps3.xml><?xml version="1.0" encoding="utf-8"?>
 <ds:datastoreItem xmlns:ds="http://schemas.openxmlformats.org/officeDocument/2006/customXml" ds:itemID="{AD1EB6FD-9432-44B6-B1BD-B86A98CDAAFE}">
   <ds:schemaRefs>

--- a/Presentation.pptx
+++ b/Presentation.pptx
@@ -5,10 +5,10 @@
     <p:sldMasterId id="2147483648" r:id="rId4"/>
   </p:sldMasterIdLst>
   <p:notesMasterIdLst>
-    <p:notesMasterId r:id="rId31"/>
+    <p:notesMasterId r:id="rId40"/>
   </p:notesMasterIdLst>
   <p:handoutMasterIdLst>
-    <p:handoutMasterId r:id="rId32"/>
+    <p:handoutMasterId r:id="rId41"/>
   </p:handoutMasterIdLst>
   <p:sldIdLst>
     <p:sldId id="256" r:id="rId5"/>
@@ -28,15 +28,24 @@
     <p:sldId id="277" r:id="rId19"/>
     <p:sldId id="269" r:id="rId20"/>
     <p:sldId id="279" r:id="rId21"/>
-    <p:sldId id="261" r:id="rId22"/>
-    <p:sldId id="265" r:id="rId23"/>
-    <p:sldId id="270" r:id="rId24"/>
-    <p:sldId id="283" r:id="rId25"/>
-    <p:sldId id="259" r:id="rId26"/>
-    <p:sldId id="263" r:id="rId27"/>
-    <p:sldId id="262" r:id="rId28"/>
-    <p:sldId id="264" r:id="rId29"/>
-    <p:sldId id="278" r:id="rId30"/>
+    <p:sldId id="286" r:id="rId22"/>
+    <p:sldId id="261" r:id="rId23"/>
+    <p:sldId id="288" r:id="rId24"/>
+    <p:sldId id="289" r:id="rId25"/>
+    <p:sldId id="287" r:id="rId26"/>
+    <p:sldId id="284" r:id="rId27"/>
+    <p:sldId id="265" r:id="rId28"/>
+    <p:sldId id="290" r:id="rId29"/>
+    <p:sldId id="270" r:id="rId30"/>
+    <p:sldId id="285" r:id="rId31"/>
+    <p:sldId id="292" r:id="rId32"/>
+    <p:sldId id="291" r:id="rId33"/>
+    <p:sldId id="283" r:id="rId34"/>
+    <p:sldId id="259" r:id="rId35"/>
+    <p:sldId id="263" r:id="rId36"/>
+    <p:sldId id="262" r:id="rId37"/>
+    <p:sldId id="264" r:id="rId38"/>
+    <p:sldId id="278" r:id="rId39"/>
   </p:sldIdLst>
   <p:sldSz cx="9144000" cy="6858000" type="screen4x3"/>
   <p:notesSz cx="6669088" cy="9928225"/>
@@ -251,7 +260,7 @@
             <a:fld id="{AB929E34-DEA3-4895-846A-C2BBEF4A5080}" type="datetimeFigureOut">
               <a:rPr lang="en-US" smtClean="0"/>
               <a:pPr/>
-              <a:t>5/9/2019</a:t>
+              <a:t>5/14/2019</a:t>
             </a:fld>
             <a:endParaRPr lang="en-US"/>
           </a:p>
@@ -418,7 +427,7 @@
             <a:fld id="{D757427D-1431-4F41-9EB2-74C3A27350CA}" type="datetimeFigureOut">
               <a:rPr lang="en-US" smtClean="0"/>
               <a:pPr/>
-              <a:t>5/9/2019</a:t>
+              <a:t>5/14/2019</a:t>
             </a:fld>
             <a:endParaRPr lang="en-US"/>
           </a:p>
@@ -841,7 +850,7 @@
             <a:fld id="{41D89EAC-7ACA-4BE3-B5E1-4490AC0DEEC2}" type="datetime1">
               <a:rPr lang="en-US" smtClean="0"/>
               <a:pPr/>
-              <a:t>5/9/2019</a:t>
+              <a:t>5/14/2019</a:t>
             </a:fld>
             <a:endParaRPr lang="en-US"/>
           </a:p>
@@ -1016,7 +1025,7 @@
             <a:fld id="{F8078618-4CAE-48E8-A205-9D92A68D094A}" type="datetime1">
               <a:rPr lang="en-US" smtClean="0"/>
               <a:pPr/>
-              <a:t>5/9/2019</a:t>
+              <a:t>5/14/2019</a:t>
             </a:fld>
             <a:endParaRPr lang="en-US"/>
           </a:p>
@@ -1315,7 +1324,7 @@
             <a:fld id="{F8078618-4CAE-48E8-A205-9D92A68D094A}" type="datetime1">
               <a:rPr lang="en-US" smtClean="0"/>
               <a:pPr/>
-              <a:t>5/9/2019</a:t>
+              <a:t>5/14/2019</a:t>
             </a:fld>
             <a:endParaRPr lang="en-US"/>
           </a:p>
@@ -1597,7 +1606,7 @@
             <a:fld id="{6B00E453-848C-4CB7-9F7F-96588418CD05}" type="datetime1">
               <a:rPr lang="en-US" smtClean="0"/>
               <a:pPr/>
-              <a:t>5/9/2019</a:t>
+              <a:t>5/14/2019</a:t>
             </a:fld>
             <a:endParaRPr lang="en-US"/>
           </a:p>
@@ -2017,7 +2026,7 @@
             <a:fld id="{6205F48F-7385-4145-8996-92AF39DE194F}" type="datetime1">
               <a:rPr lang="en-US" smtClean="0"/>
               <a:pPr/>
-              <a:t>5/9/2019</a:t>
+              <a:t>5/14/2019</a:t>
             </a:fld>
             <a:endParaRPr lang="en-US"/>
           </a:p>
@@ -2125,7 +2134,7 @@
             <a:fld id="{117843E3-9C32-491F-AC75-91C8E4F20BD2}" type="datetime1">
               <a:rPr lang="en-US" smtClean="0"/>
               <a:pPr/>
-              <a:t>5/9/2019</a:t>
+              <a:t>5/14/2019</a:t>
             </a:fld>
             <a:endParaRPr lang="en-US"/>
           </a:p>
@@ -2581,7 +2590,7 @@
             <a:fld id="{967291D2-A40C-4E5C-A267-C4BBED92FF0C}" type="datetime1">
               <a:rPr lang="en-US" smtClean="0"/>
               <a:pPr/>
-              <a:t>5/9/2019</a:t>
+              <a:t>5/14/2019</a:t>
             </a:fld>
             <a:endParaRPr lang="en-US" dirty="0"/>
           </a:p>
@@ -3350,7 +3359,7 @@
             <a:fld id="{DD590542-A0EB-48D5-9722-C0A8052BF4A2}" type="datetime1">
               <a:rPr lang="en-US" smtClean="0"/>
               <a:pPr/>
-              <a:t>5/9/2019</a:t>
+              <a:t>5/14/2019</a:t>
             </a:fld>
             <a:endParaRPr lang="en-US" dirty="0"/>
           </a:p>
@@ -3600,7 +3609,7 @@
             <a:fld id="{F8078618-4CAE-48E8-A205-9D92A68D094A}" type="datetime1">
               <a:rPr lang="en-US" smtClean="0"/>
               <a:pPr/>
-              <a:t>5/9/2019</a:t>
+              <a:t>5/14/2019</a:t>
             </a:fld>
             <a:endParaRPr lang="en-US"/>
           </a:p>
@@ -3823,7 +3832,7 @@
             <a:fld id="{F8078618-4CAE-48E8-A205-9D92A68D094A}" type="datetime1">
               <a:rPr lang="en-US" smtClean="0"/>
               <a:pPr/>
-              <a:t>5/9/2019</a:t>
+              <a:t>5/14/2019</a:t>
             </a:fld>
             <a:endParaRPr lang="en-US"/>
           </a:p>
@@ -4050,7 +4059,7 @@
             <a:fld id="{F8078618-4CAE-48E8-A205-9D92A68D094A}" type="datetime1">
               <a:rPr lang="en-US" smtClean="0"/>
               <a:pPr/>
-              <a:t>5/9/2019</a:t>
+              <a:t>5/14/2019</a:t>
             </a:fld>
             <a:endParaRPr lang="en-US"/>
           </a:p>
@@ -4248,7 +4257,7 @@
             <a:fld id="{F8078618-4CAE-48E8-A205-9D92A68D094A}" type="datetime1">
               <a:rPr lang="en-US" smtClean="0"/>
               <a:pPr/>
-              <a:t>5/9/2019</a:t>
+              <a:t>5/14/2019</a:t>
             </a:fld>
             <a:endParaRPr lang="en-US"/>
           </a:p>
@@ -4361,7 +4370,7 @@
             <a:fld id="{F8078618-4CAE-48E8-A205-9D92A68D094A}" type="datetime1">
               <a:rPr lang="en-US" smtClean="0"/>
               <a:pPr/>
-              <a:t>5/9/2019</a:t>
+              <a:t>5/14/2019</a:t>
             </a:fld>
             <a:endParaRPr lang="en-US"/>
           </a:p>
@@ -4556,7 +4565,7 @@
             <a:fld id="{F8078618-4CAE-48E8-A205-9D92A68D094A}" type="datetime1">
               <a:rPr lang="en-US" smtClean="0"/>
               <a:pPr/>
-              <a:t>5/9/2019</a:t>
+              <a:t>5/14/2019</a:t>
             </a:fld>
             <a:endParaRPr lang="en-US"/>
           </a:p>
@@ -4707,7 +4716,7 @@
             <a:fld id="{F8078618-4CAE-48E8-A205-9D92A68D094A}" type="datetime1">
               <a:rPr lang="en-US" smtClean="0"/>
               <a:pPr/>
-              <a:t>5/9/2019</a:t>
+              <a:t>5/14/2019</a:t>
             </a:fld>
             <a:endParaRPr lang="en-US"/>
           </a:p>
@@ -4832,7 +4841,7 @@
             <a:fld id="{F8078618-4CAE-48E8-A205-9D92A68D094A}" type="datetime1">
               <a:rPr lang="en-US" smtClean="0"/>
               <a:pPr/>
-              <a:t>5/9/2019</a:t>
+              <a:t>5/14/2019</a:t>
             </a:fld>
             <a:endParaRPr lang="en-US"/>
           </a:p>
@@ -4970,93 +4979,6 @@
       </p:grpSpPr>
       <p:sp>
         <p:nvSpPr>
-          <p:cNvPr id="3" name="Segnaposto contenuto 2"/>
-          <p:cNvSpPr>
-            <a:spLocks noGrp="1"/>
-          </p:cNvSpPr>
-          <p:nvPr>
-            <p:ph idx="1"/>
-          </p:nvPr>
-        </p:nvSpPr>
-        <p:spPr>
-          <a:xfrm>
-            <a:off x="457200" y="1676400"/>
-            <a:ext cx="8229600" cy="3429000"/>
-          </a:xfrm>
-        </p:spPr>
-        <p:txBody>
-          <a:bodyPr/>
-          <a:lstStyle/>
-          <a:p>
-            <a:pPr algn="ctr">
-              <a:buNone/>
-            </a:pPr>
-            <a:endParaRPr lang="en-US" dirty="0" smtClean="0"/>
-          </a:p>
-          <a:p>
-            <a:r>
-              <a:rPr lang="en-US" dirty="0" smtClean="0"/>
-              <a:t>Some business information can be qualified as Secrets</a:t>
-            </a:r>
-          </a:p>
-          <a:p>
-            <a:r>
-              <a:rPr lang="en-US" dirty="0" smtClean="0"/>
-              <a:t>Secrets are generally some form of cryptographic key</a:t>
-            </a:r>
-            <a:endParaRPr lang="en-US" dirty="0" smtClean="0"/>
-          </a:p>
-          <a:p>
-            <a:r>
-              <a:rPr lang="en-US" dirty="0" smtClean="0"/>
-              <a:t>Secrets must be stored and accessed securely</a:t>
-            </a:r>
-          </a:p>
-          <a:p>
-            <a:r>
-              <a:rPr lang="en-US" dirty="0" smtClean="0"/>
-              <a:t>Secrets must not be accidentally or intentionally leaked</a:t>
-            </a:r>
-          </a:p>
-          <a:p>
-            <a:r>
-              <a:rPr lang="en-US" dirty="0" smtClean="0"/>
-              <a:t>Secrets</a:t>
-            </a:r>
-            <a:r>
-              <a:rPr lang="en-US" dirty="0" smtClean="0"/>
-              <a:t> should be versioned and rotated</a:t>
-            </a:r>
-          </a:p>
-          <a:p>
-            <a:r>
-              <a:rPr lang="en-US" dirty="0" smtClean="0"/>
-              <a:t>Secrets should not be accidentally lost or deleted</a:t>
-            </a:r>
-          </a:p>
-          <a:p>
-            <a:r>
-              <a:rPr lang="en-US" dirty="0" smtClean="0"/>
-              <a:t>Azure Key Vault provides a solution to all these requirements</a:t>
-            </a:r>
-            <a:endParaRPr lang="en-US" dirty="0" smtClean="0"/>
-          </a:p>
-          <a:p>
-            <a:endParaRPr lang="en-US" dirty="0" smtClean="0"/>
-          </a:p>
-          <a:p>
-            <a:endParaRPr lang="en-US" dirty="0" smtClean="0"/>
-          </a:p>
-          <a:p>
-            <a:endParaRPr lang="en-US" dirty="0" smtClean="0"/>
-          </a:p>
-          <a:p>
-            <a:endParaRPr lang="en-US" dirty="0"/>
-          </a:p>
-        </p:txBody>
-      </p:sp>
-      <p:sp>
-        <p:nvSpPr>
           <p:cNvPr id="4" name="Segnaposto data 3"/>
           <p:cNvSpPr>
             <a:spLocks noGrp="1"/>
@@ -5073,7 +4995,7 @@
             <a:fld id="{F8078618-4CAE-48E8-A205-9D92A68D094A}" type="datetime1">
               <a:rPr lang="en-US" smtClean="0"/>
               <a:pPr/>
-              <a:t>5/9/2019</a:t>
+              <a:t>5/14/2019</a:t>
             </a:fld>
             <a:endParaRPr lang="en-US"/>
           </a:p>
@@ -5105,7 +5027,7 @@
       </p:sp>
       <p:sp>
         <p:nvSpPr>
-          <p:cNvPr id="8" name="Sottotitolo 7"/>
+          <p:cNvPr id="7" name="Sottotitolo 6"/>
           <p:cNvSpPr>
             <a:spLocks noGrp="1"/>
           </p:cNvSpPr>
@@ -5115,7 +5037,7 @@
         </p:nvSpPr>
         <p:spPr>
           <a:xfrm>
-            <a:off x="1295400" y="1066800"/>
+            <a:off x="1371599" y="1066800"/>
             <a:ext cx="6400800" cy="457200"/>
           </a:xfrm>
         </p:spPr>
@@ -5124,14 +5046,10 @@
           <a:lstStyle/>
           <a:p>
             <a:r>
-              <a:rPr lang="en-US" b="1" dirty="0" smtClean="0">
-                <a:solidFill>
-                  <a:schemeClr val="tx1"/>
-                </a:solidFill>
-              </a:rPr>
-              <a:t>Summary on Secrets</a:t>
-            </a:r>
-            <a:endParaRPr lang="en-US" dirty="0">
+              <a:rPr lang="en-US" b="1" dirty="0" smtClean="0"/>
+              <a:t>The Key Vault Approach</a:t>
+            </a:r>
+            <a:endParaRPr lang="en-US" b="1" dirty="0">
               <a:solidFill>
                 <a:schemeClr val="tx1"/>
               </a:solidFill>
@@ -5139,7 +5057,41 @@
           </a:p>
         </p:txBody>
       </p:sp>
+      <p:pic>
+        <p:nvPicPr>
+          <p:cNvPr id="3" name="Content Placeholder 2"/>
+          <p:cNvPicPr>
+            <a:picLocks noGrp="1" noChangeAspect="1"/>
+          </p:cNvPicPr>
+          <p:nvPr>
+            <p:ph idx="1"/>
+          </p:nvPr>
+        </p:nvPicPr>
+        <p:blipFill>
+          <a:blip r:embed="rId2">
+            <a:extLst>
+              <a:ext uri="{28A0092B-C50C-407E-A947-70E740481C1C}">
+                <a14:useLocalDpi xmlns:a14="http://schemas.microsoft.com/office/drawing/2010/main" val="0"/>
+              </a:ext>
+            </a:extLst>
+          </a:blip>
+          <a:stretch>
+            <a:fillRect/>
+          </a:stretch>
+        </p:blipFill>
+        <p:spPr>
+          <a:xfrm>
+            <a:off x="1569460" y="2369698"/>
+            <a:ext cx="6005080" cy="2804403"/>
+          </a:xfrm>
+        </p:spPr>
+      </p:pic>
     </p:spTree>
+    <p:extLst>
+      <p:ext uri="{BB962C8B-B14F-4D97-AF65-F5344CB8AC3E}">
+        <p14:creationId xmlns:p14="http://schemas.microsoft.com/office/powerpoint/2010/main" val="2617281450"/>
+      </p:ext>
+    </p:extLst>
   </p:cSld>
   <p:clrMapOvr>
     <a:masterClrMapping/>
@@ -5173,6 +5125,90 @@
       </p:grpSpPr>
       <p:sp>
         <p:nvSpPr>
+          <p:cNvPr id="3" name="Segnaposto contenuto 2"/>
+          <p:cNvSpPr>
+            <a:spLocks noGrp="1"/>
+          </p:cNvSpPr>
+          <p:nvPr>
+            <p:ph idx="1"/>
+          </p:nvPr>
+        </p:nvSpPr>
+        <p:spPr>
+          <a:xfrm>
+            <a:off x="457200" y="1676400"/>
+            <a:ext cx="8229600" cy="3429000"/>
+          </a:xfrm>
+        </p:spPr>
+        <p:txBody>
+          <a:bodyPr>
+            <a:normAutofit lnSpcReduction="10000"/>
+          </a:bodyPr>
+          <a:lstStyle/>
+          <a:p>
+            <a:pPr algn="ctr">
+              <a:buNone/>
+            </a:pPr>
+            <a:endParaRPr lang="en-US" dirty="0" smtClean="0"/>
+          </a:p>
+          <a:p>
+            <a:r>
+              <a:rPr lang="en-US" dirty="0" smtClean="0"/>
+              <a:t>Based on registering apps with Azure AD </a:t>
+            </a:r>
+          </a:p>
+          <a:p>
+            <a:r>
+              <a:rPr lang="en-US" dirty="0" smtClean="0"/>
+              <a:t>Exchange of client ID and shared secret or certificate based</a:t>
+            </a:r>
+          </a:p>
+          <a:p>
+            <a:r>
+              <a:rPr lang="en-US" dirty="0" smtClean="0"/>
+              <a:t>The secrets still fly over the public/private infrastructure and might need TSL if it is not private only and secure connection.</a:t>
+            </a:r>
+          </a:p>
+          <a:p>
+            <a:r>
+              <a:rPr lang="en-US" dirty="0" smtClean="0"/>
+              <a:t>It is useful for scenarios of interconnected systems on private networks which may be not all part of Azure infrastructure (hybrid)</a:t>
+            </a:r>
+          </a:p>
+          <a:p>
+            <a:r>
+              <a:rPr lang="en-US" dirty="0" smtClean="0"/>
+              <a:t>It is necessary in all cases in which a secret is required to connect two pieces of software but any of the two cannot use Azure AD as authentication service i.e. </a:t>
+            </a:r>
+            <a:r>
+              <a:rPr lang="en-US" dirty="0" smtClean="0">
+                <a:hlinkClick r:id="rId2"/>
+              </a:rPr>
+              <a:t>Azure Cache for </a:t>
+            </a:r>
+            <a:r>
+              <a:rPr lang="en-US" dirty="0" err="1" smtClean="0">
+                <a:hlinkClick r:id="rId2"/>
+              </a:rPr>
+              <a:t>Redis</a:t>
+            </a:r>
+            <a:endParaRPr lang="en-US" dirty="0" smtClean="0"/>
+          </a:p>
+          <a:p>
+            <a:endParaRPr lang="en-US" dirty="0" smtClean="0"/>
+          </a:p>
+          <a:p>
+            <a:endParaRPr lang="en-US" dirty="0" smtClean="0"/>
+          </a:p>
+          <a:p>
+            <a:endParaRPr lang="en-US" dirty="0" smtClean="0"/>
+          </a:p>
+          <a:p>
+            <a:endParaRPr lang="en-US" dirty="0"/>
+          </a:p>
+        </p:txBody>
+      </p:sp>
+      <p:sp>
+        <p:nvSpPr>
           <p:cNvPr id="4" name="Segnaposto data 3"/>
           <p:cNvSpPr>
             <a:spLocks noGrp="1"/>
@@ -5189,7 +5225,7 @@
             <a:fld id="{F8078618-4CAE-48E8-A205-9D92A68D094A}" type="datetime1">
               <a:rPr lang="en-US" smtClean="0"/>
               <a:pPr/>
-              <a:t>5/9/2019</a:t>
+              <a:t>5/14/2019</a:t>
             </a:fld>
             <a:endParaRPr lang="en-US"/>
           </a:p>
@@ -5214,6 +5250,938 @@
               <a:rPr lang="en-US" smtClean="0"/>
               <a:pPr/>
               <a:t>19</a:t>
+            </a:fld>
+            <a:endParaRPr lang="en-US"/>
+          </a:p>
+        </p:txBody>
+      </p:sp>
+      <p:sp>
+        <p:nvSpPr>
+          <p:cNvPr id="8" name="Sottotitolo 7"/>
+          <p:cNvSpPr>
+            <a:spLocks noGrp="1"/>
+          </p:cNvSpPr>
+          <p:nvPr>
+            <p:ph type="subTitle" idx="14"/>
+          </p:nvPr>
+        </p:nvSpPr>
+        <p:spPr>
+          <a:xfrm>
+            <a:off x="1295400" y="1066800"/>
+            <a:ext cx="6400800" cy="457200"/>
+          </a:xfrm>
+        </p:spPr>
+        <p:txBody>
+          <a:bodyPr/>
+          <a:lstStyle/>
+          <a:p>
+            <a:r>
+              <a:rPr lang="en-US" b="1" dirty="0" smtClean="0"/>
+              <a:t>The Azure Key Vault Approach</a:t>
+            </a:r>
+            <a:endParaRPr lang="en-US" dirty="0">
+              <a:solidFill>
+                <a:schemeClr val="tx1"/>
+              </a:solidFill>
+            </a:endParaRPr>
+          </a:p>
+        </p:txBody>
+      </p:sp>
+    </p:spTree>
+  </p:cSld>
+  <p:clrMapOvr>
+    <a:masterClrMapping/>
+  </p:clrMapOvr>
+  <p:timing>
+    <p:tnLst>
+      <p:par>
+        <p:cTn id="1" dur="indefinite" restart="never" nodeType="tmRoot"/>
+      </p:par>
+    </p:tnLst>
+  </p:timing>
+</p:sld>
+</file>
+
+<file path=ppt/slides/slide2.xml><?xml version="1.0" encoding="utf-8"?>
+<p:sld xmlns:a="http://schemas.openxmlformats.org/drawingml/2006/main" xmlns:r="http://schemas.openxmlformats.org/officeDocument/2006/relationships" xmlns:p="http://schemas.openxmlformats.org/presentationml/2006/main">
+  <p:cSld>
+    <p:spTree>
+      <p:nvGrpSpPr>
+        <p:cNvPr id="1" name=""/>
+        <p:cNvGrpSpPr/>
+        <p:nvPr/>
+      </p:nvGrpSpPr>
+      <p:grpSpPr>
+        <a:xfrm>
+          <a:off x="0" y="0"/>
+          <a:ext cx="0" cy="0"/>
+          <a:chOff x="0" y="0"/>
+          <a:chExt cx="0" cy="0"/>
+        </a:xfrm>
+      </p:grpSpPr>
+      <p:sp>
+        <p:nvSpPr>
+          <p:cNvPr id="3" name="Segnaposto contenuto 2"/>
+          <p:cNvSpPr>
+            <a:spLocks noGrp="1"/>
+          </p:cNvSpPr>
+          <p:nvPr>
+            <p:ph idx="1"/>
+          </p:nvPr>
+        </p:nvSpPr>
+        <p:spPr/>
+        <p:txBody>
+          <a:bodyPr/>
+          <a:lstStyle/>
+          <a:p>
+            <a:r>
+              <a:rPr lang="en-US" dirty="0" smtClean="0"/>
+              <a:t>Secure storage and delivery of secrets and operational data</a:t>
+            </a:r>
+          </a:p>
+          <a:p>
+            <a:r>
+              <a:rPr lang="en-US" dirty="0" smtClean="0"/>
+              <a:t>Encryption of data</a:t>
+            </a:r>
+          </a:p>
+          <a:p>
+            <a:r>
+              <a:rPr lang="en-US" dirty="0" smtClean="0"/>
+              <a:t>Authorization</a:t>
+            </a:r>
+          </a:p>
+          <a:p>
+            <a:r>
+              <a:rPr lang="en-US" dirty="0" smtClean="0"/>
+              <a:t>Bad Practices</a:t>
+            </a:r>
+          </a:p>
+          <a:p>
+            <a:r>
+              <a:rPr lang="en-US" dirty="0" smtClean="0"/>
+              <a:t>OWASP</a:t>
+            </a:r>
+            <a:endParaRPr lang="en-US" dirty="0"/>
+          </a:p>
+        </p:txBody>
+      </p:sp>
+      <p:sp>
+        <p:nvSpPr>
+          <p:cNvPr id="4" name="Segnaposto data 3"/>
+          <p:cNvSpPr>
+            <a:spLocks noGrp="1"/>
+          </p:cNvSpPr>
+          <p:nvPr>
+            <p:ph type="dt" sz="half" idx="10"/>
+          </p:nvPr>
+        </p:nvSpPr>
+        <p:spPr/>
+        <p:txBody>
+          <a:bodyPr/>
+          <a:lstStyle/>
+          <a:p>
+            <a:fld id="{F8078618-4CAE-48E8-A205-9D92A68D094A}" type="datetime1">
+              <a:rPr lang="en-US" smtClean="0"/>
+              <a:pPr/>
+              <a:t>5/14/2019</a:t>
+            </a:fld>
+            <a:endParaRPr lang="en-US"/>
+          </a:p>
+        </p:txBody>
+      </p:sp>
+      <p:sp>
+        <p:nvSpPr>
+          <p:cNvPr id="5" name="Segnaposto numero diapositiva 4"/>
+          <p:cNvSpPr>
+            <a:spLocks noGrp="1"/>
+          </p:cNvSpPr>
+          <p:nvPr>
+            <p:ph type="sldNum" sz="quarter" idx="12"/>
+          </p:nvPr>
+        </p:nvSpPr>
+        <p:spPr/>
+        <p:txBody>
+          <a:bodyPr/>
+          <a:lstStyle/>
+          <a:p>
+            <a:fld id="{02623B3A-910D-43F4-BBA9-9429D5B0014D}" type="slidenum">
+              <a:rPr lang="en-US" smtClean="0"/>
+              <a:pPr/>
+              <a:t>2</a:t>
+            </a:fld>
+            <a:endParaRPr lang="en-US"/>
+          </a:p>
+        </p:txBody>
+      </p:sp>
+      <p:sp>
+        <p:nvSpPr>
+          <p:cNvPr id="7" name="Sottotitolo 6"/>
+          <p:cNvSpPr>
+            <a:spLocks noGrp="1"/>
+          </p:cNvSpPr>
+          <p:nvPr>
+            <p:ph type="subTitle" idx="14"/>
+          </p:nvPr>
+        </p:nvSpPr>
+        <p:spPr/>
+        <p:txBody>
+          <a:bodyPr/>
+          <a:lstStyle/>
+          <a:p>
+            <a:r>
+              <a:rPr lang="en-US" b="1" dirty="0" smtClean="0">
+                <a:solidFill>
+                  <a:schemeClr val="tx1"/>
+                </a:solidFill>
+              </a:rPr>
+              <a:t>Overview</a:t>
+            </a:r>
+            <a:endParaRPr lang="en-US" b="1" dirty="0">
+              <a:solidFill>
+                <a:schemeClr val="tx1"/>
+              </a:solidFill>
+            </a:endParaRPr>
+          </a:p>
+        </p:txBody>
+      </p:sp>
+    </p:spTree>
+  </p:cSld>
+  <p:clrMapOvr>
+    <a:masterClrMapping/>
+  </p:clrMapOvr>
+  <p:timing>
+    <p:tnLst>
+      <p:par>
+        <p:cTn id="1" dur="indefinite" restart="never" nodeType="tmRoot"/>
+      </p:par>
+    </p:tnLst>
+  </p:timing>
+</p:sld>
+</file>
+
+<file path=ppt/slides/slide20.xml><?xml version="1.0" encoding="utf-8"?>
+<p:sld xmlns:a="http://schemas.openxmlformats.org/drawingml/2006/main" xmlns:r="http://schemas.openxmlformats.org/officeDocument/2006/relationships" xmlns:p="http://schemas.openxmlformats.org/presentationml/2006/main">
+  <p:cSld>
+    <p:spTree>
+      <p:nvGrpSpPr>
+        <p:cNvPr id="1" name=""/>
+        <p:cNvGrpSpPr/>
+        <p:nvPr/>
+      </p:nvGrpSpPr>
+      <p:grpSpPr>
+        <a:xfrm>
+          <a:off x="0" y="0"/>
+          <a:ext cx="0" cy="0"/>
+          <a:chOff x="0" y="0"/>
+          <a:chExt cx="0" cy="0"/>
+        </a:xfrm>
+      </p:grpSpPr>
+      <p:sp>
+        <p:nvSpPr>
+          <p:cNvPr id="4" name="Segnaposto data 3"/>
+          <p:cNvSpPr>
+            <a:spLocks noGrp="1"/>
+          </p:cNvSpPr>
+          <p:nvPr>
+            <p:ph type="dt" sz="half" idx="10"/>
+          </p:nvPr>
+        </p:nvSpPr>
+        <p:spPr/>
+        <p:txBody>
+          <a:bodyPr/>
+          <a:lstStyle/>
+          <a:p>
+            <a:fld id="{F8078618-4CAE-48E8-A205-9D92A68D094A}" type="datetime1">
+              <a:rPr lang="en-US" smtClean="0"/>
+              <a:pPr/>
+              <a:t>5/14/2019</a:t>
+            </a:fld>
+            <a:endParaRPr lang="en-US"/>
+          </a:p>
+        </p:txBody>
+      </p:sp>
+      <p:sp>
+        <p:nvSpPr>
+          <p:cNvPr id="5" name="Segnaposto numero diapositiva 4"/>
+          <p:cNvSpPr>
+            <a:spLocks noGrp="1"/>
+          </p:cNvSpPr>
+          <p:nvPr>
+            <p:ph type="sldNum" sz="quarter" idx="12"/>
+          </p:nvPr>
+        </p:nvSpPr>
+        <p:spPr/>
+        <p:txBody>
+          <a:bodyPr/>
+          <a:lstStyle/>
+          <a:p>
+            <a:fld id="{02623B3A-910D-43F4-BBA9-9429D5B0014D}" type="slidenum">
+              <a:rPr lang="en-US" smtClean="0"/>
+              <a:pPr/>
+              <a:t>20</a:t>
+            </a:fld>
+            <a:endParaRPr lang="en-US"/>
+          </a:p>
+        </p:txBody>
+      </p:sp>
+      <p:sp>
+        <p:nvSpPr>
+          <p:cNvPr id="7" name="Sottotitolo 6"/>
+          <p:cNvSpPr>
+            <a:spLocks noGrp="1"/>
+          </p:cNvSpPr>
+          <p:nvPr>
+            <p:ph type="subTitle" idx="14"/>
+          </p:nvPr>
+        </p:nvSpPr>
+        <p:spPr>
+          <a:xfrm>
+            <a:off x="1371599" y="1066800"/>
+            <a:ext cx="6400800" cy="457200"/>
+          </a:xfrm>
+        </p:spPr>
+        <p:txBody>
+          <a:bodyPr/>
+          <a:lstStyle/>
+          <a:p>
+            <a:r>
+              <a:rPr lang="en-US" b="1" dirty="0" smtClean="0"/>
+              <a:t>The Managed Service Identity Approach</a:t>
+            </a:r>
+            <a:endParaRPr lang="en-US" b="1" dirty="0">
+              <a:solidFill>
+                <a:schemeClr val="tx1"/>
+              </a:solidFill>
+            </a:endParaRPr>
+          </a:p>
+        </p:txBody>
+      </p:sp>
+      <p:pic>
+        <p:nvPicPr>
+          <p:cNvPr id="9" name="Content Placeholder 8"/>
+          <p:cNvPicPr>
+            <a:picLocks noGrp="1" noChangeAspect="1"/>
+          </p:cNvPicPr>
+          <p:nvPr>
+            <p:ph idx="1"/>
+          </p:nvPr>
+        </p:nvPicPr>
+        <p:blipFill>
+          <a:blip r:embed="rId2">
+            <a:extLst>
+              <a:ext uri="{28A0092B-C50C-407E-A947-70E740481C1C}">
+                <a14:useLocalDpi xmlns:a14="http://schemas.microsoft.com/office/drawing/2010/main" val="0"/>
+              </a:ext>
+            </a:extLst>
+          </a:blip>
+          <a:stretch>
+            <a:fillRect/>
+          </a:stretch>
+        </p:blipFill>
+        <p:spPr>
+          <a:xfrm>
+            <a:off x="168392" y="1981200"/>
+            <a:ext cx="8807213" cy="4087326"/>
+          </a:xfrm>
+        </p:spPr>
+      </p:pic>
+    </p:spTree>
+    <p:extLst>
+      <p:ext uri="{BB962C8B-B14F-4D97-AF65-F5344CB8AC3E}">
+        <p14:creationId xmlns:p14="http://schemas.microsoft.com/office/powerpoint/2010/main" val="804145558"/>
+      </p:ext>
+    </p:extLst>
+  </p:cSld>
+  <p:clrMapOvr>
+    <a:masterClrMapping/>
+  </p:clrMapOvr>
+  <p:timing>
+    <p:tnLst>
+      <p:par>
+        <p:cTn id="1" dur="indefinite" restart="never" nodeType="tmRoot"/>
+      </p:par>
+    </p:tnLst>
+  </p:timing>
+</p:sld>
+</file>
+
+<file path=ppt/slides/slide21.xml><?xml version="1.0" encoding="utf-8"?>
+<p:sld xmlns:a="http://schemas.openxmlformats.org/drawingml/2006/main" xmlns:r="http://schemas.openxmlformats.org/officeDocument/2006/relationships" xmlns:p="http://schemas.openxmlformats.org/presentationml/2006/main">
+  <p:cSld>
+    <p:spTree>
+      <p:nvGrpSpPr>
+        <p:cNvPr id="1" name=""/>
+        <p:cNvGrpSpPr/>
+        <p:nvPr/>
+      </p:nvGrpSpPr>
+      <p:grpSpPr>
+        <a:xfrm>
+          <a:off x="0" y="0"/>
+          <a:ext cx="0" cy="0"/>
+          <a:chOff x="0" y="0"/>
+          <a:chExt cx="0" cy="0"/>
+        </a:xfrm>
+      </p:grpSpPr>
+      <p:sp>
+        <p:nvSpPr>
+          <p:cNvPr id="3" name="Segnaposto contenuto 2"/>
+          <p:cNvSpPr>
+            <a:spLocks noGrp="1"/>
+          </p:cNvSpPr>
+          <p:nvPr>
+            <p:ph idx="1"/>
+          </p:nvPr>
+        </p:nvSpPr>
+        <p:spPr>
+          <a:xfrm>
+            <a:off x="457200" y="1676400"/>
+            <a:ext cx="8229600" cy="3429000"/>
+          </a:xfrm>
+        </p:spPr>
+        <p:txBody>
+          <a:bodyPr/>
+          <a:lstStyle/>
+          <a:p>
+            <a:pPr algn="ctr">
+              <a:buNone/>
+            </a:pPr>
+            <a:endParaRPr lang="en-US" dirty="0" smtClean="0"/>
+          </a:p>
+          <a:p>
+            <a:r>
+              <a:rPr lang="en-US" dirty="0" smtClean="0"/>
+              <a:t>Based on registering apps and Services with Azure AD </a:t>
+            </a:r>
+          </a:p>
+          <a:p>
+            <a:r>
+              <a:rPr lang="en-US" dirty="0" smtClean="0"/>
+              <a:t>No need for client ID, shared secret, certificates or configuration files</a:t>
+            </a:r>
+          </a:p>
+          <a:p>
+            <a:r>
+              <a:rPr lang="en-US" dirty="0" smtClean="0"/>
+              <a:t>Authentication and Authorization happen within Azure infrastructure</a:t>
+            </a:r>
+          </a:p>
+          <a:p>
+            <a:r>
+              <a:rPr lang="en-US" dirty="0" smtClean="0"/>
+              <a:t>Lower complexity compared with the Azure Key Vault approach</a:t>
+            </a:r>
+          </a:p>
+          <a:p>
+            <a:r>
+              <a:rPr lang="en-US" dirty="0" smtClean="0">
+                <a:hlinkClick r:id="rId2"/>
+              </a:rPr>
+              <a:t>Ever expanding number of Azure services support this model</a:t>
+            </a:r>
+            <a:endParaRPr lang="en-US" dirty="0" smtClean="0"/>
+          </a:p>
+          <a:p>
+            <a:endParaRPr lang="en-US" dirty="0" smtClean="0"/>
+          </a:p>
+          <a:p>
+            <a:endParaRPr lang="en-US" dirty="0" smtClean="0"/>
+          </a:p>
+          <a:p>
+            <a:endParaRPr lang="en-US" dirty="0" smtClean="0"/>
+          </a:p>
+          <a:p>
+            <a:endParaRPr lang="en-US" dirty="0"/>
+          </a:p>
+        </p:txBody>
+      </p:sp>
+      <p:sp>
+        <p:nvSpPr>
+          <p:cNvPr id="4" name="Segnaposto data 3"/>
+          <p:cNvSpPr>
+            <a:spLocks noGrp="1"/>
+          </p:cNvSpPr>
+          <p:nvPr>
+            <p:ph type="dt" sz="half" idx="10"/>
+          </p:nvPr>
+        </p:nvSpPr>
+        <p:spPr/>
+        <p:txBody>
+          <a:bodyPr/>
+          <a:lstStyle/>
+          <a:p>
+            <a:fld id="{F8078618-4CAE-48E8-A205-9D92A68D094A}" type="datetime1">
+              <a:rPr lang="en-US" smtClean="0"/>
+              <a:pPr/>
+              <a:t>5/14/2019</a:t>
+            </a:fld>
+            <a:endParaRPr lang="en-US"/>
+          </a:p>
+        </p:txBody>
+      </p:sp>
+      <p:sp>
+        <p:nvSpPr>
+          <p:cNvPr id="5" name="Segnaposto numero diapositiva 4"/>
+          <p:cNvSpPr>
+            <a:spLocks noGrp="1"/>
+          </p:cNvSpPr>
+          <p:nvPr>
+            <p:ph type="sldNum" sz="quarter" idx="12"/>
+          </p:nvPr>
+        </p:nvSpPr>
+        <p:spPr/>
+        <p:txBody>
+          <a:bodyPr/>
+          <a:lstStyle/>
+          <a:p>
+            <a:fld id="{02623B3A-910D-43F4-BBA9-9429D5B0014D}" type="slidenum">
+              <a:rPr lang="en-US" smtClean="0"/>
+              <a:pPr/>
+              <a:t>21</a:t>
+            </a:fld>
+            <a:endParaRPr lang="en-US"/>
+          </a:p>
+        </p:txBody>
+      </p:sp>
+      <p:sp>
+        <p:nvSpPr>
+          <p:cNvPr id="8" name="Sottotitolo 7"/>
+          <p:cNvSpPr>
+            <a:spLocks noGrp="1"/>
+          </p:cNvSpPr>
+          <p:nvPr>
+            <p:ph type="subTitle" idx="14"/>
+          </p:nvPr>
+        </p:nvSpPr>
+        <p:spPr>
+          <a:xfrm>
+            <a:off x="1295400" y="1066800"/>
+            <a:ext cx="6400800" cy="457200"/>
+          </a:xfrm>
+        </p:spPr>
+        <p:txBody>
+          <a:bodyPr/>
+          <a:lstStyle/>
+          <a:p>
+            <a:r>
+              <a:rPr lang="en-US" b="1" dirty="0" smtClean="0"/>
+              <a:t>The Managed Service Identity Approach</a:t>
+            </a:r>
+            <a:endParaRPr lang="en-US" dirty="0">
+              <a:solidFill>
+                <a:schemeClr val="tx1"/>
+              </a:solidFill>
+            </a:endParaRPr>
+          </a:p>
+        </p:txBody>
+      </p:sp>
+    </p:spTree>
+    <p:extLst>
+      <p:ext uri="{BB962C8B-B14F-4D97-AF65-F5344CB8AC3E}">
+        <p14:creationId xmlns:p14="http://schemas.microsoft.com/office/powerpoint/2010/main" val="4117101332"/>
+      </p:ext>
+    </p:extLst>
+  </p:cSld>
+  <p:clrMapOvr>
+    <a:masterClrMapping/>
+  </p:clrMapOvr>
+  <p:timing>
+    <p:tnLst>
+      <p:par>
+        <p:cTn id="1" dur="indefinite" restart="never" nodeType="tmRoot"/>
+      </p:par>
+    </p:tnLst>
+  </p:timing>
+</p:sld>
+</file>
+
+<file path=ppt/slides/slide22.xml><?xml version="1.0" encoding="utf-8"?>
+<p:sld xmlns:a="http://schemas.openxmlformats.org/drawingml/2006/main" xmlns:r="http://schemas.openxmlformats.org/officeDocument/2006/relationships" xmlns:p="http://schemas.openxmlformats.org/presentationml/2006/main">
+  <p:cSld>
+    <p:spTree>
+      <p:nvGrpSpPr>
+        <p:cNvPr id="1" name=""/>
+        <p:cNvGrpSpPr/>
+        <p:nvPr/>
+      </p:nvGrpSpPr>
+      <p:grpSpPr>
+        <a:xfrm>
+          <a:off x="0" y="0"/>
+          <a:ext cx="0" cy="0"/>
+          <a:chOff x="0" y="0"/>
+          <a:chExt cx="0" cy="0"/>
+        </a:xfrm>
+      </p:grpSpPr>
+      <p:sp>
+        <p:nvSpPr>
+          <p:cNvPr id="3" name="Segnaposto contenuto 2"/>
+          <p:cNvSpPr>
+            <a:spLocks noGrp="1"/>
+          </p:cNvSpPr>
+          <p:nvPr>
+            <p:ph idx="1"/>
+          </p:nvPr>
+        </p:nvSpPr>
+        <p:spPr>
+          <a:xfrm>
+            <a:off x="457200" y="1676400"/>
+            <a:ext cx="8229600" cy="3429000"/>
+          </a:xfrm>
+        </p:spPr>
+        <p:txBody>
+          <a:bodyPr/>
+          <a:lstStyle/>
+          <a:p>
+            <a:pPr algn="ctr">
+              <a:buNone/>
+            </a:pPr>
+            <a:endParaRPr lang="en-US" dirty="0" smtClean="0"/>
+          </a:p>
+          <a:p>
+            <a:r>
+              <a:rPr lang="en-US" dirty="0" smtClean="0"/>
+              <a:t>Some business information can be qualified as Secrets</a:t>
+            </a:r>
+          </a:p>
+          <a:p>
+            <a:r>
+              <a:rPr lang="en-US" dirty="0" smtClean="0"/>
+              <a:t>Secrets are generally some form of cryptographic key</a:t>
+            </a:r>
+          </a:p>
+          <a:p>
+            <a:r>
+              <a:rPr lang="en-US" dirty="0" smtClean="0"/>
+              <a:t>Secrets must be stored and accessed securely</a:t>
+            </a:r>
+          </a:p>
+          <a:p>
+            <a:r>
+              <a:rPr lang="en-US" dirty="0" smtClean="0"/>
+              <a:t>Secrets must not be accidentally or intentionally leaked</a:t>
+            </a:r>
+          </a:p>
+          <a:p>
+            <a:r>
+              <a:rPr lang="en-US" dirty="0" smtClean="0"/>
+              <a:t>Secrets should be versioned and rotated</a:t>
+            </a:r>
+          </a:p>
+          <a:p>
+            <a:r>
+              <a:rPr lang="en-US" dirty="0" smtClean="0"/>
+              <a:t>Secrets should not be accidentally lost or deleted</a:t>
+            </a:r>
+          </a:p>
+          <a:p>
+            <a:r>
+              <a:rPr lang="en-US" dirty="0" smtClean="0"/>
+              <a:t>Azure Key Vault provides a solution to all these requirements</a:t>
+            </a:r>
+          </a:p>
+          <a:p>
+            <a:r>
+              <a:rPr lang="en-US" dirty="0" smtClean="0"/>
+              <a:t>Managed Service Identity (MSI)</a:t>
+            </a:r>
+          </a:p>
+          <a:p>
+            <a:endParaRPr lang="en-US" dirty="0" smtClean="0"/>
+          </a:p>
+          <a:p>
+            <a:endParaRPr lang="en-US" dirty="0" smtClean="0"/>
+          </a:p>
+          <a:p>
+            <a:endParaRPr lang="en-US" dirty="0" smtClean="0"/>
+          </a:p>
+          <a:p>
+            <a:endParaRPr lang="en-US" dirty="0"/>
+          </a:p>
+        </p:txBody>
+      </p:sp>
+      <p:sp>
+        <p:nvSpPr>
+          <p:cNvPr id="4" name="Segnaposto data 3"/>
+          <p:cNvSpPr>
+            <a:spLocks noGrp="1"/>
+          </p:cNvSpPr>
+          <p:nvPr>
+            <p:ph type="dt" sz="half" idx="10"/>
+          </p:nvPr>
+        </p:nvSpPr>
+        <p:spPr/>
+        <p:txBody>
+          <a:bodyPr/>
+          <a:lstStyle/>
+          <a:p>
+            <a:fld id="{F8078618-4CAE-48E8-A205-9D92A68D094A}" type="datetime1">
+              <a:rPr lang="en-US" smtClean="0"/>
+              <a:pPr/>
+              <a:t>5/14/2019</a:t>
+            </a:fld>
+            <a:endParaRPr lang="en-US"/>
+          </a:p>
+        </p:txBody>
+      </p:sp>
+      <p:sp>
+        <p:nvSpPr>
+          <p:cNvPr id="5" name="Segnaposto numero diapositiva 4"/>
+          <p:cNvSpPr>
+            <a:spLocks noGrp="1"/>
+          </p:cNvSpPr>
+          <p:nvPr>
+            <p:ph type="sldNum" sz="quarter" idx="12"/>
+          </p:nvPr>
+        </p:nvSpPr>
+        <p:spPr/>
+        <p:txBody>
+          <a:bodyPr/>
+          <a:lstStyle/>
+          <a:p>
+            <a:fld id="{02623B3A-910D-43F4-BBA9-9429D5B0014D}" type="slidenum">
+              <a:rPr lang="en-US" smtClean="0"/>
+              <a:pPr/>
+              <a:t>22</a:t>
+            </a:fld>
+            <a:endParaRPr lang="en-US"/>
+          </a:p>
+        </p:txBody>
+      </p:sp>
+      <p:sp>
+        <p:nvSpPr>
+          <p:cNvPr id="8" name="Sottotitolo 7"/>
+          <p:cNvSpPr>
+            <a:spLocks noGrp="1"/>
+          </p:cNvSpPr>
+          <p:nvPr>
+            <p:ph type="subTitle" idx="14"/>
+          </p:nvPr>
+        </p:nvSpPr>
+        <p:spPr>
+          <a:xfrm>
+            <a:off x="1295400" y="1066800"/>
+            <a:ext cx="6400800" cy="457200"/>
+          </a:xfrm>
+        </p:spPr>
+        <p:txBody>
+          <a:bodyPr/>
+          <a:lstStyle/>
+          <a:p>
+            <a:r>
+              <a:rPr lang="en-US" b="1" dirty="0" smtClean="0">
+                <a:solidFill>
+                  <a:schemeClr val="tx1"/>
+                </a:solidFill>
+              </a:rPr>
+              <a:t>Summary on Secrets</a:t>
+            </a:r>
+            <a:endParaRPr lang="en-US" dirty="0">
+              <a:solidFill>
+                <a:schemeClr val="tx1"/>
+              </a:solidFill>
+            </a:endParaRPr>
+          </a:p>
+        </p:txBody>
+      </p:sp>
+    </p:spTree>
+    <p:extLst>
+      <p:ext uri="{BB962C8B-B14F-4D97-AF65-F5344CB8AC3E}">
+        <p14:creationId xmlns:p14="http://schemas.microsoft.com/office/powerpoint/2010/main" val="1103391311"/>
+      </p:ext>
+    </p:extLst>
+  </p:cSld>
+  <p:clrMapOvr>
+    <a:masterClrMapping/>
+  </p:clrMapOvr>
+  <p:timing>
+    <p:tnLst>
+      <p:par>
+        <p:cTn id="1" dur="indefinite" restart="never" nodeType="tmRoot"/>
+      </p:par>
+    </p:tnLst>
+  </p:timing>
+</p:sld>
+</file>
+
+<file path=ppt/slides/slide23.xml><?xml version="1.0" encoding="utf-8"?>
+<p:sld xmlns:a="http://schemas.openxmlformats.org/drawingml/2006/main" xmlns:r="http://schemas.openxmlformats.org/officeDocument/2006/relationships" xmlns:p="http://schemas.openxmlformats.org/presentationml/2006/main">
+  <p:cSld>
+    <p:bg>
+      <p:bgRef idx="1001">
+        <a:schemeClr val="bg1"/>
+      </p:bgRef>
+    </p:bg>
+    <p:spTree>
+      <p:nvGrpSpPr>
+        <p:cNvPr id="1" name=""/>
+        <p:cNvGrpSpPr/>
+        <p:nvPr/>
+      </p:nvGrpSpPr>
+      <p:grpSpPr>
+        <a:xfrm>
+          <a:off x="0" y="0"/>
+          <a:ext cx="0" cy="0"/>
+          <a:chOff x="0" y="0"/>
+          <a:chExt cx="0" cy="0"/>
+        </a:xfrm>
+      </p:grpSpPr>
+      <p:sp>
+        <p:nvSpPr>
+          <p:cNvPr id="6" name="Date Placeholder 5"/>
+          <p:cNvSpPr>
+            <a:spLocks noGrp="1"/>
+          </p:cNvSpPr>
+          <p:nvPr>
+            <p:ph type="dt" sz="half" idx="10"/>
+          </p:nvPr>
+        </p:nvSpPr>
+        <p:spPr/>
+        <p:txBody>
+          <a:bodyPr/>
+          <a:lstStyle/>
+          <a:p>
+            <a:fld id="{DD590542-A0EB-48D5-9722-C0A8052BF4A2}" type="datetime1">
+              <a:rPr lang="en-US" smtClean="0"/>
+              <a:pPr/>
+              <a:t>5/14/2019</a:t>
+            </a:fld>
+            <a:endParaRPr lang="en-US" dirty="0"/>
+          </a:p>
+        </p:txBody>
+      </p:sp>
+      <p:sp>
+        <p:nvSpPr>
+          <p:cNvPr id="7" name="Slide Number Placeholder 6"/>
+          <p:cNvSpPr>
+            <a:spLocks noGrp="1"/>
+          </p:cNvSpPr>
+          <p:nvPr>
+            <p:ph type="sldNum" sz="quarter" idx="12"/>
+          </p:nvPr>
+        </p:nvSpPr>
+        <p:spPr/>
+        <p:txBody>
+          <a:bodyPr/>
+          <a:lstStyle/>
+          <a:p>
+            <a:fld id="{02623B3A-910D-43F4-BBA9-9429D5B0014D}" type="slidenum">
+              <a:rPr lang="en-US" smtClean="0"/>
+              <a:pPr/>
+              <a:t>23</a:t>
+            </a:fld>
+            <a:endParaRPr lang="en-US" dirty="0"/>
+          </a:p>
+        </p:txBody>
+      </p:sp>
+      <p:sp>
+        <p:nvSpPr>
+          <p:cNvPr id="2" name="Title 1"/>
+          <p:cNvSpPr>
+            <a:spLocks noGrp="1"/>
+          </p:cNvSpPr>
+          <p:nvPr>
+            <p:ph type="title"/>
+          </p:nvPr>
+        </p:nvSpPr>
+        <p:spPr>
+          <a:xfrm>
+            <a:off x="762000" y="2743200"/>
+            <a:ext cx="7772400" cy="990600"/>
+          </a:xfrm>
+        </p:spPr>
+        <p:txBody>
+          <a:bodyPr/>
+          <a:lstStyle/>
+          <a:p>
+            <a:pPr algn="ctr"/>
+            <a:r>
+              <a:rPr lang="en-US" dirty="0" smtClean="0"/>
+              <a:t>Encryption</a:t>
+            </a:r>
+            <a:endParaRPr lang="en-US" dirty="0"/>
+          </a:p>
+        </p:txBody>
+      </p:sp>
+    </p:spTree>
+    <p:extLst>
+      <p:ext uri="{BB962C8B-B14F-4D97-AF65-F5344CB8AC3E}">
+        <p14:creationId xmlns:p14="http://schemas.microsoft.com/office/powerpoint/2010/main" val="287296496"/>
+      </p:ext>
+    </p:extLst>
+  </p:cSld>
+  <p:clrMapOvr>
+    <a:overrideClrMapping bg1="lt1" tx1="dk1" bg2="lt2" tx2="dk2" accent1="accent1" accent2="accent2" accent3="accent3" accent4="accent4" accent5="accent5" accent6="accent6" hlink="hlink" folHlink="folHlink"/>
+  </p:clrMapOvr>
+  <p:timing>
+    <p:tnLst>
+      <p:par>
+        <p:cTn id="1" dur="indefinite" restart="never" nodeType="tmRoot"/>
+      </p:par>
+    </p:tnLst>
+  </p:timing>
+</p:sld>
+</file>
+
+<file path=ppt/slides/slide24.xml><?xml version="1.0" encoding="utf-8"?>
+<p:sld xmlns:a="http://schemas.openxmlformats.org/drawingml/2006/main" xmlns:r="http://schemas.openxmlformats.org/officeDocument/2006/relationships" xmlns:p="http://schemas.openxmlformats.org/presentationml/2006/main">
+  <p:cSld>
+    <p:spTree>
+      <p:nvGrpSpPr>
+        <p:cNvPr id="1" name=""/>
+        <p:cNvGrpSpPr/>
+        <p:nvPr/>
+      </p:nvGrpSpPr>
+      <p:grpSpPr>
+        <a:xfrm>
+          <a:off x="0" y="0"/>
+          <a:ext cx="0" cy="0"/>
+          <a:chOff x="0" y="0"/>
+          <a:chExt cx="0" cy="0"/>
+        </a:xfrm>
+      </p:grpSpPr>
+      <p:sp>
+        <p:nvSpPr>
+          <p:cNvPr id="4" name="Segnaposto data 3"/>
+          <p:cNvSpPr>
+            <a:spLocks noGrp="1"/>
+          </p:cNvSpPr>
+          <p:nvPr>
+            <p:ph type="dt" sz="half" idx="10"/>
+          </p:nvPr>
+        </p:nvSpPr>
+        <p:spPr/>
+        <p:txBody>
+          <a:bodyPr/>
+          <a:lstStyle/>
+          <a:p>
+            <a:fld id="{F8078618-4CAE-48E8-A205-9D92A68D094A}" type="datetime1">
+              <a:rPr lang="en-US" smtClean="0"/>
+              <a:pPr/>
+              <a:t>5/14/2019</a:t>
+            </a:fld>
+            <a:endParaRPr lang="en-US"/>
+          </a:p>
+        </p:txBody>
+      </p:sp>
+      <p:sp>
+        <p:nvSpPr>
+          <p:cNvPr id="5" name="Segnaposto numero diapositiva 4"/>
+          <p:cNvSpPr>
+            <a:spLocks noGrp="1"/>
+          </p:cNvSpPr>
+          <p:nvPr>
+            <p:ph type="sldNum" sz="quarter" idx="12"/>
+          </p:nvPr>
+        </p:nvSpPr>
+        <p:spPr/>
+        <p:txBody>
+          <a:bodyPr/>
+          <a:lstStyle/>
+          <a:p>
+            <a:fld id="{02623B3A-910D-43F4-BBA9-9429D5B0014D}" type="slidenum">
+              <a:rPr lang="en-US" smtClean="0"/>
+              <a:pPr/>
+              <a:t>24</a:t>
             </a:fld>
             <a:endParaRPr lang="en-US"/>
           </a:p>
@@ -5263,934 +6231,6 @@
 </p:sld>
 </file>
 
-<file path=ppt/slides/slide2.xml><?xml version="1.0" encoding="utf-8"?>
-<p:sld xmlns:a="http://schemas.openxmlformats.org/drawingml/2006/main" xmlns:r="http://schemas.openxmlformats.org/officeDocument/2006/relationships" xmlns:p="http://schemas.openxmlformats.org/presentationml/2006/main">
-  <p:cSld>
-    <p:spTree>
-      <p:nvGrpSpPr>
-        <p:cNvPr id="1" name=""/>
-        <p:cNvGrpSpPr/>
-        <p:nvPr/>
-      </p:nvGrpSpPr>
-      <p:grpSpPr>
-        <a:xfrm>
-          <a:off x="0" y="0"/>
-          <a:ext cx="0" cy="0"/>
-          <a:chOff x="0" y="0"/>
-          <a:chExt cx="0" cy="0"/>
-        </a:xfrm>
-      </p:grpSpPr>
-      <p:sp>
-        <p:nvSpPr>
-          <p:cNvPr id="3" name="Segnaposto contenuto 2"/>
-          <p:cNvSpPr>
-            <a:spLocks noGrp="1"/>
-          </p:cNvSpPr>
-          <p:nvPr>
-            <p:ph idx="1"/>
-          </p:nvPr>
-        </p:nvSpPr>
-        <p:spPr/>
-        <p:txBody>
-          <a:bodyPr/>
-          <a:lstStyle/>
-          <a:p>
-            <a:r>
-              <a:rPr lang="en-US" dirty="0" smtClean="0"/>
-              <a:t>Secure storage and delivery of secrets and operational data</a:t>
-            </a:r>
-          </a:p>
-          <a:p>
-            <a:r>
-              <a:rPr lang="en-US" dirty="0" smtClean="0"/>
-              <a:t>Encryption of data</a:t>
-            </a:r>
-          </a:p>
-          <a:p>
-            <a:r>
-              <a:rPr lang="en-US" dirty="0" smtClean="0"/>
-              <a:t>Authorization</a:t>
-            </a:r>
-          </a:p>
-          <a:p>
-            <a:r>
-              <a:rPr lang="en-US" dirty="0" smtClean="0"/>
-              <a:t>Bad Practices</a:t>
-            </a:r>
-          </a:p>
-          <a:p>
-            <a:r>
-              <a:rPr lang="en-US" dirty="0" smtClean="0"/>
-              <a:t>OWASP</a:t>
-            </a:r>
-            <a:endParaRPr lang="en-US" dirty="0"/>
-          </a:p>
-        </p:txBody>
-      </p:sp>
-      <p:sp>
-        <p:nvSpPr>
-          <p:cNvPr id="4" name="Segnaposto data 3"/>
-          <p:cNvSpPr>
-            <a:spLocks noGrp="1"/>
-          </p:cNvSpPr>
-          <p:nvPr>
-            <p:ph type="dt" sz="half" idx="10"/>
-          </p:nvPr>
-        </p:nvSpPr>
-        <p:spPr/>
-        <p:txBody>
-          <a:bodyPr/>
-          <a:lstStyle/>
-          <a:p>
-            <a:fld id="{F8078618-4CAE-48E8-A205-9D92A68D094A}" type="datetime1">
-              <a:rPr lang="en-US" smtClean="0"/>
-              <a:pPr/>
-              <a:t>5/9/2019</a:t>
-            </a:fld>
-            <a:endParaRPr lang="en-US"/>
-          </a:p>
-        </p:txBody>
-      </p:sp>
-      <p:sp>
-        <p:nvSpPr>
-          <p:cNvPr id="5" name="Segnaposto numero diapositiva 4"/>
-          <p:cNvSpPr>
-            <a:spLocks noGrp="1"/>
-          </p:cNvSpPr>
-          <p:nvPr>
-            <p:ph type="sldNum" sz="quarter" idx="12"/>
-          </p:nvPr>
-        </p:nvSpPr>
-        <p:spPr/>
-        <p:txBody>
-          <a:bodyPr/>
-          <a:lstStyle/>
-          <a:p>
-            <a:fld id="{02623B3A-910D-43F4-BBA9-9429D5B0014D}" type="slidenum">
-              <a:rPr lang="en-US" smtClean="0"/>
-              <a:pPr/>
-              <a:t>2</a:t>
-            </a:fld>
-            <a:endParaRPr lang="en-US"/>
-          </a:p>
-        </p:txBody>
-      </p:sp>
-      <p:sp>
-        <p:nvSpPr>
-          <p:cNvPr id="7" name="Sottotitolo 6"/>
-          <p:cNvSpPr>
-            <a:spLocks noGrp="1"/>
-          </p:cNvSpPr>
-          <p:nvPr>
-            <p:ph type="subTitle" idx="14"/>
-          </p:nvPr>
-        </p:nvSpPr>
-        <p:spPr/>
-        <p:txBody>
-          <a:bodyPr/>
-          <a:lstStyle/>
-          <a:p>
-            <a:r>
-              <a:rPr lang="en-US" b="1" dirty="0" smtClean="0">
-                <a:solidFill>
-                  <a:schemeClr val="tx1"/>
-                </a:solidFill>
-              </a:rPr>
-              <a:t>Overview</a:t>
-            </a:r>
-            <a:endParaRPr lang="en-US" b="1" dirty="0">
-              <a:solidFill>
-                <a:schemeClr val="tx1"/>
-              </a:solidFill>
-            </a:endParaRPr>
-          </a:p>
-        </p:txBody>
-      </p:sp>
-    </p:spTree>
-  </p:cSld>
-  <p:clrMapOvr>
-    <a:masterClrMapping/>
-  </p:clrMapOvr>
-  <p:timing>
-    <p:tnLst>
-      <p:par>
-        <p:cTn id="1" dur="indefinite" restart="never" nodeType="tmRoot"/>
-      </p:par>
-    </p:tnLst>
-  </p:timing>
-</p:sld>
-</file>
-
-<file path=ppt/slides/slide20.xml><?xml version="1.0" encoding="utf-8"?>
-<p:sld xmlns:a="http://schemas.openxmlformats.org/drawingml/2006/main" xmlns:r="http://schemas.openxmlformats.org/officeDocument/2006/relationships" xmlns:p="http://schemas.openxmlformats.org/presentationml/2006/main">
-  <p:cSld>
-    <p:spTree>
-      <p:nvGrpSpPr>
-        <p:cNvPr id="1" name=""/>
-        <p:cNvGrpSpPr/>
-        <p:nvPr/>
-      </p:nvGrpSpPr>
-      <p:grpSpPr>
-        <a:xfrm>
-          <a:off x="0" y="0"/>
-          <a:ext cx="0" cy="0"/>
-          <a:chOff x="0" y="0"/>
-          <a:chExt cx="0" cy="0"/>
-        </a:xfrm>
-      </p:grpSpPr>
-      <p:pic>
-        <p:nvPicPr>
-          <p:cNvPr id="3" name="Content Placeholder 2"/>
-          <p:cNvPicPr>
-            <a:picLocks noGrp="1" noChangeAspect="1"/>
-          </p:cNvPicPr>
-          <p:nvPr>
-            <p:ph idx="1"/>
-          </p:nvPr>
-        </p:nvPicPr>
-        <p:blipFill>
-          <a:blip r:embed="rId2">
-            <a:extLst>
-              <a:ext uri="{28A0092B-C50C-407E-A947-70E740481C1C}">
-                <a14:useLocalDpi xmlns:a14="http://schemas.microsoft.com/office/drawing/2010/main" val="0"/>
-              </a:ext>
-            </a:extLst>
-          </a:blip>
-          <a:stretch>
-            <a:fillRect/>
-          </a:stretch>
-        </p:blipFill>
-        <p:spPr>
-          <a:xfrm>
-            <a:off x="457200" y="1143000"/>
-            <a:ext cx="8055342" cy="4343400"/>
-          </a:xfrm>
-        </p:spPr>
-      </p:pic>
-      <p:sp>
-        <p:nvSpPr>
-          <p:cNvPr id="4" name="Segnaposto data 3"/>
-          <p:cNvSpPr>
-            <a:spLocks noGrp="1"/>
-          </p:cNvSpPr>
-          <p:nvPr>
-            <p:ph type="dt" sz="half" idx="10"/>
-          </p:nvPr>
-        </p:nvSpPr>
-        <p:spPr/>
-        <p:txBody>
-          <a:bodyPr/>
-          <a:lstStyle/>
-          <a:p>
-            <a:fld id="{F8078618-4CAE-48E8-A205-9D92A68D094A}" type="datetime1">
-              <a:rPr lang="en-US" smtClean="0"/>
-              <a:pPr/>
-              <a:t>5/9/2019</a:t>
-            </a:fld>
-            <a:endParaRPr lang="en-US"/>
-          </a:p>
-        </p:txBody>
-      </p:sp>
-      <p:sp>
-        <p:nvSpPr>
-          <p:cNvPr id="5" name="Segnaposto numero diapositiva 4"/>
-          <p:cNvSpPr>
-            <a:spLocks noGrp="1"/>
-          </p:cNvSpPr>
-          <p:nvPr>
-            <p:ph type="sldNum" sz="quarter" idx="12"/>
-          </p:nvPr>
-        </p:nvSpPr>
-        <p:spPr/>
-        <p:txBody>
-          <a:bodyPr/>
-          <a:lstStyle/>
-          <a:p>
-            <a:fld id="{02623B3A-910D-43F4-BBA9-9429D5B0014D}" type="slidenum">
-              <a:rPr lang="en-US" smtClean="0"/>
-              <a:pPr/>
-              <a:t>20</a:t>
-            </a:fld>
-            <a:endParaRPr lang="en-US"/>
-          </a:p>
-        </p:txBody>
-      </p:sp>
-    </p:spTree>
-    <p:extLst>
-      <p:ext uri="{BB962C8B-B14F-4D97-AF65-F5344CB8AC3E}">
-        <p14:creationId xmlns:p14="http://schemas.microsoft.com/office/powerpoint/2010/main" val="2434566992"/>
-      </p:ext>
-    </p:extLst>
-  </p:cSld>
-  <p:clrMapOvr>
-    <a:masterClrMapping/>
-  </p:clrMapOvr>
-  <p:timing>
-    <p:tnLst>
-      <p:par>
-        <p:cTn id="1" dur="indefinite" restart="never" nodeType="tmRoot"/>
-      </p:par>
-    </p:tnLst>
-  </p:timing>
-</p:sld>
-</file>
-
-<file path=ppt/slides/slide21.xml><?xml version="1.0" encoding="utf-8"?>
-<p:sld xmlns:a="http://schemas.openxmlformats.org/drawingml/2006/main" xmlns:r="http://schemas.openxmlformats.org/officeDocument/2006/relationships" xmlns:p="http://schemas.openxmlformats.org/presentationml/2006/main">
-  <p:cSld>
-    <p:spTree>
-      <p:nvGrpSpPr>
-        <p:cNvPr id="1" name=""/>
-        <p:cNvGrpSpPr/>
-        <p:nvPr/>
-      </p:nvGrpSpPr>
-      <p:grpSpPr>
-        <a:xfrm>
-          <a:off x="0" y="0"/>
-          <a:ext cx="0" cy="0"/>
-          <a:chOff x="0" y="0"/>
-          <a:chExt cx="0" cy="0"/>
-        </a:xfrm>
-      </p:grpSpPr>
-      <p:sp>
-        <p:nvSpPr>
-          <p:cNvPr id="2" name="Content Placeholder 1"/>
-          <p:cNvSpPr>
-            <a:spLocks noGrp="1"/>
-          </p:cNvSpPr>
-          <p:nvPr>
-            <p:ph idx="1"/>
-          </p:nvPr>
-        </p:nvSpPr>
-        <p:spPr/>
-        <p:txBody>
-          <a:bodyPr/>
-          <a:lstStyle/>
-          <a:p>
-            <a:endParaRPr lang="en-US"/>
-          </a:p>
-        </p:txBody>
-      </p:sp>
-      <p:sp>
-        <p:nvSpPr>
-          <p:cNvPr id="3" name="Date Placeholder 2"/>
-          <p:cNvSpPr>
-            <a:spLocks noGrp="1"/>
-          </p:cNvSpPr>
-          <p:nvPr>
-            <p:ph type="dt" sz="half" idx="10"/>
-          </p:nvPr>
-        </p:nvSpPr>
-        <p:spPr/>
-        <p:txBody>
-          <a:bodyPr/>
-          <a:lstStyle/>
-          <a:p>
-            <a:fld id="{F8078618-4CAE-48E8-A205-9D92A68D094A}" type="datetime1">
-              <a:rPr lang="en-US" smtClean="0"/>
-              <a:pPr/>
-              <a:t>5/9/2019</a:t>
-            </a:fld>
-            <a:endParaRPr lang="en-US"/>
-          </a:p>
-        </p:txBody>
-      </p:sp>
-      <p:sp>
-        <p:nvSpPr>
-          <p:cNvPr id="4" name="Slide Number Placeholder 3"/>
-          <p:cNvSpPr>
-            <a:spLocks noGrp="1"/>
-          </p:cNvSpPr>
-          <p:nvPr>
-            <p:ph type="sldNum" sz="quarter" idx="12"/>
-          </p:nvPr>
-        </p:nvSpPr>
-        <p:spPr/>
-        <p:txBody>
-          <a:bodyPr/>
-          <a:lstStyle/>
-          <a:p>
-            <a:fld id="{02623B3A-910D-43F4-BBA9-9429D5B0014D}" type="slidenum">
-              <a:rPr lang="en-US" smtClean="0"/>
-              <a:pPr/>
-              <a:t>21</a:t>
-            </a:fld>
-            <a:endParaRPr lang="en-US"/>
-          </a:p>
-        </p:txBody>
-      </p:sp>
-      <p:sp>
-        <p:nvSpPr>
-          <p:cNvPr id="5" name="Subtitle 4"/>
-          <p:cNvSpPr>
-            <a:spLocks noGrp="1"/>
-          </p:cNvSpPr>
-          <p:nvPr>
-            <p:ph type="subTitle" idx="14"/>
-          </p:nvPr>
-        </p:nvSpPr>
-        <p:spPr/>
-        <p:txBody>
-          <a:bodyPr/>
-          <a:lstStyle/>
-          <a:p>
-            <a:endParaRPr lang="en-US"/>
-          </a:p>
-        </p:txBody>
-      </p:sp>
-    </p:spTree>
-    <p:extLst>
-      <p:ext uri="{BB962C8B-B14F-4D97-AF65-F5344CB8AC3E}">
-        <p14:creationId xmlns:p14="http://schemas.microsoft.com/office/powerpoint/2010/main" val="4275870927"/>
-      </p:ext>
-    </p:extLst>
-  </p:cSld>
-  <p:clrMapOvr>
-    <a:masterClrMapping/>
-  </p:clrMapOvr>
-</p:sld>
-</file>
-
-<file path=ppt/slides/slide22.xml><?xml version="1.0" encoding="utf-8"?>
-<p:sld xmlns:a="http://schemas.openxmlformats.org/drawingml/2006/main" xmlns:r="http://schemas.openxmlformats.org/officeDocument/2006/relationships" xmlns:p="http://schemas.openxmlformats.org/presentationml/2006/main">
-  <p:cSld>
-    <p:spTree>
-      <p:nvGrpSpPr>
-        <p:cNvPr id="1" name=""/>
-        <p:cNvGrpSpPr/>
-        <p:nvPr/>
-      </p:nvGrpSpPr>
-      <p:grpSpPr>
-        <a:xfrm>
-          <a:off x="0" y="0"/>
-          <a:ext cx="0" cy="0"/>
-          <a:chOff x="0" y="0"/>
-          <a:chExt cx="0" cy="0"/>
-        </a:xfrm>
-      </p:grpSpPr>
-      <p:sp>
-        <p:nvSpPr>
-          <p:cNvPr id="3" name="Segnaposto contenuto 2"/>
-          <p:cNvSpPr>
-            <a:spLocks noGrp="1"/>
-          </p:cNvSpPr>
-          <p:nvPr>
-            <p:ph idx="1"/>
-          </p:nvPr>
-        </p:nvSpPr>
-        <p:spPr/>
-        <p:txBody>
-          <a:bodyPr>
-            <a:normAutofit fontScale="92500" lnSpcReduction="10000"/>
-          </a:bodyPr>
-          <a:lstStyle/>
-          <a:p>
-            <a:r>
-              <a:rPr lang="en-US" sz="1900" i="1" dirty="0" smtClean="0"/>
-              <a:t>Description of the new function </a:t>
-            </a:r>
-          </a:p>
-          <a:p>
-            <a:r>
-              <a:rPr lang="en-US" sz="1900" i="1" dirty="0" smtClean="0"/>
-              <a:t>Cases where the function is useful</a:t>
-            </a:r>
-          </a:p>
-          <a:p>
-            <a:r>
-              <a:rPr lang="en-US" sz="1900" i="1" dirty="0" smtClean="0"/>
-              <a:t>Business limitations</a:t>
-            </a:r>
-          </a:p>
-          <a:p>
-            <a:endParaRPr lang="en-US" sz="1900" i="1" dirty="0" smtClean="0"/>
-          </a:p>
-          <a:p>
-            <a:pPr>
-              <a:buNone/>
-            </a:pPr>
-            <a:r>
-              <a:rPr lang="en-US" sz="1900" i="1" dirty="0" smtClean="0"/>
-              <a:t>For example:</a:t>
-            </a:r>
-          </a:p>
-          <a:p>
-            <a:pPr>
-              <a:buNone/>
-            </a:pPr>
-            <a:r>
-              <a:rPr lang="en-US" sz="1900" i="1" dirty="0" smtClean="0"/>
-              <a:t> Additional cost management on purchase order. By this functionality AX can track all additional cost on purchase order such as:</a:t>
-            </a:r>
-          </a:p>
-          <a:p>
-            <a:pPr lvl="1"/>
-            <a:r>
-              <a:rPr lang="en-US" sz="1900" i="1" dirty="0" smtClean="0"/>
-              <a:t>packing cost</a:t>
-            </a:r>
-          </a:p>
-          <a:p>
-            <a:pPr lvl="1"/>
-            <a:r>
-              <a:rPr lang="en-US" sz="1900" i="1" dirty="0" smtClean="0"/>
-              <a:t>Transportation</a:t>
-            </a:r>
-          </a:p>
-          <a:p>
-            <a:pPr lvl="1"/>
-            <a:r>
-              <a:rPr lang="en-US" sz="1900" i="1" dirty="0" smtClean="0"/>
-              <a:t>Insurance</a:t>
-            </a:r>
-          </a:p>
-          <a:p>
-            <a:pPr lvl="1"/>
-            <a:r>
-              <a:rPr lang="en-US" sz="1900" i="1" dirty="0" smtClean="0"/>
-              <a:t>Etc.</a:t>
-            </a:r>
-          </a:p>
-          <a:p>
-            <a:pPr>
-              <a:buNone/>
-            </a:pPr>
-            <a:endParaRPr lang="en-US" i="1" dirty="0" smtClean="0"/>
-          </a:p>
-          <a:p>
-            <a:pPr>
-              <a:buNone/>
-            </a:pPr>
-            <a:endParaRPr lang="en-US" i="1" dirty="0" smtClean="0"/>
-          </a:p>
-          <a:p>
-            <a:pPr>
-              <a:buNone/>
-            </a:pPr>
-            <a:endParaRPr lang="en-US" i="1" dirty="0" smtClean="0"/>
-          </a:p>
-          <a:p>
-            <a:pPr>
-              <a:buNone/>
-            </a:pPr>
-            <a:endParaRPr lang="en-US" i="1" dirty="0"/>
-          </a:p>
-        </p:txBody>
-      </p:sp>
-      <p:sp>
-        <p:nvSpPr>
-          <p:cNvPr id="4" name="Segnaposto data 3"/>
-          <p:cNvSpPr>
-            <a:spLocks noGrp="1"/>
-          </p:cNvSpPr>
-          <p:nvPr>
-            <p:ph type="dt" sz="half" idx="10"/>
-          </p:nvPr>
-        </p:nvSpPr>
-        <p:spPr/>
-        <p:txBody>
-          <a:bodyPr/>
-          <a:lstStyle/>
-          <a:p>
-            <a:fld id="{F8078618-4CAE-48E8-A205-9D92A68D094A}" type="datetime1">
-              <a:rPr lang="en-US" smtClean="0"/>
-              <a:pPr/>
-              <a:t>5/9/2019</a:t>
-            </a:fld>
-            <a:endParaRPr lang="en-US"/>
-          </a:p>
-        </p:txBody>
-      </p:sp>
-      <p:sp>
-        <p:nvSpPr>
-          <p:cNvPr id="5" name="Segnaposto numero diapositiva 4"/>
-          <p:cNvSpPr>
-            <a:spLocks noGrp="1"/>
-          </p:cNvSpPr>
-          <p:nvPr>
-            <p:ph type="sldNum" sz="quarter" idx="12"/>
-          </p:nvPr>
-        </p:nvSpPr>
-        <p:spPr/>
-        <p:txBody>
-          <a:bodyPr/>
-          <a:lstStyle/>
-          <a:p>
-            <a:fld id="{02623B3A-910D-43F4-BBA9-9429D5B0014D}" type="slidenum">
-              <a:rPr lang="en-US" smtClean="0"/>
-              <a:pPr/>
-              <a:t>22</a:t>
-            </a:fld>
-            <a:endParaRPr lang="en-US"/>
-          </a:p>
-        </p:txBody>
-      </p:sp>
-      <p:sp>
-        <p:nvSpPr>
-          <p:cNvPr id="7" name="Sottotitolo 6"/>
-          <p:cNvSpPr>
-            <a:spLocks noGrp="1"/>
-          </p:cNvSpPr>
-          <p:nvPr>
-            <p:ph type="subTitle" idx="14"/>
-          </p:nvPr>
-        </p:nvSpPr>
-        <p:spPr/>
-        <p:txBody>
-          <a:bodyPr/>
-          <a:lstStyle/>
-          <a:p>
-            <a:r>
-              <a:rPr lang="en-US" b="1" dirty="0" smtClean="0">
-                <a:solidFill>
-                  <a:schemeClr val="tx1"/>
-                </a:solidFill>
-              </a:rPr>
-              <a:t>Functionality</a:t>
-            </a:r>
-            <a:r>
-              <a:rPr lang="en-US" dirty="0" smtClean="0">
-                <a:solidFill>
-                  <a:schemeClr val="tx1"/>
-                </a:solidFill>
-              </a:rPr>
-              <a:t> </a:t>
-            </a:r>
-            <a:r>
-              <a:rPr lang="en-US" b="1" dirty="0" smtClean="0">
-                <a:solidFill>
-                  <a:schemeClr val="tx1"/>
-                </a:solidFill>
-              </a:rPr>
-              <a:t>description</a:t>
-            </a:r>
-          </a:p>
-        </p:txBody>
-      </p:sp>
-    </p:spTree>
-  </p:cSld>
-  <p:clrMapOvr>
-    <a:masterClrMapping/>
-  </p:clrMapOvr>
-  <p:timing>
-    <p:tnLst>
-      <p:par>
-        <p:cTn id="1" dur="indefinite" restart="never" nodeType="tmRoot"/>
-      </p:par>
-    </p:tnLst>
-  </p:timing>
-</p:sld>
-</file>
-
-<file path=ppt/slides/slide23.xml><?xml version="1.0" encoding="utf-8"?>
-<p:sld xmlns:a="http://schemas.openxmlformats.org/drawingml/2006/main" xmlns:r="http://schemas.openxmlformats.org/officeDocument/2006/relationships" xmlns:p="http://schemas.openxmlformats.org/presentationml/2006/main">
-  <p:cSld>
-    <p:spTree>
-      <p:nvGrpSpPr>
-        <p:cNvPr id="1" name=""/>
-        <p:cNvGrpSpPr/>
-        <p:nvPr/>
-      </p:nvGrpSpPr>
-      <p:grpSpPr>
-        <a:xfrm>
-          <a:off x="0" y="0"/>
-          <a:ext cx="0" cy="0"/>
-          <a:chOff x="0" y="0"/>
-          <a:chExt cx="0" cy="0"/>
-        </a:xfrm>
-      </p:grpSpPr>
-      <p:sp>
-        <p:nvSpPr>
-          <p:cNvPr id="3" name="Segnaposto contenuto 2"/>
-          <p:cNvSpPr>
-            <a:spLocks noGrp="1"/>
-          </p:cNvSpPr>
-          <p:nvPr>
-            <p:ph idx="1"/>
-          </p:nvPr>
-        </p:nvSpPr>
-        <p:spPr/>
-        <p:txBody>
-          <a:bodyPr>
-            <a:normAutofit/>
-          </a:bodyPr>
-          <a:lstStyle/>
-          <a:p>
-            <a:endParaRPr lang="en-US" dirty="0" smtClean="0"/>
-          </a:p>
-          <a:p>
-            <a:pPr indent="0">
-              <a:buNone/>
-            </a:pPr>
-            <a:r>
-              <a:rPr lang="en-US" sz="1600" i="1" dirty="0" smtClean="0"/>
-              <a:t>Business Limitations </a:t>
-            </a:r>
-          </a:p>
-          <a:p>
-            <a:pPr indent="0">
-              <a:buNone/>
-            </a:pPr>
-            <a:r>
-              <a:rPr lang="en-US" sz="1600" i="1" dirty="0" smtClean="0"/>
-              <a:t>Example: If the additional cost has to be invoiced to a third party vendor, the functionality doesn't apply </a:t>
-            </a:r>
-          </a:p>
-        </p:txBody>
-      </p:sp>
-      <p:sp>
-        <p:nvSpPr>
-          <p:cNvPr id="4" name="Segnaposto data 3"/>
-          <p:cNvSpPr>
-            <a:spLocks noGrp="1"/>
-          </p:cNvSpPr>
-          <p:nvPr>
-            <p:ph type="dt" sz="half" idx="10"/>
-          </p:nvPr>
-        </p:nvSpPr>
-        <p:spPr/>
-        <p:txBody>
-          <a:bodyPr/>
-          <a:lstStyle/>
-          <a:p>
-            <a:fld id="{F8078618-4CAE-48E8-A205-9D92A68D094A}" type="datetime1">
-              <a:rPr lang="en-US" smtClean="0"/>
-              <a:pPr/>
-              <a:t>5/9/2019</a:t>
-            </a:fld>
-            <a:endParaRPr lang="en-US"/>
-          </a:p>
-        </p:txBody>
-      </p:sp>
-      <p:sp>
-        <p:nvSpPr>
-          <p:cNvPr id="5" name="Segnaposto numero diapositiva 4"/>
-          <p:cNvSpPr>
-            <a:spLocks noGrp="1"/>
-          </p:cNvSpPr>
-          <p:nvPr>
-            <p:ph type="sldNum" sz="quarter" idx="12"/>
-          </p:nvPr>
-        </p:nvSpPr>
-        <p:spPr/>
-        <p:txBody>
-          <a:bodyPr/>
-          <a:lstStyle/>
-          <a:p>
-            <a:fld id="{02623B3A-910D-43F4-BBA9-9429D5B0014D}" type="slidenum">
-              <a:rPr lang="en-US" smtClean="0"/>
-              <a:pPr/>
-              <a:t>23</a:t>
-            </a:fld>
-            <a:endParaRPr lang="en-US"/>
-          </a:p>
-        </p:txBody>
-      </p:sp>
-      <p:sp>
-        <p:nvSpPr>
-          <p:cNvPr id="8" name="Sottotitolo 7"/>
-          <p:cNvSpPr>
-            <a:spLocks noGrp="1"/>
-          </p:cNvSpPr>
-          <p:nvPr>
-            <p:ph type="subTitle" idx="14"/>
-          </p:nvPr>
-        </p:nvSpPr>
-        <p:spPr/>
-        <p:txBody>
-          <a:bodyPr/>
-          <a:lstStyle/>
-          <a:p>
-            <a:r>
-              <a:rPr lang="en-US" b="1" dirty="0" smtClean="0">
-                <a:solidFill>
-                  <a:schemeClr val="tx1"/>
-                </a:solidFill>
-              </a:rPr>
-              <a:t>Functionality</a:t>
-            </a:r>
-            <a:r>
-              <a:rPr lang="en-US" dirty="0" smtClean="0">
-                <a:solidFill>
-                  <a:schemeClr val="tx1"/>
-                </a:solidFill>
-              </a:rPr>
-              <a:t> </a:t>
-            </a:r>
-            <a:r>
-              <a:rPr lang="en-US" b="1" dirty="0" smtClean="0">
-                <a:solidFill>
-                  <a:schemeClr val="tx1"/>
-                </a:solidFill>
-              </a:rPr>
-              <a:t>description</a:t>
-            </a:r>
-          </a:p>
-        </p:txBody>
-      </p:sp>
-    </p:spTree>
-  </p:cSld>
-  <p:clrMapOvr>
-    <a:masterClrMapping/>
-  </p:clrMapOvr>
-  <p:timing>
-    <p:tnLst>
-      <p:par>
-        <p:cTn id="1" dur="indefinite" restart="never" nodeType="tmRoot"/>
-      </p:par>
-    </p:tnLst>
-  </p:timing>
-</p:sld>
-</file>
-
-<file path=ppt/slides/slide24.xml><?xml version="1.0" encoding="utf-8"?>
-<p:sld xmlns:a="http://schemas.openxmlformats.org/drawingml/2006/main" xmlns:r="http://schemas.openxmlformats.org/officeDocument/2006/relationships" xmlns:p="http://schemas.openxmlformats.org/presentationml/2006/main">
-  <p:cSld>
-    <p:spTree>
-      <p:nvGrpSpPr>
-        <p:cNvPr id="1" name=""/>
-        <p:cNvGrpSpPr/>
-        <p:nvPr/>
-      </p:nvGrpSpPr>
-      <p:grpSpPr>
-        <a:xfrm>
-          <a:off x="0" y="0"/>
-          <a:ext cx="0" cy="0"/>
-          <a:chOff x="0" y="0"/>
-          <a:chExt cx="0" cy="0"/>
-        </a:xfrm>
-      </p:grpSpPr>
-      <p:sp>
-        <p:nvSpPr>
-          <p:cNvPr id="3" name="Segnaposto contenuto 2"/>
-          <p:cNvSpPr>
-            <a:spLocks noGrp="1"/>
-          </p:cNvSpPr>
-          <p:nvPr>
-            <p:ph idx="1"/>
-          </p:nvPr>
-        </p:nvSpPr>
-        <p:spPr/>
-        <p:txBody>
-          <a:bodyPr/>
-          <a:lstStyle/>
-          <a:p>
-            <a:pPr algn="ctr">
-              <a:buNone/>
-            </a:pPr>
-            <a:endParaRPr lang="en-US" b="1" dirty="0" smtClean="0"/>
-          </a:p>
-          <a:p>
-            <a:pPr indent="0">
-              <a:buNone/>
-            </a:pPr>
-            <a:r>
-              <a:rPr lang="en-US" sz="1800" i="1" dirty="0" smtClean="0"/>
-              <a:t>Main forms and parameters  involved, in order to setup the functionality </a:t>
-            </a:r>
-          </a:p>
-          <a:p>
-            <a:pPr indent="0">
-              <a:buNone/>
-            </a:pPr>
-            <a:endParaRPr lang="en-US" i="1" dirty="0" smtClean="0"/>
-          </a:p>
-          <a:p>
-            <a:pPr indent="0">
-              <a:buNone/>
-            </a:pPr>
-            <a:endParaRPr lang="en-US" i="1" dirty="0"/>
-          </a:p>
-        </p:txBody>
-      </p:sp>
-      <p:sp>
-        <p:nvSpPr>
-          <p:cNvPr id="4" name="Segnaposto data 3"/>
-          <p:cNvSpPr>
-            <a:spLocks noGrp="1"/>
-          </p:cNvSpPr>
-          <p:nvPr>
-            <p:ph type="dt" sz="half" idx="10"/>
-          </p:nvPr>
-        </p:nvSpPr>
-        <p:spPr/>
-        <p:txBody>
-          <a:bodyPr/>
-          <a:lstStyle/>
-          <a:p>
-            <a:fld id="{F8078618-4CAE-48E8-A205-9D92A68D094A}" type="datetime1">
-              <a:rPr lang="en-US" smtClean="0"/>
-              <a:pPr/>
-              <a:t>5/9/2019</a:t>
-            </a:fld>
-            <a:endParaRPr lang="en-US"/>
-          </a:p>
-        </p:txBody>
-      </p:sp>
-      <p:sp>
-        <p:nvSpPr>
-          <p:cNvPr id="5" name="Segnaposto numero diapositiva 4"/>
-          <p:cNvSpPr>
-            <a:spLocks noGrp="1"/>
-          </p:cNvSpPr>
-          <p:nvPr>
-            <p:ph type="sldNum" sz="quarter" idx="12"/>
-          </p:nvPr>
-        </p:nvSpPr>
-        <p:spPr/>
-        <p:txBody>
-          <a:bodyPr/>
-          <a:lstStyle/>
-          <a:p>
-            <a:fld id="{02623B3A-910D-43F4-BBA9-9429D5B0014D}" type="slidenum">
-              <a:rPr lang="en-US" smtClean="0"/>
-              <a:pPr/>
-              <a:t>24</a:t>
-            </a:fld>
-            <a:endParaRPr lang="en-US"/>
-          </a:p>
-        </p:txBody>
-      </p:sp>
-      <p:sp>
-        <p:nvSpPr>
-          <p:cNvPr id="8" name="Sottotitolo 7"/>
-          <p:cNvSpPr>
-            <a:spLocks noGrp="1"/>
-          </p:cNvSpPr>
-          <p:nvPr>
-            <p:ph type="subTitle" idx="14"/>
-          </p:nvPr>
-        </p:nvSpPr>
-        <p:spPr/>
-        <p:txBody>
-          <a:bodyPr/>
-          <a:lstStyle/>
-          <a:p>
-            <a:r>
-              <a:rPr lang="en-US" b="1" dirty="0" smtClean="0"/>
-              <a:t>AX modules involved and setup</a:t>
-            </a:r>
-          </a:p>
-          <a:p>
-            <a:endParaRPr lang="en-US" dirty="0"/>
-          </a:p>
-        </p:txBody>
-      </p:sp>
-    </p:spTree>
-  </p:cSld>
-  <p:clrMapOvr>
-    <a:masterClrMapping/>
-  </p:clrMapOvr>
-  <p:timing>
-    <p:tnLst>
-      <p:par>
-        <p:cTn id="1" dur="indefinite" restart="never" nodeType="tmRoot"/>
-      </p:par>
-    </p:tnLst>
-  </p:timing>
-</p:sld>
-</file>
-
 <file path=ppt/slides/slide25.xml><?xml version="1.0" encoding="utf-8"?>
 <p:sld xmlns:a="http://schemas.openxmlformats.org/drawingml/2006/main" xmlns:r="http://schemas.openxmlformats.org/officeDocument/2006/relationships" xmlns:p="http://schemas.openxmlformats.org/presentationml/2006/main">
   <p:cSld>
@@ -6210,12 +6250,12 @@
       </p:grpSpPr>
       <p:sp>
         <p:nvSpPr>
-          <p:cNvPr id="3" name="Segnaposto contenuto 2"/>
-          <p:cNvSpPr>
-            <a:spLocks noGrp="1"/>
-          </p:cNvSpPr>
-          <p:nvPr>
-            <p:ph idx="1"/>
+          <p:cNvPr id="4" name="Segnaposto data 3"/>
+          <p:cNvSpPr>
+            <a:spLocks noGrp="1"/>
+          </p:cNvSpPr>
+          <p:nvPr>
+            <p:ph type="dt" sz="half" idx="10"/>
           </p:nvPr>
         </p:nvSpPr>
         <p:spPr/>
@@ -6223,36 +6263,10 @@
           <a:bodyPr/>
           <a:lstStyle/>
           <a:p>
-            <a:pPr>
-              <a:buNone/>
-            </a:pPr>
-            <a:r>
-              <a:rPr lang="en-US" i="1" dirty="0" smtClean="0"/>
-              <a:t>Demo steps</a:t>
-            </a:r>
-            <a:endParaRPr lang="en-US" i="1" dirty="0"/>
-          </a:p>
-        </p:txBody>
-      </p:sp>
-      <p:sp>
-        <p:nvSpPr>
-          <p:cNvPr id="4" name="Segnaposto data 3"/>
-          <p:cNvSpPr>
-            <a:spLocks noGrp="1"/>
-          </p:cNvSpPr>
-          <p:nvPr>
-            <p:ph type="dt" sz="half" idx="10"/>
-          </p:nvPr>
-        </p:nvSpPr>
-        <p:spPr/>
-        <p:txBody>
-          <a:bodyPr/>
-          <a:lstStyle/>
-          <a:p>
             <a:fld id="{F8078618-4CAE-48E8-A205-9D92A68D094A}" type="datetime1">
               <a:rPr lang="en-US" smtClean="0"/>
               <a:pPr/>
-              <a:t>5/9/2019</a:t>
+              <a:t>5/14/2019</a:t>
             </a:fld>
             <a:endParaRPr lang="en-US"/>
           </a:p>
@@ -6282,38 +6296,41 @@
           </a:p>
         </p:txBody>
       </p:sp>
-      <p:sp>
-        <p:nvSpPr>
-          <p:cNvPr id="8" name="Sottotitolo 7"/>
-          <p:cNvSpPr>
-            <a:spLocks noGrp="1"/>
-          </p:cNvSpPr>
-          <p:nvPr>
-            <p:ph type="subTitle" idx="14"/>
-          </p:nvPr>
-        </p:nvSpPr>
-        <p:spPr/>
-        <p:txBody>
-          <a:bodyPr/>
-          <a:lstStyle/>
-          <a:p>
-            <a:r>
-              <a:rPr lang="en-US" b="1" dirty="0" smtClean="0">
-                <a:solidFill>
-                  <a:schemeClr val="tx1"/>
-                </a:solidFill>
-              </a:rPr>
-              <a:t>Demo</a:t>
-            </a:r>
-            <a:endParaRPr lang="en-US" b="1" dirty="0">
-              <a:solidFill>
-                <a:schemeClr val="tx1"/>
-              </a:solidFill>
-            </a:endParaRPr>
-          </a:p>
-        </p:txBody>
-      </p:sp>
+      <p:pic>
+        <p:nvPicPr>
+          <p:cNvPr id="3" name="Content Placeholder 2"/>
+          <p:cNvPicPr>
+            <a:picLocks noGrp="1" noChangeAspect="1"/>
+          </p:cNvPicPr>
+          <p:nvPr>
+            <p:ph idx="1"/>
+          </p:nvPr>
+        </p:nvPicPr>
+        <p:blipFill>
+          <a:blip r:embed="rId2">
+            <a:extLst>
+              <a:ext uri="{28A0092B-C50C-407E-A947-70E740481C1C}">
+                <a14:useLocalDpi xmlns:a14="http://schemas.microsoft.com/office/drawing/2010/main" val="0"/>
+              </a:ext>
+            </a:extLst>
+          </a:blip>
+          <a:stretch>
+            <a:fillRect/>
+          </a:stretch>
+        </p:blipFill>
+        <p:spPr>
+          <a:xfrm>
+            <a:off x="609600" y="1447800"/>
+            <a:ext cx="7990941" cy="4012050"/>
+          </a:xfrm>
+        </p:spPr>
+      </p:pic>
     </p:spTree>
+    <p:extLst>
+      <p:ext uri="{BB962C8B-B14F-4D97-AF65-F5344CB8AC3E}">
+        <p14:creationId xmlns:p14="http://schemas.microsoft.com/office/powerpoint/2010/main" val="4275377811"/>
+      </p:ext>
+    </p:extLst>
   </p:cSld>
   <p:clrMapOvr>
     <a:masterClrMapping/>
@@ -6345,44 +6362,54 @@
           <a:chExt cx="0" cy="0"/>
         </a:xfrm>
       </p:grpSpPr>
-      <p:sp>
-        <p:nvSpPr>
-          <p:cNvPr id="8" name="Segnaposto contenuto 7"/>
-          <p:cNvSpPr>
-            <a:spLocks noGrp="1"/>
-          </p:cNvSpPr>
+      <p:pic>
+        <p:nvPicPr>
+          <p:cNvPr id="3" name="Content Placeholder 2"/>
+          <p:cNvPicPr>
+            <a:picLocks noGrp="1" noChangeAspect="1"/>
+          </p:cNvPicPr>
           <p:nvPr>
             <p:ph idx="1"/>
           </p:nvPr>
+        </p:nvPicPr>
+        <p:blipFill>
+          <a:blip r:embed="rId2">
+            <a:extLst>
+              <a:ext uri="{28A0092B-C50C-407E-A947-70E740481C1C}">
+                <a14:useLocalDpi xmlns:a14="http://schemas.microsoft.com/office/drawing/2010/main" val="0"/>
+              </a:ext>
+            </a:extLst>
+          </a:blip>
+          <a:stretch>
+            <a:fillRect/>
+          </a:stretch>
+        </p:blipFill>
+        <p:spPr>
+          <a:xfrm>
+            <a:off x="457200" y="1143000"/>
+            <a:ext cx="8055342" cy="4343400"/>
+          </a:xfrm>
+        </p:spPr>
+      </p:pic>
+      <p:sp>
+        <p:nvSpPr>
+          <p:cNvPr id="4" name="Segnaposto data 3"/>
+          <p:cNvSpPr>
+            <a:spLocks noGrp="1"/>
+          </p:cNvSpPr>
+          <p:nvPr>
+            <p:ph type="dt" sz="half" idx="10"/>
+          </p:nvPr>
         </p:nvSpPr>
         <p:spPr/>
         <p:txBody>
           <a:bodyPr/>
           <a:lstStyle/>
           <a:p>
-            <a:endParaRPr lang="en-US" dirty="0"/>
-          </a:p>
-        </p:txBody>
-      </p:sp>
-      <p:sp>
-        <p:nvSpPr>
-          <p:cNvPr id="4" name="Segnaposto data 3"/>
-          <p:cNvSpPr>
-            <a:spLocks noGrp="1"/>
-          </p:cNvSpPr>
-          <p:nvPr>
-            <p:ph type="dt" sz="half" idx="10"/>
-          </p:nvPr>
-        </p:nvSpPr>
-        <p:spPr/>
-        <p:txBody>
-          <a:bodyPr/>
-          <a:lstStyle/>
-          <a:p>
             <a:fld id="{F8078618-4CAE-48E8-A205-9D92A68D094A}" type="datetime1">
               <a:rPr lang="en-US" smtClean="0"/>
               <a:pPr/>
-              <a:t>5/9/2019</a:t>
+              <a:t>5/14/2019</a:t>
             </a:fld>
             <a:endParaRPr lang="en-US"/>
           </a:p>
@@ -6412,9 +6439,330 @@
           </a:p>
         </p:txBody>
       </p:sp>
-      <p:sp>
-        <p:nvSpPr>
-          <p:cNvPr id="7" name="Sottotitolo 6"/>
+    </p:spTree>
+    <p:extLst>
+      <p:ext uri="{BB962C8B-B14F-4D97-AF65-F5344CB8AC3E}">
+        <p14:creationId xmlns:p14="http://schemas.microsoft.com/office/powerpoint/2010/main" val="2434566992"/>
+      </p:ext>
+    </p:extLst>
+  </p:cSld>
+  <p:clrMapOvr>
+    <a:masterClrMapping/>
+  </p:clrMapOvr>
+  <p:timing>
+    <p:tnLst>
+      <p:par>
+        <p:cTn id="1" dur="indefinite" restart="never" nodeType="tmRoot"/>
+      </p:par>
+    </p:tnLst>
+  </p:timing>
+</p:sld>
+</file>
+
+<file path=ppt/slides/slide27.xml><?xml version="1.0" encoding="utf-8"?>
+<p:sld xmlns:a="http://schemas.openxmlformats.org/drawingml/2006/main" xmlns:r="http://schemas.openxmlformats.org/officeDocument/2006/relationships" xmlns:p="http://schemas.openxmlformats.org/presentationml/2006/main">
+  <p:cSld>
+    <p:spTree>
+      <p:nvGrpSpPr>
+        <p:cNvPr id="1" name=""/>
+        <p:cNvGrpSpPr/>
+        <p:nvPr/>
+      </p:nvGrpSpPr>
+      <p:grpSpPr>
+        <a:xfrm>
+          <a:off x="0" y="0"/>
+          <a:ext cx="0" cy="0"/>
+          <a:chOff x="0" y="0"/>
+          <a:chExt cx="0" cy="0"/>
+        </a:xfrm>
+      </p:grpSpPr>
+      <p:sp>
+        <p:nvSpPr>
+          <p:cNvPr id="3" name="Segnaposto contenuto 2"/>
+          <p:cNvSpPr>
+            <a:spLocks noGrp="1"/>
+          </p:cNvSpPr>
+          <p:nvPr>
+            <p:ph idx="1"/>
+          </p:nvPr>
+        </p:nvSpPr>
+        <p:spPr>
+          <a:xfrm>
+            <a:off x="457200" y="2133600"/>
+            <a:ext cx="8229600" cy="3429000"/>
+          </a:xfrm>
+        </p:spPr>
+        <p:txBody>
+          <a:bodyPr>
+            <a:normAutofit fontScale="92500" lnSpcReduction="20000"/>
+          </a:bodyPr>
+          <a:lstStyle/>
+          <a:p>
+            <a:pPr algn="just"/>
+            <a:r>
+              <a:rPr lang="en-US" dirty="0" smtClean="0">
+                <a:solidFill>
+                  <a:srgbClr val="000000"/>
+                </a:solidFill>
+                <a:latin typeface="Segoe UI" panose="020B0502040204020203" pitchFamily="34" charset="0"/>
+              </a:rPr>
+              <a:t>SSE automatically </a:t>
+            </a:r>
+            <a:r>
+              <a:rPr lang="en-US" dirty="0">
+                <a:solidFill>
+                  <a:srgbClr val="000000"/>
+                </a:solidFill>
+                <a:latin typeface="Segoe UI" panose="020B0502040204020203" pitchFamily="34" charset="0"/>
+              </a:rPr>
+              <a:t>encrypts your data when persisting it to the cloud. </a:t>
+            </a:r>
+            <a:endParaRPr lang="en-US" dirty="0" smtClean="0">
+              <a:solidFill>
+                <a:srgbClr val="000000"/>
+              </a:solidFill>
+              <a:latin typeface="Segoe UI" panose="020B0502040204020203" pitchFamily="34" charset="0"/>
+            </a:endParaRPr>
+          </a:p>
+          <a:p>
+            <a:pPr algn="just"/>
+            <a:r>
+              <a:rPr lang="en-US" dirty="0" smtClean="0">
+                <a:solidFill>
+                  <a:srgbClr val="000000"/>
+                </a:solidFill>
+                <a:latin typeface="Segoe UI" panose="020B0502040204020203" pitchFamily="34" charset="0"/>
+              </a:rPr>
+              <a:t>SSE help to </a:t>
+            </a:r>
+            <a:r>
+              <a:rPr lang="en-US" dirty="0">
+                <a:solidFill>
+                  <a:srgbClr val="000000"/>
+                </a:solidFill>
+                <a:latin typeface="Segoe UI" panose="020B0502040204020203" pitchFamily="34" charset="0"/>
+              </a:rPr>
+              <a:t>meet </a:t>
+            </a:r>
+            <a:r>
+              <a:rPr lang="en-US" dirty="0" smtClean="0">
+                <a:solidFill>
+                  <a:srgbClr val="000000"/>
+                </a:solidFill>
+                <a:latin typeface="Segoe UI" panose="020B0502040204020203" pitchFamily="34" charset="0"/>
+              </a:rPr>
+              <a:t>organizational </a:t>
+            </a:r>
+            <a:r>
+              <a:rPr lang="en-US" dirty="0">
+                <a:solidFill>
+                  <a:srgbClr val="000000"/>
+                </a:solidFill>
+                <a:latin typeface="Segoe UI" panose="020B0502040204020203" pitchFamily="34" charset="0"/>
+              </a:rPr>
+              <a:t>security and compliance commitments. </a:t>
+            </a:r>
+            <a:endParaRPr lang="en-US" dirty="0" smtClean="0">
+              <a:solidFill>
+                <a:srgbClr val="000000"/>
+              </a:solidFill>
+              <a:latin typeface="Segoe UI" panose="020B0502040204020203" pitchFamily="34" charset="0"/>
+            </a:endParaRPr>
+          </a:p>
+          <a:p>
+            <a:pPr algn="just"/>
+            <a:r>
+              <a:rPr lang="en-US" dirty="0" smtClean="0">
+                <a:solidFill>
+                  <a:srgbClr val="000000"/>
+                </a:solidFill>
+                <a:latin typeface="Segoe UI" panose="020B0502040204020203" pitchFamily="34" charset="0"/>
+              </a:rPr>
+              <a:t>Data </a:t>
+            </a:r>
+            <a:r>
+              <a:rPr lang="en-US" dirty="0">
+                <a:solidFill>
+                  <a:srgbClr val="000000"/>
+                </a:solidFill>
+                <a:latin typeface="Segoe UI" panose="020B0502040204020203" pitchFamily="34" charset="0"/>
+              </a:rPr>
+              <a:t>in Azure Storage is encrypted and decrypted transparently using 256-bit </a:t>
+            </a:r>
+            <a:r>
+              <a:rPr lang="en-US" u="sng" dirty="0" smtClean="0">
+                <a:solidFill>
+                  <a:srgbClr val="000000"/>
+                </a:solidFill>
+                <a:latin typeface="Segoe UI" panose="020B0502040204020203" pitchFamily="34" charset="0"/>
+              </a:rPr>
+              <a:t>AES</a:t>
+            </a:r>
+            <a:r>
+              <a:rPr lang="en-US" dirty="0" smtClean="0">
+                <a:solidFill>
+                  <a:srgbClr val="000000"/>
+                </a:solidFill>
+                <a:latin typeface="Segoe UI" panose="020B0502040204020203" pitchFamily="34" charset="0"/>
+              </a:rPr>
+              <a:t>..</a:t>
+            </a:r>
+            <a:endParaRPr lang="en-US" dirty="0">
+              <a:solidFill>
+                <a:srgbClr val="000000"/>
+              </a:solidFill>
+              <a:latin typeface="Segoe UI" panose="020B0502040204020203" pitchFamily="34" charset="0"/>
+            </a:endParaRPr>
+          </a:p>
+          <a:p>
+            <a:pPr algn="just"/>
+            <a:r>
+              <a:rPr lang="en-US" dirty="0" smtClean="0">
+                <a:solidFill>
+                  <a:srgbClr val="000000"/>
+                </a:solidFill>
+                <a:latin typeface="Segoe UI" panose="020B0502040204020203" pitchFamily="34" charset="0"/>
+              </a:rPr>
+              <a:t>SSE is enabled by default and cannot be disabled for any storage account</a:t>
+            </a:r>
+            <a:endParaRPr lang="en-US" dirty="0">
+              <a:solidFill>
+                <a:srgbClr val="000000"/>
+              </a:solidFill>
+              <a:latin typeface="Segoe UI" panose="020B0502040204020203" pitchFamily="34" charset="0"/>
+            </a:endParaRPr>
+          </a:p>
+          <a:p>
+            <a:pPr algn="just"/>
+            <a:r>
+              <a:rPr lang="en-US" dirty="0" smtClean="0">
+                <a:solidFill>
+                  <a:srgbClr val="000000"/>
+                </a:solidFill>
+                <a:latin typeface="Segoe UI" panose="020B0502040204020203" pitchFamily="34" charset="0"/>
+              </a:rPr>
+              <a:t>SEE encrypts blobs</a:t>
+            </a:r>
+            <a:r>
+              <a:rPr lang="en-US" dirty="0">
+                <a:solidFill>
+                  <a:srgbClr val="000000"/>
+                </a:solidFill>
+                <a:latin typeface="Segoe UI" panose="020B0502040204020203" pitchFamily="34" charset="0"/>
+              </a:rPr>
+              <a:t>, disks, files, queues, </a:t>
+            </a:r>
+            <a:r>
+              <a:rPr lang="en-US" dirty="0" smtClean="0">
+                <a:solidFill>
+                  <a:srgbClr val="000000"/>
+                </a:solidFill>
+                <a:latin typeface="Segoe UI" panose="020B0502040204020203" pitchFamily="34" charset="0"/>
+              </a:rPr>
+              <a:t>tables and Azure Managed Disks and any metadata pertaining to these artifacts.</a:t>
+            </a:r>
+            <a:endParaRPr lang="en-US" dirty="0">
+              <a:solidFill>
+                <a:srgbClr val="000000"/>
+              </a:solidFill>
+              <a:latin typeface="Segoe UI" panose="020B0502040204020203" pitchFamily="34" charset="0"/>
+            </a:endParaRPr>
+          </a:p>
+          <a:p>
+            <a:pPr algn="just"/>
+            <a:r>
+              <a:rPr lang="en-US" dirty="0" smtClean="0">
+                <a:solidFill>
+                  <a:srgbClr val="000000"/>
+                </a:solidFill>
+                <a:latin typeface="Segoe UI" panose="020B0502040204020203" pitchFamily="34" charset="0"/>
+              </a:rPr>
+              <a:t>SSE does not cause performance loss and it’s free</a:t>
+            </a:r>
+          </a:p>
+          <a:p>
+            <a:pPr algn="just"/>
+            <a:r>
+              <a:rPr lang="en-US" dirty="0" smtClean="0">
+                <a:solidFill>
+                  <a:srgbClr val="000000"/>
+                </a:solidFill>
+                <a:latin typeface="Segoe UI" panose="020B0502040204020203" pitchFamily="34" charset="0"/>
+              </a:rPr>
+              <a:t>Works with Managed and Customer keys thus can be rotated, audited, etc. in which case the customer key is stored in Key Vault and accessed via MSI.</a:t>
+            </a:r>
+            <a:endParaRPr lang="en-US" dirty="0">
+              <a:solidFill>
+                <a:srgbClr val="000000"/>
+              </a:solidFill>
+              <a:latin typeface="Segoe UI" panose="020B0502040204020203" pitchFamily="34" charset="0"/>
+            </a:endParaRPr>
+          </a:p>
+          <a:p>
+            <a:pPr algn="ctr">
+              <a:buNone/>
+            </a:pPr>
+            <a:endParaRPr lang="en-US" dirty="0" smtClean="0"/>
+          </a:p>
+          <a:p>
+            <a:endParaRPr lang="en-US" dirty="0" smtClean="0"/>
+          </a:p>
+          <a:p>
+            <a:endParaRPr lang="en-US" dirty="0"/>
+          </a:p>
+        </p:txBody>
+      </p:sp>
+      <p:sp>
+        <p:nvSpPr>
+          <p:cNvPr id="4" name="Segnaposto data 3"/>
+          <p:cNvSpPr>
+            <a:spLocks noGrp="1"/>
+          </p:cNvSpPr>
+          <p:nvPr>
+            <p:ph type="dt" sz="half" idx="10"/>
+          </p:nvPr>
+        </p:nvSpPr>
+        <p:spPr/>
+        <p:txBody>
+          <a:bodyPr/>
+          <a:lstStyle/>
+          <a:p>
+            <a:fld id="{F8078618-4CAE-48E8-A205-9D92A68D094A}" type="datetime1">
+              <a:rPr lang="en-US" smtClean="0"/>
+              <a:pPr/>
+              <a:t>5/14/2019</a:t>
+            </a:fld>
+            <a:endParaRPr lang="en-US"/>
+          </a:p>
+        </p:txBody>
+      </p:sp>
+      <p:sp>
+        <p:nvSpPr>
+          <p:cNvPr id="5" name="Segnaposto numero diapositiva 4"/>
+          <p:cNvSpPr>
+            <a:spLocks noGrp="1"/>
+          </p:cNvSpPr>
+          <p:nvPr>
+            <p:ph type="sldNum" sz="quarter" idx="12"/>
+          </p:nvPr>
+        </p:nvSpPr>
+        <p:spPr/>
+        <p:txBody>
+          <a:bodyPr/>
+          <a:lstStyle/>
+          <a:p>
+            <a:fld id="{02623B3A-910D-43F4-BBA9-9429D5B0014D}" type="slidenum">
+              <a:rPr lang="en-US" smtClean="0"/>
+              <a:pPr/>
+              <a:t>27</a:t>
+            </a:fld>
+            <a:endParaRPr lang="en-US"/>
+          </a:p>
+        </p:txBody>
+      </p:sp>
+      <p:sp>
+        <p:nvSpPr>
+          <p:cNvPr id="8" name="Sottotitolo 7"/>
           <p:cNvSpPr>
             <a:spLocks noGrp="1"/>
           </p:cNvSpPr>
@@ -6422,7 +6770,322 @@
             <p:ph type="subTitle" idx="14"/>
           </p:nvPr>
         </p:nvSpPr>
+        <p:spPr>
+          <a:xfrm>
+            <a:off x="1295400" y="1066800"/>
+            <a:ext cx="6400800" cy="457200"/>
+          </a:xfrm>
+        </p:spPr>
+        <p:txBody>
+          <a:bodyPr/>
+          <a:lstStyle/>
+          <a:p>
+            <a:r>
+              <a:rPr lang="en-US" b="1" dirty="0" smtClean="0">
+                <a:hlinkClick r:id="rId2"/>
+              </a:rPr>
+              <a:t>Azure Storage Service Encryption (SSE)</a:t>
+            </a:r>
+            <a:endParaRPr lang="en-US" dirty="0">
+              <a:solidFill>
+                <a:schemeClr val="tx1"/>
+              </a:solidFill>
+            </a:endParaRPr>
+          </a:p>
+        </p:txBody>
+      </p:sp>
+    </p:spTree>
+    <p:extLst>
+      <p:ext uri="{BB962C8B-B14F-4D97-AF65-F5344CB8AC3E}">
+        <p14:creationId xmlns:p14="http://schemas.microsoft.com/office/powerpoint/2010/main" val="4183185891"/>
+      </p:ext>
+    </p:extLst>
+  </p:cSld>
+  <p:clrMapOvr>
+    <a:masterClrMapping/>
+  </p:clrMapOvr>
+  <p:timing>
+    <p:tnLst>
+      <p:par>
+        <p:cTn id="1" dur="indefinite" restart="never" nodeType="tmRoot"/>
+      </p:par>
+    </p:tnLst>
+  </p:timing>
+</p:sld>
+</file>
+
+<file path=ppt/slides/slide28.xml><?xml version="1.0" encoding="utf-8"?>
+<p:sld xmlns:a="http://schemas.openxmlformats.org/drawingml/2006/main" xmlns:r="http://schemas.openxmlformats.org/officeDocument/2006/relationships" xmlns:p="http://schemas.openxmlformats.org/presentationml/2006/main">
+  <p:cSld>
+    <p:spTree>
+      <p:nvGrpSpPr>
+        <p:cNvPr id="1" name=""/>
+        <p:cNvGrpSpPr/>
+        <p:nvPr/>
+      </p:nvGrpSpPr>
+      <p:grpSpPr>
+        <a:xfrm>
+          <a:off x="0" y="0"/>
+          <a:ext cx="0" cy="0"/>
+          <a:chOff x="0" y="0"/>
+          <a:chExt cx="0" cy="0"/>
+        </a:xfrm>
+      </p:grpSpPr>
+      <p:sp>
+        <p:nvSpPr>
+          <p:cNvPr id="4" name="Segnaposto data 3"/>
+          <p:cNvSpPr>
+            <a:spLocks noGrp="1"/>
+          </p:cNvSpPr>
+          <p:nvPr>
+            <p:ph type="dt" sz="half" idx="10"/>
+          </p:nvPr>
+        </p:nvSpPr>
         <p:spPr/>
+        <p:txBody>
+          <a:bodyPr/>
+          <a:lstStyle/>
+          <a:p>
+            <a:fld id="{F8078618-4CAE-48E8-A205-9D92A68D094A}" type="datetime1">
+              <a:rPr lang="en-US" smtClean="0"/>
+              <a:pPr/>
+              <a:t>5/14/2019</a:t>
+            </a:fld>
+            <a:endParaRPr lang="en-US"/>
+          </a:p>
+        </p:txBody>
+      </p:sp>
+      <p:sp>
+        <p:nvSpPr>
+          <p:cNvPr id="5" name="Segnaposto numero diapositiva 4"/>
+          <p:cNvSpPr>
+            <a:spLocks noGrp="1"/>
+          </p:cNvSpPr>
+          <p:nvPr>
+            <p:ph type="sldNum" sz="quarter" idx="12"/>
+          </p:nvPr>
+        </p:nvSpPr>
+        <p:spPr/>
+        <p:txBody>
+          <a:bodyPr/>
+          <a:lstStyle/>
+          <a:p>
+            <a:fld id="{02623B3A-910D-43F4-BBA9-9429D5B0014D}" type="slidenum">
+              <a:rPr lang="en-US" smtClean="0"/>
+              <a:pPr/>
+              <a:t>28</a:t>
+            </a:fld>
+            <a:endParaRPr lang="en-US"/>
+          </a:p>
+        </p:txBody>
+      </p:sp>
+      <p:pic>
+        <p:nvPicPr>
+          <p:cNvPr id="7" name="Content Placeholder 6"/>
+          <p:cNvPicPr>
+            <a:picLocks noGrp="1" noChangeAspect="1"/>
+          </p:cNvPicPr>
+          <p:nvPr>
+            <p:ph idx="1"/>
+          </p:nvPr>
+        </p:nvPicPr>
+        <p:blipFill>
+          <a:blip r:embed="rId2">
+            <a:extLst>
+              <a:ext uri="{28A0092B-C50C-407E-A947-70E740481C1C}">
+                <a14:useLocalDpi xmlns:a14="http://schemas.microsoft.com/office/drawing/2010/main" val="0"/>
+              </a:ext>
+            </a:extLst>
+          </a:blip>
+          <a:stretch>
+            <a:fillRect/>
+          </a:stretch>
+        </p:blipFill>
+        <p:spPr>
+          <a:xfrm>
+            <a:off x="491791" y="1524000"/>
+            <a:ext cx="8160416" cy="4180267"/>
+          </a:xfrm>
+        </p:spPr>
+      </p:pic>
+      <p:sp>
+        <p:nvSpPr>
+          <p:cNvPr id="6" name="Sottotitolo 6"/>
+          <p:cNvSpPr>
+            <a:spLocks noGrp="1"/>
+          </p:cNvSpPr>
+          <p:nvPr>
+            <p:ph type="subTitle" idx="14"/>
+          </p:nvPr>
+        </p:nvSpPr>
+        <p:spPr>
+          <a:xfrm>
+            <a:off x="1371599" y="871917"/>
+            <a:ext cx="6400800" cy="457200"/>
+          </a:xfrm>
+        </p:spPr>
+        <p:txBody>
+          <a:bodyPr/>
+          <a:lstStyle/>
+          <a:p>
+            <a:r>
+              <a:rPr lang="en-US" b="1" dirty="0" smtClean="0"/>
+              <a:t>How does SSE work?</a:t>
+            </a:r>
+            <a:endParaRPr lang="en-US" b="1" dirty="0">
+              <a:solidFill>
+                <a:schemeClr val="tx1"/>
+              </a:solidFill>
+            </a:endParaRPr>
+          </a:p>
+        </p:txBody>
+      </p:sp>
+    </p:spTree>
+    <p:extLst>
+      <p:ext uri="{BB962C8B-B14F-4D97-AF65-F5344CB8AC3E}">
+        <p14:creationId xmlns:p14="http://schemas.microsoft.com/office/powerpoint/2010/main" val="148371852"/>
+      </p:ext>
+    </p:extLst>
+  </p:cSld>
+  <p:clrMapOvr>
+    <a:masterClrMapping/>
+  </p:clrMapOvr>
+  <p:timing>
+    <p:tnLst>
+      <p:par>
+        <p:cTn id="1" dur="indefinite" restart="never" nodeType="tmRoot"/>
+      </p:par>
+    </p:tnLst>
+  </p:timing>
+</p:sld>
+</file>
+
+<file path=ppt/slides/slide29.xml><?xml version="1.0" encoding="utf-8"?>
+<p:sld xmlns:a="http://schemas.openxmlformats.org/drawingml/2006/main" xmlns:r="http://schemas.openxmlformats.org/officeDocument/2006/relationships" xmlns:p="http://schemas.openxmlformats.org/presentationml/2006/main">
+  <p:cSld>
+    <p:spTree>
+      <p:nvGrpSpPr>
+        <p:cNvPr id="1" name=""/>
+        <p:cNvGrpSpPr/>
+        <p:nvPr/>
+      </p:nvGrpSpPr>
+      <p:grpSpPr>
+        <a:xfrm>
+          <a:off x="0" y="0"/>
+          <a:ext cx="0" cy="0"/>
+          <a:chOff x="0" y="0"/>
+          <a:chExt cx="0" cy="0"/>
+        </a:xfrm>
+      </p:grpSpPr>
+      <p:sp>
+        <p:nvSpPr>
+          <p:cNvPr id="3" name="Segnaposto contenuto 2"/>
+          <p:cNvSpPr>
+            <a:spLocks noGrp="1"/>
+          </p:cNvSpPr>
+          <p:nvPr>
+            <p:ph idx="1"/>
+          </p:nvPr>
+        </p:nvSpPr>
+        <p:spPr>
+          <a:xfrm>
+            <a:off x="457200" y="1676400"/>
+            <a:ext cx="8229600" cy="3429000"/>
+          </a:xfrm>
+        </p:spPr>
+        <p:txBody>
+          <a:bodyPr/>
+          <a:lstStyle/>
+          <a:p>
+            <a:pPr algn="ctr">
+              <a:buNone/>
+            </a:pPr>
+            <a:endParaRPr lang="en-US" dirty="0" smtClean="0"/>
+          </a:p>
+          <a:p>
+            <a:r>
+              <a:rPr lang="en-US" dirty="0" smtClean="0"/>
+              <a:t>Azure Always Encrypted Client Technology based on CMK &amp;CEK </a:t>
+            </a:r>
+          </a:p>
+          <a:p>
+            <a:r>
+              <a:rPr lang="en-US" dirty="0" smtClean="0"/>
+              <a:t>Azure Transparent Data Encryption (TDE) as server-side default encryption for data at rest. It encrypts the whole server or the database files with either a custom or managed key.</a:t>
+            </a:r>
+          </a:p>
+          <a:p>
+            <a:endParaRPr lang="en-US" dirty="0" smtClean="0"/>
+          </a:p>
+          <a:p>
+            <a:endParaRPr lang="en-US" dirty="0"/>
+          </a:p>
+        </p:txBody>
+      </p:sp>
+      <p:sp>
+        <p:nvSpPr>
+          <p:cNvPr id="4" name="Segnaposto data 3"/>
+          <p:cNvSpPr>
+            <a:spLocks noGrp="1"/>
+          </p:cNvSpPr>
+          <p:nvPr>
+            <p:ph type="dt" sz="half" idx="10"/>
+          </p:nvPr>
+        </p:nvSpPr>
+        <p:spPr/>
+        <p:txBody>
+          <a:bodyPr/>
+          <a:lstStyle/>
+          <a:p>
+            <a:fld id="{F8078618-4CAE-48E8-A205-9D92A68D094A}" type="datetime1">
+              <a:rPr lang="en-US" smtClean="0"/>
+              <a:pPr/>
+              <a:t>5/14/2019</a:t>
+            </a:fld>
+            <a:endParaRPr lang="en-US"/>
+          </a:p>
+        </p:txBody>
+      </p:sp>
+      <p:sp>
+        <p:nvSpPr>
+          <p:cNvPr id="5" name="Segnaposto numero diapositiva 4"/>
+          <p:cNvSpPr>
+            <a:spLocks noGrp="1"/>
+          </p:cNvSpPr>
+          <p:nvPr>
+            <p:ph type="sldNum" sz="quarter" idx="12"/>
+          </p:nvPr>
+        </p:nvSpPr>
+        <p:spPr/>
+        <p:txBody>
+          <a:bodyPr/>
+          <a:lstStyle/>
+          <a:p>
+            <a:fld id="{02623B3A-910D-43F4-BBA9-9429D5B0014D}" type="slidenum">
+              <a:rPr lang="en-US" smtClean="0"/>
+              <a:pPr/>
+              <a:t>29</a:t>
+            </a:fld>
+            <a:endParaRPr lang="en-US"/>
+          </a:p>
+        </p:txBody>
+      </p:sp>
+      <p:sp>
+        <p:nvSpPr>
+          <p:cNvPr id="8" name="Sottotitolo 7"/>
+          <p:cNvSpPr>
+            <a:spLocks noGrp="1"/>
+          </p:cNvSpPr>
+          <p:nvPr>
+            <p:ph type="subTitle" idx="14"/>
+          </p:nvPr>
+        </p:nvSpPr>
+        <p:spPr>
+          <a:xfrm>
+            <a:off x="1295400" y="1066800"/>
+            <a:ext cx="6400800" cy="457200"/>
+          </a:xfrm>
+        </p:spPr>
         <p:txBody>
           <a:bodyPr/>
           <a:lstStyle/>
@@ -6433,9 +7096,13 @@
                   <a:schemeClr val="tx1"/>
                 </a:solidFill>
               </a:rPr>
-              <a:t>Q&amp;A</a:t>
-            </a:r>
-            <a:endParaRPr lang="en-US" b="1" dirty="0">
+              <a:t>Summary on </a:t>
+            </a:r>
+            <a:r>
+              <a:rPr lang="en-US" b="1" dirty="0" smtClean="0"/>
+              <a:t>Encryption</a:t>
+            </a:r>
+            <a:endParaRPr lang="en-US" dirty="0">
               <a:solidFill>
                 <a:schemeClr val="tx1"/>
               </a:solidFill>
@@ -6446,7 +7113,7 @@
     </p:spTree>
     <p:extLst>
       <p:ext uri="{BB962C8B-B14F-4D97-AF65-F5344CB8AC3E}">
-        <p14:creationId xmlns:p14="http://schemas.microsoft.com/office/powerpoint/2010/main" val="2068919090"/>
+        <p14:creationId xmlns:p14="http://schemas.microsoft.com/office/powerpoint/2010/main" val="1940513839"/>
       </p:ext>
     </p:extLst>
   </p:cSld>
@@ -6527,7 +7194,7 @@
             <a:fld id="{F8078618-4CAE-48E8-A205-9D92A68D094A}" type="datetime1">
               <a:rPr lang="en-US" smtClean="0"/>
               <a:pPr/>
-              <a:t>5/9/2019</a:t>
+              <a:t>5/14/2019</a:t>
             </a:fld>
             <a:endParaRPr lang="en-US"/>
           </a:p>
@@ -6597,6 +7264,934 @@
     <p:extLst>
       <p:ext uri="{BB962C8B-B14F-4D97-AF65-F5344CB8AC3E}">
         <p14:creationId xmlns:p14="http://schemas.microsoft.com/office/powerpoint/2010/main" val="3822237958"/>
+      </p:ext>
+    </p:extLst>
+  </p:cSld>
+  <p:clrMapOvr>
+    <a:masterClrMapping/>
+  </p:clrMapOvr>
+  <p:timing>
+    <p:tnLst>
+      <p:par>
+        <p:cTn id="1" dur="indefinite" restart="never" nodeType="tmRoot"/>
+      </p:par>
+    </p:tnLst>
+  </p:timing>
+</p:sld>
+</file>
+
+<file path=ppt/slides/slide30.xml><?xml version="1.0" encoding="utf-8"?>
+<p:sld xmlns:a="http://schemas.openxmlformats.org/drawingml/2006/main" xmlns:r="http://schemas.openxmlformats.org/officeDocument/2006/relationships" xmlns:p="http://schemas.openxmlformats.org/presentationml/2006/main">
+  <p:cSld>
+    <p:spTree>
+      <p:nvGrpSpPr>
+        <p:cNvPr id="1" name=""/>
+        <p:cNvGrpSpPr/>
+        <p:nvPr/>
+      </p:nvGrpSpPr>
+      <p:grpSpPr>
+        <a:xfrm>
+          <a:off x="0" y="0"/>
+          <a:ext cx="0" cy="0"/>
+          <a:chOff x="0" y="0"/>
+          <a:chExt cx="0" cy="0"/>
+        </a:xfrm>
+      </p:grpSpPr>
+      <p:sp>
+        <p:nvSpPr>
+          <p:cNvPr id="2" name="Content Placeholder 1"/>
+          <p:cNvSpPr>
+            <a:spLocks noGrp="1"/>
+          </p:cNvSpPr>
+          <p:nvPr>
+            <p:ph idx="1"/>
+          </p:nvPr>
+        </p:nvSpPr>
+        <p:spPr/>
+        <p:txBody>
+          <a:bodyPr/>
+          <a:lstStyle/>
+          <a:p>
+            <a:endParaRPr lang="en-US"/>
+          </a:p>
+        </p:txBody>
+      </p:sp>
+      <p:sp>
+        <p:nvSpPr>
+          <p:cNvPr id="3" name="Date Placeholder 2"/>
+          <p:cNvSpPr>
+            <a:spLocks noGrp="1"/>
+          </p:cNvSpPr>
+          <p:nvPr>
+            <p:ph type="dt" sz="half" idx="10"/>
+          </p:nvPr>
+        </p:nvSpPr>
+        <p:spPr/>
+        <p:txBody>
+          <a:bodyPr/>
+          <a:lstStyle/>
+          <a:p>
+            <a:fld id="{F8078618-4CAE-48E8-A205-9D92A68D094A}" type="datetime1">
+              <a:rPr lang="en-US" smtClean="0"/>
+              <a:pPr/>
+              <a:t>5/14/2019</a:t>
+            </a:fld>
+            <a:endParaRPr lang="en-US"/>
+          </a:p>
+        </p:txBody>
+      </p:sp>
+      <p:sp>
+        <p:nvSpPr>
+          <p:cNvPr id="4" name="Slide Number Placeholder 3"/>
+          <p:cNvSpPr>
+            <a:spLocks noGrp="1"/>
+          </p:cNvSpPr>
+          <p:nvPr>
+            <p:ph type="sldNum" sz="quarter" idx="12"/>
+          </p:nvPr>
+        </p:nvSpPr>
+        <p:spPr/>
+        <p:txBody>
+          <a:bodyPr/>
+          <a:lstStyle/>
+          <a:p>
+            <a:fld id="{02623B3A-910D-43F4-BBA9-9429D5B0014D}" type="slidenum">
+              <a:rPr lang="en-US" smtClean="0"/>
+              <a:pPr/>
+              <a:t>30</a:t>
+            </a:fld>
+            <a:endParaRPr lang="en-US"/>
+          </a:p>
+        </p:txBody>
+      </p:sp>
+      <p:sp>
+        <p:nvSpPr>
+          <p:cNvPr id="5" name="Subtitle 4"/>
+          <p:cNvSpPr>
+            <a:spLocks noGrp="1"/>
+          </p:cNvSpPr>
+          <p:nvPr>
+            <p:ph type="subTitle" idx="14"/>
+          </p:nvPr>
+        </p:nvSpPr>
+        <p:spPr/>
+        <p:txBody>
+          <a:bodyPr/>
+          <a:lstStyle/>
+          <a:p>
+            <a:endParaRPr lang="en-US"/>
+          </a:p>
+        </p:txBody>
+      </p:sp>
+    </p:spTree>
+    <p:extLst>
+      <p:ext uri="{BB962C8B-B14F-4D97-AF65-F5344CB8AC3E}">
+        <p14:creationId xmlns:p14="http://schemas.microsoft.com/office/powerpoint/2010/main" val="4275870927"/>
+      </p:ext>
+    </p:extLst>
+  </p:cSld>
+  <p:clrMapOvr>
+    <a:masterClrMapping/>
+  </p:clrMapOvr>
+</p:sld>
+</file>
+
+<file path=ppt/slides/slide31.xml><?xml version="1.0" encoding="utf-8"?>
+<p:sld xmlns:a="http://schemas.openxmlformats.org/drawingml/2006/main" xmlns:r="http://schemas.openxmlformats.org/officeDocument/2006/relationships" xmlns:p="http://schemas.openxmlformats.org/presentationml/2006/main">
+  <p:cSld>
+    <p:spTree>
+      <p:nvGrpSpPr>
+        <p:cNvPr id="1" name=""/>
+        <p:cNvGrpSpPr/>
+        <p:nvPr/>
+      </p:nvGrpSpPr>
+      <p:grpSpPr>
+        <a:xfrm>
+          <a:off x="0" y="0"/>
+          <a:ext cx="0" cy="0"/>
+          <a:chOff x="0" y="0"/>
+          <a:chExt cx="0" cy="0"/>
+        </a:xfrm>
+      </p:grpSpPr>
+      <p:sp>
+        <p:nvSpPr>
+          <p:cNvPr id="3" name="Segnaposto contenuto 2"/>
+          <p:cNvSpPr>
+            <a:spLocks noGrp="1"/>
+          </p:cNvSpPr>
+          <p:nvPr>
+            <p:ph idx="1"/>
+          </p:nvPr>
+        </p:nvSpPr>
+        <p:spPr/>
+        <p:txBody>
+          <a:bodyPr>
+            <a:normAutofit fontScale="92500" lnSpcReduction="10000"/>
+          </a:bodyPr>
+          <a:lstStyle/>
+          <a:p>
+            <a:r>
+              <a:rPr lang="en-US" sz="1900" i="1" dirty="0" smtClean="0"/>
+              <a:t>Description of the new function </a:t>
+            </a:r>
+          </a:p>
+          <a:p>
+            <a:r>
+              <a:rPr lang="en-US" sz="1900" i="1" dirty="0" smtClean="0"/>
+              <a:t>Cases where the function is useful</a:t>
+            </a:r>
+          </a:p>
+          <a:p>
+            <a:r>
+              <a:rPr lang="en-US" sz="1900" i="1" dirty="0" smtClean="0"/>
+              <a:t>Business limitations</a:t>
+            </a:r>
+          </a:p>
+          <a:p>
+            <a:endParaRPr lang="en-US" sz="1900" i="1" dirty="0" smtClean="0"/>
+          </a:p>
+          <a:p>
+            <a:pPr>
+              <a:buNone/>
+            </a:pPr>
+            <a:r>
+              <a:rPr lang="en-US" sz="1900" i="1" dirty="0" smtClean="0"/>
+              <a:t>For example:</a:t>
+            </a:r>
+          </a:p>
+          <a:p>
+            <a:pPr>
+              <a:buNone/>
+            </a:pPr>
+            <a:r>
+              <a:rPr lang="en-US" sz="1900" i="1" dirty="0" smtClean="0"/>
+              <a:t> Additional cost management on purchase order. By this functionality AX can track all additional cost on purchase order such as:</a:t>
+            </a:r>
+          </a:p>
+          <a:p>
+            <a:pPr lvl="1"/>
+            <a:r>
+              <a:rPr lang="en-US" sz="1900" i="1" dirty="0" smtClean="0"/>
+              <a:t>packing cost</a:t>
+            </a:r>
+          </a:p>
+          <a:p>
+            <a:pPr lvl="1"/>
+            <a:r>
+              <a:rPr lang="en-US" sz="1900" i="1" dirty="0" smtClean="0"/>
+              <a:t>Transportation</a:t>
+            </a:r>
+          </a:p>
+          <a:p>
+            <a:pPr lvl="1"/>
+            <a:r>
+              <a:rPr lang="en-US" sz="1900" i="1" dirty="0" smtClean="0"/>
+              <a:t>Insurance</a:t>
+            </a:r>
+          </a:p>
+          <a:p>
+            <a:pPr lvl="1"/>
+            <a:r>
+              <a:rPr lang="en-US" sz="1900" i="1" dirty="0" smtClean="0"/>
+              <a:t>Etc.</a:t>
+            </a:r>
+          </a:p>
+          <a:p>
+            <a:pPr>
+              <a:buNone/>
+            </a:pPr>
+            <a:endParaRPr lang="en-US" i="1" dirty="0" smtClean="0"/>
+          </a:p>
+          <a:p>
+            <a:pPr>
+              <a:buNone/>
+            </a:pPr>
+            <a:endParaRPr lang="en-US" i="1" dirty="0" smtClean="0"/>
+          </a:p>
+          <a:p>
+            <a:pPr>
+              <a:buNone/>
+            </a:pPr>
+            <a:endParaRPr lang="en-US" i="1" dirty="0" smtClean="0"/>
+          </a:p>
+          <a:p>
+            <a:pPr>
+              <a:buNone/>
+            </a:pPr>
+            <a:endParaRPr lang="en-US" i="1" dirty="0"/>
+          </a:p>
+        </p:txBody>
+      </p:sp>
+      <p:sp>
+        <p:nvSpPr>
+          <p:cNvPr id="4" name="Segnaposto data 3"/>
+          <p:cNvSpPr>
+            <a:spLocks noGrp="1"/>
+          </p:cNvSpPr>
+          <p:nvPr>
+            <p:ph type="dt" sz="half" idx="10"/>
+          </p:nvPr>
+        </p:nvSpPr>
+        <p:spPr/>
+        <p:txBody>
+          <a:bodyPr/>
+          <a:lstStyle/>
+          <a:p>
+            <a:fld id="{F8078618-4CAE-48E8-A205-9D92A68D094A}" type="datetime1">
+              <a:rPr lang="en-US" smtClean="0"/>
+              <a:pPr/>
+              <a:t>5/14/2019</a:t>
+            </a:fld>
+            <a:endParaRPr lang="en-US"/>
+          </a:p>
+        </p:txBody>
+      </p:sp>
+      <p:sp>
+        <p:nvSpPr>
+          <p:cNvPr id="5" name="Segnaposto numero diapositiva 4"/>
+          <p:cNvSpPr>
+            <a:spLocks noGrp="1"/>
+          </p:cNvSpPr>
+          <p:nvPr>
+            <p:ph type="sldNum" sz="quarter" idx="12"/>
+          </p:nvPr>
+        </p:nvSpPr>
+        <p:spPr/>
+        <p:txBody>
+          <a:bodyPr/>
+          <a:lstStyle/>
+          <a:p>
+            <a:fld id="{02623B3A-910D-43F4-BBA9-9429D5B0014D}" type="slidenum">
+              <a:rPr lang="en-US" smtClean="0"/>
+              <a:pPr/>
+              <a:t>31</a:t>
+            </a:fld>
+            <a:endParaRPr lang="en-US"/>
+          </a:p>
+        </p:txBody>
+      </p:sp>
+      <p:sp>
+        <p:nvSpPr>
+          <p:cNvPr id="7" name="Sottotitolo 6"/>
+          <p:cNvSpPr>
+            <a:spLocks noGrp="1"/>
+          </p:cNvSpPr>
+          <p:nvPr>
+            <p:ph type="subTitle" idx="14"/>
+          </p:nvPr>
+        </p:nvSpPr>
+        <p:spPr/>
+        <p:txBody>
+          <a:bodyPr/>
+          <a:lstStyle/>
+          <a:p>
+            <a:r>
+              <a:rPr lang="en-US" b="1" dirty="0" smtClean="0">
+                <a:solidFill>
+                  <a:schemeClr val="tx1"/>
+                </a:solidFill>
+              </a:rPr>
+              <a:t>Functionality</a:t>
+            </a:r>
+            <a:r>
+              <a:rPr lang="en-US" dirty="0" smtClean="0">
+                <a:solidFill>
+                  <a:schemeClr val="tx1"/>
+                </a:solidFill>
+              </a:rPr>
+              <a:t> </a:t>
+            </a:r>
+            <a:r>
+              <a:rPr lang="en-US" b="1" dirty="0" smtClean="0">
+                <a:solidFill>
+                  <a:schemeClr val="tx1"/>
+                </a:solidFill>
+              </a:rPr>
+              <a:t>description</a:t>
+            </a:r>
+          </a:p>
+        </p:txBody>
+      </p:sp>
+    </p:spTree>
+  </p:cSld>
+  <p:clrMapOvr>
+    <a:masterClrMapping/>
+  </p:clrMapOvr>
+  <p:timing>
+    <p:tnLst>
+      <p:par>
+        <p:cTn id="1" dur="indefinite" restart="never" nodeType="tmRoot"/>
+      </p:par>
+    </p:tnLst>
+  </p:timing>
+</p:sld>
+</file>
+
+<file path=ppt/slides/slide32.xml><?xml version="1.0" encoding="utf-8"?>
+<p:sld xmlns:a="http://schemas.openxmlformats.org/drawingml/2006/main" xmlns:r="http://schemas.openxmlformats.org/officeDocument/2006/relationships" xmlns:p="http://schemas.openxmlformats.org/presentationml/2006/main">
+  <p:cSld>
+    <p:spTree>
+      <p:nvGrpSpPr>
+        <p:cNvPr id="1" name=""/>
+        <p:cNvGrpSpPr/>
+        <p:nvPr/>
+      </p:nvGrpSpPr>
+      <p:grpSpPr>
+        <a:xfrm>
+          <a:off x="0" y="0"/>
+          <a:ext cx="0" cy="0"/>
+          <a:chOff x="0" y="0"/>
+          <a:chExt cx="0" cy="0"/>
+        </a:xfrm>
+      </p:grpSpPr>
+      <p:sp>
+        <p:nvSpPr>
+          <p:cNvPr id="3" name="Segnaposto contenuto 2"/>
+          <p:cNvSpPr>
+            <a:spLocks noGrp="1"/>
+          </p:cNvSpPr>
+          <p:nvPr>
+            <p:ph idx="1"/>
+          </p:nvPr>
+        </p:nvSpPr>
+        <p:spPr/>
+        <p:txBody>
+          <a:bodyPr>
+            <a:normAutofit/>
+          </a:bodyPr>
+          <a:lstStyle/>
+          <a:p>
+            <a:endParaRPr lang="en-US" dirty="0" smtClean="0"/>
+          </a:p>
+          <a:p>
+            <a:pPr indent="0">
+              <a:buNone/>
+            </a:pPr>
+            <a:r>
+              <a:rPr lang="en-US" sz="1600" i="1" dirty="0" smtClean="0"/>
+              <a:t>Business Limitations </a:t>
+            </a:r>
+          </a:p>
+          <a:p>
+            <a:pPr indent="0">
+              <a:buNone/>
+            </a:pPr>
+            <a:r>
+              <a:rPr lang="en-US" sz="1600" i="1" dirty="0" smtClean="0"/>
+              <a:t>Example: If the additional cost has to be invoiced to a third party vendor, the functionality doesn't apply </a:t>
+            </a:r>
+          </a:p>
+        </p:txBody>
+      </p:sp>
+      <p:sp>
+        <p:nvSpPr>
+          <p:cNvPr id="4" name="Segnaposto data 3"/>
+          <p:cNvSpPr>
+            <a:spLocks noGrp="1"/>
+          </p:cNvSpPr>
+          <p:nvPr>
+            <p:ph type="dt" sz="half" idx="10"/>
+          </p:nvPr>
+        </p:nvSpPr>
+        <p:spPr/>
+        <p:txBody>
+          <a:bodyPr/>
+          <a:lstStyle/>
+          <a:p>
+            <a:fld id="{F8078618-4CAE-48E8-A205-9D92A68D094A}" type="datetime1">
+              <a:rPr lang="en-US" smtClean="0"/>
+              <a:pPr/>
+              <a:t>5/14/2019</a:t>
+            </a:fld>
+            <a:endParaRPr lang="en-US"/>
+          </a:p>
+        </p:txBody>
+      </p:sp>
+      <p:sp>
+        <p:nvSpPr>
+          <p:cNvPr id="5" name="Segnaposto numero diapositiva 4"/>
+          <p:cNvSpPr>
+            <a:spLocks noGrp="1"/>
+          </p:cNvSpPr>
+          <p:nvPr>
+            <p:ph type="sldNum" sz="quarter" idx="12"/>
+          </p:nvPr>
+        </p:nvSpPr>
+        <p:spPr/>
+        <p:txBody>
+          <a:bodyPr/>
+          <a:lstStyle/>
+          <a:p>
+            <a:fld id="{02623B3A-910D-43F4-BBA9-9429D5B0014D}" type="slidenum">
+              <a:rPr lang="en-US" smtClean="0"/>
+              <a:pPr/>
+              <a:t>32</a:t>
+            </a:fld>
+            <a:endParaRPr lang="en-US"/>
+          </a:p>
+        </p:txBody>
+      </p:sp>
+      <p:sp>
+        <p:nvSpPr>
+          <p:cNvPr id="8" name="Sottotitolo 7"/>
+          <p:cNvSpPr>
+            <a:spLocks noGrp="1"/>
+          </p:cNvSpPr>
+          <p:nvPr>
+            <p:ph type="subTitle" idx="14"/>
+          </p:nvPr>
+        </p:nvSpPr>
+        <p:spPr/>
+        <p:txBody>
+          <a:bodyPr/>
+          <a:lstStyle/>
+          <a:p>
+            <a:r>
+              <a:rPr lang="en-US" b="1" dirty="0" smtClean="0">
+                <a:solidFill>
+                  <a:schemeClr val="tx1"/>
+                </a:solidFill>
+              </a:rPr>
+              <a:t>Functionality</a:t>
+            </a:r>
+            <a:r>
+              <a:rPr lang="en-US" dirty="0" smtClean="0">
+                <a:solidFill>
+                  <a:schemeClr val="tx1"/>
+                </a:solidFill>
+              </a:rPr>
+              <a:t> </a:t>
+            </a:r>
+            <a:r>
+              <a:rPr lang="en-US" b="1" dirty="0" smtClean="0">
+                <a:solidFill>
+                  <a:schemeClr val="tx1"/>
+                </a:solidFill>
+              </a:rPr>
+              <a:t>description</a:t>
+            </a:r>
+          </a:p>
+        </p:txBody>
+      </p:sp>
+    </p:spTree>
+  </p:cSld>
+  <p:clrMapOvr>
+    <a:masterClrMapping/>
+  </p:clrMapOvr>
+  <p:timing>
+    <p:tnLst>
+      <p:par>
+        <p:cTn id="1" dur="indefinite" restart="never" nodeType="tmRoot"/>
+      </p:par>
+    </p:tnLst>
+  </p:timing>
+</p:sld>
+</file>
+
+<file path=ppt/slides/slide33.xml><?xml version="1.0" encoding="utf-8"?>
+<p:sld xmlns:a="http://schemas.openxmlformats.org/drawingml/2006/main" xmlns:r="http://schemas.openxmlformats.org/officeDocument/2006/relationships" xmlns:p="http://schemas.openxmlformats.org/presentationml/2006/main">
+  <p:cSld>
+    <p:spTree>
+      <p:nvGrpSpPr>
+        <p:cNvPr id="1" name=""/>
+        <p:cNvGrpSpPr/>
+        <p:nvPr/>
+      </p:nvGrpSpPr>
+      <p:grpSpPr>
+        <a:xfrm>
+          <a:off x="0" y="0"/>
+          <a:ext cx="0" cy="0"/>
+          <a:chOff x="0" y="0"/>
+          <a:chExt cx="0" cy="0"/>
+        </a:xfrm>
+      </p:grpSpPr>
+      <p:sp>
+        <p:nvSpPr>
+          <p:cNvPr id="3" name="Segnaposto contenuto 2"/>
+          <p:cNvSpPr>
+            <a:spLocks noGrp="1"/>
+          </p:cNvSpPr>
+          <p:nvPr>
+            <p:ph idx="1"/>
+          </p:nvPr>
+        </p:nvSpPr>
+        <p:spPr/>
+        <p:txBody>
+          <a:bodyPr/>
+          <a:lstStyle/>
+          <a:p>
+            <a:pPr algn="ctr">
+              <a:buNone/>
+            </a:pPr>
+            <a:endParaRPr lang="en-US" b="1" dirty="0" smtClean="0"/>
+          </a:p>
+          <a:p>
+            <a:pPr indent="0">
+              <a:buNone/>
+            </a:pPr>
+            <a:r>
+              <a:rPr lang="en-US" sz="1800" i="1" dirty="0" smtClean="0"/>
+              <a:t>Main forms and parameters  involved, in order to setup the functionality </a:t>
+            </a:r>
+          </a:p>
+          <a:p>
+            <a:pPr indent="0">
+              <a:buNone/>
+            </a:pPr>
+            <a:endParaRPr lang="en-US" i="1" dirty="0" smtClean="0"/>
+          </a:p>
+          <a:p>
+            <a:pPr indent="0">
+              <a:buNone/>
+            </a:pPr>
+            <a:endParaRPr lang="en-US" i="1" dirty="0"/>
+          </a:p>
+        </p:txBody>
+      </p:sp>
+      <p:sp>
+        <p:nvSpPr>
+          <p:cNvPr id="4" name="Segnaposto data 3"/>
+          <p:cNvSpPr>
+            <a:spLocks noGrp="1"/>
+          </p:cNvSpPr>
+          <p:nvPr>
+            <p:ph type="dt" sz="half" idx="10"/>
+          </p:nvPr>
+        </p:nvSpPr>
+        <p:spPr/>
+        <p:txBody>
+          <a:bodyPr/>
+          <a:lstStyle/>
+          <a:p>
+            <a:fld id="{F8078618-4CAE-48E8-A205-9D92A68D094A}" type="datetime1">
+              <a:rPr lang="en-US" smtClean="0"/>
+              <a:pPr/>
+              <a:t>5/14/2019</a:t>
+            </a:fld>
+            <a:endParaRPr lang="en-US"/>
+          </a:p>
+        </p:txBody>
+      </p:sp>
+      <p:sp>
+        <p:nvSpPr>
+          <p:cNvPr id="5" name="Segnaposto numero diapositiva 4"/>
+          <p:cNvSpPr>
+            <a:spLocks noGrp="1"/>
+          </p:cNvSpPr>
+          <p:nvPr>
+            <p:ph type="sldNum" sz="quarter" idx="12"/>
+          </p:nvPr>
+        </p:nvSpPr>
+        <p:spPr/>
+        <p:txBody>
+          <a:bodyPr/>
+          <a:lstStyle/>
+          <a:p>
+            <a:fld id="{02623B3A-910D-43F4-BBA9-9429D5B0014D}" type="slidenum">
+              <a:rPr lang="en-US" smtClean="0"/>
+              <a:pPr/>
+              <a:t>33</a:t>
+            </a:fld>
+            <a:endParaRPr lang="en-US"/>
+          </a:p>
+        </p:txBody>
+      </p:sp>
+      <p:sp>
+        <p:nvSpPr>
+          <p:cNvPr id="8" name="Sottotitolo 7"/>
+          <p:cNvSpPr>
+            <a:spLocks noGrp="1"/>
+          </p:cNvSpPr>
+          <p:nvPr>
+            <p:ph type="subTitle" idx="14"/>
+          </p:nvPr>
+        </p:nvSpPr>
+        <p:spPr/>
+        <p:txBody>
+          <a:bodyPr/>
+          <a:lstStyle/>
+          <a:p>
+            <a:r>
+              <a:rPr lang="en-US" b="1" dirty="0" smtClean="0"/>
+              <a:t>AX modules involved and setup</a:t>
+            </a:r>
+          </a:p>
+          <a:p>
+            <a:endParaRPr lang="en-US" dirty="0"/>
+          </a:p>
+        </p:txBody>
+      </p:sp>
+    </p:spTree>
+  </p:cSld>
+  <p:clrMapOvr>
+    <a:masterClrMapping/>
+  </p:clrMapOvr>
+  <p:timing>
+    <p:tnLst>
+      <p:par>
+        <p:cTn id="1" dur="indefinite" restart="never" nodeType="tmRoot"/>
+      </p:par>
+    </p:tnLst>
+  </p:timing>
+</p:sld>
+</file>
+
+<file path=ppt/slides/slide34.xml><?xml version="1.0" encoding="utf-8"?>
+<p:sld xmlns:a="http://schemas.openxmlformats.org/drawingml/2006/main" xmlns:r="http://schemas.openxmlformats.org/officeDocument/2006/relationships" xmlns:p="http://schemas.openxmlformats.org/presentationml/2006/main">
+  <p:cSld>
+    <p:spTree>
+      <p:nvGrpSpPr>
+        <p:cNvPr id="1" name=""/>
+        <p:cNvGrpSpPr/>
+        <p:nvPr/>
+      </p:nvGrpSpPr>
+      <p:grpSpPr>
+        <a:xfrm>
+          <a:off x="0" y="0"/>
+          <a:ext cx="0" cy="0"/>
+          <a:chOff x="0" y="0"/>
+          <a:chExt cx="0" cy="0"/>
+        </a:xfrm>
+      </p:grpSpPr>
+      <p:sp>
+        <p:nvSpPr>
+          <p:cNvPr id="3" name="Segnaposto contenuto 2"/>
+          <p:cNvSpPr>
+            <a:spLocks noGrp="1"/>
+          </p:cNvSpPr>
+          <p:nvPr>
+            <p:ph idx="1"/>
+          </p:nvPr>
+        </p:nvSpPr>
+        <p:spPr/>
+        <p:txBody>
+          <a:bodyPr/>
+          <a:lstStyle/>
+          <a:p>
+            <a:pPr>
+              <a:buNone/>
+            </a:pPr>
+            <a:r>
+              <a:rPr lang="en-US" i="1" dirty="0" smtClean="0"/>
+              <a:t>Demo steps</a:t>
+            </a:r>
+            <a:endParaRPr lang="en-US" i="1" dirty="0"/>
+          </a:p>
+        </p:txBody>
+      </p:sp>
+      <p:sp>
+        <p:nvSpPr>
+          <p:cNvPr id="4" name="Segnaposto data 3"/>
+          <p:cNvSpPr>
+            <a:spLocks noGrp="1"/>
+          </p:cNvSpPr>
+          <p:nvPr>
+            <p:ph type="dt" sz="half" idx="10"/>
+          </p:nvPr>
+        </p:nvSpPr>
+        <p:spPr/>
+        <p:txBody>
+          <a:bodyPr/>
+          <a:lstStyle/>
+          <a:p>
+            <a:fld id="{F8078618-4CAE-48E8-A205-9D92A68D094A}" type="datetime1">
+              <a:rPr lang="en-US" smtClean="0"/>
+              <a:pPr/>
+              <a:t>5/14/2019</a:t>
+            </a:fld>
+            <a:endParaRPr lang="en-US"/>
+          </a:p>
+        </p:txBody>
+      </p:sp>
+      <p:sp>
+        <p:nvSpPr>
+          <p:cNvPr id="5" name="Segnaposto numero diapositiva 4"/>
+          <p:cNvSpPr>
+            <a:spLocks noGrp="1"/>
+          </p:cNvSpPr>
+          <p:nvPr>
+            <p:ph type="sldNum" sz="quarter" idx="12"/>
+          </p:nvPr>
+        </p:nvSpPr>
+        <p:spPr/>
+        <p:txBody>
+          <a:bodyPr/>
+          <a:lstStyle/>
+          <a:p>
+            <a:fld id="{02623B3A-910D-43F4-BBA9-9429D5B0014D}" type="slidenum">
+              <a:rPr lang="en-US" smtClean="0"/>
+              <a:pPr/>
+              <a:t>34</a:t>
+            </a:fld>
+            <a:endParaRPr lang="en-US"/>
+          </a:p>
+        </p:txBody>
+      </p:sp>
+      <p:sp>
+        <p:nvSpPr>
+          <p:cNvPr id="8" name="Sottotitolo 7"/>
+          <p:cNvSpPr>
+            <a:spLocks noGrp="1"/>
+          </p:cNvSpPr>
+          <p:nvPr>
+            <p:ph type="subTitle" idx="14"/>
+          </p:nvPr>
+        </p:nvSpPr>
+        <p:spPr/>
+        <p:txBody>
+          <a:bodyPr/>
+          <a:lstStyle/>
+          <a:p>
+            <a:r>
+              <a:rPr lang="en-US" b="1" dirty="0" smtClean="0">
+                <a:solidFill>
+                  <a:schemeClr val="tx1"/>
+                </a:solidFill>
+              </a:rPr>
+              <a:t>Demo</a:t>
+            </a:r>
+            <a:endParaRPr lang="en-US" b="1" dirty="0">
+              <a:solidFill>
+                <a:schemeClr val="tx1"/>
+              </a:solidFill>
+            </a:endParaRPr>
+          </a:p>
+        </p:txBody>
+      </p:sp>
+    </p:spTree>
+  </p:cSld>
+  <p:clrMapOvr>
+    <a:masterClrMapping/>
+  </p:clrMapOvr>
+  <p:timing>
+    <p:tnLst>
+      <p:par>
+        <p:cTn id="1" dur="indefinite" restart="never" nodeType="tmRoot"/>
+      </p:par>
+    </p:tnLst>
+  </p:timing>
+</p:sld>
+</file>
+
+<file path=ppt/slides/slide35.xml><?xml version="1.0" encoding="utf-8"?>
+<p:sld xmlns:a="http://schemas.openxmlformats.org/drawingml/2006/main" xmlns:r="http://schemas.openxmlformats.org/officeDocument/2006/relationships" xmlns:p="http://schemas.openxmlformats.org/presentationml/2006/main">
+  <p:cSld>
+    <p:spTree>
+      <p:nvGrpSpPr>
+        <p:cNvPr id="1" name=""/>
+        <p:cNvGrpSpPr/>
+        <p:nvPr/>
+      </p:nvGrpSpPr>
+      <p:grpSpPr>
+        <a:xfrm>
+          <a:off x="0" y="0"/>
+          <a:ext cx="0" cy="0"/>
+          <a:chOff x="0" y="0"/>
+          <a:chExt cx="0" cy="0"/>
+        </a:xfrm>
+      </p:grpSpPr>
+      <p:sp>
+        <p:nvSpPr>
+          <p:cNvPr id="8" name="Segnaposto contenuto 7"/>
+          <p:cNvSpPr>
+            <a:spLocks noGrp="1"/>
+          </p:cNvSpPr>
+          <p:nvPr>
+            <p:ph idx="1"/>
+          </p:nvPr>
+        </p:nvSpPr>
+        <p:spPr/>
+        <p:txBody>
+          <a:bodyPr/>
+          <a:lstStyle/>
+          <a:p>
+            <a:endParaRPr lang="en-US" dirty="0"/>
+          </a:p>
+        </p:txBody>
+      </p:sp>
+      <p:sp>
+        <p:nvSpPr>
+          <p:cNvPr id="4" name="Segnaposto data 3"/>
+          <p:cNvSpPr>
+            <a:spLocks noGrp="1"/>
+          </p:cNvSpPr>
+          <p:nvPr>
+            <p:ph type="dt" sz="half" idx="10"/>
+          </p:nvPr>
+        </p:nvSpPr>
+        <p:spPr/>
+        <p:txBody>
+          <a:bodyPr/>
+          <a:lstStyle/>
+          <a:p>
+            <a:fld id="{F8078618-4CAE-48E8-A205-9D92A68D094A}" type="datetime1">
+              <a:rPr lang="en-US" smtClean="0"/>
+              <a:pPr/>
+              <a:t>5/14/2019</a:t>
+            </a:fld>
+            <a:endParaRPr lang="en-US"/>
+          </a:p>
+        </p:txBody>
+      </p:sp>
+      <p:sp>
+        <p:nvSpPr>
+          <p:cNvPr id="5" name="Segnaposto numero diapositiva 4"/>
+          <p:cNvSpPr>
+            <a:spLocks noGrp="1"/>
+          </p:cNvSpPr>
+          <p:nvPr>
+            <p:ph type="sldNum" sz="quarter" idx="12"/>
+          </p:nvPr>
+        </p:nvSpPr>
+        <p:spPr/>
+        <p:txBody>
+          <a:bodyPr/>
+          <a:lstStyle/>
+          <a:p>
+            <a:fld id="{02623B3A-910D-43F4-BBA9-9429D5B0014D}" type="slidenum">
+              <a:rPr lang="en-US" smtClean="0"/>
+              <a:pPr/>
+              <a:t>35</a:t>
+            </a:fld>
+            <a:endParaRPr lang="en-US"/>
+          </a:p>
+        </p:txBody>
+      </p:sp>
+      <p:sp>
+        <p:nvSpPr>
+          <p:cNvPr id="7" name="Sottotitolo 6"/>
+          <p:cNvSpPr>
+            <a:spLocks noGrp="1"/>
+          </p:cNvSpPr>
+          <p:nvPr>
+            <p:ph type="subTitle" idx="14"/>
+          </p:nvPr>
+        </p:nvSpPr>
+        <p:spPr/>
+        <p:txBody>
+          <a:bodyPr/>
+          <a:lstStyle/>
+          <a:p>
+            <a:r>
+              <a:rPr lang="en-US" b="1" dirty="0" smtClean="0">
+                <a:solidFill>
+                  <a:schemeClr val="tx1"/>
+                </a:solidFill>
+              </a:rPr>
+              <a:t>Q&amp;A</a:t>
+            </a:r>
+            <a:endParaRPr lang="en-US" b="1" dirty="0">
+              <a:solidFill>
+                <a:schemeClr val="tx1"/>
+              </a:solidFill>
+            </a:endParaRPr>
+          </a:p>
+        </p:txBody>
+      </p:sp>
+    </p:spTree>
+    <p:extLst>
+      <p:ext uri="{BB962C8B-B14F-4D97-AF65-F5344CB8AC3E}">
+        <p14:creationId xmlns:p14="http://schemas.microsoft.com/office/powerpoint/2010/main" val="2068919090"/>
       </p:ext>
     </p:extLst>
   </p:cSld>
@@ -6648,7 +8243,7 @@
             <a:fld id="{F8078618-4CAE-48E8-A205-9D92A68D094A}" type="datetime1">
               <a:rPr lang="en-US" smtClean="0"/>
               <a:pPr/>
-              <a:t>5/9/2019</a:t>
+              <a:t>5/14/2019</a:t>
             </a:fld>
             <a:endParaRPr lang="en-US"/>
           </a:p>
@@ -6881,7 +8476,7 @@
             <a:fld id="{F8078618-4CAE-48E8-A205-9D92A68D094A}" type="datetime1">
               <a:rPr lang="en-US" smtClean="0"/>
               <a:pPr/>
-              <a:t>5/9/2019</a:t>
+              <a:t>5/14/2019</a:t>
             </a:fld>
             <a:endParaRPr lang="en-US"/>
           </a:p>
@@ -7003,7 +8598,7 @@
             <a:fld id="{DD590542-A0EB-48D5-9722-C0A8052BF4A2}" type="datetime1">
               <a:rPr lang="en-US" smtClean="0"/>
               <a:pPr/>
-              <a:t>5/9/2019</a:t>
+              <a:t>5/14/2019</a:t>
             </a:fld>
             <a:endParaRPr lang="en-US" dirty="0"/>
           </a:p>
@@ -7057,10 +8652,6 @@
             <a:r>
               <a:rPr lang="en-US" dirty="0" smtClean="0"/>
               <a:t>Secrets</a:t>
-            </a:r>
-            <a:r>
-              <a:rPr lang="en-US" dirty="0" smtClean="0"/>
-              <a:t/>
             </a:r>
             <a:br>
               <a:rPr lang="en-US" dirty="0" smtClean="0"/>
@@ -7171,7 +8762,7 @@
             <a:fld id="{F8078618-4CAE-48E8-A205-9D92A68D094A}" type="datetime1">
               <a:rPr lang="en-US" smtClean="0"/>
               <a:pPr/>
-              <a:t>5/9/2019</a:t>
+              <a:t>5/14/2019</a:t>
             </a:fld>
             <a:endParaRPr lang="en-US"/>
           </a:p>
@@ -7416,7 +9007,7 @@
             <a:fld id="{F8078618-4CAE-48E8-A205-9D92A68D094A}" type="datetime1">
               <a:rPr lang="en-US" smtClean="0"/>
               <a:pPr/>
-              <a:t>5/9/2019</a:t>
+              <a:t>5/14/2019</a:t>
             </a:fld>
             <a:endParaRPr lang="en-US"/>
           </a:p>
@@ -7590,7 +9181,7 @@
             <a:fld id="{F8078618-4CAE-48E8-A205-9D92A68D094A}" type="datetime1">
               <a:rPr lang="en-US" smtClean="0"/>
               <a:pPr/>
-              <a:t>5/9/2019</a:t>
+              <a:t>5/14/2019</a:t>
             </a:fld>
             <a:endParaRPr lang="en-US"/>
           </a:p>
@@ -8585,6 +10176,49 @@
 </a:themeOverride>
 </file>
 
+<file path=ppt/theme/themeOverride3.xml><?xml version="1.0" encoding="utf-8"?>
+<a:themeOverride xmlns:a="http://schemas.openxmlformats.org/drawingml/2006/main">
+  <a:clrScheme name="WürthPhoenix">
+    <a:dk1>
+      <a:sysClr val="windowText" lastClr="000000"/>
+    </a:dk1>
+    <a:lt1>
+      <a:sysClr val="window" lastClr="FFFFFF"/>
+    </a:lt1>
+    <a:dk2>
+      <a:srgbClr val="7F7F7F"/>
+    </a:dk2>
+    <a:lt2>
+      <a:srgbClr val="EEECE1"/>
+    </a:lt2>
+    <a:accent1>
+      <a:srgbClr val="D8D8D8"/>
+    </a:accent1>
+    <a:accent2>
+      <a:srgbClr val="000000"/>
+    </a:accent2>
+    <a:accent3>
+      <a:srgbClr val="FF0000"/>
+    </a:accent3>
+    <a:accent4>
+      <a:srgbClr val="F2F2F2"/>
+    </a:accent4>
+    <a:accent5>
+      <a:srgbClr val="C00000"/>
+    </a:accent5>
+    <a:accent6>
+      <a:srgbClr val="F2F2F2"/>
+    </a:accent6>
+    <a:hlink>
+      <a:srgbClr val="0000FF"/>
+    </a:hlink>
+    <a:folHlink>
+      <a:srgbClr val="C00000"/>
+    </a:folHlink>
+  </a:clrScheme>
+</a:themeOverride>
+</file>
+
 <file path=customXml/item1.xml><?xml version="1.0" encoding="utf-8"?>
 <ct:contentTypeSchema xmlns:ct="http://schemas.microsoft.com/office/2006/metadata/contentType" xmlns:ma="http://schemas.microsoft.com/office/2006/metadata/properties/metaAttributes" ct:_="" ma:_="" ma:contentTypeName="Document" ma:contentTypeID="0x01010047BE36A7D7E3284AAF54A9304029004A" ma:contentTypeVersion="5" ma:contentTypeDescription="Create a new document." ma:contentTypeScope="" ma:versionID="c41cecac77d1fce3cca08e421bb73e78">
   <xsd:schema xmlns:xsd="http://www.w3.org/2001/XMLSchema" xmlns:xs="http://www.w3.org/2001/XMLSchema" xmlns:p="http://schemas.microsoft.com/office/2006/metadata/properties" xmlns:ns2="00f996c0-c54d-4e74-bd1f-4dc98d288dc1" targetNamespace="http://schemas.microsoft.com/office/2006/metadata/properties" ma:root="true" ma:fieldsID="8170742d2341719c31d0929a5c17f8bb" ns2:_="">

--- a/Presentation.pptx
+++ b/Presentation.pptx
@@ -5,47 +5,52 @@
     <p:sldMasterId id="2147483648" r:id="rId4"/>
   </p:sldMasterIdLst>
   <p:notesMasterIdLst>
-    <p:notesMasterId r:id="rId40"/>
+    <p:notesMasterId r:id="rId45"/>
   </p:notesMasterIdLst>
   <p:handoutMasterIdLst>
-    <p:handoutMasterId r:id="rId41"/>
+    <p:handoutMasterId r:id="rId46"/>
   </p:handoutMasterIdLst>
   <p:sldIdLst>
     <p:sldId id="256" r:id="rId5"/>
-    <p:sldId id="266" r:id="rId6"/>
-    <p:sldId id="280" r:id="rId7"/>
-    <p:sldId id="281" r:id="rId8"/>
-    <p:sldId id="258" r:id="rId9"/>
-    <p:sldId id="282" r:id="rId10"/>
-    <p:sldId id="271" r:id="rId11"/>
-    <p:sldId id="276" r:id="rId12"/>
-    <p:sldId id="275" r:id="rId13"/>
-    <p:sldId id="272" r:id="rId14"/>
-    <p:sldId id="267" r:id="rId15"/>
-    <p:sldId id="273" r:id="rId16"/>
-    <p:sldId id="268" r:id="rId17"/>
-    <p:sldId id="274" r:id="rId18"/>
-    <p:sldId id="277" r:id="rId19"/>
-    <p:sldId id="269" r:id="rId20"/>
-    <p:sldId id="279" r:id="rId21"/>
-    <p:sldId id="286" r:id="rId22"/>
-    <p:sldId id="261" r:id="rId23"/>
-    <p:sldId id="288" r:id="rId24"/>
-    <p:sldId id="289" r:id="rId25"/>
-    <p:sldId id="287" r:id="rId26"/>
-    <p:sldId id="284" r:id="rId27"/>
-    <p:sldId id="265" r:id="rId28"/>
-    <p:sldId id="290" r:id="rId29"/>
-    <p:sldId id="270" r:id="rId30"/>
-    <p:sldId id="285" r:id="rId31"/>
-    <p:sldId id="292" r:id="rId32"/>
-    <p:sldId id="291" r:id="rId33"/>
-    <p:sldId id="283" r:id="rId34"/>
-    <p:sldId id="259" r:id="rId35"/>
-    <p:sldId id="263" r:id="rId36"/>
-    <p:sldId id="262" r:id="rId37"/>
-    <p:sldId id="264" r:id="rId38"/>
-    <p:sldId id="278" r:id="rId39"/>
+    <p:sldId id="258" r:id="rId6"/>
+    <p:sldId id="266" r:id="rId7"/>
+    <p:sldId id="282" r:id="rId8"/>
+    <p:sldId id="280" r:id="rId9"/>
+    <p:sldId id="281" r:id="rId10"/>
+    <p:sldId id="287" r:id="rId11"/>
+    <p:sldId id="293" r:id="rId12"/>
+    <p:sldId id="271" r:id="rId13"/>
+    <p:sldId id="276" r:id="rId14"/>
+    <p:sldId id="275" r:id="rId15"/>
+    <p:sldId id="272" r:id="rId16"/>
+    <p:sldId id="267" r:id="rId17"/>
+    <p:sldId id="273" r:id="rId18"/>
+    <p:sldId id="268" r:id="rId19"/>
+    <p:sldId id="277" r:id="rId20"/>
+    <p:sldId id="274" r:id="rId21"/>
+    <p:sldId id="269" r:id="rId22"/>
+    <p:sldId id="279" r:id="rId23"/>
+    <p:sldId id="261" r:id="rId24"/>
+    <p:sldId id="286" r:id="rId25"/>
+    <p:sldId id="295" r:id="rId26"/>
+    <p:sldId id="289" r:id="rId27"/>
+    <p:sldId id="288" r:id="rId28"/>
+    <p:sldId id="294" r:id="rId29"/>
+    <p:sldId id="284" r:id="rId30"/>
+    <p:sldId id="290" r:id="rId31"/>
+    <p:sldId id="296" r:id="rId32"/>
+    <p:sldId id="299" r:id="rId33"/>
+    <p:sldId id="265" r:id="rId34"/>
+    <p:sldId id="298" r:id="rId35"/>
+    <p:sldId id="302" r:id="rId36"/>
+    <p:sldId id="270" r:id="rId37"/>
+    <p:sldId id="303" r:id="rId38"/>
+    <p:sldId id="304" r:id="rId39"/>
+    <p:sldId id="301" r:id="rId40"/>
+    <p:sldId id="291" r:id="rId41"/>
+    <p:sldId id="300" r:id="rId42"/>
+    <p:sldId id="264" r:id="rId43"/>
+    <p:sldId id="278" r:id="rId44"/>
   </p:sldIdLst>
   <p:sldSz cx="9144000" cy="6858000" type="screen4x3"/>
   <p:notesSz cx="6669088" cy="9928225"/>
@@ -3470,124 +3475,115 @@
         </p:nvSpPr>
         <p:spPr>
           <a:xfrm>
-            <a:off x="457200" y="1905000"/>
-            <a:ext cx="8229600" cy="3429000"/>
+            <a:off x="460513" y="1752600"/>
+            <a:ext cx="8229600" cy="3962400"/>
           </a:xfrm>
         </p:spPr>
         <p:txBody>
-          <a:bodyPr>
-            <a:normAutofit/>
-          </a:bodyPr>
-          <a:lstStyle/>
-          <a:p>
-            <a:pPr marL="0" indent="0" algn="just">
+          <a:bodyPr/>
+          <a:lstStyle/>
+          <a:p>
+            <a:r>
+              <a:rPr lang="en-US" dirty="0" smtClean="0">
+                <a:hlinkClick r:id="rId2"/>
+              </a:rPr>
+              <a:t>Where to store a server side encryption key?</a:t>
+            </a:r>
+            <a:endParaRPr lang="en-US" dirty="0" smtClean="0"/>
+          </a:p>
+          <a:p>
+            <a:endParaRPr lang="en-US" dirty="0"/>
+          </a:p>
+          <a:p>
+            <a:pPr marL="0" indent="0">
               <a:buNone/>
             </a:pPr>
             <a:r>
               <a:rPr lang="en-US" dirty="0" smtClean="0"/>
-              <a:t>A storage service used to store </a:t>
-            </a:r>
-            <a:r>
-              <a:rPr lang="en-US" dirty="0"/>
-              <a:t>cryptographic keys and secrets </a:t>
-            </a:r>
-            <a:r>
-              <a:rPr lang="en-US" dirty="0" smtClean="0"/>
-              <a:t>and keep this </a:t>
-            </a:r>
-            <a:r>
-              <a:rPr lang="en-US" dirty="0"/>
-              <a:t>information secure.</a:t>
-            </a:r>
-            <a:r>
-              <a:rPr lang="en-US" dirty="0" smtClean="0"/>
-              <a:t> The service offers a software abstraction to solve </a:t>
-            </a:r>
-            <a:r>
-              <a:rPr lang="en-US" dirty="0"/>
-              <a:t>the following </a:t>
-            </a:r>
-            <a:r>
-              <a:rPr lang="en-US" dirty="0" smtClean="0"/>
-              <a:t>problems. </a:t>
-            </a:r>
-          </a:p>
-          <a:p>
-            <a:pPr marL="0" indent="0" algn="just">
+              <a:t>This is a good question posed on Stack Exchange Information Security.</a:t>
+            </a:r>
+          </a:p>
+          <a:p>
+            <a:pPr marL="0" indent="0">
               <a:buNone/>
             </a:pPr>
-            <a:endParaRPr lang="en-US" dirty="0"/>
-          </a:p>
-          <a:p>
-            <a:r>
-              <a:rPr lang="en-US" b="1" dirty="0"/>
-              <a:t>Secret </a:t>
-            </a:r>
-            <a:r>
-              <a:rPr lang="en-US" b="1" dirty="0" smtClean="0"/>
-              <a:t>and Keys management</a:t>
+            <a:endParaRPr lang="en-US" dirty="0" smtClean="0"/>
+          </a:p>
+          <a:p>
+            <a:pPr marL="457200" indent="-457200">
+              <a:buFont typeface="+mj-lt"/>
+              <a:buAutoNum type="arabicPeriod"/>
+            </a:pPr>
+            <a:r>
+              <a:rPr lang="en-US" dirty="0"/>
+              <a:t>Use an external Hardware Security </a:t>
             </a:r>
             <a:r>
               <a:rPr lang="en-US" dirty="0" smtClean="0"/>
-              <a:t> such as access control.</a:t>
-            </a:r>
-            <a:endParaRPr lang="en-US" dirty="0"/>
-          </a:p>
-          <a:p>
-            <a:r>
-              <a:rPr lang="en-US" b="1" dirty="0" smtClean="0"/>
-              <a:t>Certificate management</a:t>
+              <a:t>Module.</a:t>
             </a:r>
             <a:r>
               <a:rPr lang="en-US" dirty="0"/>
-              <a:t> </a:t>
+              <a:t> </a:t>
+            </a:r>
+            <a:endParaRPr lang="en-US" dirty="0" smtClean="0"/>
+          </a:p>
+          <a:p>
+            <a:pPr marL="457200" indent="-457200">
+              <a:buFont typeface="+mj-lt"/>
+              <a:buAutoNum type="arabicPeriod"/>
+            </a:pPr>
+            <a:r>
+              <a:rPr lang="en-US" dirty="0"/>
+              <a:t>Tie the encryption key to your </a:t>
             </a:r>
             <a:r>
               <a:rPr lang="en-US" dirty="0" smtClean="0"/>
-              <a:t>including provision</a:t>
+              <a:t>hardware i.e. </a:t>
             </a:r>
             <a:r>
               <a:rPr lang="en-US" dirty="0"/>
-              <a:t> </a:t>
+              <a:t>TPM chips </a:t>
             </a:r>
             <a:r>
               <a:rPr lang="en-US" dirty="0" smtClean="0"/>
-              <a:t>and deployment i.e. (SSL/TLS</a:t>
-            </a:r>
+              <a:t>.</a:t>
+            </a:r>
+          </a:p>
+          <a:p>
+            <a:pPr marL="457200" indent="-457200">
+              <a:buFont typeface="+mj-lt"/>
+              <a:buAutoNum type="arabicPeriod"/>
+            </a:pPr>
             <a:r>
               <a:rPr lang="en-US" dirty="0"/>
-              <a:t>) certificates </a:t>
+              <a:t>Tie the encryption key to your admin login </a:t>
+            </a:r>
+            <a:endParaRPr lang="en-US" dirty="0" smtClean="0"/>
+          </a:p>
+          <a:p>
+            <a:pPr marL="457200" indent="-457200">
+              <a:buFont typeface="+mj-lt"/>
+              <a:buAutoNum type="arabicPeriod"/>
+            </a:pPr>
+            <a:r>
+              <a:rPr lang="en-US" dirty="0"/>
+              <a:t>Type in the encryption key when you start up, store it in memory</a:t>
             </a:r>
             <a:r>
               <a:rPr lang="en-US" dirty="0" smtClean="0"/>
-              <a:t>used within </a:t>
-            </a:r>
+              <a:t>.</a:t>
+            </a:r>
+          </a:p>
+          <a:p>
+            <a:pPr marL="457200" indent="-457200">
+              <a:buFont typeface="+mj-lt"/>
+              <a:buAutoNum type="arabicPeriod"/>
+            </a:pPr>
             <a:r>
               <a:rPr lang="en-US" dirty="0"/>
-              <a:t>Azure </a:t>
-            </a:r>
-            <a:r>
-              <a:rPr lang="en-US" dirty="0" smtClean="0"/>
-              <a:t>internally connected artifacts.</a:t>
-            </a:r>
-            <a:endParaRPr lang="en-US" dirty="0"/>
-          </a:p>
-          <a:p>
-            <a:r>
-              <a:rPr lang="en-US" b="1" dirty="0"/>
-              <a:t>Store secrets </a:t>
-            </a:r>
-            <a:r>
-              <a:rPr lang="en-US" b="1" dirty="0" smtClean="0"/>
-              <a:t>and Keys on HSMs</a:t>
-            </a:r>
-            <a:endParaRPr lang="en-US" dirty="0"/>
-          </a:p>
-          <a:p>
-            <a:pPr marL="0" indent="0" algn="just">
-              <a:buNone/>
-            </a:pPr>
-            <a:endParaRPr lang="en-US" dirty="0"/>
+              <a:t>Store the key on a different server. </a:t>
+            </a:r>
           </a:p>
         </p:txBody>
       </p:sp>
@@ -3665,7 +3661,7 @@
                   <a:schemeClr val="tx1"/>
                 </a:solidFill>
               </a:rPr>
-              <a:t>What is Azure Key Vault</a:t>
+              <a:t>Where to store a secret?</a:t>
             </a:r>
             <a:endParaRPr lang="en-US" b="1" dirty="0">
               <a:solidFill>
@@ -3678,7 +3674,7 @@
     </p:spTree>
     <p:extLst>
       <p:ext uri="{BB962C8B-B14F-4D97-AF65-F5344CB8AC3E}">
-        <p14:creationId xmlns:p14="http://schemas.microsoft.com/office/powerpoint/2010/main" val="2012090214"/>
+        <p14:creationId xmlns:p14="http://schemas.microsoft.com/office/powerpoint/2010/main" val="4093124646"/>
       </p:ext>
     </p:extLst>
   </p:cSld>
@@ -3714,7 +3710,7 @@
       </p:grpSpPr>
       <p:sp>
         <p:nvSpPr>
-          <p:cNvPr id="2" name="Content Placeholder 1"/>
+          <p:cNvPr id="3" name="Segnaposto contenuto 2"/>
           <p:cNvSpPr>
             <a:spLocks noGrp="1"/>
           </p:cNvSpPr>
@@ -3722,101 +3718,52 @@
             <p:ph idx="1"/>
           </p:nvPr>
         </p:nvSpPr>
-        <p:spPr>
-          <a:xfrm>
-            <a:off x="458972" y="1905000"/>
-            <a:ext cx="8229600" cy="3657600"/>
-          </a:xfrm>
-        </p:spPr>
-        <p:txBody>
-          <a:bodyPr>
-            <a:normAutofit/>
-          </a:bodyPr>
-          <a:lstStyle/>
-          <a:p>
-            <a:pPr marL="457200" indent="-457200">
-              <a:buFont typeface="+mj-lt"/>
-              <a:buAutoNum type="arabicPeriod"/>
-            </a:pPr>
+        <p:spPr/>
+        <p:txBody>
+          <a:bodyPr/>
+          <a:lstStyle/>
+          <a:p>
             <a:r>
               <a:rPr lang="en-US" dirty="0" smtClean="0"/>
-              <a:t>Secrets</a:t>
-            </a:r>
-          </a:p>
-          <a:p>
-            <a:pPr marL="457200" indent="-457200">
-              <a:buFont typeface="+mj-lt"/>
-              <a:buAutoNum type="arabicPeriod"/>
-            </a:pPr>
+              <a:t>It must be kept safe somewhere</a:t>
+            </a:r>
+          </a:p>
+          <a:p>
             <a:r>
               <a:rPr lang="en-US" dirty="0" smtClean="0"/>
-              <a:t>Keys</a:t>
-            </a:r>
-          </a:p>
-          <a:p>
-            <a:pPr marL="457200" indent="-457200">
-              <a:buFont typeface="+mj-lt"/>
-              <a:buAutoNum type="arabicPeriod"/>
-            </a:pPr>
+              <a:t>It cannot be shared with anyone who should not know</a:t>
+            </a:r>
+          </a:p>
+          <a:p>
             <a:r>
               <a:rPr lang="en-US" dirty="0" smtClean="0"/>
-              <a:t>Certificates</a:t>
+              <a:t>It can be forgotten or lost</a:t>
+            </a:r>
+          </a:p>
+          <a:p>
+            <a:r>
+              <a:rPr lang="en-US" dirty="0" smtClean="0"/>
+              <a:t>If stolen it becomes worthless</a:t>
+            </a:r>
+          </a:p>
+          <a:p>
+            <a:r>
+              <a:rPr lang="en-US" dirty="0" smtClean="0"/>
+              <a:t>Just the suspicion of loss or of a leak makes it worthless</a:t>
+            </a:r>
+          </a:p>
+          <a:p>
+            <a:r>
+              <a:rPr lang="en-US" dirty="0" smtClean="0"/>
+              <a:t>More than one secret and life gets very complicated!</a:t>
             </a:r>
             <a:endParaRPr lang="en-US" dirty="0"/>
           </a:p>
-          <a:p>
-            <a:pPr marL="457200" indent="-457200">
-              <a:buFont typeface="+mj-lt"/>
-              <a:buAutoNum type="arabicPeriod"/>
-            </a:pPr>
-            <a:endParaRPr lang="en-US" dirty="0" smtClean="0"/>
-          </a:p>
-          <a:p>
-            <a:pPr marL="0" indent="0">
-              <a:buNone/>
-            </a:pPr>
-            <a:r>
-              <a:rPr lang="en-US" dirty="0" smtClean="0"/>
-              <a:t>Secrets </a:t>
-            </a:r>
-          </a:p>
-          <a:p>
-            <a:pPr marL="0" indent="0">
-              <a:buNone/>
-            </a:pPr>
-            <a:endParaRPr lang="en-US" dirty="0" smtClean="0"/>
-          </a:p>
-          <a:p>
-            <a:pPr marL="0" indent="0" algn="just">
-              <a:buNone/>
-            </a:pPr>
-            <a:r>
-              <a:rPr lang="en-US" dirty="0"/>
-              <a:t>B</a:t>
-            </a:r>
-            <a:r>
-              <a:rPr lang="en-US" dirty="0" smtClean="0"/>
-              <a:t>inary sequences with no semantic i.e. passwords, connection strings, bank details, thumbprints, hashes, etc. Any sensitive information that must be protected and access controlled. Any piece of information that may be versioned and needs to be centrally managed and protected.</a:t>
-            </a:r>
-            <a:endParaRPr lang="en-US" dirty="0"/>
-          </a:p>
-          <a:p>
-            <a:pPr marL="0" indent="0">
-              <a:buNone/>
-            </a:pPr>
-            <a:endParaRPr lang="en-US" dirty="0" smtClean="0"/>
-          </a:p>
-          <a:p>
-            <a:pPr marL="0" indent="0">
-              <a:buNone/>
-            </a:pPr>
-            <a:endParaRPr lang="en-US" dirty="0" smtClean="0"/>
-          </a:p>
-        </p:txBody>
-      </p:sp>
-      <p:sp>
-        <p:nvSpPr>
-          <p:cNvPr id="3" name="Date Placeholder 2"/>
+        </p:txBody>
+      </p:sp>
+      <p:sp>
+        <p:nvSpPr>
+          <p:cNvPr id="4" name="Segnaposto data 3"/>
           <p:cNvSpPr>
             <a:spLocks noGrp="1"/>
           </p:cNvSpPr>
@@ -3840,7 +3787,7 @@
       </p:sp>
       <p:sp>
         <p:nvSpPr>
-          <p:cNvPr id="4" name="Slide Number Placeholder 3"/>
+          <p:cNvPr id="5" name="Segnaposto numero diapositiva 4"/>
           <p:cNvSpPr>
             <a:spLocks noGrp="1"/>
           </p:cNvSpPr>
@@ -3864,7 +3811,7 @@
       </p:sp>
       <p:sp>
         <p:nvSpPr>
-          <p:cNvPr id="5" name="Subtitle 4"/>
+          <p:cNvPr id="7" name="Sottotitolo 6"/>
           <p:cNvSpPr>
             <a:spLocks noGrp="1"/>
           </p:cNvSpPr>
@@ -3874,7 +3821,7 @@
         </p:nvSpPr>
         <p:spPr>
           <a:xfrm>
-            <a:off x="1219200" y="1050925"/>
+            <a:off x="1143000" y="1066800"/>
             <a:ext cx="6400800" cy="457200"/>
           </a:xfrm>
         </p:spPr>
@@ -3883,17 +3830,25 @@
           <a:lstStyle/>
           <a:p>
             <a:r>
-              <a:rPr lang="en-US" dirty="0" smtClean="0"/>
-              <a:t>Resource Types in Azure Key Vault</a:t>
-            </a:r>
-            <a:endParaRPr lang="en-US" dirty="0"/>
+              <a:rPr lang="en-US" b="1" dirty="0" smtClean="0">
+                <a:solidFill>
+                  <a:schemeClr val="tx1"/>
+                </a:solidFill>
+              </a:rPr>
+              <a:t>The Problems with Secrets</a:t>
+            </a:r>
+            <a:endParaRPr lang="en-US" b="1" dirty="0">
+              <a:solidFill>
+                <a:schemeClr val="tx1"/>
+              </a:solidFill>
+            </a:endParaRPr>
           </a:p>
         </p:txBody>
       </p:sp>
     </p:spTree>
     <p:extLst>
       <p:ext uri="{BB962C8B-B14F-4D97-AF65-F5344CB8AC3E}">
-        <p14:creationId xmlns:p14="http://schemas.microsoft.com/office/powerpoint/2010/main" val="1550044430"/>
+        <p14:creationId xmlns:p14="http://schemas.microsoft.com/office/powerpoint/2010/main" val="2203314043"/>
       </p:ext>
     </p:extLst>
   </p:cSld>
@@ -3929,7 +3884,7 @@
       </p:grpSpPr>
       <p:sp>
         <p:nvSpPr>
-          <p:cNvPr id="2" name="Content Placeholder 1"/>
+          <p:cNvPr id="3" name="Segnaposto contenuto 2"/>
           <p:cNvSpPr>
             <a:spLocks noGrp="1"/>
           </p:cNvSpPr>
@@ -3939,111 +3894,130 @@
         </p:nvSpPr>
         <p:spPr>
           <a:xfrm>
-            <a:off x="458972" y="1828800"/>
-            <a:ext cx="8229600" cy="3733800"/>
+            <a:off x="457200" y="1905000"/>
+            <a:ext cx="8229600" cy="3429000"/>
           </a:xfrm>
         </p:spPr>
         <p:txBody>
           <a:bodyPr>
-            <a:normAutofit lnSpcReduction="10000"/>
+            <a:normAutofit/>
           </a:bodyPr>
           <a:lstStyle/>
-          <a:p>
-            <a:pPr marL="457200" indent="-457200">
-              <a:buFont typeface="+mj-lt"/>
-              <a:buAutoNum type="arabicPeriod"/>
-            </a:pPr>
-            <a:r>
-              <a:rPr lang="en-US" dirty="0" smtClean="0"/>
-              <a:t>Secrets</a:t>
-            </a:r>
-          </a:p>
-          <a:p>
-            <a:pPr marL="457200" indent="-457200">
-              <a:buFont typeface="+mj-lt"/>
-              <a:buAutoNum type="arabicPeriod"/>
-            </a:pPr>
-            <a:r>
-              <a:rPr lang="en-US" dirty="0" smtClean="0"/>
-              <a:t>Keys</a:t>
-            </a:r>
-          </a:p>
-          <a:p>
-            <a:pPr marL="457200" indent="-457200">
-              <a:buFont typeface="+mj-lt"/>
-              <a:buAutoNum type="arabicPeriod"/>
-            </a:pPr>
-            <a:r>
-              <a:rPr lang="en-US" dirty="0" smtClean="0"/>
-              <a:t>Certificates</a:t>
-            </a:r>
-            <a:endParaRPr lang="en-US" dirty="0"/>
-          </a:p>
-          <a:p>
-            <a:pPr marL="457200" indent="-457200">
-              <a:buFont typeface="+mj-lt"/>
-              <a:buAutoNum type="arabicPeriod"/>
-            </a:pPr>
-            <a:endParaRPr lang="en-US" dirty="0" smtClean="0"/>
-          </a:p>
-          <a:p>
-            <a:pPr marL="0" indent="0">
-              <a:buNone/>
-            </a:pPr>
-            <a:r>
-              <a:rPr lang="en-US" dirty="0" smtClean="0"/>
-              <a:t>Cryptographic Keys </a:t>
-            </a:r>
-          </a:p>
-          <a:p>
-            <a:pPr marL="0" indent="0">
-              <a:buNone/>
-            </a:pPr>
-            <a:endParaRPr lang="en-US" dirty="0" smtClean="0"/>
-          </a:p>
           <a:p>
             <a:pPr marL="0" indent="0" algn="just">
               <a:buNone/>
             </a:pPr>
             <a:r>
               <a:rPr lang="en-US" dirty="0" smtClean="0"/>
-              <a:t>Existing RSA or EC Keys. These can either be imported into Azure Key Vault or be directly generated and stored by it. </a:t>
+              <a:t>A storage service used to store </a:t>
             </a:r>
             <a:r>
               <a:rPr lang="en-US" dirty="0"/>
-              <a:t>A cryptographic key is a string of bits used by a cryptographic algorithm to transform plain text into cipher text or vice versa</a:t>
+              <a:t>cryptographic keys and secrets </a:t>
             </a:r>
             <a:r>
               <a:rPr lang="en-US" dirty="0" smtClean="0"/>
-              <a:t>. Their format is an </a:t>
+              <a:t>and keep this </a:t>
             </a:r>
             <a:r>
               <a:rPr lang="en-US" dirty="0"/>
-              <a:t>a</a:t>
+              <a:t>information secure.</a:t>
             </a:r>
             <a:r>
               <a:rPr lang="en-US" dirty="0" smtClean="0"/>
-              <a:t>greed industry standard. </a:t>
-            </a:r>
-            <a:endParaRPr lang="en-US" dirty="0"/>
-          </a:p>
-          <a:p>
-            <a:pPr marL="0" indent="0">
+              <a:t> The service offers a software abstraction to solve </a:t>
+            </a:r>
+            <a:r>
+              <a:rPr lang="en-US" dirty="0"/>
+              <a:t>the following </a:t>
+            </a:r>
+            <a:r>
+              <a:rPr lang="en-US" dirty="0" smtClean="0"/>
+              <a:t>problems. </a:t>
+            </a:r>
+          </a:p>
+          <a:p>
+            <a:pPr marL="0" indent="0" algn="just">
               <a:buNone/>
             </a:pPr>
-            <a:endParaRPr lang="en-US" dirty="0" smtClean="0"/>
-          </a:p>
-          <a:p>
-            <a:pPr marL="0" indent="0">
+            <a:endParaRPr lang="en-US" dirty="0"/>
+          </a:p>
+          <a:p>
+            <a:r>
+              <a:rPr lang="en-US" b="1" dirty="0"/>
+              <a:t>Secret </a:t>
+            </a:r>
+            <a:r>
+              <a:rPr lang="en-US" b="1" dirty="0" smtClean="0"/>
+              <a:t>and Keys management</a:t>
+            </a:r>
+            <a:r>
+              <a:rPr lang="en-US" dirty="0" smtClean="0"/>
+              <a:t> such as access control.</a:t>
+            </a:r>
+            <a:endParaRPr lang="en-US" dirty="0"/>
+          </a:p>
+          <a:p>
+            <a:r>
+              <a:rPr lang="en-US" b="1" dirty="0" smtClean="0"/>
+              <a:t>Certificate management</a:t>
+            </a:r>
+            <a:r>
+              <a:rPr lang="en-US" dirty="0"/>
+              <a:t> </a:t>
+            </a:r>
+            <a:r>
+              <a:rPr lang="en-US" dirty="0" smtClean="0"/>
+              <a:t>including provision</a:t>
+            </a:r>
+            <a:r>
+              <a:rPr lang="en-US" dirty="0"/>
+              <a:t> </a:t>
+            </a:r>
+            <a:r>
+              <a:rPr lang="en-US" dirty="0" smtClean="0"/>
+              <a:t>and deployment i.e. (SSL/TLS</a:t>
+            </a:r>
+            <a:r>
+              <a:rPr lang="en-US" dirty="0"/>
+              <a:t>) certificates </a:t>
+            </a:r>
+            <a:r>
+              <a:rPr lang="en-US" dirty="0" smtClean="0"/>
+              <a:t>used within </a:t>
+            </a:r>
+            <a:r>
+              <a:rPr lang="en-US" dirty="0"/>
+              <a:t>Azure </a:t>
+            </a:r>
+            <a:r>
+              <a:rPr lang="en-US" dirty="0" smtClean="0"/>
+              <a:t>internally connected artifacts.</a:t>
+            </a:r>
+            <a:endParaRPr lang="en-US" dirty="0"/>
+          </a:p>
+          <a:p>
+            <a:r>
+              <a:rPr lang="en-US" b="1" dirty="0"/>
+              <a:t>Store secrets </a:t>
+            </a:r>
+            <a:r>
+              <a:rPr lang="en-US" b="1" dirty="0" smtClean="0"/>
+              <a:t>and Keys on HSMs</a:t>
+            </a:r>
+            <a:endParaRPr lang="en-US" dirty="0"/>
+          </a:p>
+          <a:p>
+            <a:pPr marL="0" indent="0" algn="just">
               <a:buNone/>
             </a:pPr>
-            <a:endParaRPr lang="en-US" dirty="0" smtClean="0"/>
-          </a:p>
-        </p:txBody>
-      </p:sp>
-      <p:sp>
-        <p:nvSpPr>
-          <p:cNvPr id="3" name="Date Placeholder 2"/>
+            <a:endParaRPr lang="en-US" dirty="0"/>
+          </a:p>
+        </p:txBody>
+      </p:sp>
+      <p:sp>
+        <p:nvSpPr>
+          <p:cNvPr id="4" name="Segnaposto data 3"/>
           <p:cNvSpPr>
             <a:spLocks noGrp="1"/>
           </p:cNvSpPr>
@@ -4067,7 +4041,7 @@
       </p:sp>
       <p:sp>
         <p:nvSpPr>
-          <p:cNvPr id="4" name="Slide Number Placeholder 3"/>
+          <p:cNvPr id="5" name="Segnaposto numero diapositiva 4"/>
           <p:cNvSpPr>
             <a:spLocks noGrp="1"/>
           </p:cNvSpPr>
@@ -4091,7 +4065,7 @@
       </p:sp>
       <p:sp>
         <p:nvSpPr>
-          <p:cNvPr id="5" name="Subtitle 4"/>
+          <p:cNvPr id="7" name="Sottotitolo 6"/>
           <p:cNvSpPr>
             <a:spLocks noGrp="1"/>
           </p:cNvSpPr>
@@ -4101,7 +4075,7 @@
         </p:nvSpPr>
         <p:spPr>
           <a:xfrm>
-            <a:off x="1373372" y="990600"/>
+            <a:off x="1143000" y="1066800"/>
             <a:ext cx="6400800" cy="457200"/>
           </a:xfrm>
         </p:spPr>
@@ -4110,17 +4084,25 @@
           <a:lstStyle/>
           <a:p>
             <a:r>
-              <a:rPr lang="en-US" dirty="0" smtClean="0"/>
-              <a:t>Resource Types in Azure Key Vault</a:t>
-            </a:r>
-            <a:endParaRPr lang="en-US" dirty="0"/>
+              <a:rPr lang="en-US" b="1" dirty="0" smtClean="0">
+                <a:solidFill>
+                  <a:schemeClr val="tx1"/>
+                </a:solidFill>
+              </a:rPr>
+              <a:t>What is Azure Key Vault</a:t>
+            </a:r>
+            <a:endParaRPr lang="en-US" b="1" dirty="0">
+              <a:solidFill>
+                <a:schemeClr val="tx1"/>
+              </a:solidFill>
+            </a:endParaRPr>
           </a:p>
         </p:txBody>
       </p:sp>
     </p:spTree>
     <p:extLst>
       <p:ext uri="{BB962C8B-B14F-4D97-AF65-F5344CB8AC3E}">
-        <p14:creationId xmlns:p14="http://schemas.microsoft.com/office/powerpoint/2010/main" val="2131702540"/>
+        <p14:creationId xmlns:p14="http://schemas.microsoft.com/office/powerpoint/2010/main" val="2012090214"/>
       </p:ext>
     </p:extLst>
   </p:cSld>
@@ -4166,13 +4148,13 @@
         </p:nvSpPr>
         <p:spPr>
           <a:xfrm>
-            <a:off x="458972" y="1752600"/>
-            <a:ext cx="8229600" cy="3810000"/>
+            <a:off x="458972" y="1905000"/>
+            <a:ext cx="8229600" cy="3657600"/>
           </a:xfrm>
         </p:spPr>
         <p:txBody>
           <a:bodyPr>
-            <a:normAutofit lnSpcReduction="10000"/>
+            <a:normAutofit/>
           </a:bodyPr>
           <a:lstStyle/>
           <a:p>
@@ -4219,7 +4201,7 @@
             </a:pPr>
             <a:r>
               <a:rPr lang="en-US" dirty="0" smtClean="0"/>
-              <a:t>Certificates</a:t>
+              <a:t>Secrets </a:t>
             </a:r>
           </a:p>
           <a:p>
@@ -4233,9 +4215,26 @@
               <a:buNone/>
             </a:pPr>
             <a:r>
+              <a:rPr lang="en-US" dirty="0"/>
+              <a:t>B</a:t>
+            </a:r>
+            <a:r>
               <a:rPr lang="en-US" dirty="0" smtClean="0"/>
-              <a:t>Data files which that digitally bind a cryptographic key(s) to an organization and prove ownership. The majority of certificates are Public Key Certificates (PKC) which holds information about the key(s) and their owner(s). The PKC is digitally signed by the Authority that has verified the certificate’s content. The most common format for PKC is X.509.</a:t>
-            </a:r>
+              <a:t>inary sequences with no semantic i.e. passwords, connection strings, bank details, thumbprints, hashes, etc. Any sensitive information that must be protected and access controlled. Any piece of information that may be versioned and needs to be centrally managed and protected.</a:t>
+            </a:r>
+            <a:endParaRPr lang="en-US" dirty="0"/>
+          </a:p>
+          <a:p>
+            <a:pPr marL="0" indent="0">
+              <a:buNone/>
+            </a:pPr>
+            <a:endParaRPr lang="en-US" dirty="0" smtClean="0"/>
+          </a:p>
+          <a:p>
+            <a:pPr marL="0" indent="0">
+              <a:buNone/>
+            </a:pPr>
+            <a:endParaRPr lang="en-US" dirty="0" smtClean="0"/>
           </a:p>
         </p:txBody>
       </p:sp>
@@ -4299,7 +4298,7 @@
         </p:nvSpPr>
         <p:spPr>
           <a:xfrm>
-            <a:off x="1447800" y="958850"/>
+            <a:off x="1219200" y="1050925"/>
             <a:ext cx="6400800" cy="457200"/>
           </a:xfrm>
         </p:spPr>
@@ -4318,7 +4317,7 @@
     </p:spTree>
     <p:extLst>
       <p:ext uri="{BB962C8B-B14F-4D97-AF65-F5344CB8AC3E}">
-        <p14:creationId xmlns:p14="http://schemas.microsoft.com/office/powerpoint/2010/main" val="2033253701"/>
+        <p14:creationId xmlns:p14="http://schemas.microsoft.com/office/powerpoint/2010/main" val="1550044430"/>
       </p:ext>
     </p:extLst>
   </p:cSld>
@@ -4354,7 +4353,121 @@
       </p:grpSpPr>
       <p:sp>
         <p:nvSpPr>
-          <p:cNvPr id="4" name="Segnaposto data 3"/>
+          <p:cNvPr id="2" name="Content Placeholder 1"/>
+          <p:cNvSpPr>
+            <a:spLocks noGrp="1"/>
+          </p:cNvSpPr>
+          <p:nvPr>
+            <p:ph idx="1"/>
+          </p:nvPr>
+        </p:nvSpPr>
+        <p:spPr>
+          <a:xfrm>
+            <a:off x="458972" y="1828800"/>
+            <a:ext cx="8229600" cy="3733800"/>
+          </a:xfrm>
+        </p:spPr>
+        <p:txBody>
+          <a:bodyPr>
+            <a:normAutofit lnSpcReduction="10000"/>
+          </a:bodyPr>
+          <a:lstStyle/>
+          <a:p>
+            <a:pPr marL="457200" indent="-457200">
+              <a:buFont typeface="+mj-lt"/>
+              <a:buAutoNum type="arabicPeriod"/>
+            </a:pPr>
+            <a:r>
+              <a:rPr lang="en-US" dirty="0" smtClean="0"/>
+              <a:t>Secrets</a:t>
+            </a:r>
+          </a:p>
+          <a:p>
+            <a:pPr marL="457200" indent="-457200">
+              <a:buFont typeface="+mj-lt"/>
+              <a:buAutoNum type="arabicPeriod"/>
+            </a:pPr>
+            <a:r>
+              <a:rPr lang="en-US" dirty="0" smtClean="0"/>
+              <a:t>Keys</a:t>
+            </a:r>
+          </a:p>
+          <a:p>
+            <a:pPr marL="457200" indent="-457200">
+              <a:buFont typeface="+mj-lt"/>
+              <a:buAutoNum type="arabicPeriod"/>
+            </a:pPr>
+            <a:r>
+              <a:rPr lang="en-US" dirty="0" smtClean="0"/>
+              <a:t>Certificates</a:t>
+            </a:r>
+            <a:endParaRPr lang="en-US" dirty="0"/>
+          </a:p>
+          <a:p>
+            <a:pPr marL="457200" indent="-457200">
+              <a:buFont typeface="+mj-lt"/>
+              <a:buAutoNum type="arabicPeriod"/>
+            </a:pPr>
+            <a:endParaRPr lang="en-US" dirty="0" smtClean="0"/>
+          </a:p>
+          <a:p>
+            <a:pPr marL="0" indent="0">
+              <a:buNone/>
+            </a:pPr>
+            <a:r>
+              <a:rPr lang="en-US" dirty="0" smtClean="0"/>
+              <a:t>Cryptographic Keys </a:t>
+            </a:r>
+          </a:p>
+          <a:p>
+            <a:pPr marL="0" indent="0">
+              <a:buNone/>
+            </a:pPr>
+            <a:endParaRPr lang="en-US" dirty="0" smtClean="0"/>
+          </a:p>
+          <a:p>
+            <a:pPr marL="0" indent="0" algn="just">
+              <a:buNone/>
+            </a:pPr>
+            <a:r>
+              <a:rPr lang="en-US" dirty="0" smtClean="0"/>
+              <a:t>Existing RSA or EC Keys. These can either be imported into Azure Key Vault or be directly generated and stored by it. </a:t>
+            </a:r>
+            <a:r>
+              <a:rPr lang="en-US" dirty="0"/>
+              <a:t>A cryptographic key is a string of bits used by a cryptographic algorithm to transform plain text into cipher text or vice versa</a:t>
+            </a:r>
+            <a:r>
+              <a:rPr lang="en-US" dirty="0" smtClean="0"/>
+              <a:t>. Their format is an </a:t>
+            </a:r>
+            <a:r>
+              <a:rPr lang="en-US" dirty="0"/>
+              <a:t>a</a:t>
+            </a:r>
+            <a:r>
+              <a:rPr lang="en-US" dirty="0" smtClean="0"/>
+              <a:t>greed industry standard. </a:t>
+            </a:r>
+            <a:endParaRPr lang="en-US" dirty="0"/>
+          </a:p>
+          <a:p>
+            <a:pPr marL="0" indent="0">
+              <a:buNone/>
+            </a:pPr>
+            <a:endParaRPr lang="en-US" dirty="0" smtClean="0"/>
+          </a:p>
+          <a:p>
+            <a:pPr marL="0" indent="0">
+              <a:buNone/>
+            </a:pPr>
+            <a:endParaRPr lang="en-US" dirty="0" smtClean="0"/>
+          </a:p>
+        </p:txBody>
+      </p:sp>
+      <p:sp>
+        <p:nvSpPr>
+          <p:cNvPr id="3" name="Date Placeholder 2"/>
           <p:cNvSpPr>
             <a:spLocks noGrp="1"/>
           </p:cNvSpPr>
@@ -4378,7 +4491,7 @@
       </p:sp>
       <p:sp>
         <p:nvSpPr>
-          <p:cNvPr id="5" name="Segnaposto numero diapositiva 4"/>
+          <p:cNvPr id="4" name="Slide Number Placeholder 3"/>
           <p:cNvSpPr>
             <a:spLocks noGrp="1"/>
           </p:cNvSpPr>
@@ -4400,48 +4513,19 @@
           </a:p>
         </p:txBody>
       </p:sp>
-      <p:pic>
-        <p:nvPicPr>
-          <p:cNvPr id="6" name="Content Placeholder 5"/>
-          <p:cNvPicPr>
-            <a:picLocks noGrp="1" noChangeAspect="1"/>
-          </p:cNvPicPr>
-          <p:nvPr>
-            <p:ph idx="1"/>
-          </p:nvPr>
-        </p:nvPicPr>
-        <p:blipFill>
-          <a:blip r:embed="rId2" cstate="print">
-            <a:extLst>
-              <a:ext uri="{28A0092B-C50C-407E-A947-70E740481C1C}">
-                <a14:useLocalDpi xmlns:a14="http://schemas.microsoft.com/office/drawing/2010/main" val="0"/>
-              </a:ext>
-            </a:extLst>
-          </a:blip>
-          <a:stretch>
-            <a:fillRect/>
-          </a:stretch>
-        </p:blipFill>
+      <p:sp>
+        <p:nvSpPr>
+          <p:cNvPr id="5" name="Subtitle 4"/>
+          <p:cNvSpPr>
+            <a:spLocks noGrp="1"/>
+          </p:cNvSpPr>
+          <p:nvPr>
+            <p:ph type="subTitle" idx="14"/>
+          </p:nvPr>
+        </p:nvSpPr>
         <p:spPr>
           <a:xfrm>
-            <a:off x="381000" y="1447800"/>
-            <a:ext cx="8476906" cy="4648200"/>
-          </a:xfrm>
-        </p:spPr>
-      </p:pic>
-      <p:sp>
-        <p:nvSpPr>
-          <p:cNvPr id="7" name="Subtitle 4"/>
-          <p:cNvSpPr>
-            <a:spLocks noGrp="1"/>
-          </p:cNvSpPr>
-          <p:nvPr>
-            <p:ph type="subTitle" idx="14"/>
-          </p:nvPr>
-        </p:nvSpPr>
-        <p:spPr>
-          <a:xfrm>
-            <a:off x="1419053" y="990600"/>
+            <a:off x="1373372" y="990600"/>
             <a:ext cx="6400800" cy="457200"/>
           </a:xfrm>
         </p:spPr>
@@ -4451,7 +4535,7 @@
           <a:p>
             <a:r>
               <a:rPr lang="en-US" dirty="0" smtClean="0"/>
-              <a:t>Symmetric and Asymmetric Encryption</a:t>
+              <a:t>Resource Types in Azure Key Vault</a:t>
             </a:r>
             <a:endParaRPr lang="en-US" dirty="0"/>
           </a:p>
@@ -4460,7 +4544,7 @@
     </p:spTree>
     <p:extLst>
       <p:ext uri="{BB962C8B-B14F-4D97-AF65-F5344CB8AC3E}">
-        <p14:creationId xmlns:p14="http://schemas.microsoft.com/office/powerpoint/2010/main" val="4058001532"/>
+        <p14:creationId xmlns:p14="http://schemas.microsoft.com/office/powerpoint/2010/main" val="2131702540"/>
       </p:ext>
     </p:extLst>
   </p:cSld>
@@ -4496,7 +4580,7 @@
       </p:grpSpPr>
       <p:sp>
         <p:nvSpPr>
-          <p:cNvPr id="3" name="Segnaposto contenuto 2"/>
+          <p:cNvPr id="2" name="Content Placeholder 1"/>
           <p:cNvSpPr>
             <a:spLocks noGrp="1"/>
           </p:cNvSpPr>
@@ -4506,50 +4590,82 @@
         </p:nvSpPr>
         <p:spPr>
           <a:xfrm>
-            <a:off x="457200" y="1905000"/>
-            <a:ext cx="8229600" cy="3429000"/>
+            <a:off x="458972" y="1752600"/>
+            <a:ext cx="8229600" cy="3810000"/>
           </a:xfrm>
         </p:spPr>
         <p:txBody>
           <a:bodyPr>
-            <a:normAutofit/>
+            <a:normAutofit lnSpcReduction="10000"/>
           </a:bodyPr>
           <a:lstStyle/>
+          <a:p>
+            <a:pPr marL="457200" indent="-457200">
+              <a:buFont typeface="+mj-lt"/>
+              <a:buAutoNum type="arabicPeriod"/>
+            </a:pPr>
+            <a:r>
+              <a:rPr lang="en-US" dirty="0" smtClean="0"/>
+              <a:t>Secrets</a:t>
+            </a:r>
+          </a:p>
+          <a:p>
+            <a:pPr marL="457200" indent="-457200">
+              <a:buFont typeface="+mj-lt"/>
+              <a:buAutoNum type="arabicPeriod"/>
+            </a:pPr>
+            <a:r>
+              <a:rPr lang="en-US" dirty="0" smtClean="0"/>
+              <a:t>Keys</a:t>
+            </a:r>
+          </a:p>
+          <a:p>
+            <a:pPr marL="457200" indent="-457200">
+              <a:buFont typeface="+mj-lt"/>
+              <a:buAutoNum type="arabicPeriod"/>
+            </a:pPr>
+            <a:r>
+              <a:rPr lang="en-US" dirty="0" smtClean="0"/>
+              <a:t>Certificates</a:t>
+            </a:r>
+            <a:endParaRPr lang="en-US" dirty="0"/>
+          </a:p>
+          <a:p>
+            <a:pPr marL="457200" indent="-457200">
+              <a:buFont typeface="+mj-lt"/>
+              <a:buAutoNum type="arabicPeriod"/>
+            </a:pPr>
+            <a:endParaRPr lang="en-US" dirty="0" smtClean="0"/>
+          </a:p>
+          <a:p>
+            <a:pPr marL="0" indent="0">
+              <a:buNone/>
+            </a:pPr>
+            <a:r>
+              <a:rPr lang="en-US" dirty="0" smtClean="0"/>
+              <a:t>Certificates</a:t>
+            </a:r>
+          </a:p>
+          <a:p>
+            <a:pPr marL="0" indent="0">
+              <a:buNone/>
+            </a:pPr>
+            <a:endParaRPr lang="en-US" dirty="0" smtClean="0"/>
+          </a:p>
           <a:p>
             <a:pPr marL="0" indent="0" algn="just">
               <a:buNone/>
             </a:pPr>
             <a:r>
-              <a:rPr lang="en-US" dirty="0"/>
-              <a:t>A certificate contains a public </a:t>
-            </a:r>
-            <a:r>
               <a:rPr lang="en-US" dirty="0" smtClean="0"/>
-              <a:t>key and additional </a:t>
-            </a:r>
-            <a:r>
-              <a:rPr lang="en-US" dirty="0"/>
-              <a:t>information such as issuer, what the certificate is supposed to be used for, and other types of metadata</a:t>
-            </a:r>
-            <a:r>
-              <a:rPr lang="en-US" dirty="0" smtClean="0"/>
-              <a:t>. It is signed </a:t>
-            </a:r>
-            <a:r>
-              <a:rPr lang="en-US" dirty="0"/>
-              <a:t>by a certificate authority (CA) using CA's private key</a:t>
-            </a:r>
-            <a:r>
-              <a:rPr lang="en-US" dirty="0" smtClean="0"/>
-              <a:t>. This allows the recipient of the certificate to verify the authenticity of the certificate itself.</a:t>
-            </a:r>
-            <a:endParaRPr lang="en-US" dirty="0"/>
-          </a:p>
-        </p:txBody>
-      </p:sp>
-      <p:sp>
-        <p:nvSpPr>
-          <p:cNvPr id="4" name="Segnaposto data 3"/>
+              <a:t>Data files which that digitally bind a cryptographic key(s) to an organization and prove ownership. The majority of certificates are Public Key Certificates (PKC) which holds information about the key(s) and their owner(s). The PKC is digitally signed by the Authority that has verified the certificate’s content. The most common format for PKC is X.509.</a:t>
+            </a:r>
+          </a:p>
+        </p:txBody>
+      </p:sp>
+      <p:sp>
+        <p:nvSpPr>
+          <p:cNvPr id="3" name="Date Placeholder 2"/>
           <p:cNvSpPr>
             <a:spLocks noGrp="1"/>
           </p:cNvSpPr>
@@ -4573,7 +4689,7 @@
       </p:sp>
       <p:sp>
         <p:nvSpPr>
-          <p:cNvPr id="5" name="Segnaposto numero diapositiva 4"/>
+          <p:cNvPr id="4" name="Slide Number Placeholder 3"/>
           <p:cNvSpPr>
             <a:spLocks noGrp="1"/>
           </p:cNvSpPr>
@@ -4597,7 +4713,7 @@
       </p:sp>
       <p:sp>
         <p:nvSpPr>
-          <p:cNvPr id="7" name="Sottotitolo 6"/>
+          <p:cNvPr id="5" name="Subtitle 4"/>
           <p:cNvSpPr>
             <a:spLocks noGrp="1"/>
           </p:cNvSpPr>
@@ -4607,7 +4723,7 @@
         </p:nvSpPr>
         <p:spPr>
           <a:xfrm>
-            <a:off x="1143000" y="1066800"/>
+            <a:off x="1447800" y="958850"/>
             <a:ext cx="6400800" cy="457200"/>
           </a:xfrm>
         </p:spPr>
@@ -4616,26 +4732,17 @@
           <a:lstStyle/>
           <a:p>
             <a:r>
-              <a:rPr lang="en-US" b="1" dirty="0" smtClean="0">
-                <a:solidFill>
-                  <a:schemeClr val="tx1"/>
-                </a:solidFill>
-                <a:hlinkClick r:id="rId2"/>
-              </a:rPr>
-              <a:t>What is Certificate</a:t>
-            </a:r>
-            <a:endParaRPr lang="en-US" b="1" dirty="0">
-              <a:solidFill>
-                <a:schemeClr val="tx1"/>
-              </a:solidFill>
-            </a:endParaRPr>
+              <a:rPr lang="en-US" dirty="0" smtClean="0"/>
+              <a:t>Resource Types in Azure Key Vault</a:t>
+            </a:r>
+            <a:endParaRPr lang="en-US" dirty="0"/>
           </a:p>
         </p:txBody>
       </p:sp>
     </p:spTree>
     <p:extLst>
       <p:ext uri="{BB962C8B-B14F-4D97-AF65-F5344CB8AC3E}">
-        <p14:creationId xmlns:p14="http://schemas.microsoft.com/office/powerpoint/2010/main" val="368257049"/>
+        <p14:creationId xmlns:p14="http://schemas.microsoft.com/office/powerpoint/2010/main" val="2033253701"/>
       </p:ext>
     </p:extLst>
   </p:cSld>
@@ -4669,35 +4776,59 @@
           <a:chExt cx="0" cy="0"/>
         </a:xfrm>
       </p:grpSpPr>
-      <p:pic>
-        <p:nvPicPr>
-          <p:cNvPr id="2" name="Content Placeholder 1"/>
-          <p:cNvPicPr>
-            <a:picLocks noGrp="1" noChangeAspect="1"/>
-          </p:cNvPicPr>
+      <p:sp>
+        <p:nvSpPr>
+          <p:cNvPr id="3" name="Segnaposto contenuto 2"/>
+          <p:cNvSpPr>
+            <a:spLocks noGrp="1"/>
+          </p:cNvSpPr>
           <p:nvPr>
             <p:ph idx="1"/>
           </p:nvPr>
-        </p:nvPicPr>
-        <p:blipFill>
-          <a:blip r:embed="rId2">
-            <a:extLst>
-              <a:ext uri="{28A0092B-C50C-407E-A947-70E740481C1C}">
-                <a14:useLocalDpi xmlns:a14="http://schemas.microsoft.com/office/drawing/2010/main" val="0"/>
-              </a:ext>
-            </a:extLst>
-          </a:blip>
-          <a:stretch>
-            <a:fillRect/>
-          </a:stretch>
-        </p:blipFill>
+        </p:nvSpPr>
         <p:spPr>
           <a:xfrm>
-            <a:off x="2741590" y="2057400"/>
-            <a:ext cx="3660819" cy="3429000"/>
+            <a:off x="457200" y="1905000"/>
+            <a:ext cx="8229600" cy="3429000"/>
           </a:xfrm>
         </p:spPr>
-      </p:pic>
+        <p:txBody>
+          <a:bodyPr>
+            <a:normAutofit/>
+          </a:bodyPr>
+          <a:lstStyle/>
+          <a:p>
+            <a:pPr marL="0" indent="0" algn="just">
+              <a:buNone/>
+            </a:pPr>
+            <a:r>
+              <a:rPr lang="en-US" dirty="0"/>
+              <a:t>A certificate contains a public </a:t>
+            </a:r>
+            <a:r>
+              <a:rPr lang="en-US" dirty="0" smtClean="0"/>
+              <a:t>key and additional </a:t>
+            </a:r>
+            <a:r>
+              <a:rPr lang="en-US" dirty="0"/>
+              <a:t>information such as issuer, what the certificate is supposed to be used for, and other types of metadata</a:t>
+            </a:r>
+            <a:r>
+              <a:rPr lang="en-US" dirty="0" smtClean="0"/>
+              <a:t>. It is signed </a:t>
+            </a:r>
+            <a:r>
+              <a:rPr lang="en-US" dirty="0"/>
+              <a:t>by a certificate authority (CA) using CA's private key</a:t>
+            </a:r>
+            <a:r>
+              <a:rPr lang="en-US" dirty="0" smtClean="0"/>
+              <a:t>. This allows the recipient of the certificate to verify the authenticity of the certificate itself.</a:t>
+            </a:r>
+            <a:endParaRPr lang="en-US" dirty="0"/>
+          </a:p>
+        </p:txBody>
+      </p:sp>
       <p:sp>
         <p:nvSpPr>
           <p:cNvPr id="4" name="Segnaposto data 3"/>
@@ -4758,7 +4889,7 @@
         </p:nvSpPr>
         <p:spPr>
           <a:xfrm>
-            <a:off x="1371599" y="1066800"/>
+            <a:off x="1143000" y="1066800"/>
             <a:ext cx="6400800" cy="457200"/>
           </a:xfrm>
         </p:spPr>
@@ -4771,12 +4902,9 @@
                 <a:solidFill>
                   <a:schemeClr val="tx1"/>
                 </a:solidFill>
+                <a:hlinkClick r:id="rId2"/>
               </a:rPr>
-              <a:t>How a Certificat</a:t>
-            </a:r>
-            <a:r>
-              <a:rPr lang="en-US" b="1" dirty="0" smtClean="0"/>
-              <a:t>e is Used</a:t>
+              <a:t>What is Certificate</a:t>
             </a:r>
             <a:endParaRPr lang="en-US" b="1" dirty="0">
               <a:solidFill>
@@ -4789,7 +4917,7 @@
     </p:spTree>
     <p:extLst>
       <p:ext uri="{BB962C8B-B14F-4D97-AF65-F5344CB8AC3E}">
-        <p14:creationId xmlns:p14="http://schemas.microsoft.com/office/powerpoint/2010/main" val="3949542716"/>
+        <p14:creationId xmlns:p14="http://schemas.microsoft.com/office/powerpoint/2010/main" val="368257049"/>
       </p:ext>
     </p:extLst>
   </p:cSld>
@@ -4866,6 +4994,302 @@
               <a:rPr lang="en-US" smtClean="0"/>
               <a:pPr/>
               <a:t>17</a:t>
+            </a:fld>
+            <a:endParaRPr lang="en-US"/>
+          </a:p>
+        </p:txBody>
+      </p:sp>
+      <p:pic>
+        <p:nvPicPr>
+          <p:cNvPr id="6" name="Content Placeholder 5"/>
+          <p:cNvPicPr>
+            <a:picLocks noGrp="1" noChangeAspect="1"/>
+          </p:cNvPicPr>
+          <p:nvPr>
+            <p:ph idx="1"/>
+          </p:nvPr>
+        </p:nvPicPr>
+        <p:blipFill>
+          <a:blip r:embed="rId2" cstate="print">
+            <a:extLst>
+              <a:ext uri="{28A0092B-C50C-407E-A947-70E740481C1C}">
+                <a14:useLocalDpi xmlns:a14="http://schemas.microsoft.com/office/drawing/2010/main" val="0"/>
+              </a:ext>
+            </a:extLst>
+          </a:blip>
+          <a:stretch>
+            <a:fillRect/>
+          </a:stretch>
+        </p:blipFill>
+        <p:spPr>
+          <a:xfrm>
+            <a:off x="381000" y="1447800"/>
+            <a:ext cx="8476906" cy="4648200"/>
+          </a:xfrm>
+        </p:spPr>
+      </p:pic>
+      <p:sp>
+        <p:nvSpPr>
+          <p:cNvPr id="7" name="Subtitle 4"/>
+          <p:cNvSpPr>
+            <a:spLocks noGrp="1"/>
+          </p:cNvSpPr>
+          <p:nvPr>
+            <p:ph type="subTitle" idx="14"/>
+          </p:nvPr>
+        </p:nvSpPr>
+        <p:spPr>
+          <a:xfrm>
+            <a:off x="1419053" y="990600"/>
+            <a:ext cx="6400800" cy="457200"/>
+          </a:xfrm>
+        </p:spPr>
+        <p:txBody>
+          <a:bodyPr/>
+          <a:lstStyle/>
+          <a:p>
+            <a:r>
+              <a:rPr lang="en-US" dirty="0" smtClean="0"/>
+              <a:t>Symmetric and Asymmetric Encryption</a:t>
+            </a:r>
+            <a:endParaRPr lang="en-US" dirty="0"/>
+          </a:p>
+        </p:txBody>
+      </p:sp>
+    </p:spTree>
+    <p:extLst>
+      <p:ext uri="{BB962C8B-B14F-4D97-AF65-F5344CB8AC3E}">
+        <p14:creationId xmlns:p14="http://schemas.microsoft.com/office/powerpoint/2010/main" val="4058001532"/>
+      </p:ext>
+    </p:extLst>
+  </p:cSld>
+  <p:clrMapOvr>
+    <a:masterClrMapping/>
+  </p:clrMapOvr>
+  <p:timing>
+    <p:tnLst>
+      <p:par>
+        <p:cTn id="1" dur="indefinite" restart="never" nodeType="tmRoot"/>
+      </p:par>
+    </p:tnLst>
+  </p:timing>
+</p:sld>
+</file>
+
+<file path=ppt/slides/slide18.xml><?xml version="1.0" encoding="utf-8"?>
+<p:sld xmlns:a="http://schemas.openxmlformats.org/drawingml/2006/main" xmlns:r="http://schemas.openxmlformats.org/officeDocument/2006/relationships" xmlns:p="http://schemas.openxmlformats.org/presentationml/2006/main">
+  <p:cSld>
+    <p:spTree>
+      <p:nvGrpSpPr>
+        <p:cNvPr id="1" name=""/>
+        <p:cNvGrpSpPr/>
+        <p:nvPr/>
+      </p:nvGrpSpPr>
+      <p:grpSpPr>
+        <a:xfrm>
+          <a:off x="0" y="0"/>
+          <a:ext cx="0" cy="0"/>
+          <a:chOff x="0" y="0"/>
+          <a:chExt cx="0" cy="0"/>
+        </a:xfrm>
+      </p:grpSpPr>
+      <p:pic>
+        <p:nvPicPr>
+          <p:cNvPr id="2" name="Content Placeholder 1"/>
+          <p:cNvPicPr>
+            <a:picLocks noGrp="1" noChangeAspect="1"/>
+          </p:cNvPicPr>
+          <p:nvPr>
+            <p:ph idx="1"/>
+          </p:nvPr>
+        </p:nvPicPr>
+        <p:blipFill>
+          <a:blip r:embed="rId2">
+            <a:extLst>
+              <a:ext uri="{28A0092B-C50C-407E-A947-70E740481C1C}">
+                <a14:useLocalDpi xmlns:a14="http://schemas.microsoft.com/office/drawing/2010/main" val="0"/>
+              </a:ext>
+            </a:extLst>
+          </a:blip>
+          <a:stretch>
+            <a:fillRect/>
+          </a:stretch>
+        </p:blipFill>
+        <p:spPr>
+          <a:xfrm>
+            <a:off x="2741590" y="2057400"/>
+            <a:ext cx="3660819" cy="3429000"/>
+          </a:xfrm>
+        </p:spPr>
+      </p:pic>
+      <p:sp>
+        <p:nvSpPr>
+          <p:cNvPr id="4" name="Segnaposto data 3"/>
+          <p:cNvSpPr>
+            <a:spLocks noGrp="1"/>
+          </p:cNvSpPr>
+          <p:nvPr>
+            <p:ph type="dt" sz="half" idx="10"/>
+          </p:nvPr>
+        </p:nvSpPr>
+        <p:spPr/>
+        <p:txBody>
+          <a:bodyPr/>
+          <a:lstStyle/>
+          <a:p>
+            <a:fld id="{F8078618-4CAE-48E8-A205-9D92A68D094A}" type="datetime1">
+              <a:rPr lang="en-US" smtClean="0"/>
+              <a:pPr/>
+              <a:t>5/14/2019</a:t>
+            </a:fld>
+            <a:endParaRPr lang="en-US"/>
+          </a:p>
+        </p:txBody>
+      </p:sp>
+      <p:sp>
+        <p:nvSpPr>
+          <p:cNvPr id="5" name="Segnaposto numero diapositiva 4"/>
+          <p:cNvSpPr>
+            <a:spLocks noGrp="1"/>
+          </p:cNvSpPr>
+          <p:nvPr>
+            <p:ph type="sldNum" sz="quarter" idx="12"/>
+          </p:nvPr>
+        </p:nvSpPr>
+        <p:spPr/>
+        <p:txBody>
+          <a:bodyPr/>
+          <a:lstStyle/>
+          <a:p>
+            <a:fld id="{02623B3A-910D-43F4-BBA9-9429D5B0014D}" type="slidenum">
+              <a:rPr lang="en-US" smtClean="0"/>
+              <a:pPr/>
+              <a:t>18</a:t>
+            </a:fld>
+            <a:endParaRPr lang="en-US"/>
+          </a:p>
+        </p:txBody>
+      </p:sp>
+      <p:sp>
+        <p:nvSpPr>
+          <p:cNvPr id="7" name="Sottotitolo 6"/>
+          <p:cNvSpPr>
+            <a:spLocks noGrp="1"/>
+          </p:cNvSpPr>
+          <p:nvPr>
+            <p:ph type="subTitle" idx="14"/>
+          </p:nvPr>
+        </p:nvSpPr>
+        <p:spPr>
+          <a:xfrm>
+            <a:off x="1371599" y="1066800"/>
+            <a:ext cx="6400800" cy="457200"/>
+          </a:xfrm>
+        </p:spPr>
+        <p:txBody>
+          <a:bodyPr/>
+          <a:lstStyle/>
+          <a:p>
+            <a:r>
+              <a:rPr lang="en-US" b="1" dirty="0" smtClean="0">
+                <a:solidFill>
+                  <a:schemeClr val="tx1"/>
+                </a:solidFill>
+              </a:rPr>
+              <a:t>How a Certificat</a:t>
+            </a:r>
+            <a:r>
+              <a:rPr lang="en-US" b="1" dirty="0" smtClean="0"/>
+              <a:t>e is Used</a:t>
+            </a:r>
+            <a:endParaRPr lang="en-US" b="1" dirty="0">
+              <a:solidFill>
+                <a:schemeClr val="tx1"/>
+              </a:solidFill>
+            </a:endParaRPr>
+          </a:p>
+        </p:txBody>
+      </p:sp>
+    </p:spTree>
+    <p:extLst>
+      <p:ext uri="{BB962C8B-B14F-4D97-AF65-F5344CB8AC3E}">
+        <p14:creationId xmlns:p14="http://schemas.microsoft.com/office/powerpoint/2010/main" val="3949542716"/>
+      </p:ext>
+    </p:extLst>
+  </p:cSld>
+  <p:clrMapOvr>
+    <a:masterClrMapping/>
+  </p:clrMapOvr>
+  <p:timing>
+    <p:tnLst>
+      <p:par>
+        <p:cTn id="1" dur="indefinite" restart="never" nodeType="tmRoot"/>
+      </p:par>
+    </p:tnLst>
+  </p:timing>
+</p:sld>
+</file>
+
+<file path=ppt/slides/slide19.xml><?xml version="1.0" encoding="utf-8"?>
+<p:sld xmlns:a="http://schemas.openxmlformats.org/drawingml/2006/main" xmlns:r="http://schemas.openxmlformats.org/officeDocument/2006/relationships" xmlns:p="http://schemas.openxmlformats.org/presentationml/2006/main">
+  <p:cSld>
+    <p:spTree>
+      <p:nvGrpSpPr>
+        <p:cNvPr id="1" name=""/>
+        <p:cNvGrpSpPr/>
+        <p:nvPr/>
+      </p:nvGrpSpPr>
+      <p:grpSpPr>
+        <a:xfrm>
+          <a:off x="0" y="0"/>
+          <a:ext cx="0" cy="0"/>
+          <a:chOff x="0" y="0"/>
+          <a:chExt cx="0" cy="0"/>
+        </a:xfrm>
+      </p:grpSpPr>
+      <p:sp>
+        <p:nvSpPr>
+          <p:cNvPr id="4" name="Segnaposto data 3"/>
+          <p:cNvSpPr>
+            <a:spLocks noGrp="1"/>
+          </p:cNvSpPr>
+          <p:nvPr>
+            <p:ph type="dt" sz="half" idx="10"/>
+          </p:nvPr>
+        </p:nvSpPr>
+        <p:spPr/>
+        <p:txBody>
+          <a:bodyPr/>
+          <a:lstStyle/>
+          <a:p>
+            <a:fld id="{F8078618-4CAE-48E8-A205-9D92A68D094A}" type="datetime1">
+              <a:rPr lang="en-US" smtClean="0"/>
+              <a:pPr/>
+              <a:t>5/14/2019</a:t>
+            </a:fld>
+            <a:endParaRPr lang="en-US"/>
+          </a:p>
+        </p:txBody>
+      </p:sp>
+      <p:sp>
+        <p:nvSpPr>
+          <p:cNvPr id="5" name="Segnaposto numero diapositiva 4"/>
+          <p:cNvSpPr>
+            <a:spLocks noGrp="1"/>
+          </p:cNvSpPr>
+          <p:nvPr>
+            <p:ph type="sldNum" sz="quarter" idx="12"/>
+          </p:nvPr>
+        </p:nvSpPr>
+        <p:spPr/>
+        <p:txBody>
+          <a:bodyPr/>
+          <a:lstStyle/>
+          <a:p>
+            <a:fld id="{02623B3A-910D-43F4-BBA9-9429D5B0014D}" type="slidenum">
+              <a:rPr lang="en-US" smtClean="0"/>
+              <a:pPr/>
+              <a:t>19</a:t>
             </a:fld>
             <a:endParaRPr lang="en-US"/>
           </a:p>
@@ -4960,348 +5384,6 @@
 </p:sld>
 </file>
 
-<file path=ppt/slides/slide18.xml><?xml version="1.0" encoding="utf-8"?>
-<p:sld xmlns:a="http://schemas.openxmlformats.org/drawingml/2006/main" xmlns:r="http://schemas.openxmlformats.org/officeDocument/2006/relationships" xmlns:p="http://schemas.openxmlformats.org/presentationml/2006/main">
-  <p:cSld>
-    <p:spTree>
-      <p:nvGrpSpPr>
-        <p:cNvPr id="1" name=""/>
-        <p:cNvGrpSpPr/>
-        <p:nvPr/>
-      </p:nvGrpSpPr>
-      <p:grpSpPr>
-        <a:xfrm>
-          <a:off x="0" y="0"/>
-          <a:ext cx="0" cy="0"/>
-          <a:chOff x="0" y="0"/>
-          <a:chExt cx="0" cy="0"/>
-        </a:xfrm>
-      </p:grpSpPr>
-      <p:sp>
-        <p:nvSpPr>
-          <p:cNvPr id="4" name="Segnaposto data 3"/>
-          <p:cNvSpPr>
-            <a:spLocks noGrp="1"/>
-          </p:cNvSpPr>
-          <p:nvPr>
-            <p:ph type="dt" sz="half" idx="10"/>
-          </p:nvPr>
-        </p:nvSpPr>
-        <p:spPr/>
-        <p:txBody>
-          <a:bodyPr/>
-          <a:lstStyle/>
-          <a:p>
-            <a:fld id="{F8078618-4CAE-48E8-A205-9D92A68D094A}" type="datetime1">
-              <a:rPr lang="en-US" smtClean="0"/>
-              <a:pPr/>
-              <a:t>5/14/2019</a:t>
-            </a:fld>
-            <a:endParaRPr lang="en-US"/>
-          </a:p>
-        </p:txBody>
-      </p:sp>
-      <p:sp>
-        <p:nvSpPr>
-          <p:cNvPr id="5" name="Segnaposto numero diapositiva 4"/>
-          <p:cNvSpPr>
-            <a:spLocks noGrp="1"/>
-          </p:cNvSpPr>
-          <p:nvPr>
-            <p:ph type="sldNum" sz="quarter" idx="12"/>
-          </p:nvPr>
-        </p:nvSpPr>
-        <p:spPr/>
-        <p:txBody>
-          <a:bodyPr/>
-          <a:lstStyle/>
-          <a:p>
-            <a:fld id="{02623B3A-910D-43F4-BBA9-9429D5B0014D}" type="slidenum">
-              <a:rPr lang="en-US" smtClean="0"/>
-              <a:pPr/>
-              <a:t>18</a:t>
-            </a:fld>
-            <a:endParaRPr lang="en-US"/>
-          </a:p>
-        </p:txBody>
-      </p:sp>
-      <p:sp>
-        <p:nvSpPr>
-          <p:cNvPr id="7" name="Sottotitolo 6"/>
-          <p:cNvSpPr>
-            <a:spLocks noGrp="1"/>
-          </p:cNvSpPr>
-          <p:nvPr>
-            <p:ph type="subTitle" idx="14"/>
-          </p:nvPr>
-        </p:nvSpPr>
-        <p:spPr>
-          <a:xfrm>
-            <a:off x="1371599" y="1066800"/>
-            <a:ext cx="6400800" cy="457200"/>
-          </a:xfrm>
-        </p:spPr>
-        <p:txBody>
-          <a:bodyPr/>
-          <a:lstStyle/>
-          <a:p>
-            <a:r>
-              <a:rPr lang="en-US" b="1" dirty="0" smtClean="0"/>
-              <a:t>The Key Vault Approach</a:t>
-            </a:r>
-            <a:endParaRPr lang="en-US" b="1" dirty="0">
-              <a:solidFill>
-                <a:schemeClr val="tx1"/>
-              </a:solidFill>
-            </a:endParaRPr>
-          </a:p>
-        </p:txBody>
-      </p:sp>
-      <p:pic>
-        <p:nvPicPr>
-          <p:cNvPr id="3" name="Content Placeholder 2"/>
-          <p:cNvPicPr>
-            <a:picLocks noGrp="1" noChangeAspect="1"/>
-          </p:cNvPicPr>
-          <p:nvPr>
-            <p:ph idx="1"/>
-          </p:nvPr>
-        </p:nvPicPr>
-        <p:blipFill>
-          <a:blip r:embed="rId2">
-            <a:extLst>
-              <a:ext uri="{28A0092B-C50C-407E-A947-70E740481C1C}">
-                <a14:useLocalDpi xmlns:a14="http://schemas.microsoft.com/office/drawing/2010/main" val="0"/>
-              </a:ext>
-            </a:extLst>
-          </a:blip>
-          <a:stretch>
-            <a:fillRect/>
-          </a:stretch>
-        </p:blipFill>
-        <p:spPr>
-          <a:xfrm>
-            <a:off x="1569460" y="2369698"/>
-            <a:ext cx="6005080" cy="2804403"/>
-          </a:xfrm>
-        </p:spPr>
-      </p:pic>
-    </p:spTree>
-    <p:extLst>
-      <p:ext uri="{BB962C8B-B14F-4D97-AF65-F5344CB8AC3E}">
-        <p14:creationId xmlns:p14="http://schemas.microsoft.com/office/powerpoint/2010/main" val="2617281450"/>
-      </p:ext>
-    </p:extLst>
-  </p:cSld>
-  <p:clrMapOvr>
-    <a:masterClrMapping/>
-  </p:clrMapOvr>
-  <p:timing>
-    <p:tnLst>
-      <p:par>
-        <p:cTn id="1" dur="indefinite" restart="never" nodeType="tmRoot"/>
-      </p:par>
-    </p:tnLst>
-  </p:timing>
-</p:sld>
-</file>
-
-<file path=ppt/slides/slide19.xml><?xml version="1.0" encoding="utf-8"?>
-<p:sld xmlns:a="http://schemas.openxmlformats.org/drawingml/2006/main" xmlns:r="http://schemas.openxmlformats.org/officeDocument/2006/relationships" xmlns:p="http://schemas.openxmlformats.org/presentationml/2006/main">
-  <p:cSld>
-    <p:spTree>
-      <p:nvGrpSpPr>
-        <p:cNvPr id="1" name=""/>
-        <p:cNvGrpSpPr/>
-        <p:nvPr/>
-      </p:nvGrpSpPr>
-      <p:grpSpPr>
-        <a:xfrm>
-          <a:off x="0" y="0"/>
-          <a:ext cx="0" cy="0"/>
-          <a:chOff x="0" y="0"/>
-          <a:chExt cx="0" cy="0"/>
-        </a:xfrm>
-      </p:grpSpPr>
-      <p:sp>
-        <p:nvSpPr>
-          <p:cNvPr id="3" name="Segnaposto contenuto 2"/>
-          <p:cNvSpPr>
-            <a:spLocks noGrp="1"/>
-          </p:cNvSpPr>
-          <p:nvPr>
-            <p:ph idx="1"/>
-          </p:nvPr>
-        </p:nvSpPr>
-        <p:spPr>
-          <a:xfrm>
-            <a:off x="457200" y="1676400"/>
-            <a:ext cx="8229600" cy="3429000"/>
-          </a:xfrm>
-        </p:spPr>
-        <p:txBody>
-          <a:bodyPr>
-            <a:normAutofit lnSpcReduction="10000"/>
-          </a:bodyPr>
-          <a:lstStyle/>
-          <a:p>
-            <a:pPr algn="ctr">
-              <a:buNone/>
-            </a:pPr>
-            <a:endParaRPr lang="en-US" dirty="0" smtClean="0"/>
-          </a:p>
-          <a:p>
-            <a:r>
-              <a:rPr lang="en-US" dirty="0" smtClean="0"/>
-              <a:t>Based on registering apps with Azure AD </a:t>
-            </a:r>
-          </a:p>
-          <a:p>
-            <a:r>
-              <a:rPr lang="en-US" dirty="0" smtClean="0"/>
-              <a:t>Exchange of client ID and shared secret or certificate based</a:t>
-            </a:r>
-          </a:p>
-          <a:p>
-            <a:r>
-              <a:rPr lang="en-US" dirty="0" smtClean="0"/>
-              <a:t>The secrets still fly over the public/private infrastructure and might need TSL if it is not private only and secure connection.</a:t>
-            </a:r>
-          </a:p>
-          <a:p>
-            <a:r>
-              <a:rPr lang="en-US" dirty="0" smtClean="0"/>
-              <a:t>It is useful for scenarios of interconnected systems on private networks which may be not all part of Azure infrastructure (hybrid)</a:t>
-            </a:r>
-          </a:p>
-          <a:p>
-            <a:r>
-              <a:rPr lang="en-US" dirty="0" smtClean="0"/>
-              <a:t>It is necessary in all cases in which a secret is required to connect two pieces of software but any of the two cannot use Azure AD as authentication service i.e. </a:t>
-            </a:r>
-            <a:r>
-              <a:rPr lang="en-US" dirty="0" smtClean="0">
-                <a:hlinkClick r:id="rId2"/>
-              </a:rPr>
-              <a:t>Azure Cache for </a:t>
-            </a:r>
-            <a:r>
-              <a:rPr lang="en-US" dirty="0" err="1" smtClean="0">
-                <a:hlinkClick r:id="rId2"/>
-              </a:rPr>
-              <a:t>Redis</a:t>
-            </a:r>
-            <a:endParaRPr lang="en-US" dirty="0" smtClean="0"/>
-          </a:p>
-          <a:p>
-            <a:endParaRPr lang="en-US" dirty="0" smtClean="0"/>
-          </a:p>
-          <a:p>
-            <a:endParaRPr lang="en-US" dirty="0" smtClean="0"/>
-          </a:p>
-          <a:p>
-            <a:endParaRPr lang="en-US" dirty="0" smtClean="0"/>
-          </a:p>
-          <a:p>
-            <a:endParaRPr lang="en-US" dirty="0"/>
-          </a:p>
-        </p:txBody>
-      </p:sp>
-      <p:sp>
-        <p:nvSpPr>
-          <p:cNvPr id="4" name="Segnaposto data 3"/>
-          <p:cNvSpPr>
-            <a:spLocks noGrp="1"/>
-          </p:cNvSpPr>
-          <p:nvPr>
-            <p:ph type="dt" sz="half" idx="10"/>
-          </p:nvPr>
-        </p:nvSpPr>
-        <p:spPr/>
-        <p:txBody>
-          <a:bodyPr/>
-          <a:lstStyle/>
-          <a:p>
-            <a:fld id="{F8078618-4CAE-48E8-A205-9D92A68D094A}" type="datetime1">
-              <a:rPr lang="en-US" smtClean="0"/>
-              <a:pPr/>
-              <a:t>5/14/2019</a:t>
-            </a:fld>
-            <a:endParaRPr lang="en-US"/>
-          </a:p>
-        </p:txBody>
-      </p:sp>
-      <p:sp>
-        <p:nvSpPr>
-          <p:cNvPr id="5" name="Segnaposto numero diapositiva 4"/>
-          <p:cNvSpPr>
-            <a:spLocks noGrp="1"/>
-          </p:cNvSpPr>
-          <p:nvPr>
-            <p:ph type="sldNum" sz="quarter" idx="12"/>
-          </p:nvPr>
-        </p:nvSpPr>
-        <p:spPr/>
-        <p:txBody>
-          <a:bodyPr/>
-          <a:lstStyle/>
-          <a:p>
-            <a:fld id="{02623B3A-910D-43F4-BBA9-9429D5B0014D}" type="slidenum">
-              <a:rPr lang="en-US" smtClean="0"/>
-              <a:pPr/>
-              <a:t>19</a:t>
-            </a:fld>
-            <a:endParaRPr lang="en-US"/>
-          </a:p>
-        </p:txBody>
-      </p:sp>
-      <p:sp>
-        <p:nvSpPr>
-          <p:cNvPr id="8" name="Sottotitolo 7"/>
-          <p:cNvSpPr>
-            <a:spLocks noGrp="1"/>
-          </p:cNvSpPr>
-          <p:nvPr>
-            <p:ph type="subTitle" idx="14"/>
-          </p:nvPr>
-        </p:nvSpPr>
-        <p:spPr>
-          <a:xfrm>
-            <a:off x="1295400" y="1066800"/>
-            <a:ext cx="6400800" cy="457200"/>
-          </a:xfrm>
-        </p:spPr>
-        <p:txBody>
-          <a:bodyPr/>
-          <a:lstStyle/>
-          <a:p>
-            <a:r>
-              <a:rPr lang="en-US" b="1" dirty="0" smtClean="0"/>
-              <a:t>The Azure Key Vault Approach</a:t>
-            </a:r>
-            <a:endParaRPr lang="en-US" dirty="0">
-              <a:solidFill>
-                <a:schemeClr val="tx1"/>
-              </a:solidFill>
-            </a:endParaRPr>
-          </a:p>
-        </p:txBody>
-      </p:sp>
-    </p:spTree>
-  </p:cSld>
-  <p:clrMapOvr>
-    <a:masterClrMapping/>
-  </p:clrMapOvr>
-  <p:timing>
-    <p:tnLst>
-      <p:par>
-        <p:cTn id="1" dur="indefinite" restart="never" nodeType="tmRoot"/>
-      </p:par>
-    </p:tnLst>
-  </p:timing>
-</p:sld>
-</file>
-
 <file path=ppt/slides/slide2.xml><?xml version="1.0" encoding="utf-8"?>
 <p:sld xmlns:a="http://schemas.openxmlformats.org/drawingml/2006/main" xmlns:r="http://schemas.openxmlformats.org/officeDocument/2006/relationships" xmlns:p="http://schemas.openxmlformats.org/presentationml/2006/main">
   <p:cSld>
@@ -5329,39 +5411,160 @@
             <p:ph idx="1"/>
           </p:nvPr>
         </p:nvSpPr>
-        <p:spPr/>
-        <p:txBody>
-          <a:bodyPr/>
-          <a:lstStyle/>
-          <a:p>
-            <a:r>
-              <a:rPr lang="en-US" dirty="0" smtClean="0"/>
-              <a:t>Secure storage and delivery of secrets and operational data</a:t>
-            </a:r>
-          </a:p>
-          <a:p>
-            <a:r>
-              <a:rPr lang="en-US" dirty="0" smtClean="0"/>
-              <a:t>Encryption of data</a:t>
-            </a:r>
-          </a:p>
-          <a:p>
-            <a:r>
-              <a:rPr lang="en-US" dirty="0" smtClean="0"/>
-              <a:t>Authorization</a:t>
-            </a:r>
-          </a:p>
-          <a:p>
-            <a:r>
-              <a:rPr lang="en-US" dirty="0" smtClean="0"/>
-              <a:t>Bad Practices</a:t>
-            </a:r>
-          </a:p>
-          <a:p>
-            <a:r>
-              <a:rPr lang="en-US" dirty="0" smtClean="0"/>
-              <a:t>OWASP</a:t>
-            </a:r>
+        <p:spPr>
+          <a:xfrm>
+            <a:off x="457200" y="2362200"/>
+            <a:ext cx="8229600" cy="3276600"/>
+          </a:xfrm>
+        </p:spPr>
+        <p:txBody>
+          <a:bodyPr>
+            <a:normAutofit/>
+          </a:bodyPr>
+          <a:lstStyle/>
+          <a:p>
+            <a:pPr marL="571500" indent="-285750"/>
+            <a:r>
+              <a:rPr lang="en-US" sz="1600" dirty="0" smtClean="0"/>
+              <a:t>Businesses need to manage a </a:t>
+            </a:r>
+            <a:r>
+              <a:rPr lang="en-US" sz="1600" dirty="0" smtClean="0"/>
+              <a:t>variety </a:t>
+            </a:r>
+            <a:r>
+              <a:rPr lang="en-US" sz="1600" dirty="0" smtClean="0"/>
+              <a:t>of (sensitive) </a:t>
+            </a:r>
+            <a:r>
+              <a:rPr lang="en-US" sz="1600" dirty="0" smtClean="0"/>
+              <a:t>information</a:t>
+            </a:r>
+          </a:p>
+          <a:p>
+            <a:pPr marL="571500" indent="-285750"/>
+            <a:r>
+              <a:rPr lang="en-US" sz="1600" dirty="0" smtClean="0"/>
+              <a:t>Firms are required to handle security concern adequately to stay in business</a:t>
+            </a:r>
+          </a:p>
+          <a:p>
+            <a:pPr marL="571500" indent="-285750"/>
+            <a:r>
+              <a:rPr lang="en-US" sz="1600" dirty="0"/>
+              <a:t>Handling of the information may be regulated by policies and </a:t>
+            </a:r>
+            <a:r>
+              <a:rPr lang="en-US" sz="1600" dirty="0" smtClean="0"/>
+              <a:t>law</a:t>
+            </a:r>
+          </a:p>
+          <a:p>
+            <a:pPr marL="571500" indent="-285750"/>
+            <a:r>
+              <a:rPr lang="en-US" sz="1600" dirty="0"/>
+              <a:t>Firms are opened to security threats due to the valuable information they </a:t>
+            </a:r>
+            <a:r>
+              <a:rPr lang="en-US" sz="1600" dirty="0" smtClean="0"/>
+              <a:t>hold</a:t>
+            </a:r>
+          </a:p>
+          <a:p>
+            <a:pPr marL="571500" indent="-285750"/>
+            <a:r>
+              <a:rPr lang="en-US" sz="1600" dirty="0" smtClean="0"/>
+              <a:t>Responsibility </a:t>
+            </a:r>
+            <a:r>
+              <a:rPr lang="en-US" sz="1600" dirty="0"/>
+              <a:t>for the handling of the info might be delegated to the </a:t>
+            </a:r>
+            <a:r>
+              <a:rPr lang="en-US" sz="1600" dirty="0" smtClean="0"/>
+              <a:t>business</a:t>
+            </a:r>
+            <a:endParaRPr lang="en-US" sz="1600" dirty="0" smtClean="0"/>
+          </a:p>
+          <a:p>
+            <a:pPr marL="571500" indent="-285750"/>
+            <a:r>
+              <a:rPr lang="en-US" sz="1600" dirty="0"/>
+              <a:t>Information might or might not be direct property of the business </a:t>
+            </a:r>
+            <a:endParaRPr lang="en-US" sz="1600" dirty="0" smtClean="0"/>
+          </a:p>
+          <a:p>
+            <a:pPr marL="571500" indent="-285750"/>
+            <a:r>
+              <a:rPr lang="en-US" sz="1600" dirty="0" smtClean="0"/>
+              <a:t>Information can be </a:t>
+            </a:r>
+            <a:r>
+              <a:rPr lang="en-US" sz="1600" dirty="0" smtClean="0"/>
+              <a:t>heterogeneous</a:t>
+            </a:r>
+          </a:p>
+          <a:p>
+            <a:pPr marL="571500" indent="-285750"/>
+            <a:r>
+              <a:rPr lang="en-US" sz="1600" dirty="0" smtClean="0"/>
+              <a:t>Some </a:t>
+            </a:r>
+            <a:r>
+              <a:rPr lang="en-US" sz="1600" dirty="0" smtClean="0"/>
+              <a:t>info is operational and is used as key to access larger repositories of data</a:t>
+            </a:r>
+          </a:p>
+          <a:p>
+            <a:pPr marL="571500" indent="-285750"/>
+            <a:r>
+              <a:rPr lang="en-US" sz="1600" dirty="0" smtClean="0"/>
+              <a:t>Some </a:t>
+            </a:r>
+            <a:r>
+              <a:rPr lang="en-US" sz="1600" dirty="0" smtClean="0"/>
+              <a:t>information may be classified as secret </a:t>
+            </a:r>
+            <a:r>
+              <a:rPr lang="en-US" sz="1600" dirty="0" smtClean="0"/>
+              <a:t>and should be handled accordingly</a:t>
+            </a:r>
+          </a:p>
+          <a:p>
+            <a:pPr marL="571500" indent="-285750"/>
+            <a:r>
+              <a:rPr lang="en-US" sz="1600" dirty="0" smtClean="0"/>
+              <a:t>Misuse </a:t>
+            </a:r>
+            <a:r>
+              <a:rPr lang="en-US" sz="1600" dirty="0" smtClean="0"/>
+              <a:t>or mishandling </a:t>
+            </a:r>
+            <a:r>
+              <a:rPr lang="en-US" sz="1600" dirty="0" smtClean="0"/>
+              <a:t>of information can lead to loss</a:t>
+            </a:r>
+          </a:p>
+          <a:p>
+            <a:pPr marL="571500" indent="-285750"/>
+            <a:r>
+              <a:rPr lang="en-US" sz="1600" dirty="0" smtClean="0"/>
+              <a:t>Intrusion in secure area of the business or exploitation of data can lead to loss</a:t>
+            </a:r>
+            <a:endParaRPr lang="en-US" sz="1600" dirty="0" smtClean="0"/>
+          </a:p>
+          <a:p>
+            <a:pPr marL="571500" indent="-285750"/>
+            <a:endParaRPr lang="en-US" sz="1600" dirty="0" smtClean="0"/>
+          </a:p>
+          <a:p>
+            <a:pPr marL="285750" indent="0">
+              <a:buNone/>
+            </a:pPr>
+            <a:endParaRPr lang="en-US" sz="1600" dirty="0" smtClean="0"/>
+          </a:p>
+          <a:p>
             <a:endParaRPr lang="en-US" dirty="0"/>
           </a:p>
         </p:txBody>
@@ -5416,7 +5619,7 @@
       </p:sp>
       <p:sp>
         <p:nvSpPr>
-          <p:cNvPr id="7" name="Sottotitolo 6"/>
+          <p:cNvPr id="8" name="Sottotitolo 7"/>
           <p:cNvSpPr>
             <a:spLocks noGrp="1"/>
           </p:cNvSpPr>
@@ -5424,22 +5627,215 @@
             <p:ph type="subTitle" idx="14"/>
           </p:nvPr>
         </p:nvSpPr>
-        <p:spPr/>
-        <p:txBody>
-          <a:bodyPr/>
-          <a:lstStyle/>
-          <a:p>
-            <a:r>
-              <a:rPr lang="en-US" b="1" dirty="0" smtClean="0">
-                <a:solidFill>
-                  <a:schemeClr val="tx1"/>
-                </a:solidFill>
-              </a:rPr>
-              <a:t>Overview</a:t>
-            </a:r>
-            <a:endParaRPr lang="en-US" b="1" dirty="0">
+        <p:spPr>
+          <a:xfrm>
+            <a:off x="1143000" y="1066800"/>
+            <a:ext cx="6400800" cy="457200"/>
+          </a:xfrm>
+        </p:spPr>
+        <p:txBody>
+          <a:bodyPr>
+            <a:normAutofit/>
+          </a:bodyPr>
+          <a:lstStyle/>
+          <a:p>
+            <a:pPr marL="285750"/>
+            <a:r>
+              <a:rPr lang="en-US" b="1" dirty="0" smtClean="0"/>
+              <a:t>Introduction</a:t>
+            </a:r>
+            <a:endParaRPr lang="en-US" b="1" dirty="0" smtClean="0">
               <a:solidFill>
                 <a:schemeClr val="tx1"/>
+              </a:solidFill>
+            </a:endParaRPr>
+          </a:p>
+          <a:p>
+            <a:pPr marL="285750"/>
+            <a:endParaRPr lang="en-US" b="1" dirty="0" smtClean="0">
+              <a:solidFill>
+                <a:schemeClr val="tx1"/>
+              </a:solidFill>
+            </a:endParaRPr>
+          </a:p>
+        </p:txBody>
+      </p:sp>
+      <p:sp>
+        <p:nvSpPr>
+          <p:cNvPr id="6" name="Subtitle 2"/>
+          <p:cNvSpPr txBox="1">
+            <a:spLocks/>
+          </p:cNvSpPr>
+          <p:nvPr/>
+        </p:nvSpPr>
+        <p:spPr>
+          <a:xfrm>
+            <a:off x="2705100" y="1524000"/>
+            <a:ext cx="3733800" cy="609600"/>
+          </a:xfrm>
+          <a:prstGeom prst="rect">
+            <a:avLst/>
+          </a:prstGeom>
+          <a:ln w="3175">
+            <a:solidFill>
+              <a:schemeClr val="bg1"/>
+            </a:solidFill>
+          </a:ln>
+        </p:spPr>
+        <p:txBody>
+          <a:bodyPr vert="horz" lIns="91440" tIns="45720" rIns="91440" bIns="45720" rtlCol="0">
+            <a:normAutofit/>
+          </a:bodyPr>
+          <a:lstStyle>
+            <a:lvl1pPr marL="342900" indent="-342900" algn="l" defTabSz="914400" rtl="0" eaLnBrk="1" latinLnBrk="0" hangingPunct="1">
+              <a:spcBef>
+                <a:spcPct val="20000"/>
+              </a:spcBef>
+              <a:buFont typeface="Arial" pitchFamily="34" charset="0"/>
+              <a:buChar char="•"/>
+              <a:defRPr sz="2000" kern="1200">
+                <a:solidFill>
+                  <a:schemeClr val="tx1"/>
+                </a:solidFill>
+                <a:latin typeface="+mn-lt"/>
+                <a:ea typeface="+mn-ea"/>
+                <a:cs typeface="+mn-cs"/>
+              </a:defRPr>
+            </a:lvl1pPr>
+            <a:lvl2pPr marL="742950" indent="-285750" algn="l" defTabSz="914400" rtl="0" eaLnBrk="1" latinLnBrk="0" hangingPunct="1">
+              <a:spcBef>
+                <a:spcPct val="20000"/>
+              </a:spcBef>
+              <a:buFont typeface="Arial" pitchFamily="34" charset="0"/>
+              <a:buChar char="–"/>
+              <a:defRPr sz="1800" kern="1200">
+                <a:solidFill>
+                  <a:schemeClr val="tx1"/>
+                </a:solidFill>
+                <a:latin typeface="+mn-lt"/>
+                <a:ea typeface="+mn-ea"/>
+                <a:cs typeface="+mn-cs"/>
+              </a:defRPr>
+            </a:lvl2pPr>
+            <a:lvl3pPr marL="1143000" indent="-228600" algn="l" defTabSz="914400" rtl="0" eaLnBrk="1" latinLnBrk="0" hangingPunct="1">
+              <a:spcBef>
+                <a:spcPct val="20000"/>
+              </a:spcBef>
+              <a:buFont typeface="Arial" pitchFamily="34" charset="0"/>
+              <a:buChar char="•"/>
+              <a:defRPr sz="1600" kern="1200">
+                <a:solidFill>
+                  <a:schemeClr val="tx1"/>
+                </a:solidFill>
+                <a:latin typeface="+mn-lt"/>
+                <a:ea typeface="+mn-ea"/>
+                <a:cs typeface="+mn-cs"/>
+              </a:defRPr>
+            </a:lvl3pPr>
+            <a:lvl4pPr marL="1600200" indent="-228600" algn="l" defTabSz="914400" rtl="0" eaLnBrk="1" latinLnBrk="0" hangingPunct="1">
+              <a:spcBef>
+                <a:spcPct val="20000"/>
+              </a:spcBef>
+              <a:buFont typeface="Arial" pitchFamily="34" charset="0"/>
+              <a:buChar char="–"/>
+              <a:defRPr sz="1400" kern="1200">
+                <a:solidFill>
+                  <a:schemeClr val="tx1"/>
+                </a:solidFill>
+                <a:latin typeface="+mn-lt"/>
+                <a:ea typeface="+mn-ea"/>
+                <a:cs typeface="+mn-cs"/>
+              </a:defRPr>
+            </a:lvl4pPr>
+            <a:lvl5pPr marL="2057400" indent="-228600" algn="l" defTabSz="914400" rtl="0" eaLnBrk="1" latinLnBrk="0" hangingPunct="1">
+              <a:spcBef>
+                <a:spcPct val="20000"/>
+              </a:spcBef>
+              <a:buFont typeface="Arial" pitchFamily="34" charset="0"/>
+              <a:buChar char="»"/>
+              <a:defRPr sz="1400" kern="1200">
+                <a:solidFill>
+                  <a:schemeClr val="tx1"/>
+                </a:solidFill>
+                <a:latin typeface="+mn-lt"/>
+                <a:ea typeface="+mn-ea"/>
+                <a:cs typeface="+mn-cs"/>
+              </a:defRPr>
+            </a:lvl5pPr>
+            <a:lvl6pPr marL="2514600" indent="-228600" algn="l" defTabSz="914400" rtl="0" eaLnBrk="1" latinLnBrk="0" hangingPunct="1">
+              <a:spcBef>
+                <a:spcPct val="20000"/>
+              </a:spcBef>
+              <a:buFont typeface="Arial" pitchFamily="34" charset="0"/>
+              <a:buChar char="•"/>
+              <a:defRPr sz="2000" kern="1200">
+                <a:solidFill>
+                  <a:schemeClr val="tx1"/>
+                </a:solidFill>
+                <a:latin typeface="+mn-lt"/>
+                <a:ea typeface="+mn-ea"/>
+                <a:cs typeface="+mn-cs"/>
+              </a:defRPr>
+            </a:lvl6pPr>
+            <a:lvl7pPr marL="2971800" indent="-228600" algn="l" defTabSz="914400" rtl="0" eaLnBrk="1" latinLnBrk="0" hangingPunct="1">
+              <a:spcBef>
+                <a:spcPct val="20000"/>
+              </a:spcBef>
+              <a:buFont typeface="Arial" pitchFamily="34" charset="0"/>
+              <a:buChar char="•"/>
+              <a:defRPr sz="2000" kern="1200">
+                <a:solidFill>
+                  <a:schemeClr val="tx1"/>
+                </a:solidFill>
+                <a:latin typeface="+mn-lt"/>
+                <a:ea typeface="+mn-ea"/>
+                <a:cs typeface="+mn-cs"/>
+              </a:defRPr>
+            </a:lvl7pPr>
+            <a:lvl8pPr marL="3429000" indent="-228600" algn="l" defTabSz="914400" rtl="0" eaLnBrk="1" latinLnBrk="0" hangingPunct="1">
+              <a:spcBef>
+                <a:spcPct val="20000"/>
+              </a:spcBef>
+              <a:buFont typeface="Arial" pitchFamily="34" charset="0"/>
+              <a:buChar char="•"/>
+              <a:defRPr sz="2000" kern="1200">
+                <a:solidFill>
+                  <a:schemeClr val="tx1"/>
+                </a:solidFill>
+                <a:latin typeface="+mn-lt"/>
+                <a:ea typeface="+mn-ea"/>
+                <a:cs typeface="+mn-cs"/>
+              </a:defRPr>
+            </a:lvl8pPr>
+            <a:lvl9pPr marL="3886200" indent="-228600" algn="l" defTabSz="914400" rtl="0" eaLnBrk="1" latinLnBrk="0" hangingPunct="1">
+              <a:spcBef>
+                <a:spcPct val="20000"/>
+              </a:spcBef>
+              <a:buFont typeface="Arial" pitchFamily="34" charset="0"/>
+              <a:buChar char="•"/>
+              <a:defRPr sz="2000" kern="1200">
+                <a:solidFill>
+                  <a:schemeClr val="tx1"/>
+                </a:solidFill>
+                <a:latin typeface="+mn-lt"/>
+                <a:ea typeface="+mn-ea"/>
+                <a:cs typeface="+mn-cs"/>
+              </a:defRPr>
+            </a:lvl9pPr>
+          </a:lstStyle>
+          <a:p>
+            <a:pPr marL="0" indent="0">
+              <a:buNone/>
+            </a:pPr>
+            <a:r>
+              <a:rPr lang="en-US" dirty="0" smtClean="0"/>
+              <a:t>The business case for security</a:t>
+            </a:r>
+            <a:endParaRPr lang="en-US" dirty="0" smtClean="0">
+              <a:solidFill>
+                <a:schemeClr val="accent1">
+                  <a:lumMod val="25000"/>
+                </a:schemeClr>
               </a:solidFill>
             </a:endParaRPr>
           </a:p>
@@ -5479,6 +5875,90 @@
       </p:grpSpPr>
       <p:sp>
         <p:nvSpPr>
+          <p:cNvPr id="3" name="Segnaposto contenuto 2"/>
+          <p:cNvSpPr>
+            <a:spLocks noGrp="1"/>
+          </p:cNvSpPr>
+          <p:nvPr>
+            <p:ph idx="1"/>
+          </p:nvPr>
+        </p:nvSpPr>
+        <p:spPr>
+          <a:xfrm>
+            <a:off x="457200" y="1676400"/>
+            <a:ext cx="8229600" cy="3962400"/>
+          </a:xfrm>
+        </p:spPr>
+        <p:txBody>
+          <a:bodyPr>
+            <a:normAutofit/>
+          </a:bodyPr>
+          <a:lstStyle/>
+          <a:p>
+            <a:pPr algn="ctr">
+              <a:buNone/>
+            </a:pPr>
+            <a:endParaRPr lang="en-US" dirty="0" smtClean="0"/>
+          </a:p>
+          <a:p>
+            <a:r>
+              <a:rPr lang="en-US" dirty="0" smtClean="0"/>
+              <a:t>Based on registering apps with Azure AD </a:t>
+            </a:r>
+          </a:p>
+          <a:p>
+            <a:r>
+              <a:rPr lang="en-US" dirty="0" smtClean="0"/>
+              <a:t>Exchange of client ID and shared secret or certificate based</a:t>
+            </a:r>
+          </a:p>
+          <a:p>
+            <a:r>
+              <a:rPr lang="en-US" dirty="0" smtClean="0"/>
+              <a:t>The secrets still fly over the public/private infrastructure and might need TSL if it is not private only and secure connection.</a:t>
+            </a:r>
+          </a:p>
+          <a:p>
+            <a:r>
+              <a:rPr lang="en-US" dirty="0" smtClean="0"/>
+              <a:t>It is useful for scenarios of interconnected systems on private networks which may be not all part of Azure infrastructure (hybrid)</a:t>
+            </a:r>
+          </a:p>
+          <a:p>
+            <a:r>
+              <a:rPr lang="en-US" dirty="0" smtClean="0"/>
+              <a:t>It is necessary in all cases in which a secret is required to connect two pieces of software but any of the two cannot use Azure AD as authentication service i.e. </a:t>
+            </a:r>
+            <a:r>
+              <a:rPr lang="en-US" dirty="0" smtClean="0">
+                <a:hlinkClick r:id="rId2"/>
+              </a:rPr>
+              <a:t>Azure Cache for </a:t>
+            </a:r>
+            <a:r>
+              <a:rPr lang="en-US" dirty="0" err="1" smtClean="0">
+                <a:hlinkClick r:id="rId2"/>
+              </a:rPr>
+              <a:t>Redis</a:t>
+            </a:r>
+            <a:endParaRPr lang="en-US" dirty="0" smtClean="0"/>
+          </a:p>
+          <a:p>
+            <a:endParaRPr lang="en-US" dirty="0" smtClean="0"/>
+          </a:p>
+          <a:p>
+            <a:endParaRPr lang="en-US" dirty="0" smtClean="0"/>
+          </a:p>
+          <a:p>
+            <a:endParaRPr lang="en-US" dirty="0" smtClean="0"/>
+          </a:p>
+          <a:p>
+            <a:endParaRPr lang="en-US" dirty="0"/>
+          </a:p>
+        </p:txBody>
+      </p:sp>
+      <p:sp>
+        <p:nvSpPr>
           <p:cNvPr id="4" name="Segnaposto data 3"/>
           <p:cNvSpPr>
             <a:spLocks noGrp="1"/>
@@ -5520,6 +6000,616 @@
               <a:rPr lang="en-US" smtClean="0"/>
               <a:pPr/>
               <a:t>20</a:t>
+            </a:fld>
+            <a:endParaRPr lang="en-US"/>
+          </a:p>
+        </p:txBody>
+      </p:sp>
+      <p:sp>
+        <p:nvSpPr>
+          <p:cNvPr id="8" name="Sottotitolo 7"/>
+          <p:cNvSpPr>
+            <a:spLocks noGrp="1"/>
+          </p:cNvSpPr>
+          <p:nvPr>
+            <p:ph type="subTitle" idx="14"/>
+          </p:nvPr>
+        </p:nvSpPr>
+        <p:spPr>
+          <a:xfrm>
+            <a:off x="1295400" y="1066800"/>
+            <a:ext cx="6400800" cy="457200"/>
+          </a:xfrm>
+        </p:spPr>
+        <p:txBody>
+          <a:bodyPr/>
+          <a:lstStyle/>
+          <a:p>
+            <a:r>
+              <a:rPr lang="en-US" b="1" dirty="0" smtClean="0"/>
+              <a:t>The Azure Key Vault Approach</a:t>
+            </a:r>
+            <a:endParaRPr lang="en-US" dirty="0">
+              <a:solidFill>
+                <a:schemeClr val="tx1"/>
+              </a:solidFill>
+            </a:endParaRPr>
+          </a:p>
+        </p:txBody>
+      </p:sp>
+    </p:spTree>
+  </p:cSld>
+  <p:clrMapOvr>
+    <a:masterClrMapping/>
+  </p:clrMapOvr>
+  <p:timing>
+    <p:tnLst>
+      <p:par>
+        <p:cTn id="1" dur="indefinite" restart="never" nodeType="tmRoot"/>
+      </p:par>
+    </p:tnLst>
+  </p:timing>
+</p:sld>
+</file>
+
+<file path=ppt/slides/slide21.xml><?xml version="1.0" encoding="utf-8"?>
+<p:sld xmlns:a="http://schemas.openxmlformats.org/drawingml/2006/main" xmlns:r="http://schemas.openxmlformats.org/officeDocument/2006/relationships" xmlns:p="http://schemas.openxmlformats.org/presentationml/2006/main">
+  <p:cSld>
+    <p:spTree>
+      <p:nvGrpSpPr>
+        <p:cNvPr id="1" name=""/>
+        <p:cNvGrpSpPr/>
+        <p:nvPr/>
+      </p:nvGrpSpPr>
+      <p:grpSpPr>
+        <a:xfrm>
+          <a:off x="0" y="0"/>
+          <a:ext cx="0" cy="0"/>
+          <a:chOff x="0" y="0"/>
+          <a:chExt cx="0" cy="0"/>
+        </a:xfrm>
+      </p:grpSpPr>
+      <p:sp>
+        <p:nvSpPr>
+          <p:cNvPr id="4" name="Segnaposto data 3"/>
+          <p:cNvSpPr>
+            <a:spLocks noGrp="1"/>
+          </p:cNvSpPr>
+          <p:nvPr>
+            <p:ph type="dt" sz="half" idx="10"/>
+          </p:nvPr>
+        </p:nvSpPr>
+        <p:spPr/>
+        <p:txBody>
+          <a:bodyPr/>
+          <a:lstStyle/>
+          <a:p>
+            <a:fld id="{F8078618-4CAE-48E8-A205-9D92A68D094A}" type="datetime1">
+              <a:rPr lang="en-US" smtClean="0"/>
+              <a:pPr/>
+              <a:t>5/14/2019</a:t>
+            </a:fld>
+            <a:endParaRPr lang="en-US"/>
+          </a:p>
+        </p:txBody>
+      </p:sp>
+      <p:sp>
+        <p:nvSpPr>
+          <p:cNvPr id="5" name="Segnaposto numero diapositiva 4"/>
+          <p:cNvSpPr>
+            <a:spLocks noGrp="1"/>
+          </p:cNvSpPr>
+          <p:nvPr>
+            <p:ph type="sldNum" sz="quarter" idx="12"/>
+          </p:nvPr>
+        </p:nvSpPr>
+        <p:spPr/>
+        <p:txBody>
+          <a:bodyPr/>
+          <a:lstStyle/>
+          <a:p>
+            <a:fld id="{02623B3A-910D-43F4-BBA9-9429D5B0014D}" type="slidenum">
+              <a:rPr lang="en-US" smtClean="0"/>
+              <a:pPr/>
+              <a:t>21</a:t>
+            </a:fld>
+            <a:endParaRPr lang="en-US"/>
+          </a:p>
+        </p:txBody>
+      </p:sp>
+      <p:sp>
+        <p:nvSpPr>
+          <p:cNvPr id="7" name="Sottotitolo 6"/>
+          <p:cNvSpPr>
+            <a:spLocks noGrp="1"/>
+          </p:cNvSpPr>
+          <p:nvPr>
+            <p:ph type="subTitle" idx="14"/>
+          </p:nvPr>
+        </p:nvSpPr>
+        <p:spPr>
+          <a:xfrm>
+            <a:off x="1195754" y="1086912"/>
+            <a:ext cx="6400800" cy="457200"/>
+          </a:xfrm>
+        </p:spPr>
+        <p:txBody>
+          <a:bodyPr/>
+          <a:lstStyle/>
+          <a:p>
+            <a:r>
+              <a:rPr lang="en-US" b="1" dirty="0" smtClean="0"/>
+              <a:t>The </a:t>
+            </a:r>
+            <a:r>
+              <a:rPr lang="en-US" b="1" dirty="0" smtClean="0"/>
+              <a:t>Bank Vault Analogy</a:t>
+            </a:r>
+            <a:endParaRPr lang="en-US" b="1" dirty="0">
+              <a:solidFill>
+                <a:schemeClr val="tx1"/>
+              </a:solidFill>
+            </a:endParaRPr>
+          </a:p>
+        </p:txBody>
+      </p:sp>
+      <p:pic>
+        <p:nvPicPr>
+          <p:cNvPr id="6" name="Content Placeholder 5"/>
+          <p:cNvPicPr>
+            <a:picLocks noGrp="1" noChangeAspect="1"/>
+          </p:cNvPicPr>
+          <p:nvPr>
+            <p:ph idx="1"/>
+          </p:nvPr>
+        </p:nvPicPr>
+        <p:blipFill>
+          <a:blip r:embed="rId2">
+            <a:extLst>
+              <a:ext uri="{28A0092B-C50C-407E-A947-70E740481C1C}">
+                <a14:useLocalDpi xmlns:a14="http://schemas.microsoft.com/office/drawing/2010/main" val="0"/>
+              </a:ext>
+            </a:extLst>
+          </a:blip>
+          <a:stretch>
+            <a:fillRect/>
+          </a:stretch>
+        </p:blipFill>
+        <p:spPr>
+          <a:xfrm>
+            <a:off x="652672" y="2057400"/>
+            <a:ext cx="7838655" cy="3429000"/>
+          </a:xfrm>
+        </p:spPr>
+      </p:pic>
+    </p:spTree>
+    <p:extLst>
+      <p:ext uri="{BB962C8B-B14F-4D97-AF65-F5344CB8AC3E}">
+        <p14:creationId xmlns:p14="http://schemas.microsoft.com/office/powerpoint/2010/main" val="2617281450"/>
+      </p:ext>
+    </p:extLst>
+  </p:cSld>
+  <p:clrMapOvr>
+    <a:masterClrMapping/>
+  </p:clrMapOvr>
+  <p:timing>
+    <p:tnLst>
+      <p:par>
+        <p:cTn id="1" dur="indefinite" restart="never" nodeType="tmRoot"/>
+      </p:par>
+    </p:tnLst>
+  </p:timing>
+</p:sld>
+</file>
+
+<file path=ppt/slides/slide22.xml><?xml version="1.0" encoding="utf-8"?>
+<p:sld xmlns:a="http://schemas.openxmlformats.org/drawingml/2006/main" xmlns:r="http://schemas.openxmlformats.org/officeDocument/2006/relationships" xmlns:p="http://schemas.openxmlformats.org/presentationml/2006/main">
+  <p:cSld>
+    <p:spTree>
+      <p:nvGrpSpPr>
+        <p:cNvPr id="1" name=""/>
+        <p:cNvGrpSpPr/>
+        <p:nvPr/>
+      </p:nvGrpSpPr>
+      <p:grpSpPr>
+        <a:xfrm>
+          <a:off x="0" y="0"/>
+          <a:ext cx="0" cy="0"/>
+          <a:chOff x="0" y="0"/>
+          <a:chExt cx="0" cy="0"/>
+        </a:xfrm>
+      </p:grpSpPr>
+      <p:sp>
+        <p:nvSpPr>
+          <p:cNvPr id="4" name="Segnaposto data 3"/>
+          <p:cNvSpPr>
+            <a:spLocks noGrp="1"/>
+          </p:cNvSpPr>
+          <p:nvPr>
+            <p:ph type="dt" sz="half" idx="10"/>
+          </p:nvPr>
+        </p:nvSpPr>
+        <p:spPr/>
+        <p:txBody>
+          <a:bodyPr/>
+          <a:lstStyle/>
+          <a:p>
+            <a:fld id="{F8078618-4CAE-48E8-A205-9D92A68D094A}" type="datetime1">
+              <a:rPr lang="en-US" smtClean="0"/>
+              <a:pPr/>
+              <a:t>5/14/2019</a:t>
+            </a:fld>
+            <a:endParaRPr lang="en-US"/>
+          </a:p>
+        </p:txBody>
+      </p:sp>
+      <p:sp>
+        <p:nvSpPr>
+          <p:cNvPr id="5" name="Segnaposto numero diapositiva 4"/>
+          <p:cNvSpPr>
+            <a:spLocks noGrp="1"/>
+          </p:cNvSpPr>
+          <p:nvPr>
+            <p:ph type="sldNum" sz="quarter" idx="12"/>
+          </p:nvPr>
+        </p:nvSpPr>
+        <p:spPr/>
+        <p:txBody>
+          <a:bodyPr/>
+          <a:lstStyle/>
+          <a:p>
+            <a:fld id="{02623B3A-910D-43F4-BBA9-9429D5B0014D}" type="slidenum">
+              <a:rPr lang="en-US" smtClean="0"/>
+              <a:pPr/>
+              <a:t>22</a:t>
+            </a:fld>
+            <a:endParaRPr lang="en-US"/>
+          </a:p>
+        </p:txBody>
+      </p:sp>
+      <p:sp>
+        <p:nvSpPr>
+          <p:cNvPr id="7" name="Sottotitolo 6"/>
+          <p:cNvSpPr>
+            <a:spLocks noGrp="1"/>
+          </p:cNvSpPr>
+          <p:nvPr>
+            <p:ph type="subTitle" idx="14"/>
+          </p:nvPr>
+        </p:nvSpPr>
+        <p:spPr>
+          <a:xfrm>
+            <a:off x="1371599" y="1066800"/>
+            <a:ext cx="6400800" cy="457200"/>
+          </a:xfrm>
+        </p:spPr>
+        <p:txBody>
+          <a:bodyPr/>
+          <a:lstStyle/>
+          <a:p>
+            <a:r>
+              <a:rPr lang="en-US" b="1" dirty="0" smtClean="0"/>
+              <a:t>The Key Vault Approach</a:t>
+            </a:r>
+            <a:endParaRPr lang="en-US" b="1" dirty="0">
+              <a:solidFill>
+                <a:schemeClr val="tx1"/>
+              </a:solidFill>
+            </a:endParaRPr>
+          </a:p>
+        </p:txBody>
+      </p:sp>
+      <p:pic>
+        <p:nvPicPr>
+          <p:cNvPr id="6" name="Content Placeholder 5"/>
+          <p:cNvPicPr>
+            <a:picLocks noGrp="1" noChangeAspect="1"/>
+          </p:cNvPicPr>
+          <p:nvPr>
+            <p:ph idx="1"/>
+          </p:nvPr>
+        </p:nvPicPr>
+        <p:blipFill>
+          <a:blip r:embed="rId2">
+            <a:extLst>
+              <a:ext uri="{28A0092B-C50C-407E-A947-70E740481C1C}">
+                <a14:useLocalDpi xmlns:a14="http://schemas.microsoft.com/office/drawing/2010/main" val="0"/>
+              </a:ext>
+            </a:extLst>
+          </a:blip>
+          <a:stretch>
+            <a:fillRect/>
+          </a:stretch>
+        </p:blipFill>
+        <p:spPr>
+          <a:xfrm>
+            <a:off x="698381" y="2057400"/>
+            <a:ext cx="7747237" cy="3429000"/>
+          </a:xfrm>
+        </p:spPr>
+      </p:pic>
+    </p:spTree>
+    <p:extLst>
+      <p:ext uri="{BB962C8B-B14F-4D97-AF65-F5344CB8AC3E}">
+        <p14:creationId xmlns:p14="http://schemas.microsoft.com/office/powerpoint/2010/main" val="1747010018"/>
+      </p:ext>
+    </p:extLst>
+  </p:cSld>
+  <p:clrMapOvr>
+    <a:masterClrMapping/>
+  </p:clrMapOvr>
+  <p:timing>
+    <p:tnLst>
+      <p:par>
+        <p:cTn id="1" dur="indefinite" restart="never" nodeType="tmRoot"/>
+      </p:par>
+    </p:tnLst>
+  </p:timing>
+</p:sld>
+</file>
+
+<file path=ppt/slides/slide23.xml><?xml version="1.0" encoding="utf-8"?>
+<p:sld xmlns:a="http://schemas.openxmlformats.org/drawingml/2006/main" xmlns:r="http://schemas.openxmlformats.org/officeDocument/2006/relationships" xmlns:p="http://schemas.openxmlformats.org/presentationml/2006/main">
+  <p:cSld>
+    <p:spTree>
+      <p:nvGrpSpPr>
+        <p:cNvPr id="1" name=""/>
+        <p:cNvGrpSpPr/>
+        <p:nvPr/>
+      </p:nvGrpSpPr>
+      <p:grpSpPr>
+        <a:xfrm>
+          <a:off x="0" y="0"/>
+          <a:ext cx="0" cy="0"/>
+          <a:chOff x="0" y="0"/>
+          <a:chExt cx="0" cy="0"/>
+        </a:xfrm>
+      </p:grpSpPr>
+      <p:sp>
+        <p:nvSpPr>
+          <p:cNvPr id="3" name="Segnaposto contenuto 2"/>
+          <p:cNvSpPr>
+            <a:spLocks noGrp="1"/>
+          </p:cNvSpPr>
+          <p:nvPr>
+            <p:ph idx="1"/>
+          </p:nvPr>
+        </p:nvSpPr>
+        <p:spPr>
+          <a:xfrm>
+            <a:off x="457200" y="1676400"/>
+            <a:ext cx="8229600" cy="3429000"/>
+          </a:xfrm>
+        </p:spPr>
+        <p:txBody>
+          <a:bodyPr/>
+          <a:lstStyle/>
+          <a:p>
+            <a:pPr algn="ctr">
+              <a:buNone/>
+            </a:pPr>
+            <a:endParaRPr lang="en-US" dirty="0" smtClean="0"/>
+          </a:p>
+          <a:p>
+            <a:r>
+              <a:rPr lang="en-US" dirty="0" smtClean="0"/>
+              <a:t>Based on registering apps and Services with Azure AD </a:t>
+            </a:r>
+          </a:p>
+          <a:p>
+            <a:r>
+              <a:rPr lang="en-US" dirty="0" smtClean="0"/>
+              <a:t>No need for client ID, shared secret, certificates or configuration files</a:t>
+            </a:r>
+          </a:p>
+          <a:p>
+            <a:r>
+              <a:rPr lang="en-US" dirty="0" smtClean="0"/>
+              <a:t>Authentication and Authorization happen within Azure infrastructure</a:t>
+            </a:r>
+          </a:p>
+          <a:p>
+            <a:r>
+              <a:rPr lang="en-US" dirty="0" smtClean="0"/>
+              <a:t>Lower complexity compared with the Azure Key Vault approach</a:t>
+            </a:r>
+          </a:p>
+          <a:p>
+            <a:r>
+              <a:rPr lang="en-US" dirty="0" smtClean="0">
+                <a:hlinkClick r:id="rId2"/>
+              </a:rPr>
+              <a:t>Ever expanding number of Azure services support this </a:t>
+            </a:r>
+            <a:r>
+              <a:rPr lang="en-US" dirty="0" smtClean="0">
+                <a:hlinkClick r:id="rId2"/>
+              </a:rPr>
+              <a:t>model</a:t>
+            </a:r>
+            <a:endParaRPr lang="en-US" dirty="0" smtClean="0"/>
+          </a:p>
+          <a:p>
+            <a:r>
+              <a:rPr lang="en-US" dirty="0" smtClean="0"/>
+              <a:t>Fined grained control over authorization via role-based access control (RBAC) </a:t>
+            </a:r>
+            <a:endParaRPr lang="en-US" dirty="0" smtClean="0"/>
+          </a:p>
+          <a:p>
+            <a:endParaRPr lang="en-US" dirty="0" smtClean="0"/>
+          </a:p>
+          <a:p>
+            <a:endParaRPr lang="en-US" dirty="0" smtClean="0"/>
+          </a:p>
+          <a:p>
+            <a:endParaRPr lang="en-US" dirty="0" smtClean="0"/>
+          </a:p>
+          <a:p>
+            <a:endParaRPr lang="en-US" dirty="0"/>
+          </a:p>
+        </p:txBody>
+      </p:sp>
+      <p:sp>
+        <p:nvSpPr>
+          <p:cNvPr id="4" name="Segnaposto data 3"/>
+          <p:cNvSpPr>
+            <a:spLocks noGrp="1"/>
+          </p:cNvSpPr>
+          <p:nvPr>
+            <p:ph type="dt" sz="half" idx="10"/>
+          </p:nvPr>
+        </p:nvSpPr>
+        <p:spPr/>
+        <p:txBody>
+          <a:bodyPr/>
+          <a:lstStyle/>
+          <a:p>
+            <a:fld id="{F8078618-4CAE-48E8-A205-9D92A68D094A}" type="datetime1">
+              <a:rPr lang="en-US" smtClean="0"/>
+              <a:pPr/>
+              <a:t>5/14/2019</a:t>
+            </a:fld>
+            <a:endParaRPr lang="en-US"/>
+          </a:p>
+        </p:txBody>
+      </p:sp>
+      <p:sp>
+        <p:nvSpPr>
+          <p:cNvPr id="5" name="Segnaposto numero diapositiva 4"/>
+          <p:cNvSpPr>
+            <a:spLocks noGrp="1"/>
+          </p:cNvSpPr>
+          <p:nvPr>
+            <p:ph type="sldNum" sz="quarter" idx="12"/>
+          </p:nvPr>
+        </p:nvSpPr>
+        <p:spPr/>
+        <p:txBody>
+          <a:bodyPr/>
+          <a:lstStyle/>
+          <a:p>
+            <a:fld id="{02623B3A-910D-43F4-BBA9-9429D5B0014D}" type="slidenum">
+              <a:rPr lang="en-US" smtClean="0"/>
+              <a:pPr/>
+              <a:t>23</a:t>
+            </a:fld>
+            <a:endParaRPr lang="en-US"/>
+          </a:p>
+        </p:txBody>
+      </p:sp>
+      <p:sp>
+        <p:nvSpPr>
+          <p:cNvPr id="8" name="Sottotitolo 7"/>
+          <p:cNvSpPr>
+            <a:spLocks noGrp="1"/>
+          </p:cNvSpPr>
+          <p:nvPr>
+            <p:ph type="subTitle" idx="14"/>
+          </p:nvPr>
+        </p:nvSpPr>
+        <p:spPr>
+          <a:xfrm>
+            <a:off x="1295400" y="1066800"/>
+            <a:ext cx="6400800" cy="457200"/>
+          </a:xfrm>
+        </p:spPr>
+        <p:txBody>
+          <a:bodyPr/>
+          <a:lstStyle/>
+          <a:p>
+            <a:r>
+              <a:rPr lang="en-US" b="1" dirty="0" smtClean="0"/>
+              <a:t>The Managed Service Identity Approach</a:t>
+            </a:r>
+            <a:endParaRPr lang="en-US" dirty="0">
+              <a:solidFill>
+                <a:schemeClr val="tx1"/>
+              </a:solidFill>
+            </a:endParaRPr>
+          </a:p>
+        </p:txBody>
+      </p:sp>
+    </p:spTree>
+    <p:extLst>
+      <p:ext uri="{BB962C8B-B14F-4D97-AF65-F5344CB8AC3E}">
+        <p14:creationId xmlns:p14="http://schemas.microsoft.com/office/powerpoint/2010/main" val="4117101332"/>
+      </p:ext>
+    </p:extLst>
+  </p:cSld>
+  <p:clrMapOvr>
+    <a:masterClrMapping/>
+  </p:clrMapOvr>
+  <p:timing>
+    <p:tnLst>
+      <p:par>
+        <p:cTn id="1" dur="indefinite" restart="never" nodeType="tmRoot"/>
+      </p:par>
+    </p:tnLst>
+  </p:timing>
+</p:sld>
+</file>
+
+<file path=ppt/slides/slide24.xml><?xml version="1.0" encoding="utf-8"?>
+<p:sld xmlns:a="http://schemas.openxmlformats.org/drawingml/2006/main" xmlns:r="http://schemas.openxmlformats.org/officeDocument/2006/relationships" xmlns:p="http://schemas.openxmlformats.org/presentationml/2006/main">
+  <p:cSld>
+    <p:spTree>
+      <p:nvGrpSpPr>
+        <p:cNvPr id="1" name=""/>
+        <p:cNvGrpSpPr/>
+        <p:nvPr/>
+      </p:nvGrpSpPr>
+      <p:grpSpPr>
+        <a:xfrm>
+          <a:off x="0" y="0"/>
+          <a:ext cx="0" cy="0"/>
+          <a:chOff x="0" y="0"/>
+          <a:chExt cx="0" cy="0"/>
+        </a:xfrm>
+      </p:grpSpPr>
+      <p:sp>
+        <p:nvSpPr>
+          <p:cNvPr id="4" name="Segnaposto data 3"/>
+          <p:cNvSpPr>
+            <a:spLocks noGrp="1"/>
+          </p:cNvSpPr>
+          <p:nvPr>
+            <p:ph type="dt" sz="half" idx="10"/>
+          </p:nvPr>
+        </p:nvSpPr>
+        <p:spPr/>
+        <p:txBody>
+          <a:bodyPr/>
+          <a:lstStyle/>
+          <a:p>
+            <a:fld id="{F8078618-4CAE-48E8-A205-9D92A68D094A}" type="datetime1">
+              <a:rPr lang="en-US" smtClean="0"/>
+              <a:pPr/>
+              <a:t>5/14/2019</a:t>
+            </a:fld>
+            <a:endParaRPr lang="en-US"/>
+          </a:p>
+        </p:txBody>
+      </p:sp>
+      <p:sp>
+        <p:nvSpPr>
+          <p:cNvPr id="5" name="Segnaposto numero diapositiva 4"/>
+          <p:cNvSpPr>
+            <a:spLocks noGrp="1"/>
+          </p:cNvSpPr>
+          <p:nvPr>
+            <p:ph type="sldNum" sz="quarter" idx="12"/>
+          </p:nvPr>
+        </p:nvSpPr>
+        <p:spPr/>
+        <p:txBody>
+          <a:bodyPr/>
+          <a:lstStyle/>
+          <a:p>
+            <a:fld id="{02623B3A-910D-43F4-BBA9-9429D5B0014D}" type="slidenum">
+              <a:rPr lang="en-US" smtClean="0"/>
+              <a:pPr/>
+              <a:t>24</a:t>
             </a:fld>
             <a:endParaRPr lang="en-US"/>
           </a:p>
@@ -5606,7 +6696,7 @@
 </p:sld>
 </file>
 
-<file path=ppt/slides/slide21.xml><?xml version="1.0" encoding="utf-8"?>
+<file path=ppt/slides/slide25.xml><?xml version="1.0" encoding="utf-8"?>
 <p:sld xmlns:a="http://schemas.openxmlformats.org/drawingml/2006/main" xmlns:r="http://schemas.openxmlformats.org/officeDocument/2006/relationships" xmlns:p="http://schemas.openxmlformats.org/presentationml/2006/main">
   <p:cSld>
     <p:spTree>
@@ -5640,7 +6730,9 @@
           </a:xfrm>
         </p:spPr>
         <p:txBody>
-          <a:bodyPr/>
+          <a:bodyPr>
+            <a:normAutofit lnSpcReduction="10000"/>
+          </a:bodyPr>
           <a:lstStyle/>
           <a:p>
             <a:pPr algn="ctr">
@@ -5651,33 +6743,69 @@
           <a:p>
             <a:r>
               <a:rPr lang="en-US" dirty="0" smtClean="0"/>
-              <a:t>Based on registering apps and Services with Azure AD </a:t>
+              <a:t>Some business information can be qualified as Secrets</a:t>
             </a:r>
           </a:p>
           <a:p>
             <a:r>
               <a:rPr lang="en-US" dirty="0" smtClean="0"/>
-              <a:t>No need for client ID, shared secret, certificates or configuration files</a:t>
+              <a:t>Secrets are generally some form of cryptographic key</a:t>
             </a:r>
           </a:p>
           <a:p>
             <a:r>
               <a:rPr lang="en-US" dirty="0" smtClean="0"/>
-              <a:t>Authentication and Authorization happen within Azure infrastructure</a:t>
+              <a:t>Secrets must be stored and accessed securely</a:t>
             </a:r>
           </a:p>
           <a:p>
             <a:r>
               <a:rPr lang="en-US" dirty="0" smtClean="0"/>
-              <a:t>Lower complexity compared with the Azure Key Vault approach</a:t>
-            </a:r>
-          </a:p>
-          <a:p>
-            <a:r>
-              <a:rPr lang="en-US" dirty="0" smtClean="0">
-                <a:hlinkClick r:id="rId2"/>
-              </a:rPr>
-              <a:t>Ever expanding number of Azure services support this model</a:t>
+              <a:t>Secrets must not be accidentally or intentionally leaked</a:t>
+            </a:r>
+          </a:p>
+          <a:p>
+            <a:r>
+              <a:rPr lang="en-US" dirty="0" smtClean="0"/>
+              <a:t>Secrets should be versioned and rotated</a:t>
+            </a:r>
+          </a:p>
+          <a:p>
+            <a:r>
+              <a:rPr lang="en-US" dirty="0" smtClean="0"/>
+              <a:t>Secrets should not be accidentally lost or </a:t>
+            </a:r>
+            <a:r>
+              <a:rPr lang="en-US" dirty="0" smtClean="0"/>
+              <a:t>deleted</a:t>
+            </a:r>
+          </a:p>
+          <a:p>
+            <a:r>
+              <a:rPr lang="en-US" dirty="0" smtClean="0"/>
+              <a:t>Secrets must be exchanged securely</a:t>
+            </a:r>
+            <a:endParaRPr lang="en-US" dirty="0" smtClean="0"/>
+          </a:p>
+          <a:p>
+            <a:r>
+              <a:rPr lang="en-US" dirty="0" smtClean="0"/>
+              <a:t>Azure Key Vault provides a solution to all these </a:t>
+            </a:r>
+            <a:r>
+              <a:rPr lang="en-US" dirty="0" smtClean="0"/>
+              <a:t>requirements</a:t>
+            </a:r>
+            <a:endParaRPr lang="en-US" dirty="0" smtClean="0"/>
+          </a:p>
+          <a:p>
+            <a:r>
+              <a:rPr lang="en-US" dirty="0" smtClean="0"/>
+              <a:t>Managed Service Identity (MSI</a:t>
+            </a:r>
+            <a:r>
+              <a:rPr lang="en-US" dirty="0" smtClean="0"/>
+              <a:t>) is a better solution when applicable</a:t>
             </a:r>
             <a:endParaRPr lang="en-US" dirty="0" smtClean="0"/>
           </a:p>
@@ -5737,7 +6865,7 @@
             <a:fld id="{02623B3A-910D-43F4-BBA9-9429D5B0014D}" type="slidenum">
               <a:rPr lang="en-US" smtClean="0"/>
               <a:pPr/>
-              <a:t>21</a:t>
+              <a:t>25</a:t>
             </a:fld>
             <a:endParaRPr lang="en-US"/>
           </a:p>
@@ -5764,8 +6892,12 @@
           <a:lstStyle/>
           <a:p>
             <a:r>
-              <a:rPr lang="en-US" b="1" dirty="0" smtClean="0"/>
-              <a:t>The Managed Service Identity Approach</a:t>
+              <a:rPr lang="en-US" b="1" dirty="0" smtClean="0">
+                <a:solidFill>
+                  <a:schemeClr val="tx1"/>
+                </a:solidFill>
+              </a:rPr>
+              <a:t>Summary on Secrets</a:t>
             </a:r>
             <a:endParaRPr lang="en-US" dirty="0">
               <a:solidFill>
@@ -5778,7 +6910,7 @@
     </p:spTree>
     <p:extLst>
       <p:ext uri="{BB962C8B-B14F-4D97-AF65-F5344CB8AC3E}">
-        <p14:creationId xmlns:p14="http://schemas.microsoft.com/office/powerpoint/2010/main" val="4117101332"/>
+        <p14:creationId xmlns:p14="http://schemas.microsoft.com/office/powerpoint/2010/main" val="3678630696"/>
       </p:ext>
     </p:extLst>
   </p:cSld>
@@ -5795,215 +6927,7 @@
 </p:sld>
 </file>
 
-<file path=ppt/slides/slide22.xml><?xml version="1.0" encoding="utf-8"?>
-<p:sld xmlns:a="http://schemas.openxmlformats.org/drawingml/2006/main" xmlns:r="http://schemas.openxmlformats.org/officeDocument/2006/relationships" xmlns:p="http://schemas.openxmlformats.org/presentationml/2006/main">
-  <p:cSld>
-    <p:spTree>
-      <p:nvGrpSpPr>
-        <p:cNvPr id="1" name=""/>
-        <p:cNvGrpSpPr/>
-        <p:nvPr/>
-      </p:nvGrpSpPr>
-      <p:grpSpPr>
-        <a:xfrm>
-          <a:off x="0" y="0"/>
-          <a:ext cx="0" cy="0"/>
-          <a:chOff x="0" y="0"/>
-          <a:chExt cx="0" cy="0"/>
-        </a:xfrm>
-      </p:grpSpPr>
-      <p:sp>
-        <p:nvSpPr>
-          <p:cNvPr id="3" name="Segnaposto contenuto 2"/>
-          <p:cNvSpPr>
-            <a:spLocks noGrp="1"/>
-          </p:cNvSpPr>
-          <p:nvPr>
-            <p:ph idx="1"/>
-          </p:nvPr>
-        </p:nvSpPr>
-        <p:spPr>
-          <a:xfrm>
-            <a:off x="457200" y="1676400"/>
-            <a:ext cx="8229600" cy="3429000"/>
-          </a:xfrm>
-        </p:spPr>
-        <p:txBody>
-          <a:bodyPr/>
-          <a:lstStyle/>
-          <a:p>
-            <a:pPr algn="ctr">
-              <a:buNone/>
-            </a:pPr>
-            <a:endParaRPr lang="en-US" dirty="0" smtClean="0"/>
-          </a:p>
-          <a:p>
-            <a:r>
-              <a:rPr lang="en-US" dirty="0" smtClean="0"/>
-              <a:t>Some business information can be qualified as Secrets</a:t>
-            </a:r>
-          </a:p>
-          <a:p>
-            <a:r>
-              <a:rPr lang="en-US" dirty="0" smtClean="0"/>
-              <a:t>Secrets are generally some form of cryptographic key</a:t>
-            </a:r>
-          </a:p>
-          <a:p>
-            <a:r>
-              <a:rPr lang="en-US" dirty="0" smtClean="0"/>
-              <a:t>Secrets must be stored and accessed securely</a:t>
-            </a:r>
-          </a:p>
-          <a:p>
-            <a:r>
-              <a:rPr lang="en-US" dirty="0" smtClean="0"/>
-              <a:t>Secrets must not be accidentally or intentionally leaked</a:t>
-            </a:r>
-          </a:p>
-          <a:p>
-            <a:r>
-              <a:rPr lang="en-US" dirty="0" smtClean="0"/>
-              <a:t>Secrets should be versioned and rotated</a:t>
-            </a:r>
-          </a:p>
-          <a:p>
-            <a:r>
-              <a:rPr lang="en-US" dirty="0" smtClean="0"/>
-              <a:t>Secrets should not be accidentally lost or deleted</a:t>
-            </a:r>
-          </a:p>
-          <a:p>
-            <a:r>
-              <a:rPr lang="en-US" dirty="0" smtClean="0"/>
-              <a:t>Azure Key Vault provides a solution to all these requirements</a:t>
-            </a:r>
-          </a:p>
-          <a:p>
-            <a:r>
-              <a:rPr lang="en-US" dirty="0" smtClean="0"/>
-              <a:t>Managed Service Identity (MSI)</a:t>
-            </a:r>
-          </a:p>
-          <a:p>
-            <a:endParaRPr lang="en-US" dirty="0" smtClean="0"/>
-          </a:p>
-          <a:p>
-            <a:endParaRPr lang="en-US" dirty="0" smtClean="0"/>
-          </a:p>
-          <a:p>
-            <a:endParaRPr lang="en-US" dirty="0" smtClean="0"/>
-          </a:p>
-          <a:p>
-            <a:endParaRPr lang="en-US" dirty="0"/>
-          </a:p>
-        </p:txBody>
-      </p:sp>
-      <p:sp>
-        <p:nvSpPr>
-          <p:cNvPr id="4" name="Segnaposto data 3"/>
-          <p:cNvSpPr>
-            <a:spLocks noGrp="1"/>
-          </p:cNvSpPr>
-          <p:nvPr>
-            <p:ph type="dt" sz="half" idx="10"/>
-          </p:nvPr>
-        </p:nvSpPr>
-        <p:spPr/>
-        <p:txBody>
-          <a:bodyPr/>
-          <a:lstStyle/>
-          <a:p>
-            <a:fld id="{F8078618-4CAE-48E8-A205-9D92A68D094A}" type="datetime1">
-              <a:rPr lang="en-US" smtClean="0"/>
-              <a:pPr/>
-              <a:t>5/14/2019</a:t>
-            </a:fld>
-            <a:endParaRPr lang="en-US"/>
-          </a:p>
-        </p:txBody>
-      </p:sp>
-      <p:sp>
-        <p:nvSpPr>
-          <p:cNvPr id="5" name="Segnaposto numero diapositiva 4"/>
-          <p:cNvSpPr>
-            <a:spLocks noGrp="1"/>
-          </p:cNvSpPr>
-          <p:nvPr>
-            <p:ph type="sldNum" sz="quarter" idx="12"/>
-          </p:nvPr>
-        </p:nvSpPr>
-        <p:spPr/>
-        <p:txBody>
-          <a:bodyPr/>
-          <a:lstStyle/>
-          <a:p>
-            <a:fld id="{02623B3A-910D-43F4-BBA9-9429D5B0014D}" type="slidenum">
-              <a:rPr lang="en-US" smtClean="0"/>
-              <a:pPr/>
-              <a:t>22</a:t>
-            </a:fld>
-            <a:endParaRPr lang="en-US"/>
-          </a:p>
-        </p:txBody>
-      </p:sp>
-      <p:sp>
-        <p:nvSpPr>
-          <p:cNvPr id="8" name="Sottotitolo 7"/>
-          <p:cNvSpPr>
-            <a:spLocks noGrp="1"/>
-          </p:cNvSpPr>
-          <p:nvPr>
-            <p:ph type="subTitle" idx="14"/>
-          </p:nvPr>
-        </p:nvSpPr>
-        <p:spPr>
-          <a:xfrm>
-            <a:off x="1295400" y="1066800"/>
-            <a:ext cx="6400800" cy="457200"/>
-          </a:xfrm>
-        </p:spPr>
-        <p:txBody>
-          <a:bodyPr/>
-          <a:lstStyle/>
-          <a:p>
-            <a:r>
-              <a:rPr lang="en-US" b="1" dirty="0" smtClean="0">
-                <a:solidFill>
-                  <a:schemeClr val="tx1"/>
-                </a:solidFill>
-              </a:rPr>
-              <a:t>Summary on Secrets</a:t>
-            </a:r>
-            <a:endParaRPr lang="en-US" dirty="0">
-              <a:solidFill>
-                <a:schemeClr val="tx1"/>
-              </a:solidFill>
-            </a:endParaRPr>
-          </a:p>
-        </p:txBody>
-      </p:sp>
-    </p:spTree>
-    <p:extLst>
-      <p:ext uri="{BB962C8B-B14F-4D97-AF65-F5344CB8AC3E}">
-        <p14:creationId xmlns:p14="http://schemas.microsoft.com/office/powerpoint/2010/main" val="1103391311"/>
-      </p:ext>
-    </p:extLst>
-  </p:cSld>
-  <p:clrMapOvr>
-    <a:masterClrMapping/>
-  </p:clrMapOvr>
-  <p:timing>
-    <p:tnLst>
-      <p:par>
-        <p:cTn id="1" dur="indefinite" restart="never" nodeType="tmRoot"/>
-      </p:par>
-    </p:tnLst>
-  </p:timing>
-</p:sld>
-</file>
-
-<file path=ppt/slides/slide23.xml><?xml version="1.0" encoding="utf-8"?>
+<file path=ppt/slides/slide26.xml><?xml version="1.0" encoding="utf-8"?>
 <p:sld xmlns:a="http://schemas.openxmlformats.org/drawingml/2006/main" xmlns:r="http://schemas.openxmlformats.org/officeDocument/2006/relationships" xmlns:p="http://schemas.openxmlformats.org/presentationml/2006/main">
   <p:cSld>
     <p:bg>
@@ -6067,7 +6991,7 @@
             <a:fld id="{02623B3A-910D-43F4-BBA9-9429D5B0014D}" type="slidenum">
               <a:rPr lang="en-US" smtClean="0"/>
               <a:pPr/>
-              <a:t>23</a:t>
+              <a:t>26</a:t>
             </a:fld>
             <a:endParaRPr lang="en-US" dirty="0"/>
           </a:p>
@@ -6122,7 +7046,7 @@
 </p:sld>
 </file>
 
-<file path=ppt/slides/slide24.xml><?xml version="1.0" encoding="utf-8"?>
+<file path=ppt/slides/slide27.xml><?xml version="1.0" encoding="utf-8"?>
 <p:sld xmlns:a="http://schemas.openxmlformats.org/drawingml/2006/main" xmlns:r="http://schemas.openxmlformats.org/officeDocument/2006/relationships" xmlns:p="http://schemas.openxmlformats.org/presentationml/2006/main">
   <p:cSld>
     <p:spTree>
@@ -6181,116 +7105,7 @@
             <a:fld id="{02623B3A-910D-43F4-BBA9-9429D5B0014D}" type="slidenum">
               <a:rPr lang="en-US" smtClean="0"/>
               <a:pPr/>
-              <a:t>24</a:t>
-            </a:fld>
-            <a:endParaRPr lang="en-US"/>
-          </a:p>
-        </p:txBody>
-      </p:sp>
-      <p:pic>
-        <p:nvPicPr>
-          <p:cNvPr id="10" name="Content Placeholder 9"/>
-          <p:cNvPicPr>
-            <a:picLocks noGrp="1" noChangeAspect="1"/>
-          </p:cNvPicPr>
-          <p:nvPr>
-            <p:ph idx="1"/>
-          </p:nvPr>
-        </p:nvPicPr>
-        <p:blipFill>
-          <a:blip r:embed="rId2">
-            <a:extLst>
-              <a:ext uri="{28A0092B-C50C-407E-A947-70E740481C1C}">
-                <a14:useLocalDpi xmlns:a14="http://schemas.microsoft.com/office/drawing/2010/main" val="0"/>
-              </a:ext>
-            </a:extLst>
-          </a:blip>
-          <a:stretch>
-            <a:fillRect/>
-          </a:stretch>
-        </p:blipFill>
-        <p:spPr>
-          <a:xfrm>
-            <a:off x="667558" y="1143000"/>
-            <a:ext cx="7967326" cy="4114800"/>
-          </a:xfrm>
-        </p:spPr>
-      </p:pic>
-    </p:spTree>
-  </p:cSld>
-  <p:clrMapOvr>
-    <a:masterClrMapping/>
-  </p:clrMapOvr>
-  <p:timing>
-    <p:tnLst>
-      <p:par>
-        <p:cTn id="1" dur="indefinite" restart="never" nodeType="tmRoot"/>
-      </p:par>
-    </p:tnLst>
-  </p:timing>
-</p:sld>
-</file>
-
-<file path=ppt/slides/slide25.xml><?xml version="1.0" encoding="utf-8"?>
-<p:sld xmlns:a="http://schemas.openxmlformats.org/drawingml/2006/main" xmlns:r="http://schemas.openxmlformats.org/officeDocument/2006/relationships" xmlns:p="http://schemas.openxmlformats.org/presentationml/2006/main">
-  <p:cSld>
-    <p:spTree>
-      <p:nvGrpSpPr>
-        <p:cNvPr id="1" name=""/>
-        <p:cNvGrpSpPr/>
-        <p:nvPr/>
-      </p:nvGrpSpPr>
-      <p:grpSpPr>
-        <a:xfrm>
-          <a:off x="0" y="0"/>
-          <a:ext cx="0" cy="0"/>
-          <a:chOff x="0" y="0"/>
-          <a:chExt cx="0" cy="0"/>
-        </a:xfrm>
-      </p:grpSpPr>
-      <p:sp>
-        <p:nvSpPr>
-          <p:cNvPr id="4" name="Segnaposto data 3"/>
-          <p:cNvSpPr>
-            <a:spLocks noGrp="1"/>
-          </p:cNvSpPr>
-          <p:nvPr>
-            <p:ph type="dt" sz="half" idx="10"/>
-          </p:nvPr>
-        </p:nvSpPr>
-        <p:spPr/>
-        <p:txBody>
-          <a:bodyPr/>
-          <a:lstStyle/>
-          <a:p>
-            <a:fld id="{F8078618-4CAE-48E8-A205-9D92A68D094A}" type="datetime1">
-              <a:rPr lang="en-US" smtClean="0"/>
-              <a:pPr/>
-              <a:t>5/14/2019</a:t>
-            </a:fld>
-            <a:endParaRPr lang="en-US"/>
-          </a:p>
-        </p:txBody>
-      </p:sp>
-      <p:sp>
-        <p:nvSpPr>
-          <p:cNvPr id="5" name="Segnaposto numero diapositiva 4"/>
-          <p:cNvSpPr>
-            <a:spLocks noGrp="1"/>
-          </p:cNvSpPr>
-          <p:nvPr>
-            <p:ph type="sldNum" sz="quarter" idx="12"/>
-          </p:nvPr>
-        </p:nvSpPr>
-        <p:spPr/>
-        <p:txBody>
-          <a:bodyPr/>
-          <a:lstStyle/>
-          <a:p>
-            <a:fld id="{02623B3A-910D-43F4-BBA9-9429D5B0014D}" type="slidenum">
-              <a:rPr lang="en-US" smtClean="0"/>
-              <a:pPr/>
-              <a:t>25</a:t>
+              <a:t>27</a:t>
             </a:fld>
             <a:endParaRPr lang="en-US"/>
           </a:p>
@@ -6345,475 +7160,6 @@
 </p:sld>
 </file>
 
-<file path=ppt/slides/slide26.xml><?xml version="1.0" encoding="utf-8"?>
-<p:sld xmlns:a="http://schemas.openxmlformats.org/drawingml/2006/main" xmlns:r="http://schemas.openxmlformats.org/officeDocument/2006/relationships" xmlns:p="http://schemas.openxmlformats.org/presentationml/2006/main">
-  <p:cSld>
-    <p:spTree>
-      <p:nvGrpSpPr>
-        <p:cNvPr id="1" name=""/>
-        <p:cNvGrpSpPr/>
-        <p:nvPr/>
-      </p:nvGrpSpPr>
-      <p:grpSpPr>
-        <a:xfrm>
-          <a:off x="0" y="0"/>
-          <a:ext cx="0" cy="0"/>
-          <a:chOff x="0" y="0"/>
-          <a:chExt cx="0" cy="0"/>
-        </a:xfrm>
-      </p:grpSpPr>
-      <p:pic>
-        <p:nvPicPr>
-          <p:cNvPr id="3" name="Content Placeholder 2"/>
-          <p:cNvPicPr>
-            <a:picLocks noGrp="1" noChangeAspect="1"/>
-          </p:cNvPicPr>
-          <p:nvPr>
-            <p:ph idx="1"/>
-          </p:nvPr>
-        </p:nvPicPr>
-        <p:blipFill>
-          <a:blip r:embed="rId2">
-            <a:extLst>
-              <a:ext uri="{28A0092B-C50C-407E-A947-70E740481C1C}">
-                <a14:useLocalDpi xmlns:a14="http://schemas.microsoft.com/office/drawing/2010/main" val="0"/>
-              </a:ext>
-            </a:extLst>
-          </a:blip>
-          <a:stretch>
-            <a:fillRect/>
-          </a:stretch>
-        </p:blipFill>
-        <p:spPr>
-          <a:xfrm>
-            <a:off x="457200" y="1143000"/>
-            <a:ext cx="8055342" cy="4343400"/>
-          </a:xfrm>
-        </p:spPr>
-      </p:pic>
-      <p:sp>
-        <p:nvSpPr>
-          <p:cNvPr id="4" name="Segnaposto data 3"/>
-          <p:cNvSpPr>
-            <a:spLocks noGrp="1"/>
-          </p:cNvSpPr>
-          <p:nvPr>
-            <p:ph type="dt" sz="half" idx="10"/>
-          </p:nvPr>
-        </p:nvSpPr>
-        <p:spPr/>
-        <p:txBody>
-          <a:bodyPr/>
-          <a:lstStyle/>
-          <a:p>
-            <a:fld id="{F8078618-4CAE-48E8-A205-9D92A68D094A}" type="datetime1">
-              <a:rPr lang="en-US" smtClean="0"/>
-              <a:pPr/>
-              <a:t>5/14/2019</a:t>
-            </a:fld>
-            <a:endParaRPr lang="en-US"/>
-          </a:p>
-        </p:txBody>
-      </p:sp>
-      <p:sp>
-        <p:nvSpPr>
-          <p:cNvPr id="5" name="Segnaposto numero diapositiva 4"/>
-          <p:cNvSpPr>
-            <a:spLocks noGrp="1"/>
-          </p:cNvSpPr>
-          <p:nvPr>
-            <p:ph type="sldNum" sz="quarter" idx="12"/>
-          </p:nvPr>
-        </p:nvSpPr>
-        <p:spPr/>
-        <p:txBody>
-          <a:bodyPr/>
-          <a:lstStyle/>
-          <a:p>
-            <a:fld id="{02623B3A-910D-43F4-BBA9-9429D5B0014D}" type="slidenum">
-              <a:rPr lang="en-US" smtClean="0"/>
-              <a:pPr/>
-              <a:t>26</a:t>
-            </a:fld>
-            <a:endParaRPr lang="en-US"/>
-          </a:p>
-        </p:txBody>
-      </p:sp>
-    </p:spTree>
-    <p:extLst>
-      <p:ext uri="{BB962C8B-B14F-4D97-AF65-F5344CB8AC3E}">
-        <p14:creationId xmlns:p14="http://schemas.microsoft.com/office/powerpoint/2010/main" val="2434566992"/>
-      </p:ext>
-    </p:extLst>
-  </p:cSld>
-  <p:clrMapOvr>
-    <a:masterClrMapping/>
-  </p:clrMapOvr>
-  <p:timing>
-    <p:tnLst>
-      <p:par>
-        <p:cTn id="1" dur="indefinite" restart="never" nodeType="tmRoot"/>
-      </p:par>
-    </p:tnLst>
-  </p:timing>
-</p:sld>
-</file>
-
-<file path=ppt/slides/slide27.xml><?xml version="1.0" encoding="utf-8"?>
-<p:sld xmlns:a="http://schemas.openxmlformats.org/drawingml/2006/main" xmlns:r="http://schemas.openxmlformats.org/officeDocument/2006/relationships" xmlns:p="http://schemas.openxmlformats.org/presentationml/2006/main">
-  <p:cSld>
-    <p:spTree>
-      <p:nvGrpSpPr>
-        <p:cNvPr id="1" name=""/>
-        <p:cNvGrpSpPr/>
-        <p:nvPr/>
-      </p:nvGrpSpPr>
-      <p:grpSpPr>
-        <a:xfrm>
-          <a:off x="0" y="0"/>
-          <a:ext cx="0" cy="0"/>
-          <a:chOff x="0" y="0"/>
-          <a:chExt cx="0" cy="0"/>
-        </a:xfrm>
-      </p:grpSpPr>
-      <p:sp>
-        <p:nvSpPr>
-          <p:cNvPr id="3" name="Segnaposto contenuto 2"/>
-          <p:cNvSpPr>
-            <a:spLocks noGrp="1"/>
-          </p:cNvSpPr>
-          <p:nvPr>
-            <p:ph idx="1"/>
-          </p:nvPr>
-        </p:nvSpPr>
-        <p:spPr>
-          <a:xfrm>
-            <a:off x="457200" y="2133600"/>
-            <a:ext cx="8229600" cy="3429000"/>
-          </a:xfrm>
-        </p:spPr>
-        <p:txBody>
-          <a:bodyPr>
-            <a:normAutofit fontScale="92500" lnSpcReduction="20000"/>
-          </a:bodyPr>
-          <a:lstStyle/>
-          <a:p>
-            <a:pPr algn="just"/>
-            <a:r>
-              <a:rPr lang="en-US" dirty="0" smtClean="0">
-                <a:solidFill>
-                  <a:srgbClr val="000000"/>
-                </a:solidFill>
-                <a:latin typeface="Segoe UI" panose="020B0502040204020203" pitchFamily="34" charset="0"/>
-              </a:rPr>
-              <a:t>SSE automatically </a:t>
-            </a:r>
-            <a:r>
-              <a:rPr lang="en-US" dirty="0">
-                <a:solidFill>
-                  <a:srgbClr val="000000"/>
-                </a:solidFill>
-                <a:latin typeface="Segoe UI" panose="020B0502040204020203" pitchFamily="34" charset="0"/>
-              </a:rPr>
-              <a:t>encrypts your data when persisting it to the cloud. </a:t>
-            </a:r>
-            <a:endParaRPr lang="en-US" dirty="0" smtClean="0">
-              <a:solidFill>
-                <a:srgbClr val="000000"/>
-              </a:solidFill>
-              <a:latin typeface="Segoe UI" panose="020B0502040204020203" pitchFamily="34" charset="0"/>
-            </a:endParaRPr>
-          </a:p>
-          <a:p>
-            <a:pPr algn="just"/>
-            <a:r>
-              <a:rPr lang="en-US" dirty="0" smtClean="0">
-                <a:solidFill>
-                  <a:srgbClr val="000000"/>
-                </a:solidFill>
-                <a:latin typeface="Segoe UI" panose="020B0502040204020203" pitchFamily="34" charset="0"/>
-              </a:rPr>
-              <a:t>SSE help to </a:t>
-            </a:r>
-            <a:r>
-              <a:rPr lang="en-US" dirty="0">
-                <a:solidFill>
-                  <a:srgbClr val="000000"/>
-                </a:solidFill>
-                <a:latin typeface="Segoe UI" panose="020B0502040204020203" pitchFamily="34" charset="0"/>
-              </a:rPr>
-              <a:t>meet </a:t>
-            </a:r>
-            <a:r>
-              <a:rPr lang="en-US" dirty="0" smtClean="0">
-                <a:solidFill>
-                  <a:srgbClr val="000000"/>
-                </a:solidFill>
-                <a:latin typeface="Segoe UI" panose="020B0502040204020203" pitchFamily="34" charset="0"/>
-              </a:rPr>
-              <a:t>organizational </a:t>
-            </a:r>
-            <a:r>
-              <a:rPr lang="en-US" dirty="0">
-                <a:solidFill>
-                  <a:srgbClr val="000000"/>
-                </a:solidFill>
-                <a:latin typeface="Segoe UI" panose="020B0502040204020203" pitchFamily="34" charset="0"/>
-              </a:rPr>
-              <a:t>security and compliance commitments. </a:t>
-            </a:r>
-            <a:endParaRPr lang="en-US" dirty="0" smtClean="0">
-              <a:solidFill>
-                <a:srgbClr val="000000"/>
-              </a:solidFill>
-              <a:latin typeface="Segoe UI" panose="020B0502040204020203" pitchFamily="34" charset="0"/>
-            </a:endParaRPr>
-          </a:p>
-          <a:p>
-            <a:pPr algn="just"/>
-            <a:r>
-              <a:rPr lang="en-US" dirty="0" smtClean="0">
-                <a:solidFill>
-                  <a:srgbClr val="000000"/>
-                </a:solidFill>
-                <a:latin typeface="Segoe UI" panose="020B0502040204020203" pitchFamily="34" charset="0"/>
-              </a:rPr>
-              <a:t>Data </a:t>
-            </a:r>
-            <a:r>
-              <a:rPr lang="en-US" dirty="0">
-                <a:solidFill>
-                  <a:srgbClr val="000000"/>
-                </a:solidFill>
-                <a:latin typeface="Segoe UI" panose="020B0502040204020203" pitchFamily="34" charset="0"/>
-              </a:rPr>
-              <a:t>in Azure Storage is encrypted and decrypted transparently using 256-bit </a:t>
-            </a:r>
-            <a:r>
-              <a:rPr lang="en-US" u="sng" dirty="0" smtClean="0">
-                <a:solidFill>
-                  <a:srgbClr val="000000"/>
-                </a:solidFill>
-                <a:latin typeface="Segoe UI" panose="020B0502040204020203" pitchFamily="34" charset="0"/>
-              </a:rPr>
-              <a:t>AES</a:t>
-            </a:r>
-            <a:r>
-              <a:rPr lang="en-US" dirty="0" smtClean="0">
-                <a:solidFill>
-                  <a:srgbClr val="000000"/>
-                </a:solidFill>
-                <a:latin typeface="Segoe UI" panose="020B0502040204020203" pitchFamily="34" charset="0"/>
-              </a:rPr>
-              <a:t>..</a:t>
-            </a:r>
-            <a:endParaRPr lang="en-US" dirty="0">
-              <a:solidFill>
-                <a:srgbClr val="000000"/>
-              </a:solidFill>
-              <a:latin typeface="Segoe UI" panose="020B0502040204020203" pitchFamily="34" charset="0"/>
-            </a:endParaRPr>
-          </a:p>
-          <a:p>
-            <a:pPr algn="just"/>
-            <a:r>
-              <a:rPr lang="en-US" dirty="0" smtClean="0">
-                <a:solidFill>
-                  <a:srgbClr val="000000"/>
-                </a:solidFill>
-                <a:latin typeface="Segoe UI" panose="020B0502040204020203" pitchFamily="34" charset="0"/>
-              </a:rPr>
-              <a:t>SSE is enabled by default and cannot be disabled for any storage account</a:t>
-            </a:r>
-            <a:endParaRPr lang="en-US" dirty="0">
-              <a:solidFill>
-                <a:srgbClr val="000000"/>
-              </a:solidFill>
-              <a:latin typeface="Segoe UI" panose="020B0502040204020203" pitchFamily="34" charset="0"/>
-            </a:endParaRPr>
-          </a:p>
-          <a:p>
-            <a:pPr algn="just"/>
-            <a:r>
-              <a:rPr lang="en-US" dirty="0" smtClean="0">
-                <a:solidFill>
-                  <a:srgbClr val="000000"/>
-                </a:solidFill>
-                <a:latin typeface="Segoe UI" panose="020B0502040204020203" pitchFamily="34" charset="0"/>
-              </a:rPr>
-              <a:t>SEE encrypts blobs</a:t>
-            </a:r>
-            <a:r>
-              <a:rPr lang="en-US" dirty="0">
-                <a:solidFill>
-                  <a:srgbClr val="000000"/>
-                </a:solidFill>
-                <a:latin typeface="Segoe UI" panose="020B0502040204020203" pitchFamily="34" charset="0"/>
-              </a:rPr>
-              <a:t>, disks, files, queues, </a:t>
-            </a:r>
-            <a:r>
-              <a:rPr lang="en-US" dirty="0" smtClean="0">
-                <a:solidFill>
-                  <a:srgbClr val="000000"/>
-                </a:solidFill>
-                <a:latin typeface="Segoe UI" panose="020B0502040204020203" pitchFamily="34" charset="0"/>
-              </a:rPr>
-              <a:t>tables and Azure Managed Disks and any metadata pertaining to these artifacts.</a:t>
-            </a:r>
-            <a:endParaRPr lang="en-US" dirty="0">
-              <a:solidFill>
-                <a:srgbClr val="000000"/>
-              </a:solidFill>
-              <a:latin typeface="Segoe UI" panose="020B0502040204020203" pitchFamily="34" charset="0"/>
-            </a:endParaRPr>
-          </a:p>
-          <a:p>
-            <a:pPr algn="just"/>
-            <a:r>
-              <a:rPr lang="en-US" dirty="0" smtClean="0">
-                <a:solidFill>
-                  <a:srgbClr val="000000"/>
-                </a:solidFill>
-                <a:latin typeface="Segoe UI" panose="020B0502040204020203" pitchFamily="34" charset="0"/>
-              </a:rPr>
-              <a:t>SSE does not cause performance loss and it’s free</a:t>
-            </a:r>
-          </a:p>
-          <a:p>
-            <a:pPr algn="just"/>
-            <a:r>
-              <a:rPr lang="en-US" dirty="0" smtClean="0">
-                <a:solidFill>
-                  <a:srgbClr val="000000"/>
-                </a:solidFill>
-                <a:latin typeface="Segoe UI" panose="020B0502040204020203" pitchFamily="34" charset="0"/>
-              </a:rPr>
-              <a:t>Works with Managed and Customer keys thus can be rotated, audited, etc. in which case the customer key is stored in Key Vault and accessed via MSI.</a:t>
-            </a:r>
-            <a:endParaRPr lang="en-US" dirty="0">
-              <a:solidFill>
-                <a:srgbClr val="000000"/>
-              </a:solidFill>
-              <a:latin typeface="Segoe UI" panose="020B0502040204020203" pitchFamily="34" charset="0"/>
-            </a:endParaRPr>
-          </a:p>
-          <a:p>
-            <a:pPr algn="ctr">
-              <a:buNone/>
-            </a:pPr>
-            <a:endParaRPr lang="en-US" dirty="0" smtClean="0"/>
-          </a:p>
-          <a:p>
-            <a:endParaRPr lang="en-US" dirty="0" smtClean="0"/>
-          </a:p>
-          <a:p>
-            <a:endParaRPr lang="en-US" dirty="0"/>
-          </a:p>
-        </p:txBody>
-      </p:sp>
-      <p:sp>
-        <p:nvSpPr>
-          <p:cNvPr id="4" name="Segnaposto data 3"/>
-          <p:cNvSpPr>
-            <a:spLocks noGrp="1"/>
-          </p:cNvSpPr>
-          <p:nvPr>
-            <p:ph type="dt" sz="half" idx="10"/>
-          </p:nvPr>
-        </p:nvSpPr>
-        <p:spPr/>
-        <p:txBody>
-          <a:bodyPr/>
-          <a:lstStyle/>
-          <a:p>
-            <a:fld id="{F8078618-4CAE-48E8-A205-9D92A68D094A}" type="datetime1">
-              <a:rPr lang="en-US" smtClean="0"/>
-              <a:pPr/>
-              <a:t>5/14/2019</a:t>
-            </a:fld>
-            <a:endParaRPr lang="en-US"/>
-          </a:p>
-        </p:txBody>
-      </p:sp>
-      <p:sp>
-        <p:nvSpPr>
-          <p:cNvPr id="5" name="Segnaposto numero diapositiva 4"/>
-          <p:cNvSpPr>
-            <a:spLocks noGrp="1"/>
-          </p:cNvSpPr>
-          <p:nvPr>
-            <p:ph type="sldNum" sz="quarter" idx="12"/>
-          </p:nvPr>
-        </p:nvSpPr>
-        <p:spPr/>
-        <p:txBody>
-          <a:bodyPr/>
-          <a:lstStyle/>
-          <a:p>
-            <a:fld id="{02623B3A-910D-43F4-BBA9-9429D5B0014D}" type="slidenum">
-              <a:rPr lang="en-US" smtClean="0"/>
-              <a:pPr/>
-              <a:t>27</a:t>
-            </a:fld>
-            <a:endParaRPr lang="en-US"/>
-          </a:p>
-        </p:txBody>
-      </p:sp>
-      <p:sp>
-        <p:nvSpPr>
-          <p:cNvPr id="8" name="Sottotitolo 7"/>
-          <p:cNvSpPr>
-            <a:spLocks noGrp="1"/>
-          </p:cNvSpPr>
-          <p:nvPr>
-            <p:ph type="subTitle" idx="14"/>
-          </p:nvPr>
-        </p:nvSpPr>
-        <p:spPr>
-          <a:xfrm>
-            <a:off x="1295400" y="1066800"/>
-            <a:ext cx="6400800" cy="457200"/>
-          </a:xfrm>
-        </p:spPr>
-        <p:txBody>
-          <a:bodyPr/>
-          <a:lstStyle/>
-          <a:p>
-            <a:r>
-              <a:rPr lang="en-US" b="1" dirty="0" smtClean="0">
-                <a:hlinkClick r:id="rId2"/>
-              </a:rPr>
-              <a:t>Azure Storage Service Encryption (SSE)</a:t>
-            </a:r>
-            <a:endParaRPr lang="en-US" dirty="0">
-              <a:solidFill>
-                <a:schemeClr val="tx1"/>
-              </a:solidFill>
-            </a:endParaRPr>
-          </a:p>
-        </p:txBody>
-      </p:sp>
-    </p:spTree>
-    <p:extLst>
-      <p:ext uri="{BB962C8B-B14F-4D97-AF65-F5344CB8AC3E}">
-        <p14:creationId xmlns:p14="http://schemas.microsoft.com/office/powerpoint/2010/main" val="4183185891"/>
-      </p:ext>
-    </p:extLst>
-  </p:cSld>
-  <p:clrMapOvr>
-    <a:masterClrMapping/>
-  </p:clrMapOvr>
-  <p:timing>
-    <p:tnLst>
-      <p:par>
-        <p:cTn id="1" dur="indefinite" restart="never" nodeType="tmRoot"/>
-      </p:par>
-    </p:tnLst>
-  </p:timing>
-</p:sld>
-</file>
-
 <file path=ppt/slides/slide28.xml><?xml version="1.0" encoding="utf-8"?>
 <p:sld xmlns:a="http://schemas.openxmlformats.org/drawingml/2006/main" xmlns:r="http://schemas.openxmlformats.org/officeDocument/2006/relationships" xmlns:p="http://schemas.openxmlformats.org/presentationml/2006/main">
   <p:cSld>
@@ -6833,6 +7179,419 @@
       </p:grpSpPr>
       <p:sp>
         <p:nvSpPr>
+          <p:cNvPr id="3" name="Segnaposto contenuto 2"/>
+          <p:cNvSpPr>
+            <a:spLocks noGrp="1"/>
+          </p:cNvSpPr>
+          <p:nvPr>
+            <p:ph idx="1"/>
+          </p:nvPr>
+        </p:nvSpPr>
+        <p:spPr>
+          <a:xfrm>
+            <a:off x="457200" y="2362200"/>
+            <a:ext cx="8229600" cy="3429000"/>
+          </a:xfrm>
+        </p:spPr>
+        <p:txBody>
+          <a:bodyPr>
+            <a:normAutofit fontScale="85000" lnSpcReduction="10000"/>
+          </a:bodyPr>
+          <a:lstStyle/>
+          <a:p>
+            <a:pPr algn="just"/>
+            <a:r>
+              <a:rPr lang="en-US" b="1" dirty="0" smtClean="0">
+                <a:solidFill>
+                  <a:srgbClr val="000000"/>
+                </a:solidFill>
+                <a:latin typeface="Segoe UI" panose="020B0502040204020203" pitchFamily="34" charset="0"/>
+              </a:rPr>
+              <a:t>Transparently</a:t>
+            </a:r>
+            <a:r>
+              <a:rPr lang="en-US" dirty="0" smtClean="0">
+                <a:solidFill>
+                  <a:srgbClr val="000000"/>
+                </a:solidFill>
+                <a:latin typeface="Segoe UI" panose="020B0502040204020203" pitchFamily="34" charset="0"/>
+              </a:rPr>
+              <a:t> </a:t>
+            </a:r>
+            <a:r>
+              <a:rPr lang="en-US" dirty="0">
+                <a:solidFill>
+                  <a:srgbClr val="000000"/>
+                </a:solidFill>
+                <a:latin typeface="Segoe UI" panose="020B0502040204020203" pitchFamily="34" charset="0"/>
+              </a:rPr>
+              <a:t>encrypts your data when persisting it to the cloud. </a:t>
+            </a:r>
+            <a:endParaRPr lang="en-US" dirty="0" smtClean="0">
+              <a:solidFill>
+                <a:srgbClr val="000000"/>
+              </a:solidFill>
+              <a:latin typeface="Segoe UI" panose="020B0502040204020203" pitchFamily="34" charset="0"/>
+            </a:endParaRPr>
+          </a:p>
+          <a:p>
+            <a:pPr algn="just"/>
+            <a:r>
+              <a:rPr lang="en-US" u="sng" dirty="0" smtClean="0">
+                <a:solidFill>
+                  <a:srgbClr val="000000"/>
+                </a:solidFill>
+                <a:latin typeface="Segoe UI" panose="020B0502040204020203" pitchFamily="34" charset="0"/>
+              </a:rPr>
+              <a:t>Helps </a:t>
+            </a:r>
+            <a:r>
+              <a:rPr lang="en-US" u="sng" dirty="0" smtClean="0">
+                <a:solidFill>
+                  <a:srgbClr val="000000"/>
+                </a:solidFill>
+                <a:latin typeface="Segoe UI" panose="020B0502040204020203" pitchFamily="34" charset="0"/>
+              </a:rPr>
+              <a:t>to </a:t>
+            </a:r>
+            <a:r>
+              <a:rPr lang="en-US" u="sng" dirty="0">
+                <a:solidFill>
+                  <a:srgbClr val="000000"/>
+                </a:solidFill>
+                <a:latin typeface="Segoe UI" panose="020B0502040204020203" pitchFamily="34" charset="0"/>
+              </a:rPr>
+              <a:t>meet </a:t>
+            </a:r>
+            <a:r>
+              <a:rPr lang="en-US" u="sng" dirty="0" smtClean="0">
+                <a:solidFill>
+                  <a:srgbClr val="000000"/>
+                </a:solidFill>
+                <a:latin typeface="Segoe UI" panose="020B0502040204020203" pitchFamily="34" charset="0"/>
+              </a:rPr>
+              <a:t>organizational </a:t>
+            </a:r>
+            <a:r>
+              <a:rPr lang="en-US" u="sng" dirty="0">
+                <a:solidFill>
+                  <a:srgbClr val="000000"/>
+                </a:solidFill>
+                <a:latin typeface="Segoe UI" panose="020B0502040204020203" pitchFamily="34" charset="0"/>
+              </a:rPr>
+              <a:t>security and compliance commitments</a:t>
+            </a:r>
+            <a:r>
+              <a:rPr lang="en-US" dirty="0">
+                <a:solidFill>
+                  <a:srgbClr val="000000"/>
+                </a:solidFill>
+                <a:latin typeface="Segoe UI" panose="020B0502040204020203" pitchFamily="34" charset="0"/>
+              </a:rPr>
+              <a:t>. </a:t>
+            </a:r>
+            <a:endParaRPr lang="en-US" dirty="0" smtClean="0">
+              <a:solidFill>
+                <a:srgbClr val="000000"/>
+              </a:solidFill>
+              <a:latin typeface="Segoe UI" panose="020B0502040204020203" pitchFamily="34" charset="0"/>
+            </a:endParaRPr>
+          </a:p>
+          <a:p>
+            <a:pPr algn="just"/>
+            <a:r>
+              <a:rPr lang="en-US" dirty="0" smtClean="0">
+                <a:solidFill>
+                  <a:srgbClr val="000000"/>
+                </a:solidFill>
+                <a:latin typeface="Segoe UI" panose="020B0502040204020203" pitchFamily="34" charset="0"/>
+              </a:rPr>
+              <a:t>Data </a:t>
+            </a:r>
+            <a:r>
+              <a:rPr lang="en-US" dirty="0">
+                <a:solidFill>
+                  <a:srgbClr val="000000"/>
+                </a:solidFill>
+                <a:latin typeface="Segoe UI" panose="020B0502040204020203" pitchFamily="34" charset="0"/>
+              </a:rPr>
+              <a:t>in Azure Storage is encrypted and decrypted transparently using </a:t>
+            </a:r>
+            <a:r>
+              <a:rPr lang="en-US" dirty="0" smtClean="0">
+                <a:solidFill>
+                  <a:srgbClr val="000000"/>
+                </a:solidFill>
+                <a:latin typeface="Segoe UI" panose="020B0502040204020203" pitchFamily="34" charset="0"/>
+              </a:rPr>
+              <a:t>256-bit</a:t>
+            </a:r>
+            <a:r>
+              <a:rPr lang="en-US" dirty="0">
+                <a:solidFill>
+                  <a:srgbClr val="000000"/>
+                </a:solidFill>
+                <a:latin typeface="Segoe UI" panose="020B0502040204020203" pitchFamily="34" charset="0"/>
+              </a:rPr>
+              <a:t> </a:t>
+            </a:r>
+            <a:r>
+              <a:rPr lang="en-US" dirty="0" smtClean="0">
+                <a:solidFill>
+                  <a:srgbClr val="000000"/>
+                </a:solidFill>
+                <a:latin typeface="Segoe UI" panose="020B0502040204020203" pitchFamily="34" charset="0"/>
+              </a:rPr>
+              <a:t>Advanced Encryption Standard (AES)</a:t>
+            </a:r>
+          </a:p>
+          <a:p>
+            <a:pPr algn="just"/>
+            <a:r>
+              <a:rPr lang="en-US" dirty="0" smtClean="0">
+                <a:solidFill>
+                  <a:srgbClr val="000000"/>
+                </a:solidFill>
+                <a:latin typeface="Segoe UI" panose="020B0502040204020203" pitchFamily="34" charset="0"/>
+              </a:rPr>
+              <a:t>It </a:t>
+            </a:r>
+            <a:r>
+              <a:rPr lang="en-US" dirty="0" smtClean="0">
+                <a:solidFill>
+                  <a:srgbClr val="000000"/>
+                </a:solidFill>
+                <a:latin typeface="Segoe UI" panose="020B0502040204020203" pitchFamily="34" charset="0"/>
+              </a:rPr>
+              <a:t>is </a:t>
+            </a:r>
+            <a:r>
+              <a:rPr lang="en-US" b="1" dirty="0" smtClean="0">
+                <a:solidFill>
+                  <a:srgbClr val="000000"/>
+                </a:solidFill>
+                <a:latin typeface="Segoe UI" panose="020B0502040204020203" pitchFamily="34" charset="0"/>
+              </a:rPr>
+              <a:t>enabled by default and cannot be disabled </a:t>
+            </a:r>
+            <a:r>
+              <a:rPr lang="en-US" dirty="0" smtClean="0">
+                <a:solidFill>
+                  <a:srgbClr val="000000"/>
+                </a:solidFill>
+                <a:latin typeface="Segoe UI" panose="020B0502040204020203" pitchFamily="34" charset="0"/>
+              </a:rPr>
+              <a:t>for </a:t>
+            </a:r>
+            <a:r>
+              <a:rPr lang="en-US" b="1" dirty="0" smtClean="0">
+                <a:solidFill>
+                  <a:srgbClr val="000000"/>
+                </a:solidFill>
+                <a:latin typeface="Segoe UI" panose="020B0502040204020203" pitchFamily="34" charset="0"/>
+              </a:rPr>
+              <a:t>any storage account</a:t>
+            </a:r>
+            <a:endParaRPr lang="en-US" b="1" dirty="0">
+              <a:solidFill>
+                <a:srgbClr val="000000"/>
+              </a:solidFill>
+              <a:latin typeface="Segoe UI" panose="020B0502040204020203" pitchFamily="34" charset="0"/>
+            </a:endParaRPr>
+          </a:p>
+          <a:p>
+            <a:pPr algn="just"/>
+            <a:r>
+              <a:rPr lang="en-US" dirty="0" smtClean="0">
+                <a:solidFill>
+                  <a:srgbClr val="000000"/>
+                </a:solidFill>
+                <a:latin typeface="Segoe UI" panose="020B0502040204020203" pitchFamily="34" charset="0"/>
+              </a:rPr>
+              <a:t>It</a:t>
+            </a:r>
+            <a:r>
+              <a:rPr lang="en-US" dirty="0" smtClean="0">
+                <a:solidFill>
+                  <a:srgbClr val="000000"/>
+                </a:solidFill>
+                <a:latin typeface="Segoe UI" panose="020B0502040204020203" pitchFamily="34" charset="0"/>
+              </a:rPr>
+              <a:t> </a:t>
+            </a:r>
+            <a:r>
+              <a:rPr lang="en-US" dirty="0" smtClean="0">
+                <a:solidFill>
+                  <a:srgbClr val="000000"/>
+                </a:solidFill>
+                <a:latin typeface="Segoe UI" panose="020B0502040204020203" pitchFamily="34" charset="0"/>
+              </a:rPr>
+              <a:t>encrypts </a:t>
+            </a:r>
+            <a:r>
+              <a:rPr lang="en-US" u="sng" dirty="0" smtClean="0">
+                <a:solidFill>
+                  <a:srgbClr val="000000"/>
+                </a:solidFill>
+                <a:latin typeface="Segoe UI" panose="020B0502040204020203" pitchFamily="34" charset="0"/>
+              </a:rPr>
+              <a:t>blobs</a:t>
+            </a:r>
+            <a:r>
+              <a:rPr lang="en-US" u="sng" dirty="0">
+                <a:solidFill>
+                  <a:srgbClr val="000000"/>
+                </a:solidFill>
+                <a:latin typeface="Segoe UI" panose="020B0502040204020203" pitchFamily="34" charset="0"/>
+              </a:rPr>
+              <a:t>, disks, files, queues, </a:t>
+            </a:r>
+            <a:r>
+              <a:rPr lang="en-US" u="sng" dirty="0" smtClean="0">
+                <a:solidFill>
+                  <a:srgbClr val="000000"/>
+                </a:solidFill>
+                <a:latin typeface="Segoe UI" panose="020B0502040204020203" pitchFamily="34" charset="0"/>
+              </a:rPr>
+              <a:t>tables and Azure Managed Disks</a:t>
+            </a:r>
+            <a:r>
+              <a:rPr lang="en-US" dirty="0" smtClean="0">
+                <a:solidFill>
+                  <a:srgbClr val="000000"/>
+                </a:solidFill>
+                <a:latin typeface="Segoe UI" panose="020B0502040204020203" pitchFamily="34" charset="0"/>
+              </a:rPr>
+              <a:t> and any metadata pertaining to these artifacts.</a:t>
+            </a:r>
+            <a:endParaRPr lang="en-US" dirty="0">
+              <a:solidFill>
+                <a:srgbClr val="000000"/>
+              </a:solidFill>
+              <a:latin typeface="Segoe UI" panose="020B0502040204020203" pitchFamily="34" charset="0"/>
+            </a:endParaRPr>
+          </a:p>
+          <a:p>
+            <a:pPr algn="just"/>
+            <a:r>
+              <a:rPr lang="en-US" u="sng" dirty="0" smtClean="0">
+                <a:solidFill>
+                  <a:srgbClr val="000000"/>
+                </a:solidFill>
+                <a:latin typeface="Segoe UI" panose="020B0502040204020203" pitchFamily="34" charset="0"/>
+              </a:rPr>
+              <a:t>It</a:t>
+            </a:r>
+            <a:r>
+              <a:rPr lang="en-US" u="sng" dirty="0" smtClean="0">
+                <a:solidFill>
+                  <a:srgbClr val="000000"/>
+                </a:solidFill>
+                <a:latin typeface="Segoe UI" panose="020B0502040204020203" pitchFamily="34" charset="0"/>
+              </a:rPr>
+              <a:t> </a:t>
+            </a:r>
+            <a:r>
+              <a:rPr lang="en-US" u="sng" dirty="0" smtClean="0">
+                <a:solidFill>
+                  <a:srgbClr val="000000"/>
+                </a:solidFill>
+                <a:latin typeface="Segoe UI" panose="020B0502040204020203" pitchFamily="34" charset="0"/>
+              </a:rPr>
+              <a:t>does not cause performance loss</a:t>
+            </a:r>
+            <a:r>
+              <a:rPr lang="en-US" dirty="0" smtClean="0">
+                <a:solidFill>
+                  <a:srgbClr val="000000"/>
+                </a:solidFill>
+                <a:latin typeface="Segoe UI" panose="020B0502040204020203" pitchFamily="34" charset="0"/>
+              </a:rPr>
+              <a:t> and </a:t>
+            </a:r>
+            <a:r>
+              <a:rPr lang="en-US" u="sng" dirty="0" smtClean="0">
+                <a:solidFill>
+                  <a:srgbClr val="000000"/>
+                </a:solidFill>
+                <a:latin typeface="Segoe UI" panose="020B0502040204020203" pitchFamily="34" charset="0"/>
+              </a:rPr>
+              <a:t>it’s free</a:t>
+            </a:r>
+          </a:p>
+          <a:p>
+            <a:pPr algn="just"/>
+            <a:r>
+              <a:rPr lang="en-US" dirty="0" smtClean="0">
+                <a:solidFill>
+                  <a:srgbClr val="000000"/>
+                </a:solidFill>
+                <a:latin typeface="Segoe UI" panose="020B0502040204020203" pitchFamily="34" charset="0"/>
+              </a:rPr>
+              <a:t>Works with </a:t>
+            </a:r>
+            <a:r>
+              <a:rPr lang="en-US" b="1" dirty="0" smtClean="0">
+                <a:solidFill>
+                  <a:srgbClr val="000000"/>
+                </a:solidFill>
+                <a:latin typeface="Segoe UI" panose="020B0502040204020203" pitchFamily="34" charset="0"/>
+              </a:rPr>
+              <a:t>Managed and Customer keys </a:t>
+            </a:r>
+            <a:r>
+              <a:rPr lang="en-US" dirty="0" smtClean="0">
+                <a:solidFill>
+                  <a:srgbClr val="000000"/>
+                </a:solidFill>
+                <a:latin typeface="Segoe UI" panose="020B0502040204020203" pitchFamily="34" charset="0"/>
+              </a:rPr>
+              <a:t>thus can be rotated, audited, etc. in which case the customer key is stored in Key Vault and accessed via </a:t>
+            </a:r>
+            <a:r>
+              <a:rPr lang="en-US" dirty="0" smtClean="0">
+                <a:solidFill>
+                  <a:srgbClr val="000000"/>
+                </a:solidFill>
+                <a:latin typeface="Segoe UI" panose="020B0502040204020203" pitchFamily="34" charset="0"/>
+              </a:rPr>
+              <a:t>Managed Service Identity (MSI).</a:t>
+            </a:r>
+          </a:p>
+          <a:p>
+            <a:pPr algn="just"/>
+            <a:r>
+              <a:rPr lang="en-US" u="sng" dirty="0" smtClean="0">
+                <a:solidFill>
+                  <a:srgbClr val="000000"/>
+                </a:solidFill>
+                <a:latin typeface="Segoe UI" panose="020B0502040204020203" pitchFamily="34" charset="0"/>
+              </a:rPr>
+              <a:t>It does not cover SQL Server</a:t>
+            </a:r>
+            <a:endParaRPr lang="en-US" u="sng" dirty="0">
+              <a:solidFill>
+                <a:srgbClr val="000000"/>
+              </a:solidFill>
+              <a:latin typeface="Segoe UI" panose="020B0502040204020203" pitchFamily="34" charset="0"/>
+            </a:endParaRPr>
+          </a:p>
+          <a:p>
+            <a:pPr algn="ctr">
+              <a:buNone/>
+            </a:pPr>
+            <a:endParaRPr lang="en-US" dirty="0" smtClean="0"/>
+          </a:p>
+          <a:p>
+            <a:endParaRPr lang="en-US" dirty="0" smtClean="0"/>
+          </a:p>
+          <a:p>
+            <a:endParaRPr lang="en-US" dirty="0"/>
+          </a:p>
+        </p:txBody>
+      </p:sp>
+      <p:sp>
+        <p:nvSpPr>
           <p:cNvPr id="4" name="Segnaposto data 3"/>
           <p:cNvSpPr>
             <a:spLocks noGrp="1"/>
@@ -6879,60 +7638,41 @@
           </a:p>
         </p:txBody>
       </p:sp>
-      <p:pic>
-        <p:nvPicPr>
-          <p:cNvPr id="7" name="Content Placeholder 6"/>
-          <p:cNvPicPr>
-            <a:picLocks noGrp="1" noChangeAspect="1"/>
-          </p:cNvPicPr>
-          <p:nvPr>
-            <p:ph idx="1"/>
-          </p:nvPr>
-        </p:nvPicPr>
-        <p:blipFill>
-          <a:blip r:embed="rId2">
-            <a:extLst>
-              <a:ext uri="{28A0092B-C50C-407E-A947-70E740481C1C}">
-                <a14:useLocalDpi xmlns:a14="http://schemas.microsoft.com/office/drawing/2010/main" val="0"/>
-              </a:ext>
-            </a:extLst>
-          </a:blip>
-          <a:stretch>
-            <a:fillRect/>
-          </a:stretch>
-        </p:blipFill>
+      <p:sp>
+        <p:nvSpPr>
+          <p:cNvPr id="8" name="Sottotitolo 7"/>
+          <p:cNvSpPr>
+            <a:spLocks noGrp="1"/>
+          </p:cNvSpPr>
+          <p:nvPr>
+            <p:ph type="subTitle" idx="14"/>
+          </p:nvPr>
+        </p:nvSpPr>
         <p:spPr>
           <a:xfrm>
-            <a:off x="491791" y="1524000"/>
-            <a:ext cx="8160416" cy="4180267"/>
+            <a:off x="838200" y="1165225"/>
+            <a:ext cx="7239000" cy="457200"/>
           </a:xfrm>
         </p:spPr>
-      </p:pic>
-      <p:sp>
-        <p:nvSpPr>
-          <p:cNvPr id="6" name="Sottotitolo 6"/>
-          <p:cNvSpPr>
-            <a:spLocks noGrp="1"/>
-          </p:cNvSpPr>
-          <p:nvPr>
-            <p:ph type="subTitle" idx="14"/>
-          </p:nvPr>
-        </p:nvSpPr>
-        <p:spPr>
-          <a:xfrm>
-            <a:off x="1371599" y="871917"/>
-            <a:ext cx="6400800" cy="457200"/>
-          </a:xfrm>
-        </p:spPr>
-        <p:txBody>
-          <a:bodyPr/>
-          <a:lstStyle/>
-          <a:p>
-            <a:r>
-              <a:rPr lang="en-US" b="1" dirty="0" smtClean="0"/>
-              <a:t>How does SSE work?</a:t>
-            </a:r>
-            <a:endParaRPr lang="en-US" b="1" dirty="0">
+        <p:txBody>
+          <a:bodyPr>
+            <a:normAutofit/>
+          </a:bodyPr>
+          <a:lstStyle/>
+          <a:p>
+            <a:r>
+              <a:rPr lang="en-US" b="1" dirty="0" smtClean="0">
+                <a:hlinkClick r:id="rId2"/>
+              </a:rPr>
+              <a:t>Azure Storage Service Encryption (SSE</a:t>
+            </a:r>
+            <a:r>
+              <a:rPr lang="en-US" b="1" dirty="0" smtClean="0">
+                <a:hlinkClick r:id="rId2"/>
+              </a:rPr>
+              <a:t>)</a:t>
+            </a:r>
+            <a:endParaRPr lang="en-US" dirty="0">
               <a:solidFill>
                 <a:schemeClr val="tx1"/>
               </a:solidFill>
@@ -6940,10 +7680,191 @@
           </a:p>
         </p:txBody>
       </p:sp>
+      <p:sp>
+        <p:nvSpPr>
+          <p:cNvPr id="6" name="Subtitle 2"/>
+          <p:cNvSpPr txBox="1">
+            <a:spLocks/>
+          </p:cNvSpPr>
+          <p:nvPr/>
+        </p:nvSpPr>
+        <p:spPr>
+          <a:xfrm>
+            <a:off x="2266950" y="1622425"/>
+            <a:ext cx="4381500" cy="609600"/>
+          </a:xfrm>
+          <a:prstGeom prst="rect">
+            <a:avLst/>
+          </a:prstGeom>
+          <a:ln w="3175">
+            <a:solidFill>
+              <a:schemeClr val="bg1"/>
+            </a:solidFill>
+          </a:ln>
+        </p:spPr>
+        <p:txBody>
+          <a:bodyPr vert="horz" lIns="91440" tIns="45720" rIns="91440" bIns="45720" rtlCol="0">
+            <a:normAutofit/>
+          </a:bodyPr>
+          <a:lstStyle>
+            <a:lvl1pPr marL="342900" indent="-342900" algn="l" defTabSz="914400" rtl="0" eaLnBrk="1" latinLnBrk="0" hangingPunct="1">
+              <a:spcBef>
+                <a:spcPct val="20000"/>
+              </a:spcBef>
+              <a:buFont typeface="Arial" pitchFamily="34" charset="0"/>
+              <a:buChar char="•"/>
+              <a:defRPr sz="2000" kern="1200">
+                <a:solidFill>
+                  <a:schemeClr val="tx1"/>
+                </a:solidFill>
+                <a:latin typeface="+mn-lt"/>
+                <a:ea typeface="+mn-ea"/>
+                <a:cs typeface="+mn-cs"/>
+              </a:defRPr>
+            </a:lvl1pPr>
+            <a:lvl2pPr marL="742950" indent="-285750" algn="l" defTabSz="914400" rtl="0" eaLnBrk="1" latinLnBrk="0" hangingPunct="1">
+              <a:spcBef>
+                <a:spcPct val="20000"/>
+              </a:spcBef>
+              <a:buFont typeface="Arial" pitchFamily="34" charset="0"/>
+              <a:buChar char="–"/>
+              <a:defRPr sz="1800" kern="1200">
+                <a:solidFill>
+                  <a:schemeClr val="tx1"/>
+                </a:solidFill>
+                <a:latin typeface="+mn-lt"/>
+                <a:ea typeface="+mn-ea"/>
+                <a:cs typeface="+mn-cs"/>
+              </a:defRPr>
+            </a:lvl2pPr>
+            <a:lvl3pPr marL="1143000" indent="-228600" algn="l" defTabSz="914400" rtl="0" eaLnBrk="1" latinLnBrk="0" hangingPunct="1">
+              <a:spcBef>
+                <a:spcPct val="20000"/>
+              </a:spcBef>
+              <a:buFont typeface="Arial" pitchFamily="34" charset="0"/>
+              <a:buChar char="•"/>
+              <a:defRPr sz="1600" kern="1200">
+                <a:solidFill>
+                  <a:schemeClr val="tx1"/>
+                </a:solidFill>
+                <a:latin typeface="+mn-lt"/>
+                <a:ea typeface="+mn-ea"/>
+                <a:cs typeface="+mn-cs"/>
+              </a:defRPr>
+            </a:lvl3pPr>
+            <a:lvl4pPr marL="1600200" indent="-228600" algn="l" defTabSz="914400" rtl="0" eaLnBrk="1" latinLnBrk="0" hangingPunct="1">
+              <a:spcBef>
+                <a:spcPct val="20000"/>
+              </a:spcBef>
+              <a:buFont typeface="Arial" pitchFamily="34" charset="0"/>
+              <a:buChar char="–"/>
+              <a:defRPr sz="1400" kern="1200">
+                <a:solidFill>
+                  <a:schemeClr val="tx1"/>
+                </a:solidFill>
+                <a:latin typeface="+mn-lt"/>
+                <a:ea typeface="+mn-ea"/>
+                <a:cs typeface="+mn-cs"/>
+              </a:defRPr>
+            </a:lvl4pPr>
+            <a:lvl5pPr marL="2057400" indent="-228600" algn="l" defTabSz="914400" rtl="0" eaLnBrk="1" latinLnBrk="0" hangingPunct="1">
+              <a:spcBef>
+                <a:spcPct val="20000"/>
+              </a:spcBef>
+              <a:buFont typeface="Arial" pitchFamily="34" charset="0"/>
+              <a:buChar char="»"/>
+              <a:defRPr sz="1400" kern="1200">
+                <a:solidFill>
+                  <a:schemeClr val="tx1"/>
+                </a:solidFill>
+                <a:latin typeface="+mn-lt"/>
+                <a:ea typeface="+mn-ea"/>
+                <a:cs typeface="+mn-cs"/>
+              </a:defRPr>
+            </a:lvl5pPr>
+            <a:lvl6pPr marL="2514600" indent="-228600" algn="l" defTabSz="914400" rtl="0" eaLnBrk="1" latinLnBrk="0" hangingPunct="1">
+              <a:spcBef>
+                <a:spcPct val="20000"/>
+              </a:spcBef>
+              <a:buFont typeface="Arial" pitchFamily="34" charset="0"/>
+              <a:buChar char="•"/>
+              <a:defRPr sz="2000" kern="1200">
+                <a:solidFill>
+                  <a:schemeClr val="tx1"/>
+                </a:solidFill>
+                <a:latin typeface="+mn-lt"/>
+                <a:ea typeface="+mn-ea"/>
+                <a:cs typeface="+mn-cs"/>
+              </a:defRPr>
+            </a:lvl6pPr>
+            <a:lvl7pPr marL="2971800" indent="-228600" algn="l" defTabSz="914400" rtl="0" eaLnBrk="1" latinLnBrk="0" hangingPunct="1">
+              <a:spcBef>
+                <a:spcPct val="20000"/>
+              </a:spcBef>
+              <a:buFont typeface="Arial" pitchFamily="34" charset="0"/>
+              <a:buChar char="•"/>
+              <a:defRPr sz="2000" kern="1200">
+                <a:solidFill>
+                  <a:schemeClr val="tx1"/>
+                </a:solidFill>
+                <a:latin typeface="+mn-lt"/>
+                <a:ea typeface="+mn-ea"/>
+                <a:cs typeface="+mn-cs"/>
+              </a:defRPr>
+            </a:lvl7pPr>
+            <a:lvl8pPr marL="3429000" indent="-228600" algn="l" defTabSz="914400" rtl="0" eaLnBrk="1" latinLnBrk="0" hangingPunct="1">
+              <a:spcBef>
+                <a:spcPct val="20000"/>
+              </a:spcBef>
+              <a:buFont typeface="Arial" pitchFamily="34" charset="0"/>
+              <a:buChar char="•"/>
+              <a:defRPr sz="2000" kern="1200">
+                <a:solidFill>
+                  <a:schemeClr val="tx1"/>
+                </a:solidFill>
+                <a:latin typeface="+mn-lt"/>
+                <a:ea typeface="+mn-ea"/>
+                <a:cs typeface="+mn-cs"/>
+              </a:defRPr>
+            </a:lvl8pPr>
+            <a:lvl9pPr marL="3886200" indent="-228600" algn="l" defTabSz="914400" rtl="0" eaLnBrk="1" latinLnBrk="0" hangingPunct="1">
+              <a:spcBef>
+                <a:spcPct val="20000"/>
+              </a:spcBef>
+              <a:buFont typeface="Arial" pitchFamily="34" charset="0"/>
+              <a:buChar char="•"/>
+              <a:defRPr sz="2000" kern="1200">
+                <a:solidFill>
+                  <a:schemeClr val="tx1"/>
+                </a:solidFill>
+                <a:latin typeface="+mn-lt"/>
+                <a:ea typeface="+mn-ea"/>
+                <a:cs typeface="+mn-cs"/>
+              </a:defRPr>
+            </a:lvl9pPr>
+          </a:lstStyle>
+          <a:p>
+            <a:pPr marL="0" indent="0">
+              <a:buNone/>
+            </a:pPr>
+            <a:r>
+              <a:rPr lang="en-US" dirty="0" smtClean="0"/>
+              <a:t>Encryption of data at rest for PaaS</a:t>
+            </a:r>
+            <a:endParaRPr lang="en-US" dirty="0" smtClean="0">
+              <a:solidFill>
+                <a:schemeClr val="accent1">
+                  <a:lumMod val="25000"/>
+                </a:schemeClr>
+              </a:solidFill>
+            </a:endParaRPr>
+          </a:p>
+        </p:txBody>
+      </p:sp>
     </p:spTree>
     <p:extLst>
       <p:ext uri="{BB962C8B-B14F-4D97-AF65-F5344CB8AC3E}">
-        <p14:creationId xmlns:p14="http://schemas.microsoft.com/office/powerpoint/2010/main" val="148371852"/>
+        <p14:creationId xmlns:p14="http://schemas.microsoft.com/office/powerpoint/2010/main" val="2816780556"/>
       </p:ext>
     </p:extLst>
   </p:cSld>
@@ -6979,51 +7900,6 @@
       </p:grpSpPr>
       <p:sp>
         <p:nvSpPr>
-          <p:cNvPr id="3" name="Segnaposto contenuto 2"/>
-          <p:cNvSpPr>
-            <a:spLocks noGrp="1"/>
-          </p:cNvSpPr>
-          <p:nvPr>
-            <p:ph idx="1"/>
-          </p:nvPr>
-        </p:nvSpPr>
-        <p:spPr>
-          <a:xfrm>
-            <a:off x="457200" y="1676400"/>
-            <a:ext cx="8229600" cy="3429000"/>
-          </a:xfrm>
-        </p:spPr>
-        <p:txBody>
-          <a:bodyPr/>
-          <a:lstStyle/>
-          <a:p>
-            <a:pPr algn="ctr">
-              <a:buNone/>
-            </a:pPr>
-            <a:endParaRPr lang="en-US" dirty="0" smtClean="0"/>
-          </a:p>
-          <a:p>
-            <a:r>
-              <a:rPr lang="en-US" dirty="0" smtClean="0"/>
-              <a:t>Azure Always Encrypted Client Technology based on CMK &amp;CEK </a:t>
-            </a:r>
-          </a:p>
-          <a:p>
-            <a:r>
-              <a:rPr lang="en-US" dirty="0" smtClean="0"/>
-              <a:t>Azure Transparent Data Encryption (TDE) as server-side default encryption for data at rest. It encrypts the whole server or the database files with either a custom or managed key.</a:t>
-            </a:r>
-          </a:p>
-          <a:p>
-            <a:endParaRPr lang="en-US" dirty="0" smtClean="0"/>
-          </a:p>
-          <a:p>
-            <a:endParaRPr lang="en-US" dirty="0"/>
-          </a:p>
-        </p:txBody>
-      </p:sp>
-      <p:sp>
-        <p:nvSpPr>
           <p:cNvPr id="4" name="Segnaposto data 3"/>
           <p:cNvSpPr>
             <a:spLocks noGrp="1"/>
@@ -7072,7 +7948,7 @@
       </p:sp>
       <p:sp>
         <p:nvSpPr>
-          <p:cNvPr id="8" name="Sottotitolo 7"/>
+          <p:cNvPr id="6" name="Sottotitolo 7"/>
           <p:cNvSpPr>
             <a:spLocks noGrp="1"/>
           </p:cNvSpPr>
@@ -7082,8 +7958,8 @@
         </p:nvSpPr>
         <p:spPr>
           <a:xfrm>
-            <a:off x="1295400" y="1066800"/>
-            <a:ext cx="6400800" cy="457200"/>
+            <a:off x="2514600" y="974725"/>
+            <a:ext cx="4267200" cy="457200"/>
           </a:xfrm>
         </p:spPr>
         <p:txBody>
@@ -7091,16 +7967,12 @@
           <a:lstStyle/>
           <a:p>
             <a:r>
-              <a:rPr lang="en-US" b="1" dirty="0" smtClean="0">
+              <a:rPr lang="en-US" dirty="0" smtClean="0">
                 <a:solidFill>
                   <a:schemeClr val="tx1"/>
                 </a:solidFill>
               </a:rPr>
-              <a:t>Summary on </a:t>
-            </a:r>
-            <a:r>
-              <a:rPr lang="en-US" b="1" dirty="0" smtClean="0"/>
-              <a:t>Encryption</a:t>
+              <a:t>How does SSE work?</a:t>
             </a:r>
             <a:endParaRPr lang="en-US" dirty="0">
               <a:solidFill>
@@ -7110,10 +7982,39 @@
           </a:p>
         </p:txBody>
       </p:sp>
+      <p:pic>
+        <p:nvPicPr>
+          <p:cNvPr id="9" name="Content Placeholder 8"/>
+          <p:cNvPicPr>
+            <a:picLocks noGrp="1" noChangeAspect="1"/>
+          </p:cNvPicPr>
+          <p:nvPr>
+            <p:ph idx="1"/>
+          </p:nvPr>
+        </p:nvPicPr>
+        <p:blipFill>
+          <a:blip r:embed="rId2" cstate="print">
+            <a:extLst>
+              <a:ext uri="{28A0092B-C50C-407E-A947-70E740481C1C}">
+                <a14:useLocalDpi xmlns:a14="http://schemas.microsoft.com/office/drawing/2010/main" val="0"/>
+              </a:ext>
+            </a:extLst>
+          </a:blip>
+          <a:stretch>
+            <a:fillRect/>
+          </a:stretch>
+        </p:blipFill>
+        <p:spPr>
+          <a:xfrm>
+            <a:off x="533400" y="1752600"/>
+            <a:ext cx="7972576" cy="3962400"/>
+          </a:xfrm>
+        </p:spPr>
+      </p:pic>
     </p:spTree>
     <p:extLst>
       <p:ext uri="{BB962C8B-B14F-4D97-AF65-F5344CB8AC3E}">
-        <p14:creationId xmlns:p14="http://schemas.microsoft.com/office/powerpoint/2010/main" val="1940513839"/>
+        <p14:creationId xmlns:p14="http://schemas.microsoft.com/office/powerpoint/2010/main" val="4174909128"/>
       </p:ext>
     </p:extLst>
   </p:cSld>
@@ -7147,35 +8048,64 @@
           <a:chExt cx="0" cy="0"/>
         </a:xfrm>
       </p:grpSpPr>
-      <p:pic>
-        <p:nvPicPr>
-          <p:cNvPr id="2" name="Content Placeholder 1"/>
-          <p:cNvPicPr>
-            <a:picLocks noGrp="1" noChangeAspect="1"/>
-          </p:cNvPicPr>
+      <p:sp>
+        <p:nvSpPr>
+          <p:cNvPr id="3" name="Segnaposto contenuto 2"/>
+          <p:cNvSpPr>
+            <a:spLocks noGrp="1"/>
+          </p:cNvSpPr>
           <p:nvPr>
             <p:ph idx="1"/>
           </p:nvPr>
-        </p:nvPicPr>
-        <p:blipFill>
-          <a:blip r:embed="rId2">
-            <a:extLst>
-              <a:ext uri="{28A0092B-C50C-407E-A947-70E740481C1C}">
-                <a14:useLocalDpi xmlns:a14="http://schemas.microsoft.com/office/drawing/2010/main" val="0"/>
-              </a:ext>
-            </a:extLst>
-          </a:blip>
-          <a:stretch>
-            <a:fillRect/>
-          </a:stretch>
-        </p:blipFill>
-        <p:spPr>
-          <a:xfrm>
-            <a:off x="1676400" y="1600200"/>
-            <a:ext cx="5702381" cy="4539096"/>
-          </a:xfrm>
-        </p:spPr>
-      </p:pic>
+        </p:nvSpPr>
+        <p:spPr/>
+        <p:txBody>
+          <a:bodyPr/>
+          <a:lstStyle/>
+          <a:p>
+            <a:r>
+              <a:rPr lang="en-US" dirty="0"/>
+              <a:t>Open Web Application Security </a:t>
+            </a:r>
+            <a:r>
+              <a:rPr lang="en-US" dirty="0" smtClean="0"/>
+              <a:t>Project (OWASP)</a:t>
+            </a:r>
+            <a:endParaRPr lang="en-US" dirty="0"/>
+          </a:p>
+          <a:p>
+            <a:r>
+              <a:rPr lang="en-US" dirty="0" smtClean="0"/>
+              <a:t>Secure Secrets </a:t>
+            </a:r>
+            <a:endParaRPr lang="en-US" dirty="0" smtClean="0"/>
+          </a:p>
+          <a:p>
+            <a:r>
+              <a:rPr lang="en-US" dirty="0" smtClean="0"/>
+              <a:t>Encryption</a:t>
+            </a:r>
+            <a:endParaRPr lang="en-US" dirty="0" smtClean="0"/>
+          </a:p>
+          <a:p>
+            <a:r>
+              <a:rPr lang="en-US" dirty="0" smtClean="0"/>
+              <a:t>Authorization</a:t>
+            </a:r>
+          </a:p>
+          <a:p>
+            <a:r>
+              <a:rPr lang="en-US" dirty="0" smtClean="0"/>
+              <a:t>Bad </a:t>
+            </a:r>
+            <a:r>
+              <a:rPr lang="en-US" dirty="0" smtClean="0"/>
+              <a:t>Practices</a:t>
+            </a:r>
+            <a:endParaRPr lang="en-US" dirty="0"/>
+          </a:p>
+        </p:txBody>
+      </p:sp>
       <p:sp>
         <p:nvSpPr>
           <p:cNvPr id="4" name="Segnaposto data 3"/>
@@ -7234,12 +8164,7 @@
             <p:ph type="subTitle" idx="14"/>
           </p:nvPr>
         </p:nvSpPr>
-        <p:spPr>
-          <a:xfrm>
-            <a:off x="1219200" y="1050304"/>
-            <a:ext cx="6400800" cy="457200"/>
-          </a:xfrm>
-        </p:spPr>
+        <p:spPr/>
         <p:txBody>
           <a:bodyPr/>
           <a:lstStyle/>
@@ -7250,7 +8175,7 @@
                   <a:schemeClr val="tx1"/>
                 </a:solidFill>
               </a:rPr>
-              <a:t>Threats</a:t>
+              <a:t>Overview</a:t>
             </a:r>
             <a:endParaRPr lang="en-US" b="1" dirty="0">
               <a:solidFill>
@@ -7261,11 +8186,6 @@
         </p:txBody>
       </p:sp>
     </p:spTree>
-    <p:extLst>
-      <p:ext uri="{BB962C8B-B14F-4D97-AF65-F5344CB8AC3E}">
-        <p14:creationId xmlns:p14="http://schemas.microsoft.com/office/powerpoint/2010/main" val="3822237958"/>
-      </p:ext>
-    </p:extLst>
   </p:cSld>
   <p:clrMapOvr>
     <a:masterClrMapping/>
@@ -7299,26 +8219,7 @@
       </p:grpSpPr>
       <p:sp>
         <p:nvSpPr>
-          <p:cNvPr id="2" name="Content Placeholder 1"/>
-          <p:cNvSpPr>
-            <a:spLocks noGrp="1"/>
-          </p:cNvSpPr>
-          <p:nvPr>
-            <p:ph idx="1"/>
-          </p:nvPr>
-        </p:nvSpPr>
-        <p:spPr/>
-        <p:txBody>
-          <a:bodyPr/>
-          <a:lstStyle/>
-          <a:p>
-            <a:endParaRPr lang="en-US"/>
-          </a:p>
-        </p:txBody>
-      </p:sp>
-      <p:sp>
-        <p:nvSpPr>
-          <p:cNvPr id="3" name="Date Placeholder 2"/>
+          <p:cNvPr id="4" name="Segnaposto data 3"/>
           <p:cNvSpPr>
             <a:spLocks noGrp="1"/>
           </p:cNvSpPr>
@@ -7342,7 +8243,7 @@
       </p:sp>
       <p:sp>
         <p:nvSpPr>
-          <p:cNvPr id="4" name="Slide Number Placeholder 3"/>
+          <p:cNvPr id="5" name="Segnaposto numero diapositiva 4"/>
           <p:cNvSpPr>
             <a:spLocks noGrp="1"/>
           </p:cNvSpPr>
@@ -7364,35 +8265,47 @@
           </a:p>
         </p:txBody>
       </p:sp>
-      <p:sp>
-        <p:nvSpPr>
-          <p:cNvPr id="5" name="Subtitle 4"/>
-          <p:cNvSpPr>
-            <a:spLocks noGrp="1"/>
-          </p:cNvSpPr>
-          <p:nvPr>
-            <p:ph type="subTitle" idx="14"/>
-          </p:nvPr>
-        </p:nvSpPr>
-        <p:spPr/>
-        <p:txBody>
-          <a:bodyPr/>
-          <a:lstStyle/>
-          <a:p>
-            <a:endParaRPr lang="en-US"/>
-          </a:p>
-        </p:txBody>
-      </p:sp>
+      <p:pic>
+        <p:nvPicPr>
+          <p:cNvPr id="10" name="Content Placeholder 9"/>
+          <p:cNvPicPr>
+            <a:picLocks noGrp="1" noChangeAspect="1"/>
+          </p:cNvPicPr>
+          <p:nvPr>
+            <p:ph idx="1"/>
+          </p:nvPr>
+        </p:nvPicPr>
+        <p:blipFill>
+          <a:blip r:embed="rId2">
+            <a:extLst>
+              <a:ext uri="{28A0092B-C50C-407E-A947-70E740481C1C}">
+                <a14:useLocalDpi xmlns:a14="http://schemas.microsoft.com/office/drawing/2010/main" val="0"/>
+              </a:ext>
+            </a:extLst>
+          </a:blip>
+          <a:stretch>
+            <a:fillRect/>
+          </a:stretch>
+        </p:blipFill>
+        <p:spPr>
+          <a:xfrm>
+            <a:off x="667558" y="1143000"/>
+            <a:ext cx="7967326" cy="4114800"/>
+          </a:xfrm>
+        </p:spPr>
+      </p:pic>
     </p:spTree>
-    <p:extLst>
-      <p:ext uri="{BB962C8B-B14F-4D97-AF65-F5344CB8AC3E}">
-        <p14:creationId xmlns:p14="http://schemas.microsoft.com/office/powerpoint/2010/main" val="4275870927"/>
-      </p:ext>
-    </p:extLst>
   </p:cSld>
   <p:clrMapOvr>
     <a:masterClrMapping/>
   </p:clrMapOvr>
+  <p:timing>
+    <p:tnLst>
+      <p:par>
+        <p:cTn id="1" dur="indefinite" restart="never" nodeType="tmRoot"/>
+      </p:par>
+    </p:tnLst>
+  </p:timing>
 </p:sld>
 </file>
 
@@ -7415,115 +8328,6 @@
       </p:grpSpPr>
       <p:sp>
         <p:nvSpPr>
-          <p:cNvPr id="3" name="Segnaposto contenuto 2"/>
-          <p:cNvSpPr>
-            <a:spLocks noGrp="1"/>
-          </p:cNvSpPr>
-          <p:nvPr>
-            <p:ph idx="1"/>
-          </p:nvPr>
-        </p:nvSpPr>
-        <p:spPr/>
-        <p:txBody>
-          <a:bodyPr>
-            <a:normAutofit fontScale="92500" lnSpcReduction="10000"/>
-          </a:bodyPr>
-          <a:lstStyle/>
-          <a:p>
-            <a:r>
-              <a:rPr lang="en-US" sz="1900" i="1" dirty="0" smtClean="0"/>
-              <a:t>Description of the new function </a:t>
-            </a:r>
-          </a:p>
-          <a:p>
-            <a:r>
-              <a:rPr lang="en-US" sz="1900" i="1" dirty="0" smtClean="0"/>
-              <a:t>Cases where the function is useful</a:t>
-            </a:r>
-          </a:p>
-          <a:p>
-            <a:r>
-              <a:rPr lang="en-US" sz="1900" i="1" dirty="0" smtClean="0"/>
-              <a:t>Business limitations</a:t>
-            </a:r>
-          </a:p>
-          <a:p>
-            <a:endParaRPr lang="en-US" sz="1900" i="1" dirty="0" smtClean="0"/>
-          </a:p>
-          <a:p>
-            <a:pPr>
-              <a:buNone/>
-            </a:pPr>
-            <a:r>
-              <a:rPr lang="en-US" sz="1900" i="1" dirty="0" smtClean="0"/>
-              <a:t>For example:</a:t>
-            </a:r>
-          </a:p>
-          <a:p>
-            <a:pPr>
-              <a:buNone/>
-            </a:pPr>
-            <a:r>
-              <a:rPr lang="en-US" sz="1900" i="1" dirty="0" smtClean="0"/>
-              <a:t> Additional cost management on purchase order. By this functionality AX can track all additional cost on purchase order such as:</a:t>
-            </a:r>
-          </a:p>
-          <a:p>
-            <a:pPr lvl="1"/>
-            <a:r>
-              <a:rPr lang="en-US" sz="1900" i="1" dirty="0" smtClean="0"/>
-              <a:t>packing cost</a:t>
-            </a:r>
-          </a:p>
-          <a:p>
-            <a:pPr lvl="1"/>
-            <a:r>
-              <a:rPr lang="en-US" sz="1900" i="1" dirty="0" smtClean="0"/>
-              <a:t>Transportation</a:t>
-            </a:r>
-          </a:p>
-          <a:p>
-            <a:pPr lvl="1"/>
-            <a:r>
-              <a:rPr lang="en-US" sz="1900" i="1" dirty="0" smtClean="0"/>
-              <a:t>Insurance</a:t>
-            </a:r>
-          </a:p>
-          <a:p>
-            <a:pPr lvl="1"/>
-            <a:r>
-              <a:rPr lang="en-US" sz="1900" i="1" dirty="0" smtClean="0"/>
-              <a:t>Etc.</a:t>
-            </a:r>
-          </a:p>
-          <a:p>
-            <a:pPr>
-              <a:buNone/>
-            </a:pPr>
-            <a:endParaRPr lang="en-US" i="1" dirty="0" smtClean="0"/>
-          </a:p>
-          <a:p>
-            <a:pPr>
-              <a:buNone/>
-            </a:pPr>
-            <a:endParaRPr lang="en-US" i="1" dirty="0" smtClean="0"/>
-          </a:p>
-          <a:p>
-            <a:pPr>
-              <a:buNone/>
-            </a:pPr>
-            <a:endParaRPr lang="en-US" i="1" dirty="0" smtClean="0"/>
-          </a:p>
-          <a:p>
-            <a:pPr>
-              <a:buNone/>
-            </a:pPr>
-            <a:endParaRPr lang="en-US" i="1" dirty="0"/>
-          </a:p>
-        </p:txBody>
-      </p:sp>
-      <p:sp>
-        <p:nvSpPr>
           <p:cNvPr id="4" name="Segnaposto data 3"/>
           <p:cNvSpPr>
             <a:spLocks noGrp="1"/>
@@ -7572,7 +8376,7 @@
       </p:sp>
       <p:sp>
         <p:nvSpPr>
-          <p:cNvPr id="7" name="Sottotitolo 6"/>
+          <p:cNvPr id="8" name="Sottotitolo 7"/>
           <p:cNvSpPr>
             <a:spLocks noGrp="1"/>
           </p:cNvSpPr>
@@ -7580,39 +8384,220 @@
             <p:ph type="subTitle" idx="14"/>
           </p:nvPr>
         </p:nvSpPr>
-        <p:spPr/>
-        <p:txBody>
-          <a:bodyPr/>
-          <a:lstStyle/>
-          <a:p>
+        <p:spPr>
+          <a:xfrm>
+            <a:off x="1295400" y="1187450"/>
+            <a:ext cx="6400800" cy="457200"/>
+          </a:xfrm>
+        </p:spPr>
+        <p:txBody>
+          <a:bodyPr/>
+          <a:lstStyle/>
+          <a:p>
+            <a:r>
+              <a:rPr lang="en-US" dirty="0" smtClean="0">
+                <a:solidFill>
+                  <a:schemeClr val="tx1"/>
+                </a:solidFill>
+              </a:rPr>
+              <a:t>Azure SQL Server Always-Encrypted technology</a:t>
+            </a:r>
+            <a:endParaRPr lang="en-US" dirty="0">
+              <a:solidFill>
+                <a:schemeClr val="tx1"/>
+              </a:solidFill>
+            </a:endParaRPr>
+          </a:p>
+        </p:txBody>
+      </p:sp>
+      <p:sp>
+        <p:nvSpPr>
+          <p:cNvPr id="2" name="Content Placeholder 1"/>
+          <p:cNvSpPr>
+            <a:spLocks noGrp="1"/>
+          </p:cNvSpPr>
+          <p:nvPr>
+            <p:ph idx="1"/>
+          </p:nvPr>
+        </p:nvSpPr>
+        <p:spPr>
+          <a:xfrm>
+            <a:off x="457200" y="1981200"/>
+            <a:ext cx="7924800" cy="3657600"/>
+          </a:xfrm>
+        </p:spPr>
+        <p:txBody>
+          <a:bodyPr/>
+          <a:lstStyle/>
+          <a:p>
+            <a:pPr algn="just"/>
+            <a:r>
+              <a:rPr lang="en-US" dirty="0">
+                <a:solidFill>
+                  <a:srgbClr val="000000"/>
+                </a:solidFill>
+                <a:latin typeface="Segoe UI" panose="020B0502040204020203" pitchFamily="34" charset="0"/>
+              </a:rPr>
+              <a:t>Encryption technology for Azure SQL </a:t>
+            </a:r>
+            <a:r>
+              <a:rPr lang="en-US" dirty="0" smtClean="0">
+                <a:solidFill>
+                  <a:srgbClr val="000000"/>
+                </a:solidFill>
+                <a:latin typeface="Segoe UI" panose="020B0502040204020203" pitchFamily="34" charset="0"/>
+              </a:rPr>
+              <a:t>Server</a:t>
+            </a:r>
+          </a:p>
+          <a:p>
+            <a:pPr algn="just"/>
+            <a:r>
+              <a:rPr lang="en-US" dirty="0">
+                <a:solidFill>
+                  <a:srgbClr val="000000"/>
+                </a:solidFill>
+                <a:latin typeface="Segoe UI" panose="020B0502040204020203" pitchFamily="34" charset="0"/>
+              </a:rPr>
+              <a:t>Info can be saved in Azure SQL Server Database in plain </a:t>
+            </a:r>
+            <a:r>
+              <a:rPr lang="en-US" dirty="0" smtClean="0">
+                <a:solidFill>
+                  <a:srgbClr val="000000"/>
+                </a:solidFill>
+                <a:latin typeface="Segoe UI" panose="020B0502040204020203" pitchFamily="34" charset="0"/>
+              </a:rPr>
+              <a:t>format</a:t>
+            </a:r>
+          </a:p>
+          <a:p>
+            <a:pPr algn="just"/>
+            <a:r>
+              <a:rPr lang="en-US" dirty="0" smtClean="0">
+                <a:solidFill>
+                  <a:srgbClr val="000000"/>
+                </a:solidFill>
+                <a:latin typeface="Segoe UI" panose="020B0502040204020203" pitchFamily="34" charset="0"/>
+              </a:rPr>
+              <a:t>Some information is </a:t>
+            </a:r>
             <a:r>
               <a:rPr lang="en-US" b="1" dirty="0" smtClean="0">
                 <a:solidFill>
-                  <a:schemeClr val="tx1"/>
-                </a:solidFill>
+                  <a:srgbClr val="000000"/>
+                </a:solidFill>
+                <a:latin typeface="Segoe UI" panose="020B0502040204020203" pitchFamily="34" charset="0"/>
               </a:rPr>
-              <a:t>Functionality</a:t>
+              <a:t>sensitive</a:t>
             </a:r>
             <a:r>
               <a:rPr lang="en-US" dirty="0" smtClean="0">
                 <a:solidFill>
-                  <a:schemeClr val="tx1"/>
-                </a:solidFill>
+                  <a:srgbClr val="000000"/>
+                </a:solidFill>
+                <a:latin typeface="Segoe UI" panose="020B0502040204020203" pitchFamily="34" charset="0"/>
               </a:rPr>
-              <a:t> </a:t>
-            </a:r>
+              <a:t> and should not be stored in plain format in a database i.e. SSN, financials, personal data, passwords, DOBs, salaries, etc.</a:t>
+            </a:r>
+          </a:p>
+          <a:p>
+            <a:pPr algn="just"/>
+            <a:r>
+              <a:rPr lang="en-US" dirty="0" smtClean="0">
+                <a:solidFill>
+                  <a:srgbClr val="000000"/>
+                </a:solidFill>
+                <a:latin typeface="Segoe UI" panose="020B0502040204020203" pitchFamily="34" charset="0"/>
+              </a:rPr>
+              <a:t>Protect the sensitive information i.e. DBAs need not know</a:t>
+            </a:r>
+          </a:p>
+          <a:p>
+            <a:pPr algn="just"/>
             <a:r>
               <a:rPr lang="en-US" b="1" dirty="0" smtClean="0">
                 <a:solidFill>
-                  <a:schemeClr val="tx1"/>
-                </a:solidFill>
+                  <a:srgbClr val="000000"/>
+                </a:solidFill>
+                <a:latin typeface="Segoe UI" panose="020B0502040204020203" pitchFamily="34" charset="0"/>
               </a:rPr>
-              <a:t>description</a:t>
-            </a:r>
+              <a:t>Encryption of sensitive columns of a database</a:t>
+            </a:r>
+          </a:p>
+          <a:p>
+            <a:pPr algn="just"/>
+            <a:r>
+              <a:rPr lang="en-US" dirty="0" smtClean="0">
+                <a:solidFill>
+                  <a:srgbClr val="000000"/>
+                </a:solidFill>
+                <a:latin typeface="Segoe UI" panose="020B0502040204020203" pitchFamily="34" charset="0"/>
+              </a:rPr>
+              <a:t>It’s a </a:t>
+            </a:r>
+            <a:r>
+              <a:rPr lang="en-US" b="1" dirty="0" smtClean="0">
+                <a:solidFill>
+                  <a:srgbClr val="000000"/>
+                </a:solidFill>
+                <a:latin typeface="Segoe UI" panose="020B0502040204020203" pitchFamily="34" charset="0"/>
+              </a:rPr>
+              <a:t>client-side</a:t>
+            </a:r>
+            <a:r>
+              <a:rPr lang="en-US" dirty="0" smtClean="0">
+                <a:solidFill>
+                  <a:srgbClr val="000000"/>
+                </a:solidFill>
+                <a:latin typeface="Segoe UI" panose="020B0502040204020203" pitchFamily="34" charset="0"/>
+              </a:rPr>
+              <a:t> technology that is the data is </a:t>
+            </a:r>
+            <a:r>
+              <a:rPr lang="en-US" b="1" dirty="0" smtClean="0">
+                <a:solidFill>
+                  <a:srgbClr val="000000"/>
+                </a:solidFill>
+                <a:latin typeface="Segoe UI" panose="020B0502040204020203" pitchFamily="34" charset="0"/>
+              </a:rPr>
+              <a:t>encrypted in transit </a:t>
+            </a:r>
+            <a:r>
+              <a:rPr lang="en-US" dirty="0" smtClean="0">
+                <a:solidFill>
+                  <a:srgbClr val="000000"/>
+                </a:solidFill>
+                <a:latin typeface="Segoe UI" panose="020B0502040204020203" pitchFamily="34" charset="0"/>
+              </a:rPr>
+              <a:t>and decrypted/encrypted on the client site</a:t>
+            </a:r>
+            <a:endParaRPr lang="en-US" dirty="0">
+              <a:solidFill>
+                <a:srgbClr val="000000"/>
+              </a:solidFill>
+              <a:latin typeface="Segoe UI" panose="020B0502040204020203" pitchFamily="34" charset="0"/>
+            </a:endParaRPr>
+          </a:p>
+          <a:p>
+            <a:endParaRPr lang="en-US" dirty="0">
+              <a:solidFill>
+                <a:srgbClr val="000000"/>
+              </a:solidFill>
+              <a:latin typeface="Segoe UI" panose="020B0502040204020203" pitchFamily="34" charset="0"/>
+            </a:endParaRPr>
+          </a:p>
+          <a:p>
+            <a:endParaRPr lang="en-US" dirty="0" smtClean="0"/>
           </a:p>
         </p:txBody>
       </p:sp>
     </p:spTree>
+    <p:extLst>
+      <p:ext uri="{BB962C8B-B14F-4D97-AF65-F5344CB8AC3E}">
+        <p14:creationId xmlns:p14="http://schemas.microsoft.com/office/powerpoint/2010/main" val="1281746700"/>
+      </p:ext>
+    </p:extLst>
   </p:cSld>
   <p:clrMapOvr>
     <a:masterClrMapping/>
@@ -7654,32 +8639,28 @@
             <p:ph idx="1"/>
           </p:nvPr>
         </p:nvSpPr>
-        <p:spPr/>
+        <p:spPr>
+          <a:xfrm>
+            <a:off x="457200" y="1905000"/>
+            <a:ext cx="8229600" cy="3429000"/>
+          </a:xfrm>
+        </p:spPr>
         <p:txBody>
           <a:bodyPr>
             <a:normAutofit/>
           </a:bodyPr>
           <a:lstStyle/>
           <a:p>
-            <a:endParaRPr lang="en-US" dirty="0" smtClean="0"/>
-          </a:p>
-          <a:p>
-            <a:pPr indent="0">
+            <a:pPr algn="ctr">
               <a:buNone/>
             </a:pPr>
-            <a:r>
-              <a:rPr lang="en-US" sz="1600" i="1" dirty="0" smtClean="0"/>
-              <a:t>Business Limitations </a:t>
-            </a:r>
-          </a:p>
-          <a:p>
-            <a:pPr indent="0">
-              <a:buNone/>
-            </a:pPr>
-            <a:r>
-              <a:rPr lang="en-US" sz="1600" i="1" dirty="0" smtClean="0"/>
-              <a:t>Example: If the additional cost has to be invoiced to a third party vendor, the functionality doesn't apply </a:t>
-            </a:r>
+            <a:endParaRPr lang="en-US" dirty="0" smtClean="0"/>
+          </a:p>
+          <a:p>
+            <a:endParaRPr lang="en-US" dirty="0" smtClean="0"/>
+          </a:p>
+          <a:p>
+            <a:endParaRPr lang="en-US" dirty="0"/>
           </a:p>
         </p:txBody>
       </p:sp>
@@ -7741,39 +8722,483 @@
             <p:ph type="subTitle" idx="14"/>
           </p:nvPr>
         </p:nvSpPr>
-        <p:spPr/>
-        <p:txBody>
-          <a:bodyPr/>
-          <a:lstStyle/>
-          <a:p>
+        <p:spPr>
+          <a:xfrm>
+            <a:off x="1295400" y="1066800"/>
+            <a:ext cx="6400800" cy="457200"/>
+          </a:xfrm>
+        </p:spPr>
+        <p:txBody>
+          <a:bodyPr/>
+          <a:lstStyle/>
+          <a:p>
+            <a:r>
+              <a:rPr lang="en-US" dirty="0" smtClean="0">
+                <a:solidFill>
+                  <a:schemeClr val="tx1"/>
+                </a:solidFill>
+              </a:rPr>
+              <a:t>How does Always-Encrypted work?</a:t>
+            </a:r>
+            <a:endParaRPr lang="en-US" dirty="0">
+              <a:solidFill>
+                <a:schemeClr val="tx1"/>
+              </a:solidFill>
+            </a:endParaRPr>
+          </a:p>
+        </p:txBody>
+      </p:sp>
+      <p:sp>
+        <p:nvSpPr>
+          <p:cNvPr id="6" name="Segnaposto contenuto 2"/>
+          <p:cNvSpPr txBox="1">
+            <a:spLocks/>
+          </p:cNvSpPr>
+          <p:nvPr/>
+        </p:nvSpPr>
+        <p:spPr>
+          <a:xfrm>
+            <a:off x="457200" y="1905000"/>
+            <a:ext cx="8229600" cy="3886200"/>
+          </a:xfrm>
+          <a:prstGeom prst="rect">
+            <a:avLst/>
+          </a:prstGeom>
+          <a:ln w="3175">
+            <a:solidFill>
+              <a:schemeClr val="bg1"/>
+            </a:solidFill>
+          </a:ln>
+        </p:spPr>
+        <p:txBody>
+          <a:bodyPr vert="horz" lIns="91440" tIns="45720" rIns="91440" bIns="45720" rtlCol="0">
+            <a:normAutofit/>
+          </a:bodyPr>
+          <a:lstStyle>
+            <a:lvl1pPr marL="342900" indent="-342900" algn="l" defTabSz="914400" rtl="0" eaLnBrk="1" latinLnBrk="0" hangingPunct="1">
+              <a:spcBef>
+                <a:spcPct val="20000"/>
+              </a:spcBef>
+              <a:buFont typeface="Arial" pitchFamily="34" charset="0"/>
+              <a:buChar char="•"/>
+              <a:defRPr sz="2000" kern="1200">
+                <a:solidFill>
+                  <a:schemeClr val="tx1"/>
+                </a:solidFill>
+                <a:latin typeface="+mn-lt"/>
+                <a:ea typeface="+mn-ea"/>
+                <a:cs typeface="+mn-cs"/>
+              </a:defRPr>
+            </a:lvl1pPr>
+            <a:lvl2pPr marL="742950" indent="-285750" algn="l" defTabSz="914400" rtl="0" eaLnBrk="1" latinLnBrk="0" hangingPunct="1">
+              <a:spcBef>
+                <a:spcPct val="20000"/>
+              </a:spcBef>
+              <a:buFont typeface="Arial" pitchFamily="34" charset="0"/>
+              <a:buChar char="–"/>
+              <a:defRPr sz="1800" kern="1200">
+                <a:solidFill>
+                  <a:schemeClr val="tx1"/>
+                </a:solidFill>
+                <a:latin typeface="+mn-lt"/>
+                <a:ea typeface="+mn-ea"/>
+                <a:cs typeface="+mn-cs"/>
+              </a:defRPr>
+            </a:lvl2pPr>
+            <a:lvl3pPr marL="1143000" indent="-228600" algn="l" defTabSz="914400" rtl="0" eaLnBrk="1" latinLnBrk="0" hangingPunct="1">
+              <a:spcBef>
+                <a:spcPct val="20000"/>
+              </a:spcBef>
+              <a:buFont typeface="Arial" pitchFamily="34" charset="0"/>
+              <a:buChar char="•"/>
+              <a:defRPr sz="1600" kern="1200">
+                <a:solidFill>
+                  <a:schemeClr val="tx1"/>
+                </a:solidFill>
+                <a:latin typeface="+mn-lt"/>
+                <a:ea typeface="+mn-ea"/>
+                <a:cs typeface="+mn-cs"/>
+              </a:defRPr>
+            </a:lvl3pPr>
+            <a:lvl4pPr marL="1600200" indent="-228600" algn="l" defTabSz="914400" rtl="0" eaLnBrk="1" latinLnBrk="0" hangingPunct="1">
+              <a:spcBef>
+                <a:spcPct val="20000"/>
+              </a:spcBef>
+              <a:buFont typeface="Arial" pitchFamily="34" charset="0"/>
+              <a:buChar char="–"/>
+              <a:defRPr sz="1400" kern="1200">
+                <a:solidFill>
+                  <a:schemeClr val="tx1"/>
+                </a:solidFill>
+                <a:latin typeface="+mn-lt"/>
+                <a:ea typeface="+mn-ea"/>
+                <a:cs typeface="+mn-cs"/>
+              </a:defRPr>
+            </a:lvl4pPr>
+            <a:lvl5pPr marL="2057400" indent="-228600" algn="l" defTabSz="914400" rtl="0" eaLnBrk="1" latinLnBrk="0" hangingPunct="1">
+              <a:spcBef>
+                <a:spcPct val="20000"/>
+              </a:spcBef>
+              <a:buFont typeface="Arial" pitchFamily="34" charset="0"/>
+              <a:buChar char="»"/>
+              <a:defRPr sz="1400" kern="1200">
+                <a:solidFill>
+                  <a:schemeClr val="tx1"/>
+                </a:solidFill>
+                <a:latin typeface="+mn-lt"/>
+                <a:ea typeface="+mn-ea"/>
+                <a:cs typeface="+mn-cs"/>
+              </a:defRPr>
+            </a:lvl5pPr>
+            <a:lvl6pPr marL="2514600" indent="-228600" algn="l" defTabSz="914400" rtl="0" eaLnBrk="1" latinLnBrk="0" hangingPunct="1">
+              <a:spcBef>
+                <a:spcPct val="20000"/>
+              </a:spcBef>
+              <a:buFont typeface="Arial" pitchFamily="34" charset="0"/>
+              <a:buChar char="•"/>
+              <a:defRPr sz="2000" kern="1200">
+                <a:solidFill>
+                  <a:schemeClr val="tx1"/>
+                </a:solidFill>
+                <a:latin typeface="+mn-lt"/>
+                <a:ea typeface="+mn-ea"/>
+                <a:cs typeface="+mn-cs"/>
+              </a:defRPr>
+            </a:lvl6pPr>
+            <a:lvl7pPr marL="2971800" indent="-228600" algn="l" defTabSz="914400" rtl="0" eaLnBrk="1" latinLnBrk="0" hangingPunct="1">
+              <a:spcBef>
+                <a:spcPct val="20000"/>
+              </a:spcBef>
+              <a:buFont typeface="Arial" pitchFamily="34" charset="0"/>
+              <a:buChar char="•"/>
+              <a:defRPr sz="2000" kern="1200">
+                <a:solidFill>
+                  <a:schemeClr val="tx1"/>
+                </a:solidFill>
+                <a:latin typeface="+mn-lt"/>
+                <a:ea typeface="+mn-ea"/>
+                <a:cs typeface="+mn-cs"/>
+              </a:defRPr>
+            </a:lvl7pPr>
+            <a:lvl8pPr marL="3429000" indent="-228600" algn="l" defTabSz="914400" rtl="0" eaLnBrk="1" latinLnBrk="0" hangingPunct="1">
+              <a:spcBef>
+                <a:spcPct val="20000"/>
+              </a:spcBef>
+              <a:buFont typeface="Arial" pitchFamily="34" charset="0"/>
+              <a:buChar char="•"/>
+              <a:defRPr sz="2000" kern="1200">
+                <a:solidFill>
+                  <a:schemeClr val="tx1"/>
+                </a:solidFill>
+                <a:latin typeface="+mn-lt"/>
+                <a:ea typeface="+mn-ea"/>
+                <a:cs typeface="+mn-cs"/>
+              </a:defRPr>
+            </a:lvl8pPr>
+            <a:lvl9pPr marL="3886200" indent="-228600" algn="l" defTabSz="914400" rtl="0" eaLnBrk="1" latinLnBrk="0" hangingPunct="1">
+              <a:spcBef>
+                <a:spcPct val="20000"/>
+              </a:spcBef>
+              <a:buFont typeface="Arial" pitchFamily="34" charset="0"/>
+              <a:buChar char="•"/>
+              <a:defRPr sz="2000" kern="1200">
+                <a:solidFill>
+                  <a:schemeClr val="tx1"/>
+                </a:solidFill>
+                <a:latin typeface="+mn-lt"/>
+                <a:ea typeface="+mn-ea"/>
+                <a:cs typeface="+mn-cs"/>
+              </a:defRPr>
+            </a:lvl9pPr>
+          </a:lstStyle>
+          <a:p>
+            <a:pPr algn="just"/>
+            <a:r>
+              <a:rPr lang="en-US" dirty="0" smtClean="0">
+                <a:solidFill>
+                  <a:srgbClr val="000000"/>
+                </a:solidFill>
+                <a:latin typeface="Segoe UI" panose="020B0502040204020203" pitchFamily="34" charset="0"/>
+              </a:rPr>
+              <a:t>There are two keys involved the CEK and the CMK</a:t>
+            </a:r>
+          </a:p>
+          <a:p>
+            <a:pPr algn="just"/>
+            <a:r>
+              <a:rPr lang="en-US" dirty="0" smtClean="0">
+                <a:solidFill>
+                  <a:srgbClr val="000000"/>
+                </a:solidFill>
+                <a:latin typeface="Segoe UI" panose="020B0502040204020203" pitchFamily="34" charset="0"/>
+              </a:rPr>
+              <a:t>These keys can be created using SSMS</a:t>
+            </a:r>
+          </a:p>
+          <a:p>
+            <a:pPr algn="just"/>
+            <a:r>
+              <a:rPr lang="en-US" dirty="0" smtClean="0">
+                <a:solidFill>
+                  <a:srgbClr val="000000"/>
+                </a:solidFill>
+                <a:latin typeface="Segoe UI" panose="020B0502040204020203" pitchFamily="34" charset="0"/>
+              </a:rPr>
+              <a:t>The </a:t>
+            </a:r>
             <a:r>
               <a:rPr lang="en-US" b="1" dirty="0" smtClean="0">
                 <a:solidFill>
-                  <a:schemeClr val="tx1"/>
-                </a:solidFill>
+                  <a:srgbClr val="000000"/>
+                </a:solidFill>
+                <a:latin typeface="Segoe UI" panose="020B0502040204020203" pitchFamily="34" charset="0"/>
               </a:rPr>
-              <a:t>Functionality</a:t>
+              <a:t>CMK</a:t>
             </a:r>
             <a:r>
               <a:rPr lang="en-US" dirty="0" smtClean="0">
                 <a:solidFill>
-                  <a:schemeClr val="tx1"/>
-                </a:solidFill>
+                  <a:srgbClr val="000000"/>
+                </a:solidFill>
+                <a:latin typeface="Segoe UI" panose="020B0502040204020203" pitchFamily="34" charset="0"/>
               </a:rPr>
-              <a:t> </a:t>
+              <a:t> is stored on Azure Key Vault</a:t>
+            </a:r>
+          </a:p>
+          <a:p>
+            <a:pPr algn="just"/>
+            <a:r>
+              <a:rPr lang="en-US" dirty="0">
+                <a:solidFill>
+                  <a:srgbClr val="000000"/>
+                </a:solidFill>
+                <a:latin typeface="Segoe UI" panose="020B0502040204020203" pitchFamily="34" charset="0"/>
+              </a:rPr>
+              <a:t>The </a:t>
+            </a:r>
+            <a:r>
+              <a:rPr lang="en-US" b="1" dirty="0">
+                <a:solidFill>
+                  <a:srgbClr val="000000"/>
+                </a:solidFill>
+                <a:latin typeface="Segoe UI" panose="020B0502040204020203" pitchFamily="34" charset="0"/>
+              </a:rPr>
+              <a:t>CMK</a:t>
+            </a:r>
+            <a:r>
+              <a:rPr lang="en-US" dirty="0">
+                <a:solidFill>
+                  <a:srgbClr val="000000"/>
+                </a:solidFill>
+                <a:latin typeface="Segoe UI" panose="020B0502040204020203" pitchFamily="34" charset="0"/>
+              </a:rPr>
+              <a:t> is </a:t>
+            </a:r>
+            <a:r>
+              <a:rPr lang="en-US" dirty="0" smtClean="0">
+                <a:solidFill>
+                  <a:srgbClr val="000000"/>
+                </a:solidFill>
+                <a:latin typeface="Segoe UI" panose="020B0502040204020203" pitchFamily="34" charset="0"/>
+              </a:rPr>
+              <a:t>used to encrypt and decrypt the </a:t>
             </a:r>
             <a:r>
               <a:rPr lang="en-US" b="1" dirty="0" smtClean="0">
                 <a:solidFill>
-                  <a:schemeClr val="tx1"/>
-                </a:solidFill>
+                  <a:srgbClr val="000000"/>
+                </a:solidFill>
+                <a:latin typeface="Segoe UI" panose="020B0502040204020203" pitchFamily="34" charset="0"/>
               </a:rPr>
-              <a:t>description</a:t>
-            </a:r>
+              <a:t>CEK </a:t>
+            </a:r>
+            <a:r>
+              <a:rPr lang="en-US" dirty="0" smtClean="0">
+                <a:solidFill>
+                  <a:srgbClr val="000000"/>
+                </a:solidFill>
+                <a:latin typeface="Segoe UI" panose="020B0502040204020203" pitchFamily="34" charset="0"/>
+              </a:rPr>
+              <a:t>on the client side</a:t>
+            </a:r>
+          </a:p>
+          <a:p>
+            <a:pPr algn="just"/>
+            <a:r>
+              <a:rPr lang="en-US" dirty="0" smtClean="0">
+                <a:solidFill>
+                  <a:srgbClr val="000000"/>
+                </a:solidFill>
+                <a:latin typeface="Segoe UI" panose="020B0502040204020203" pitchFamily="34" charset="0"/>
+              </a:rPr>
+              <a:t>The </a:t>
+            </a:r>
+            <a:r>
+              <a:rPr lang="en-US" b="1" dirty="0" smtClean="0">
+                <a:solidFill>
+                  <a:srgbClr val="000000"/>
+                </a:solidFill>
+                <a:latin typeface="Segoe UI" panose="020B0502040204020203" pitchFamily="34" charset="0"/>
+              </a:rPr>
+              <a:t>CEK</a:t>
+            </a:r>
+            <a:r>
+              <a:rPr lang="en-US" dirty="0" smtClean="0">
+                <a:solidFill>
+                  <a:srgbClr val="000000"/>
+                </a:solidFill>
+                <a:latin typeface="Segoe UI" panose="020B0502040204020203" pitchFamily="34" charset="0"/>
+              </a:rPr>
+              <a:t> is stored in the database </a:t>
+            </a:r>
+            <a:r>
+              <a:rPr lang="en-US" u="sng" dirty="0" smtClean="0">
+                <a:solidFill>
+                  <a:srgbClr val="000000"/>
+                </a:solidFill>
+                <a:latin typeface="Segoe UI" panose="020B0502040204020203" pitchFamily="34" charset="0"/>
+              </a:rPr>
+              <a:t>as encrypted key</a:t>
+            </a:r>
+          </a:p>
+          <a:p>
+            <a:pPr algn="just"/>
+            <a:r>
+              <a:rPr lang="en-US" dirty="0" smtClean="0">
+                <a:solidFill>
+                  <a:srgbClr val="000000"/>
+                </a:solidFill>
+                <a:latin typeface="Segoe UI" panose="020B0502040204020203" pitchFamily="34" charset="0"/>
+              </a:rPr>
+              <a:t>Clients read data from the database </a:t>
+            </a:r>
+            <a:r>
+              <a:rPr lang="en-US" u="sng" dirty="0" smtClean="0">
+                <a:solidFill>
+                  <a:srgbClr val="000000"/>
+                </a:solidFill>
+                <a:latin typeface="Segoe UI" panose="020B0502040204020203" pitchFamily="34" charset="0"/>
+              </a:rPr>
+              <a:t>together with the encrypted CEK</a:t>
+            </a:r>
+            <a:r>
+              <a:rPr lang="en-US" dirty="0" smtClean="0">
+                <a:solidFill>
+                  <a:srgbClr val="000000"/>
+                </a:solidFill>
+                <a:latin typeface="Segoe UI" panose="020B0502040204020203" pitchFamily="34" charset="0"/>
+              </a:rPr>
+              <a:t> but need the CMK to decrypt encrypted columns</a:t>
+            </a:r>
+            <a:endParaRPr lang="en-US" u="sng" dirty="0" smtClean="0">
+              <a:solidFill>
+                <a:srgbClr val="000000"/>
+              </a:solidFill>
+              <a:latin typeface="Segoe UI" panose="020B0502040204020203" pitchFamily="34" charset="0"/>
+            </a:endParaRPr>
+          </a:p>
+          <a:p>
+            <a:pPr algn="just"/>
+            <a:r>
+              <a:rPr lang="en-US" dirty="0">
+                <a:solidFill>
+                  <a:srgbClr val="000000"/>
+                </a:solidFill>
+                <a:latin typeface="Segoe UI" panose="020B0502040204020203" pitchFamily="34" charset="0"/>
+              </a:rPr>
+              <a:t>Any </a:t>
+            </a:r>
+            <a:r>
+              <a:rPr lang="en-US" b="1" dirty="0">
+                <a:solidFill>
+                  <a:srgbClr val="000000"/>
+                </a:solidFill>
+                <a:latin typeface="Segoe UI" panose="020B0502040204020203" pitchFamily="34" charset="0"/>
+              </a:rPr>
+              <a:t>registered Azure AD </a:t>
+            </a:r>
+            <a:r>
+              <a:rPr lang="en-US" b="1" dirty="0" smtClean="0">
+                <a:solidFill>
+                  <a:srgbClr val="000000"/>
+                </a:solidFill>
+                <a:latin typeface="Segoe UI" panose="020B0502040204020203" pitchFamily="34" charset="0"/>
+              </a:rPr>
+              <a:t>identity </a:t>
+            </a:r>
+            <a:r>
+              <a:rPr lang="en-US" dirty="0" smtClean="0">
+                <a:solidFill>
+                  <a:srgbClr val="000000"/>
+                </a:solidFill>
+                <a:latin typeface="Segoe UI" panose="020B0502040204020203" pitchFamily="34" charset="0"/>
+              </a:rPr>
+              <a:t>with </a:t>
+            </a:r>
+            <a:r>
+              <a:rPr lang="en-US" dirty="0">
+                <a:solidFill>
+                  <a:srgbClr val="000000"/>
+                </a:solidFill>
+                <a:latin typeface="Segoe UI" panose="020B0502040204020203" pitchFamily="34" charset="0"/>
+              </a:rPr>
+              <a:t>proper </a:t>
+            </a:r>
+            <a:r>
+              <a:rPr lang="en-US" dirty="0" smtClean="0">
+                <a:solidFill>
+                  <a:srgbClr val="000000"/>
+                </a:solidFill>
+                <a:latin typeface="Segoe UI" panose="020B0502040204020203" pitchFamily="34" charset="0"/>
+              </a:rPr>
+              <a:t>claims to read the </a:t>
+            </a:r>
+            <a:r>
+              <a:rPr lang="en-US" b="1" dirty="0" smtClean="0">
+                <a:solidFill>
+                  <a:srgbClr val="000000"/>
+                </a:solidFill>
+                <a:latin typeface="Segoe UI" panose="020B0502040204020203" pitchFamily="34" charset="0"/>
+              </a:rPr>
+              <a:t>CMK</a:t>
+            </a:r>
+            <a:r>
+              <a:rPr lang="en-US" dirty="0" smtClean="0">
+                <a:solidFill>
+                  <a:srgbClr val="000000"/>
+                </a:solidFill>
+                <a:latin typeface="Segoe UI" panose="020B0502040204020203" pitchFamily="34" charset="0"/>
+              </a:rPr>
+              <a:t> is able to decrypt the CEK and decrypt/encrypt data for protected columns</a:t>
+            </a:r>
+          </a:p>
+          <a:p>
+            <a:pPr algn="just"/>
+            <a:endParaRPr lang="en-US" dirty="0" smtClean="0">
+              <a:solidFill>
+                <a:srgbClr val="000000"/>
+              </a:solidFill>
+              <a:latin typeface="Segoe UI" panose="020B0502040204020203" pitchFamily="34" charset="0"/>
+            </a:endParaRPr>
+          </a:p>
+          <a:p>
+            <a:pPr algn="just"/>
+            <a:endParaRPr lang="en-US" dirty="0" smtClean="0"/>
+          </a:p>
+          <a:p>
+            <a:endParaRPr lang="en-US" dirty="0" smtClean="0"/>
+          </a:p>
+          <a:p>
+            <a:endParaRPr lang="en-US" dirty="0"/>
           </a:p>
         </p:txBody>
       </p:sp>
     </p:spTree>
+    <p:extLst>
+      <p:ext uri="{BB962C8B-B14F-4D97-AF65-F5344CB8AC3E}">
+        <p14:creationId xmlns:p14="http://schemas.microsoft.com/office/powerpoint/2010/main" val="3048345617"/>
+      </p:ext>
+    </p:extLst>
   </p:cSld>
   <p:clrMapOvr>
     <a:masterClrMapping/>
@@ -7805,49 +9230,35 @@
           <a:chExt cx="0" cy="0"/>
         </a:xfrm>
       </p:grpSpPr>
-      <p:sp>
-        <p:nvSpPr>
-          <p:cNvPr id="3" name="Segnaposto contenuto 2"/>
-          <p:cNvSpPr>
-            <a:spLocks noGrp="1"/>
-          </p:cNvSpPr>
+      <p:pic>
+        <p:nvPicPr>
+          <p:cNvPr id="3" name="Content Placeholder 2"/>
+          <p:cNvPicPr>
+            <a:picLocks noGrp="1" noChangeAspect="1"/>
+          </p:cNvPicPr>
           <p:nvPr>
             <p:ph idx="1"/>
           </p:nvPr>
-        </p:nvSpPr>
-        <p:spPr/>
-        <p:txBody>
-          <a:bodyPr/>
-          <a:lstStyle/>
-          <a:p>
-            <a:pPr algn="ctr">
-              <a:buNone/>
-            </a:pPr>
-            <a:endParaRPr lang="en-US" b="1" dirty="0" smtClean="0"/>
-          </a:p>
-          <a:p>
-            <a:pPr indent="0">
-              <a:buNone/>
-            </a:pPr>
-            <a:r>
-              <a:rPr lang="en-US" sz="1800" i="1" dirty="0" smtClean="0"/>
-              <a:t>Main forms and parameters  involved, in order to setup the functionality </a:t>
-            </a:r>
-          </a:p>
-          <a:p>
-            <a:pPr indent="0">
-              <a:buNone/>
-            </a:pPr>
-            <a:endParaRPr lang="en-US" i="1" dirty="0" smtClean="0"/>
-          </a:p>
-          <a:p>
-            <a:pPr indent="0">
-              <a:buNone/>
-            </a:pPr>
-            <a:endParaRPr lang="en-US" i="1" dirty="0"/>
-          </a:p>
-        </p:txBody>
-      </p:sp>
+        </p:nvPicPr>
+        <p:blipFill>
+          <a:blip r:embed="rId2">
+            <a:extLst>
+              <a:ext uri="{28A0092B-C50C-407E-A947-70E740481C1C}">
+                <a14:useLocalDpi xmlns:a14="http://schemas.microsoft.com/office/drawing/2010/main" val="0"/>
+              </a:ext>
+            </a:extLst>
+          </a:blip>
+          <a:stretch>
+            <a:fillRect/>
+          </a:stretch>
+        </p:blipFill>
+        <p:spPr>
+          <a:xfrm>
+            <a:off x="457200" y="1143000"/>
+            <a:ext cx="8055342" cy="4343400"/>
+          </a:xfrm>
+        </p:spPr>
+      </p:pic>
       <p:sp>
         <p:nvSpPr>
           <p:cNvPr id="4" name="Segnaposto data 3"/>
@@ -7896,32 +9307,12 @@
           </a:p>
         </p:txBody>
       </p:sp>
-      <p:sp>
-        <p:nvSpPr>
-          <p:cNvPr id="8" name="Sottotitolo 7"/>
-          <p:cNvSpPr>
-            <a:spLocks noGrp="1"/>
-          </p:cNvSpPr>
-          <p:nvPr>
-            <p:ph type="subTitle" idx="14"/>
-          </p:nvPr>
-        </p:nvSpPr>
-        <p:spPr/>
-        <p:txBody>
-          <a:bodyPr/>
-          <a:lstStyle/>
-          <a:p>
-            <a:r>
-              <a:rPr lang="en-US" b="1" dirty="0" smtClean="0"/>
-              <a:t>AX modules involved and setup</a:t>
-            </a:r>
-          </a:p>
-          <a:p>
-            <a:endParaRPr lang="en-US" dirty="0"/>
-          </a:p>
-        </p:txBody>
-      </p:sp>
     </p:spTree>
+    <p:extLst>
+      <p:ext uri="{BB962C8B-B14F-4D97-AF65-F5344CB8AC3E}">
+        <p14:creationId xmlns:p14="http://schemas.microsoft.com/office/powerpoint/2010/main" val="2434566992"/>
+      </p:ext>
+    </p:extLst>
   </p:cSld>
   <p:clrMapOvr>
     <a:masterClrMapping/>
@@ -7963,19 +9354,56 @@
             <p:ph idx="1"/>
           </p:nvPr>
         </p:nvSpPr>
-        <p:spPr/>
-        <p:txBody>
-          <a:bodyPr/>
-          <a:lstStyle/>
-          <a:p>
-            <a:pPr>
+        <p:spPr>
+          <a:xfrm>
+            <a:off x="457200" y="1905000"/>
+            <a:ext cx="8229600" cy="3429000"/>
+          </a:xfrm>
+        </p:spPr>
+        <p:txBody>
+          <a:bodyPr>
+            <a:normAutofit/>
+          </a:bodyPr>
+          <a:lstStyle/>
+          <a:p>
+            <a:pPr algn="ctr">
               <a:buNone/>
             </a:pPr>
-            <a:r>
-              <a:rPr lang="en-US" i="1" dirty="0" smtClean="0"/>
-              <a:t>Demo steps</a:t>
-            </a:r>
-            <a:endParaRPr lang="en-US" i="1" dirty="0"/>
+            <a:endParaRPr lang="en-US" dirty="0" smtClean="0"/>
+          </a:p>
+          <a:p>
+            <a:r>
+              <a:rPr lang="en-US" dirty="0" smtClean="0"/>
+              <a:t>It offers two modes of columns encryption </a:t>
+            </a:r>
+            <a:r>
+              <a:rPr lang="en-US" b="1" dirty="0" smtClean="0"/>
+              <a:t>deterministic vs randomized</a:t>
+            </a:r>
+          </a:p>
+          <a:p>
+            <a:r>
+              <a:rPr lang="en-US" b="1" dirty="0" smtClean="0"/>
+              <a:t>Randomized</a:t>
+            </a:r>
+            <a:r>
+              <a:rPr lang="en-US" dirty="0" smtClean="0"/>
+              <a:t> offers higher security but it prevents some typical SQL operations such as joins, indexes, etc.</a:t>
+            </a:r>
+          </a:p>
+          <a:p>
+            <a:r>
+              <a:rPr lang="en-US" b="1" dirty="0" smtClean="0"/>
+              <a:t>Deterministic </a:t>
+            </a:r>
+            <a:r>
+              <a:rPr lang="en-US" dirty="0" smtClean="0"/>
+              <a:t>is less secure but it makes it possible to employ the usual SQL constructs i.e. joins, indexes, etc.</a:t>
+            </a:r>
+            <a:endParaRPr lang="en-US" b="1" dirty="0" smtClean="0"/>
+          </a:p>
+          <a:p>
+            <a:endParaRPr lang="en-US" dirty="0"/>
           </a:p>
         </p:txBody>
       </p:sp>
@@ -8037,20 +9465,25 @@
             <p:ph type="subTitle" idx="14"/>
           </p:nvPr>
         </p:nvSpPr>
-        <p:spPr/>
-        <p:txBody>
-          <a:bodyPr/>
-          <a:lstStyle/>
-          <a:p>
-            <a:r>
-              <a:rPr lang="en-US" b="1" dirty="0" smtClean="0">
+        <p:spPr>
+          <a:xfrm>
+            <a:off x="1295400" y="1066800"/>
+            <a:ext cx="6400800" cy="457200"/>
+          </a:xfrm>
+        </p:spPr>
+        <p:txBody>
+          <a:bodyPr/>
+          <a:lstStyle/>
+          <a:p>
+            <a:r>
+              <a:rPr lang="en-US" dirty="0" smtClean="0">
                 <a:solidFill>
                   <a:schemeClr val="tx1"/>
                 </a:solidFill>
               </a:rPr>
-              <a:t>Demo</a:t>
-            </a:r>
-            <a:endParaRPr lang="en-US" b="1" dirty="0">
+              <a:t>Always-Encrypted bonus</a:t>
+            </a:r>
+            <a:endParaRPr lang="en-US" dirty="0">
               <a:solidFill>
                 <a:schemeClr val="tx1"/>
               </a:solidFill>
@@ -8058,7 +9491,196 @@
           </a:p>
         </p:txBody>
       </p:sp>
+      <p:sp>
+        <p:nvSpPr>
+          <p:cNvPr id="6" name="Segnaposto contenuto 2"/>
+          <p:cNvSpPr txBox="1">
+            <a:spLocks/>
+          </p:cNvSpPr>
+          <p:nvPr/>
+        </p:nvSpPr>
+        <p:spPr>
+          <a:xfrm>
+            <a:off x="457200" y="1905000"/>
+            <a:ext cx="8229600" cy="3886200"/>
+          </a:xfrm>
+          <a:prstGeom prst="rect">
+            <a:avLst/>
+          </a:prstGeom>
+          <a:ln w="3175">
+            <a:solidFill>
+              <a:schemeClr val="bg1"/>
+            </a:solidFill>
+          </a:ln>
+        </p:spPr>
+        <p:txBody>
+          <a:bodyPr vert="horz" lIns="91440" tIns="45720" rIns="91440" bIns="45720" rtlCol="0">
+            <a:normAutofit/>
+          </a:bodyPr>
+          <a:lstStyle>
+            <a:lvl1pPr marL="342900" indent="-342900" algn="l" defTabSz="914400" rtl="0" eaLnBrk="1" latinLnBrk="0" hangingPunct="1">
+              <a:spcBef>
+                <a:spcPct val="20000"/>
+              </a:spcBef>
+              <a:buFont typeface="Arial" pitchFamily="34" charset="0"/>
+              <a:buChar char="•"/>
+              <a:defRPr sz="2000" kern="1200">
+                <a:solidFill>
+                  <a:schemeClr val="tx1"/>
+                </a:solidFill>
+                <a:latin typeface="+mn-lt"/>
+                <a:ea typeface="+mn-ea"/>
+                <a:cs typeface="+mn-cs"/>
+              </a:defRPr>
+            </a:lvl1pPr>
+            <a:lvl2pPr marL="742950" indent="-285750" algn="l" defTabSz="914400" rtl="0" eaLnBrk="1" latinLnBrk="0" hangingPunct="1">
+              <a:spcBef>
+                <a:spcPct val="20000"/>
+              </a:spcBef>
+              <a:buFont typeface="Arial" pitchFamily="34" charset="0"/>
+              <a:buChar char="–"/>
+              <a:defRPr sz="1800" kern="1200">
+                <a:solidFill>
+                  <a:schemeClr val="tx1"/>
+                </a:solidFill>
+                <a:latin typeface="+mn-lt"/>
+                <a:ea typeface="+mn-ea"/>
+                <a:cs typeface="+mn-cs"/>
+              </a:defRPr>
+            </a:lvl2pPr>
+            <a:lvl3pPr marL="1143000" indent="-228600" algn="l" defTabSz="914400" rtl="0" eaLnBrk="1" latinLnBrk="0" hangingPunct="1">
+              <a:spcBef>
+                <a:spcPct val="20000"/>
+              </a:spcBef>
+              <a:buFont typeface="Arial" pitchFamily="34" charset="0"/>
+              <a:buChar char="•"/>
+              <a:defRPr sz="1600" kern="1200">
+                <a:solidFill>
+                  <a:schemeClr val="tx1"/>
+                </a:solidFill>
+                <a:latin typeface="+mn-lt"/>
+                <a:ea typeface="+mn-ea"/>
+                <a:cs typeface="+mn-cs"/>
+              </a:defRPr>
+            </a:lvl3pPr>
+            <a:lvl4pPr marL="1600200" indent="-228600" algn="l" defTabSz="914400" rtl="0" eaLnBrk="1" latinLnBrk="0" hangingPunct="1">
+              <a:spcBef>
+                <a:spcPct val="20000"/>
+              </a:spcBef>
+              <a:buFont typeface="Arial" pitchFamily="34" charset="0"/>
+              <a:buChar char="–"/>
+              <a:defRPr sz="1400" kern="1200">
+                <a:solidFill>
+                  <a:schemeClr val="tx1"/>
+                </a:solidFill>
+                <a:latin typeface="+mn-lt"/>
+                <a:ea typeface="+mn-ea"/>
+                <a:cs typeface="+mn-cs"/>
+              </a:defRPr>
+            </a:lvl4pPr>
+            <a:lvl5pPr marL="2057400" indent="-228600" algn="l" defTabSz="914400" rtl="0" eaLnBrk="1" latinLnBrk="0" hangingPunct="1">
+              <a:spcBef>
+                <a:spcPct val="20000"/>
+              </a:spcBef>
+              <a:buFont typeface="Arial" pitchFamily="34" charset="0"/>
+              <a:buChar char="»"/>
+              <a:defRPr sz="1400" kern="1200">
+                <a:solidFill>
+                  <a:schemeClr val="tx1"/>
+                </a:solidFill>
+                <a:latin typeface="+mn-lt"/>
+                <a:ea typeface="+mn-ea"/>
+                <a:cs typeface="+mn-cs"/>
+              </a:defRPr>
+            </a:lvl5pPr>
+            <a:lvl6pPr marL="2514600" indent="-228600" algn="l" defTabSz="914400" rtl="0" eaLnBrk="1" latinLnBrk="0" hangingPunct="1">
+              <a:spcBef>
+                <a:spcPct val="20000"/>
+              </a:spcBef>
+              <a:buFont typeface="Arial" pitchFamily="34" charset="0"/>
+              <a:buChar char="•"/>
+              <a:defRPr sz="2000" kern="1200">
+                <a:solidFill>
+                  <a:schemeClr val="tx1"/>
+                </a:solidFill>
+                <a:latin typeface="+mn-lt"/>
+                <a:ea typeface="+mn-ea"/>
+                <a:cs typeface="+mn-cs"/>
+              </a:defRPr>
+            </a:lvl6pPr>
+            <a:lvl7pPr marL="2971800" indent="-228600" algn="l" defTabSz="914400" rtl="0" eaLnBrk="1" latinLnBrk="0" hangingPunct="1">
+              <a:spcBef>
+                <a:spcPct val="20000"/>
+              </a:spcBef>
+              <a:buFont typeface="Arial" pitchFamily="34" charset="0"/>
+              <a:buChar char="•"/>
+              <a:defRPr sz="2000" kern="1200">
+                <a:solidFill>
+                  <a:schemeClr val="tx1"/>
+                </a:solidFill>
+                <a:latin typeface="+mn-lt"/>
+                <a:ea typeface="+mn-ea"/>
+                <a:cs typeface="+mn-cs"/>
+              </a:defRPr>
+            </a:lvl7pPr>
+            <a:lvl8pPr marL="3429000" indent="-228600" algn="l" defTabSz="914400" rtl="0" eaLnBrk="1" latinLnBrk="0" hangingPunct="1">
+              <a:spcBef>
+                <a:spcPct val="20000"/>
+              </a:spcBef>
+              <a:buFont typeface="Arial" pitchFamily="34" charset="0"/>
+              <a:buChar char="•"/>
+              <a:defRPr sz="2000" kern="1200">
+                <a:solidFill>
+                  <a:schemeClr val="tx1"/>
+                </a:solidFill>
+                <a:latin typeface="+mn-lt"/>
+                <a:ea typeface="+mn-ea"/>
+                <a:cs typeface="+mn-cs"/>
+              </a:defRPr>
+            </a:lvl8pPr>
+            <a:lvl9pPr marL="3886200" indent="-228600" algn="l" defTabSz="914400" rtl="0" eaLnBrk="1" latinLnBrk="0" hangingPunct="1">
+              <a:spcBef>
+                <a:spcPct val="20000"/>
+              </a:spcBef>
+              <a:buFont typeface="Arial" pitchFamily="34" charset="0"/>
+              <a:buChar char="•"/>
+              <a:defRPr sz="2000" kern="1200">
+                <a:solidFill>
+                  <a:schemeClr val="tx1"/>
+                </a:solidFill>
+                <a:latin typeface="+mn-lt"/>
+                <a:ea typeface="+mn-ea"/>
+                <a:cs typeface="+mn-cs"/>
+              </a:defRPr>
+            </a:lvl9pPr>
+          </a:lstStyle>
+          <a:p>
+            <a:pPr algn="just"/>
+            <a:endParaRPr lang="en-US" dirty="0" smtClean="0">
+              <a:solidFill>
+                <a:srgbClr val="000000"/>
+              </a:solidFill>
+              <a:latin typeface="Segoe UI" panose="020B0502040204020203" pitchFamily="34" charset="0"/>
+            </a:endParaRPr>
+          </a:p>
+          <a:p>
+            <a:pPr algn="just"/>
+            <a:endParaRPr lang="en-US" dirty="0" smtClean="0"/>
+          </a:p>
+          <a:p>
+            <a:endParaRPr lang="en-US" dirty="0" smtClean="0"/>
+          </a:p>
+          <a:p>
+            <a:endParaRPr lang="en-US" dirty="0"/>
+          </a:p>
+        </p:txBody>
+      </p:sp>
     </p:spTree>
+    <p:extLst>
+      <p:ext uri="{BB962C8B-B14F-4D97-AF65-F5344CB8AC3E}">
+        <p14:creationId xmlns:p14="http://schemas.microsoft.com/office/powerpoint/2010/main" val="2252938011"/>
+      </p:ext>
+    </p:extLst>
   </p:cSld>
   <p:clrMapOvr>
     <a:masterClrMapping/>
@@ -8092,25 +9714,6 @@
       </p:grpSpPr>
       <p:sp>
         <p:nvSpPr>
-          <p:cNvPr id="8" name="Segnaposto contenuto 7"/>
-          <p:cNvSpPr>
-            <a:spLocks noGrp="1"/>
-          </p:cNvSpPr>
-          <p:nvPr>
-            <p:ph idx="1"/>
-          </p:nvPr>
-        </p:nvSpPr>
-        <p:spPr/>
-        <p:txBody>
-          <a:bodyPr/>
-          <a:lstStyle/>
-          <a:p>
-            <a:endParaRPr lang="en-US" dirty="0"/>
-          </a:p>
-        </p:txBody>
-      </p:sp>
-      <p:sp>
-        <p:nvSpPr>
           <p:cNvPr id="4" name="Segnaposto data 3"/>
           <p:cNvSpPr>
             <a:spLocks noGrp="1"/>
@@ -8152,6 +9755,1216 @@
               <a:rPr lang="en-US" smtClean="0"/>
               <a:pPr/>
               <a:t>35</a:t>
+            </a:fld>
+            <a:endParaRPr lang="en-US"/>
+          </a:p>
+        </p:txBody>
+      </p:sp>
+      <p:pic>
+        <p:nvPicPr>
+          <p:cNvPr id="10" name="Content Placeholder 9"/>
+          <p:cNvPicPr>
+            <a:picLocks noGrp="1" noChangeAspect="1"/>
+          </p:cNvPicPr>
+          <p:nvPr>
+            <p:ph idx="1"/>
+          </p:nvPr>
+        </p:nvPicPr>
+        <p:blipFill>
+          <a:blip r:embed="rId2">
+            <a:extLst>
+              <a:ext uri="{28A0092B-C50C-407E-A947-70E740481C1C}">
+                <a14:useLocalDpi xmlns:a14="http://schemas.microsoft.com/office/drawing/2010/main" val="0"/>
+              </a:ext>
+            </a:extLst>
+          </a:blip>
+          <a:stretch>
+            <a:fillRect/>
+          </a:stretch>
+        </p:blipFill>
+        <p:spPr>
+          <a:xfrm>
+            <a:off x="667558" y="1143000"/>
+            <a:ext cx="7967326" cy="4114800"/>
+          </a:xfrm>
+        </p:spPr>
+      </p:pic>
+    </p:spTree>
+    <p:extLst>
+      <p:ext uri="{BB962C8B-B14F-4D97-AF65-F5344CB8AC3E}">
+        <p14:creationId xmlns:p14="http://schemas.microsoft.com/office/powerpoint/2010/main" val="3054435680"/>
+      </p:ext>
+    </p:extLst>
+  </p:cSld>
+  <p:clrMapOvr>
+    <a:masterClrMapping/>
+  </p:clrMapOvr>
+  <p:timing>
+    <p:tnLst>
+      <p:par>
+        <p:cTn id="1" dur="indefinite" restart="never" nodeType="tmRoot"/>
+      </p:par>
+    </p:tnLst>
+  </p:timing>
+</p:sld>
+</file>
+
+<file path=ppt/slides/slide36.xml><?xml version="1.0" encoding="utf-8"?>
+<p:sld xmlns:a="http://schemas.openxmlformats.org/drawingml/2006/main" xmlns:r="http://schemas.openxmlformats.org/officeDocument/2006/relationships" xmlns:p="http://schemas.openxmlformats.org/presentationml/2006/main">
+  <p:cSld>
+    <p:spTree>
+      <p:nvGrpSpPr>
+        <p:cNvPr id="1" name=""/>
+        <p:cNvGrpSpPr/>
+        <p:nvPr/>
+      </p:nvGrpSpPr>
+      <p:grpSpPr>
+        <a:xfrm>
+          <a:off x="0" y="0"/>
+          <a:ext cx="0" cy="0"/>
+          <a:chOff x="0" y="0"/>
+          <a:chExt cx="0" cy="0"/>
+        </a:xfrm>
+      </p:grpSpPr>
+      <p:sp>
+        <p:nvSpPr>
+          <p:cNvPr id="3" name="Segnaposto contenuto 2"/>
+          <p:cNvSpPr>
+            <a:spLocks noGrp="1"/>
+          </p:cNvSpPr>
+          <p:nvPr>
+            <p:ph idx="1"/>
+          </p:nvPr>
+        </p:nvSpPr>
+        <p:spPr>
+          <a:xfrm>
+            <a:off x="457200" y="1905000"/>
+            <a:ext cx="8229600" cy="3429000"/>
+          </a:xfrm>
+        </p:spPr>
+        <p:txBody>
+          <a:bodyPr>
+            <a:normAutofit/>
+          </a:bodyPr>
+          <a:lstStyle/>
+          <a:p>
+            <a:pPr algn="ctr">
+              <a:buNone/>
+            </a:pPr>
+            <a:endParaRPr lang="en-US" dirty="0" smtClean="0"/>
+          </a:p>
+          <a:p>
+            <a:endParaRPr lang="en-US" dirty="0" smtClean="0"/>
+          </a:p>
+          <a:p>
+            <a:endParaRPr lang="en-US" dirty="0"/>
+          </a:p>
+        </p:txBody>
+      </p:sp>
+      <p:sp>
+        <p:nvSpPr>
+          <p:cNvPr id="4" name="Segnaposto data 3"/>
+          <p:cNvSpPr>
+            <a:spLocks noGrp="1"/>
+          </p:cNvSpPr>
+          <p:nvPr>
+            <p:ph type="dt" sz="half" idx="10"/>
+          </p:nvPr>
+        </p:nvSpPr>
+        <p:spPr/>
+        <p:txBody>
+          <a:bodyPr/>
+          <a:lstStyle/>
+          <a:p>
+            <a:fld id="{F8078618-4CAE-48E8-A205-9D92A68D094A}" type="datetime1">
+              <a:rPr lang="en-US" smtClean="0"/>
+              <a:pPr/>
+              <a:t>5/14/2019</a:t>
+            </a:fld>
+            <a:endParaRPr lang="en-US"/>
+          </a:p>
+        </p:txBody>
+      </p:sp>
+      <p:sp>
+        <p:nvSpPr>
+          <p:cNvPr id="5" name="Segnaposto numero diapositiva 4"/>
+          <p:cNvSpPr>
+            <a:spLocks noGrp="1"/>
+          </p:cNvSpPr>
+          <p:nvPr>
+            <p:ph type="sldNum" sz="quarter" idx="12"/>
+          </p:nvPr>
+        </p:nvSpPr>
+        <p:spPr/>
+        <p:txBody>
+          <a:bodyPr/>
+          <a:lstStyle/>
+          <a:p>
+            <a:fld id="{02623B3A-910D-43F4-BBA9-9429D5B0014D}" type="slidenum">
+              <a:rPr lang="en-US" smtClean="0"/>
+              <a:pPr/>
+              <a:t>36</a:t>
+            </a:fld>
+            <a:endParaRPr lang="en-US"/>
+          </a:p>
+        </p:txBody>
+      </p:sp>
+      <p:sp>
+        <p:nvSpPr>
+          <p:cNvPr id="8" name="Sottotitolo 7"/>
+          <p:cNvSpPr>
+            <a:spLocks noGrp="1"/>
+          </p:cNvSpPr>
+          <p:nvPr>
+            <p:ph type="subTitle" idx="14"/>
+          </p:nvPr>
+        </p:nvSpPr>
+        <p:spPr>
+          <a:xfrm>
+            <a:off x="1143000" y="1111250"/>
+            <a:ext cx="6400800" cy="457200"/>
+          </a:xfrm>
+        </p:spPr>
+        <p:txBody>
+          <a:bodyPr/>
+          <a:lstStyle/>
+          <a:p>
+            <a:r>
+              <a:rPr lang="en-US" dirty="0" smtClean="0">
+                <a:solidFill>
+                  <a:schemeClr val="tx1"/>
+                </a:solidFill>
+              </a:rPr>
+              <a:t>Azure SQL Server Transparent Data Encryption (TDE)</a:t>
+            </a:r>
+            <a:endParaRPr lang="en-US" dirty="0">
+              <a:solidFill>
+                <a:schemeClr val="tx1"/>
+              </a:solidFill>
+            </a:endParaRPr>
+          </a:p>
+        </p:txBody>
+      </p:sp>
+      <p:sp>
+        <p:nvSpPr>
+          <p:cNvPr id="6" name="Segnaposto contenuto 2"/>
+          <p:cNvSpPr txBox="1">
+            <a:spLocks/>
+          </p:cNvSpPr>
+          <p:nvPr/>
+        </p:nvSpPr>
+        <p:spPr>
+          <a:xfrm>
+            <a:off x="457200" y="1905000"/>
+            <a:ext cx="8229600" cy="3886200"/>
+          </a:xfrm>
+          <a:prstGeom prst="rect">
+            <a:avLst/>
+          </a:prstGeom>
+          <a:ln w="3175">
+            <a:solidFill>
+              <a:schemeClr val="bg1"/>
+            </a:solidFill>
+          </a:ln>
+        </p:spPr>
+        <p:txBody>
+          <a:bodyPr vert="horz" lIns="91440" tIns="45720" rIns="91440" bIns="45720" rtlCol="0">
+            <a:normAutofit/>
+          </a:bodyPr>
+          <a:lstStyle>
+            <a:lvl1pPr marL="342900" indent="-342900" algn="l" defTabSz="914400" rtl="0" eaLnBrk="1" latinLnBrk="0" hangingPunct="1">
+              <a:spcBef>
+                <a:spcPct val="20000"/>
+              </a:spcBef>
+              <a:buFont typeface="Arial" pitchFamily="34" charset="0"/>
+              <a:buChar char="•"/>
+              <a:defRPr sz="2000" kern="1200">
+                <a:solidFill>
+                  <a:schemeClr val="tx1"/>
+                </a:solidFill>
+                <a:latin typeface="+mn-lt"/>
+                <a:ea typeface="+mn-ea"/>
+                <a:cs typeface="+mn-cs"/>
+              </a:defRPr>
+            </a:lvl1pPr>
+            <a:lvl2pPr marL="742950" indent="-285750" algn="l" defTabSz="914400" rtl="0" eaLnBrk="1" latinLnBrk="0" hangingPunct="1">
+              <a:spcBef>
+                <a:spcPct val="20000"/>
+              </a:spcBef>
+              <a:buFont typeface="Arial" pitchFamily="34" charset="0"/>
+              <a:buChar char="–"/>
+              <a:defRPr sz="1800" kern="1200">
+                <a:solidFill>
+                  <a:schemeClr val="tx1"/>
+                </a:solidFill>
+                <a:latin typeface="+mn-lt"/>
+                <a:ea typeface="+mn-ea"/>
+                <a:cs typeface="+mn-cs"/>
+              </a:defRPr>
+            </a:lvl2pPr>
+            <a:lvl3pPr marL="1143000" indent="-228600" algn="l" defTabSz="914400" rtl="0" eaLnBrk="1" latinLnBrk="0" hangingPunct="1">
+              <a:spcBef>
+                <a:spcPct val="20000"/>
+              </a:spcBef>
+              <a:buFont typeface="Arial" pitchFamily="34" charset="0"/>
+              <a:buChar char="•"/>
+              <a:defRPr sz="1600" kern="1200">
+                <a:solidFill>
+                  <a:schemeClr val="tx1"/>
+                </a:solidFill>
+                <a:latin typeface="+mn-lt"/>
+                <a:ea typeface="+mn-ea"/>
+                <a:cs typeface="+mn-cs"/>
+              </a:defRPr>
+            </a:lvl3pPr>
+            <a:lvl4pPr marL="1600200" indent="-228600" algn="l" defTabSz="914400" rtl="0" eaLnBrk="1" latinLnBrk="0" hangingPunct="1">
+              <a:spcBef>
+                <a:spcPct val="20000"/>
+              </a:spcBef>
+              <a:buFont typeface="Arial" pitchFamily="34" charset="0"/>
+              <a:buChar char="–"/>
+              <a:defRPr sz="1400" kern="1200">
+                <a:solidFill>
+                  <a:schemeClr val="tx1"/>
+                </a:solidFill>
+                <a:latin typeface="+mn-lt"/>
+                <a:ea typeface="+mn-ea"/>
+                <a:cs typeface="+mn-cs"/>
+              </a:defRPr>
+            </a:lvl4pPr>
+            <a:lvl5pPr marL="2057400" indent="-228600" algn="l" defTabSz="914400" rtl="0" eaLnBrk="1" latinLnBrk="0" hangingPunct="1">
+              <a:spcBef>
+                <a:spcPct val="20000"/>
+              </a:spcBef>
+              <a:buFont typeface="Arial" pitchFamily="34" charset="0"/>
+              <a:buChar char="»"/>
+              <a:defRPr sz="1400" kern="1200">
+                <a:solidFill>
+                  <a:schemeClr val="tx1"/>
+                </a:solidFill>
+                <a:latin typeface="+mn-lt"/>
+                <a:ea typeface="+mn-ea"/>
+                <a:cs typeface="+mn-cs"/>
+              </a:defRPr>
+            </a:lvl5pPr>
+            <a:lvl6pPr marL="2514600" indent="-228600" algn="l" defTabSz="914400" rtl="0" eaLnBrk="1" latinLnBrk="0" hangingPunct="1">
+              <a:spcBef>
+                <a:spcPct val="20000"/>
+              </a:spcBef>
+              <a:buFont typeface="Arial" pitchFamily="34" charset="0"/>
+              <a:buChar char="•"/>
+              <a:defRPr sz="2000" kern="1200">
+                <a:solidFill>
+                  <a:schemeClr val="tx1"/>
+                </a:solidFill>
+                <a:latin typeface="+mn-lt"/>
+                <a:ea typeface="+mn-ea"/>
+                <a:cs typeface="+mn-cs"/>
+              </a:defRPr>
+            </a:lvl6pPr>
+            <a:lvl7pPr marL="2971800" indent="-228600" algn="l" defTabSz="914400" rtl="0" eaLnBrk="1" latinLnBrk="0" hangingPunct="1">
+              <a:spcBef>
+                <a:spcPct val="20000"/>
+              </a:spcBef>
+              <a:buFont typeface="Arial" pitchFamily="34" charset="0"/>
+              <a:buChar char="•"/>
+              <a:defRPr sz="2000" kern="1200">
+                <a:solidFill>
+                  <a:schemeClr val="tx1"/>
+                </a:solidFill>
+                <a:latin typeface="+mn-lt"/>
+                <a:ea typeface="+mn-ea"/>
+                <a:cs typeface="+mn-cs"/>
+              </a:defRPr>
+            </a:lvl7pPr>
+            <a:lvl8pPr marL="3429000" indent="-228600" algn="l" defTabSz="914400" rtl="0" eaLnBrk="1" latinLnBrk="0" hangingPunct="1">
+              <a:spcBef>
+                <a:spcPct val="20000"/>
+              </a:spcBef>
+              <a:buFont typeface="Arial" pitchFamily="34" charset="0"/>
+              <a:buChar char="•"/>
+              <a:defRPr sz="2000" kern="1200">
+                <a:solidFill>
+                  <a:schemeClr val="tx1"/>
+                </a:solidFill>
+                <a:latin typeface="+mn-lt"/>
+                <a:ea typeface="+mn-ea"/>
+                <a:cs typeface="+mn-cs"/>
+              </a:defRPr>
+            </a:lvl8pPr>
+            <a:lvl9pPr marL="3886200" indent="-228600" algn="l" defTabSz="914400" rtl="0" eaLnBrk="1" latinLnBrk="0" hangingPunct="1">
+              <a:spcBef>
+                <a:spcPct val="20000"/>
+              </a:spcBef>
+              <a:buFont typeface="Arial" pitchFamily="34" charset="0"/>
+              <a:buChar char="•"/>
+              <a:defRPr sz="2000" kern="1200">
+                <a:solidFill>
+                  <a:schemeClr val="tx1"/>
+                </a:solidFill>
+                <a:latin typeface="+mn-lt"/>
+                <a:ea typeface="+mn-ea"/>
+                <a:cs typeface="+mn-cs"/>
+              </a:defRPr>
+            </a:lvl9pPr>
+          </a:lstStyle>
+          <a:p>
+            <a:pPr algn="just"/>
+            <a:r>
+              <a:rPr lang="en-US" dirty="0" smtClean="0">
+                <a:solidFill>
+                  <a:srgbClr val="000000"/>
+                </a:solidFill>
+                <a:latin typeface="Segoe UI" panose="020B0502040204020203" pitchFamily="34" charset="0"/>
+              </a:rPr>
+              <a:t>Encryption technology for Azure SQL Server (at rest)</a:t>
+            </a:r>
+          </a:p>
+          <a:p>
+            <a:pPr algn="just"/>
+            <a:r>
+              <a:rPr lang="en-US" b="1" dirty="0" smtClean="0">
+                <a:solidFill>
+                  <a:srgbClr val="000000"/>
+                </a:solidFill>
+                <a:latin typeface="Segoe UI" panose="020B0502040204020203" pitchFamily="34" charset="0"/>
+              </a:rPr>
+              <a:t>It encrypts the database files</a:t>
+            </a:r>
+          </a:p>
+          <a:p>
+            <a:pPr algn="just"/>
+            <a:r>
+              <a:rPr lang="en-US" dirty="0" smtClean="0">
+                <a:solidFill>
+                  <a:srgbClr val="000000"/>
+                </a:solidFill>
+                <a:latin typeface="Segoe UI" panose="020B0502040204020203" pitchFamily="34" charset="0"/>
+              </a:rPr>
+              <a:t>Azure SQL databases, Azure SQL Data Warehouse and data files</a:t>
+            </a:r>
+          </a:p>
+          <a:p>
+            <a:pPr algn="just"/>
+            <a:r>
+              <a:rPr lang="en-US" dirty="0" smtClean="0">
+                <a:solidFill>
+                  <a:srgbClr val="000000"/>
+                </a:solidFill>
+                <a:latin typeface="Segoe UI" panose="020B0502040204020203" pitchFamily="34" charset="0"/>
+              </a:rPr>
+              <a:t>It is on by default on any Azure SQL Server database</a:t>
+            </a:r>
+          </a:p>
+          <a:p>
+            <a:pPr algn="just"/>
+            <a:r>
+              <a:rPr lang="en-US" dirty="0" smtClean="0">
+                <a:solidFill>
+                  <a:srgbClr val="000000"/>
+                </a:solidFill>
+                <a:latin typeface="Segoe UI" panose="020B0502040204020203" pitchFamily="34" charset="0"/>
+              </a:rPr>
+              <a:t>It is similar in concept to </a:t>
+            </a:r>
+            <a:r>
+              <a:rPr lang="en-US" b="1" dirty="0" smtClean="0">
+                <a:solidFill>
+                  <a:srgbClr val="000000"/>
+                </a:solidFill>
+                <a:latin typeface="Segoe UI" panose="020B0502040204020203" pitchFamily="34" charset="0"/>
+              </a:rPr>
+              <a:t>Storage Service Encryption (SSE)</a:t>
+            </a:r>
+            <a:r>
+              <a:rPr lang="en-US" dirty="0" smtClean="0">
+                <a:solidFill>
+                  <a:srgbClr val="000000"/>
+                </a:solidFill>
+                <a:latin typeface="Segoe UI" panose="020B0502040204020203" pitchFamily="34" charset="0"/>
+              </a:rPr>
+              <a:t> that is the analogous technology available on Azure storage accounts</a:t>
+            </a:r>
+          </a:p>
+          <a:p>
+            <a:pPr algn="just"/>
+            <a:r>
+              <a:rPr lang="en-US" dirty="0" smtClean="0">
+                <a:solidFill>
+                  <a:srgbClr val="000000"/>
+                </a:solidFill>
+                <a:latin typeface="Segoe UI" panose="020B0502040204020203" pitchFamily="34" charset="0"/>
+              </a:rPr>
+              <a:t>Can use managed or customer encryption keys as for SSE. </a:t>
+            </a:r>
+            <a:endParaRPr lang="en-US" dirty="0" smtClean="0"/>
+          </a:p>
+          <a:p>
+            <a:endParaRPr lang="en-US" dirty="0" smtClean="0"/>
+          </a:p>
+          <a:p>
+            <a:endParaRPr lang="en-US" dirty="0"/>
+          </a:p>
+        </p:txBody>
+      </p:sp>
+    </p:spTree>
+    <p:extLst>
+      <p:ext uri="{BB962C8B-B14F-4D97-AF65-F5344CB8AC3E}">
+        <p14:creationId xmlns:p14="http://schemas.microsoft.com/office/powerpoint/2010/main" val="392950076"/>
+      </p:ext>
+    </p:extLst>
+  </p:cSld>
+  <p:clrMapOvr>
+    <a:masterClrMapping/>
+  </p:clrMapOvr>
+  <p:timing>
+    <p:tnLst>
+      <p:par>
+        <p:cTn id="1" dur="indefinite" restart="never" nodeType="tmRoot"/>
+      </p:par>
+    </p:tnLst>
+  </p:timing>
+</p:sld>
+</file>
+
+<file path=ppt/slides/slide37.xml><?xml version="1.0" encoding="utf-8"?>
+<p:sld xmlns:a="http://schemas.openxmlformats.org/drawingml/2006/main" xmlns:r="http://schemas.openxmlformats.org/officeDocument/2006/relationships" xmlns:p="http://schemas.openxmlformats.org/presentationml/2006/main">
+  <p:cSld>
+    <p:spTree>
+      <p:nvGrpSpPr>
+        <p:cNvPr id="1" name=""/>
+        <p:cNvGrpSpPr/>
+        <p:nvPr/>
+      </p:nvGrpSpPr>
+      <p:grpSpPr>
+        <a:xfrm>
+          <a:off x="0" y="0"/>
+          <a:ext cx="0" cy="0"/>
+          <a:chOff x="0" y="0"/>
+          <a:chExt cx="0" cy="0"/>
+        </a:xfrm>
+      </p:grpSpPr>
+      <p:sp>
+        <p:nvSpPr>
+          <p:cNvPr id="3" name="Segnaposto contenuto 2"/>
+          <p:cNvSpPr>
+            <a:spLocks noGrp="1"/>
+          </p:cNvSpPr>
+          <p:nvPr>
+            <p:ph idx="1"/>
+          </p:nvPr>
+        </p:nvSpPr>
+        <p:spPr>
+          <a:xfrm>
+            <a:off x="457200" y="1676400"/>
+            <a:ext cx="8229600" cy="3429000"/>
+          </a:xfrm>
+        </p:spPr>
+        <p:txBody>
+          <a:bodyPr/>
+          <a:lstStyle/>
+          <a:p>
+            <a:pPr algn="ctr">
+              <a:buNone/>
+            </a:pPr>
+            <a:endParaRPr lang="en-US" dirty="0" smtClean="0"/>
+          </a:p>
+          <a:p>
+            <a:r>
+              <a:rPr lang="en-US" dirty="0" smtClean="0"/>
+              <a:t>To encrypt VMs</a:t>
+            </a:r>
+            <a:endParaRPr lang="en-US" dirty="0" smtClean="0"/>
+          </a:p>
+          <a:p>
+            <a:endParaRPr lang="en-US" dirty="0" smtClean="0"/>
+          </a:p>
+          <a:p>
+            <a:endParaRPr lang="en-US" dirty="0"/>
+          </a:p>
+        </p:txBody>
+      </p:sp>
+      <p:sp>
+        <p:nvSpPr>
+          <p:cNvPr id="4" name="Segnaposto data 3"/>
+          <p:cNvSpPr>
+            <a:spLocks noGrp="1"/>
+          </p:cNvSpPr>
+          <p:nvPr>
+            <p:ph type="dt" sz="half" idx="10"/>
+          </p:nvPr>
+        </p:nvSpPr>
+        <p:spPr/>
+        <p:txBody>
+          <a:bodyPr/>
+          <a:lstStyle/>
+          <a:p>
+            <a:fld id="{F8078618-4CAE-48E8-A205-9D92A68D094A}" type="datetime1">
+              <a:rPr lang="en-US" smtClean="0"/>
+              <a:pPr/>
+              <a:t>5/14/2019</a:t>
+            </a:fld>
+            <a:endParaRPr lang="en-US"/>
+          </a:p>
+        </p:txBody>
+      </p:sp>
+      <p:sp>
+        <p:nvSpPr>
+          <p:cNvPr id="5" name="Segnaposto numero diapositiva 4"/>
+          <p:cNvSpPr>
+            <a:spLocks noGrp="1"/>
+          </p:cNvSpPr>
+          <p:nvPr>
+            <p:ph type="sldNum" sz="quarter" idx="12"/>
+          </p:nvPr>
+        </p:nvSpPr>
+        <p:spPr/>
+        <p:txBody>
+          <a:bodyPr/>
+          <a:lstStyle/>
+          <a:p>
+            <a:fld id="{02623B3A-910D-43F4-BBA9-9429D5B0014D}" type="slidenum">
+              <a:rPr lang="en-US" smtClean="0"/>
+              <a:pPr/>
+              <a:t>37</a:t>
+            </a:fld>
+            <a:endParaRPr lang="en-US"/>
+          </a:p>
+        </p:txBody>
+      </p:sp>
+      <p:sp>
+        <p:nvSpPr>
+          <p:cNvPr id="8" name="Sottotitolo 7"/>
+          <p:cNvSpPr>
+            <a:spLocks noGrp="1"/>
+          </p:cNvSpPr>
+          <p:nvPr>
+            <p:ph type="subTitle" idx="14"/>
+          </p:nvPr>
+        </p:nvSpPr>
+        <p:spPr>
+          <a:xfrm>
+            <a:off x="1295400" y="1066800"/>
+            <a:ext cx="6400800" cy="457200"/>
+          </a:xfrm>
+        </p:spPr>
+        <p:txBody>
+          <a:bodyPr/>
+          <a:lstStyle/>
+          <a:p>
+            <a:r>
+              <a:rPr lang="en-US" b="1" dirty="0" smtClean="0">
+                <a:solidFill>
+                  <a:schemeClr val="tx1"/>
+                </a:solidFill>
+              </a:rPr>
+              <a:t>Azure Disk Encryption for IaaS</a:t>
+            </a:r>
+            <a:endParaRPr lang="en-US" dirty="0">
+              <a:solidFill>
+                <a:schemeClr val="tx1"/>
+              </a:solidFill>
+            </a:endParaRPr>
+          </a:p>
+        </p:txBody>
+      </p:sp>
+    </p:spTree>
+    <p:extLst>
+      <p:ext uri="{BB962C8B-B14F-4D97-AF65-F5344CB8AC3E}">
+        <p14:creationId xmlns:p14="http://schemas.microsoft.com/office/powerpoint/2010/main" val="1940513839"/>
+      </p:ext>
+    </p:extLst>
+  </p:cSld>
+  <p:clrMapOvr>
+    <a:masterClrMapping/>
+  </p:clrMapOvr>
+  <p:timing>
+    <p:tnLst>
+      <p:par>
+        <p:cTn id="1" dur="indefinite" restart="never" nodeType="tmRoot"/>
+      </p:par>
+    </p:tnLst>
+  </p:timing>
+</p:sld>
+</file>
+
+<file path=ppt/slides/slide38.xml><?xml version="1.0" encoding="utf-8"?>
+<p:sld xmlns:a="http://schemas.openxmlformats.org/drawingml/2006/main" xmlns:r="http://schemas.openxmlformats.org/officeDocument/2006/relationships" xmlns:p="http://schemas.openxmlformats.org/presentationml/2006/main">
+  <p:cSld>
+    <p:spTree>
+      <p:nvGrpSpPr>
+        <p:cNvPr id="1" name=""/>
+        <p:cNvGrpSpPr/>
+        <p:nvPr/>
+      </p:nvGrpSpPr>
+      <p:grpSpPr>
+        <a:xfrm>
+          <a:off x="0" y="0"/>
+          <a:ext cx="0" cy="0"/>
+          <a:chOff x="0" y="0"/>
+          <a:chExt cx="0" cy="0"/>
+        </a:xfrm>
+      </p:grpSpPr>
+      <p:sp>
+        <p:nvSpPr>
+          <p:cNvPr id="3" name="Segnaposto contenuto 2"/>
+          <p:cNvSpPr>
+            <a:spLocks noGrp="1"/>
+          </p:cNvSpPr>
+          <p:nvPr>
+            <p:ph idx="1"/>
+          </p:nvPr>
+        </p:nvSpPr>
+        <p:spPr>
+          <a:xfrm>
+            <a:off x="457200" y="1676400"/>
+            <a:ext cx="8229600" cy="3429000"/>
+          </a:xfrm>
+        </p:spPr>
+        <p:txBody>
+          <a:bodyPr/>
+          <a:lstStyle/>
+          <a:p>
+            <a:pPr algn="ctr">
+              <a:buNone/>
+            </a:pPr>
+            <a:endParaRPr lang="en-US" dirty="0" smtClean="0"/>
+          </a:p>
+          <a:p>
+            <a:r>
+              <a:rPr lang="en-US" dirty="0" smtClean="0"/>
+              <a:t>Storage Accounts are transparently encrypted at rest via SSE</a:t>
+            </a:r>
+          </a:p>
+          <a:p>
+            <a:r>
+              <a:rPr lang="en-US" dirty="0" smtClean="0"/>
+              <a:t>For </a:t>
+            </a:r>
+            <a:r>
+              <a:rPr lang="en-US" dirty="0"/>
+              <a:t>Azure SQL Server </a:t>
+            </a:r>
+            <a:r>
+              <a:rPr lang="en-US" dirty="0" smtClean="0"/>
+              <a:t> Azure </a:t>
+            </a:r>
+            <a:r>
+              <a:rPr lang="en-US" dirty="0" smtClean="0"/>
+              <a:t>Transparent Data Encryption (TDE) as server-side default encryption for data at rest. It encrypts the whole server or the database files with either a custom or managed key</a:t>
+            </a:r>
+            <a:r>
+              <a:rPr lang="en-US" dirty="0" smtClean="0"/>
+              <a:t>.</a:t>
+            </a:r>
+          </a:p>
+          <a:p>
+            <a:r>
+              <a:rPr lang="en-US" dirty="0"/>
+              <a:t>For Azure SQL Server Always-Encrypted Client Technology based on CMK &amp;CEK</a:t>
+            </a:r>
+          </a:p>
+          <a:p>
+            <a:endParaRPr lang="en-US" dirty="0" smtClean="0"/>
+          </a:p>
+          <a:p>
+            <a:endParaRPr lang="en-US" dirty="0" smtClean="0"/>
+          </a:p>
+          <a:p>
+            <a:endParaRPr lang="en-US" dirty="0"/>
+          </a:p>
+        </p:txBody>
+      </p:sp>
+      <p:sp>
+        <p:nvSpPr>
+          <p:cNvPr id="4" name="Segnaposto data 3"/>
+          <p:cNvSpPr>
+            <a:spLocks noGrp="1"/>
+          </p:cNvSpPr>
+          <p:nvPr>
+            <p:ph type="dt" sz="half" idx="10"/>
+          </p:nvPr>
+        </p:nvSpPr>
+        <p:spPr/>
+        <p:txBody>
+          <a:bodyPr/>
+          <a:lstStyle/>
+          <a:p>
+            <a:fld id="{F8078618-4CAE-48E8-A205-9D92A68D094A}" type="datetime1">
+              <a:rPr lang="en-US" smtClean="0"/>
+              <a:pPr/>
+              <a:t>5/14/2019</a:t>
+            </a:fld>
+            <a:endParaRPr lang="en-US"/>
+          </a:p>
+        </p:txBody>
+      </p:sp>
+      <p:sp>
+        <p:nvSpPr>
+          <p:cNvPr id="5" name="Segnaposto numero diapositiva 4"/>
+          <p:cNvSpPr>
+            <a:spLocks noGrp="1"/>
+          </p:cNvSpPr>
+          <p:nvPr>
+            <p:ph type="sldNum" sz="quarter" idx="12"/>
+          </p:nvPr>
+        </p:nvSpPr>
+        <p:spPr/>
+        <p:txBody>
+          <a:bodyPr/>
+          <a:lstStyle/>
+          <a:p>
+            <a:fld id="{02623B3A-910D-43F4-BBA9-9429D5B0014D}" type="slidenum">
+              <a:rPr lang="en-US" smtClean="0"/>
+              <a:pPr/>
+              <a:t>38</a:t>
+            </a:fld>
+            <a:endParaRPr lang="en-US"/>
+          </a:p>
+        </p:txBody>
+      </p:sp>
+      <p:sp>
+        <p:nvSpPr>
+          <p:cNvPr id="8" name="Sottotitolo 7"/>
+          <p:cNvSpPr>
+            <a:spLocks noGrp="1"/>
+          </p:cNvSpPr>
+          <p:nvPr>
+            <p:ph type="subTitle" idx="14"/>
+          </p:nvPr>
+        </p:nvSpPr>
+        <p:spPr>
+          <a:xfrm>
+            <a:off x="1295400" y="1066800"/>
+            <a:ext cx="6400800" cy="457200"/>
+          </a:xfrm>
+        </p:spPr>
+        <p:txBody>
+          <a:bodyPr/>
+          <a:lstStyle/>
+          <a:p>
+            <a:r>
+              <a:rPr lang="en-US" b="1" dirty="0" smtClean="0">
+                <a:solidFill>
+                  <a:schemeClr val="tx1"/>
+                </a:solidFill>
+              </a:rPr>
+              <a:t>Summary on </a:t>
+            </a:r>
+            <a:r>
+              <a:rPr lang="en-US" b="1" dirty="0" smtClean="0"/>
+              <a:t>Encryption</a:t>
+            </a:r>
+            <a:endParaRPr lang="en-US" dirty="0">
+              <a:solidFill>
+                <a:schemeClr val="tx1"/>
+              </a:solidFill>
+            </a:endParaRPr>
+          </a:p>
+        </p:txBody>
+      </p:sp>
+    </p:spTree>
+    <p:extLst>
+      <p:ext uri="{BB962C8B-B14F-4D97-AF65-F5344CB8AC3E}">
+        <p14:creationId xmlns:p14="http://schemas.microsoft.com/office/powerpoint/2010/main" val="3669624488"/>
+      </p:ext>
+    </p:extLst>
+  </p:cSld>
+  <p:clrMapOvr>
+    <a:masterClrMapping/>
+  </p:clrMapOvr>
+  <p:timing>
+    <p:tnLst>
+      <p:par>
+        <p:cTn id="1" dur="indefinite" restart="never" nodeType="tmRoot"/>
+      </p:par>
+    </p:tnLst>
+  </p:timing>
+</p:sld>
+</file>
+
+<file path=ppt/slides/slide39.xml><?xml version="1.0" encoding="utf-8"?>
+<p:sld xmlns:a="http://schemas.openxmlformats.org/drawingml/2006/main" xmlns:r="http://schemas.openxmlformats.org/officeDocument/2006/relationships" xmlns:p="http://schemas.openxmlformats.org/presentationml/2006/main">
+  <p:cSld>
+    <p:spTree>
+      <p:nvGrpSpPr>
+        <p:cNvPr id="1" name=""/>
+        <p:cNvGrpSpPr/>
+        <p:nvPr/>
+      </p:nvGrpSpPr>
+      <p:grpSpPr>
+        <a:xfrm>
+          <a:off x="0" y="0"/>
+          <a:ext cx="0" cy="0"/>
+          <a:chOff x="0" y="0"/>
+          <a:chExt cx="0" cy="0"/>
+        </a:xfrm>
+      </p:grpSpPr>
+      <p:sp>
+        <p:nvSpPr>
+          <p:cNvPr id="3" name="Segnaposto contenuto 2"/>
+          <p:cNvSpPr>
+            <a:spLocks noGrp="1"/>
+          </p:cNvSpPr>
+          <p:nvPr>
+            <p:ph idx="1"/>
+          </p:nvPr>
+        </p:nvSpPr>
+        <p:spPr/>
+        <p:txBody>
+          <a:bodyPr/>
+          <a:lstStyle/>
+          <a:p>
+            <a:pPr>
+              <a:buNone/>
+            </a:pPr>
+            <a:r>
+              <a:rPr lang="en-US" i="1" dirty="0" smtClean="0"/>
+              <a:t>Demo steps</a:t>
+            </a:r>
+            <a:endParaRPr lang="en-US" i="1" dirty="0"/>
+          </a:p>
+        </p:txBody>
+      </p:sp>
+      <p:sp>
+        <p:nvSpPr>
+          <p:cNvPr id="4" name="Segnaposto data 3"/>
+          <p:cNvSpPr>
+            <a:spLocks noGrp="1"/>
+          </p:cNvSpPr>
+          <p:nvPr>
+            <p:ph type="dt" sz="half" idx="10"/>
+          </p:nvPr>
+        </p:nvSpPr>
+        <p:spPr/>
+        <p:txBody>
+          <a:bodyPr/>
+          <a:lstStyle/>
+          <a:p>
+            <a:fld id="{F8078618-4CAE-48E8-A205-9D92A68D094A}" type="datetime1">
+              <a:rPr lang="en-US" smtClean="0"/>
+              <a:pPr/>
+              <a:t>5/14/2019</a:t>
+            </a:fld>
+            <a:endParaRPr lang="en-US"/>
+          </a:p>
+        </p:txBody>
+      </p:sp>
+      <p:sp>
+        <p:nvSpPr>
+          <p:cNvPr id="5" name="Segnaposto numero diapositiva 4"/>
+          <p:cNvSpPr>
+            <a:spLocks noGrp="1"/>
+          </p:cNvSpPr>
+          <p:nvPr>
+            <p:ph type="sldNum" sz="quarter" idx="12"/>
+          </p:nvPr>
+        </p:nvSpPr>
+        <p:spPr/>
+        <p:txBody>
+          <a:bodyPr/>
+          <a:lstStyle/>
+          <a:p>
+            <a:fld id="{02623B3A-910D-43F4-BBA9-9429D5B0014D}" type="slidenum">
+              <a:rPr lang="en-US" smtClean="0"/>
+              <a:pPr/>
+              <a:t>39</a:t>
+            </a:fld>
+            <a:endParaRPr lang="en-US"/>
+          </a:p>
+        </p:txBody>
+      </p:sp>
+      <p:sp>
+        <p:nvSpPr>
+          <p:cNvPr id="8" name="Sottotitolo 7"/>
+          <p:cNvSpPr>
+            <a:spLocks noGrp="1"/>
+          </p:cNvSpPr>
+          <p:nvPr>
+            <p:ph type="subTitle" idx="14"/>
+          </p:nvPr>
+        </p:nvSpPr>
+        <p:spPr/>
+        <p:txBody>
+          <a:bodyPr/>
+          <a:lstStyle/>
+          <a:p>
+            <a:r>
+              <a:rPr lang="en-US" b="1" dirty="0" smtClean="0">
+                <a:solidFill>
+                  <a:schemeClr val="tx1"/>
+                </a:solidFill>
+              </a:rPr>
+              <a:t>Demo</a:t>
+            </a:r>
+            <a:endParaRPr lang="en-US" b="1" dirty="0">
+              <a:solidFill>
+                <a:schemeClr val="tx1"/>
+              </a:solidFill>
+            </a:endParaRPr>
+          </a:p>
+        </p:txBody>
+      </p:sp>
+    </p:spTree>
+  </p:cSld>
+  <p:clrMapOvr>
+    <a:masterClrMapping/>
+  </p:clrMapOvr>
+  <p:timing>
+    <p:tnLst>
+      <p:par>
+        <p:cTn id="1" dur="indefinite" restart="never" nodeType="tmRoot"/>
+      </p:par>
+    </p:tnLst>
+  </p:timing>
+</p:sld>
+</file>
+
+<file path=ppt/slides/slide4.xml><?xml version="1.0" encoding="utf-8"?>
+<p:sld xmlns:a="http://schemas.openxmlformats.org/drawingml/2006/main" xmlns:r="http://schemas.openxmlformats.org/officeDocument/2006/relationships" xmlns:p="http://schemas.openxmlformats.org/presentationml/2006/main">
+  <p:cSld>
+    <p:bg>
+      <p:bgRef idx="1001">
+        <a:schemeClr val="bg1"/>
+      </p:bgRef>
+    </p:bg>
+    <p:spTree>
+      <p:nvGrpSpPr>
+        <p:cNvPr id="1" name=""/>
+        <p:cNvGrpSpPr/>
+        <p:nvPr/>
+      </p:nvGrpSpPr>
+      <p:grpSpPr>
+        <a:xfrm>
+          <a:off x="0" y="0"/>
+          <a:ext cx="0" cy="0"/>
+          <a:chOff x="0" y="0"/>
+          <a:chExt cx="0" cy="0"/>
+        </a:xfrm>
+      </p:grpSpPr>
+      <p:sp>
+        <p:nvSpPr>
+          <p:cNvPr id="6" name="Date Placeholder 5"/>
+          <p:cNvSpPr>
+            <a:spLocks noGrp="1"/>
+          </p:cNvSpPr>
+          <p:nvPr>
+            <p:ph type="dt" sz="half" idx="10"/>
+          </p:nvPr>
+        </p:nvSpPr>
+        <p:spPr/>
+        <p:txBody>
+          <a:bodyPr/>
+          <a:lstStyle/>
+          <a:p>
+            <a:fld id="{DD590542-A0EB-48D5-9722-C0A8052BF4A2}" type="datetime1">
+              <a:rPr lang="en-US" smtClean="0"/>
+              <a:pPr/>
+              <a:t>5/14/2019</a:t>
+            </a:fld>
+            <a:endParaRPr lang="en-US" dirty="0"/>
+          </a:p>
+        </p:txBody>
+      </p:sp>
+      <p:sp>
+        <p:nvSpPr>
+          <p:cNvPr id="7" name="Slide Number Placeholder 6"/>
+          <p:cNvSpPr>
+            <a:spLocks noGrp="1"/>
+          </p:cNvSpPr>
+          <p:nvPr>
+            <p:ph type="sldNum" sz="quarter" idx="12"/>
+          </p:nvPr>
+        </p:nvSpPr>
+        <p:spPr/>
+        <p:txBody>
+          <a:bodyPr/>
+          <a:lstStyle/>
+          <a:p>
+            <a:fld id="{02623B3A-910D-43F4-BBA9-9429D5B0014D}" type="slidenum">
+              <a:rPr lang="en-US" smtClean="0"/>
+              <a:pPr/>
+              <a:t>4</a:t>
+            </a:fld>
+            <a:endParaRPr lang="en-US" dirty="0"/>
+          </a:p>
+        </p:txBody>
+      </p:sp>
+      <p:sp>
+        <p:nvSpPr>
+          <p:cNvPr id="2" name="Title 1"/>
+          <p:cNvSpPr>
+            <a:spLocks noGrp="1"/>
+          </p:cNvSpPr>
+          <p:nvPr>
+            <p:ph type="title"/>
+          </p:nvPr>
+        </p:nvSpPr>
+        <p:spPr>
+          <a:xfrm>
+            <a:off x="685800" y="2133600"/>
+            <a:ext cx="7772400" cy="990600"/>
+          </a:xfrm>
+        </p:spPr>
+        <p:txBody>
+          <a:bodyPr/>
+          <a:lstStyle/>
+          <a:p>
+            <a:pPr algn="ctr"/>
+            <a:r>
+              <a:rPr lang="en-US" dirty="0" smtClean="0"/>
+              <a:t>OWASP</a:t>
+            </a:r>
+            <a:r>
+              <a:rPr lang="en-US" dirty="0" smtClean="0"/>
+              <a:t/>
+            </a:r>
+            <a:br>
+              <a:rPr lang="en-US" dirty="0" smtClean="0"/>
+            </a:br>
+            <a:endParaRPr lang="en-US" dirty="0"/>
+          </a:p>
+        </p:txBody>
+      </p:sp>
+      <p:sp>
+        <p:nvSpPr>
+          <p:cNvPr id="5" name="Subtitle 2"/>
+          <p:cNvSpPr>
+            <a:spLocks noGrp="1"/>
+          </p:cNvSpPr>
+          <p:nvPr>
+            <p:ph type="subTitle" idx="1"/>
+          </p:nvPr>
+        </p:nvSpPr>
+        <p:spPr>
+          <a:xfrm>
+            <a:off x="1371600" y="2971800"/>
+            <a:ext cx="6400800" cy="609600"/>
+          </a:xfrm>
+        </p:spPr>
+        <p:txBody>
+          <a:bodyPr>
+            <a:normAutofit/>
+          </a:bodyPr>
+          <a:lstStyle/>
+          <a:p>
+            <a:r>
+              <a:rPr lang="en-US" dirty="0"/>
+              <a:t>Open Web Application Security </a:t>
+            </a:r>
+            <a:r>
+              <a:rPr lang="en-US" dirty="0" smtClean="0"/>
+              <a:t>Project</a:t>
+            </a:r>
+            <a:endParaRPr lang="en-US" dirty="0" smtClean="0">
+              <a:solidFill>
+                <a:schemeClr val="accent1">
+                  <a:lumMod val="25000"/>
+                </a:schemeClr>
+              </a:solidFill>
+            </a:endParaRPr>
+          </a:p>
+        </p:txBody>
+      </p:sp>
+    </p:spTree>
+    <p:extLst>
+      <p:ext uri="{BB962C8B-B14F-4D97-AF65-F5344CB8AC3E}">
+        <p14:creationId xmlns:p14="http://schemas.microsoft.com/office/powerpoint/2010/main" val="3398709600"/>
+      </p:ext>
+    </p:extLst>
+  </p:cSld>
+  <p:clrMapOvr>
+    <a:overrideClrMapping bg1="lt1" tx1="dk1" bg2="lt2" tx2="dk2" accent1="accent1" accent2="accent2" accent3="accent3" accent4="accent4" accent5="accent5" accent6="accent6" hlink="hlink" folHlink="folHlink"/>
+  </p:clrMapOvr>
+  <p:timing>
+    <p:tnLst>
+      <p:par>
+        <p:cTn id="1" dur="indefinite" restart="never" nodeType="tmRoot"/>
+      </p:par>
+    </p:tnLst>
+  </p:timing>
+</p:sld>
+</file>
+
+<file path=ppt/slides/slide40.xml><?xml version="1.0" encoding="utf-8"?>
+<p:sld xmlns:a="http://schemas.openxmlformats.org/drawingml/2006/main" xmlns:r="http://schemas.openxmlformats.org/officeDocument/2006/relationships" xmlns:p="http://schemas.openxmlformats.org/presentationml/2006/main">
+  <p:cSld>
+    <p:spTree>
+      <p:nvGrpSpPr>
+        <p:cNvPr id="1" name=""/>
+        <p:cNvGrpSpPr/>
+        <p:nvPr/>
+      </p:nvGrpSpPr>
+      <p:grpSpPr>
+        <a:xfrm>
+          <a:off x="0" y="0"/>
+          <a:ext cx="0" cy="0"/>
+          <a:chOff x="0" y="0"/>
+          <a:chExt cx="0" cy="0"/>
+        </a:xfrm>
+      </p:grpSpPr>
+      <p:sp>
+        <p:nvSpPr>
+          <p:cNvPr id="8" name="Segnaposto contenuto 7"/>
+          <p:cNvSpPr>
+            <a:spLocks noGrp="1"/>
+          </p:cNvSpPr>
+          <p:nvPr>
+            <p:ph idx="1"/>
+          </p:nvPr>
+        </p:nvSpPr>
+        <p:spPr/>
+        <p:txBody>
+          <a:bodyPr/>
+          <a:lstStyle/>
+          <a:p>
+            <a:endParaRPr lang="en-US" dirty="0"/>
+          </a:p>
+        </p:txBody>
+      </p:sp>
+      <p:sp>
+        <p:nvSpPr>
+          <p:cNvPr id="4" name="Segnaposto data 3"/>
+          <p:cNvSpPr>
+            <a:spLocks noGrp="1"/>
+          </p:cNvSpPr>
+          <p:nvPr>
+            <p:ph type="dt" sz="half" idx="10"/>
+          </p:nvPr>
+        </p:nvSpPr>
+        <p:spPr/>
+        <p:txBody>
+          <a:bodyPr/>
+          <a:lstStyle/>
+          <a:p>
+            <a:fld id="{F8078618-4CAE-48E8-A205-9D92A68D094A}" type="datetime1">
+              <a:rPr lang="en-US" smtClean="0"/>
+              <a:pPr/>
+              <a:t>5/14/2019</a:t>
+            </a:fld>
+            <a:endParaRPr lang="en-US"/>
+          </a:p>
+        </p:txBody>
+      </p:sp>
+      <p:sp>
+        <p:nvSpPr>
+          <p:cNvPr id="5" name="Segnaposto numero diapositiva 4"/>
+          <p:cNvSpPr>
+            <a:spLocks noGrp="1"/>
+          </p:cNvSpPr>
+          <p:nvPr>
+            <p:ph type="sldNum" sz="quarter" idx="12"/>
+          </p:nvPr>
+        </p:nvSpPr>
+        <p:spPr/>
+        <p:txBody>
+          <a:bodyPr/>
+          <a:lstStyle/>
+          <a:p>
+            <a:fld id="{02623B3A-910D-43F4-BBA9-9429D5B0014D}" type="slidenum">
+              <a:rPr lang="en-US" smtClean="0"/>
+              <a:pPr/>
+              <a:t>40</a:t>
             </a:fld>
             <a:endParaRPr lang="en-US"/>
           </a:p>
@@ -8208,7 +11021,7 @@
 </p:sld>
 </file>
 
-<file path=ppt/slides/slide4.xml><?xml version="1.0" encoding="utf-8"?>
+<file path=ppt/slides/slide5.xml><?xml version="1.0" encoding="utf-8"?>
 <p:sld xmlns:a="http://schemas.openxmlformats.org/drawingml/2006/main" xmlns:r="http://schemas.openxmlformats.org/officeDocument/2006/relationships" xmlns:p="http://schemas.openxmlformats.org/presentationml/2006/main">
   <p:cSld>
     <p:spTree>
@@ -8225,6 +11038,35 @@
           <a:chExt cx="0" cy="0"/>
         </a:xfrm>
       </p:grpSpPr>
+      <p:pic>
+        <p:nvPicPr>
+          <p:cNvPr id="2" name="Content Placeholder 1"/>
+          <p:cNvPicPr>
+            <a:picLocks noGrp="1" noChangeAspect="1"/>
+          </p:cNvPicPr>
+          <p:nvPr>
+            <p:ph idx="1"/>
+          </p:nvPr>
+        </p:nvPicPr>
+        <p:blipFill>
+          <a:blip r:embed="rId2">
+            <a:extLst>
+              <a:ext uri="{28A0092B-C50C-407E-A947-70E740481C1C}">
+                <a14:useLocalDpi xmlns:a14="http://schemas.microsoft.com/office/drawing/2010/main" val="0"/>
+              </a:ext>
+            </a:extLst>
+          </a:blip>
+          <a:stretch>
+            <a:fillRect/>
+          </a:stretch>
+        </p:blipFill>
+        <p:spPr>
+          <a:xfrm>
+            <a:off x="1676400" y="1600200"/>
+            <a:ext cx="5702381" cy="4539096"/>
+          </a:xfrm>
+        </p:spPr>
+      </p:pic>
       <p:sp>
         <p:nvSpPr>
           <p:cNvPr id="4" name="Segnaposto data 3"/>
@@ -8267,7 +11109,128 @@
             <a:fld id="{02623B3A-910D-43F4-BBA9-9429D5B0014D}" type="slidenum">
               <a:rPr lang="en-US" smtClean="0"/>
               <a:pPr/>
-              <a:t>4</a:t>
+              <a:t>5</a:t>
+            </a:fld>
+            <a:endParaRPr lang="en-US"/>
+          </a:p>
+        </p:txBody>
+      </p:sp>
+      <p:sp>
+        <p:nvSpPr>
+          <p:cNvPr id="7" name="Sottotitolo 6"/>
+          <p:cNvSpPr>
+            <a:spLocks noGrp="1"/>
+          </p:cNvSpPr>
+          <p:nvPr>
+            <p:ph type="subTitle" idx="14"/>
+          </p:nvPr>
+        </p:nvSpPr>
+        <p:spPr>
+          <a:xfrm>
+            <a:off x="1219200" y="1050304"/>
+            <a:ext cx="6400800" cy="457200"/>
+          </a:xfrm>
+        </p:spPr>
+        <p:txBody>
+          <a:bodyPr/>
+          <a:lstStyle/>
+          <a:p>
+            <a:r>
+              <a:rPr lang="en-US" b="1" dirty="0" smtClean="0">
+                <a:solidFill>
+                  <a:schemeClr val="tx1"/>
+                </a:solidFill>
+              </a:rPr>
+              <a:t>Threats</a:t>
+            </a:r>
+            <a:endParaRPr lang="en-US" b="1" dirty="0">
+              <a:solidFill>
+                <a:schemeClr val="tx1"/>
+              </a:solidFill>
+            </a:endParaRPr>
+          </a:p>
+        </p:txBody>
+      </p:sp>
+    </p:spTree>
+    <p:extLst>
+      <p:ext uri="{BB962C8B-B14F-4D97-AF65-F5344CB8AC3E}">
+        <p14:creationId xmlns:p14="http://schemas.microsoft.com/office/powerpoint/2010/main" val="3822237958"/>
+      </p:ext>
+    </p:extLst>
+  </p:cSld>
+  <p:clrMapOvr>
+    <a:masterClrMapping/>
+  </p:clrMapOvr>
+  <p:timing>
+    <p:tnLst>
+      <p:par>
+        <p:cTn id="1" dur="indefinite" restart="never" nodeType="tmRoot"/>
+      </p:par>
+    </p:tnLst>
+  </p:timing>
+</p:sld>
+</file>
+
+<file path=ppt/slides/slide6.xml><?xml version="1.0" encoding="utf-8"?>
+<p:sld xmlns:a="http://schemas.openxmlformats.org/drawingml/2006/main" xmlns:r="http://schemas.openxmlformats.org/officeDocument/2006/relationships" xmlns:p="http://schemas.openxmlformats.org/presentationml/2006/main">
+  <p:cSld>
+    <p:spTree>
+      <p:nvGrpSpPr>
+        <p:cNvPr id="1" name=""/>
+        <p:cNvGrpSpPr/>
+        <p:nvPr/>
+      </p:nvGrpSpPr>
+      <p:grpSpPr>
+        <a:xfrm>
+          <a:off x="0" y="0"/>
+          <a:ext cx="0" cy="0"/>
+          <a:chOff x="0" y="0"/>
+          <a:chExt cx="0" cy="0"/>
+        </a:xfrm>
+      </p:grpSpPr>
+      <p:sp>
+        <p:nvSpPr>
+          <p:cNvPr id="4" name="Segnaposto data 3"/>
+          <p:cNvSpPr>
+            <a:spLocks noGrp="1"/>
+          </p:cNvSpPr>
+          <p:nvPr>
+            <p:ph type="dt" sz="half" idx="10"/>
+          </p:nvPr>
+        </p:nvSpPr>
+        <p:spPr/>
+        <p:txBody>
+          <a:bodyPr/>
+          <a:lstStyle/>
+          <a:p>
+            <a:fld id="{F8078618-4CAE-48E8-A205-9D92A68D094A}" type="datetime1">
+              <a:rPr lang="en-US" smtClean="0"/>
+              <a:pPr/>
+              <a:t>5/14/2019</a:t>
+            </a:fld>
+            <a:endParaRPr lang="en-US"/>
+          </a:p>
+        </p:txBody>
+      </p:sp>
+      <p:sp>
+        <p:nvSpPr>
+          <p:cNvPr id="5" name="Segnaposto numero diapositiva 4"/>
+          <p:cNvSpPr>
+            <a:spLocks noGrp="1"/>
+          </p:cNvSpPr>
+          <p:nvPr>
+            <p:ph type="sldNum" sz="quarter" idx="12"/>
+          </p:nvPr>
+        </p:nvSpPr>
+        <p:spPr/>
+        <p:txBody>
+          <a:bodyPr/>
+          <a:lstStyle/>
+          <a:p>
+            <a:fld id="{02623B3A-910D-43F4-BBA9-9429D5B0014D}" type="slidenum">
+              <a:rPr lang="en-US" smtClean="0"/>
+              <a:pPr/>
+              <a:t>6</a:t>
             </a:fld>
             <a:endParaRPr lang="en-US"/>
           </a:p>
@@ -8358,7 +11321,7 @@
 </p:sld>
 </file>
 
-<file path=ppt/slides/slide5.xml><?xml version="1.0" encoding="utf-8"?>
+<file path=ppt/slides/slide7.xml><?xml version="1.0" encoding="utf-8"?>
 <p:sld xmlns:a="http://schemas.openxmlformats.org/drawingml/2006/main" xmlns:r="http://schemas.openxmlformats.org/officeDocument/2006/relationships" xmlns:p="http://schemas.openxmlformats.org/presentationml/2006/main">
   <p:cSld>
     <p:spTree>
@@ -8387,71 +11350,44 @@
         </p:nvSpPr>
         <p:spPr>
           <a:xfrm>
-            <a:off x="457200" y="2362200"/>
-            <a:ext cx="8229600" cy="2514600"/>
+            <a:off x="457200" y="2514600"/>
+            <a:ext cx="8229600" cy="3429000"/>
           </a:xfrm>
         </p:spPr>
         <p:txBody>
           <a:bodyPr/>
           <a:lstStyle/>
           <a:p>
-            <a:pPr marL="571500" indent="-285750"/>
-            <a:r>
-              <a:rPr lang="en-US" sz="1600" dirty="0" smtClean="0"/>
-              <a:t>Businesses need to manage a large variety of (sensitive) information</a:t>
-            </a:r>
-          </a:p>
-          <a:p>
-            <a:pPr marL="571500" indent="-285750"/>
-            <a:r>
-              <a:rPr lang="en-US" sz="1600" dirty="0" smtClean="0"/>
-              <a:t>The nature of the information is heterogeneous</a:t>
-            </a:r>
-          </a:p>
-          <a:p>
-            <a:pPr marL="571500" indent="-285750"/>
-            <a:r>
-              <a:rPr lang="en-US" sz="1600" dirty="0" smtClean="0"/>
-              <a:t>The information might or might not be direct property of the business </a:t>
-            </a:r>
-          </a:p>
-          <a:p>
-            <a:pPr marL="571500" indent="-285750"/>
-            <a:r>
-              <a:rPr lang="en-US" sz="1600" dirty="0" smtClean="0"/>
-              <a:t>The responsibility for the handling of the info might be delegated to the business</a:t>
-            </a:r>
-          </a:p>
-          <a:p>
-            <a:pPr marL="571500" indent="-285750"/>
-            <a:r>
-              <a:rPr lang="en-US" sz="1600" dirty="0" smtClean="0"/>
-              <a:t>Some info is operational and is used as key to access larger repositories of data</a:t>
-            </a:r>
-          </a:p>
-          <a:p>
-            <a:pPr marL="571500" indent="-285750"/>
-            <a:r>
-              <a:rPr lang="en-US" sz="1600" dirty="0"/>
-              <a:t>H</a:t>
-            </a:r>
-            <a:r>
-              <a:rPr lang="en-US" sz="1600" dirty="0" smtClean="0"/>
-              <a:t>andling of the information may be regulated by policies and law</a:t>
-            </a:r>
-          </a:p>
-          <a:p>
-            <a:pPr marL="571500" indent="-285750"/>
-            <a:r>
-              <a:rPr lang="en-US" sz="1600" dirty="0" smtClean="0"/>
-              <a:t>Some information may be classified as secret </a:t>
-            </a:r>
-          </a:p>
-          <a:p>
-            <a:pPr marL="285750" indent="0">
+            <a:pPr algn="ctr">
               <a:buNone/>
             </a:pPr>
-            <a:endParaRPr lang="en-US" sz="1600" dirty="0" smtClean="0"/>
+            <a:endParaRPr lang="en-US" dirty="0" smtClean="0"/>
+          </a:p>
+          <a:p>
+            <a:pPr algn="just"/>
+            <a:r>
+              <a:rPr lang="en-US" dirty="0" smtClean="0"/>
+              <a:t>An online </a:t>
+            </a:r>
+            <a:r>
+              <a:rPr lang="en-US" dirty="0"/>
+              <a:t>community that produces freely-available articles, methodologies, documentation, tools, and technologies in the field of </a:t>
+            </a:r>
+            <a:r>
+              <a:rPr lang="en-US" dirty="0" smtClean="0"/>
+              <a:t>web application security.</a:t>
+            </a:r>
+          </a:p>
+          <a:p>
+            <a:pPr algn="just"/>
+            <a:r>
+              <a:rPr lang="en-US" dirty="0" smtClean="0"/>
+              <a:t>A frame of reference to keep up-to-date with security threats.</a:t>
+            </a:r>
+            <a:endParaRPr lang="en-US" dirty="0" smtClean="0"/>
+          </a:p>
+          <a:p>
+            <a:endParaRPr lang="en-US" dirty="0" smtClean="0"/>
           </a:p>
           <a:p>
             <a:endParaRPr lang="en-US" dirty="0"/>
@@ -8500,7 +11436,7 @@
             <a:fld id="{02623B3A-910D-43F4-BBA9-9429D5B0014D}" type="slidenum">
               <a:rPr lang="en-US" smtClean="0"/>
               <a:pPr/>
-              <a:t>5</a:t>
+              <a:t>7</a:t>
             </a:fld>
             <a:endParaRPr lang="en-US"/>
           </a:p>
@@ -8516,26 +11452,29 @@
             <p:ph type="subTitle" idx="14"/>
           </p:nvPr>
         </p:nvSpPr>
-        <p:spPr/>
-        <p:txBody>
-          <a:bodyPr>
-            <a:normAutofit/>
-          </a:bodyPr>
-          <a:lstStyle/>
-          <a:p>
-            <a:pPr marL="285750"/>
+        <p:spPr>
+          <a:xfrm>
+            <a:off x="1295400" y="1066800"/>
+            <a:ext cx="6400800" cy="457200"/>
+          </a:xfrm>
+        </p:spPr>
+        <p:txBody>
+          <a:bodyPr/>
+          <a:lstStyle/>
+          <a:p>
             <a:r>
               <a:rPr lang="en-US" b="1" dirty="0" smtClean="0">
                 <a:solidFill>
                   <a:schemeClr val="tx1"/>
                 </a:solidFill>
               </a:rPr>
-              <a:t>Information in a business</a:t>
-            </a:r>
-          </a:p>
-          <a:p>
-            <a:pPr marL="285750"/>
-            <a:endParaRPr lang="en-US" b="1" dirty="0" smtClean="0">
+              <a:t>Summary </a:t>
+            </a:r>
+            <a:r>
+              <a:rPr lang="en-US" b="1" dirty="0" smtClean="0"/>
+              <a:t>on OWASP</a:t>
+            </a:r>
+            <a:endParaRPr lang="en-US" dirty="0">
               <a:solidFill>
                 <a:schemeClr val="tx1"/>
               </a:solidFill>
@@ -8543,7 +11482,193 @@
           </a:p>
         </p:txBody>
       </p:sp>
+      <p:sp>
+        <p:nvSpPr>
+          <p:cNvPr id="7" name="Subtitle 2"/>
+          <p:cNvSpPr txBox="1">
+            <a:spLocks/>
+          </p:cNvSpPr>
+          <p:nvPr/>
+        </p:nvSpPr>
+        <p:spPr>
+          <a:xfrm>
+            <a:off x="2133600" y="1714500"/>
+            <a:ext cx="4876800" cy="609600"/>
+          </a:xfrm>
+          <a:prstGeom prst="rect">
+            <a:avLst/>
+          </a:prstGeom>
+          <a:ln w="3175">
+            <a:solidFill>
+              <a:schemeClr val="bg1"/>
+            </a:solidFill>
+          </a:ln>
+        </p:spPr>
+        <p:txBody>
+          <a:bodyPr vert="horz" lIns="91440" tIns="45720" rIns="91440" bIns="45720" rtlCol="0">
+            <a:normAutofit/>
+          </a:bodyPr>
+          <a:lstStyle>
+            <a:lvl1pPr marL="342900" indent="-342900" algn="l" defTabSz="914400" rtl="0" eaLnBrk="1" latinLnBrk="0" hangingPunct="1">
+              <a:spcBef>
+                <a:spcPct val="20000"/>
+              </a:spcBef>
+              <a:buFont typeface="Arial" pitchFamily="34" charset="0"/>
+              <a:buChar char="•"/>
+              <a:defRPr sz="2000" kern="1200">
+                <a:solidFill>
+                  <a:schemeClr val="tx1"/>
+                </a:solidFill>
+                <a:latin typeface="+mn-lt"/>
+                <a:ea typeface="+mn-ea"/>
+                <a:cs typeface="+mn-cs"/>
+              </a:defRPr>
+            </a:lvl1pPr>
+            <a:lvl2pPr marL="742950" indent="-285750" algn="l" defTabSz="914400" rtl="0" eaLnBrk="1" latinLnBrk="0" hangingPunct="1">
+              <a:spcBef>
+                <a:spcPct val="20000"/>
+              </a:spcBef>
+              <a:buFont typeface="Arial" pitchFamily="34" charset="0"/>
+              <a:buChar char="–"/>
+              <a:defRPr sz="1800" kern="1200">
+                <a:solidFill>
+                  <a:schemeClr val="tx1"/>
+                </a:solidFill>
+                <a:latin typeface="+mn-lt"/>
+                <a:ea typeface="+mn-ea"/>
+                <a:cs typeface="+mn-cs"/>
+              </a:defRPr>
+            </a:lvl2pPr>
+            <a:lvl3pPr marL="1143000" indent="-228600" algn="l" defTabSz="914400" rtl="0" eaLnBrk="1" latinLnBrk="0" hangingPunct="1">
+              <a:spcBef>
+                <a:spcPct val="20000"/>
+              </a:spcBef>
+              <a:buFont typeface="Arial" pitchFamily="34" charset="0"/>
+              <a:buChar char="•"/>
+              <a:defRPr sz="1600" kern="1200">
+                <a:solidFill>
+                  <a:schemeClr val="tx1"/>
+                </a:solidFill>
+                <a:latin typeface="+mn-lt"/>
+                <a:ea typeface="+mn-ea"/>
+                <a:cs typeface="+mn-cs"/>
+              </a:defRPr>
+            </a:lvl3pPr>
+            <a:lvl4pPr marL="1600200" indent="-228600" algn="l" defTabSz="914400" rtl="0" eaLnBrk="1" latinLnBrk="0" hangingPunct="1">
+              <a:spcBef>
+                <a:spcPct val="20000"/>
+              </a:spcBef>
+              <a:buFont typeface="Arial" pitchFamily="34" charset="0"/>
+              <a:buChar char="–"/>
+              <a:defRPr sz="1400" kern="1200">
+                <a:solidFill>
+                  <a:schemeClr val="tx1"/>
+                </a:solidFill>
+                <a:latin typeface="+mn-lt"/>
+                <a:ea typeface="+mn-ea"/>
+                <a:cs typeface="+mn-cs"/>
+              </a:defRPr>
+            </a:lvl4pPr>
+            <a:lvl5pPr marL="2057400" indent="-228600" algn="l" defTabSz="914400" rtl="0" eaLnBrk="1" latinLnBrk="0" hangingPunct="1">
+              <a:spcBef>
+                <a:spcPct val="20000"/>
+              </a:spcBef>
+              <a:buFont typeface="Arial" pitchFamily="34" charset="0"/>
+              <a:buChar char="»"/>
+              <a:defRPr sz="1400" kern="1200">
+                <a:solidFill>
+                  <a:schemeClr val="tx1"/>
+                </a:solidFill>
+                <a:latin typeface="+mn-lt"/>
+                <a:ea typeface="+mn-ea"/>
+                <a:cs typeface="+mn-cs"/>
+              </a:defRPr>
+            </a:lvl5pPr>
+            <a:lvl6pPr marL="2514600" indent="-228600" algn="l" defTabSz="914400" rtl="0" eaLnBrk="1" latinLnBrk="0" hangingPunct="1">
+              <a:spcBef>
+                <a:spcPct val="20000"/>
+              </a:spcBef>
+              <a:buFont typeface="Arial" pitchFamily="34" charset="0"/>
+              <a:buChar char="•"/>
+              <a:defRPr sz="2000" kern="1200">
+                <a:solidFill>
+                  <a:schemeClr val="tx1"/>
+                </a:solidFill>
+                <a:latin typeface="+mn-lt"/>
+                <a:ea typeface="+mn-ea"/>
+                <a:cs typeface="+mn-cs"/>
+              </a:defRPr>
+            </a:lvl6pPr>
+            <a:lvl7pPr marL="2971800" indent="-228600" algn="l" defTabSz="914400" rtl="0" eaLnBrk="1" latinLnBrk="0" hangingPunct="1">
+              <a:spcBef>
+                <a:spcPct val="20000"/>
+              </a:spcBef>
+              <a:buFont typeface="Arial" pitchFamily="34" charset="0"/>
+              <a:buChar char="•"/>
+              <a:defRPr sz="2000" kern="1200">
+                <a:solidFill>
+                  <a:schemeClr val="tx1"/>
+                </a:solidFill>
+                <a:latin typeface="+mn-lt"/>
+                <a:ea typeface="+mn-ea"/>
+                <a:cs typeface="+mn-cs"/>
+              </a:defRPr>
+            </a:lvl7pPr>
+            <a:lvl8pPr marL="3429000" indent="-228600" algn="l" defTabSz="914400" rtl="0" eaLnBrk="1" latinLnBrk="0" hangingPunct="1">
+              <a:spcBef>
+                <a:spcPct val="20000"/>
+              </a:spcBef>
+              <a:buFont typeface="Arial" pitchFamily="34" charset="0"/>
+              <a:buChar char="•"/>
+              <a:defRPr sz="2000" kern="1200">
+                <a:solidFill>
+                  <a:schemeClr val="tx1"/>
+                </a:solidFill>
+                <a:latin typeface="+mn-lt"/>
+                <a:ea typeface="+mn-ea"/>
+                <a:cs typeface="+mn-cs"/>
+              </a:defRPr>
+            </a:lvl8pPr>
+            <a:lvl9pPr marL="3886200" indent="-228600" algn="l" defTabSz="914400" rtl="0" eaLnBrk="1" latinLnBrk="0" hangingPunct="1">
+              <a:spcBef>
+                <a:spcPct val="20000"/>
+              </a:spcBef>
+              <a:buFont typeface="Arial" pitchFamily="34" charset="0"/>
+              <a:buChar char="•"/>
+              <a:defRPr sz="2000" kern="1200">
+                <a:solidFill>
+                  <a:schemeClr val="tx1"/>
+                </a:solidFill>
+                <a:latin typeface="+mn-lt"/>
+                <a:ea typeface="+mn-ea"/>
+                <a:cs typeface="+mn-cs"/>
+              </a:defRPr>
+            </a:lvl9pPr>
+          </a:lstStyle>
+          <a:p>
+            <a:pPr marL="0" indent="0">
+              <a:buNone/>
+            </a:pPr>
+            <a:r>
+              <a:rPr lang="en-US" dirty="0" smtClean="0"/>
+              <a:t>Open Web Application Security Project</a:t>
+            </a:r>
+            <a:endParaRPr lang="en-US" dirty="0" smtClean="0">
+              <a:solidFill>
+                <a:schemeClr val="accent1">
+                  <a:lumMod val="25000"/>
+                </a:schemeClr>
+              </a:solidFill>
+            </a:endParaRPr>
+          </a:p>
+        </p:txBody>
+      </p:sp>
     </p:spTree>
+    <p:extLst>
+      <p:ext uri="{BB962C8B-B14F-4D97-AF65-F5344CB8AC3E}">
+        <p14:creationId xmlns:p14="http://schemas.microsoft.com/office/powerpoint/2010/main" val="1103391311"/>
+      </p:ext>
+    </p:extLst>
   </p:cSld>
   <p:clrMapOvr>
     <a:masterClrMapping/>
@@ -8558,7 +11683,7 @@
 </p:sld>
 </file>
 
-<file path=ppt/slides/slide6.xml><?xml version="1.0" encoding="utf-8"?>
+<file path=ppt/slides/slide8.xml><?xml version="1.0" encoding="utf-8"?>
 <p:sld xmlns:a="http://schemas.openxmlformats.org/drawingml/2006/main" xmlns:r="http://schemas.openxmlformats.org/officeDocument/2006/relationships" xmlns:p="http://schemas.openxmlformats.org/presentationml/2006/main">
   <p:cSld>
     <p:bg>
@@ -8622,7 +11747,7 @@
             <a:fld id="{02623B3A-910D-43F4-BBA9-9429D5B0014D}" type="slidenum">
               <a:rPr lang="en-US" smtClean="0"/>
               <a:pPr/>
-              <a:t>6</a:t>
+              <a:t>8</a:t>
             </a:fld>
             <a:endParaRPr lang="en-US" dirty="0"/>
           </a:p>
@@ -8663,425 +11788,12 @@
     </p:spTree>
     <p:extLst>
       <p:ext uri="{BB962C8B-B14F-4D97-AF65-F5344CB8AC3E}">
-        <p14:creationId xmlns:p14="http://schemas.microsoft.com/office/powerpoint/2010/main" val="3398709600"/>
+        <p14:creationId xmlns:p14="http://schemas.microsoft.com/office/powerpoint/2010/main" val="3486729278"/>
       </p:ext>
     </p:extLst>
   </p:cSld>
   <p:clrMapOvr>
     <a:overrideClrMapping bg1="lt1" tx1="dk1" bg2="lt2" tx2="dk2" accent1="accent1" accent2="accent2" accent3="accent3" accent4="accent4" accent5="accent5" accent6="accent6" hlink="hlink" folHlink="folHlink"/>
-  </p:clrMapOvr>
-  <p:timing>
-    <p:tnLst>
-      <p:par>
-        <p:cTn id="1" dur="indefinite" restart="never" nodeType="tmRoot"/>
-      </p:par>
-    </p:tnLst>
-  </p:timing>
-</p:sld>
-</file>
-
-<file path=ppt/slides/slide7.xml><?xml version="1.0" encoding="utf-8"?>
-<p:sld xmlns:a="http://schemas.openxmlformats.org/drawingml/2006/main" xmlns:r="http://schemas.openxmlformats.org/officeDocument/2006/relationships" xmlns:p="http://schemas.openxmlformats.org/presentationml/2006/main">
-  <p:cSld>
-    <p:spTree>
-      <p:nvGrpSpPr>
-        <p:cNvPr id="1" name=""/>
-        <p:cNvGrpSpPr/>
-        <p:nvPr/>
-      </p:nvGrpSpPr>
-      <p:grpSpPr>
-        <a:xfrm>
-          <a:off x="0" y="0"/>
-          <a:ext cx="0" cy="0"/>
-          <a:chOff x="0" y="0"/>
-          <a:chExt cx="0" cy="0"/>
-        </a:xfrm>
-      </p:grpSpPr>
-      <p:sp>
-        <p:nvSpPr>
-          <p:cNvPr id="3" name="Segnaposto contenuto 2"/>
-          <p:cNvSpPr>
-            <a:spLocks noGrp="1"/>
-          </p:cNvSpPr>
-          <p:nvPr>
-            <p:ph idx="1"/>
-          </p:nvPr>
-        </p:nvSpPr>
-        <p:spPr/>
-        <p:txBody>
-          <a:bodyPr/>
-          <a:lstStyle/>
-          <a:p>
-            <a:r>
-              <a:rPr lang="en-US" dirty="0" smtClean="0"/>
-              <a:t>It must be kept safe somewhere</a:t>
-            </a:r>
-          </a:p>
-          <a:p>
-            <a:r>
-              <a:rPr lang="en-US" dirty="0" smtClean="0"/>
-              <a:t>It cannot (even accidentally) be shared with anyone who should not know</a:t>
-            </a:r>
-          </a:p>
-          <a:p>
-            <a:r>
-              <a:rPr lang="en-US" dirty="0" smtClean="0"/>
-              <a:t>It can be forgotten, lost, stolen or corrupted in which case becomes worthless and/or can cause loss of assets</a:t>
-            </a:r>
-          </a:p>
-          <a:p>
-            <a:r>
-              <a:rPr lang="en-US" dirty="0" smtClean="0"/>
-              <a:t>Just the suspicion of loss or of accidental leak makes it worthless and a liability</a:t>
-            </a:r>
-          </a:p>
-          <a:p>
-            <a:r>
-              <a:rPr lang="en-US" dirty="0" smtClean="0"/>
-              <a:t>More than one secret and life gets very complicated!</a:t>
-            </a:r>
-            <a:endParaRPr lang="en-US" dirty="0"/>
-          </a:p>
-        </p:txBody>
-      </p:sp>
-      <p:sp>
-        <p:nvSpPr>
-          <p:cNvPr id="4" name="Segnaposto data 3"/>
-          <p:cNvSpPr>
-            <a:spLocks noGrp="1"/>
-          </p:cNvSpPr>
-          <p:nvPr>
-            <p:ph type="dt" sz="half" idx="10"/>
-          </p:nvPr>
-        </p:nvSpPr>
-        <p:spPr/>
-        <p:txBody>
-          <a:bodyPr/>
-          <a:lstStyle/>
-          <a:p>
-            <a:fld id="{F8078618-4CAE-48E8-A205-9D92A68D094A}" type="datetime1">
-              <a:rPr lang="en-US" smtClean="0"/>
-              <a:pPr/>
-              <a:t>5/14/2019</a:t>
-            </a:fld>
-            <a:endParaRPr lang="en-US"/>
-          </a:p>
-        </p:txBody>
-      </p:sp>
-      <p:sp>
-        <p:nvSpPr>
-          <p:cNvPr id="5" name="Segnaposto numero diapositiva 4"/>
-          <p:cNvSpPr>
-            <a:spLocks noGrp="1"/>
-          </p:cNvSpPr>
-          <p:nvPr>
-            <p:ph type="sldNum" sz="quarter" idx="12"/>
-          </p:nvPr>
-        </p:nvSpPr>
-        <p:spPr/>
-        <p:txBody>
-          <a:bodyPr/>
-          <a:lstStyle/>
-          <a:p>
-            <a:fld id="{02623B3A-910D-43F4-BBA9-9429D5B0014D}" type="slidenum">
-              <a:rPr lang="en-US" smtClean="0"/>
-              <a:pPr/>
-              <a:t>7</a:t>
-            </a:fld>
-            <a:endParaRPr lang="en-US"/>
-          </a:p>
-        </p:txBody>
-      </p:sp>
-      <p:sp>
-        <p:nvSpPr>
-          <p:cNvPr id="7" name="Sottotitolo 6"/>
-          <p:cNvSpPr>
-            <a:spLocks noGrp="1"/>
-          </p:cNvSpPr>
-          <p:nvPr>
-            <p:ph type="subTitle" idx="14"/>
-          </p:nvPr>
-        </p:nvSpPr>
-        <p:spPr>
-          <a:xfrm>
-            <a:off x="1143000" y="1066800"/>
-            <a:ext cx="6400800" cy="457200"/>
-          </a:xfrm>
-        </p:spPr>
-        <p:txBody>
-          <a:bodyPr/>
-          <a:lstStyle/>
-          <a:p>
-            <a:r>
-              <a:rPr lang="en-US" b="1" dirty="0" smtClean="0">
-                <a:solidFill>
-                  <a:schemeClr val="tx1"/>
-                </a:solidFill>
-              </a:rPr>
-              <a:t>Secrets</a:t>
-            </a:r>
-            <a:endParaRPr lang="en-US" b="1" dirty="0">
-              <a:solidFill>
-                <a:schemeClr val="tx1"/>
-              </a:solidFill>
-            </a:endParaRPr>
-          </a:p>
-        </p:txBody>
-      </p:sp>
-    </p:spTree>
-    <p:extLst>
-      <p:ext uri="{BB962C8B-B14F-4D97-AF65-F5344CB8AC3E}">
-        <p14:creationId xmlns:p14="http://schemas.microsoft.com/office/powerpoint/2010/main" val="148647950"/>
-      </p:ext>
-    </p:extLst>
-  </p:cSld>
-  <p:clrMapOvr>
-    <a:masterClrMapping/>
-  </p:clrMapOvr>
-  <p:timing>
-    <p:tnLst>
-      <p:par>
-        <p:cTn id="1" dur="indefinite" restart="never" nodeType="tmRoot"/>
-      </p:par>
-    </p:tnLst>
-  </p:timing>
-</p:sld>
-</file>
-
-<file path=ppt/slides/slide8.xml><?xml version="1.0" encoding="utf-8"?>
-<p:sld xmlns:a="http://schemas.openxmlformats.org/drawingml/2006/main" xmlns:r="http://schemas.openxmlformats.org/officeDocument/2006/relationships" xmlns:p="http://schemas.openxmlformats.org/presentationml/2006/main">
-  <p:cSld>
-    <p:spTree>
-      <p:nvGrpSpPr>
-        <p:cNvPr id="1" name=""/>
-        <p:cNvGrpSpPr/>
-        <p:nvPr/>
-      </p:nvGrpSpPr>
-      <p:grpSpPr>
-        <a:xfrm>
-          <a:off x="0" y="0"/>
-          <a:ext cx="0" cy="0"/>
-          <a:chOff x="0" y="0"/>
-          <a:chExt cx="0" cy="0"/>
-        </a:xfrm>
-      </p:grpSpPr>
-      <p:sp>
-        <p:nvSpPr>
-          <p:cNvPr id="3" name="Segnaposto contenuto 2"/>
-          <p:cNvSpPr>
-            <a:spLocks noGrp="1"/>
-          </p:cNvSpPr>
-          <p:nvPr>
-            <p:ph idx="1"/>
-          </p:nvPr>
-        </p:nvSpPr>
-        <p:spPr>
-          <a:xfrm>
-            <a:off x="460513" y="1752600"/>
-            <a:ext cx="8229600" cy="3962400"/>
-          </a:xfrm>
-        </p:spPr>
-        <p:txBody>
-          <a:bodyPr/>
-          <a:lstStyle/>
-          <a:p>
-            <a:r>
-              <a:rPr lang="en-US" dirty="0" smtClean="0">
-                <a:hlinkClick r:id="rId2"/>
-              </a:rPr>
-              <a:t>Where to store a server side encryption key?</a:t>
-            </a:r>
-            <a:endParaRPr lang="en-US" dirty="0" smtClean="0"/>
-          </a:p>
-          <a:p>
-            <a:endParaRPr lang="en-US" dirty="0"/>
-          </a:p>
-          <a:p>
-            <a:pPr marL="0" indent="0">
-              <a:buNone/>
-            </a:pPr>
-            <a:r>
-              <a:rPr lang="en-US" dirty="0" smtClean="0"/>
-              <a:t>This is a good question posed on Stack Exchange Information Security.</a:t>
-            </a:r>
-          </a:p>
-          <a:p>
-            <a:pPr marL="0" indent="0">
-              <a:buNone/>
-            </a:pPr>
-            <a:endParaRPr lang="en-US" dirty="0" smtClean="0"/>
-          </a:p>
-          <a:p>
-            <a:pPr marL="457200" indent="-457200">
-              <a:buFont typeface="+mj-lt"/>
-              <a:buAutoNum type="arabicPeriod"/>
-            </a:pPr>
-            <a:r>
-              <a:rPr lang="en-US" dirty="0"/>
-              <a:t>Use an external Hardware Security </a:t>
-            </a:r>
-            <a:r>
-              <a:rPr lang="en-US" dirty="0" smtClean="0"/>
-              <a:t>Module.</a:t>
-            </a:r>
-            <a:r>
-              <a:rPr lang="en-US" dirty="0"/>
-              <a:t> </a:t>
-            </a:r>
-            <a:endParaRPr lang="en-US" dirty="0" smtClean="0"/>
-          </a:p>
-          <a:p>
-            <a:pPr marL="457200" indent="-457200">
-              <a:buFont typeface="+mj-lt"/>
-              <a:buAutoNum type="arabicPeriod"/>
-            </a:pPr>
-            <a:r>
-              <a:rPr lang="en-US" dirty="0"/>
-              <a:t>Tie the encryption key to your </a:t>
-            </a:r>
-            <a:r>
-              <a:rPr lang="en-US" dirty="0" smtClean="0"/>
-              <a:t>hardware i.e. </a:t>
-            </a:r>
-            <a:r>
-              <a:rPr lang="en-US" dirty="0"/>
-              <a:t>TPM chips </a:t>
-            </a:r>
-            <a:r>
-              <a:rPr lang="en-US" dirty="0" smtClean="0"/>
-              <a:t>.</a:t>
-            </a:r>
-          </a:p>
-          <a:p>
-            <a:pPr marL="457200" indent="-457200">
-              <a:buFont typeface="+mj-lt"/>
-              <a:buAutoNum type="arabicPeriod"/>
-            </a:pPr>
-            <a:r>
-              <a:rPr lang="en-US" dirty="0"/>
-              <a:t>Tie the encryption key to your admin login </a:t>
-            </a:r>
-            <a:endParaRPr lang="en-US" dirty="0" smtClean="0"/>
-          </a:p>
-          <a:p>
-            <a:pPr marL="457200" indent="-457200">
-              <a:buFont typeface="+mj-lt"/>
-              <a:buAutoNum type="arabicPeriod"/>
-            </a:pPr>
-            <a:r>
-              <a:rPr lang="en-US" dirty="0"/>
-              <a:t>Type in the encryption key when you start up, store it in memory</a:t>
-            </a:r>
-            <a:r>
-              <a:rPr lang="en-US" dirty="0" smtClean="0"/>
-              <a:t>.</a:t>
-            </a:r>
-          </a:p>
-          <a:p>
-            <a:pPr marL="457200" indent="-457200">
-              <a:buFont typeface="+mj-lt"/>
-              <a:buAutoNum type="arabicPeriod"/>
-            </a:pPr>
-            <a:r>
-              <a:rPr lang="en-US" dirty="0"/>
-              <a:t>Store the key on a different server. </a:t>
-            </a:r>
-          </a:p>
-        </p:txBody>
-      </p:sp>
-      <p:sp>
-        <p:nvSpPr>
-          <p:cNvPr id="4" name="Segnaposto data 3"/>
-          <p:cNvSpPr>
-            <a:spLocks noGrp="1"/>
-          </p:cNvSpPr>
-          <p:nvPr>
-            <p:ph type="dt" sz="half" idx="10"/>
-          </p:nvPr>
-        </p:nvSpPr>
-        <p:spPr/>
-        <p:txBody>
-          <a:bodyPr/>
-          <a:lstStyle/>
-          <a:p>
-            <a:fld id="{F8078618-4CAE-48E8-A205-9D92A68D094A}" type="datetime1">
-              <a:rPr lang="en-US" smtClean="0"/>
-              <a:pPr/>
-              <a:t>5/14/2019</a:t>
-            </a:fld>
-            <a:endParaRPr lang="en-US"/>
-          </a:p>
-        </p:txBody>
-      </p:sp>
-      <p:sp>
-        <p:nvSpPr>
-          <p:cNvPr id="5" name="Segnaposto numero diapositiva 4"/>
-          <p:cNvSpPr>
-            <a:spLocks noGrp="1"/>
-          </p:cNvSpPr>
-          <p:nvPr>
-            <p:ph type="sldNum" sz="quarter" idx="12"/>
-          </p:nvPr>
-        </p:nvSpPr>
-        <p:spPr/>
-        <p:txBody>
-          <a:bodyPr/>
-          <a:lstStyle/>
-          <a:p>
-            <a:fld id="{02623B3A-910D-43F4-BBA9-9429D5B0014D}" type="slidenum">
-              <a:rPr lang="en-US" smtClean="0"/>
-              <a:pPr/>
-              <a:t>8</a:t>
-            </a:fld>
-            <a:endParaRPr lang="en-US"/>
-          </a:p>
-        </p:txBody>
-      </p:sp>
-      <p:sp>
-        <p:nvSpPr>
-          <p:cNvPr id="7" name="Sottotitolo 6"/>
-          <p:cNvSpPr>
-            <a:spLocks noGrp="1"/>
-          </p:cNvSpPr>
-          <p:nvPr>
-            <p:ph type="subTitle" idx="14"/>
-          </p:nvPr>
-        </p:nvSpPr>
-        <p:spPr>
-          <a:xfrm>
-            <a:off x="1143000" y="1066800"/>
-            <a:ext cx="6400800" cy="457200"/>
-          </a:xfrm>
-        </p:spPr>
-        <p:txBody>
-          <a:bodyPr/>
-          <a:lstStyle/>
-          <a:p>
-            <a:r>
-              <a:rPr lang="en-US" b="1" dirty="0" smtClean="0">
-                <a:solidFill>
-                  <a:schemeClr val="tx1"/>
-                </a:solidFill>
-              </a:rPr>
-              <a:t>Where to store a secret?</a:t>
-            </a:r>
-            <a:endParaRPr lang="en-US" b="1" dirty="0">
-              <a:solidFill>
-                <a:schemeClr val="tx1"/>
-              </a:solidFill>
-            </a:endParaRPr>
-          </a:p>
-        </p:txBody>
-      </p:sp>
-    </p:spTree>
-    <p:extLst>
-      <p:ext uri="{BB962C8B-B14F-4D97-AF65-F5344CB8AC3E}">
-        <p14:creationId xmlns:p14="http://schemas.microsoft.com/office/powerpoint/2010/main" val="4093124646"/>
-      </p:ext>
-    </p:extLst>
-  </p:cSld>
-  <p:clrMapOvr>
-    <a:masterClrMapping/>
   </p:clrMapOvr>
   <p:timing>
     <p:tnLst>
@@ -9133,25 +11845,19 @@
           <a:p>
             <a:r>
               <a:rPr lang="en-US" dirty="0" smtClean="0"/>
-              <a:t>It cannot be shared with anyone who should not know</a:t>
+              <a:t>It cannot (even accidentally) be shared with anyone who should not know</a:t>
             </a:r>
           </a:p>
           <a:p>
             <a:r>
               <a:rPr lang="en-US" dirty="0" smtClean="0"/>
-              <a:t>It can be forgotten or lost</a:t>
+              <a:t>It can be forgotten, lost, stolen or corrupted in which case becomes worthless and/or can cause loss of assets</a:t>
             </a:r>
           </a:p>
           <a:p>
             <a:r>
               <a:rPr lang="en-US" dirty="0" smtClean="0"/>
-              <a:t>If stolen it becomes worthless</a:t>
-            </a:r>
-          </a:p>
-          <a:p>
-            <a:r>
-              <a:rPr lang="en-US" dirty="0" smtClean="0"/>
-              <a:t>Just the suspicion of loss or of a leak makes it worthless</a:t>
+              <a:t>Just the suspicion of loss or of accidental leak makes it worthless and a liability</a:t>
             </a:r>
           </a:p>
           <a:p>
@@ -9237,7 +11943,7 @@
                   <a:schemeClr val="tx1"/>
                 </a:solidFill>
               </a:rPr>
-              <a:t>The Problems with Secrets</a:t>
+              <a:t>Secrets</a:t>
             </a:r>
             <a:endParaRPr lang="en-US" b="1" dirty="0">
               <a:solidFill>
@@ -9250,7 +11956,7 @@
     </p:spTree>
     <p:extLst>
       <p:ext uri="{BB962C8B-B14F-4D97-AF65-F5344CB8AC3E}">
-        <p14:creationId xmlns:p14="http://schemas.microsoft.com/office/powerpoint/2010/main" val="2203314043"/>
+        <p14:creationId xmlns:p14="http://schemas.microsoft.com/office/powerpoint/2010/main" val="148647950"/>
       </p:ext>
     </p:extLst>
   </p:cSld>
@@ -10219,7 +12925,62 @@
 </a:themeOverride>
 </file>
 
+<file path=ppt/theme/themeOverride4.xml><?xml version="1.0" encoding="utf-8"?>
+<a:themeOverride xmlns:a="http://schemas.openxmlformats.org/drawingml/2006/main">
+  <a:clrScheme name="WürthPhoenix">
+    <a:dk1>
+      <a:sysClr val="windowText" lastClr="000000"/>
+    </a:dk1>
+    <a:lt1>
+      <a:sysClr val="window" lastClr="FFFFFF"/>
+    </a:lt1>
+    <a:dk2>
+      <a:srgbClr val="7F7F7F"/>
+    </a:dk2>
+    <a:lt2>
+      <a:srgbClr val="EEECE1"/>
+    </a:lt2>
+    <a:accent1>
+      <a:srgbClr val="D8D8D8"/>
+    </a:accent1>
+    <a:accent2>
+      <a:srgbClr val="000000"/>
+    </a:accent2>
+    <a:accent3>
+      <a:srgbClr val="FF0000"/>
+    </a:accent3>
+    <a:accent4>
+      <a:srgbClr val="F2F2F2"/>
+    </a:accent4>
+    <a:accent5>
+      <a:srgbClr val="C00000"/>
+    </a:accent5>
+    <a:accent6>
+      <a:srgbClr val="F2F2F2"/>
+    </a:accent6>
+    <a:hlink>
+      <a:srgbClr val="0000FF"/>
+    </a:hlink>
+    <a:folHlink>
+      <a:srgbClr val="C00000"/>
+    </a:folHlink>
+  </a:clrScheme>
+</a:themeOverride>
+</file>
+
 <file path=customXml/item1.xml><?xml version="1.0" encoding="utf-8"?>
+<p:properties xmlns:p="http://schemas.microsoft.com/office/2006/metadata/properties" xmlns:xsi="http://www.w3.org/2001/XMLSchema-instance" xmlns:pc="http://schemas.microsoft.com/office/infopath/2007/PartnerControls">
+  <documentManagement>
+    <Module xmlns="00f996c0-c54d-4e74-bd1f-4dc98d288dc1">Other</Module>
+    <Comment xmlns="00f996c0-c54d-4e74-bd1f-4dc98d288dc1" xsi:nil="true"/>
+    <Manual xmlns="00f996c0-c54d-4e74-bd1f-4dc98d288dc1">Research Activities</Manual>
+    <Language xmlns="00f996c0-c54d-4e74-bd1f-4dc98d288dc1">EN</Language>
+    <Application xmlns="00f996c0-c54d-4e74-bd1f-4dc98d288dc1">DAX2012</Application>
+  </documentManagement>
+</p:properties>
+</file>
+
+<file path=customXml/item2.xml><?xml version="1.0" encoding="utf-8"?>
 <ct:contentTypeSchema xmlns:ct="http://schemas.microsoft.com/office/2006/metadata/contentType" xmlns:ma="http://schemas.microsoft.com/office/2006/metadata/properties/metaAttributes" ct:_="" ma:_="" ma:contentTypeName="Document" ma:contentTypeID="0x01010047BE36A7D7E3284AAF54A9304029004A" ma:contentTypeVersion="5" ma:contentTypeDescription="Create a new document." ma:contentTypeScope="" ma:versionID="c41cecac77d1fce3cca08e421bb73e78">
   <xsd:schema xmlns:xsd="http://www.w3.org/2001/XMLSchema" xmlns:xs="http://www.w3.org/2001/XMLSchema" xmlns:p="http://schemas.microsoft.com/office/2006/metadata/properties" xmlns:ns2="00f996c0-c54d-4e74-bd1f-4dc98d288dc1" targetNamespace="http://schemas.microsoft.com/office/2006/metadata/properties" ma:root="true" ma:fieldsID="8170742d2341719c31d0929a5c17f8bb" ns2:_="">
     <xsd:import namespace="00f996c0-c54d-4e74-bd1f-4dc98d288dc1"/>
@@ -10388,18 +13149,6 @@
 </ct:contentTypeSchema>
 </file>
 
-<file path=customXml/item2.xml><?xml version="1.0" encoding="utf-8"?>
-<p:properties xmlns:p="http://schemas.microsoft.com/office/2006/metadata/properties" xmlns:xsi="http://www.w3.org/2001/XMLSchema-instance" xmlns:pc="http://schemas.microsoft.com/office/infopath/2007/PartnerControls">
-  <documentManagement>
-    <Module xmlns="00f996c0-c54d-4e74-bd1f-4dc98d288dc1">Other</Module>
-    <Comment xmlns="00f996c0-c54d-4e74-bd1f-4dc98d288dc1" xsi:nil="true"/>
-    <Manual xmlns="00f996c0-c54d-4e74-bd1f-4dc98d288dc1">Research Activities</Manual>
-    <Language xmlns="00f996c0-c54d-4e74-bd1f-4dc98d288dc1">EN</Language>
-    <Application xmlns="00f996c0-c54d-4e74-bd1f-4dc98d288dc1">DAX2012</Application>
-  </documentManagement>
-</p:properties>
-</file>
-
 <file path=customXml/item3.xml><?xml version="1.0" encoding="utf-8"?>
 <?mso-contentType ?>
 <FormTemplates xmlns="http://schemas.microsoft.com/sharepoint/v3/contenttype/forms">
@@ -10410,6 +13159,22 @@
 </file>
 
 <file path=customXml/itemProps1.xml><?xml version="1.0" encoding="utf-8"?>
+<ds:datastoreItem xmlns:ds="http://schemas.openxmlformats.org/officeDocument/2006/customXml" ds:itemID="{00BE2236-5581-4DC9-88C8-7D3CDFC20C7F}">
+  <ds:schemaRefs>
+    <ds:schemaRef ds:uri="http://schemas.microsoft.com/office/2006/metadata/properties"/>
+    <ds:schemaRef ds:uri="http://purl.org/dc/terms/"/>
+    <ds:schemaRef ds:uri="http://schemas.openxmlformats.org/package/2006/metadata/core-properties"/>
+    <ds:schemaRef ds:uri="http://schemas.microsoft.com/office/2006/documentManagement/types"/>
+    <ds:schemaRef ds:uri="http://schemas.microsoft.com/office/infopath/2007/PartnerControls"/>
+    <ds:schemaRef ds:uri="00f996c0-c54d-4e74-bd1f-4dc98d288dc1"/>
+    <ds:schemaRef ds:uri="http://purl.org/dc/elements/1.1/"/>
+    <ds:schemaRef ds:uri="http://www.w3.org/XML/1998/namespace"/>
+    <ds:schemaRef ds:uri="http://purl.org/dc/dcmitype/"/>
+  </ds:schemaRefs>
+</ds:datastoreItem>
+</file>
+
+<file path=customXml/itemProps2.xml><?xml version="1.0" encoding="utf-8"?>
 <ds:datastoreItem xmlns:ds="http://schemas.openxmlformats.org/officeDocument/2006/customXml" ds:itemID="{742DA801-DDF4-459E-9485-7A79D9BBB6B7}">
   <ds:schemaRefs>
     <ds:schemaRef ds:uri="http://schemas.microsoft.com/office/2006/metadata/contentType"/>
@@ -10427,22 +13192,6 @@
 </ds:datastoreItem>
 </file>
 
-<file path=customXml/itemProps2.xml><?xml version="1.0" encoding="utf-8"?>
-<ds:datastoreItem xmlns:ds="http://schemas.openxmlformats.org/officeDocument/2006/customXml" ds:itemID="{00BE2236-5581-4DC9-88C8-7D3CDFC20C7F}">
-  <ds:schemaRefs>
-    <ds:schemaRef ds:uri="http://schemas.microsoft.com/office/2006/metadata/properties"/>
-    <ds:schemaRef ds:uri="http://purl.org/dc/terms/"/>
-    <ds:schemaRef ds:uri="http://schemas.openxmlformats.org/package/2006/metadata/core-properties"/>
-    <ds:schemaRef ds:uri="http://schemas.microsoft.com/office/2006/documentManagement/types"/>
-    <ds:schemaRef ds:uri="http://schemas.microsoft.com/office/infopath/2007/PartnerControls"/>
-    <ds:schemaRef ds:uri="00f996c0-c54d-4e74-bd1f-4dc98d288dc1"/>
-    <ds:schemaRef ds:uri="http://purl.org/dc/elements/1.1/"/>
-    <ds:schemaRef ds:uri="http://www.w3.org/XML/1998/namespace"/>
-    <ds:schemaRef ds:uri="http://purl.org/dc/dcmitype/"/>
-  </ds:schemaRefs>
-</ds:datastoreItem>
-</file>
-
 <file path=customXml/itemProps3.xml><?xml version="1.0" encoding="utf-8"?>
 <ds:datastoreItem xmlns:ds="http://schemas.openxmlformats.org/officeDocument/2006/customXml" ds:itemID="{AD1EB6FD-9432-44B6-B1BD-B86A98CDAAFE}">
   <ds:schemaRefs>

--- a/Presentation.pptx
+++ b/Presentation.pptx
@@ -10195,7 +10195,19 @@
                 </a:solidFill>
                 <a:latin typeface="Segoe UI" panose="020B0502040204020203" pitchFamily="34" charset="0"/>
               </a:rPr>
-              <a:t>Can use managed or customer encryption keys as for SSE. </a:t>
+              <a:t>Can use managed or customer encryption keys as for SSE</a:t>
+            </a:r>
+          </a:p>
+          <a:p>
+            <a:pPr algn="just"/>
+            <a:r>
+              <a:rPr lang="en-US" dirty="0" smtClean="0">
+                <a:solidFill>
+                  <a:srgbClr val="000000"/>
+                </a:solidFill>
+                <a:latin typeface="Segoe UI" panose="020B0502040204020203" pitchFamily="34" charset="0"/>
+              </a:rPr>
+              <a:t>Can be enabled at Server or database level</a:t>
             </a:r>
             <a:endParaRPr lang="en-US" dirty="0" smtClean="0"/>
           </a:p>

--- a/Presentation.pptx
+++ b/Presentation.pptx
@@ -5,10 +5,10 @@
     <p:sldMasterId id="2147483648" r:id="rId4"/>
   </p:sldMasterIdLst>
   <p:notesMasterIdLst>
-    <p:notesMasterId r:id="rId45"/>
+    <p:notesMasterId r:id="rId47"/>
   </p:notesMasterIdLst>
   <p:handoutMasterIdLst>
-    <p:handoutMasterId r:id="rId46"/>
+    <p:handoutMasterId r:id="rId48"/>
   </p:handoutMasterIdLst>
   <p:sldIdLst>
     <p:sldId id="256" r:id="rId5"/>
@@ -48,9 +48,11 @@
     <p:sldId id="304" r:id="rId39"/>
     <p:sldId id="301" r:id="rId40"/>
     <p:sldId id="291" r:id="rId41"/>
-    <p:sldId id="300" r:id="rId42"/>
-    <p:sldId id="264" r:id="rId43"/>
-    <p:sldId id="278" r:id="rId44"/>
+    <p:sldId id="306" r:id="rId42"/>
+    <p:sldId id="300" r:id="rId43"/>
+    <p:sldId id="305" r:id="rId44"/>
+    <p:sldId id="264" r:id="rId45"/>
+    <p:sldId id="278" r:id="rId46"/>
   </p:sldIdLst>
   <p:sldSz cx="9144000" cy="6858000" type="screen4x3"/>
   <p:notesSz cx="6669088" cy="9928225"/>
@@ -265,7 +267,7 @@
             <a:fld id="{AB929E34-DEA3-4895-846A-C2BBEF4A5080}" type="datetimeFigureOut">
               <a:rPr lang="en-US" smtClean="0"/>
               <a:pPr/>
-              <a:t>5/14/2019</a:t>
+              <a:t>5/15/2019</a:t>
             </a:fld>
             <a:endParaRPr lang="en-US"/>
           </a:p>
@@ -432,7 +434,7 @@
             <a:fld id="{D757427D-1431-4F41-9EB2-74C3A27350CA}" type="datetimeFigureOut">
               <a:rPr lang="en-US" smtClean="0"/>
               <a:pPr/>
-              <a:t>5/14/2019</a:t>
+              <a:t>5/15/2019</a:t>
             </a:fld>
             <a:endParaRPr lang="en-US"/>
           </a:p>
@@ -855,7 +857,7 @@
             <a:fld id="{41D89EAC-7ACA-4BE3-B5E1-4490AC0DEEC2}" type="datetime1">
               <a:rPr lang="en-US" smtClean="0"/>
               <a:pPr/>
-              <a:t>5/14/2019</a:t>
+              <a:t>5/15/2019</a:t>
             </a:fld>
             <a:endParaRPr lang="en-US"/>
           </a:p>
@@ -1030,7 +1032,7 @@
             <a:fld id="{F8078618-4CAE-48E8-A205-9D92A68D094A}" type="datetime1">
               <a:rPr lang="en-US" smtClean="0"/>
               <a:pPr/>
-              <a:t>5/14/2019</a:t>
+              <a:t>5/15/2019</a:t>
             </a:fld>
             <a:endParaRPr lang="en-US"/>
           </a:p>
@@ -1329,7 +1331,7 @@
             <a:fld id="{F8078618-4CAE-48E8-A205-9D92A68D094A}" type="datetime1">
               <a:rPr lang="en-US" smtClean="0"/>
               <a:pPr/>
-              <a:t>5/14/2019</a:t>
+              <a:t>5/15/2019</a:t>
             </a:fld>
             <a:endParaRPr lang="en-US"/>
           </a:p>
@@ -1611,7 +1613,7 @@
             <a:fld id="{6B00E453-848C-4CB7-9F7F-96588418CD05}" type="datetime1">
               <a:rPr lang="en-US" smtClean="0"/>
               <a:pPr/>
-              <a:t>5/14/2019</a:t>
+              <a:t>5/15/2019</a:t>
             </a:fld>
             <a:endParaRPr lang="en-US"/>
           </a:p>
@@ -2031,7 +2033,7 @@
             <a:fld id="{6205F48F-7385-4145-8996-92AF39DE194F}" type="datetime1">
               <a:rPr lang="en-US" smtClean="0"/>
               <a:pPr/>
-              <a:t>5/14/2019</a:t>
+              <a:t>5/15/2019</a:t>
             </a:fld>
             <a:endParaRPr lang="en-US"/>
           </a:p>
@@ -2139,7 +2141,7 @@
             <a:fld id="{117843E3-9C32-491F-AC75-91C8E4F20BD2}" type="datetime1">
               <a:rPr lang="en-US" smtClean="0"/>
               <a:pPr/>
-              <a:t>5/14/2019</a:t>
+              <a:t>5/15/2019</a:t>
             </a:fld>
             <a:endParaRPr lang="en-US"/>
           </a:p>
@@ -2595,7 +2597,7 @@
             <a:fld id="{967291D2-A40C-4E5C-A267-C4BBED92FF0C}" type="datetime1">
               <a:rPr lang="en-US" smtClean="0"/>
               <a:pPr/>
-              <a:t>5/14/2019</a:t>
+              <a:t>5/15/2019</a:t>
             </a:fld>
             <a:endParaRPr lang="en-US" dirty="0"/>
           </a:p>
@@ -3364,7 +3366,7 @@
             <a:fld id="{DD590542-A0EB-48D5-9722-C0A8052BF4A2}" type="datetime1">
               <a:rPr lang="en-US" smtClean="0"/>
               <a:pPr/>
-              <a:t>5/14/2019</a:t>
+              <a:t>5/15/2019</a:t>
             </a:fld>
             <a:endParaRPr lang="en-US" dirty="0"/>
           </a:p>
@@ -3605,7 +3607,7 @@
             <a:fld id="{F8078618-4CAE-48E8-A205-9D92A68D094A}" type="datetime1">
               <a:rPr lang="en-US" smtClean="0"/>
               <a:pPr/>
-              <a:t>5/14/2019</a:t>
+              <a:t>5/15/2019</a:t>
             </a:fld>
             <a:endParaRPr lang="en-US"/>
           </a:p>
@@ -3779,7 +3781,7 @@
             <a:fld id="{F8078618-4CAE-48E8-A205-9D92A68D094A}" type="datetime1">
               <a:rPr lang="en-US" smtClean="0"/>
               <a:pPr/>
-              <a:t>5/14/2019</a:t>
+              <a:t>5/15/2019</a:t>
             </a:fld>
             <a:endParaRPr lang="en-US"/>
           </a:p>
@@ -4033,7 +4035,7 @@
             <a:fld id="{F8078618-4CAE-48E8-A205-9D92A68D094A}" type="datetime1">
               <a:rPr lang="en-US" smtClean="0"/>
               <a:pPr/>
-              <a:t>5/14/2019</a:t>
+              <a:t>5/15/2019</a:t>
             </a:fld>
             <a:endParaRPr lang="en-US"/>
           </a:p>
@@ -4256,7 +4258,7 @@
             <a:fld id="{F8078618-4CAE-48E8-A205-9D92A68D094A}" type="datetime1">
               <a:rPr lang="en-US" smtClean="0"/>
               <a:pPr/>
-              <a:t>5/14/2019</a:t>
+              <a:t>5/15/2019</a:t>
             </a:fld>
             <a:endParaRPr lang="en-US"/>
           </a:p>
@@ -4483,7 +4485,7 @@
             <a:fld id="{F8078618-4CAE-48E8-A205-9D92A68D094A}" type="datetime1">
               <a:rPr lang="en-US" smtClean="0"/>
               <a:pPr/>
-              <a:t>5/14/2019</a:t>
+              <a:t>5/15/2019</a:t>
             </a:fld>
             <a:endParaRPr lang="en-US"/>
           </a:p>
@@ -4681,7 +4683,7 @@
             <a:fld id="{F8078618-4CAE-48E8-A205-9D92A68D094A}" type="datetime1">
               <a:rPr lang="en-US" smtClean="0"/>
               <a:pPr/>
-              <a:t>5/14/2019</a:t>
+              <a:t>5/15/2019</a:t>
             </a:fld>
             <a:endParaRPr lang="en-US"/>
           </a:p>
@@ -4847,7 +4849,7 @@
             <a:fld id="{F8078618-4CAE-48E8-A205-9D92A68D094A}" type="datetime1">
               <a:rPr lang="en-US" smtClean="0"/>
               <a:pPr/>
-              <a:t>5/14/2019</a:t>
+              <a:t>5/15/2019</a:t>
             </a:fld>
             <a:endParaRPr lang="en-US"/>
           </a:p>
@@ -4969,7 +4971,7 @@
             <a:fld id="{F8078618-4CAE-48E8-A205-9D92A68D094A}" type="datetime1">
               <a:rPr lang="en-US" smtClean="0"/>
               <a:pPr/>
-              <a:t>5/14/2019</a:t>
+              <a:t>5/15/2019</a:t>
             </a:fld>
             <a:endParaRPr lang="en-US"/>
           </a:p>
@@ -5140,7 +5142,7 @@
             <a:fld id="{F8078618-4CAE-48E8-A205-9D92A68D094A}" type="datetime1">
               <a:rPr lang="en-US" smtClean="0"/>
               <a:pPr/>
-              <a:t>5/14/2019</a:t>
+              <a:t>5/15/2019</a:t>
             </a:fld>
             <a:endParaRPr lang="en-US"/>
           </a:p>
@@ -5265,7 +5267,7 @@
             <a:fld id="{F8078618-4CAE-48E8-A205-9D92A68D094A}" type="datetime1">
               <a:rPr lang="en-US" smtClean="0"/>
               <a:pPr/>
-              <a:t>5/14/2019</a:t>
+              <a:t>5/15/2019</a:t>
             </a:fld>
             <a:endParaRPr lang="en-US"/>
           </a:p>
@@ -5426,19 +5428,7 @@
             <a:pPr marL="571500" indent="-285750"/>
             <a:r>
               <a:rPr lang="en-US" sz="1600" dirty="0" smtClean="0"/>
-              <a:t>Businesses need to manage a </a:t>
-            </a:r>
-            <a:r>
-              <a:rPr lang="en-US" sz="1600" dirty="0" smtClean="0"/>
-              <a:t>variety </a:t>
-            </a:r>
-            <a:r>
-              <a:rPr lang="en-US" sz="1600" dirty="0" smtClean="0"/>
-              <a:t>of (sensitive) </a:t>
-            </a:r>
-            <a:r>
-              <a:rPr lang="en-US" sz="1600" dirty="0" smtClean="0"/>
-              <a:t>information</a:t>
+              <a:t>Businesses need to manage a variety of (sensitive) information</a:t>
             </a:r>
           </a:p>
           <a:p>
@@ -5484,7 +5474,6 @@
               <a:rPr lang="en-US" sz="1600" dirty="0" smtClean="0"/>
               <a:t>business</a:t>
             </a:r>
-            <a:endParaRPr lang="en-US" sz="1600" dirty="0" smtClean="0"/>
           </a:p>
           <a:p>
             <a:pPr marL="571500" indent="-285750"/>
@@ -5498,52 +5487,28 @@
             <a:pPr marL="571500" indent="-285750"/>
             <a:r>
               <a:rPr lang="en-US" sz="1600" dirty="0" smtClean="0"/>
-              <a:t>Information can be </a:t>
-            </a:r>
+              <a:t>Information can be heterogeneous</a:t>
+            </a:r>
+          </a:p>
+          <a:p>
+            <a:pPr marL="571500" indent="-285750"/>
             <a:r>
               <a:rPr lang="en-US" sz="1600" dirty="0" smtClean="0"/>
-              <a:t>heterogeneous</a:t>
+              <a:t>Some info is operational and is used as key to access larger repositories of data</a:t>
             </a:r>
           </a:p>
           <a:p>
             <a:pPr marL="571500" indent="-285750"/>
             <a:r>
               <a:rPr lang="en-US" sz="1600" dirty="0" smtClean="0"/>
-              <a:t>Some </a:t>
-            </a:r>
+              <a:t>Some information may be classified as secret and should be handled accordingly</a:t>
+            </a:r>
+          </a:p>
+          <a:p>
+            <a:pPr marL="571500" indent="-285750"/>
             <a:r>
               <a:rPr lang="en-US" sz="1600" dirty="0" smtClean="0"/>
-              <a:t>info is operational and is used as key to access larger repositories of data</a:t>
-            </a:r>
-          </a:p>
-          <a:p>
-            <a:pPr marL="571500" indent="-285750"/>
-            <a:r>
-              <a:rPr lang="en-US" sz="1600" dirty="0" smtClean="0"/>
-              <a:t>Some </a:t>
-            </a:r>
-            <a:r>
-              <a:rPr lang="en-US" sz="1600" dirty="0" smtClean="0"/>
-              <a:t>information may be classified as secret </a:t>
-            </a:r>
-            <a:r>
-              <a:rPr lang="en-US" sz="1600" dirty="0" smtClean="0"/>
-              <a:t>and should be handled accordingly</a:t>
-            </a:r>
-          </a:p>
-          <a:p>
-            <a:pPr marL="571500" indent="-285750"/>
-            <a:r>
-              <a:rPr lang="en-US" sz="1600" dirty="0" smtClean="0"/>
-              <a:t>Misuse </a:t>
-            </a:r>
-            <a:r>
-              <a:rPr lang="en-US" sz="1600" dirty="0" smtClean="0"/>
-              <a:t>or mishandling </a:t>
-            </a:r>
-            <a:r>
-              <a:rPr lang="en-US" sz="1600" dirty="0" smtClean="0"/>
-              <a:t>of information can lead to loss</a:t>
+              <a:t>Misuse or mishandling of information can lead to loss</a:t>
             </a:r>
           </a:p>
           <a:p>
@@ -5552,7 +5517,6 @@
               <a:rPr lang="en-US" sz="1600" dirty="0" smtClean="0"/>
               <a:t>Intrusion in secure area of the business or exploitation of data can lead to loss</a:t>
             </a:r>
-            <a:endParaRPr lang="en-US" sz="1600" dirty="0" smtClean="0"/>
           </a:p>
           <a:p>
             <a:pPr marL="571500" indent="-285750"/>
@@ -5587,7 +5551,7 @@
             <a:fld id="{F8078618-4CAE-48E8-A205-9D92A68D094A}" type="datetime1">
               <a:rPr lang="en-US" smtClean="0"/>
               <a:pPr/>
-              <a:t>5/14/2019</a:t>
+              <a:t>5/15/2019</a:t>
             </a:fld>
             <a:endParaRPr lang="en-US"/>
           </a:p>
@@ -5975,7 +5939,7 @@
             <a:fld id="{F8078618-4CAE-48E8-A205-9D92A68D094A}" type="datetime1">
               <a:rPr lang="en-US" smtClean="0"/>
               <a:pPr/>
-              <a:t>5/14/2019</a:t>
+              <a:t>5/15/2019</a:t>
             </a:fld>
             <a:endParaRPr lang="en-US"/>
           </a:p>
@@ -6087,7 +6051,7 @@
             <a:fld id="{F8078618-4CAE-48E8-A205-9D92A68D094A}" type="datetime1">
               <a:rPr lang="en-US" smtClean="0"/>
               <a:pPr/>
-              <a:t>5/14/2019</a:t>
+              <a:t>5/15/2019</a:t>
             </a:fld>
             <a:endParaRPr lang="en-US"/>
           </a:p>
@@ -6139,11 +6103,7 @@
           <a:p>
             <a:r>
               <a:rPr lang="en-US" b="1" dirty="0" smtClean="0"/>
-              <a:t>The </a:t>
-            </a:r>
-            <a:r>
-              <a:rPr lang="en-US" b="1" dirty="0" smtClean="0"/>
-              <a:t>Bank Vault Analogy</a:t>
+              <a:t>The Bank Vault Analogy</a:t>
             </a:r>
             <a:endParaRPr lang="en-US" b="1" dirty="0">
               <a:solidFill>
@@ -6237,7 +6197,7 @@
             <a:fld id="{F8078618-4CAE-48E8-A205-9D92A68D094A}" type="datetime1">
               <a:rPr lang="en-US" smtClean="0"/>
               <a:pPr/>
-              <a:t>5/14/2019</a:t>
+              <a:t>5/15/2019</a:t>
             </a:fld>
             <a:endParaRPr lang="en-US"/>
           </a:p>
@@ -6419,13 +6379,7 @@
               <a:rPr lang="en-US" dirty="0" smtClean="0">
                 <a:hlinkClick r:id="rId2"/>
               </a:rPr>
-              <a:t>Ever expanding number of Azure services support this </a:t>
-            </a:r>
-            <a:r>
-              <a:rPr lang="en-US" dirty="0" smtClean="0">
-                <a:hlinkClick r:id="rId2"/>
-              </a:rPr>
-              <a:t>model</a:t>
+              <a:t>Ever expanding number of Azure services support this model</a:t>
             </a:r>
             <a:endParaRPr lang="en-US" dirty="0" smtClean="0"/>
           </a:p>
@@ -6434,7 +6388,6 @@
               <a:rPr lang="en-US" dirty="0" smtClean="0"/>
               <a:t>Fined grained control over authorization via role-based access control (RBAC) </a:t>
             </a:r>
-            <a:endParaRPr lang="en-US" dirty="0" smtClean="0"/>
           </a:p>
           <a:p>
             <a:endParaRPr lang="en-US" dirty="0" smtClean="0"/>
@@ -6468,7 +6421,7 @@
             <a:fld id="{F8078618-4CAE-48E8-A205-9D92A68D094A}" type="datetime1">
               <a:rPr lang="en-US" smtClean="0"/>
               <a:pPr/>
-              <a:t>5/14/2019</a:t>
+              <a:t>5/15/2019</a:t>
             </a:fld>
             <a:endParaRPr lang="en-US"/>
           </a:p>
@@ -6585,7 +6538,7 @@
             <a:fld id="{F8078618-4CAE-48E8-A205-9D92A68D094A}" type="datetime1">
               <a:rPr lang="en-US" smtClean="0"/>
               <a:pPr/>
-              <a:t>5/14/2019</a:t>
+              <a:t>5/15/2019</a:t>
             </a:fld>
             <a:endParaRPr lang="en-US"/>
           </a:p>
@@ -6773,11 +6726,7 @@
           <a:p>
             <a:r>
               <a:rPr lang="en-US" dirty="0" smtClean="0"/>
-              <a:t>Secrets should not be accidentally lost or </a:t>
-            </a:r>
-            <a:r>
-              <a:rPr lang="en-US" dirty="0" smtClean="0"/>
-              <a:t>deleted</a:t>
+              <a:t>Secrets should not be accidentally lost or deleted</a:t>
             </a:r>
           </a:p>
           <a:p>
@@ -6785,29 +6734,18 @@
               <a:rPr lang="en-US" dirty="0" smtClean="0"/>
               <a:t>Secrets must be exchanged securely</a:t>
             </a:r>
-            <a:endParaRPr lang="en-US" dirty="0" smtClean="0"/>
           </a:p>
           <a:p>
             <a:r>
               <a:rPr lang="en-US" dirty="0" smtClean="0"/>
-              <a:t>Azure Key Vault provides a solution to all these </a:t>
-            </a:r>
+              <a:t>Azure Key Vault provides a solution to all these requirements</a:t>
+            </a:r>
+          </a:p>
+          <a:p>
             <a:r>
               <a:rPr lang="en-US" dirty="0" smtClean="0"/>
-              <a:t>requirements</a:t>
-            </a:r>
-            <a:endParaRPr lang="en-US" dirty="0" smtClean="0"/>
-          </a:p>
-          <a:p>
-            <a:r>
-              <a:rPr lang="en-US" dirty="0" smtClean="0"/>
-              <a:t>Managed Service Identity (MSI</a:t>
-            </a:r>
-            <a:r>
-              <a:rPr lang="en-US" dirty="0" smtClean="0"/>
-              <a:t>) is a better solution when applicable</a:t>
-            </a:r>
-            <a:endParaRPr lang="en-US" dirty="0" smtClean="0"/>
+              <a:t>Managed Service Identity (MSI) is a better solution when applicable</a:t>
+            </a:r>
           </a:p>
           <a:p>
             <a:endParaRPr lang="en-US" dirty="0" smtClean="0"/>
@@ -6841,7 +6779,7 @@
             <a:fld id="{F8078618-4CAE-48E8-A205-9D92A68D094A}" type="datetime1">
               <a:rPr lang="en-US" smtClean="0"/>
               <a:pPr/>
-              <a:t>5/14/2019</a:t>
+              <a:t>5/15/2019</a:t>
             </a:fld>
             <a:endParaRPr lang="en-US"/>
           </a:p>
@@ -6967,7 +6905,7 @@
             <a:fld id="{DD590542-A0EB-48D5-9722-C0A8052BF4A2}" type="datetime1">
               <a:rPr lang="en-US" smtClean="0"/>
               <a:pPr/>
-              <a:t>5/14/2019</a:t>
+              <a:t>5/15/2019</a:t>
             </a:fld>
             <a:endParaRPr lang="en-US" dirty="0"/>
           </a:p>
@@ -7081,7 +7019,7 @@
             <a:fld id="{F8078618-4CAE-48E8-A205-9D92A68D094A}" type="datetime1">
               <a:rPr lang="en-US" smtClean="0"/>
               <a:pPr/>
-              <a:t>5/14/2019</a:t>
+              <a:t>5/15/2019</a:t>
             </a:fld>
             <a:endParaRPr lang="en-US"/>
           </a:p>
@@ -7243,16 +7181,7 @@
                 </a:solidFill>
                 <a:latin typeface="Segoe UI" panose="020B0502040204020203" pitchFamily="34" charset="0"/>
               </a:rPr>
-              <a:t>Helps </a:t>
-            </a:r>
-            <a:r>
-              <a:rPr lang="en-US" u="sng" dirty="0" smtClean="0">
-                <a:solidFill>
-                  <a:srgbClr val="000000"/>
-                </a:solidFill>
-                <a:latin typeface="Segoe UI" panose="020B0502040204020203" pitchFamily="34" charset="0"/>
-              </a:rPr>
-              <a:t>to </a:t>
+              <a:t>Helps to </a:t>
             </a:r>
             <a:r>
               <a:rPr lang="en-US" u="sng" dirty="0">
@@ -7354,16 +7283,7 @@
                 </a:solidFill>
                 <a:latin typeface="Segoe UI" panose="020B0502040204020203" pitchFamily="34" charset="0"/>
               </a:rPr>
-              <a:t>It </a:t>
-            </a:r>
-            <a:r>
-              <a:rPr lang="en-US" dirty="0" smtClean="0">
-                <a:solidFill>
-                  <a:srgbClr val="000000"/>
-                </a:solidFill>
-                <a:latin typeface="Segoe UI" panose="020B0502040204020203" pitchFamily="34" charset="0"/>
-              </a:rPr>
-              <a:t>is </a:t>
+              <a:t>It is </a:t>
             </a:r>
             <a:r>
               <a:rPr lang="en-US" b="1" dirty="0" smtClean="0">
@@ -7408,25 +7328,7 @@
                 </a:solidFill>
                 <a:latin typeface="Segoe UI" panose="020B0502040204020203" pitchFamily="34" charset="0"/>
               </a:rPr>
-              <a:t>It</a:t>
-            </a:r>
-            <a:r>
-              <a:rPr lang="en-US" dirty="0" smtClean="0">
-                <a:solidFill>
-                  <a:srgbClr val="000000"/>
-                </a:solidFill>
-                <a:latin typeface="Segoe UI" panose="020B0502040204020203" pitchFamily="34" charset="0"/>
-              </a:rPr>
-              <a:t> </a:t>
-            </a:r>
-            <a:r>
-              <a:rPr lang="en-US" dirty="0" smtClean="0">
-                <a:solidFill>
-                  <a:srgbClr val="000000"/>
-                </a:solidFill>
-                <a:latin typeface="Segoe UI" panose="020B0502040204020203" pitchFamily="34" charset="0"/>
-              </a:rPr>
-              <a:t>encrypts </a:t>
+              <a:t>It encrypts </a:t>
             </a:r>
             <a:r>
               <a:rPr lang="en-US" u="sng" dirty="0" smtClean="0">
@@ -7480,25 +7382,7 @@
                 </a:solidFill>
                 <a:latin typeface="Segoe UI" panose="020B0502040204020203" pitchFamily="34" charset="0"/>
               </a:rPr>
-              <a:t>It</a:t>
-            </a:r>
-            <a:r>
-              <a:rPr lang="en-US" u="sng" dirty="0" smtClean="0">
-                <a:solidFill>
-                  <a:srgbClr val="000000"/>
-                </a:solidFill>
-                <a:latin typeface="Segoe UI" panose="020B0502040204020203" pitchFamily="34" charset="0"/>
-              </a:rPr>
-              <a:t> </a:t>
-            </a:r>
-            <a:r>
-              <a:rPr lang="en-US" u="sng" dirty="0" smtClean="0">
-                <a:solidFill>
-                  <a:srgbClr val="000000"/>
-                </a:solidFill>
-                <a:latin typeface="Segoe UI" panose="020B0502040204020203" pitchFamily="34" charset="0"/>
-              </a:rPr>
-              <a:t>does not cause performance loss</a:t>
+              <a:t>It does not cause performance loss</a:t>
             </a:r>
             <a:r>
               <a:rPr lang="en-US" dirty="0" smtClean="0">
@@ -7546,16 +7430,7 @@
                 </a:solidFill>
                 <a:latin typeface="Segoe UI" panose="020B0502040204020203" pitchFamily="34" charset="0"/>
               </a:rPr>
-              <a:t>thus can be rotated, audited, etc. in which case the customer key is stored in Key Vault and accessed via </a:t>
-            </a:r>
-            <a:r>
-              <a:rPr lang="en-US" dirty="0" smtClean="0">
-                <a:solidFill>
-                  <a:srgbClr val="000000"/>
-                </a:solidFill>
-                <a:latin typeface="Segoe UI" panose="020B0502040204020203" pitchFamily="34" charset="0"/>
-              </a:rPr>
-              <a:t>Managed Service Identity (MSI).</a:t>
+              <a:t>thus can be rotated, audited, etc. in which case the customer key is stored in Key Vault and accessed via Managed Service Identity (MSI).</a:t>
             </a:r>
           </a:p>
           <a:p>
@@ -7608,7 +7483,7 @@
             <a:fld id="{F8078618-4CAE-48E8-A205-9D92A68D094A}" type="datetime1">
               <a:rPr lang="en-US" smtClean="0"/>
               <a:pPr/>
-              <a:t>5/14/2019</a:t>
+              <a:t>5/15/2019</a:t>
             </a:fld>
             <a:endParaRPr lang="en-US"/>
           </a:p>
@@ -7664,13 +7539,7 @@
               <a:rPr lang="en-US" b="1" dirty="0" smtClean="0">
                 <a:hlinkClick r:id="rId2"/>
               </a:rPr>
-              <a:t>Azure Storage Service Encryption (SSE</a:t>
-            </a:r>
-            <a:r>
-              <a:rPr lang="en-US" b="1" dirty="0" smtClean="0">
-                <a:hlinkClick r:id="rId2"/>
-              </a:rPr>
-              <a:t>)</a:t>
+              <a:t>Azure Storage Service Encryption (SSE)</a:t>
             </a:r>
             <a:endParaRPr lang="en-US" dirty="0">
               <a:solidFill>
@@ -7916,7 +7785,7 @@
             <a:fld id="{F8078618-4CAE-48E8-A205-9D92A68D094A}" type="datetime1">
               <a:rPr lang="en-US" smtClean="0"/>
               <a:pPr/>
-              <a:t>5/14/2019</a:t>
+              <a:t>5/15/2019</a:t>
             </a:fld>
             <a:endParaRPr lang="en-US"/>
           </a:p>
@@ -8078,14 +7947,12 @@
               <a:rPr lang="en-US" dirty="0" smtClean="0"/>
               <a:t>Secure Secrets </a:t>
             </a:r>
-            <a:endParaRPr lang="en-US" dirty="0" smtClean="0"/>
           </a:p>
           <a:p>
             <a:r>
               <a:rPr lang="en-US" dirty="0" smtClean="0"/>
               <a:t>Encryption</a:t>
             </a:r>
-            <a:endParaRPr lang="en-US" dirty="0" smtClean="0"/>
           </a:p>
           <a:p>
             <a:r>
@@ -8096,11 +7963,7 @@
           <a:p>
             <a:r>
               <a:rPr lang="en-US" dirty="0" smtClean="0"/>
-              <a:t>Bad </a:t>
-            </a:r>
-            <a:r>
-              <a:rPr lang="en-US" dirty="0" smtClean="0"/>
-              <a:t>Practices</a:t>
+              <a:t>Bad Practices</a:t>
             </a:r>
             <a:endParaRPr lang="en-US" dirty="0"/>
           </a:p>
@@ -8124,7 +7987,7 @@
             <a:fld id="{F8078618-4CAE-48E8-A205-9D92A68D094A}" type="datetime1">
               <a:rPr lang="en-US" smtClean="0"/>
               <a:pPr/>
-              <a:t>5/14/2019</a:t>
+              <a:t>5/15/2019</a:t>
             </a:fld>
             <a:endParaRPr lang="en-US"/>
           </a:p>
@@ -8235,7 +8098,7 @@
             <a:fld id="{F8078618-4CAE-48E8-A205-9D92A68D094A}" type="datetime1">
               <a:rPr lang="en-US" smtClean="0"/>
               <a:pPr/>
-              <a:t>5/14/2019</a:t>
+              <a:t>5/15/2019</a:t>
             </a:fld>
             <a:endParaRPr lang="en-US"/>
           </a:p>
@@ -8344,7 +8207,7 @@
             <a:fld id="{F8078618-4CAE-48E8-A205-9D92A68D094A}" type="datetime1">
               <a:rPr lang="en-US" smtClean="0"/>
               <a:pPr/>
-              <a:t>5/14/2019</a:t>
+              <a:t>5/15/2019</a:t>
             </a:fld>
             <a:endParaRPr lang="en-US"/>
           </a:p>
@@ -8682,7 +8545,7 @@
             <a:fld id="{F8078618-4CAE-48E8-A205-9D92A68D094A}" type="datetime1">
               <a:rPr lang="en-US" smtClean="0"/>
               <a:pPr/>
-              <a:t>5/14/2019</a:t>
+              <a:t>5/15/2019</a:t>
             </a:fld>
             <a:endParaRPr lang="en-US"/>
           </a:p>
@@ -9277,7 +9140,7 @@
             <a:fld id="{F8078618-4CAE-48E8-A205-9D92A68D094A}" type="datetime1">
               <a:rPr lang="en-US" smtClean="0"/>
               <a:pPr/>
-              <a:t>5/14/2019</a:t>
+              <a:t>5/15/2019</a:t>
             </a:fld>
             <a:endParaRPr lang="en-US"/>
           </a:p>
@@ -9425,7 +9288,7 @@
             <a:fld id="{F8078618-4CAE-48E8-A205-9D92A68D094A}" type="datetime1">
               <a:rPr lang="en-US" smtClean="0"/>
               <a:pPr/>
-              <a:t>5/14/2019</a:t>
+              <a:t>5/15/2019</a:t>
             </a:fld>
             <a:endParaRPr lang="en-US"/>
           </a:p>
@@ -9730,7 +9593,7 @@
             <a:fld id="{F8078618-4CAE-48E8-A205-9D92A68D094A}" type="datetime1">
               <a:rPr lang="en-US" smtClean="0"/>
               <a:pPr/>
-              <a:t>5/14/2019</a:t>
+              <a:t>5/15/2019</a:t>
             </a:fld>
             <a:endParaRPr lang="en-US"/>
           </a:p>
@@ -9879,7 +9742,7 @@
             <a:fld id="{F8078618-4CAE-48E8-A205-9D92A68D094A}" type="datetime1">
               <a:rPr lang="en-US" smtClean="0"/>
               <a:pPr/>
-              <a:t>5/14/2019</a:t>
+              <a:t>5/15/2019</a:t>
             </a:fld>
             <a:endParaRPr lang="en-US"/>
           </a:p>
@@ -10268,7 +10131,7 @@
         </p:nvSpPr>
         <p:spPr>
           <a:xfrm>
-            <a:off x="457200" y="1676400"/>
+            <a:off x="609600" y="1985237"/>
             <a:ext cx="8229600" cy="3429000"/>
           </a:xfrm>
         </p:spPr>
@@ -10284,7 +10147,61 @@
           <a:p>
             <a:r>
               <a:rPr lang="en-US" dirty="0" smtClean="0"/>
-              <a:t>To encrypt VMs</a:t>
+              <a:t>To encrypt </a:t>
+            </a:r>
+            <a:r>
+              <a:rPr lang="en-US" dirty="0" smtClean="0"/>
+              <a:t>OS and Data disks of Linux &amp; Windows VMs</a:t>
+            </a:r>
+          </a:p>
+          <a:p>
+            <a:r>
+              <a:rPr lang="en-US" dirty="0" smtClean="0"/>
+              <a:t>These disks are hosted on Azure Blob Storage (Page Blobs)</a:t>
+            </a:r>
+          </a:p>
+          <a:p>
+            <a:r>
+              <a:rPr lang="en-US" dirty="0" smtClean="0"/>
+              <a:t>On Windows BitLocker is used while on Linux </a:t>
+            </a:r>
+            <a:r>
+              <a:rPr lang="en-US" dirty="0" err="1" smtClean="0"/>
+              <a:t>dm</a:t>
+            </a:r>
+            <a:r>
+              <a:rPr lang="en-US" dirty="0" smtClean="0"/>
+              <a:t>-crypt</a:t>
+            </a:r>
+          </a:p>
+          <a:p>
+            <a:r>
+              <a:rPr lang="en-US" dirty="0" smtClean="0"/>
+              <a:t>Part of the </a:t>
+            </a:r>
+            <a:r>
+              <a:rPr lang="en-US" u="sng" dirty="0" smtClean="0"/>
+              <a:t>d</a:t>
+            </a:r>
+            <a:r>
+              <a:rPr lang="en-US" u="sng" dirty="0" smtClean="0"/>
+              <a:t>efense in depth</a:t>
+            </a:r>
+            <a:r>
+              <a:rPr lang="en-US" dirty="0" smtClean="0"/>
+              <a:t> strategy to security</a:t>
+            </a:r>
+          </a:p>
+          <a:p>
+            <a:r>
+              <a:rPr lang="en-US" dirty="0" smtClean="0"/>
+              <a:t>Not enabled by default</a:t>
+            </a:r>
+          </a:p>
+          <a:p>
+            <a:r>
+              <a:rPr lang="en-US" dirty="0" smtClean="0"/>
+              <a:t>A custom encryption key is used and can be stored in Key Vault</a:t>
             </a:r>
             <a:endParaRPr lang="en-US" dirty="0" smtClean="0"/>
           </a:p>
@@ -10314,7 +10231,7 @@
             <a:fld id="{F8078618-4CAE-48E8-A205-9D92A68D094A}" type="datetime1">
               <a:rPr lang="en-US" smtClean="0"/>
               <a:pPr/>
-              <a:t>5/14/2019</a:t>
+              <a:t>5/15/2019</a:t>
             </a:fld>
             <a:endParaRPr lang="en-US"/>
           </a:p>
@@ -10370,11 +10287,200 @@
                   <a:schemeClr val="tx1"/>
                 </a:solidFill>
               </a:rPr>
-              <a:t>Azure Disk Encryption for IaaS</a:t>
+              <a:t>Azure Disk Encryption for </a:t>
+            </a:r>
+            <a:r>
+              <a:rPr lang="en-US" b="1" dirty="0" smtClean="0">
+                <a:solidFill>
+                  <a:schemeClr val="tx1"/>
+                </a:solidFill>
+              </a:rPr>
+              <a:t>IaaS (ADE)</a:t>
             </a:r>
             <a:endParaRPr lang="en-US" dirty="0">
               <a:solidFill>
                 <a:schemeClr val="tx1"/>
+              </a:solidFill>
+            </a:endParaRPr>
+          </a:p>
+        </p:txBody>
+      </p:sp>
+      <p:sp>
+        <p:nvSpPr>
+          <p:cNvPr id="6" name="Subtitle 2"/>
+          <p:cNvSpPr txBox="1">
+            <a:spLocks/>
+          </p:cNvSpPr>
+          <p:nvPr/>
+        </p:nvSpPr>
+        <p:spPr>
+          <a:xfrm>
+            <a:off x="2305050" y="1515926"/>
+            <a:ext cx="4838700" cy="609600"/>
+          </a:xfrm>
+          <a:prstGeom prst="rect">
+            <a:avLst/>
+          </a:prstGeom>
+          <a:ln w="3175">
+            <a:solidFill>
+              <a:schemeClr val="bg1"/>
+            </a:solidFill>
+          </a:ln>
+        </p:spPr>
+        <p:txBody>
+          <a:bodyPr vert="horz" lIns="91440" tIns="45720" rIns="91440" bIns="45720" rtlCol="0">
+            <a:normAutofit/>
+          </a:bodyPr>
+          <a:lstStyle>
+            <a:lvl1pPr marL="342900" indent="-342900" algn="l" defTabSz="914400" rtl="0" eaLnBrk="1" latinLnBrk="0" hangingPunct="1">
+              <a:spcBef>
+                <a:spcPct val="20000"/>
+              </a:spcBef>
+              <a:buFont typeface="Arial" pitchFamily="34" charset="0"/>
+              <a:buChar char="•"/>
+              <a:defRPr sz="2000" kern="1200">
+                <a:solidFill>
+                  <a:schemeClr val="tx1"/>
+                </a:solidFill>
+                <a:latin typeface="+mn-lt"/>
+                <a:ea typeface="+mn-ea"/>
+                <a:cs typeface="+mn-cs"/>
+              </a:defRPr>
+            </a:lvl1pPr>
+            <a:lvl2pPr marL="742950" indent="-285750" algn="l" defTabSz="914400" rtl="0" eaLnBrk="1" latinLnBrk="0" hangingPunct="1">
+              <a:spcBef>
+                <a:spcPct val="20000"/>
+              </a:spcBef>
+              <a:buFont typeface="Arial" pitchFamily="34" charset="0"/>
+              <a:buChar char="–"/>
+              <a:defRPr sz="1800" kern="1200">
+                <a:solidFill>
+                  <a:schemeClr val="tx1"/>
+                </a:solidFill>
+                <a:latin typeface="+mn-lt"/>
+                <a:ea typeface="+mn-ea"/>
+                <a:cs typeface="+mn-cs"/>
+              </a:defRPr>
+            </a:lvl2pPr>
+            <a:lvl3pPr marL="1143000" indent="-228600" algn="l" defTabSz="914400" rtl="0" eaLnBrk="1" latinLnBrk="0" hangingPunct="1">
+              <a:spcBef>
+                <a:spcPct val="20000"/>
+              </a:spcBef>
+              <a:buFont typeface="Arial" pitchFamily="34" charset="0"/>
+              <a:buChar char="•"/>
+              <a:defRPr sz="1600" kern="1200">
+                <a:solidFill>
+                  <a:schemeClr val="tx1"/>
+                </a:solidFill>
+                <a:latin typeface="+mn-lt"/>
+                <a:ea typeface="+mn-ea"/>
+                <a:cs typeface="+mn-cs"/>
+              </a:defRPr>
+            </a:lvl3pPr>
+            <a:lvl4pPr marL="1600200" indent="-228600" algn="l" defTabSz="914400" rtl="0" eaLnBrk="1" latinLnBrk="0" hangingPunct="1">
+              <a:spcBef>
+                <a:spcPct val="20000"/>
+              </a:spcBef>
+              <a:buFont typeface="Arial" pitchFamily="34" charset="0"/>
+              <a:buChar char="–"/>
+              <a:defRPr sz="1400" kern="1200">
+                <a:solidFill>
+                  <a:schemeClr val="tx1"/>
+                </a:solidFill>
+                <a:latin typeface="+mn-lt"/>
+                <a:ea typeface="+mn-ea"/>
+                <a:cs typeface="+mn-cs"/>
+              </a:defRPr>
+            </a:lvl4pPr>
+            <a:lvl5pPr marL="2057400" indent="-228600" algn="l" defTabSz="914400" rtl="0" eaLnBrk="1" latinLnBrk="0" hangingPunct="1">
+              <a:spcBef>
+                <a:spcPct val="20000"/>
+              </a:spcBef>
+              <a:buFont typeface="Arial" pitchFamily="34" charset="0"/>
+              <a:buChar char="»"/>
+              <a:defRPr sz="1400" kern="1200">
+                <a:solidFill>
+                  <a:schemeClr val="tx1"/>
+                </a:solidFill>
+                <a:latin typeface="+mn-lt"/>
+                <a:ea typeface="+mn-ea"/>
+                <a:cs typeface="+mn-cs"/>
+              </a:defRPr>
+            </a:lvl5pPr>
+            <a:lvl6pPr marL="2514600" indent="-228600" algn="l" defTabSz="914400" rtl="0" eaLnBrk="1" latinLnBrk="0" hangingPunct="1">
+              <a:spcBef>
+                <a:spcPct val="20000"/>
+              </a:spcBef>
+              <a:buFont typeface="Arial" pitchFamily="34" charset="0"/>
+              <a:buChar char="•"/>
+              <a:defRPr sz="2000" kern="1200">
+                <a:solidFill>
+                  <a:schemeClr val="tx1"/>
+                </a:solidFill>
+                <a:latin typeface="+mn-lt"/>
+                <a:ea typeface="+mn-ea"/>
+                <a:cs typeface="+mn-cs"/>
+              </a:defRPr>
+            </a:lvl6pPr>
+            <a:lvl7pPr marL="2971800" indent="-228600" algn="l" defTabSz="914400" rtl="0" eaLnBrk="1" latinLnBrk="0" hangingPunct="1">
+              <a:spcBef>
+                <a:spcPct val="20000"/>
+              </a:spcBef>
+              <a:buFont typeface="Arial" pitchFamily="34" charset="0"/>
+              <a:buChar char="•"/>
+              <a:defRPr sz="2000" kern="1200">
+                <a:solidFill>
+                  <a:schemeClr val="tx1"/>
+                </a:solidFill>
+                <a:latin typeface="+mn-lt"/>
+                <a:ea typeface="+mn-ea"/>
+                <a:cs typeface="+mn-cs"/>
+              </a:defRPr>
+            </a:lvl7pPr>
+            <a:lvl8pPr marL="3429000" indent="-228600" algn="l" defTabSz="914400" rtl="0" eaLnBrk="1" latinLnBrk="0" hangingPunct="1">
+              <a:spcBef>
+                <a:spcPct val="20000"/>
+              </a:spcBef>
+              <a:buFont typeface="Arial" pitchFamily="34" charset="0"/>
+              <a:buChar char="•"/>
+              <a:defRPr sz="2000" kern="1200">
+                <a:solidFill>
+                  <a:schemeClr val="tx1"/>
+                </a:solidFill>
+                <a:latin typeface="+mn-lt"/>
+                <a:ea typeface="+mn-ea"/>
+                <a:cs typeface="+mn-cs"/>
+              </a:defRPr>
+            </a:lvl8pPr>
+            <a:lvl9pPr marL="3886200" indent="-228600" algn="l" defTabSz="914400" rtl="0" eaLnBrk="1" latinLnBrk="0" hangingPunct="1">
+              <a:spcBef>
+                <a:spcPct val="20000"/>
+              </a:spcBef>
+              <a:buFont typeface="Arial" pitchFamily="34" charset="0"/>
+              <a:buChar char="•"/>
+              <a:defRPr sz="2000" kern="1200">
+                <a:solidFill>
+                  <a:schemeClr val="tx1"/>
+                </a:solidFill>
+                <a:latin typeface="+mn-lt"/>
+                <a:ea typeface="+mn-ea"/>
+                <a:cs typeface="+mn-cs"/>
+              </a:defRPr>
+            </a:lvl9pPr>
+          </a:lstStyle>
+          <a:p>
+            <a:pPr marL="0" indent="0">
+              <a:buNone/>
+            </a:pPr>
+            <a:r>
+              <a:rPr lang="en-US" dirty="0" smtClean="0"/>
+              <a:t>Protection feature against data theft</a:t>
+            </a:r>
+            <a:endParaRPr lang="en-US" dirty="0" smtClean="0">
+              <a:solidFill>
+                <a:schemeClr val="accent1">
+                  <a:lumMod val="25000"/>
+                </a:schemeClr>
               </a:solidFill>
             </a:endParaRPr>
           </a:p>
@@ -10419,76 +10525,6 @@
       </p:grpSpPr>
       <p:sp>
         <p:nvSpPr>
-          <p:cNvPr id="3" name="Segnaposto contenuto 2"/>
-          <p:cNvSpPr>
-            <a:spLocks noGrp="1"/>
-          </p:cNvSpPr>
-          <p:nvPr>
-            <p:ph idx="1"/>
-          </p:nvPr>
-        </p:nvSpPr>
-        <p:spPr>
-          <a:xfrm>
-            <a:off x="457200" y="1676400"/>
-            <a:ext cx="8229600" cy="3429000"/>
-          </a:xfrm>
-        </p:spPr>
-        <p:txBody>
-          <a:bodyPr/>
-          <a:lstStyle/>
-          <a:p>
-            <a:pPr algn="ctr">
-              <a:buNone/>
-            </a:pPr>
-            <a:endParaRPr lang="en-US" dirty="0" smtClean="0"/>
-          </a:p>
-          <a:p>
-            <a:r>
-              <a:rPr lang="en-US" dirty="0" smtClean="0"/>
-              <a:t>Storage Accounts are transparently encrypted at rest via SSE</a:t>
-            </a:r>
-          </a:p>
-          <a:p>
-            <a:r>
-              <a:rPr lang="en-US" dirty="0" smtClean="0"/>
-              <a:t>For </a:t>
-            </a:r>
-            <a:r>
-              <a:rPr lang="en-US" dirty="0"/>
-              <a:t>Azure SQL Server </a:t>
-            </a:r>
-            <a:r>
-              <a:rPr lang="en-US" dirty="0" smtClean="0"/>
-              <a:t> Azure </a:t>
-            </a:r>
-            <a:r>
-              <a:rPr lang="en-US" dirty="0" smtClean="0"/>
-              <a:t>Transparent Data Encryption (TDE) as server-side default encryption for data at rest. It encrypts the whole server or the database files with either a custom or managed key</a:t>
-            </a:r>
-            <a:r>
-              <a:rPr lang="en-US" dirty="0" smtClean="0"/>
-              <a:t>.</a:t>
-            </a:r>
-          </a:p>
-          <a:p>
-            <a:r>
-              <a:rPr lang="en-US" dirty="0"/>
-              <a:t>For Azure SQL Server Always-Encrypted Client Technology based on CMK &amp;CEK</a:t>
-            </a:r>
-          </a:p>
-          <a:p>
-            <a:endParaRPr lang="en-US" dirty="0" smtClean="0"/>
-          </a:p>
-          <a:p>
-            <a:endParaRPr lang="en-US" dirty="0" smtClean="0"/>
-          </a:p>
-          <a:p>
-            <a:endParaRPr lang="en-US" dirty="0"/>
-          </a:p>
-        </p:txBody>
-      </p:sp>
-      <p:sp>
-        <p:nvSpPr>
           <p:cNvPr id="4" name="Segnaposto data 3"/>
           <p:cNvSpPr>
             <a:spLocks noGrp="1"/>
@@ -10505,7 +10541,7 @@
             <a:fld id="{F8078618-4CAE-48E8-A205-9D92A68D094A}" type="datetime1">
               <a:rPr lang="en-US" smtClean="0"/>
               <a:pPr/>
-              <a:t>5/14/2019</a:t>
+              <a:t>5/15/2019</a:t>
             </a:fld>
             <a:endParaRPr lang="en-US"/>
           </a:p>
@@ -10535,50 +10571,39 @@
           </a:p>
         </p:txBody>
       </p:sp>
-      <p:sp>
-        <p:nvSpPr>
-          <p:cNvPr id="8" name="Sottotitolo 7"/>
-          <p:cNvSpPr>
-            <a:spLocks noGrp="1"/>
-          </p:cNvSpPr>
-          <p:nvPr>
-            <p:ph type="subTitle" idx="14"/>
-          </p:nvPr>
-        </p:nvSpPr>
+      <p:pic>
+        <p:nvPicPr>
+          <p:cNvPr id="6" name="Content Placeholder 5"/>
+          <p:cNvPicPr>
+            <a:picLocks noGrp="1" noChangeAspect="1"/>
+          </p:cNvPicPr>
+          <p:nvPr>
+            <p:ph idx="1"/>
+          </p:nvPr>
+        </p:nvPicPr>
+        <p:blipFill>
+          <a:blip r:embed="rId2">
+            <a:extLst>
+              <a:ext uri="{28A0092B-C50C-407E-A947-70E740481C1C}">
+                <a14:useLocalDpi xmlns:a14="http://schemas.microsoft.com/office/drawing/2010/main" val="0"/>
+              </a:ext>
+            </a:extLst>
+          </a:blip>
+          <a:stretch>
+            <a:fillRect/>
+          </a:stretch>
+        </p:blipFill>
         <p:spPr>
           <a:xfrm>
-            <a:off x="1295400" y="1066800"/>
-            <a:ext cx="6400800" cy="457200"/>
+            <a:off x="910233" y="1219200"/>
+            <a:ext cx="7776567" cy="4191000"/>
           </a:xfrm>
         </p:spPr>
-        <p:txBody>
-          <a:bodyPr/>
-          <a:lstStyle/>
-          <a:p>
-            <a:r>
-              <a:rPr lang="en-US" b="1" dirty="0" smtClean="0">
-                <a:solidFill>
-                  <a:schemeClr val="tx1"/>
-                </a:solidFill>
-              </a:rPr>
-              <a:t>Summary on </a:t>
-            </a:r>
-            <a:r>
-              <a:rPr lang="en-US" b="1" dirty="0" smtClean="0"/>
-              <a:t>Encryption</a:t>
-            </a:r>
-            <a:endParaRPr lang="en-US" dirty="0">
-              <a:solidFill>
-                <a:schemeClr val="tx1"/>
-              </a:solidFill>
-            </a:endParaRPr>
-          </a:p>
-        </p:txBody>
-      </p:sp>
+      </p:pic>
     </p:spTree>
     <p:extLst>
       <p:ext uri="{BB962C8B-B14F-4D97-AF65-F5344CB8AC3E}">
-        <p14:creationId xmlns:p14="http://schemas.microsoft.com/office/powerpoint/2010/main" val="3669624488"/>
+        <p14:creationId xmlns:p14="http://schemas.microsoft.com/office/powerpoint/2010/main" val="2073723845"/>
       </p:ext>
     </p:extLst>
   </p:cSld>
@@ -10622,19 +10647,55 @@
             <p:ph idx="1"/>
           </p:nvPr>
         </p:nvSpPr>
-        <p:spPr/>
-        <p:txBody>
-          <a:bodyPr/>
-          <a:lstStyle/>
-          <a:p>
-            <a:pPr>
+        <p:spPr>
+          <a:xfrm>
+            <a:off x="457200" y="1676400"/>
+            <a:ext cx="8229600" cy="3429000"/>
+          </a:xfrm>
+        </p:spPr>
+        <p:txBody>
+          <a:bodyPr/>
+          <a:lstStyle/>
+          <a:p>
+            <a:pPr algn="ctr">
               <a:buNone/>
             </a:pPr>
-            <a:r>
-              <a:rPr lang="en-US" i="1" dirty="0" smtClean="0"/>
-              <a:t>Demo steps</a:t>
-            </a:r>
-            <a:endParaRPr lang="en-US" i="1" dirty="0"/>
+            <a:endParaRPr lang="en-US" dirty="0" smtClean="0"/>
+          </a:p>
+          <a:p>
+            <a:r>
+              <a:rPr lang="en-US" dirty="0" smtClean="0"/>
+              <a:t>Storage Accounts are transparently encrypted at rest via SSE</a:t>
+            </a:r>
+          </a:p>
+          <a:p>
+            <a:r>
+              <a:rPr lang="en-US" dirty="0" smtClean="0"/>
+              <a:t>For </a:t>
+            </a:r>
+            <a:r>
+              <a:rPr lang="en-US" dirty="0"/>
+              <a:t>Azure SQL Server </a:t>
+            </a:r>
+            <a:r>
+              <a:rPr lang="en-US" dirty="0" smtClean="0"/>
+              <a:t> Azure Transparent Data Encryption (TDE) as server-side default encryption for data at rest. It encrypts the whole server or the database files with either a custom or managed key.</a:t>
+            </a:r>
+          </a:p>
+          <a:p>
+            <a:r>
+              <a:rPr lang="en-US" dirty="0"/>
+              <a:t>For Azure SQL Server Always-Encrypted Client Technology based on CMK &amp;CEK</a:t>
+            </a:r>
+          </a:p>
+          <a:p>
+            <a:endParaRPr lang="en-US" dirty="0" smtClean="0"/>
+          </a:p>
+          <a:p>
+            <a:endParaRPr lang="en-US" dirty="0" smtClean="0"/>
+          </a:p>
+          <a:p>
+            <a:endParaRPr lang="en-US" dirty="0"/>
           </a:p>
         </p:txBody>
       </p:sp>
@@ -10656,7 +10717,7 @@
             <a:fld id="{F8078618-4CAE-48E8-A205-9D92A68D094A}" type="datetime1">
               <a:rPr lang="en-US" smtClean="0"/>
               <a:pPr/>
-              <a:t>5/14/2019</a:t>
+              <a:t>5/15/2019</a:t>
             </a:fld>
             <a:endParaRPr lang="en-US"/>
           </a:p>
@@ -10696,7 +10757,12 @@
             <p:ph type="subTitle" idx="14"/>
           </p:nvPr>
         </p:nvSpPr>
-        <p:spPr/>
+        <p:spPr>
+          <a:xfrm>
+            <a:off x="1295400" y="1066800"/>
+            <a:ext cx="6400800" cy="457200"/>
+          </a:xfrm>
+        </p:spPr>
         <p:txBody>
           <a:bodyPr/>
           <a:lstStyle/>
@@ -10707,9 +10773,13 @@
                   <a:schemeClr val="tx1"/>
                 </a:solidFill>
               </a:rPr>
-              <a:t>Demo</a:t>
-            </a:r>
-            <a:endParaRPr lang="en-US" b="1" dirty="0">
+              <a:t>Summary on </a:t>
+            </a:r>
+            <a:r>
+              <a:rPr lang="en-US" b="1" dirty="0" smtClean="0"/>
+              <a:t>Encryption</a:t>
+            </a:r>
+            <a:endParaRPr lang="en-US" dirty="0">
               <a:solidFill>
                 <a:schemeClr val="tx1"/>
               </a:solidFill>
@@ -10718,6 +10788,11 @@
         </p:txBody>
       </p:sp>
     </p:spTree>
+    <p:extLst>
+      <p:ext uri="{BB962C8B-B14F-4D97-AF65-F5344CB8AC3E}">
+        <p14:creationId xmlns:p14="http://schemas.microsoft.com/office/powerpoint/2010/main" val="3669624488"/>
+      </p:ext>
+    </p:extLst>
   </p:cSld>
   <p:clrMapOvr>
     <a:masterClrMapping/>
@@ -10772,7 +10847,7 @@
             <a:fld id="{DD590542-A0EB-48D5-9722-C0A8052BF4A2}" type="datetime1">
               <a:rPr lang="en-US" smtClean="0"/>
               <a:pPr/>
-              <a:t>5/14/2019</a:t>
+              <a:t>5/15/2019</a:t>
             </a:fld>
             <a:endParaRPr lang="en-US" dirty="0"/>
           </a:p>
@@ -10826,10 +10901,6 @@
             <a:r>
               <a:rPr lang="en-US" dirty="0" smtClean="0"/>
               <a:t>OWASP</a:t>
-            </a:r>
-            <a:r>
-              <a:rPr lang="en-US" dirty="0" smtClean="0"/>
-              <a:t/>
             </a:r>
             <a:br>
               <a:rPr lang="en-US" dirty="0" smtClean="0"/>
@@ -10917,25 +10988,6 @@
       </p:grpSpPr>
       <p:sp>
         <p:nvSpPr>
-          <p:cNvPr id="8" name="Segnaposto contenuto 7"/>
-          <p:cNvSpPr>
-            <a:spLocks noGrp="1"/>
-          </p:cNvSpPr>
-          <p:nvPr>
-            <p:ph idx="1"/>
-          </p:nvPr>
-        </p:nvSpPr>
-        <p:spPr/>
-        <p:txBody>
-          <a:bodyPr/>
-          <a:lstStyle/>
-          <a:p>
-            <a:endParaRPr lang="en-US" dirty="0"/>
-          </a:p>
-        </p:txBody>
-      </p:sp>
-      <p:sp>
-        <p:nvSpPr>
           <p:cNvPr id="4" name="Segnaposto data 3"/>
           <p:cNvSpPr>
             <a:spLocks noGrp="1"/>
@@ -10952,7 +11004,7 @@
             <a:fld id="{F8078618-4CAE-48E8-A205-9D92A68D094A}" type="datetime1">
               <a:rPr lang="en-US" smtClean="0"/>
               <a:pPr/>
-              <a:t>5/14/2019</a:t>
+              <a:t>5/15/2019</a:t>
             </a:fld>
             <a:endParaRPr lang="en-US"/>
           </a:p>
@@ -10977,6 +11029,281 @@
               <a:rPr lang="en-US" smtClean="0"/>
               <a:pPr/>
               <a:t>40</a:t>
+            </a:fld>
+            <a:endParaRPr lang="en-US"/>
+          </a:p>
+        </p:txBody>
+      </p:sp>
+      <p:sp>
+        <p:nvSpPr>
+          <p:cNvPr id="7" name="Sottotitolo 6"/>
+          <p:cNvSpPr>
+            <a:spLocks noGrp="1"/>
+          </p:cNvSpPr>
+          <p:nvPr>
+            <p:ph type="subTitle" idx="14"/>
+          </p:nvPr>
+        </p:nvSpPr>
+        <p:spPr>
+          <a:xfrm>
+            <a:off x="1524000" y="2819400"/>
+            <a:ext cx="6400800" cy="457200"/>
+          </a:xfrm>
+        </p:spPr>
+        <p:txBody>
+          <a:bodyPr/>
+          <a:lstStyle/>
+          <a:p>
+            <a:r>
+              <a:rPr lang="en-US" b="1" dirty="0">
+                <a:hlinkClick r:id="rId2"/>
+              </a:rPr>
+              <a:t>BE OUR NEXT INSPIRATION MAKER!</a:t>
+            </a:r>
+            <a:endParaRPr lang="en-US" dirty="0">
+              <a:solidFill>
+                <a:schemeClr val="tx1"/>
+              </a:solidFill>
+            </a:endParaRPr>
+          </a:p>
+        </p:txBody>
+      </p:sp>
+    </p:spTree>
+    <p:extLst>
+      <p:ext uri="{BB962C8B-B14F-4D97-AF65-F5344CB8AC3E}">
+        <p14:creationId xmlns:p14="http://schemas.microsoft.com/office/powerpoint/2010/main" val="1972293397"/>
+      </p:ext>
+    </p:extLst>
+  </p:cSld>
+  <p:clrMapOvr>
+    <a:masterClrMapping/>
+  </p:clrMapOvr>
+  <p:timing>
+    <p:tnLst>
+      <p:par>
+        <p:cTn id="1" dur="indefinite" restart="never" nodeType="tmRoot"/>
+      </p:par>
+    </p:tnLst>
+  </p:timing>
+</p:sld>
+</file>
+
+<file path=ppt/slides/slide41.xml><?xml version="1.0" encoding="utf-8"?>
+<p:sld xmlns:a="http://schemas.openxmlformats.org/drawingml/2006/main" xmlns:r="http://schemas.openxmlformats.org/officeDocument/2006/relationships" xmlns:p="http://schemas.openxmlformats.org/presentationml/2006/main">
+  <p:cSld>
+    <p:spTree>
+      <p:nvGrpSpPr>
+        <p:cNvPr id="1" name=""/>
+        <p:cNvGrpSpPr/>
+        <p:nvPr/>
+      </p:nvGrpSpPr>
+      <p:grpSpPr>
+        <a:xfrm>
+          <a:off x="0" y="0"/>
+          <a:ext cx="0" cy="0"/>
+          <a:chOff x="0" y="0"/>
+          <a:chExt cx="0" cy="0"/>
+        </a:xfrm>
+      </p:grpSpPr>
+      <p:sp>
+        <p:nvSpPr>
+          <p:cNvPr id="3" name="Segnaposto contenuto 2"/>
+          <p:cNvSpPr>
+            <a:spLocks noGrp="1"/>
+          </p:cNvSpPr>
+          <p:nvPr>
+            <p:ph idx="1"/>
+          </p:nvPr>
+        </p:nvSpPr>
+        <p:spPr/>
+        <p:txBody>
+          <a:bodyPr/>
+          <a:lstStyle/>
+          <a:p>
+            <a:pPr>
+              <a:buNone/>
+            </a:pPr>
+            <a:r>
+              <a:rPr lang="en-US" i="1" dirty="0" smtClean="0"/>
+              <a:t>Demo steps</a:t>
+            </a:r>
+            <a:endParaRPr lang="en-US" i="1" dirty="0"/>
+          </a:p>
+        </p:txBody>
+      </p:sp>
+      <p:sp>
+        <p:nvSpPr>
+          <p:cNvPr id="4" name="Segnaposto data 3"/>
+          <p:cNvSpPr>
+            <a:spLocks noGrp="1"/>
+          </p:cNvSpPr>
+          <p:nvPr>
+            <p:ph type="dt" sz="half" idx="10"/>
+          </p:nvPr>
+        </p:nvSpPr>
+        <p:spPr/>
+        <p:txBody>
+          <a:bodyPr/>
+          <a:lstStyle/>
+          <a:p>
+            <a:fld id="{F8078618-4CAE-48E8-A205-9D92A68D094A}" type="datetime1">
+              <a:rPr lang="en-US" smtClean="0"/>
+              <a:pPr/>
+              <a:t>5/15/2019</a:t>
+            </a:fld>
+            <a:endParaRPr lang="en-US"/>
+          </a:p>
+        </p:txBody>
+      </p:sp>
+      <p:sp>
+        <p:nvSpPr>
+          <p:cNvPr id="5" name="Segnaposto numero diapositiva 4"/>
+          <p:cNvSpPr>
+            <a:spLocks noGrp="1"/>
+          </p:cNvSpPr>
+          <p:nvPr>
+            <p:ph type="sldNum" sz="quarter" idx="12"/>
+          </p:nvPr>
+        </p:nvSpPr>
+        <p:spPr/>
+        <p:txBody>
+          <a:bodyPr/>
+          <a:lstStyle/>
+          <a:p>
+            <a:fld id="{02623B3A-910D-43F4-BBA9-9429D5B0014D}" type="slidenum">
+              <a:rPr lang="en-US" smtClean="0"/>
+              <a:pPr/>
+              <a:t>41</a:t>
+            </a:fld>
+            <a:endParaRPr lang="en-US"/>
+          </a:p>
+        </p:txBody>
+      </p:sp>
+      <p:sp>
+        <p:nvSpPr>
+          <p:cNvPr id="8" name="Sottotitolo 7"/>
+          <p:cNvSpPr>
+            <a:spLocks noGrp="1"/>
+          </p:cNvSpPr>
+          <p:nvPr>
+            <p:ph type="subTitle" idx="14"/>
+          </p:nvPr>
+        </p:nvSpPr>
+        <p:spPr/>
+        <p:txBody>
+          <a:bodyPr/>
+          <a:lstStyle/>
+          <a:p>
+            <a:r>
+              <a:rPr lang="en-US" b="1" dirty="0" smtClean="0">
+                <a:solidFill>
+                  <a:schemeClr val="tx1"/>
+                </a:solidFill>
+              </a:rPr>
+              <a:t>Demo</a:t>
+            </a:r>
+            <a:endParaRPr lang="en-US" b="1" dirty="0">
+              <a:solidFill>
+                <a:schemeClr val="tx1"/>
+              </a:solidFill>
+            </a:endParaRPr>
+          </a:p>
+        </p:txBody>
+      </p:sp>
+    </p:spTree>
+  </p:cSld>
+  <p:clrMapOvr>
+    <a:masterClrMapping/>
+  </p:clrMapOvr>
+  <p:timing>
+    <p:tnLst>
+      <p:par>
+        <p:cTn id="1" dur="indefinite" restart="never" nodeType="tmRoot"/>
+      </p:par>
+    </p:tnLst>
+  </p:timing>
+</p:sld>
+</file>
+
+<file path=ppt/slides/slide42.xml><?xml version="1.0" encoding="utf-8"?>
+<p:sld xmlns:a="http://schemas.openxmlformats.org/drawingml/2006/main" xmlns:r="http://schemas.openxmlformats.org/officeDocument/2006/relationships" xmlns:p="http://schemas.openxmlformats.org/presentationml/2006/main">
+  <p:cSld>
+    <p:spTree>
+      <p:nvGrpSpPr>
+        <p:cNvPr id="1" name=""/>
+        <p:cNvGrpSpPr/>
+        <p:nvPr/>
+      </p:nvGrpSpPr>
+      <p:grpSpPr>
+        <a:xfrm>
+          <a:off x="0" y="0"/>
+          <a:ext cx="0" cy="0"/>
+          <a:chOff x="0" y="0"/>
+          <a:chExt cx="0" cy="0"/>
+        </a:xfrm>
+      </p:grpSpPr>
+      <p:sp>
+        <p:nvSpPr>
+          <p:cNvPr id="8" name="Segnaposto contenuto 7"/>
+          <p:cNvSpPr>
+            <a:spLocks noGrp="1"/>
+          </p:cNvSpPr>
+          <p:nvPr>
+            <p:ph idx="1"/>
+          </p:nvPr>
+        </p:nvSpPr>
+        <p:spPr/>
+        <p:txBody>
+          <a:bodyPr/>
+          <a:lstStyle/>
+          <a:p>
+            <a:endParaRPr lang="en-US" dirty="0"/>
+          </a:p>
+        </p:txBody>
+      </p:sp>
+      <p:sp>
+        <p:nvSpPr>
+          <p:cNvPr id="4" name="Segnaposto data 3"/>
+          <p:cNvSpPr>
+            <a:spLocks noGrp="1"/>
+          </p:cNvSpPr>
+          <p:nvPr>
+            <p:ph type="dt" sz="half" idx="10"/>
+          </p:nvPr>
+        </p:nvSpPr>
+        <p:spPr/>
+        <p:txBody>
+          <a:bodyPr/>
+          <a:lstStyle/>
+          <a:p>
+            <a:fld id="{F8078618-4CAE-48E8-A205-9D92A68D094A}" type="datetime1">
+              <a:rPr lang="en-US" smtClean="0"/>
+              <a:pPr/>
+              <a:t>5/15/2019</a:t>
+            </a:fld>
+            <a:endParaRPr lang="en-US"/>
+          </a:p>
+        </p:txBody>
+      </p:sp>
+      <p:sp>
+        <p:nvSpPr>
+          <p:cNvPr id="5" name="Segnaposto numero diapositiva 4"/>
+          <p:cNvSpPr>
+            <a:spLocks noGrp="1"/>
+          </p:cNvSpPr>
+          <p:nvPr>
+            <p:ph type="sldNum" sz="quarter" idx="12"/>
+          </p:nvPr>
+        </p:nvSpPr>
+        <p:spPr/>
+        <p:txBody>
+          <a:bodyPr/>
+          <a:lstStyle/>
+          <a:p>
+            <a:fld id="{02623B3A-910D-43F4-BBA9-9429D5B0014D}" type="slidenum">
+              <a:rPr lang="en-US" smtClean="0"/>
+              <a:pPr/>
+              <a:t>42</a:t>
             </a:fld>
             <a:endParaRPr lang="en-US"/>
           </a:p>
@@ -11097,7 +11424,7 @@
             <a:fld id="{F8078618-4CAE-48E8-A205-9D92A68D094A}" type="datetime1">
               <a:rPr lang="en-US" smtClean="0"/>
               <a:pPr/>
-              <a:t>5/14/2019</a:t>
+              <a:t>5/15/2019</a:t>
             </a:fld>
             <a:endParaRPr lang="en-US"/>
           </a:p>
@@ -11218,7 +11545,7 @@
             <a:fld id="{F8078618-4CAE-48E8-A205-9D92A68D094A}" type="datetime1">
               <a:rPr lang="en-US" smtClean="0"/>
               <a:pPr/>
-              <a:t>5/14/2019</a:t>
+              <a:t>5/15/2019</a:t>
             </a:fld>
             <a:endParaRPr lang="en-US"/>
           </a:p>
@@ -11396,7 +11723,6 @@
               <a:rPr lang="en-US" dirty="0" smtClean="0"/>
               <a:t>A frame of reference to keep up-to-date with security threats.</a:t>
             </a:r>
-            <a:endParaRPr lang="en-US" dirty="0" smtClean="0"/>
           </a:p>
           <a:p>
             <a:endParaRPr lang="en-US" dirty="0" smtClean="0"/>
@@ -11424,7 +11750,7 @@
             <a:fld id="{F8078618-4CAE-48E8-A205-9D92A68D094A}" type="datetime1">
               <a:rPr lang="en-US" smtClean="0"/>
               <a:pPr/>
-              <a:t>5/14/2019</a:t>
+              <a:t>5/15/2019</a:t>
             </a:fld>
             <a:endParaRPr lang="en-US"/>
           </a:p>
@@ -11735,7 +12061,7 @@
             <a:fld id="{DD590542-A0EB-48D5-9722-C0A8052BF4A2}" type="datetime1">
               <a:rPr lang="en-US" smtClean="0"/>
               <a:pPr/>
-              <a:t>5/14/2019</a:t>
+              <a:t>5/15/2019</a:t>
             </a:fld>
             <a:endParaRPr lang="en-US" dirty="0"/>
           </a:p>
@@ -11899,7 +12225,7 @@
             <a:fld id="{F8078618-4CAE-48E8-A205-9D92A68D094A}" type="datetime1">
               <a:rPr lang="en-US" smtClean="0"/>
               <a:pPr/>
-              <a:t>5/14/2019</a:t>
+              <a:t>5/15/2019</a:t>
             </a:fld>
             <a:endParaRPr lang="en-US"/>
           </a:p>
@@ -12981,18 +13307,6 @@
 </file>
 
 <file path=customXml/item1.xml><?xml version="1.0" encoding="utf-8"?>
-<p:properties xmlns:p="http://schemas.microsoft.com/office/2006/metadata/properties" xmlns:xsi="http://www.w3.org/2001/XMLSchema-instance" xmlns:pc="http://schemas.microsoft.com/office/infopath/2007/PartnerControls">
-  <documentManagement>
-    <Module xmlns="00f996c0-c54d-4e74-bd1f-4dc98d288dc1">Other</Module>
-    <Comment xmlns="00f996c0-c54d-4e74-bd1f-4dc98d288dc1" xsi:nil="true"/>
-    <Manual xmlns="00f996c0-c54d-4e74-bd1f-4dc98d288dc1">Research Activities</Manual>
-    <Language xmlns="00f996c0-c54d-4e74-bd1f-4dc98d288dc1">EN</Language>
-    <Application xmlns="00f996c0-c54d-4e74-bd1f-4dc98d288dc1">DAX2012</Application>
-  </documentManagement>
-</p:properties>
-</file>
-
-<file path=customXml/item2.xml><?xml version="1.0" encoding="utf-8"?>
 <ct:contentTypeSchema xmlns:ct="http://schemas.microsoft.com/office/2006/metadata/contentType" xmlns:ma="http://schemas.microsoft.com/office/2006/metadata/properties/metaAttributes" ct:_="" ma:_="" ma:contentTypeName="Document" ma:contentTypeID="0x01010047BE36A7D7E3284AAF54A9304029004A" ma:contentTypeVersion="5" ma:contentTypeDescription="Create a new document." ma:contentTypeScope="" ma:versionID="c41cecac77d1fce3cca08e421bb73e78">
   <xsd:schema xmlns:xsd="http://www.w3.org/2001/XMLSchema" xmlns:xs="http://www.w3.org/2001/XMLSchema" xmlns:p="http://schemas.microsoft.com/office/2006/metadata/properties" xmlns:ns2="00f996c0-c54d-4e74-bd1f-4dc98d288dc1" targetNamespace="http://schemas.microsoft.com/office/2006/metadata/properties" ma:root="true" ma:fieldsID="8170742d2341719c31d0929a5c17f8bb" ns2:_="">
     <xsd:import namespace="00f996c0-c54d-4e74-bd1f-4dc98d288dc1"/>
@@ -13161,6 +13475,18 @@
 </ct:contentTypeSchema>
 </file>
 
+<file path=customXml/item2.xml><?xml version="1.0" encoding="utf-8"?>
+<p:properties xmlns:p="http://schemas.microsoft.com/office/2006/metadata/properties" xmlns:xsi="http://www.w3.org/2001/XMLSchema-instance" xmlns:pc="http://schemas.microsoft.com/office/infopath/2007/PartnerControls">
+  <documentManagement>
+    <Module xmlns="00f996c0-c54d-4e74-bd1f-4dc98d288dc1">Other</Module>
+    <Comment xmlns="00f996c0-c54d-4e74-bd1f-4dc98d288dc1" xsi:nil="true"/>
+    <Manual xmlns="00f996c0-c54d-4e74-bd1f-4dc98d288dc1">Research Activities</Manual>
+    <Language xmlns="00f996c0-c54d-4e74-bd1f-4dc98d288dc1">EN</Language>
+    <Application xmlns="00f996c0-c54d-4e74-bd1f-4dc98d288dc1">DAX2012</Application>
+  </documentManagement>
+</p:properties>
+</file>
+
 <file path=customXml/item3.xml><?xml version="1.0" encoding="utf-8"?>
 <?mso-contentType ?>
 <FormTemplates xmlns="http://schemas.microsoft.com/sharepoint/v3/contenttype/forms">
@@ -13171,22 +13497,6 @@
 </file>
 
 <file path=customXml/itemProps1.xml><?xml version="1.0" encoding="utf-8"?>
-<ds:datastoreItem xmlns:ds="http://schemas.openxmlformats.org/officeDocument/2006/customXml" ds:itemID="{00BE2236-5581-4DC9-88C8-7D3CDFC20C7F}">
-  <ds:schemaRefs>
-    <ds:schemaRef ds:uri="http://schemas.microsoft.com/office/2006/metadata/properties"/>
-    <ds:schemaRef ds:uri="http://purl.org/dc/terms/"/>
-    <ds:schemaRef ds:uri="http://schemas.openxmlformats.org/package/2006/metadata/core-properties"/>
-    <ds:schemaRef ds:uri="http://schemas.microsoft.com/office/2006/documentManagement/types"/>
-    <ds:schemaRef ds:uri="http://schemas.microsoft.com/office/infopath/2007/PartnerControls"/>
-    <ds:schemaRef ds:uri="00f996c0-c54d-4e74-bd1f-4dc98d288dc1"/>
-    <ds:schemaRef ds:uri="http://purl.org/dc/elements/1.1/"/>
-    <ds:schemaRef ds:uri="http://www.w3.org/XML/1998/namespace"/>
-    <ds:schemaRef ds:uri="http://purl.org/dc/dcmitype/"/>
-  </ds:schemaRefs>
-</ds:datastoreItem>
-</file>
-
-<file path=customXml/itemProps2.xml><?xml version="1.0" encoding="utf-8"?>
 <ds:datastoreItem xmlns:ds="http://schemas.openxmlformats.org/officeDocument/2006/customXml" ds:itemID="{742DA801-DDF4-459E-9485-7A79D9BBB6B7}">
   <ds:schemaRefs>
     <ds:schemaRef ds:uri="http://schemas.microsoft.com/office/2006/metadata/contentType"/>
@@ -13204,6 +13514,22 @@
 </ds:datastoreItem>
 </file>
 
+<file path=customXml/itemProps2.xml><?xml version="1.0" encoding="utf-8"?>
+<ds:datastoreItem xmlns:ds="http://schemas.openxmlformats.org/officeDocument/2006/customXml" ds:itemID="{00BE2236-5581-4DC9-88C8-7D3CDFC20C7F}">
+  <ds:schemaRefs>
+    <ds:schemaRef ds:uri="http://schemas.microsoft.com/office/2006/metadata/properties"/>
+    <ds:schemaRef ds:uri="http://purl.org/dc/terms/"/>
+    <ds:schemaRef ds:uri="http://schemas.openxmlformats.org/package/2006/metadata/core-properties"/>
+    <ds:schemaRef ds:uri="http://schemas.microsoft.com/office/2006/documentManagement/types"/>
+    <ds:schemaRef ds:uri="http://schemas.microsoft.com/office/infopath/2007/PartnerControls"/>
+    <ds:schemaRef ds:uri="00f996c0-c54d-4e74-bd1f-4dc98d288dc1"/>
+    <ds:schemaRef ds:uri="http://purl.org/dc/elements/1.1/"/>
+    <ds:schemaRef ds:uri="http://www.w3.org/XML/1998/namespace"/>
+    <ds:schemaRef ds:uri="http://purl.org/dc/dcmitype/"/>
+  </ds:schemaRefs>
+</ds:datastoreItem>
+</file>
+
 <file path=customXml/itemProps3.xml><?xml version="1.0" encoding="utf-8"?>
 <ds:datastoreItem xmlns:ds="http://schemas.openxmlformats.org/officeDocument/2006/customXml" ds:itemID="{AD1EB6FD-9432-44B6-B1BD-B86A98CDAAFE}">
   <ds:schemaRefs>
